--- a/docs/Introdução ao Domain-Driven-Design (DDD).pptx
+++ b/docs/Introdução ao Domain-Driven-Design (DDD).pptx
@@ -6,24 +6,36 @@
     <p:sldMasterId id="2147483738" r:id="rId2"/>
   </p:sldMasterIdLst>
   <p:notesMasterIdLst>
-    <p:notesMasterId r:id="rId18"/>
+    <p:notesMasterId r:id="rId30"/>
   </p:notesMasterIdLst>
   <p:sldIdLst>
     <p:sldId id="256" r:id="rId3"/>
     <p:sldId id="264" r:id="rId4"/>
-    <p:sldId id="291" r:id="rId5"/>
-    <p:sldId id="288" r:id="rId6"/>
-    <p:sldId id="281" r:id="rId7"/>
-    <p:sldId id="290" r:id="rId8"/>
-    <p:sldId id="282" r:id="rId9"/>
-    <p:sldId id="283" r:id="rId10"/>
-    <p:sldId id="284" r:id="rId11"/>
-    <p:sldId id="285" r:id="rId12"/>
-    <p:sldId id="286" r:id="rId13"/>
-    <p:sldId id="287" r:id="rId14"/>
-    <p:sldId id="289" r:id="rId15"/>
-    <p:sldId id="280" r:id="rId16"/>
-    <p:sldId id="258" r:id="rId17"/>
+    <p:sldId id="297" r:id="rId5"/>
+    <p:sldId id="291" r:id="rId6"/>
+    <p:sldId id="298" r:id="rId7"/>
+    <p:sldId id="299" r:id="rId8"/>
+    <p:sldId id="300" r:id="rId9"/>
+    <p:sldId id="293" r:id="rId10"/>
+    <p:sldId id="288" r:id="rId11"/>
+    <p:sldId id="294" r:id="rId12"/>
+    <p:sldId id="295" r:id="rId13"/>
+    <p:sldId id="296" r:id="rId14"/>
+    <p:sldId id="281" r:id="rId15"/>
+    <p:sldId id="301" r:id="rId16"/>
+    <p:sldId id="302" r:id="rId17"/>
+    <p:sldId id="290" r:id="rId18"/>
+    <p:sldId id="292" r:id="rId19"/>
+    <p:sldId id="282" r:id="rId20"/>
+    <p:sldId id="283" r:id="rId21"/>
+    <p:sldId id="284" r:id="rId22"/>
+    <p:sldId id="285" r:id="rId23"/>
+    <p:sldId id="286" r:id="rId24"/>
+    <p:sldId id="287" r:id="rId25"/>
+    <p:sldId id="289" r:id="rId26"/>
+    <p:sldId id="303" r:id="rId27"/>
+    <p:sldId id="280" r:id="rId28"/>
+    <p:sldId id="258" r:id="rId29"/>
   </p:sldIdLst>
   <p:sldSz cx="9144000" cy="6858000" type="screen4x3"/>
   <p:notesSz cx="6858000" cy="9144000"/>
@@ -124,7 +136,7 @@
   </p:defaultTextStyle>
   <p:extLst>
     <p:ext uri="{EFAFB233-063F-42B5-8137-9DF3F51BA10A}">
-      <p15:sldGuideLst xmlns="" xmlns:p15="http://schemas.microsoft.com/office/powerpoint/2012/main">
+      <p15:sldGuideLst xmlns:p15="http://schemas.microsoft.com/office/powerpoint/2012/main">
         <p15:guide id="1" orient="horz" pos="2160">
           <p15:clr>
             <a:srgbClr val="A4A3A4"/>
@@ -7774,7 +7786,7 @@
           </a:blip>
           <a:srcRect/>
           <a:stretch>
-            <a:fillRect t="-17000" b="-17000"/>
+            <a:fillRect l="-6000" r="-6000"/>
           </a:stretch>
         </a:blipFill>
         <a:effectLst/>
@@ -8313,7 +8325,7 @@
           </a:blip>
           <a:srcRect/>
           <a:stretch>
-            <a:fillRect t="-17000" b="-17000"/>
+            <a:fillRect l="-6000" r="-6000"/>
           </a:stretch>
         </a:blipFill>
         <a:effectLst/>
@@ -9205,8 +9217,8 @@
           <a:lstStyle/>
           <a:p>
             <a:r>
-              <a:rPr lang="pt-BR" dirty="0" err="1" smtClean="0"/>
-              <a:t>Repositories</a:t>
+              <a:rPr lang="pt-BR" dirty="0" smtClean="0"/>
+              <a:t>Estilos Arquiteturais</a:t>
             </a:r>
             <a:endParaRPr lang="pt-BR" dirty="0"/>
           </a:p>
@@ -9227,36 +9239,101 @@
           <a:bodyPr/>
           <a:lstStyle/>
           <a:p>
-            <a:r>
-              <a:rPr lang="pt-BR" dirty="0" smtClean="0"/>
-              <a:t>Abstração da camada de persistência</a:t>
-            </a:r>
-          </a:p>
-          <a:p>
-            <a:r>
-              <a:rPr lang="pt-BR" dirty="0" smtClean="0"/>
-              <a:t>Busca de dados</a:t>
-            </a:r>
-            <a:endParaRPr lang="pt-BR" dirty="0"/>
-          </a:p>
-        </p:txBody>
-      </p:sp>
+            <a:endParaRPr lang="pt-BR"/>
+          </a:p>
+        </p:txBody>
+      </p:sp>
+      <p:pic>
+        <p:nvPicPr>
+          <p:cNvPr id="1028" name="Picture 4"/>
+          <p:cNvPicPr>
+            <a:picLocks noChangeAspect="1" noChangeArrowheads="1"/>
+          </p:cNvPicPr>
+          <p:nvPr/>
+        </p:nvPicPr>
+        <p:blipFill>
+          <a:blip r:embed="rId2">
+            <a:extLst>
+              <a:ext uri="{28A0092B-C50C-407E-A947-70E740481C1C}">
+                <a14:useLocalDpi xmlns:a14="http://schemas.microsoft.com/office/drawing/2010/main" val="0"/>
+              </a:ext>
+            </a:extLst>
+          </a:blip>
+          <a:srcRect/>
+          <a:stretch>
+            <a:fillRect/>
+          </a:stretch>
+        </p:blipFill>
+        <p:spPr bwMode="auto">
+          <a:xfrm>
+            <a:off x="2987824" y="1988840"/>
+            <a:ext cx="2924175" cy="3781425"/>
+          </a:xfrm>
+          <a:prstGeom prst="rect">
+            <a:avLst/>
+          </a:prstGeom>
+          <a:noFill/>
+          <a:ln>
+            <a:noFill/>
+          </a:ln>
+          <a:extLst>
+            <a:ext uri="{909E8E84-426E-40DD-AFC4-6F175D3DCCD1}">
+              <a14:hiddenFill xmlns:a14="http://schemas.microsoft.com/office/drawing/2010/main">
+                <a:solidFill>
+                  <a:schemeClr val="accent1"/>
+                </a:solidFill>
+              </a14:hiddenFill>
+            </a:ext>
+            <a:ext uri="{91240B29-F687-4F45-9708-019B960494DF}">
+              <a14:hiddenLine xmlns:a14="http://schemas.microsoft.com/office/drawing/2010/main" w="9525">
+                <a:solidFill>
+                  <a:schemeClr val="tx1"/>
+                </a:solidFill>
+                <a:miter lim="800000"/>
+                <a:headEnd/>
+                <a:tailEnd/>
+              </a14:hiddenLine>
+            </a:ext>
+          </a:extLst>
+        </p:spPr>
+      </p:pic>
     </p:spTree>
     <p:extLst>
       <p:ext uri="{BB962C8B-B14F-4D97-AF65-F5344CB8AC3E}">
-        <p14:creationId xmlns:p14="http://schemas.microsoft.com/office/powerpoint/2010/main" val="789462074"/>
+        <p14:creationId xmlns:p14="http://schemas.microsoft.com/office/powerpoint/2010/main" val="1482466951"/>
       </p:ext>
     </p:extLst>
   </p:cSld>
   <p:clrMapOvr>
     <a:masterClrMapping/>
   </p:clrMapOvr>
+  <p:timing>
+    <p:tnLst>
+      <p:par>
+        <p:cTn id="1" dur="indefinite" restart="never" nodeType="tmRoot"/>
+      </p:par>
+    </p:tnLst>
+  </p:timing>
 </p:sld>
 </file>
 
 <file path=ppt/slides/slide11.xml><?xml version="1.0" encoding="utf-8"?>
 <p:sld xmlns:a="http://schemas.openxmlformats.org/drawingml/2006/main" xmlns:r="http://schemas.openxmlformats.org/officeDocument/2006/relationships" xmlns:p="http://schemas.openxmlformats.org/presentationml/2006/main">
   <p:cSld>
+    <p:bg>
+      <p:bgPr>
+        <a:blipFill dpi="0" rotWithShape="1">
+          <a:blip r:embed="rId2">
+            <a:lum/>
+          </a:blip>
+          <a:srcRect/>
+          <a:stretch>
+            <a:fillRect l="-10000" r="-10000"/>
+          </a:stretch>
+        </a:blipFill>
+        <a:effectLst/>
+      </p:bgPr>
+    </p:bg>
     <p:spTree>
       <p:nvGrpSpPr>
         <p:cNvPr id="1" name=""/>
@@ -9288,7 +9365,7 @@
           <a:p>
             <a:r>
               <a:rPr lang="pt-BR" dirty="0" smtClean="0"/>
-              <a:t>Services</a:t>
+              <a:t>Estilos Arquiteturais</a:t>
             </a:r>
             <a:endParaRPr lang="pt-BR" dirty="0"/>
           </a:p>
@@ -9309,30 +9386,81 @@
           <a:bodyPr/>
           <a:lstStyle/>
           <a:p>
-            <a:r>
-              <a:rPr lang="pt-BR" dirty="0" smtClean="0"/>
-              <a:t>Serviços de domínio</a:t>
-            </a:r>
-          </a:p>
-          <a:p>
-            <a:r>
-              <a:rPr lang="pt-BR" dirty="0" smtClean="0"/>
-              <a:t>Não guardam estado</a:t>
-            </a:r>
-            <a:endParaRPr lang="pt-BR" dirty="0"/>
-          </a:p>
-        </p:txBody>
-      </p:sp>
+            <a:endParaRPr lang="pt-BR"/>
+          </a:p>
+        </p:txBody>
+      </p:sp>
+      <p:pic>
+        <p:nvPicPr>
+          <p:cNvPr id="1029" name="Picture 5"/>
+          <p:cNvPicPr>
+            <a:picLocks noChangeAspect="1" noChangeArrowheads="1"/>
+          </p:cNvPicPr>
+          <p:nvPr/>
+        </p:nvPicPr>
+        <p:blipFill>
+          <a:blip r:embed="rId3">
+            <a:extLst>
+              <a:ext uri="{28A0092B-C50C-407E-A947-70E740481C1C}">
+                <a14:useLocalDpi xmlns:a14="http://schemas.microsoft.com/office/drawing/2010/main" val="0"/>
+              </a:ext>
+            </a:extLst>
+          </a:blip>
+          <a:srcRect/>
+          <a:stretch>
+            <a:fillRect/>
+          </a:stretch>
+        </p:blipFill>
+        <p:spPr bwMode="auto">
+          <a:xfrm>
+            <a:off x="1331640" y="1324648"/>
+            <a:ext cx="6305550" cy="5524500"/>
+          </a:xfrm>
+          <a:prstGeom prst="rect">
+            <a:avLst/>
+          </a:prstGeom>
+          <a:noFill/>
+          <a:ln>
+            <a:noFill/>
+          </a:ln>
+          <a:extLst>
+            <a:ext uri="{909E8E84-426E-40DD-AFC4-6F175D3DCCD1}">
+              <a14:hiddenFill xmlns:a14="http://schemas.microsoft.com/office/drawing/2010/main">
+                <a:solidFill>
+                  <a:schemeClr val="accent1"/>
+                </a:solidFill>
+              </a14:hiddenFill>
+            </a:ext>
+            <a:ext uri="{91240B29-F687-4F45-9708-019B960494DF}">
+              <a14:hiddenLine xmlns:a14="http://schemas.microsoft.com/office/drawing/2010/main" w="9525">
+                <a:solidFill>
+                  <a:schemeClr val="tx1"/>
+                </a:solidFill>
+                <a:miter lim="800000"/>
+                <a:headEnd/>
+                <a:tailEnd/>
+              </a14:hiddenLine>
+            </a:ext>
+          </a:extLst>
+        </p:spPr>
+      </p:pic>
     </p:spTree>
     <p:extLst>
       <p:ext uri="{BB962C8B-B14F-4D97-AF65-F5344CB8AC3E}">
-        <p14:creationId xmlns:p14="http://schemas.microsoft.com/office/powerpoint/2010/main" val="3198269696"/>
+        <p14:creationId xmlns:p14="http://schemas.microsoft.com/office/powerpoint/2010/main" val="248221232"/>
       </p:ext>
     </p:extLst>
   </p:cSld>
   <p:clrMapOvr>
     <a:masterClrMapping/>
   </p:clrMapOvr>
+  <p:timing>
+    <p:tnLst>
+      <p:par>
+        <p:cTn id="1" dur="indefinite" restart="never" nodeType="tmRoot"/>
+      </p:par>
+    </p:tnLst>
+  </p:timing>
 </p:sld>
 </file>
 
@@ -9370,11 +9498,7 @@
           <a:p>
             <a:r>
               <a:rPr lang="pt-BR" dirty="0" smtClean="0"/>
-              <a:t>Domain </a:t>
-            </a:r>
-            <a:r>
-              <a:rPr lang="pt-BR" dirty="0" err="1" smtClean="0"/>
-              <a:t>Events</a:t>
+              <a:t>Estilos Arquiteturais</a:t>
             </a:r>
             <a:endParaRPr lang="pt-BR" dirty="0"/>
           </a:p>
@@ -9399,16 +9523,77 @@
           </a:p>
         </p:txBody>
       </p:sp>
+      <p:pic>
+        <p:nvPicPr>
+          <p:cNvPr id="1030" name="Picture 6"/>
+          <p:cNvPicPr>
+            <a:picLocks noChangeAspect="1" noChangeArrowheads="1"/>
+          </p:cNvPicPr>
+          <p:nvPr/>
+        </p:nvPicPr>
+        <p:blipFill>
+          <a:blip r:embed="rId2">
+            <a:extLst>
+              <a:ext uri="{28A0092B-C50C-407E-A947-70E740481C1C}">
+                <a14:useLocalDpi xmlns:a14="http://schemas.microsoft.com/office/drawing/2010/main" val="0"/>
+              </a:ext>
+            </a:extLst>
+          </a:blip>
+          <a:srcRect/>
+          <a:stretch>
+            <a:fillRect/>
+          </a:stretch>
+        </p:blipFill>
+        <p:spPr bwMode="auto">
+          <a:xfrm>
+            <a:off x="1403648" y="2577306"/>
+            <a:ext cx="6210300" cy="2847975"/>
+          </a:xfrm>
+          <a:prstGeom prst="rect">
+            <a:avLst/>
+          </a:prstGeom>
+          <a:noFill/>
+          <a:ln>
+            <a:noFill/>
+          </a:ln>
+          <a:extLst>
+            <a:ext uri="{909E8E84-426E-40DD-AFC4-6F175D3DCCD1}">
+              <a14:hiddenFill xmlns:a14="http://schemas.microsoft.com/office/drawing/2010/main">
+                <a:solidFill>
+                  <a:schemeClr val="accent1"/>
+                </a:solidFill>
+              </a14:hiddenFill>
+            </a:ext>
+            <a:ext uri="{91240B29-F687-4F45-9708-019B960494DF}">
+              <a14:hiddenLine xmlns:a14="http://schemas.microsoft.com/office/drawing/2010/main" w="9525">
+                <a:solidFill>
+                  <a:schemeClr val="tx1"/>
+                </a:solidFill>
+                <a:miter lim="800000"/>
+                <a:headEnd/>
+                <a:tailEnd/>
+              </a14:hiddenLine>
+            </a:ext>
+          </a:extLst>
+        </p:spPr>
+      </p:pic>
     </p:spTree>
     <p:extLst>
       <p:ext uri="{BB962C8B-B14F-4D97-AF65-F5344CB8AC3E}">
-        <p14:creationId xmlns:p14="http://schemas.microsoft.com/office/powerpoint/2010/main" val="1328286594"/>
+        <p14:creationId xmlns:p14="http://schemas.microsoft.com/office/powerpoint/2010/main" val="2265128926"/>
       </p:ext>
     </p:extLst>
   </p:cSld>
   <p:clrMapOvr>
     <a:masterClrMapping/>
   </p:clrMapOvr>
+  <p:timing>
+    <p:tnLst>
+      <p:par>
+        <p:cTn id="1" dur="indefinite" restart="never" nodeType="tmRoot"/>
+      </p:par>
+    </p:tnLst>
+  </p:timing>
 </p:sld>
 </file>
 
@@ -9446,7 +9631,7 @@
           <a:p>
             <a:r>
               <a:rPr lang="pt-BR" dirty="0" err="1" smtClean="0"/>
-              <a:t>Anticorruption</a:t>
+              <a:t>Bounded</a:t>
             </a:r>
             <a:r>
               <a:rPr lang="pt-BR" dirty="0" smtClean="0"/>
@@ -9454,7 +9639,7 @@
             </a:r>
             <a:r>
               <a:rPr lang="pt-BR" dirty="0" err="1" smtClean="0"/>
-              <a:t>Layer</a:t>
+              <a:t>Context</a:t>
             </a:r>
             <a:endParaRPr lang="pt-BR" dirty="0"/>
           </a:p>
@@ -9479,16 +9664,105 @@
           </a:p>
         </p:txBody>
       </p:sp>
+      <p:sp>
+        <p:nvSpPr>
+          <p:cNvPr id="4" name="Retângulo 3"/>
+          <p:cNvSpPr/>
+          <p:nvPr/>
+        </p:nvSpPr>
+        <p:spPr>
+          <a:xfrm>
+            <a:off x="2282500" y="6093296"/>
+            <a:ext cx="4572000" cy="646331"/>
+          </a:xfrm>
+          <a:prstGeom prst="rect">
+            <a:avLst/>
+          </a:prstGeom>
+        </p:spPr>
+        <p:txBody>
+          <a:bodyPr>
+            <a:spAutoFit/>
+          </a:bodyPr>
+          <a:lstStyle/>
+          <a:p>
+            <a:r>
+              <a:rPr lang="pt-BR" dirty="0"/>
+              <a:t>https://martinfowler.com/bliki/BoundedContext.html</a:t>
+            </a:r>
+          </a:p>
+        </p:txBody>
+      </p:sp>
+      <p:pic>
+        <p:nvPicPr>
+          <p:cNvPr id="2051" name="Picture 3"/>
+          <p:cNvPicPr>
+            <a:picLocks noChangeAspect="1" noChangeArrowheads="1"/>
+          </p:cNvPicPr>
+          <p:nvPr/>
+        </p:nvPicPr>
+        <p:blipFill>
+          <a:blip r:embed="rId2">
+            <a:extLst>
+              <a:ext uri="{28A0092B-C50C-407E-A947-70E740481C1C}">
+                <a14:useLocalDpi xmlns:a14="http://schemas.microsoft.com/office/drawing/2010/main" val="0"/>
+              </a:ext>
+            </a:extLst>
+          </a:blip>
+          <a:srcRect/>
+          <a:stretch>
+            <a:fillRect/>
+          </a:stretch>
+        </p:blipFill>
+        <p:spPr bwMode="auto">
+          <a:xfrm>
+            <a:off x="1001818" y="1612164"/>
+            <a:ext cx="7351713" cy="4552950"/>
+          </a:xfrm>
+          <a:prstGeom prst="rect">
+            <a:avLst/>
+          </a:prstGeom>
+          <a:noFill/>
+          <a:ln>
+            <a:noFill/>
+          </a:ln>
+          <a:extLst>
+            <a:ext uri="{909E8E84-426E-40DD-AFC4-6F175D3DCCD1}">
+              <a14:hiddenFill xmlns:a14="http://schemas.microsoft.com/office/drawing/2010/main">
+                <a:solidFill>
+                  <a:schemeClr val="accent1"/>
+                </a:solidFill>
+              </a14:hiddenFill>
+            </a:ext>
+            <a:ext uri="{91240B29-F687-4F45-9708-019B960494DF}">
+              <a14:hiddenLine xmlns:a14="http://schemas.microsoft.com/office/drawing/2010/main" w="9525">
+                <a:solidFill>
+                  <a:schemeClr val="tx1"/>
+                </a:solidFill>
+                <a:miter lim="800000"/>
+                <a:headEnd/>
+                <a:tailEnd/>
+              </a14:hiddenLine>
+            </a:ext>
+          </a:extLst>
+        </p:spPr>
+      </p:pic>
     </p:spTree>
     <p:extLst>
       <p:ext uri="{BB962C8B-B14F-4D97-AF65-F5344CB8AC3E}">
-        <p14:creationId xmlns:p14="http://schemas.microsoft.com/office/powerpoint/2010/main" val="2839947608"/>
+        <p14:creationId xmlns:p14="http://schemas.microsoft.com/office/powerpoint/2010/main" val="4150398915"/>
       </p:ext>
     </p:extLst>
   </p:cSld>
   <p:clrMapOvr>
     <a:masterClrMapping/>
   </p:clrMapOvr>
+  <p:timing>
+    <p:tnLst>
+      <p:par>
+        <p:cTn id="1" dur="indefinite" restart="never" nodeType="tmRoot"/>
+      </p:par>
+    </p:tnLst>
+  </p:timing>
 </p:sld>
 </file>
 
@@ -9516,45 +9790,66 @@
             <a:spLocks noGrp="1"/>
           </p:cNvSpPr>
           <p:nvPr>
-            <p:ph type="ctrTitle"/>
-          </p:nvPr>
-        </p:nvSpPr>
-        <p:spPr/>
-        <p:txBody>
-          <a:bodyPr/>
-          <a:lstStyle/>
-          <a:p>
+            <p:ph type="title"/>
+          </p:nvPr>
+        </p:nvSpPr>
+        <p:spPr/>
+        <p:txBody>
+          <a:bodyPr/>
+          <a:lstStyle/>
+          <a:p>
+            <a:r>
+              <a:rPr lang="pt-BR" dirty="0" err="1" smtClean="0"/>
+              <a:t>Bounded</a:t>
+            </a:r>
             <a:r>
               <a:rPr lang="pt-BR" dirty="0" smtClean="0"/>
-              <a:t>Perguntas</a:t>
-            </a:r>
-            <a:endParaRPr lang="en-US" dirty="0"/>
-          </a:p>
-        </p:txBody>
-      </p:sp>
-      <p:sp>
-        <p:nvSpPr>
-          <p:cNvPr id="4" name="Subtítulo 3"/>
-          <p:cNvSpPr>
-            <a:spLocks noGrp="1"/>
-          </p:cNvSpPr>
-          <p:nvPr>
-            <p:ph type="subTitle" idx="1"/>
-          </p:nvPr>
-        </p:nvSpPr>
-        <p:spPr/>
-        <p:txBody>
-          <a:bodyPr/>
-          <a:lstStyle/>
-          <a:p>
-            <a:endParaRPr lang="pt-BR"/>
+              <a:t> </a:t>
+            </a:r>
+            <a:r>
+              <a:rPr lang="pt-BR" dirty="0" err="1" smtClean="0"/>
+              <a:t>Context</a:t>
+            </a:r>
+            <a:endParaRPr lang="pt-BR" dirty="0"/>
+          </a:p>
+        </p:txBody>
+      </p:sp>
+      <p:sp>
+        <p:nvSpPr>
+          <p:cNvPr id="3" name="Espaço Reservado para Conteúdo 2"/>
+          <p:cNvSpPr>
+            <a:spLocks noGrp="1"/>
+          </p:cNvSpPr>
+          <p:nvPr>
+            <p:ph idx="1"/>
+          </p:nvPr>
+        </p:nvSpPr>
+        <p:spPr/>
+        <p:txBody>
+          <a:bodyPr/>
+          <a:lstStyle/>
+          <a:p>
+            <a:r>
+              <a:rPr lang="pt-BR" dirty="0" smtClean="0"/>
+              <a:t>Define a aplicabilidade de um Modelo em particular</a:t>
+            </a:r>
+          </a:p>
+          <a:p>
+            <a:r>
+              <a:rPr lang="pt-BR" dirty="0" smtClean="0"/>
+              <a:t>Permite que cada Modelo seja explorado em isolamento</a:t>
+            </a:r>
+            <a:endParaRPr lang="pt-BR" dirty="0" smtClean="0"/>
+          </a:p>
+          <a:p>
+            <a:endParaRPr lang="pt-BR" dirty="0"/>
           </a:p>
         </p:txBody>
       </p:sp>
     </p:spTree>
     <p:extLst>
       <p:ext uri="{BB962C8B-B14F-4D97-AF65-F5344CB8AC3E}">
-        <p14:creationId xmlns:p14="http://schemas.microsoft.com/office/powerpoint/2010/main" val="3621802611"/>
+        <p14:creationId xmlns:p14="http://schemas.microsoft.com/office/powerpoint/2010/main" val="4243026570"/>
       </p:ext>
     </p:extLst>
   </p:cSld>
@@ -9605,9 +9900,9 @@
           <a:p>
             <a:r>
               <a:rPr lang="pt-BR" dirty="0" smtClean="0"/>
-              <a:t>Referências</a:t>
-            </a:r>
-            <a:endParaRPr lang="pt-BR" dirty="0"/>
+              <a:t>Linguagem Ubíqua</a:t>
+            </a:r>
+            <a:endParaRPr lang="en-US" dirty="0"/>
           </a:p>
         </p:txBody>
       </p:sp>
@@ -9622,62 +9917,889 @@
           </p:nvPr>
         </p:nvSpPr>
         <p:spPr/>
+        <p:txBody>
+          <a:bodyPr/>
+          <a:lstStyle/>
+          <a:p>
+            <a:r>
+              <a:rPr lang="pt-BR" dirty="0" smtClean="0"/>
+              <a:t>A linguagem ubíqua é falada dentro de um </a:t>
+            </a:r>
+            <a:r>
+              <a:rPr lang="pt-BR" dirty="0" err="1" smtClean="0"/>
+              <a:t>Bounded</a:t>
+            </a:r>
+            <a:r>
+              <a:rPr lang="pt-BR" dirty="0" smtClean="0"/>
+              <a:t> </a:t>
+            </a:r>
+            <a:r>
+              <a:rPr lang="pt-BR" dirty="0" err="1" smtClean="0"/>
+              <a:t>Context</a:t>
+            </a:r>
+            <a:r>
+              <a:rPr lang="pt-BR" dirty="0" smtClean="0"/>
+              <a:t>.</a:t>
+            </a:r>
+          </a:p>
+          <a:p>
+            <a:r>
+              <a:rPr lang="pt-BR" dirty="0" smtClean="0"/>
+              <a:t>Os termos precisam ser claramente definidos, não ambíguos e consistentes.</a:t>
+            </a:r>
+          </a:p>
+          <a:p>
+            <a:r>
+              <a:rPr lang="pt-BR" dirty="0" smtClean="0"/>
+              <a:t>Muito importante numa conversação entre especialistas de domínio e desenvolvedores.</a:t>
+            </a:r>
+          </a:p>
+          <a:p>
+            <a:r>
+              <a:rPr lang="pt-BR" dirty="0" smtClean="0"/>
+              <a:t>A linguagem ubíqua deve evoluir progressivamente.</a:t>
+            </a:r>
+          </a:p>
+          <a:p>
+            <a:r>
+              <a:rPr lang="pt-BR" dirty="0" smtClean="0"/>
+              <a:t>Se a linguagem ubíqua não está claro então há trabalho a ser feito.</a:t>
+            </a:r>
+            <a:endParaRPr lang="en-US" dirty="0"/>
+          </a:p>
+        </p:txBody>
+      </p:sp>
+    </p:spTree>
+    <p:extLst>
+      <p:ext uri="{BB962C8B-B14F-4D97-AF65-F5344CB8AC3E}">
+        <p14:creationId xmlns:p14="http://schemas.microsoft.com/office/powerpoint/2010/main" val="2253503239"/>
+      </p:ext>
+    </p:extLst>
+  </p:cSld>
+  <p:clrMapOvr>
+    <a:masterClrMapping/>
+  </p:clrMapOvr>
+  <p:timing>
+    <p:tnLst>
+      <p:par>
+        <p:cTn id="1" dur="indefinite" restart="never" nodeType="tmRoot">
+          <p:childTnLst>
+            <p:seq concurrent="1" nextAc="seek">
+              <p:cTn id="2" dur="indefinite" nodeType="mainSeq">
+                <p:childTnLst>
+                  <p:par>
+                    <p:cTn id="3" fill="hold">
+                      <p:stCondLst>
+                        <p:cond delay="indefinite"/>
+                      </p:stCondLst>
+                      <p:childTnLst>
+                        <p:par>
+                          <p:cTn id="4" fill="hold">
+                            <p:stCondLst>
+                              <p:cond delay="0"/>
+                            </p:stCondLst>
+                            <p:childTnLst>
+                              <p:par>
+                                <p:cTn id="5" presetID="1" presetClass="entr" presetSubtype="0" fill="hold" nodeType="clickEffect">
+                                  <p:stCondLst>
+                                    <p:cond delay="0"/>
+                                  </p:stCondLst>
+                                  <p:childTnLst>
+                                    <p:set>
+                                      <p:cBhvr>
+                                        <p:cTn id="6" dur="1" fill="hold">
+                                          <p:stCondLst>
+                                            <p:cond delay="0"/>
+                                          </p:stCondLst>
+                                        </p:cTn>
+                                        <p:tgtEl>
+                                          <p:spTgt spid="3">
+                                            <p:txEl>
+                                              <p:pRg st="0" end="0"/>
+                                            </p:txEl>
+                                          </p:spTgt>
+                                        </p:tgtEl>
+                                        <p:attrNameLst>
+                                          <p:attrName>style.visibility</p:attrName>
+                                        </p:attrNameLst>
+                                      </p:cBhvr>
+                                      <p:to>
+                                        <p:strVal val="visible"/>
+                                      </p:to>
+                                    </p:set>
+                                  </p:childTnLst>
+                                </p:cTn>
+                              </p:par>
+                            </p:childTnLst>
+                          </p:cTn>
+                        </p:par>
+                      </p:childTnLst>
+                    </p:cTn>
+                  </p:par>
+                  <p:par>
+                    <p:cTn id="7" fill="hold">
+                      <p:stCondLst>
+                        <p:cond delay="indefinite"/>
+                      </p:stCondLst>
+                      <p:childTnLst>
+                        <p:par>
+                          <p:cTn id="8" fill="hold">
+                            <p:stCondLst>
+                              <p:cond delay="0"/>
+                            </p:stCondLst>
+                            <p:childTnLst>
+                              <p:par>
+                                <p:cTn id="9" presetID="1" presetClass="entr" presetSubtype="0" fill="hold" nodeType="clickEffect">
+                                  <p:stCondLst>
+                                    <p:cond delay="0"/>
+                                  </p:stCondLst>
+                                  <p:childTnLst>
+                                    <p:set>
+                                      <p:cBhvr>
+                                        <p:cTn id="10" dur="1" fill="hold">
+                                          <p:stCondLst>
+                                            <p:cond delay="0"/>
+                                          </p:stCondLst>
+                                        </p:cTn>
+                                        <p:tgtEl>
+                                          <p:spTgt spid="3">
+                                            <p:txEl>
+                                              <p:pRg st="1" end="1"/>
+                                            </p:txEl>
+                                          </p:spTgt>
+                                        </p:tgtEl>
+                                        <p:attrNameLst>
+                                          <p:attrName>style.visibility</p:attrName>
+                                        </p:attrNameLst>
+                                      </p:cBhvr>
+                                      <p:to>
+                                        <p:strVal val="visible"/>
+                                      </p:to>
+                                    </p:set>
+                                  </p:childTnLst>
+                                </p:cTn>
+                              </p:par>
+                            </p:childTnLst>
+                          </p:cTn>
+                        </p:par>
+                      </p:childTnLst>
+                    </p:cTn>
+                  </p:par>
+                  <p:par>
+                    <p:cTn id="11" fill="hold">
+                      <p:stCondLst>
+                        <p:cond delay="indefinite"/>
+                      </p:stCondLst>
+                      <p:childTnLst>
+                        <p:par>
+                          <p:cTn id="12" fill="hold">
+                            <p:stCondLst>
+                              <p:cond delay="0"/>
+                            </p:stCondLst>
+                            <p:childTnLst>
+                              <p:par>
+                                <p:cTn id="13" presetID="1" presetClass="entr" presetSubtype="0" fill="hold" nodeType="clickEffect">
+                                  <p:stCondLst>
+                                    <p:cond delay="0"/>
+                                  </p:stCondLst>
+                                  <p:childTnLst>
+                                    <p:set>
+                                      <p:cBhvr>
+                                        <p:cTn id="14" dur="1" fill="hold">
+                                          <p:stCondLst>
+                                            <p:cond delay="0"/>
+                                          </p:stCondLst>
+                                        </p:cTn>
+                                        <p:tgtEl>
+                                          <p:spTgt spid="3">
+                                            <p:txEl>
+                                              <p:pRg st="2" end="2"/>
+                                            </p:txEl>
+                                          </p:spTgt>
+                                        </p:tgtEl>
+                                        <p:attrNameLst>
+                                          <p:attrName>style.visibility</p:attrName>
+                                        </p:attrNameLst>
+                                      </p:cBhvr>
+                                      <p:to>
+                                        <p:strVal val="visible"/>
+                                      </p:to>
+                                    </p:set>
+                                  </p:childTnLst>
+                                </p:cTn>
+                              </p:par>
+                            </p:childTnLst>
+                          </p:cTn>
+                        </p:par>
+                      </p:childTnLst>
+                    </p:cTn>
+                  </p:par>
+                  <p:par>
+                    <p:cTn id="15" fill="hold">
+                      <p:stCondLst>
+                        <p:cond delay="indefinite"/>
+                      </p:stCondLst>
+                      <p:childTnLst>
+                        <p:par>
+                          <p:cTn id="16" fill="hold">
+                            <p:stCondLst>
+                              <p:cond delay="0"/>
+                            </p:stCondLst>
+                            <p:childTnLst>
+                              <p:par>
+                                <p:cTn id="17" presetID="1" presetClass="entr" presetSubtype="0" fill="hold" nodeType="clickEffect">
+                                  <p:stCondLst>
+                                    <p:cond delay="0"/>
+                                  </p:stCondLst>
+                                  <p:childTnLst>
+                                    <p:set>
+                                      <p:cBhvr>
+                                        <p:cTn id="18" dur="1" fill="hold">
+                                          <p:stCondLst>
+                                            <p:cond delay="0"/>
+                                          </p:stCondLst>
+                                        </p:cTn>
+                                        <p:tgtEl>
+                                          <p:spTgt spid="3">
+                                            <p:txEl>
+                                              <p:pRg st="3" end="3"/>
+                                            </p:txEl>
+                                          </p:spTgt>
+                                        </p:tgtEl>
+                                        <p:attrNameLst>
+                                          <p:attrName>style.visibility</p:attrName>
+                                        </p:attrNameLst>
+                                      </p:cBhvr>
+                                      <p:to>
+                                        <p:strVal val="visible"/>
+                                      </p:to>
+                                    </p:set>
+                                  </p:childTnLst>
+                                </p:cTn>
+                              </p:par>
+                            </p:childTnLst>
+                          </p:cTn>
+                        </p:par>
+                      </p:childTnLst>
+                    </p:cTn>
+                  </p:par>
+                  <p:par>
+                    <p:cTn id="19" fill="hold">
+                      <p:stCondLst>
+                        <p:cond delay="indefinite"/>
+                      </p:stCondLst>
+                      <p:childTnLst>
+                        <p:par>
+                          <p:cTn id="20" fill="hold">
+                            <p:stCondLst>
+                              <p:cond delay="0"/>
+                            </p:stCondLst>
+                            <p:childTnLst>
+                              <p:par>
+                                <p:cTn id="21" presetID="1" presetClass="entr" presetSubtype="0" fill="hold" nodeType="clickEffect">
+                                  <p:stCondLst>
+                                    <p:cond delay="0"/>
+                                  </p:stCondLst>
+                                  <p:childTnLst>
+                                    <p:set>
+                                      <p:cBhvr>
+                                        <p:cTn id="22" dur="1" fill="hold">
+                                          <p:stCondLst>
+                                            <p:cond delay="0"/>
+                                          </p:stCondLst>
+                                        </p:cTn>
+                                        <p:tgtEl>
+                                          <p:spTgt spid="3">
+                                            <p:txEl>
+                                              <p:pRg st="4" end="4"/>
+                                            </p:txEl>
+                                          </p:spTgt>
+                                        </p:tgtEl>
+                                        <p:attrNameLst>
+                                          <p:attrName>style.visibility</p:attrName>
+                                        </p:attrNameLst>
+                                      </p:cBhvr>
+                                      <p:to>
+                                        <p:strVal val="visible"/>
+                                      </p:to>
+                                    </p:set>
+                                  </p:childTnLst>
+                                </p:cTn>
+                              </p:par>
+                            </p:childTnLst>
+                          </p:cTn>
+                        </p:par>
+                      </p:childTnLst>
+                    </p:cTn>
+                  </p:par>
+                </p:childTnLst>
+              </p:cTn>
+              <p:prevCondLst>
+                <p:cond evt="onPrev" delay="0">
+                  <p:tgtEl>
+                    <p:sldTgt/>
+                  </p:tgtEl>
+                </p:cond>
+              </p:prevCondLst>
+              <p:nextCondLst>
+                <p:cond evt="onNext" delay="0">
+                  <p:tgtEl>
+                    <p:sldTgt/>
+                  </p:tgtEl>
+                </p:cond>
+              </p:nextCondLst>
+            </p:seq>
+          </p:childTnLst>
+        </p:cTn>
+      </p:par>
+    </p:tnLst>
+  </p:timing>
+</p:sld>
+</file>
+
+<file path=ppt/slides/slide16.xml><?xml version="1.0" encoding="utf-8"?>
+<p:sld xmlns:a="http://schemas.openxmlformats.org/drawingml/2006/main" xmlns:r="http://schemas.openxmlformats.org/officeDocument/2006/relationships" xmlns:p="http://schemas.openxmlformats.org/presentationml/2006/main">
+  <p:cSld>
+    <p:bg>
+      <p:bgPr>
+        <a:blipFill dpi="0" rotWithShape="1">
+          <a:blip r:embed="rId2">
+            <a:lum/>
+          </a:blip>
+          <a:srcRect/>
+          <a:stretch>
+            <a:fillRect l="-6000" r="-6000"/>
+          </a:stretch>
+        </a:blipFill>
+        <a:effectLst/>
+      </p:bgPr>
+    </p:bg>
+    <p:spTree>
+      <p:nvGrpSpPr>
+        <p:cNvPr id="1" name=""/>
+        <p:cNvGrpSpPr/>
+        <p:nvPr/>
+      </p:nvGrpSpPr>
+      <p:grpSpPr>
+        <a:xfrm>
+          <a:off x="0" y="0"/>
+          <a:ext cx="0" cy="0"/>
+          <a:chOff x="0" y="0"/>
+          <a:chExt cx="0" cy="0"/>
+        </a:xfrm>
+      </p:grpSpPr>
+      <p:sp>
+        <p:nvSpPr>
+          <p:cNvPr id="3" name="Espaço Reservado para Conteúdo 2"/>
+          <p:cNvSpPr>
+            <a:spLocks noGrp="1"/>
+          </p:cNvSpPr>
+          <p:nvPr>
+            <p:ph idx="1"/>
+          </p:nvPr>
+        </p:nvSpPr>
+        <p:spPr>
+          <a:xfrm>
+            <a:off x="1367644" y="1223157"/>
+            <a:ext cx="6408712" cy="4411687"/>
+          </a:xfrm>
+          <a:solidFill>
+            <a:schemeClr val="tx1">
+              <a:alpha val="53000"/>
+            </a:schemeClr>
+          </a:solidFill>
+        </p:spPr>
         <p:txBody>
           <a:bodyPr>
             <a:normAutofit/>
           </a:bodyPr>
           <a:lstStyle/>
           <a:p>
-            <a:r>
-              <a:rPr lang="pt-BR" dirty="0" smtClean="0"/>
-              <a:t>The </a:t>
-            </a:r>
-            <a:r>
-              <a:rPr lang="pt-BR" dirty="0" err="1" smtClean="0"/>
-              <a:t>Principles</a:t>
-            </a:r>
-            <a:r>
-              <a:rPr lang="pt-BR" dirty="0" smtClean="0"/>
+            <a:endParaRPr lang="pt-BR" dirty="0" smtClean="0">
+              <a:solidFill>
+                <a:schemeClr val="bg1"/>
+              </a:solidFill>
+            </a:endParaRPr>
+          </a:p>
+          <a:p>
+            <a:pPr marL="0" indent="0" algn="ctr">
+              <a:buNone/>
+            </a:pPr>
+            <a:r>
+              <a:rPr lang="pt-BR" sz="3200" dirty="0">
+                <a:solidFill>
+                  <a:schemeClr val="bg1"/>
+                </a:solidFill>
+              </a:rPr>
+              <a:t>DDD </a:t>
+            </a:r>
+            <a:r>
+              <a:rPr lang="pt-BR" sz="3200" dirty="0" err="1">
+                <a:solidFill>
+                  <a:schemeClr val="bg1"/>
+                </a:solidFill>
+              </a:rPr>
+              <a:t>Building</a:t>
+            </a:r>
+            <a:r>
+              <a:rPr lang="pt-BR" sz="3200" dirty="0">
+                <a:solidFill>
+                  <a:schemeClr val="bg1"/>
+                </a:solidFill>
+              </a:rPr>
               <a:t> </a:t>
             </a:r>
             <a:r>
-              <a:rPr lang="pt-BR" dirty="0" err="1" smtClean="0"/>
-              <a:t>of</a:t>
-            </a:r>
-            <a:r>
-              <a:rPr lang="pt-BR" dirty="0" smtClean="0"/>
-              <a:t> OOD</a:t>
-            </a:r>
-            <a:r>
-              <a:rPr lang="pt-BR" dirty="0" smtClean="0"/>
-              <a:t/>
-            </a:r>
-            <a:br>
-              <a:rPr lang="pt-BR" dirty="0" smtClean="0"/>
-            </a:br>
-            <a:r>
-              <a:rPr lang="pt-BR" dirty="0">
-                <a:hlinkClick r:id="rId2"/>
+              <a:rPr lang="pt-BR" sz="3200" dirty="0" err="1">
+                <a:solidFill>
+                  <a:schemeClr val="bg1"/>
+                </a:solidFill>
               </a:rPr>
-              <a:t>https://</a:t>
+              <a:t>Blocks</a:t>
+            </a:r>
+            <a:endParaRPr lang="pt-BR" sz="3200" dirty="0">
+              <a:solidFill>
+                <a:schemeClr val="bg1"/>
+              </a:solidFill>
+            </a:endParaRPr>
+          </a:p>
+          <a:p>
+            <a:endParaRPr lang="pt-BR" dirty="0" smtClean="0">
+              <a:solidFill>
+                <a:schemeClr val="bg1"/>
+              </a:solidFill>
+            </a:endParaRPr>
+          </a:p>
+          <a:p>
+            <a:pPr algn="ctr"/>
+            <a:r>
+              <a:rPr lang="pt-BR" dirty="0" err="1" smtClean="0">
+                <a:solidFill>
+                  <a:schemeClr val="bg1"/>
+                </a:solidFill>
+              </a:rPr>
+              <a:t>Value</a:t>
             </a:r>
             <a:r>
               <a:rPr lang="pt-BR" dirty="0" smtClean="0">
-                <a:hlinkClick r:id="rId2"/>
+                <a:solidFill>
+                  <a:schemeClr val="bg1"/>
+                </a:solidFill>
               </a:rPr>
-              <a:t>www.slideshare.net/WEBtlak/introduction-to-ddd-adam-tipk</a:t>
-            </a:r>
-            <a:endParaRPr lang="pt-BR" dirty="0" smtClean="0"/>
-          </a:p>
-          <a:p>
-            <a:endParaRPr lang="pt-BR" dirty="0" smtClean="0"/>
+              <a:t> </a:t>
+            </a:r>
+            <a:r>
+              <a:rPr lang="pt-BR" dirty="0" err="1" smtClean="0">
+                <a:solidFill>
+                  <a:schemeClr val="bg1"/>
+                </a:solidFill>
+              </a:rPr>
+              <a:t>Objects</a:t>
+            </a:r>
+            <a:endParaRPr lang="pt-BR" dirty="0" smtClean="0">
+              <a:solidFill>
+                <a:schemeClr val="bg1"/>
+              </a:solidFill>
+            </a:endParaRPr>
+          </a:p>
+          <a:p>
+            <a:pPr algn="ctr"/>
+            <a:r>
+              <a:rPr lang="pt-BR" dirty="0" err="1" smtClean="0">
+                <a:solidFill>
+                  <a:schemeClr val="bg1"/>
+                </a:solidFill>
+              </a:rPr>
+              <a:t>Entities</a:t>
+            </a:r>
+            <a:endParaRPr lang="pt-BR" dirty="0" smtClean="0">
+              <a:solidFill>
+                <a:schemeClr val="bg1"/>
+              </a:solidFill>
+            </a:endParaRPr>
+          </a:p>
+          <a:p>
+            <a:pPr algn="ctr"/>
+            <a:r>
+              <a:rPr lang="pt-BR" dirty="0" err="1" smtClean="0">
+                <a:solidFill>
+                  <a:schemeClr val="bg1"/>
+                </a:solidFill>
+              </a:rPr>
+              <a:t>Aggregates</a:t>
+            </a:r>
+            <a:endParaRPr lang="pt-BR" dirty="0" smtClean="0">
+              <a:solidFill>
+                <a:schemeClr val="bg1"/>
+              </a:solidFill>
+            </a:endParaRPr>
+          </a:p>
+          <a:p>
+            <a:pPr algn="ctr"/>
+            <a:r>
+              <a:rPr lang="pt-BR" dirty="0" err="1" smtClean="0">
+                <a:solidFill>
+                  <a:schemeClr val="bg1"/>
+                </a:solidFill>
+              </a:rPr>
+              <a:t>Factories</a:t>
+            </a:r>
+            <a:endParaRPr lang="pt-BR" dirty="0" smtClean="0">
+              <a:solidFill>
+                <a:schemeClr val="bg1"/>
+              </a:solidFill>
+            </a:endParaRPr>
+          </a:p>
+          <a:p>
+            <a:pPr algn="ctr"/>
+            <a:r>
+              <a:rPr lang="pt-BR" dirty="0" err="1" smtClean="0">
+                <a:solidFill>
+                  <a:schemeClr val="bg1"/>
+                </a:solidFill>
+              </a:rPr>
+              <a:t>Repositories</a:t>
+            </a:r>
+            <a:endParaRPr lang="pt-BR" dirty="0" smtClean="0">
+              <a:solidFill>
+                <a:schemeClr val="bg1"/>
+              </a:solidFill>
+            </a:endParaRPr>
+          </a:p>
+          <a:p>
+            <a:pPr algn="ctr"/>
+            <a:r>
+              <a:rPr lang="pt-BR" dirty="0" smtClean="0">
+                <a:solidFill>
+                  <a:schemeClr val="bg1"/>
+                </a:solidFill>
+              </a:rPr>
+              <a:t>Services</a:t>
+            </a:r>
+          </a:p>
+          <a:p>
+            <a:pPr algn="ctr"/>
+            <a:r>
+              <a:rPr lang="pt-BR" dirty="0" smtClean="0">
+                <a:solidFill>
+                  <a:schemeClr val="bg1"/>
+                </a:solidFill>
+              </a:rPr>
+              <a:t>Domain </a:t>
+            </a:r>
+            <a:r>
+              <a:rPr lang="pt-BR" dirty="0" err="1" smtClean="0">
+                <a:solidFill>
+                  <a:schemeClr val="bg1"/>
+                </a:solidFill>
+              </a:rPr>
+              <a:t>Events</a:t>
+            </a:r>
+            <a:endParaRPr lang="pt-BR" dirty="0" smtClean="0">
+              <a:solidFill>
+                <a:schemeClr val="bg1"/>
+              </a:solidFill>
+            </a:endParaRPr>
+          </a:p>
+          <a:p>
+            <a:endParaRPr lang="pt-BR" dirty="0" smtClean="0">
+              <a:solidFill>
+                <a:schemeClr val="bg1"/>
+              </a:solidFill>
+            </a:endParaRPr>
+          </a:p>
+          <a:p>
+            <a:endParaRPr lang="pt-BR" dirty="0" smtClean="0">
+              <a:solidFill>
+                <a:schemeClr val="bg1"/>
+              </a:solidFill>
+            </a:endParaRPr>
+          </a:p>
+          <a:p>
+            <a:endParaRPr lang="pt-BR" dirty="0" smtClean="0">
+              <a:solidFill>
+                <a:schemeClr val="bg1"/>
+              </a:solidFill>
+            </a:endParaRPr>
+          </a:p>
+          <a:p>
+            <a:endParaRPr lang="pt-BR" dirty="0">
+              <a:solidFill>
+                <a:schemeClr val="bg1"/>
+              </a:solidFill>
+            </a:endParaRPr>
           </a:p>
         </p:txBody>
       </p:sp>
     </p:spTree>
     <p:extLst>
       <p:ext uri="{BB962C8B-B14F-4D97-AF65-F5344CB8AC3E}">
-        <p14:creationId xmlns:p14="http://schemas.microsoft.com/office/powerpoint/2010/main" val="673801753"/>
+        <p14:creationId xmlns:p14="http://schemas.microsoft.com/office/powerpoint/2010/main" val="1943836900"/>
+      </p:ext>
+    </p:extLst>
+  </p:cSld>
+  <p:clrMapOvr>
+    <a:masterClrMapping/>
+  </p:clrMapOvr>
+  <p:timing>
+    <p:tnLst>
+      <p:par>
+        <p:cTn id="1" dur="indefinite" restart="never" nodeType="tmRoot"/>
+      </p:par>
+    </p:tnLst>
+  </p:timing>
+</p:sld>
+</file>
+
+<file path=ppt/slides/slide17.xml><?xml version="1.0" encoding="utf-8"?>
+<p:sld xmlns:a="http://schemas.openxmlformats.org/drawingml/2006/main" xmlns:r="http://schemas.openxmlformats.org/officeDocument/2006/relationships" xmlns:p="http://schemas.openxmlformats.org/presentationml/2006/main">
+  <p:cSld>
+    <p:spTree>
+      <p:nvGrpSpPr>
+        <p:cNvPr id="1" name=""/>
+        <p:cNvGrpSpPr/>
+        <p:nvPr/>
+      </p:nvGrpSpPr>
+      <p:grpSpPr>
+        <a:xfrm>
+          <a:off x="0" y="0"/>
+          <a:ext cx="0" cy="0"/>
+          <a:chOff x="0" y="0"/>
+          <a:chExt cx="0" cy="0"/>
+        </a:xfrm>
+      </p:grpSpPr>
+      <p:sp>
+        <p:nvSpPr>
+          <p:cNvPr id="2" name="Título 1"/>
+          <p:cNvSpPr>
+            <a:spLocks noGrp="1"/>
+          </p:cNvSpPr>
+          <p:nvPr>
+            <p:ph type="title"/>
+          </p:nvPr>
+        </p:nvSpPr>
+        <p:spPr/>
+        <p:txBody>
+          <a:bodyPr/>
+          <a:lstStyle/>
+          <a:p>
+            <a:r>
+              <a:rPr lang="pt-BR" dirty="0" err="1" smtClean="0"/>
+              <a:t>Value</a:t>
+            </a:r>
+            <a:r>
+              <a:rPr lang="pt-BR" dirty="0" smtClean="0"/>
+              <a:t> </a:t>
+            </a:r>
+            <a:r>
+              <a:rPr lang="pt-BR" dirty="0" err="1" smtClean="0"/>
+              <a:t>Objects</a:t>
+            </a:r>
+            <a:endParaRPr lang="pt-BR" dirty="0"/>
+          </a:p>
+        </p:txBody>
+      </p:sp>
+      <p:sp>
+        <p:nvSpPr>
+          <p:cNvPr id="3" name="Espaço Reservado para Conteúdo 2"/>
+          <p:cNvSpPr>
+            <a:spLocks noGrp="1"/>
+          </p:cNvSpPr>
+          <p:nvPr>
+            <p:ph idx="1"/>
+          </p:nvPr>
+        </p:nvSpPr>
+        <p:spPr/>
+        <p:txBody>
+          <a:bodyPr/>
+          <a:lstStyle/>
+          <a:p>
+            <a:r>
+              <a:rPr lang="pt-BR" dirty="0" smtClean="0"/>
+              <a:t>Não possuem identidade</a:t>
+            </a:r>
+          </a:p>
+          <a:p>
+            <a:r>
+              <a:rPr lang="pt-BR" dirty="0" smtClean="0"/>
+              <a:t>Imutável</a:t>
+            </a:r>
+            <a:endParaRPr lang="pt-BR" dirty="0"/>
+          </a:p>
+        </p:txBody>
+      </p:sp>
+    </p:spTree>
+    <p:extLst>
+      <p:ext uri="{BB962C8B-B14F-4D97-AF65-F5344CB8AC3E}">
+        <p14:creationId xmlns:p14="http://schemas.microsoft.com/office/powerpoint/2010/main" val="630793882"/>
+      </p:ext>
+    </p:extLst>
+  </p:cSld>
+  <p:clrMapOvr>
+    <a:masterClrMapping/>
+  </p:clrMapOvr>
+  <p:timing>
+    <p:tnLst>
+      <p:par>
+        <p:cTn id="1" dur="indefinite" restart="never" nodeType="tmRoot"/>
+      </p:par>
+    </p:tnLst>
+  </p:timing>
+</p:sld>
+</file>
+
+<file path=ppt/slides/slide18.xml><?xml version="1.0" encoding="utf-8"?>
+<p:sld xmlns:a="http://schemas.openxmlformats.org/drawingml/2006/main" xmlns:r="http://schemas.openxmlformats.org/officeDocument/2006/relationships" xmlns:p="http://schemas.openxmlformats.org/presentationml/2006/main">
+  <p:cSld>
+    <p:spTree>
+      <p:nvGrpSpPr>
+        <p:cNvPr id="1" name=""/>
+        <p:cNvGrpSpPr/>
+        <p:nvPr/>
+      </p:nvGrpSpPr>
+      <p:grpSpPr>
+        <a:xfrm>
+          <a:off x="0" y="0"/>
+          <a:ext cx="0" cy="0"/>
+          <a:chOff x="0" y="0"/>
+          <a:chExt cx="0" cy="0"/>
+        </a:xfrm>
+      </p:grpSpPr>
+      <p:sp>
+        <p:nvSpPr>
+          <p:cNvPr id="2" name="Título 1"/>
+          <p:cNvSpPr>
+            <a:spLocks noGrp="1"/>
+          </p:cNvSpPr>
+          <p:nvPr>
+            <p:ph type="title"/>
+          </p:nvPr>
+        </p:nvSpPr>
+        <p:spPr/>
+        <p:txBody>
+          <a:bodyPr/>
+          <a:lstStyle/>
+          <a:p>
+            <a:r>
+              <a:rPr lang="pt-BR" dirty="0" err="1" smtClean="0"/>
+              <a:t>Entities</a:t>
+            </a:r>
+            <a:endParaRPr lang="pt-BR" dirty="0"/>
+          </a:p>
+        </p:txBody>
+      </p:sp>
+      <p:sp>
+        <p:nvSpPr>
+          <p:cNvPr id="3" name="Espaço Reservado para Conteúdo 2"/>
+          <p:cNvSpPr>
+            <a:spLocks noGrp="1"/>
+          </p:cNvSpPr>
+          <p:nvPr>
+            <p:ph idx="1"/>
+          </p:nvPr>
+        </p:nvSpPr>
+        <p:spPr/>
+        <p:txBody>
+          <a:bodyPr/>
+          <a:lstStyle/>
+          <a:p>
+            <a:r>
+              <a:rPr lang="pt-BR" dirty="0" smtClean="0"/>
+              <a:t>Identidade e Estado</a:t>
+            </a:r>
+          </a:p>
+          <a:p>
+            <a:r>
+              <a:rPr lang="pt-BR" dirty="0" smtClean="0"/>
+              <a:t>Persistência</a:t>
+            </a:r>
+            <a:endParaRPr lang="pt-BR" dirty="0"/>
+          </a:p>
+        </p:txBody>
+      </p:sp>
+    </p:spTree>
+    <p:extLst>
+      <p:ext uri="{BB962C8B-B14F-4D97-AF65-F5344CB8AC3E}">
+        <p14:creationId xmlns:p14="http://schemas.microsoft.com/office/powerpoint/2010/main" val="1771237173"/>
+      </p:ext>
+    </p:extLst>
+  </p:cSld>
+  <p:clrMapOvr>
+    <a:masterClrMapping/>
+  </p:clrMapOvr>
+  <p:timing>
+    <p:tnLst>
+      <p:par>
+        <p:cTn id="1" dur="indefinite" restart="never" nodeType="tmRoot"/>
+      </p:par>
+    </p:tnLst>
+  </p:timing>
+</p:sld>
+</file>
+
+<file path=ppt/slides/slide19.xml><?xml version="1.0" encoding="utf-8"?>
+<p:sld xmlns:a="http://schemas.openxmlformats.org/drawingml/2006/main" xmlns:r="http://schemas.openxmlformats.org/officeDocument/2006/relationships" xmlns:p="http://schemas.openxmlformats.org/presentationml/2006/main">
+  <p:cSld>
+    <p:spTree>
+      <p:nvGrpSpPr>
+        <p:cNvPr id="1" name=""/>
+        <p:cNvGrpSpPr/>
+        <p:nvPr/>
+      </p:nvGrpSpPr>
+      <p:grpSpPr>
+        <a:xfrm>
+          <a:off x="0" y="0"/>
+          <a:ext cx="0" cy="0"/>
+          <a:chOff x="0" y="0"/>
+          <a:chExt cx="0" cy="0"/>
+        </a:xfrm>
+      </p:grpSpPr>
+      <p:sp>
+        <p:nvSpPr>
+          <p:cNvPr id="2" name="Título 1"/>
+          <p:cNvSpPr>
+            <a:spLocks noGrp="1"/>
+          </p:cNvSpPr>
+          <p:nvPr>
+            <p:ph type="title"/>
+          </p:nvPr>
+        </p:nvSpPr>
+        <p:spPr/>
+        <p:txBody>
+          <a:bodyPr/>
+          <a:lstStyle/>
+          <a:p>
+            <a:r>
+              <a:rPr lang="pt-BR" dirty="0" err="1" smtClean="0"/>
+              <a:t>Aggregates</a:t>
+            </a:r>
+            <a:endParaRPr lang="pt-BR" dirty="0"/>
+          </a:p>
+        </p:txBody>
+      </p:sp>
+      <p:sp>
+        <p:nvSpPr>
+          <p:cNvPr id="3" name="Espaço Reservado para Conteúdo 2"/>
+          <p:cNvSpPr>
+            <a:spLocks noGrp="1"/>
+          </p:cNvSpPr>
+          <p:nvPr>
+            <p:ph idx="1"/>
+          </p:nvPr>
+        </p:nvSpPr>
+        <p:spPr/>
+        <p:txBody>
+          <a:bodyPr/>
+          <a:lstStyle/>
+          <a:p>
+            <a:endParaRPr lang="pt-BR"/>
+          </a:p>
+        </p:txBody>
+      </p:sp>
+    </p:spTree>
+    <p:extLst>
+      <p:ext uri="{BB962C8B-B14F-4D97-AF65-F5344CB8AC3E}">
+        <p14:creationId xmlns:p14="http://schemas.microsoft.com/office/powerpoint/2010/main" val="738495361"/>
       </p:ext>
     </p:extLst>
   </p:cSld>
@@ -9751,20 +10873,48 @@
           <a:p>
             <a:r>
               <a:rPr lang="pt-BR" dirty="0" smtClean="0"/>
-              <a:t>Por que DDD?</a:t>
-            </a:r>
-          </a:p>
-          <a:p>
-            <a:r>
-              <a:rPr lang="pt-BR" dirty="0"/>
-              <a:t>Linguagem Ubíqua</a:t>
+              <a:t>O que é DDD?</a:t>
+            </a:r>
+          </a:p>
+          <a:p>
+            <a:r>
+              <a:rPr lang="pt-BR" dirty="0" smtClean="0"/>
+              <a:t>Livros sobre DDD</a:t>
+            </a:r>
+          </a:p>
+          <a:p>
+            <a:r>
+              <a:rPr lang="pt-BR" dirty="0" smtClean="0"/>
+              <a:t>Domínio</a:t>
+            </a:r>
+          </a:p>
+          <a:p>
+            <a:pPr lvl="1"/>
+            <a:r>
+              <a:rPr lang="pt-BR" dirty="0" err="1" smtClean="0"/>
+              <a:t>Code</a:t>
+            </a:r>
+            <a:r>
+              <a:rPr lang="pt-BR" dirty="0" smtClean="0"/>
+              <a:t> Domain</a:t>
+            </a:r>
+          </a:p>
+          <a:p>
+            <a:pPr lvl="1"/>
+            <a:r>
+              <a:rPr lang="pt-BR" dirty="0" smtClean="0"/>
+              <a:t>Tipos de Domínio</a:t>
             </a:r>
             <a:endParaRPr lang="pt-BR" dirty="0" smtClean="0"/>
           </a:p>
           <a:p>
             <a:r>
               <a:rPr lang="pt-BR" dirty="0" smtClean="0"/>
-              <a:t>Estilos Arquiteturais</a:t>
+              <a:t>Estilos </a:t>
+            </a:r>
+            <a:r>
+              <a:rPr lang="pt-BR" dirty="0" smtClean="0"/>
+              <a:t>Arquiteturais</a:t>
             </a:r>
           </a:p>
           <a:p>
@@ -9779,6 +10929,13 @@
             <a:r>
               <a:rPr lang="pt-BR" dirty="0" err="1" smtClean="0"/>
               <a:t>Context</a:t>
+            </a:r>
+            <a:endParaRPr lang="pt-BR" dirty="0" smtClean="0"/>
+          </a:p>
+          <a:p>
+            <a:r>
+              <a:rPr lang="pt-BR" dirty="0" smtClean="0"/>
+              <a:t>Linguagem Ubíqua</a:t>
             </a:r>
             <a:endParaRPr lang="pt-BR" dirty="0" smtClean="0"/>
           </a:p>
@@ -9826,7 +10983,1142 @@
 </p:sld>
 </file>
 
+<file path=ppt/slides/slide20.xml><?xml version="1.0" encoding="utf-8"?>
+<p:sld xmlns:a="http://schemas.openxmlformats.org/drawingml/2006/main" xmlns:r="http://schemas.openxmlformats.org/officeDocument/2006/relationships" xmlns:p="http://schemas.openxmlformats.org/presentationml/2006/main">
+  <p:cSld>
+    <p:spTree>
+      <p:nvGrpSpPr>
+        <p:cNvPr id="1" name=""/>
+        <p:cNvGrpSpPr/>
+        <p:nvPr/>
+      </p:nvGrpSpPr>
+      <p:grpSpPr>
+        <a:xfrm>
+          <a:off x="0" y="0"/>
+          <a:ext cx="0" cy="0"/>
+          <a:chOff x="0" y="0"/>
+          <a:chExt cx="0" cy="0"/>
+        </a:xfrm>
+      </p:grpSpPr>
+      <p:sp>
+        <p:nvSpPr>
+          <p:cNvPr id="2" name="Título 1"/>
+          <p:cNvSpPr>
+            <a:spLocks noGrp="1"/>
+          </p:cNvSpPr>
+          <p:nvPr>
+            <p:ph type="title"/>
+          </p:nvPr>
+        </p:nvSpPr>
+        <p:spPr/>
+        <p:txBody>
+          <a:bodyPr/>
+          <a:lstStyle/>
+          <a:p>
+            <a:r>
+              <a:rPr lang="pt-BR" dirty="0" err="1" smtClean="0"/>
+              <a:t>Factories</a:t>
+            </a:r>
+            <a:endParaRPr lang="pt-BR" dirty="0"/>
+          </a:p>
+        </p:txBody>
+      </p:sp>
+      <p:sp>
+        <p:nvSpPr>
+          <p:cNvPr id="3" name="Espaço Reservado para Conteúdo 2"/>
+          <p:cNvSpPr>
+            <a:spLocks noGrp="1"/>
+          </p:cNvSpPr>
+          <p:nvPr>
+            <p:ph idx="1"/>
+          </p:nvPr>
+        </p:nvSpPr>
+        <p:spPr/>
+        <p:txBody>
+          <a:bodyPr/>
+          <a:lstStyle/>
+          <a:p>
+            <a:r>
+              <a:rPr lang="pt-BR" dirty="0" smtClean="0"/>
+              <a:t>Criação de entidades complexas</a:t>
+            </a:r>
+            <a:endParaRPr lang="pt-BR" dirty="0"/>
+          </a:p>
+        </p:txBody>
+      </p:sp>
+    </p:spTree>
+    <p:extLst>
+      <p:ext uri="{BB962C8B-B14F-4D97-AF65-F5344CB8AC3E}">
+        <p14:creationId xmlns:p14="http://schemas.microsoft.com/office/powerpoint/2010/main" val="2987899367"/>
+      </p:ext>
+    </p:extLst>
+  </p:cSld>
+  <p:clrMapOvr>
+    <a:masterClrMapping/>
+  </p:clrMapOvr>
+  <p:timing>
+    <p:tnLst>
+      <p:par>
+        <p:cTn id="1" dur="indefinite" restart="never" nodeType="tmRoot"/>
+      </p:par>
+    </p:tnLst>
+  </p:timing>
+</p:sld>
+</file>
+
+<file path=ppt/slides/slide21.xml><?xml version="1.0" encoding="utf-8"?>
+<p:sld xmlns:a="http://schemas.openxmlformats.org/drawingml/2006/main" xmlns:r="http://schemas.openxmlformats.org/officeDocument/2006/relationships" xmlns:p="http://schemas.openxmlformats.org/presentationml/2006/main">
+  <p:cSld>
+    <p:spTree>
+      <p:nvGrpSpPr>
+        <p:cNvPr id="1" name=""/>
+        <p:cNvGrpSpPr/>
+        <p:nvPr/>
+      </p:nvGrpSpPr>
+      <p:grpSpPr>
+        <a:xfrm>
+          <a:off x="0" y="0"/>
+          <a:ext cx="0" cy="0"/>
+          <a:chOff x="0" y="0"/>
+          <a:chExt cx="0" cy="0"/>
+        </a:xfrm>
+      </p:grpSpPr>
+      <p:sp>
+        <p:nvSpPr>
+          <p:cNvPr id="2" name="Título 1"/>
+          <p:cNvSpPr>
+            <a:spLocks noGrp="1"/>
+          </p:cNvSpPr>
+          <p:nvPr>
+            <p:ph type="title"/>
+          </p:nvPr>
+        </p:nvSpPr>
+        <p:spPr/>
+        <p:txBody>
+          <a:bodyPr/>
+          <a:lstStyle/>
+          <a:p>
+            <a:r>
+              <a:rPr lang="pt-BR" dirty="0" err="1" smtClean="0"/>
+              <a:t>Repositories</a:t>
+            </a:r>
+            <a:endParaRPr lang="pt-BR" dirty="0"/>
+          </a:p>
+        </p:txBody>
+      </p:sp>
+      <p:sp>
+        <p:nvSpPr>
+          <p:cNvPr id="3" name="Espaço Reservado para Conteúdo 2"/>
+          <p:cNvSpPr>
+            <a:spLocks noGrp="1"/>
+          </p:cNvSpPr>
+          <p:nvPr>
+            <p:ph idx="1"/>
+          </p:nvPr>
+        </p:nvSpPr>
+        <p:spPr/>
+        <p:txBody>
+          <a:bodyPr/>
+          <a:lstStyle/>
+          <a:p>
+            <a:r>
+              <a:rPr lang="pt-BR" dirty="0" smtClean="0"/>
+              <a:t>Abstração da camada de persistência</a:t>
+            </a:r>
+          </a:p>
+          <a:p>
+            <a:r>
+              <a:rPr lang="pt-BR" dirty="0" smtClean="0"/>
+              <a:t>Busca de dados</a:t>
+            </a:r>
+            <a:endParaRPr lang="pt-BR" dirty="0"/>
+          </a:p>
+        </p:txBody>
+      </p:sp>
+    </p:spTree>
+    <p:extLst>
+      <p:ext uri="{BB962C8B-B14F-4D97-AF65-F5344CB8AC3E}">
+        <p14:creationId xmlns:p14="http://schemas.microsoft.com/office/powerpoint/2010/main" val="789462074"/>
+      </p:ext>
+    </p:extLst>
+  </p:cSld>
+  <p:clrMapOvr>
+    <a:masterClrMapping/>
+  </p:clrMapOvr>
+  <p:timing>
+    <p:tnLst>
+      <p:par>
+        <p:cTn id="1" dur="indefinite" restart="never" nodeType="tmRoot"/>
+      </p:par>
+    </p:tnLst>
+  </p:timing>
+</p:sld>
+</file>
+
+<file path=ppt/slides/slide22.xml><?xml version="1.0" encoding="utf-8"?>
+<p:sld xmlns:a="http://schemas.openxmlformats.org/drawingml/2006/main" xmlns:r="http://schemas.openxmlformats.org/officeDocument/2006/relationships" xmlns:p="http://schemas.openxmlformats.org/presentationml/2006/main">
+  <p:cSld>
+    <p:spTree>
+      <p:nvGrpSpPr>
+        <p:cNvPr id="1" name=""/>
+        <p:cNvGrpSpPr/>
+        <p:nvPr/>
+      </p:nvGrpSpPr>
+      <p:grpSpPr>
+        <a:xfrm>
+          <a:off x="0" y="0"/>
+          <a:ext cx="0" cy="0"/>
+          <a:chOff x="0" y="0"/>
+          <a:chExt cx="0" cy="0"/>
+        </a:xfrm>
+      </p:grpSpPr>
+      <p:sp>
+        <p:nvSpPr>
+          <p:cNvPr id="2" name="Título 1"/>
+          <p:cNvSpPr>
+            <a:spLocks noGrp="1"/>
+          </p:cNvSpPr>
+          <p:nvPr>
+            <p:ph type="title"/>
+          </p:nvPr>
+        </p:nvSpPr>
+        <p:spPr/>
+        <p:txBody>
+          <a:bodyPr/>
+          <a:lstStyle/>
+          <a:p>
+            <a:r>
+              <a:rPr lang="pt-BR" dirty="0" smtClean="0"/>
+              <a:t>Services</a:t>
+            </a:r>
+            <a:endParaRPr lang="pt-BR" dirty="0"/>
+          </a:p>
+        </p:txBody>
+      </p:sp>
+      <p:sp>
+        <p:nvSpPr>
+          <p:cNvPr id="3" name="Espaço Reservado para Conteúdo 2"/>
+          <p:cNvSpPr>
+            <a:spLocks noGrp="1"/>
+          </p:cNvSpPr>
+          <p:nvPr>
+            <p:ph idx="1"/>
+          </p:nvPr>
+        </p:nvSpPr>
+        <p:spPr/>
+        <p:txBody>
+          <a:bodyPr/>
+          <a:lstStyle/>
+          <a:p>
+            <a:r>
+              <a:rPr lang="pt-BR" dirty="0" smtClean="0"/>
+              <a:t>Serviços de domínio</a:t>
+            </a:r>
+          </a:p>
+          <a:p>
+            <a:r>
+              <a:rPr lang="pt-BR" dirty="0" smtClean="0"/>
+              <a:t>Não guardam estado</a:t>
+            </a:r>
+            <a:endParaRPr lang="pt-BR" dirty="0"/>
+          </a:p>
+        </p:txBody>
+      </p:sp>
+    </p:spTree>
+    <p:extLst>
+      <p:ext uri="{BB962C8B-B14F-4D97-AF65-F5344CB8AC3E}">
+        <p14:creationId xmlns:p14="http://schemas.microsoft.com/office/powerpoint/2010/main" val="3198269696"/>
+      </p:ext>
+    </p:extLst>
+  </p:cSld>
+  <p:clrMapOvr>
+    <a:masterClrMapping/>
+  </p:clrMapOvr>
+  <p:timing>
+    <p:tnLst>
+      <p:par>
+        <p:cTn id="1" dur="indefinite" restart="never" nodeType="tmRoot"/>
+      </p:par>
+    </p:tnLst>
+  </p:timing>
+</p:sld>
+</file>
+
+<file path=ppt/slides/slide23.xml><?xml version="1.0" encoding="utf-8"?>
+<p:sld xmlns:a="http://schemas.openxmlformats.org/drawingml/2006/main" xmlns:r="http://schemas.openxmlformats.org/officeDocument/2006/relationships" xmlns:p="http://schemas.openxmlformats.org/presentationml/2006/main">
+  <p:cSld>
+    <p:spTree>
+      <p:nvGrpSpPr>
+        <p:cNvPr id="1" name=""/>
+        <p:cNvGrpSpPr/>
+        <p:nvPr/>
+      </p:nvGrpSpPr>
+      <p:grpSpPr>
+        <a:xfrm>
+          <a:off x="0" y="0"/>
+          <a:ext cx="0" cy="0"/>
+          <a:chOff x="0" y="0"/>
+          <a:chExt cx="0" cy="0"/>
+        </a:xfrm>
+      </p:grpSpPr>
+      <p:sp>
+        <p:nvSpPr>
+          <p:cNvPr id="2" name="Título 1"/>
+          <p:cNvSpPr>
+            <a:spLocks noGrp="1"/>
+          </p:cNvSpPr>
+          <p:nvPr>
+            <p:ph type="title"/>
+          </p:nvPr>
+        </p:nvSpPr>
+        <p:spPr/>
+        <p:txBody>
+          <a:bodyPr/>
+          <a:lstStyle/>
+          <a:p>
+            <a:r>
+              <a:rPr lang="pt-BR" dirty="0" smtClean="0"/>
+              <a:t>Domain </a:t>
+            </a:r>
+            <a:r>
+              <a:rPr lang="pt-BR" dirty="0" err="1" smtClean="0"/>
+              <a:t>Events</a:t>
+            </a:r>
+            <a:endParaRPr lang="pt-BR" dirty="0"/>
+          </a:p>
+        </p:txBody>
+      </p:sp>
+      <p:sp>
+        <p:nvSpPr>
+          <p:cNvPr id="3" name="Espaço Reservado para Conteúdo 2"/>
+          <p:cNvSpPr>
+            <a:spLocks noGrp="1"/>
+          </p:cNvSpPr>
+          <p:nvPr>
+            <p:ph idx="1"/>
+          </p:nvPr>
+        </p:nvSpPr>
+        <p:spPr/>
+        <p:txBody>
+          <a:bodyPr/>
+          <a:lstStyle/>
+          <a:p>
+            <a:endParaRPr lang="pt-BR"/>
+          </a:p>
+        </p:txBody>
+      </p:sp>
+    </p:spTree>
+    <p:extLst>
+      <p:ext uri="{BB962C8B-B14F-4D97-AF65-F5344CB8AC3E}">
+        <p14:creationId xmlns:p14="http://schemas.microsoft.com/office/powerpoint/2010/main" val="1328286594"/>
+      </p:ext>
+    </p:extLst>
+  </p:cSld>
+  <p:clrMapOvr>
+    <a:masterClrMapping/>
+  </p:clrMapOvr>
+  <p:timing>
+    <p:tnLst>
+      <p:par>
+        <p:cTn id="1" dur="indefinite" restart="never" nodeType="tmRoot"/>
+      </p:par>
+    </p:tnLst>
+  </p:timing>
+</p:sld>
+</file>
+
+<file path=ppt/slides/slide24.xml><?xml version="1.0" encoding="utf-8"?>
+<p:sld xmlns:a="http://schemas.openxmlformats.org/drawingml/2006/main" xmlns:r="http://schemas.openxmlformats.org/officeDocument/2006/relationships" xmlns:p="http://schemas.openxmlformats.org/presentationml/2006/main">
+  <p:cSld>
+    <p:spTree>
+      <p:nvGrpSpPr>
+        <p:cNvPr id="1" name=""/>
+        <p:cNvGrpSpPr/>
+        <p:nvPr/>
+      </p:nvGrpSpPr>
+      <p:grpSpPr>
+        <a:xfrm>
+          <a:off x="0" y="0"/>
+          <a:ext cx="0" cy="0"/>
+          <a:chOff x="0" y="0"/>
+          <a:chExt cx="0" cy="0"/>
+        </a:xfrm>
+      </p:grpSpPr>
+      <p:sp>
+        <p:nvSpPr>
+          <p:cNvPr id="2" name="Título 1"/>
+          <p:cNvSpPr>
+            <a:spLocks noGrp="1"/>
+          </p:cNvSpPr>
+          <p:nvPr>
+            <p:ph type="title"/>
+          </p:nvPr>
+        </p:nvSpPr>
+        <p:spPr/>
+        <p:txBody>
+          <a:bodyPr/>
+          <a:lstStyle/>
+          <a:p>
+            <a:r>
+              <a:rPr lang="pt-BR" dirty="0" err="1" smtClean="0"/>
+              <a:t>Anticorruption</a:t>
+            </a:r>
+            <a:r>
+              <a:rPr lang="pt-BR" dirty="0" smtClean="0"/>
+              <a:t> </a:t>
+            </a:r>
+            <a:r>
+              <a:rPr lang="pt-BR" dirty="0" err="1" smtClean="0"/>
+              <a:t>Layer</a:t>
+            </a:r>
+            <a:endParaRPr lang="pt-BR" dirty="0"/>
+          </a:p>
+        </p:txBody>
+      </p:sp>
+      <p:sp>
+        <p:nvSpPr>
+          <p:cNvPr id="3" name="Espaço Reservado para Conteúdo 2"/>
+          <p:cNvSpPr>
+            <a:spLocks noGrp="1"/>
+          </p:cNvSpPr>
+          <p:nvPr>
+            <p:ph idx="1"/>
+          </p:nvPr>
+        </p:nvSpPr>
+        <p:spPr/>
+        <p:txBody>
+          <a:bodyPr/>
+          <a:lstStyle/>
+          <a:p>
+            <a:endParaRPr lang="pt-BR"/>
+          </a:p>
+        </p:txBody>
+      </p:sp>
+    </p:spTree>
+    <p:extLst>
+      <p:ext uri="{BB962C8B-B14F-4D97-AF65-F5344CB8AC3E}">
+        <p14:creationId xmlns:p14="http://schemas.microsoft.com/office/powerpoint/2010/main" val="2839947608"/>
+      </p:ext>
+    </p:extLst>
+  </p:cSld>
+  <p:clrMapOvr>
+    <a:masterClrMapping/>
+  </p:clrMapOvr>
+  <p:timing>
+    <p:tnLst>
+      <p:par>
+        <p:cTn id="1" dur="indefinite" restart="never" nodeType="tmRoot"/>
+      </p:par>
+    </p:tnLst>
+  </p:timing>
+</p:sld>
+</file>
+
+<file path=ppt/slides/slide25.xml><?xml version="1.0" encoding="utf-8"?>
+<p:sld xmlns:a="http://schemas.openxmlformats.org/drawingml/2006/main" xmlns:r="http://schemas.openxmlformats.org/officeDocument/2006/relationships" xmlns:p="http://schemas.openxmlformats.org/presentationml/2006/main">
+  <p:cSld>
+    <p:spTree>
+      <p:nvGrpSpPr>
+        <p:cNvPr id="1" name=""/>
+        <p:cNvGrpSpPr/>
+        <p:nvPr/>
+      </p:nvGrpSpPr>
+      <p:grpSpPr>
+        <a:xfrm>
+          <a:off x="0" y="0"/>
+          <a:ext cx="0" cy="0"/>
+          <a:chOff x="0" y="0"/>
+          <a:chExt cx="0" cy="0"/>
+        </a:xfrm>
+      </p:grpSpPr>
+      <p:sp>
+        <p:nvSpPr>
+          <p:cNvPr id="2" name="Título 1"/>
+          <p:cNvSpPr>
+            <a:spLocks noGrp="1"/>
+          </p:cNvSpPr>
+          <p:nvPr>
+            <p:ph type="title"/>
+          </p:nvPr>
+        </p:nvSpPr>
+        <p:spPr/>
+        <p:txBody>
+          <a:bodyPr/>
+          <a:lstStyle/>
+          <a:p>
+            <a:r>
+              <a:rPr lang="pt-BR" dirty="0" err="1" smtClean="0"/>
+              <a:t>Dependency</a:t>
+            </a:r>
+            <a:r>
+              <a:rPr lang="pt-BR" dirty="0" smtClean="0"/>
+              <a:t> </a:t>
+            </a:r>
+            <a:r>
+              <a:rPr lang="pt-BR" dirty="0" err="1" smtClean="0"/>
+              <a:t>Inversion</a:t>
+            </a:r>
+            <a:r>
+              <a:rPr lang="pt-BR" dirty="0" smtClean="0"/>
+              <a:t> </a:t>
+            </a:r>
+            <a:r>
+              <a:rPr lang="pt-BR" dirty="0" err="1" smtClean="0"/>
+              <a:t>Principle</a:t>
+            </a:r>
+            <a:endParaRPr lang="en-US" dirty="0"/>
+          </a:p>
+        </p:txBody>
+      </p:sp>
+      <p:sp>
+        <p:nvSpPr>
+          <p:cNvPr id="3" name="Espaço Reservado para Conteúdo 2"/>
+          <p:cNvSpPr>
+            <a:spLocks noGrp="1"/>
+          </p:cNvSpPr>
+          <p:nvPr>
+            <p:ph idx="1"/>
+          </p:nvPr>
+        </p:nvSpPr>
+        <p:spPr/>
+        <p:txBody>
+          <a:bodyPr/>
+          <a:lstStyle/>
+          <a:p>
+            <a:pPr marL="0" indent="0">
+              <a:buNone/>
+            </a:pPr>
+            <a:r>
+              <a:rPr lang="pt-BR" dirty="0" smtClean="0"/>
+              <a:t>“Módulos de mais alto nível não devem depender de módulos de mais baixo nível. Ambos devem depender de abstrações.</a:t>
+            </a:r>
+          </a:p>
+          <a:p>
+            <a:pPr marL="0" indent="0">
+              <a:buNone/>
+            </a:pPr>
+            <a:endParaRPr lang="pt-BR" dirty="0" smtClean="0"/>
+          </a:p>
+          <a:p>
+            <a:pPr marL="0" indent="0">
+              <a:buNone/>
+            </a:pPr>
+            <a:r>
+              <a:rPr lang="pt-BR" dirty="0" smtClean="0"/>
+              <a:t>Abstrações não devem depender de detalhes. Detalhes devem depender de abstrações.”</a:t>
+            </a:r>
+          </a:p>
+          <a:p>
+            <a:endParaRPr lang="pt-BR" dirty="0"/>
+          </a:p>
+          <a:p>
+            <a:pPr marL="0" indent="0" algn="r">
+              <a:buNone/>
+            </a:pPr>
+            <a:r>
+              <a:rPr lang="pt-BR" dirty="0" smtClean="0"/>
+              <a:t>Robert C. Martin</a:t>
+            </a:r>
+            <a:endParaRPr lang="en-US" dirty="0"/>
+          </a:p>
+        </p:txBody>
+      </p:sp>
+    </p:spTree>
+    <p:extLst>
+      <p:ext uri="{BB962C8B-B14F-4D97-AF65-F5344CB8AC3E}">
+        <p14:creationId xmlns:p14="http://schemas.microsoft.com/office/powerpoint/2010/main" val="907276881"/>
+      </p:ext>
+    </p:extLst>
+  </p:cSld>
+  <p:clrMapOvr>
+    <a:masterClrMapping/>
+  </p:clrMapOvr>
+  <p:timing>
+    <p:tnLst>
+      <p:par>
+        <p:cTn id="1" dur="indefinite" restart="never" nodeType="tmRoot"/>
+      </p:par>
+    </p:tnLst>
+  </p:timing>
+</p:sld>
+</file>
+
+<file path=ppt/slides/slide26.xml><?xml version="1.0" encoding="utf-8"?>
+<p:sld xmlns:a="http://schemas.openxmlformats.org/drawingml/2006/main" xmlns:r="http://schemas.openxmlformats.org/officeDocument/2006/relationships" xmlns:p="http://schemas.openxmlformats.org/presentationml/2006/main">
+  <p:cSld>
+    <p:spTree>
+      <p:nvGrpSpPr>
+        <p:cNvPr id="1" name=""/>
+        <p:cNvGrpSpPr/>
+        <p:nvPr/>
+      </p:nvGrpSpPr>
+      <p:grpSpPr>
+        <a:xfrm>
+          <a:off x="0" y="0"/>
+          <a:ext cx="0" cy="0"/>
+          <a:chOff x="0" y="0"/>
+          <a:chExt cx="0" cy="0"/>
+        </a:xfrm>
+      </p:grpSpPr>
+      <p:sp>
+        <p:nvSpPr>
+          <p:cNvPr id="2" name="Título 1"/>
+          <p:cNvSpPr>
+            <a:spLocks noGrp="1"/>
+          </p:cNvSpPr>
+          <p:nvPr>
+            <p:ph type="ctrTitle"/>
+          </p:nvPr>
+        </p:nvSpPr>
+        <p:spPr/>
+        <p:txBody>
+          <a:bodyPr/>
+          <a:lstStyle/>
+          <a:p>
+            <a:r>
+              <a:rPr lang="pt-BR" dirty="0" smtClean="0"/>
+              <a:t>Perguntas</a:t>
+            </a:r>
+            <a:endParaRPr lang="en-US" dirty="0"/>
+          </a:p>
+        </p:txBody>
+      </p:sp>
+      <p:sp>
+        <p:nvSpPr>
+          <p:cNvPr id="4" name="Subtítulo 3"/>
+          <p:cNvSpPr>
+            <a:spLocks noGrp="1"/>
+          </p:cNvSpPr>
+          <p:nvPr>
+            <p:ph type="subTitle" idx="1"/>
+          </p:nvPr>
+        </p:nvSpPr>
+        <p:spPr/>
+        <p:txBody>
+          <a:bodyPr/>
+          <a:lstStyle/>
+          <a:p>
+            <a:endParaRPr lang="pt-BR"/>
+          </a:p>
+        </p:txBody>
+      </p:sp>
+    </p:spTree>
+    <p:extLst>
+      <p:ext uri="{BB962C8B-B14F-4D97-AF65-F5344CB8AC3E}">
+        <p14:creationId xmlns:p14="http://schemas.microsoft.com/office/powerpoint/2010/main" val="3621802611"/>
+      </p:ext>
+    </p:extLst>
+  </p:cSld>
+  <p:clrMapOvr>
+    <a:masterClrMapping/>
+  </p:clrMapOvr>
+  <p:timing>
+    <p:tnLst>
+      <p:par>
+        <p:cTn id="1" dur="indefinite" restart="never" nodeType="tmRoot"/>
+      </p:par>
+    </p:tnLst>
+  </p:timing>
+</p:sld>
+</file>
+
+<file path=ppt/slides/slide27.xml><?xml version="1.0" encoding="utf-8"?>
+<p:sld xmlns:a="http://schemas.openxmlformats.org/drawingml/2006/main" xmlns:r="http://schemas.openxmlformats.org/officeDocument/2006/relationships" xmlns:p="http://schemas.openxmlformats.org/presentationml/2006/main">
+  <p:cSld>
+    <p:spTree>
+      <p:nvGrpSpPr>
+        <p:cNvPr id="1" name=""/>
+        <p:cNvGrpSpPr/>
+        <p:nvPr/>
+      </p:nvGrpSpPr>
+      <p:grpSpPr>
+        <a:xfrm>
+          <a:off x="0" y="0"/>
+          <a:ext cx="0" cy="0"/>
+          <a:chOff x="0" y="0"/>
+          <a:chExt cx="0" cy="0"/>
+        </a:xfrm>
+      </p:grpSpPr>
+      <p:sp>
+        <p:nvSpPr>
+          <p:cNvPr id="2" name="Título 1"/>
+          <p:cNvSpPr>
+            <a:spLocks noGrp="1"/>
+          </p:cNvSpPr>
+          <p:nvPr>
+            <p:ph type="title"/>
+          </p:nvPr>
+        </p:nvSpPr>
+        <p:spPr/>
+        <p:txBody>
+          <a:bodyPr/>
+          <a:lstStyle/>
+          <a:p>
+            <a:r>
+              <a:rPr lang="pt-BR" dirty="0" smtClean="0"/>
+              <a:t>Referências</a:t>
+            </a:r>
+            <a:endParaRPr lang="pt-BR" dirty="0"/>
+          </a:p>
+        </p:txBody>
+      </p:sp>
+      <p:sp>
+        <p:nvSpPr>
+          <p:cNvPr id="3" name="Espaço Reservado para Conteúdo 2"/>
+          <p:cNvSpPr>
+            <a:spLocks noGrp="1"/>
+          </p:cNvSpPr>
+          <p:nvPr>
+            <p:ph idx="1"/>
+          </p:nvPr>
+        </p:nvSpPr>
+        <p:spPr/>
+        <p:txBody>
+          <a:bodyPr>
+            <a:normAutofit/>
+          </a:bodyPr>
+          <a:lstStyle/>
+          <a:p>
+            <a:r>
+              <a:rPr lang="pt-BR" dirty="0" smtClean="0"/>
+              <a:t>The </a:t>
+            </a:r>
+            <a:r>
+              <a:rPr lang="pt-BR" dirty="0" err="1" smtClean="0"/>
+              <a:t>Principles</a:t>
+            </a:r>
+            <a:r>
+              <a:rPr lang="pt-BR" dirty="0" smtClean="0"/>
+              <a:t> </a:t>
+            </a:r>
+            <a:r>
+              <a:rPr lang="pt-BR" dirty="0" err="1" smtClean="0"/>
+              <a:t>of</a:t>
+            </a:r>
+            <a:r>
+              <a:rPr lang="pt-BR" dirty="0" smtClean="0"/>
+              <a:t> OOD</a:t>
+            </a:r>
+            <a:br>
+              <a:rPr lang="pt-BR" dirty="0" smtClean="0"/>
+            </a:br>
+            <a:r>
+              <a:rPr lang="pt-BR" dirty="0">
+                <a:hlinkClick r:id="rId2"/>
+              </a:rPr>
+              <a:t>https://</a:t>
+            </a:r>
+            <a:r>
+              <a:rPr lang="pt-BR" dirty="0" smtClean="0">
+                <a:hlinkClick r:id="rId2"/>
+              </a:rPr>
+              <a:t>www.slideshare.net/WEBtlak/introduction-to-ddd-adam-tipk</a:t>
+            </a:r>
+            <a:endParaRPr lang="pt-BR" dirty="0" smtClean="0"/>
+          </a:p>
+          <a:p>
+            <a:r>
+              <a:rPr lang="en-US" dirty="0"/>
+              <a:t>Domain-Driven Design at </a:t>
+            </a:r>
+            <a:r>
+              <a:rPr lang="en-US" dirty="0" err="1"/>
+              <a:t>ZendCon</a:t>
+            </a:r>
+            <a:r>
+              <a:rPr lang="en-US" dirty="0"/>
+              <a:t> </a:t>
+            </a:r>
+            <a:r>
+              <a:rPr lang="en-US" dirty="0" smtClean="0"/>
+              <a:t>2012</a:t>
+            </a:r>
+            <a:br>
+              <a:rPr lang="en-US" dirty="0" smtClean="0"/>
+            </a:br>
+            <a:r>
+              <a:rPr lang="pt-BR" dirty="0" smtClean="0">
+                <a:hlinkClick r:id="rId3"/>
+              </a:rPr>
+              <a:t>http://bradley-holt.com/2012/11/domain-driven-design-at-zendcon-2012/</a:t>
+            </a:r>
+            <a:endParaRPr lang="pt-BR" dirty="0" smtClean="0"/>
+          </a:p>
+        </p:txBody>
+      </p:sp>
+    </p:spTree>
+    <p:extLst>
+      <p:ext uri="{BB962C8B-B14F-4D97-AF65-F5344CB8AC3E}">
+        <p14:creationId xmlns:p14="http://schemas.microsoft.com/office/powerpoint/2010/main" val="673801753"/>
+      </p:ext>
+    </p:extLst>
+  </p:cSld>
+  <p:clrMapOvr>
+    <a:masterClrMapping/>
+  </p:clrMapOvr>
+  <p:timing>
+    <p:tnLst>
+      <p:par>
+        <p:cTn id="1" dur="indefinite" restart="never" nodeType="tmRoot"/>
+      </p:par>
+    </p:tnLst>
+  </p:timing>
+</p:sld>
+</file>
+
 <file path=ppt/slides/slide3.xml><?xml version="1.0" encoding="utf-8"?>
+<p:sld xmlns:a="http://schemas.openxmlformats.org/drawingml/2006/main" xmlns:r="http://schemas.openxmlformats.org/officeDocument/2006/relationships" xmlns:p="http://schemas.openxmlformats.org/presentationml/2006/main">
+  <p:cSld>
+    <p:spTree>
+      <p:nvGrpSpPr>
+        <p:cNvPr id="1" name=""/>
+        <p:cNvGrpSpPr/>
+        <p:nvPr/>
+      </p:nvGrpSpPr>
+      <p:grpSpPr>
+        <a:xfrm>
+          <a:off x="0" y="0"/>
+          <a:ext cx="0" cy="0"/>
+          <a:chOff x="0" y="0"/>
+          <a:chExt cx="0" cy="0"/>
+        </a:xfrm>
+      </p:grpSpPr>
+      <p:sp>
+        <p:nvSpPr>
+          <p:cNvPr id="2" name="Título 1"/>
+          <p:cNvSpPr>
+            <a:spLocks noGrp="1"/>
+          </p:cNvSpPr>
+          <p:nvPr>
+            <p:ph type="title"/>
+          </p:nvPr>
+        </p:nvSpPr>
+        <p:spPr/>
+        <p:txBody>
+          <a:bodyPr/>
+          <a:lstStyle/>
+          <a:p>
+            <a:r>
+              <a:rPr lang="pt-BR" dirty="0" smtClean="0"/>
+              <a:t>O que é DDD?</a:t>
+            </a:r>
+            <a:endParaRPr lang="pt-BR" dirty="0"/>
+          </a:p>
+        </p:txBody>
+      </p:sp>
+      <p:sp>
+        <p:nvSpPr>
+          <p:cNvPr id="3" name="Espaço Reservado para Conteúdo 2"/>
+          <p:cNvSpPr>
+            <a:spLocks noGrp="1"/>
+          </p:cNvSpPr>
+          <p:nvPr>
+            <p:ph idx="1"/>
+          </p:nvPr>
+        </p:nvSpPr>
+        <p:spPr/>
+        <p:txBody>
+          <a:bodyPr/>
+          <a:lstStyle/>
+          <a:p>
+            <a:r>
+              <a:rPr lang="pt-BR" dirty="0" smtClean="0"/>
+              <a:t>É sobre uma o desenvolvimento de linguagem ubíqua explicitamente em um </a:t>
+            </a:r>
+            <a:r>
+              <a:rPr lang="pt-BR" dirty="0" err="1" smtClean="0"/>
+              <a:t>Bounded</a:t>
+            </a:r>
+            <a:r>
+              <a:rPr lang="pt-BR" dirty="0" smtClean="0"/>
+              <a:t> </a:t>
+            </a:r>
+            <a:r>
+              <a:rPr lang="pt-BR" dirty="0" err="1" smtClean="0"/>
+              <a:t>Context</a:t>
+            </a:r>
+            <a:r>
+              <a:rPr lang="pt-BR" dirty="0" smtClean="0"/>
+              <a:t>.</a:t>
+            </a:r>
+          </a:p>
+          <a:p>
+            <a:r>
+              <a:rPr lang="pt-BR" dirty="0" smtClean="0"/>
+              <a:t>Uma esfera de conhecimento.</a:t>
+            </a:r>
+          </a:p>
+          <a:p>
+            <a:r>
+              <a:rPr lang="pt-BR" dirty="0" smtClean="0"/>
+              <a:t>Modelos evoluem </a:t>
+            </a:r>
+            <a:r>
+              <a:rPr lang="pt-BR" dirty="0" err="1" smtClean="0"/>
+              <a:t>colaborativamente</a:t>
+            </a:r>
+            <a:r>
+              <a:rPr lang="pt-BR" dirty="0" smtClean="0"/>
+              <a:t> entre especialistas de domínio e desenvolvedores.</a:t>
+            </a:r>
+          </a:p>
+          <a:p>
+            <a:r>
+              <a:rPr lang="pt-BR" dirty="0" smtClean="0"/>
+              <a:t>Foco no Domínio</a:t>
+            </a:r>
+          </a:p>
+          <a:p>
+            <a:r>
+              <a:rPr lang="pt-BR" dirty="0" smtClean="0"/>
+              <a:t>A complexidade está no Domínio e não na tecnologia</a:t>
+            </a:r>
+          </a:p>
+          <a:p>
+            <a:endParaRPr lang="pt-BR" dirty="0"/>
+          </a:p>
+        </p:txBody>
+      </p:sp>
+    </p:spTree>
+    <p:extLst>
+      <p:ext uri="{BB962C8B-B14F-4D97-AF65-F5344CB8AC3E}">
+        <p14:creationId xmlns:p14="http://schemas.microsoft.com/office/powerpoint/2010/main" val="3888737136"/>
+      </p:ext>
+    </p:extLst>
+  </p:cSld>
+  <p:clrMapOvr>
+    <a:masterClrMapping/>
+  </p:clrMapOvr>
+  <p:timing>
+    <p:tnLst>
+      <p:par>
+        <p:cTn id="1" dur="indefinite" restart="never" nodeType="tmRoot">
+          <p:childTnLst>
+            <p:seq concurrent="1" nextAc="seek">
+              <p:cTn id="2" dur="indefinite" nodeType="mainSeq">
+                <p:childTnLst>
+                  <p:par>
+                    <p:cTn id="3" fill="hold">
+                      <p:stCondLst>
+                        <p:cond delay="indefinite"/>
+                      </p:stCondLst>
+                      <p:childTnLst>
+                        <p:par>
+                          <p:cTn id="4" fill="hold">
+                            <p:stCondLst>
+                              <p:cond delay="0"/>
+                            </p:stCondLst>
+                            <p:childTnLst>
+                              <p:par>
+                                <p:cTn id="5" presetID="1" presetClass="entr" presetSubtype="0" fill="hold" nodeType="clickEffect">
+                                  <p:stCondLst>
+                                    <p:cond delay="0"/>
+                                  </p:stCondLst>
+                                  <p:childTnLst>
+                                    <p:set>
+                                      <p:cBhvr>
+                                        <p:cTn id="6" dur="1" fill="hold">
+                                          <p:stCondLst>
+                                            <p:cond delay="0"/>
+                                          </p:stCondLst>
+                                        </p:cTn>
+                                        <p:tgtEl>
+                                          <p:spTgt spid="3">
+                                            <p:txEl>
+                                              <p:pRg st="1" end="1"/>
+                                            </p:txEl>
+                                          </p:spTgt>
+                                        </p:tgtEl>
+                                        <p:attrNameLst>
+                                          <p:attrName>style.visibility</p:attrName>
+                                        </p:attrNameLst>
+                                      </p:cBhvr>
+                                      <p:to>
+                                        <p:strVal val="visible"/>
+                                      </p:to>
+                                    </p:set>
+                                  </p:childTnLst>
+                                </p:cTn>
+                              </p:par>
+                            </p:childTnLst>
+                          </p:cTn>
+                        </p:par>
+                      </p:childTnLst>
+                    </p:cTn>
+                  </p:par>
+                  <p:par>
+                    <p:cTn id="7" fill="hold">
+                      <p:stCondLst>
+                        <p:cond delay="indefinite"/>
+                      </p:stCondLst>
+                      <p:childTnLst>
+                        <p:par>
+                          <p:cTn id="8" fill="hold">
+                            <p:stCondLst>
+                              <p:cond delay="0"/>
+                            </p:stCondLst>
+                            <p:childTnLst>
+                              <p:par>
+                                <p:cTn id="9" presetID="1" presetClass="entr" presetSubtype="0" fill="hold" nodeType="clickEffect">
+                                  <p:stCondLst>
+                                    <p:cond delay="0"/>
+                                  </p:stCondLst>
+                                  <p:childTnLst>
+                                    <p:set>
+                                      <p:cBhvr>
+                                        <p:cTn id="10" dur="1" fill="hold">
+                                          <p:stCondLst>
+                                            <p:cond delay="0"/>
+                                          </p:stCondLst>
+                                        </p:cTn>
+                                        <p:tgtEl>
+                                          <p:spTgt spid="3">
+                                            <p:txEl>
+                                              <p:pRg st="2" end="2"/>
+                                            </p:txEl>
+                                          </p:spTgt>
+                                        </p:tgtEl>
+                                        <p:attrNameLst>
+                                          <p:attrName>style.visibility</p:attrName>
+                                        </p:attrNameLst>
+                                      </p:cBhvr>
+                                      <p:to>
+                                        <p:strVal val="visible"/>
+                                      </p:to>
+                                    </p:set>
+                                  </p:childTnLst>
+                                </p:cTn>
+                              </p:par>
+                            </p:childTnLst>
+                          </p:cTn>
+                        </p:par>
+                      </p:childTnLst>
+                    </p:cTn>
+                  </p:par>
+                  <p:par>
+                    <p:cTn id="11" fill="hold">
+                      <p:stCondLst>
+                        <p:cond delay="indefinite"/>
+                      </p:stCondLst>
+                      <p:childTnLst>
+                        <p:par>
+                          <p:cTn id="12" fill="hold">
+                            <p:stCondLst>
+                              <p:cond delay="0"/>
+                            </p:stCondLst>
+                            <p:childTnLst>
+                              <p:par>
+                                <p:cTn id="13" presetID="1" presetClass="entr" presetSubtype="0" fill="hold" nodeType="clickEffect">
+                                  <p:stCondLst>
+                                    <p:cond delay="0"/>
+                                  </p:stCondLst>
+                                  <p:childTnLst>
+                                    <p:set>
+                                      <p:cBhvr>
+                                        <p:cTn id="14" dur="1" fill="hold">
+                                          <p:stCondLst>
+                                            <p:cond delay="0"/>
+                                          </p:stCondLst>
+                                        </p:cTn>
+                                        <p:tgtEl>
+                                          <p:spTgt spid="3">
+                                            <p:txEl>
+                                              <p:pRg st="3" end="3"/>
+                                            </p:txEl>
+                                          </p:spTgt>
+                                        </p:tgtEl>
+                                        <p:attrNameLst>
+                                          <p:attrName>style.visibility</p:attrName>
+                                        </p:attrNameLst>
+                                      </p:cBhvr>
+                                      <p:to>
+                                        <p:strVal val="visible"/>
+                                      </p:to>
+                                    </p:set>
+                                  </p:childTnLst>
+                                </p:cTn>
+                              </p:par>
+                            </p:childTnLst>
+                          </p:cTn>
+                        </p:par>
+                      </p:childTnLst>
+                    </p:cTn>
+                  </p:par>
+                  <p:par>
+                    <p:cTn id="15" fill="hold">
+                      <p:stCondLst>
+                        <p:cond delay="indefinite"/>
+                      </p:stCondLst>
+                      <p:childTnLst>
+                        <p:par>
+                          <p:cTn id="16" fill="hold">
+                            <p:stCondLst>
+                              <p:cond delay="0"/>
+                            </p:stCondLst>
+                            <p:childTnLst>
+                              <p:par>
+                                <p:cTn id="17" presetID="1" presetClass="entr" presetSubtype="0" fill="hold" nodeType="clickEffect">
+                                  <p:stCondLst>
+                                    <p:cond delay="0"/>
+                                  </p:stCondLst>
+                                  <p:childTnLst>
+                                    <p:set>
+                                      <p:cBhvr>
+                                        <p:cTn id="18" dur="1" fill="hold">
+                                          <p:stCondLst>
+                                            <p:cond delay="0"/>
+                                          </p:stCondLst>
+                                        </p:cTn>
+                                        <p:tgtEl>
+                                          <p:spTgt spid="3">
+                                            <p:txEl>
+                                              <p:pRg st="4" end="4"/>
+                                            </p:txEl>
+                                          </p:spTgt>
+                                        </p:tgtEl>
+                                        <p:attrNameLst>
+                                          <p:attrName>style.visibility</p:attrName>
+                                        </p:attrNameLst>
+                                      </p:cBhvr>
+                                      <p:to>
+                                        <p:strVal val="visible"/>
+                                      </p:to>
+                                    </p:set>
+                                  </p:childTnLst>
+                                </p:cTn>
+                              </p:par>
+                            </p:childTnLst>
+                          </p:cTn>
+                        </p:par>
+                      </p:childTnLst>
+                    </p:cTn>
+                  </p:par>
+                </p:childTnLst>
+              </p:cTn>
+              <p:prevCondLst>
+                <p:cond evt="onPrev" delay="0">
+                  <p:tgtEl>
+                    <p:sldTgt/>
+                  </p:tgtEl>
+                </p:cond>
+              </p:prevCondLst>
+              <p:nextCondLst>
+                <p:cond evt="onNext" delay="0">
+                  <p:tgtEl>
+                    <p:sldTgt/>
+                  </p:tgtEl>
+                </p:cond>
+              </p:nextCondLst>
+            </p:seq>
+          </p:childTnLst>
+        </p:cTn>
+      </p:par>
+    </p:tnLst>
+  </p:timing>
+</p:sld>
+</file>
+
+<file path=ppt/slides/slide4.xml><?xml version="1.0" encoding="utf-8"?>
 <p:sld xmlns:a="http://schemas.openxmlformats.org/drawingml/2006/main" xmlns:r="http://schemas.openxmlformats.org/officeDocument/2006/relationships" xmlns:p="http://schemas.openxmlformats.org/presentationml/2006/main">
   <p:cSld>
     <p:spTree>
@@ -10038,10 +12330,17 @@
   <p:clrMapOvr>
     <a:masterClrMapping/>
   </p:clrMapOvr>
+  <p:timing>
+    <p:tnLst>
+      <p:par>
+        <p:cTn id="1" dur="indefinite" restart="never" nodeType="tmRoot"/>
+      </p:par>
+    </p:tnLst>
+  </p:timing>
 </p:sld>
 </file>
 
-<file path=ppt/slides/slide4.xml><?xml version="1.0" encoding="utf-8"?>
+<file path=ppt/slides/slide5.xml><?xml version="1.0" encoding="utf-8"?>
 <p:sld xmlns:a="http://schemas.openxmlformats.org/drawingml/2006/main" xmlns:r="http://schemas.openxmlformats.org/officeDocument/2006/relationships" xmlns:p="http://schemas.openxmlformats.org/presentationml/2006/main">
   <p:cSld>
     <p:spTree>
@@ -10065,6 +12364,306 @@
             <a:spLocks noGrp="1"/>
           </p:cNvSpPr>
           <p:nvPr>
+            <p:ph type="ctrTitle"/>
+          </p:nvPr>
+        </p:nvSpPr>
+        <p:spPr/>
+        <p:txBody>
+          <a:bodyPr/>
+          <a:lstStyle/>
+          <a:p>
+            <a:r>
+              <a:rPr lang="pt-BR" dirty="0" smtClean="0"/>
+              <a:t>Domínio</a:t>
+            </a:r>
+            <a:endParaRPr lang="en-US" dirty="0"/>
+          </a:p>
+        </p:txBody>
+      </p:sp>
+      <p:sp>
+        <p:nvSpPr>
+          <p:cNvPr id="4" name="Subtítulo 3"/>
+          <p:cNvSpPr>
+            <a:spLocks noGrp="1"/>
+          </p:cNvSpPr>
+          <p:nvPr>
+            <p:ph type="subTitle" idx="1"/>
+          </p:nvPr>
+        </p:nvSpPr>
+        <p:spPr/>
+        <p:txBody>
+          <a:bodyPr/>
+          <a:lstStyle/>
+          <a:p>
+            <a:endParaRPr lang="en-US"/>
+          </a:p>
+        </p:txBody>
+      </p:sp>
+    </p:spTree>
+    <p:extLst>
+      <p:ext uri="{BB962C8B-B14F-4D97-AF65-F5344CB8AC3E}">
+        <p14:creationId xmlns:p14="http://schemas.microsoft.com/office/powerpoint/2010/main" val="1460146300"/>
+      </p:ext>
+    </p:extLst>
+  </p:cSld>
+  <p:clrMapOvr>
+    <a:masterClrMapping/>
+  </p:clrMapOvr>
+  <p:timing>
+    <p:tnLst>
+      <p:par>
+        <p:cTn id="1" dur="indefinite" restart="never" nodeType="tmRoot"/>
+      </p:par>
+    </p:tnLst>
+  </p:timing>
+</p:sld>
+</file>
+
+<file path=ppt/slides/slide6.xml><?xml version="1.0" encoding="utf-8"?>
+<p:sld xmlns:a="http://schemas.openxmlformats.org/drawingml/2006/main" xmlns:r="http://schemas.openxmlformats.org/officeDocument/2006/relationships" xmlns:p="http://schemas.openxmlformats.org/presentationml/2006/main">
+  <p:cSld>
+    <p:spTree>
+      <p:nvGrpSpPr>
+        <p:cNvPr id="1" name=""/>
+        <p:cNvGrpSpPr/>
+        <p:nvPr/>
+      </p:nvGrpSpPr>
+      <p:grpSpPr>
+        <a:xfrm>
+          <a:off x="0" y="0"/>
+          <a:ext cx="0" cy="0"/>
+          <a:chOff x="0" y="0"/>
+          <a:chExt cx="0" cy="0"/>
+        </a:xfrm>
+      </p:grpSpPr>
+      <p:sp>
+        <p:nvSpPr>
+          <p:cNvPr id="4" name="Título 3"/>
+          <p:cNvSpPr>
+            <a:spLocks noGrp="1"/>
+          </p:cNvSpPr>
+          <p:nvPr>
+            <p:ph type="title"/>
+          </p:nvPr>
+        </p:nvSpPr>
+        <p:spPr/>
+        <p:txBody>
+          <a:bodyPr/>
+          <a:lstStyle/>
+          <a:p>
+            <a:r>
+              <a:rPr lang="pt-BR" dirty="0" smtClean="0"/>
+              <a:t>Core Domain</a:t>
+            </a:r>
+            <a:endParaRPr lang="en-US" dirty="0"/>
+          </a:p>
+        </p:txBody>
+      </p:sp>
+      <p:sp>
+        <p:nvSpPr>
+          <p:cNvPr id="5" name="Espaço Reservado para Conteúdo 4"/>
+          <p:cNvSpPr>
+            <a:spLocks noGrp="1"/>
+          </p:cNvSpPr>
+          <p:nvPr>
+            <p:ph idx="1"/>
+          </p:nvPr>
+        </p:nvSpPr>
+        <p:spPr/>
+        <p:txBody>
+          <a:bodyPr/>
+          <a:lstStyle/>
+          <a:p>
+            <a:r>
+              <a:rPr lang="pt-BR" dirty="0" smtClean="0"/>
+              <a:t>Identifique o seu Core Domain</a:t>
+            </a:r>
+          </a:p>
+          <a:p>
+            <a:r>
+              <a:rPr lang="pt-BR" dirty="0" smtClean="0"/>
+              <a:t>Analise o seu Core Domain</a:t>
+            </a:r>
+          </a:p>
+          <a:p>
+            <a:r>
+              <a:rPr lang="pt-BR" dirty="0" smtClean="0"/>
+              <a:t>Foque os recursos no Core Domain</a:t>
+            </a:r>
+            <a:endParaRPr lang="en-US" dirty="0"/>
+          </a:p>
+        </p:txBody>
+      </p:sp>
+    </p:spTree>
+    <p:extLst>
+      <p:ext uri="{BB962C8B-B14F-4D97-AF65-F5344CB8AC3E}">
+        <p14:creationId xmlns:p14="http://schemas.microsoft.com/office/powerpoint/2010/main" val="41055795"/>
+      </p:ext>
+    </p:extLst>
+  </p:cSld>
+  <p:clrMapOvr>
+    <a:masterClrMapping/>
+  </p:clrMapOvr>
+  <p:timing>
+    <p:tnLst>
+      <p:par>
+        <p:cTn id="1" dur="indefinite" restart="never" nodeType="tmRoot"/>
+      </p:par>
+    </p:tnLst>
+  </p:timing>
+</p:sld>
+</file>
+
+<file path=ppt/slides/slide7.xml><?xml version="1.0" encoding="utf-8"?>
+<p:sld xmlns:a="http://schemas.openxmlformats.org/drawingml/2006/main" xmlns:r="http://schemas.openxmlformats.org/officeDocument/2006/relationships" xmlns:p="http://schemas.openxmlformats.org/presentationml/2006/main">
+  <p:cSld>
+    <p:spTree>
+      <p:nvGrpSpPr>
+        <p:cNvPr id="1" name=""/>
+        <p:cNvGrpSpPr/>
+        <p:nvPr/>
+      </p:nvGrpSpPr>
+      <p:grpSpPr>
+        <a:xfrm>
+          <a:off x="0" y="0"/>
+          <a:ext cx="0" cy="0"/>
+          <a:chOff x="0" y="0"/>
+          <a:chExt cx="0" cy="0"/>
+        </a:xfrm>
+      </p:grpSpPr>
+      <p:sp>
+        <p:nvSpPr>
+          <p:cNvPr id="2" name="Título 1"/>
+          <p:cNvSpPr>
+            <a:spLocks noGrp="1"/>
+          </p:cNvSpPr>
+          <p:nvPr>
+            <p:ph type="title"/>
+          </p:nvPr>
+        </p:nvSpPr>
+        <p:spPr/>
+        <p:txBody>
+          <a:bodyPr/>
+          <a:lstStyle/>
+          <a:p>
+            <a:r>
+              <a:rPr lang="pt-BR" dirty="0" smtClean="0"/>
+              <a:t>Tipos de Domínio</a:t>
+            </a:r>
+            <a:endParaRPr lang="en-US" dirty="0"/>
+          </a:p>
+        </p:txBody>
+      </p:sp>
+      <p:sp>
+        <p:nvSpPr>
+          <p:cNvPr id="3" name="Espaço Reservado para Conteúdo 2"/>
+          <p:cNvSpPr>
+            <a:spLocks noGrp="1"/>
+          </p:cNvSpPr>
+          <p:nvPr>
+            <p:ph idx="1"/>
+          </p:nvPr>
+        </p:nvSpPr>
+        <p:spPr/>
+        <p:txBody>
+          <a:bodyPr/>
+          <a:lstStyle/>
+          <a:p>
+            <a:r>
+              <a:rPr lang="pt-BR" dirty="0" smtClean="0"/>
+              <a:t>Um Modelo pode ser:</a:t>
+            </a:r>
+          </a:p>
+          <a:p>
+            <a:pPr lvl="1"/>
+            <a:r>
+              <a:rPr lang="pt-BR" dirty="0" smtClean="0"/>
+              <a:t>Seu Core Domain</a:t>
+            </a:r>
+          </a:p>
+          <a:p>
+            <a:pPr lvl="1"/>
+            <a:r>
+              <a:rPr lang="pt-BR" dirty="0" smtClean="0"/>
+              <a:t>Um Domínio de Suporte</a:t>
+            </a:r>
+          </a:p>
+          <a:p>
+            <a:pPr lvl="1"/>
+            <a:r>
+              <a:rPr lang="pt-BR" dirty="0" smtClean="0"/>
+              <a:t>Um Domínio Genérico</a:t>
+            </a:r>
+          </a:p>
+          <a:p>
+            <a:pPr lvl="1"/>
+            <a:endParaRPr lang="pt-BR" dirty="0"/>
+          </a:p>
+          <a:p>
+            <a:r>
+              <a:rPr lang="pt-BR" dirty="0" smtClean="0"/>
+              <a:t>Foque o esforço de modelagem no Core Domain</a:t>
+            </a:r>
+          </a:p>
+          <a:p>
+            <a:r>
+              <a:rPr lang="pt-BR" dirty="0" smtClean="0"/>
+              <a:t>Considere outsourcing pra o Domínio de Suporte</a:t>
+            </a:r>
+          </a:p>
+          <a:p>
+            <a:r>
+              <a:rPr lang="pt-BR" dirty="0" smtClean="0"/>
+              <a:t>Adquira Domínio Genérico</a:t>
+            </a:r>
+            <a:endParaRPr lang="en-US" dirty="0"/>
+          </a:p>
+        </p:txBody>
+      </p:sp>
+    </p:spTree>
+    <p:extLst>
+      <p:ext uri="{BB962C8B-B14F-4D97-AF65-F5344CB8AC3E}">
+        <p14:creationId xmlns:p14="http://schemas.microsoft.com/office/powerpoint/2010/main" val="2656094707"/>
+      </p:ext>
+    </p:extLst>
+  </p:cSld>
+  <p:clrMapOvr>
+    <a:masterClrMapping/>
+  </p:clrMapOvr>
+  <p:timing>
+    <p:tnLst>
+      <p:par>
+        <p:cTn id="1" dur="indefinite" restart="never" nodeType="tmRoot"/>
+      </p:par>
+    </p:tnLst>
+  </p:timing>
+</p:sld>
+</file>
+
+<file path=ppt/slides/slide8.xml><?xml version="1.0" encoding="utf-8"?>
+<p:sld xmlns:a="http://schemas.openxmlformats.org/drawingml/2006/main" xmlns:r="http://schemas.openxmlformats.org/officeDocument/2006/relationships" xmlns:p="http://schemas.openxmlformats.org/presentationml/2006/main">
+  <p:cSld>
+    <p:spTree>
+      <p:nvGrpSpPr>
+        <p:cNvPr id="1" name=""/>
+        <p:cNvGrpSpPr/>
+        <p:nvPr/>
+      </p:nvGrpSpPr>
+      <p:grpSpPr>
+        <a:xfrm>
+          <a:off x="0" y="0"/>
+          <a:ext cx="0" cy="0"/>
+          <a:chOff x="0" y="0"/>
+          <a:chExt cx="0" cy="0"/>
+        </a:xfrm>
+      </p:grpSpPr>
+      <p:sp>
+        <p:nvSpPr>
+          <p:cNvPr id="2" name="Título 1"/>
+          <p:cNvSpPr>
+            <a:spLocks noGrp="1"/>
+          </p:cNvSpPr>
+          <p:nvPr>
             <p:ph type="title"/>
           </p:nvPr>
         </p:nvSpPr>
@@ -10102,7 +12701,7 @@
       </p:sp>
       <p:pic>
         <p:nvPicPr>
-          <p:cNvPr id="1026" name="Picture 2"/>
+          <p:cNvPr id="1027" name="Picture 3"/>
           <p:cNvPicPr>
             <a:picLocks noChangeAspect="1" noChangeArrowheads="1"/>
           </p:cNvPicPr>
@@ -10123,61 +12722,7 @@
         </p:blipFill>
         <p:spPr bwMode="auto">
           <a:xfrm>
-            <a:off x="611560" y="2204864"/>
-            <a:ext cx="4772025" cy="4000500"/>
-          </a:xfrm>
-          <a:prstGeom prst="rect">
-            <a:avLst/>
-          </a:prstGeom>
-          <a:noFill/>
-          <a:ln>
-            <a:noFill/>
-          </a:ln>
-          <a:extLst>
-            <a:ext uri="{909E8E84-426E-40DD-AFC4-6F175D3DCCD1}">
-              <a14:hiddenFill xmlns:a14="http://schemas.microsoft.com/office/drawing/2010/main">
-                <a:solidFill>
-                  <a:schemeClr val="accent1"/>
-                </a:solidFill>
-              </a14:hiddenFill>
-            </a:ext>
-            <a:ext uri="{91240B29-F687-4F45-9708-019B960494DF}">
-              <a14:hiddenLine xmlns:a14="http://schemas.microsoft.com/office/drawing/2010/main" w="9525">
-                <a:solidFill>
-                  <a:schemeClr val="tx1"/>
-                </a:solidFill>
-                <a:miter lim="800000"/>
-                <a:headEnd/>
-                <a:tailEnd/>
-              </a14:hiddenLine>
-            </a:ext>
-          </a:extLst>
-        </p:spPr>
-      </p:pic>
-      <p:pic>
-        <p:nvPicPr>
-          <p:cNvPr id="1027" name="Picture 3"/>
-          <p:cNvPicPr>
-            <a:picLocks noChangeAspect="1" noChangeArrowheads="1"/>
-          </p:cNvPicPr>
-          <p:nvPr/>
-        </p:nvPicPr>
-        <p:blipFill>
-          <a:blip r:embed="rId3">
-            <a:extLst>
-              <a:ext uri="{28A0092B-C50C-407E-A947-70E740481C1C}">
-                <a14:useLocalDpi xmlns:a14="http://schemas.microsoft.com/office/drawing/2010/main" val="0"/>
-              </a:ext>
-            </a:extLst>
-          </a:blip>
-          <a:srcRect/>
-          <a:stretch>
-            <a:fillRect/>
-          </a:stretch>
-        </p:blipFill>
-        <p:spPr bwMode="auto">
-          <a:xfrm>
-            <a:off x="1869629" y="5159325"/>
+            <a:off x="2447925" y="2708920"/>
             <a:ext cx="4248150" cy="2800350"/>
           </a:xfrm>
           <a:prstGeom prst="rect">
@@ -10208,16 +12753,95 @@
           </a:extLst>
         </p:spPr>
       </p:pic>
+    </p:spTree>
+    <p:extLst>
+      <p:ext uri="{BB962C8B-B14F-4D97-AF65-F5344CB8AC3E}">
+        <p14:creationId xmlns:p14="http://schemas.microsoft.com/office/powerpoint/2010/main" val="3151499768"/>
+      </p:ext>
+    </p:extLst>
+  </p:cSld>
+  <p:clrMapOvr>
+    <a:masterClrMapping/>
+  </p:clrMapOvr>
+  <p:timing>
+    <p:tnLst>
+      <p:par>
+        <p:cTn id="1" dur="indefinite" restart="never" nodeType="tmRoot"/>
+      </p:par>
+    </p:tnLst>
+  </p:timing>
+</p:sld>
+</file>
+
+<file path=ppt/slides/slide9.xml><?xml version="1.0" encoding="utf-8"?>
+<p:sld xmlns:a="http://schemas.openxmlformats.org/drawingml/2006/main" xmlns:r="http://schemas.openxmlformats.org/officeDocument/2006/relationships" xmlns:p="http://schemas.openxmlformats.org/presentationml/2006/main">
+  <p:cSld>
+    <p:spTree>
+      <p:nvGrpSpPr>
+        <p:cNvPr id="1" name=""/>
+        <p:cNvGrpSpPr/>
+        <p:nvPr/>
+      </p:nvGrpSpPr>
+      <p:grpSpPr>
+        <a:xfrm>
+          <a:off x="0" y="0"/>
+          <a:ext cx="0" cy="0"/>
+          <a:chOff x="0" y="0"/>
+          <a:chExt cx="0" cy="0"/>
+        </a:xfrm>
+      </p:grpSpPr>
+      <p:sp>
+        <p:nvSpPr>
+          <p:cNvPr id="2" name="Título 1"/>
+          <p:cNvSpPr>
+            <a:spLocks noGrp="1"/>
+          </p:cNvSpPr>
+          <p:nvPr>
+            <p:ph type="title"/>
+          </p:nvPr>
+        </p:nvSpPr>
+        <p:spPr/>
+        <p:txBody>
+          <a:bodyPr/>
+          <a:lstStyle/>
+          <a:p>
+            <a:r>
+              <a:rPr lang="pt-BR" dirty="0" smtClean="0"/>
+              <a:t>Estilos Arquiteturais</a:t>
+            </a:r>
+            <a:endParaRPr lang="pt-BR" dirty="0"/>
+          </a:p>
+        </p:txBody>
+      </p:sp>
+      <p:sp>
+        <p:nvSpPr>
+          <p:cNvPr id="3" name="Espaço Reservado para Conteúdo 2"/>
+          <p:cNvSpPr>
+            <a:spLocks noGrp="1"/>
+          </p:cNvSpPr>
+          <p:nvPr>
+            <p:ph idx="1"/>
+          </p:nvPr>
+        </p:nvSpPr>
+        <p:spPr/>
+        <p:txBody>
+          <a:bodyPr/>
+          <a:lstStyle/>
+          <a:p>
+            <a:endParaRPr lang="pt-BR"/>
+          </a:p>
+        </p:txBody>
+      </p:sp>
       <p:pic>
         <p:nvPicPr>
-          <p:cNvPr id="1028" name="Picture 4"/>
+          <p:cNvPr id="1026" name="Picture 2"/>
           <p:cNvPicPr>
             <a:picLocks noChangeAspect="1" noChangeArrowheads="1"/>
           </p:cNvPicPr>
           <p:nvPr/>
         </p:nvPicPr>
         <p:blipFill>
-          <a:blip r:embed="rId4">
+          <a:blip r:embed="rId2">
             <a:extLst>
               <a:ext uri="{28A0092B-C50C-407E-A947-70E740481C1C}">
                 <a14:useLocalDpi xmlns:a14="http://schemas.microsoft.com/office/drawing/2010/main" val="0"/>
@@ -10231,116 +12855,8 @@
         </p:blipFill>
         <p:spPr bwMode="auto">
           <a:xfrm>
-            <a:off x="5383585" y="5838825"/>
-            <a:ext cx="2924175" cy="3781425"/>
-          </a:xfrm>
-          <a:prstGeom prst="rect">
-            <a:avLst/>
-          </a:prstGeom>
-          <a:noFill/>
-          <a:ln>
-            <a:noFill/>
-          </a:ln>
-          <a:extLst>
-            <a:ext uri="{909E8E84-426E-40DD-AFC4-6F175D3DCCD1}">
-              <a14:hiddenFill xmlns:a14="http://schemas.microsoft.com/office/drawing/2010/main">
-                <a:solidFill>
-                  <a:schemeClr val="accent1"/>
-                </a:solidFill>
-              </a14:hiddenFill>
-            </a:ext>
-            <a:ext uri="{91240B29-F687-4F45-9708-019B960494DF}">
-              <a14:hiddenLine xmlns:a14="http://schemas.microsoft.com/office/drawing/2010/main" w="9525">
-                <a:solidFill>
-                  <a:schemeClr val="tx1"/>
-                </a:solidFill>
-                <a:miter lim="800000"/>
-                <a:headEnd/>
-                <a:tailEnd/>
-              </a14:hiddenLine>
-            </a:ext>
-          </a:extLst>
-        </p:spPr>
-      </p:pic>
-      <p:pic>
-        <p:nvPicPr>
-          <p:cNvPr id="1029" name="Picture 5"/>
-          <p:cNvPicPr>
-            <a:picLocks noChangeAspect="1" noChangeArrowheads="1"/>
-          </p:cNvPicPr>
-          <p:nvPr/>
-        </p:nvPicPr>
-        <p:blipFill>
-          <a:blip r:embed="rId5">
-            <a:extLst>
-              <a:ext uri="{28A0092B-C50C-407E-A947-70E740481C1C}">
-                <a14:useLocalDpi xmlns:a14="http://schemas.microsoft.com/office/drawing/2010/main" val="0"/>
-              </a:ext>
-            </a:extLst>
-          </a:blip>
-          <a:srcRect/>
-          <a:stretch>
-            <a:fillRect/>
-          </a:stretch>
-        </p:blipFill>
-        <p:spPr bwMode="auto">
-          <a:xfrm>
-            <a:off x="8340228" y="5813052"/>
-            <a:ext cx="6305550" cy="5524500"/>
-          </a:xfrm>
-          <a:prstGeom prst="rect">
-            <a:avLst/>
-          </a:prstGeom>
-          <a:noFill/>
-          <a:ln>
-            <a:noFill/>
-          </a:ln>
-          <a:extLst>
-            <a:ext uri="{909E8E84-426E-40DD-AFC4-6F175D3DCCD1}">
-              <a14:hiddenFill xmlns:a14="http://schemas.microsoft.com/office/drawing/2010/main">
-                <a:solidFill>
-                  <a:schemeClr val="accent1"/>
-                </a:solidFill>
-              </a14:hiddenFill>
-            </a:ext>
-            <a:ext uri="{91240B29-F687-4F45-9708-019B960494DF}">
-              <a14:hiddenLine xmlns:a14="http://schemas.microsoft.com/office/drawing/2010/main" w="9525">
-                <a:solidFill>
-                  <a:schemeClr val="tx1"/>
-                </a:solidFill>
-                <a:miter lim="800000"/>
-                <a:headEnd/>
-                <a:tailEnd/>
-              </a14:hiddenLine>
-            </a:ext>
-          </a:extLst>
-        </p:spPr>
-      </p:pic>
-      <p:pic>
-        <p:nvPicPr>
-          <p:cNvPr id="1030" name="Picture 6"/>
-          <p:cNvPicPr>
-            <a:picLocks noChangeAspect="1" noChangeArrowheads="1"/>
-          </p:cNvPicPr>
-          <p:nvPr/>
-        </p:nvPicPr>
-        <p:blipFill>
-          <a:blip r:embed="rId6">
-            <a:extLst>
-              <a:ext uri="{28A0092B-C50C-407E-A947-70E740481C1C}">
-                <a14:useLocalDpi xmlns:a14="http://schemas.microsoft.com/office/drawing/2010/main" val="0"/>
-              </a:ext>
-            </a:extLst>
-          </a:blip>
-          <a:srcRect/>
-          <a:stretch>
-            <a:fillRect/>
-          </a:stretch>
-        </p:blipFill>
-        <p:spPr bwMode="auto">
-          <a:xfrm>
-            <a:off x="10620672" y="3357389"/>
-            <a:ext cx="6210300" cy="2847975"/>
+            <a:off x="2185987" y="2141368"/>
+            <a:ext cx="4772025" cy="4000500"/>
           </a:xfrm>
           <a:prstGeom prst="rect">
             <a:avLst/>
@@ -10387,495 +12903,6 @@
       </p:par>
     </p:tnLst>
   </p:timing>
-</p:sld>
-</file>
-
-<file path=ppt/slides/slide5.xml><?xml version="1.0" encoding="utf-8"?>
-<p:sld xmlns:a="http://schemas.openxmlformats.org/drawingml/2006/main" xmlns:r="http://schemas.openxmlformats.org/officeDocument/2006/relationships" xmlns:p="http://schemas.openxmlformats.org/presentationml/2006/main">
-  <p:cSld>
-    <p:spTree>
-      <p:nvGrpSpPr>
-        <p:cNvPr id="1" name=""/>
-        <p:cNvGrpSpPr/>
-        <p:nvPr/>
-      </p:nvGrpSpPr>
-      <p:grpSpPr>
-        <a:xfrm>
-          <a:off x="0" y="0"/>
-          <a:ext cx="0" cy="0"/>
-          <a:chOff x="0" y="0"/>
-          <a:chExt cx="0" cy="0"/>
-        </a:xfrm>
-      </p:grpSpPr>
-      <p:sp>
-        <p:nvSpPr>
-          <p:cNvPr id="2" name="Título 1"/>
-          <p:cNvSpPr>
-            <a:spLocks noGrp="1"/>
-          </p:cNvSpPr>
-          <p:nvPr>
-            <p:ph type="title"/>
-          </p:nvPr>
-        </p:nvSpPr>
-        <p:spPr/>
-        <p:txBody>
-          <a:bodyPr/>
-          <a:lstStyle/>
-          <a:p>
-            <a:r>
-              <a:rPr lang="pt-BR" dirty="0" err="1" smtClean="0"/>
-              <a:t>Bounded</a:t>
-            </a:r>
-            <a:r>
-              <a:rPr lang="pt-BR" dirty="0" smtClean="0"/>
-              <a:t> </a:t>
-            </a:r>
-            <a:r>
-              <a:rPr lang="pt-BR" dirty="0" err="1" smtClean="0"/>
-              <a:t>Context</a:t>
-            </a:r>
-            <a:endParaRPr lang="pt-BR" dirty="0"/>
-          </a:p>
-        </p:txBody>
-      </p:sp>
-      <p:sp>
-        <p:nvSpPr>
-          <p:cNvPr id="3" name="Espaço Reservado para Conteúdo 2"/>
-          <p:cNvSpPr>
-            <a:spLocks noGrp="1"/>
-          </p:cNvSpPr>
-          <p:nvPr>
-            <p:ph idx="1"/>
-          </p:nvPr>
-        </p:nvSpPr>
-        <p:spPr/>
-        <p:txBody>
-          <a:bodyPr/>
-          <a:lstStyle/>
-          <a:p>
-            <a:endParaRPr lang="pt-BR"/>
-          </a:p>
-        </p:txBody>
-      </p:sp>
-      <p:sp>
-        <p:nvSpPr>
-          <p:cNvPr id="4" name="Retângulo 3"/>
-          <p:cNvSpPr/>
-          <p:nvPr/>
-        </p:nvSpPr>
-        <p:spPr>
-          <a:xfrm>
-            <a:off x="2282500" y="6093296"/>
-            <a:ext cx="4572000" cy="646331"/>
-          </a:xfrm>
-          <a:prstGeom prst="rect">
-            <a:avLst/>
-          </a:prstGeom>
-        </p:spPr>
-        <p:txBody>
-          <a:bodyPr>
-            <a:spAutoFit/>
-          </a:bodyPr>
-          <a:lstStyle/>
-          <a:p>
-            <a:r>
-              <a:rPr lang="pt-BR" dirty="0"/>
-              <a:t>https://martinfowler.com/bliki/BoundedContext.html</a:t>
-            </a:r>
-          </a:p>
-        </p:txBody>
-      </p:sp>
-      <p:pic>
-        <p:nvPicPr>
-          <p:cNvPr id="2051" name="Picture 3"/>
-          <p:cNvPicPr>
-            <a:picLocks noChangeAspect="1" noChangeArrowheads="1"/>
-          </p:cNvPicPr>
-          <p:nvPr/>
-        </p:nvPicPr>
-        <p:blipFill>
-          <a:blip r:embed="rId2">
-            <a:extLst>
-              <a:ext uri="{28A0092B-C50C-407E-A947-70E740481C1C}">
-                <a14:useLocalDpi xmlns:a14="http://schemas.microsoft.com/office/drawing/2010/main" val="0"/>
-              </a:ext>
-            </a:extLst>
-          </a:blip>
-          <a:srcRect/>
-          <a:stretch>
-            <a:fillRect/>
-          </a:stretch>
-        </p:blipFill>
-        <p:spPr bwMode="auto">
-          <a:xfrm>
-            <a:off x="1115616" y="1517891"/>
-            <a:ext cx="7351713" cy="4552950"/>
-          </a:xfrm>
-          <a:prstGeom prst="rect">
-            <a:avLst/>
-          </a:prstGeom>
-          <a:noFill/>
-          <a:ln>
-            <a:noFill/>
-          </a:ln>
-          <a:extLst>
-            <a:ext uri="{909E8E84-426E-40DD-AFC4-6F175D3DCCD1}">
-              <a14:hiddenFill xmlns:a14="http://schemas.microsoft.com/office/drawing/2010/main">
-                <a:solidFill>
-                  <a:schemeClr val="accent1"/>
-                </a:solidFill>
-              </a14:hiddenFill>
-            </a:ext>
-            <a:ext uri="{91240B29-F687-4F45-9708-019B960494DF}">
-              <a14:hiddenLine xmlns:a14="http://schemas.microsoft.com/office/drawing/2010/main" w="9525">
-                <a:solidFill>
-                  <a:schemeClr val="tx1"/>
-                </a:solidFill>
-                <a:miter lim="800000"/>
-                <a:headEnd/>
-                <a:tailEnd/>
-              </a14:hiddenLine>
-            </a:ext>
-          </a:extLst>
-        </p:spPr>
-      </p:pic>
-    </p:spTree>
-    <p:extLst>
-      <p:ext uri="{BB962C8B-B14F-4D97-AF65-F5344CB8AC3E}">
-        <p14:creationId xmlns:p14="http://schemas.microsoft.com/office/powerpoint/2010/main" val="4150398915"/>
-      </p:ext>
-    </p:extLst>
-  </p:cSld>
-  <p:clrMapOvr>
-    <a:masterClrMapping/>
-  </p:clrMapOvr>
-  <p:timing>
-    <p:tnLst>
-      <p:par>
-        <p:cTn id="1" dur="indefinite" restart="never" nodeType="tmRoot"/>
-      </p:par>
-    </p:tnLst>
-  </p:timing>
-</p:sld>
-</file>
-
-<file path=ppt/slides/slide6.xml><?xml version="1.0" encoding="utf-8"?>
-<p:sld xmlns:a="http://schemas.openxmlformats.org/drawingml/2006/main" xmlns:r="http://schemas.openxmlformats.org/officeDocument/2006/relationships" xmlns:p="http://schemas.openxmlformats.org/presentationml/2006/main">
-  <p:cSld>
-    <p:spTree>
-      <p:nvGrpSpPr>
-        <p:cNvPr id="1" name=""/>
-        <p:cNvGrpSpPr/>
-        <p:nvPr/>
-      </p:nvGrpSpPr>
-      <p:grpSpPr>
-        <a:xfrm>
-          <a:off x="0" y="0"/>
-          <a:ext cx="0" cy="0"/>
-          <a:chOff x="0" y="0"/>
-          <a:chExt cx="0" cy="0"/>
-        </a:xfrm>
-      </p:grpSpPr>
-      <p:sp>
-        <p:nvSpPr>
-          <p:cNvPr id="2" name="Título 1"/>
-          <p:cNvSpPr>
-            <a:spLocks noGrp="1"/>
-          </p:cNvSpPr>
-          <p:nvPr>
-            <p:ph type="title"/>
-          </p:nvPr>
-        </p:nvSpPr>
-        <p:spPr/>
-        <p:txBody>
-          <a:bodyPr/>
-          <a:lstStyle/>
-          <a:p>
-            <a:r>
-              <a:rPr lang="pt-BR" dirty="0" err="1" smtClean="0"/>
-              <a:t>Value</a:t>
-            </a:r>
-            <a:r>
-              <a:rPr lang="pt-BR" dirty="0" smtClean="0"/>
-              <a:t> </a:t>
-            </a:r>
-            <a:r>
-              <a:rPr lang="pt-BR" dirty="0" err="1" smtClean="0"/>
-              <a:t>Objects</a:t>
-            </a:r>
-            <a:endParaRPr lang="pt-BR" dirty="0"/>
-          </a:p>
-        </p:txBody>
-      </p:sp>
-      <p:sp>
-        <p:nvSpPr>
-          <p:cNvPr id="3" name="Espaço Reservado para Conteúdo 2"/>
-          <p:cNvSpPr>
-            <a:spLocks noGrp="1"/>
-          </p:cNvSpPr>
-          <p:nvPr>
-            <p:ph idx="1"/>
-          </p:nvPr>
-        </p:nvSpPr>
-        <p:spPr/>
-        <p:txBody>
-          <a:bodyPr/>
-          <a:lstStyle/>
-          <a:p>
-            <a:r>
-              <a:rPr lang="pt-BR" dirty="0" smtClean="0"/>
-              <a:t>Não possuem identidade</a:t>
-            </a:r>
-          </a:p>
-          <a:p>
-            <a:r>
-              <a:rPr lang="pt-BR" dirty="0" smtClean="0"/>
-              <a:t>Imutável</a:t>
-            </a:r>
-            <a:endParaRPr lang="pt-BR" dirty="0"/>
-          </a:p>
-        </p:txBody>
-      </p:sp>
-    </p:spTree>
-    <p:extLst>
-      <p:ext uri="{BB962C8B-B14F-4D97-AF65-F5344CB8AC3E}">
-        <p14:creationId xmlns:p14="http://schemas.microsoft.com/office/powerpoint/2010/main" val="1943836900"/>
-      </p:ext>
-    </p:extLst>
-  </p:cSld>
-  <p:clrMapOvr>
-    <a:masterClrMapping/>
-  </p:clrMapOvr>
-</p:sld>
-</file>
-
-<file path=ppt/slides/slide7.xml><?xml version="1.0" encoding="utf-8"?>
-<p:sld xmlns:a="http://schemas.openxmlformats.org/drawingml/2006/main" xmlns:r="http://schemas.openxmlformats.org/officeDocument/2006/relationships" xmlns:p="http://schemas.openxmlformats.org/presentationml/2006/main">
-  <p:cSld>
-    <p:spTree>
-      <p:nvGrpSpPr>
-        <p:cNvPr id="1" name=""/>
-        <p:cNvGrpSpPr/>
-        <p:nvPr/>
-      </p:nvGrpSpPr>
-      <p:grpSpPr>
-        <a:xfrm>
-          <a:off x="0" y="0"/>
-          <a:ext cx="0" cy="0"/>
-          <a:chOff x="0" y="0"/>
-          <a:chExt cx="0" cy="0"/>
-        </a:xfrm>
-      </p:grpSpPr>
-      <p:sp>
-        <p:nvSpPr>
-          <p:cNvPr id="2" name="Título 1"/>
-          <p:cNvSpPr>
-            <a:spLocks noGrp="1"/>
-          </p:cNvSpPr>
-          <p:nvPr>
-            <p:ph type="title"/>
-          </p:nvPr>
-        </p:nvSpPr>
-        <p:spPr/>
-        <p:txBody>
-          <a:bodyPr/>
-          <a:lstStyle/>
-          <a:p>
-            <a:r>
-              <a:rPr lang="pt-BR" dirty="0" err="1" smtClean="0"/>
-              <a:t>Entities</a:t>
-            </a:r>
-            <a:endParaRPr lang="pt-BR" dirty="0"/>
-          </a:p>
-        </p:txBody>
-      </p:sp>
-      <p:sp>
-        <p:nvSpPr>
-          <p:cNvPr id="3" name="Espaço Reservado para Conteúdo 2"/>
-          <p:cNvSpPr>
-            <a:spLocks noGrp="1"/>
-          </p:cNvSpPr>
-          <p:nvPr>
-            <p:ph idx="1"/>
-          </p:nvPr>
-        </p:nvSpPr>
-        <p:spPr/>
-        <p:txBody>
-          <a:bodyPr/>
-          <a:lstStyle/>
-          <a:p>
-            <a:r>
-              <a:rPr lang="pt-BR" dirty="0" smtClean="0"/>
-              <a:t>Identidade e Estado</a:t>
-            </a:r>
-          </a:p>
-          <a:p>
-            <a:r>
-              <a:rPr lang="pt-BR" dirty="0" smtClean="0"/>
-              <a:t>Persistência</a:t>
-            </a:r>
-            <a:endParaRPr lang="pt-BR" dirty="0"/>
-          </a:p>
-        </p:txBody>
-      </p:sp>
-    </p:spTree>
-    <p:extLst>
-      <p:ext uri="{BB962C8B-B14F-4D97-AF65-F5344CB8AC3E}">
-        <p14:creationId xmlns:p14="http://schemas.microsoft.com/office/powerpoint/2010/main" val="1771237173"/>
-      </p:ext>
-    </p:extLst>
-  </p:cSld>
-  <p:clrMapOvr>
-    <a:masterClrMapping/>
-  </p:clrMapOvr>
-</p:sld>
-</file>
-
-<file path=ppt/slides/slide8.xml><?xml version="1.0" encoding="utf-8"?>
-<p:sld xmlns:a="http://schemas.openxmlformats.org/drawingml/2006/main" xmlns:r="http://schemas.openxmlformats.org/officeDocument/2006/relationships" xmlns:p="http://schemas.openxmlformats.org/presentationml/2006/main">
-  <p:cSld>
-    <p:spTree>
-      <p:nvGrpSpPr>
-        <p:cNvPr id="1" name=""/>
-        <p:cNvGrpSpPr/>
-        <p:nvPr/>
-      </p:nvGrpSpPr>
-      <p:grpSpPr>
-        <a:xfrm>
-          <a:off x="0" y="0"/>
-          <a:ext cx="0" cy="0"/>
-          <a:chOff x="0" y="0"/>
-          <a:chExt cx="0" cy="0"/>
-        </a:xfrm>
-      </p:grpSpPr>
-      <p:sp>
-        <p:nvSpPr>
-          <p:cNvPr id="2" name="Título 1"/>
-          <p:cNvSpPr>
-            <a:spLocks noGrp="1"/>
-          </p:cNvSpPr>
-          <p:nvPr>
-            <p:ph type="title"/>
-          </p:nvPr>
-        </p:nvSpPr>
-        <p:spPr/>
-        <p:txBody>
-          <a:bodyPr/>
-          <a:lstStyle/>
-          <a:p>
-            <a:r>
-              <a:rPr lang="pt-BR" dirty="0" err="1" smtClean="0"/>
-              <a:t>Aggregates</a:t>
-            </a:r>
-            <a:endParaRPr lang="pt-BR" dirty="0"/>
-          </a:p>
-        </p:txBody>
-      </p:sp>
-      <p:sp>
-        <p:nvSpPr>
-          <p:cNvPr id="3" name="Espaço Reservado para Conteúdo 2"/>
-          <p:cNvSpPr>
-            <a:spLocks noGrp="1"/>
-          </p:cNvSpPr>
-          <p:nvPr>
-            <p:ph idx="1"/>
-          </p:nvPr>
-        </p:nvSpPr>
-        <p:spPr/>
-        <p:txBody>
-          <a:bodyPr/>
-          <a:lstStyle/>
-          <a:p>
-            <a:endParaRPr lang="pt-BR"/>
-          </a:p>
-        </p:txBody>
-      </p:sp>
-    </p:spTree>
-    <p:extLst>
-      <p:ext uri="{BB962C8B-B14F-4D97-AF65-F5344CB8AC3E}">
-        <p14:creationId xmlns:p14="http://schemas.microsoft.com/office/powerpoint/2010/main" val="738495361"/>
-      </p:ext>
-    </p:extLst>
-  </p:cSld>
-  <p:clrMapOvr>
-    <a:masterClrMapping/>
-  </p:clrMapOvr>
-</p:sld>
-</file>
-
-<file path=ppt/slides/slide9.xml><?xml version="1.0" encoding="utf-8"?>
-<p:sld xmlns:a="http://schemas.openxmlformats.org/drawingml/2006/main" xmlns:r="http://schemas.openxmlformats.org/officeDocument/2006/relationships" xmlns:p="http://schemas.openxmlformats.org/presentationml/2006/main">
-  <p:cSld>
-    <p:spTree>
-      <p:nvGrpSpPr>
-        <p:cNvPr id="1" name=""/>
-        <p:cNvGrpSpPr/>
-        <p:nvPr/>
-      </p:nvGrpSpPr>
-      <p:grpSpPr>
-        <a:xfrm>
-          <a:off x="0" y="0"/>
-          <a:ext cx="0" cy="0"/>
-          <a:chOff x="0" y="0"/>
-          <a:chExt cx="0" cy="0"/>
-        </a:xfrm>
-      </p:grpSpPr>
-      <p:sp>
-        <p:nvSpPr>
-          <p:cNvPr id="2" name="Título 1"/>
-          <p:cNvSpPr>
-            <a:spLocks noGrp="1"/>
-          </p:cNvSpPr>
-          <p:nvPr>
-            <p:ph type="title"/>
-          </p:nvPr>
-        </p:nvSpPr>
-        <p:spPr/>
-        <p:txBody>
-          <a:bodyPr/>
-          <a:lstStyle/>
-          <a:p>
-            <a:r>
-              <a:rPr lang="pt-BR" dirty="0" err="1" smtClean="0"/>
-              <a:t>Factories</a:t>
-            </a:r>
-            <a:endParaRPr lang="pt-BR" dirty="0"/>
-          </a:p>
-        </p:txBody>
-      </p:sp>
-      <p:sp>
-        <p:nvSpPr>
-          <p:cNvPr id="3" name="Espaço Reservado para Conteúdo 2"/>
-          <p:cNvSpPr>
-            <a:spLocks noGrp="1"/>
-          </p:cNvSpPr>
-          <p:nvPr>
-            <p:ph idx="1"/>
-          </p:nvPr>
-        </p:nvSpPr>
-        <p:spPr/>
-        <p:txBody>
-          <a:bodyPr/>
-          <a:lstStyle/>
-          <a:p>
-            <a:r>
-              <a:rPr lang="pt-BR" dirty="0" smtClean="0"/>
-              <a:t>Criação de entidades complexas</a:t>
-            </a:r>
-            <a:endParaRPr lang="pt-BR" dirty="0"/>
-          </a:p>
-        </p:txBody>
-      </p:sp>
-    </p:spTree>
-    <p:extLst>
-      <p:ext uri="{BB962C8B-B14F-4D97-AF65-F5344CB8AC3E}">
-        <p14:creationId xmlns:p14="http://schemas.microsoft.com/office/powerpoint/2010/main" val="2987899367"/>
-      </p:ext>
-    </p:extLst>
-  </p:cSld>
-  <p:clrMapOvr>
-    <a:masterClrMapping/>
-  </p:clrMapOvr>
 </p:sld>
 </file>
 
@@ -11387,7 +13414,7 @@
   <a:extraClrSchemeLst/>
   <a:extLst>
     <a:ext uri="{05A4C25C-085E-4340-85A3-A5531E510DB2}">
-      <thm15:themeFamily xmlns="" xmlns:thm15="http://schemas.microsoft.com/office/thememl/2012/main" name="Depth" id="{7BEAFC2A-325C-49C4-AC08-2B765DA903F9}" vid="{47428100-C732-4B2E-A30A-5273F581A0FA}"/>
+      <thm15:themeFamily xmlns:thm15="http://schemas.microsoft.com/office/thememl/2012/main" name="Depth" id="{7BEAFC2A-325C-49C4-AC08-2B765DA903F9}" vid="{47428100-C732-4B2E-A30A-5273F581A0FA}"/>
     </a:ext>
   </a:extLst>
 </a:theme>

--- a/docs/Introdução ao Domain-Driven-Design (DDD).pptx
+++ b/docs/Introdução ao Domain-Driven-Design (DDD).pptx
@@ -11,29 +11,29 @@
   <p:sldIdLst>
     <p:sldId id="256" r:id="rId3"/>
     <p:sldId id="264" r:id="rId4"/>
-    <p:sldId id="297" r:id="rId5"/>
-    <p:sldId id="291" r:id="rId6"/>
-    <p:sldId id="298" r:id="rId7"/>
-    <p:sldId id="299" r:id="rId8"/>
-    <p:sldId id="300" r:id="rId9"/>
-    <p:sldId id="293" r:id="rId10"/>
-    <p:sldId id="288" r:id="rId11"/>
-    <p:sldId id="294" r:id="rId12"/>
-    <p:sldId id="295" r:id="rId13"/>
-    <p:sldId id="296" r:id="rId14"/>
-    <p:sldId id="281" r:id="rId15"/>
-    <p:sldId id="301" r:id="rId16"/>
-    <p:sldId id="302" r:id="rId17"/>
-    <p:sldId id="290" r:id="rId18"/>
-    <p:sldId id="292" r:id="rId19"/>
-    <p:sldId id="282" r:id="rId20"/>
-    <p:sldId id="283" r:id="rId21"/>
-    <p:sldId id="284" r:id="rId22"/>
-    <p:sldId id="285" r:id="rId23"/>
-    <p:sldId id="286" r:id="rId24"/>
-    <p:sldId id="287" r:id="rId25"/>
-    <p:sldId id="289" r:id="rId26"/>
-    <p:sldId id="303" r:id="rId27"/>
+    <p:sldId id="302" r:id="rId5"/>
+    <p:sldId id="304" r:id="rId6"/>
+    <p:sldId id="305" r:id="rId7"/>
+    <p:sldId id="281" r:id="rId8"/>
+    <p:sldId id="301" r:id="rId9"/>
+    <p:sldId id="300" r:id="rId10"/>
+    <p:sldId id="299" r:id="rId11"/>
+    <p:sldId id="291" r:id="rId12"/>
+    <p:sldId id="293" r:id="rId13"/>
+    <p:sldId id="288" r:id="rId14"/>
+    <p:sldId id="294" r:id="rId15"/>
+    <p:sldId id="295" r:id="rId16"/>
+    <p:sldId id="296" r:id="rId17"/>
+    <p:sldId id="303" r:id="rId18"/>
+    <p:sldId id="290" r:id="rId19"/>
+    <p:sldId id="292" r:id="rId20"/>
+    <p:sldId id="282" r:id="rId21"/>
+    <p:sldId id="283" r:id="rId22"/>
+    <p:sldId id="284" r:id="rId23"/>
+    <p:sldId id="285" r:id="rId24"/>
+    <p:sldId id="286" r:id="rId25"/>
+    <p:sldId id="287" r:id="rId26"/>
+    <p:sldId id="289" r:id="rId27"/>
     <p:sldId id="280" r:id="rId28"/>
     <p:sldId id="258" r:id="rId29"/>
   </p:sldIdLst>
@@ -136,7 +136,7 @@
   </p:defaultTextStyle>
   <p:extLst>
     <p:ext uri="{EFAFB233-063F-42B5-8137-9DF3F51BA10A}">
-      <p15:sldGuideLst xmlns:p15="http://schemas.microsoft.com/office/powerpoint/2012/main">
+      <p15:sldGuideLst xmlns:p15="http://schemas.microsoft.com/office/powerpoint/2012/main" xmlns="">
         <p15:guide id="1" orient="horz" pos="2160">
           <p15:clr>
             <a:srgbClr val="A4A3A4"/>
@@ -235,7 +235,7 @@
           <a:p>
             <a:fld id="{835C4B7D-E860-4B95-8646-60DA78D972CD}" type="datetimeFigureOut">
               <a:rPr lang="pt-BR" smtClean="0"/>
-              <a:t>24/07/2017</a:t>
+              <a:t>25/07/2017</a:t>
             </a:fld>
             <a:endParaRPr lang="pt-BR"/>
           </a:p>
@@ -645,7 +645,7 @@
           <a:p>
             <a:fld id="{5E1F53C7-D938-4151-992E-AF84745267E3}" type="datetimeFigureOut">
               <a:rPr lang="pt-BR" smtClean="0"/>
-              <a:t>24/07/2017</a:t>
+              <a:t>25/07/2017</a:t>
             </a:fld>
             <a:endParaRPr lang="pt-BR"/>
           </a:p>
@@ -815,7 +815,7 @@
           <a:p>
             <a:fld id="{5E1F53C7-D938-4151-992E-AF84745267E3}" type="datetimeFigureOut">
               <a:rPr lang="pt-BR" smtClean="0"/>
-              <a:t>24/07/2017</a:t>
+              <a:t>25/07/2017</a:t>
             </a:fld>
             <a:endParaRPr lang="pt-BR"/>
           </a:p>
@@ -995,7 +995,7 @@
           <a:p>
             <a:fld id="{5E1F53C7-D938-4151-992E-AF84745267E3}" type="datetimeFigureOut">
               <a:rPr lang="pt-BR" smtClean="0"/>
-              <a:t>24/07/2017</a:t>
+              <a:t>25/07/2017</a:t>
             </a:fld>
             <a:endParaRPr lang="pt-BR"/>
           </a:p>
@@ -1218,7 +1218,7 @@
           <a:p>
             <a:fld id="{5E1F53C7-D938-4151-992E-AF84745267E3}" type="datetimeFigureOut">
               <a:rPr lang="pt-BR" smtClean="0"/>
-              <a:t>24/07/2017</a:t>
+              <a:t>25/07/2017</a:t>
             </a:fld>
             <a:endParaRPr lang="pt-BR"/>
           </a:p>
@@ -1388,7 +1388,7 @@
           <a:p>
             <a:fld id="{5E1F53C7-D938-4151-992E-AF84745267E3}" type="datetimeFigureOut">
               <a:rPr lang="pt-BR" smtClean="0"/>
-              <a:t>24/07/2017</a:t>
+              <a:t>25/07/2017</a:t>
             </a:fld>
             <a:endParaRPr lang="pt-BR"/>
           </a:p>
@@ -1645,7 +1645,7 @@
           <a:p>
             <a:fld id="{5E1F53C7-D938-4151-992E-AF84745267E3}" type="datetimeFigureOut">
               <a:rPr lang="pt-BR" smtClean="0"/>
-              <a:t>24/07/2017</a:t>
+              <a:t>25/07/2017</a:t>
             </a:fld>
             <a:endParaRPr lang="pt-BR"/>
           </a:p>
@@ -1877,7 +1877,7 @@
           <a:p>
             <a:fld id="{5E1F53C7-D938-4151-992E-AF84745267E3}" type="datetimeFigureOut">
               <a:rPr lang="pt-BR" smtClean="0"/>
-              <a:t>24/07/2017</a:t>
+              <a:t>25/07/2017</a:t>
             </a:fld>
             <a:endParaRPr lang="pt-BR"/>
           </a:p>
@@ -2272,7 +2272,7 @@
           <a:p>
             <a:fld id="{5E1F53C7-D938-4151-992E-AF84745267E3}" type="datetimeFigureOut">
               <a:rPr lang="pt-BR" smtClean="0"/>
-              <a:t>24/07/2017</a:t>
+              <a:t>25/07/2017</a:t>
             </a:fld>
             <a:endParaRPr lang="pt-BR"/>
           </a:p>
@@ -2390,7 +2390,7 @@
           <a:p>
             <a:fld id="{5E1F53C7-D938-4151-992E-AF84745267E3}" type="datetimeFigureOut">
               <a:rPr lang="pt-BR" smtClean="0"/>
-              <a:t>24/07/2017</a:t>
+              <a:t>25/07/2017</a:t>
             </a:fld>
             <a:endParaRPr lang="pt-BR"/>
           </a:p>
@@ -2485,7 +2485,7 @@
           <a:p>
             <a:fld id="{5E1F53C7-D938-4151-992E-AF84745267E3}" type="datetimeFigureOut">
               <a:rPr lang="pt-BR" smtClean="0"/>
-              <a:t>24/07/2017</a:t>
+              <a:t>25/07/2017</a:t>
             </a:fld>
             <a:endParaRPr lang="pt-BR"/>
           </a:p>
@@ -2760,7 +2760,7 @@
           <a:p>
             <a:fld id="{5E1F53C7-D938-4151-992E-AF84745267E3}" type="datetimeFigureOut">
               <a:rPr lang="pt-BR" smtClean="0"/>
-              <a:t>24/07/2017</a:t>
+              <a:t>25/07/2017</a:t>
             </a:fld>
             <a:endParaRPr lang="pt-BR"/>
           </a:p>
@@ -2930,7 +2930,7 @@
           <a:p>
             <a:fld id="{5E1F53C7-D938-4151-992E-AF84745267E3}" type="datetimeFigureOut">
               <a:rPr lang="pt-BR" smtClean="0"/>
-              <a:t>24/07/2017</a:t>
+              <a:t>25/07/2017</a:t>
             </a:fld>
             <a:endParaRPr lang="pt-BR"/>
           </a:p>
@@ -3213,7 +3213,7 @@
           <a:p>
             <a:fld id="{5E1F53C7-D938-4151-992E-AF84745267E3}" type="datetimeFigureOut">
               <a:rPr lang="pt-BR" smtClean="0"/>
-              <a:t>24/07/2017</a:t>
+              <a:t>25/07/2017</a:t>
             </a:fld>
             <a:endParaRPr lang="pt-BR"/>
           </a:p>
@@ -3494,7 +3494,7 @@
           <a:p>
             <a:fld id="{5E1F53C7-D938-4151-992E-AF84745267E3}" type="datetimeFigureOut">
               <a:rPr lang="pt-BR" smtClean="0"/>
-              <a:t>24/07/2017</a:t>
+              <a:t>25/07/2017</a:t>
             </a:fld>
             <a:endParaRPr lang="pt-BR"/>
           </a:p>
@@ -3686,7 +3686,7 @@
           <a:p>
             <a:fld id="{5E1F53C7-D938-4151-992E-AF84745267E3}" type="datetimeFigureOut">
               <a:rPr lang="pt-BR" smtClean="0"/>
-              <a:t>24/07/2017</a:t>
+              <a:t>25/07/2017</a:t>
             </a:fld>
             <a:endParaRPr lang="pt-BR"/>
           </a:p>
@@ -3947,7 +3947,7 @@
           <a:p>
             <a:fld id="{5E1F53C7-D938-4151-992E-AF84745267E3}" type="datetimeFigureOut">
               <a:rPr lang="pt-BR" smtClean="0"/>
-              <a:t>24/07/2017</a:t>
+              <a:t>25/07/2017</a:t>
             </a:fld>
             <a:endParaRPr lang="pt-BR"/>
           </a:p>
@@ -4373,7 +4373,7 @@
           <a:p>
             <a:fld id="{5E1F53C7-D938-4151-992E-AF84745267E3}" type="datetimeFigureOut">
               <a:rPr lang="pt-BR" smtClean="0"/>
-              <a:t>24/07/2017</a:t>
+              <a:t>25/07/2017</a:t>
             </a:fld>
             <a:endParaRPr lang="pt-BR"/>
           </a:p>
@@ -4919,7 +4919,7 @@
           <a:p>
             <a:fld id="{5E1F53C7-D938-4151-992E-AF84745267E3}" type="datetimeFigureOut">
               <a:rPr lang="pt-BR" smtClean="0"/>
-              <a:t>24/07/2017</a:t>
+              <a:t>25/07/2017</a:t>
             </a:fld>
             <a:endParaRPr lang="pt-BR"/>
           </a:p>
@@ -5750,7 +5750,7 @@
           <a:p>
             <a:fld id="{5E1F53C7-D938-4151-992E-AF84745267E3}" type="datetimeFigureOut">
               <a:rPr lang="pt-BR" smtClean="0"/>
-              <a:t>24/07/2017</a:t>
+              <a:t>25/07/2017</a:t>
             </a:fld>
             <a:endParaRPr lang="pt-BR"/>
           </a:p>
@@ -5920,7 +5920,7 @@
           <a:p>
             <a:fld id="{5E1F53C7-D938-4151-992E-AF84745267E3}" type="datetimeFigureOut">
               <a:rPr lang="pt-BR" smtClean="0"/>
-              <a:t>24/07/2017</a:t>
+              <a:t>25/07/2017</a:t>
             </a:fld>
             <a:endParaRPr lang="pt-BR"/>
           </a:p>
@@ -6100,7 +6100,7 @@
           <a:p>
             <a:fld id="{5E1F53C7-D938-4151-992E-AF84745267E3}" type="datetimeFigureOut">
               <a:rPr lang="pt-BR" smtClean="0"/>
-              <a:t>24/07/2017</a:t>
+              <a:t>25/07/2017</a:t>
             </a:fld>
             <a:endParaRPr lang="pt-BR"/>
           </a:p>
@@ -6351,7 +6351,7 @@
           <a:p>
             <a:fld id="{5E1F53C7-D938-4151-992E-AF84745267E3}" type="datetimeFigureOut">
               <a:rPr lang="pt-BR" smtClean="0"/>
-              <a:t>24/07/2017</a:t>
+              <a:t>25/07/2017</a:t>
             </a:fld>
             <a:endParaRPr lang="pt-BR"/>
           </a:p>
@@ -6583,7 +6583,7 @@
           <a:p>
             <a:fld id="{5E1F53C7-D938-4151-992E-AF84745267E3}" type="datetimeFigureOut">
               <a:rPr lang="pt-BR" smtClean="0"/>
-              <a:t>24/07/2017</a:t>
+              <a:t>25/07/2017</a:t>
             </a:fld>
             <a:endParaRPr lang="pt-BR"/>
           </a:p>
@@ -6930,7 +6930,7 @@
           <a:p>
             <a:fld id="{5E1F53C7-D938-4151-992E-AF84745267E3}" type="datetimeFigureOut">
               <a:rPr lang="pt-BR" smtClean="0"/>
-              <a:t>24/07/2017</a:t>
+              <a:t>25/07/2017</a:t>
             </a:fld>
             <a:endParaRPr lang="pt-BR"/>
           </a:p>
@@ -7048,7 +7048,7 @@
           <a:p>
             <a:fld id="{5E1F53C7-D938-4151-992E-AF84745267E3}" type="datetimeFigureOut">
               <a:rPr lang="pt-BR" smtClean="0"/>
-              <a:t>24/07/2017</a:t>
+              <a:t>25/07/2017</a:t>
             </a:fld>
             <a:endParaRPr lang="pt-BR"/>
           </a:p>
@@ -7166,7 +7166,7 @@
           <a:p>
             <a:fld id="{5E1F53C7-D938-4151-992E-AF84745267E3}" type="datetimeFigureOut">
               <a:rPr lang="pt-BR" smtClean="0"/>
-              <a:t>24/07/2017</a:t>
+              <a:t>25/07/2017</a:t>
             </a:fld>
             <a:endParaRPr lang="pt-BR"/>
           </a:p>
@@ -7450,7 +7450,7 @@
           <a:p>
             <a:fld id="{5E1F53C7-D938-4151-992E-AF84745267E3}" type="datetimeFigureOut">
               <a:rPr lang="pt-BR" smtClean="0"/>
-              <a:t>24/07/2017</a:t>
+              <a:t>25/07/2017</a:t>
             </a:fld>
             <a:endParaRPr lang="pt-BR"/>
           </a:p>
@@ -7714,7 +7714,7 @@
           <a:p>
             <a:fld id="{5E1F53C7-D938-4151-992E-AF84745267E3}" type="datetimeFigureOut">
               <a:rPr lang="pt-BR" smtClean="0"/>
-              <a:t>24/07/2017</a:t>
+              <a:t>25/07/2017</a:t>
             </a:fld>
             <a:endParaRPr lang="pt-BR"/>
           </a:p>
@@ -7780,15 +7780,9 @@
   <p:cSld>
     <p:bg>
       <p:bgPr>
-        <a:blipFill dpi="0" rotWithShape="1">
-          <a:blip r:embed="rId13">
-            <a:lum/>
-          </a:blip>
-          <a:srcRect/>
-          <a:stretch>
-            <a:fillRect l="-6000" r="-6000"/>
-          </a:stretch>
-        </a:blipFill>
+        <a:solidFill>
+          <a:srgbClr val="0070C0"/>
+        </a:solidFill>
         <a:effectLst/>
       </p:bgPr>
     </p:bg>
@@ -7937,7 +7931,7 @@
           <a:p>
             <a:fld id="{5E1F53C7-D938-4151-992E-AF84745267E3}" type="datetimeFigureOut">
               <a:rPr lang="pt-BR" smtClean="0"/>
-              <a:t>24/07/2017</a:t>
+              <a:t>25/07/2017</a:t>
             </a:fld>
             <a:endParaRPr lang="pt-BR"/>
           </a:p>
@@ -8319,15 +8313,9 @@
   <p:cSld>
     <p:bg>
       <p:bgPr>
-        <a:blipFill dpi="0" rotWithShape="1">
-          <a:blip r:embed="rId19">
-            <a:lum/>
-          </a:blip>
-          <a:srcRect/>
-          <a:stretch>
-            <a:fillRect l="-6000" r="-6000"/>
-          </a:stretch>
-        </a:blipFill>
+        <a:solidFill>
+          <a:srgbClr val="0070C0"/>
+        </a:solidFill>
         <a:effectLst/>
       </p:bgPr>
     </p:bg>
@@ -8493,7 +8481,7 @@
           <a:p>
             <a:fld id="{5E1F53C7-D938-4151-992E-AF84745267E3}" type="datetimeFigureOut">
               <a:rPr lang="pt-BR" smtClean="0"/>
-              <a:t>24/07/2017</a:t>
+              <a:t>25/07/2017</a:t>
             </a:fld>
             <a:endParaRPr lang="pt-BR"/>
           </a:p>
@@ -9218,9 +9206,532 @@
           <a:p>
             <a:r>
               <a:rPr lang="pt-BR" dirty="0" smtClean="0"/>
+              <a:t>Livros sobre DDD </a:t>
+            </a:r>
+            <a:endParaRPr lang="pt-BR" dirty="0"/>
+          </a:p>
+        </p:txBody>
+      </p:sp>
+      <p:sp>
+        <p:nvSpPr>
+          <p:cNvPr id="4" name="AutoShape 2" descr="https://images-na.ssl-images-amazon.com/images/I/5146azDZjmL._SX358_BO1,204,203,200_.jpg"/>
+          <p:cNvSpPr>
+            <a:spLocks noChangeAspect="1" noChangeArrowheads="1"/>
+          </p:cNvSpPr>
+          <p:nvPr/>
+        </p:nvSpPr>
+        <p:spPr bwMode="auto">
+          <a:xfrm>
+            <a:off x="155575" y="-144463"/>
+            <a:ext cx="304800" cy="304801"/>
+          </a:xfrm>
+          <a:prstGeom prst="rect">
+            <a:avLst/>
+          </a:prstGeom>
+          <a:noFill/>
+          <a:extLst>
+            <a:ext uri="{909E8E84-426E-40DD-AFC4-6F175D3DCCD1}">
+              <a14:hiddenFill xmlns:a14="http://schemas.microsoft.com/office/drawing/2010/main">
+                <a:solidFill>
+                  <a:srgbClr val="FFFFFF"/>
+                </a:solidFill>
+              </a14:hiddenFill>
+            </a:ext>
+          </a:extLst>
+        </p:spPr>
+        <p:txBody>
+          <a:bodyPr vert="horz" wrap="square" lIns="91440" tIns="45720" rIns="91440" bIns="45720" numCol="1" anchor="t" anchorCtr="0" compatLnSpc="1">
+            <a:prstTxWarp prst="textNoShape">
+              <a:avLst/>
+            </a:prstTxWarp>
+          </a:bodyPr>
+          <a:lstStyle/>
+          <a:p>
+            <a:endParaRPr lang="pt-BR"/>
+          </a:p>
+        </p:txBody>
+      </p:sp>
+      <p:pic>
+        <p:nvPicPr>
+          <p:cNvPr id="3075" name="Picture 3" descr="C:\git\jambo\docs\DDD\51eO0EhGY3L._SX387_BO1,204,203,200_.jpg"/>
+          <p:cNvPicPr>
+            <a:picLocks noChangeAspect="1" noChangeArrowheads="1"/>
+          </p:cNvPicPr>
+          <p:nvPr/>
+        </p:nvPicPr>
+        <p:blipFill>
+          <a:blip r:embed="rId2">
+            <a:extLst>
+              <a:ext uri="{28A0092B-C50C-407E-A947-70E740481C1C}">
+                <a14:useLocalDpi xmlns:a14="http://schemas.microsoft.com/office/drawing/2010/main" val="0"/>
+              </a:ext>
+            </a:extLst>
+          </a:blip>
+          <a:srcRect/>
+          <a:stretch>
+            <a:fillRect/>
+          </a:stretch>
+        </p:blipFill>
+        <p:spPr bwMode="auto">
+          <a:xfrm>
+            <a:off x="5889951" y="2204864"/>
+            <a:ext cx="2357823" cy="3024560"/>
+          </a:xfrm>
+          <a:prstGeom prst="rect">
+            <a:avLst/>
+          </a:prstGeom>
+          <a:noFill/>
+          <a:extLst>
+            <a:ext uri="{909E8E84-426E-40DD-AFC4-6F175D3DCCD1}">
+              <a14:hiddenFill xmlns:a14="http://schemas.microsoft.com/office/drawing/2010/main">
+                <a:solidFill>
+                  <a:srgbClr val="FFFFFF"/>
+                </a:solidFill>
+              </a14:hiddenFill>
+            </a:ext>
+          </a:extLst>
+        </p:spPr>
+      </p:pic>
+      <p:pic>
+        <p:nvPicPr>
+          <p:cNvPr id="3076" name="Picture 4" descr="C:\git\jambo\docs\DDD\51sZW87slRL._SX375_BO1,204,203,200_.jpg"/>
+          <p:cNvPicPr>
+            <a:picLocks noChangeAspect="1" noChangeArrowheads="1"/>
+          </p:cNvPicPr>
+          <p:nvPr/>
+        </p:nvPicPr>
+        <p:blipFill>
+          <a:blip r:embed="rId3">
+            <a:extLst>
+              <a:ext uri="{28A0092B-C50C-407E-A947-70E740481C1C}">
+                <a14:useLocalDpi xmlns:a14="http://schemas.microsoft.com/office/drawing/2010/main" val="0"/>
+              </a:ext>
+            </a:extLst>
+          </a:blip>
+          <a:srcRect/>
+          <a:stretch>
+            <a:fillRect/>
+          </a:stretch>
+        </p:blipFill>
+        <p:spPr bwMode="auto">
+          <a:xfrm>
+            <a:off x="1039503" y="2204864"/>
+            <a:ext cx="2285088" cy="3024560"/>
+          </a:xfrm>
+          <a:prstGeom prst="rect">
+            <a:avLst/>
+          </a:prstGeom>
+          <a:noFill/>
+          <a:extLst>
+            <a:ext uri="{909E8E84-426E-40DD-AFC4-6F175D3DCCD1}">
+              <a14:hiddenFill xmlns:a14="http://schemas.microsoft.com/office/drawing/2010/main">
+                <a:solidFill>
+                  <a:srgbClr val="FFFFFF"/>
+                </a:solidFill>
+              </a14:hiddenFill>
+            </a:ext>
+          </a:extLst>
+        </p:spPr>
+      </p:pic>
+      <p:pic>
+        <p:nvPicPr>
+          <p:cNvPr id="3077" name="Picture 5" descr="C:\git\jambo\docs\DDD\5146azDZjmL._SX358_BO1,204,203,200_.jpg"/>
+          <p:cNvPicPr>
+            <a:picLocks noChangeAspect="1" noChangeArrowheads="1"/>
+          </p:cNvPicPr>
+          <p:nvPr/>
+        </p:nvPicPr>
+        <p:blipFill>
+          <a:blip r:embed="rId4">
+            <a:extLst>
+              <a:ext uri="{28A0092B-C50C-407E-A947-70E740481C1C}">
+                <a14:useLocalDpi xmlns:a14="http://schemas.microsoft.com/office/drawing/2010/main" val="0"/>
+              </a:ext>
+            </a:extLst>
+          </a:blip>
+          <a:srcRect/>
+          <a:stretch>
+            <a:fillRect/>
+          </a:stretch>
+        </p:blipFill>
+        <p:spPr bwMode="auto">
+          <a:xfrm>
+            <a:off x="3516248" y="2204864"/>
+            <a:ext cx="2182047" cy="3024560"/>
+          </a:xfrm>
+          <a:prstGeom prst="rect">
+            <a:avLst/>
+          </a:prstGeom>
+          <a:noFill/>
+          <a:extLst>
+            <a:ext uri="{909E8E84-426E-40DD-AFC4-6F175D3DCCD1}">
+              <a14:hiddenFill xmlns:a14="http://schemas.microsoft.com/office/drawing/2010/main">
+                <a:solidFill>
+                  <a:srgbClr val="FFFFFF"/>
+                </a:solidFill>
+              </a14:hiddenFill>
+            </a:ext>
+          </a:extLst>
+        </p:spPr>
+      </p:pic>
+    </p:spTree>
+    <p:extLst>
+      <p:ext uri="{BB962C8B-B14F-4D97-AF65-F5344CB8AC3E}">
+        <p14:creationId xmlns:p14="http://schemas.microsoft.com/office/powerpoint/2010/main" val="477368123"/>
+      </p:ext>
+    </p:extLst>
+  </p:cSld>
+  <p:clrMapOvr>
+    <a:masterClrMapping/>
+  </p:clrMapOvr>
+  <p:timing>
+    <p:tnLst>
+      <p:par>
+        <p:cTn id="1" dur="indefinite" restart="never" nodeType="tmRoot"/>
+      </p:par>
+    </p:tnLst>
+  </p:timing>
+</p:sld>
+</file>
+
+<file path=ppt/slides/slide11.xml><?xml version="1.0" encoding="utf-8"?>
+<p:sld xmlns:a="http://schemas.openxmlformats.org/drawingml/2006/main" xmlns:r="http://schemas.openxmlformats.org/officeDocument/2006/relationships" xmlns:p="http://schemas.openxmlformats.org/presentationml/2006/main">
+  <p:cSld>
+    <p:bg>
+      <p:bgPr>
+        <a:solidFill>
+          <a:srgbClr val="0070C0">
+            <a:alpha val="0"/>
+          </a:srgbClr>
+        </a:solidFill>
+        <a:effectLst/>
+      </p:bgPr>
+    </p:bg>
+    <p:spTree>
+      <p:nvGrpSpPr>
+        <p:cNvPr id="1" name=""/>
+        <p:cNvGrpSpPr/>
+        <p:nvPr/>
+      </p:nvGrpSpPr>
+      <p:grpSpPr>
+        <a:xfrm>
+          <a:off x="0" y="0"/>
+          <a:ext cx="0" cy="0"/>
+          <a:chOff x="0" y="0"/>
+          <a:chExt cx="0" cy="0"/>
+        </a:xfrm>
+      </p:grpSpPr>
+      <p:sp>
+        <p:nvSpPr>
+          <p:cNvPr id="2" name="Título 1"/>
+          <p:cNvSpPr>
+            <a:spLocks noGrp="1"/>
+          </p:cNvSpPr>
+          <p:nvPr>
+            <p:ph type="title"/>
+          </p:nvPr>
+        </p:nvSpPr>
+        <p:spPr/>
+        <p:txBody>
+          <a:bodyPr/>
+          <a:lstStyle/>
+          <a:p>
+            <a:r>
+              <a:rPr lang="pt-BR" dirty="0" smtClean="0">
+                <a:solidFill>
+                  <a:schemeClr val="bg1"/>
+                </a:solidFill>
+              </a:rPr>
               <a:t>Estilos Arquiteturais</a:t>
             </a:r>
-            <a:endParaRPr lang="pt-BR" dirty="0"/>
+            <a:endParaRPr lang="pt-BR" dirty="0">
+              <a:solidFill>
+                <a:schemeClr val="bg1"/>
+              </a:solidFill>
+            </a:endParaRPr>
+          </a:p>
+        </p:txBody>
+      </p:sp>
+      <p:pic>
+        <p:nvPicPr>
+          <p:cNvPr id="1026" name="Picture 2"/>
+          <p:cNvPicPr>
+            <a:picLocks noChangeAspect="1" noChangeArrowheads="1"/>
+          </p:cNvPicPr>
+          <p:nvPr/>
+        </p:nvPicPr>
+        <p:blipFill>
+          <a:blip r:embed="rId2">
+            <a:extLst>
+              <a:ext uri="{28A0092B-C50C-407E-A947-70E740481C1C}">
+                <a14:useLocalDpi xmlns:a14="http://schemas.microsoft.com/office/drawing/2010/main" val="0"/>
+              </a:ext>
+            </a:extLst>
+          </a:blip>
+          <a:srcRect/>
+          <a:stretch>
+            <a:fillRect/>
+          </a:stretch>
+        </p:blipFill>
+        <p:spPr bwMode="auto">
+          <a:xfrm>
+            <a:off x="2447925" y="2043113"/>
+            <a:ext cx="4248150" cy="2771775"/>
+          </a:xfrm>
+          <a:prstGeom prst="rect">
+            <a:avLst/>
+          </a:prstGeom>
+          <a:noFill/>
+          <a:ln>
+            <a:noFill/>
+          </a:ln>
+          <a:extLst>
+            <a:ext uri="{909E8E84-426E-40DD-AFC4-6F175D3DCCD1}">
+              <a14:hiddenFill xmlns:a14="http://schemas.microsoft.com/office/drawing/2010/main">
+                <a:solidFill>
+                  <a:schemeClr val="accent1"/>
+                </a:solidFill>
+              </a14:hiddenFill>
+            </a:ext>
+            <a:ext uri="{91240B29-F687-4F45-9708-019B960494DF}">
+              <a14:hiddenLine xmlns:a14="http://schemas.microsoft.com/office/drawing/2010/main" w="9525">
+                <a:solidFill>
+                  <a:schemeClr val="tx1"/>
+                </a:solidFill>
+                <a:miter lim="800000"/>
+                <a:headEnd/>
+                <a:tailEnd/>
+              </a14:hiddenLine>
+            </a:ext>
+          </a:extLst>
+        </p:spPr>
+      </p:pic>
+    </p:spTree>
+    <p:extLst>
+      <p:ext uri="{BB962C8B-B14F-4D97-AF65-F5344CB8AC3E}">
+        <p14:creationId xmlns:p14="http://schemas.microsoft.com/office/powerpoint/2010/main" val="3151499768"/>
+      </p:ext>
+    </p:extLst>
+  </p:cSld>
+  <p:clrMapOvr>
+    <a:masterClrMapping/>
+  </p:clrMapOvr>
+  <p:timing>
+    <p:tnLst>
+      <p:par>
+        <p:cTn id="1" dur="indefinite" restart="never" nodeType="tmRoot"/>
+      </p:par>
+    </p:tnLst>
+  </p:timing>
+</p:sld>
+</file>
+
+<file path=ppt/slides/slide12.xml><?xml version="1.0" encoding="utf-8"?>
+<p:sld xmlns:a="http://schemas.openxmlformats.org/drawingml/2006/main" xmlns:r="http://schemas.openxmlformats.org/officeDocument/2006/relationships" xmlns:p="http://schemas.openxmlformats.org/presentationml/2006/main">
+  <p:cSld>
+    <p:bg>
+      <p:bgPr>
+        <a:solidFill>
+          <a:srgbClr val="0070C0">
+            <a:alpha val="0"/>
+          </a:srgbClr>
+        </a:solidFill>
+        <a:effectLst/>
+      </p:bgPr>
+    </p:bg>
+    <p:spTree>
+      <p:nvGrpSpPr>
+        <p:cNvPr id="1" name=""/>
+        <p:cNvGrpSpPr/>
+        <p:nvPr/>
+      </p:nvGrpSpPr>
+      <p:grpSpPr>
+        <a:xfrm>
+          <a:off x="0" y="0"/>
+          <a:ext cx="0" cy="0"/>
+          <a:chOff x="0" y="0"/>
+          <a:chExt cx="0" cy="0"/>
+        </a:xfrm>
+      </p:grpSpPr>
+      <p:sp>
+        <p:nvSpPr>
+          <p:cNvPr id="2" name="Título 1"/>
+          <p:cNvSpPr>
+            <a:spLocks noGrp="1"/>
+          </p:cNvSpPr>
+          <p:nvPr>
+            <p:ph type="title"/>
+          </p:nvPr>
+        </p:nvSpPr>
+        <p:spPr/>
+        <p:txBody>
+          <a:bodyPr/>
+          <a:lstStyle/>
+          <a:p>
+            <a:r>
+              <a:rPr lang="pt-BR" dirty="0" smtClean="0">
+                <a:solidFill>
+                  <a:schemeClr val="bg1"/>
+                </a:solidFill>
+              </a:rPr>
+              <a:t>Estilos Arquiteturais</a:t>
+            </a:r>
+            <a:endParaRPr lang="pt-BR" dirty="0">
+              <a:solidFill>
+                <a:schemeClr val="bg1"/>
+              </a:solidFill>
+            </a:endParaRPr>
+          </a:p>
+        </p:txBody>
+      </p:sp>
+      <p:sp>
+        <p:nvSpPr>
+          <p:cNvPr id="3" name="Espaço Reservado para Conteúdo 2"/>
+          <p:cNvSpPr>
+            <a:spLocks noGrp="1"/>
+          </p:cNvSpPr>
+          <p:nvPr>
+            <p:ph idx="1"/>
+          </p:nvPr>
+        </p:nvSpPr>
+        <p:spPr/>
+        <p:txBody>
+          <a:bodyPr/>
+          <a:lstStyle/>
+          <a:p>
+            <a:endParaRPr lang="pt-BR"/>
+          </a:p>
+        </p:txBody>
+      </p:sp>
+      <p:pic>
+        <p:nvPicPr>
+          <p:cNvPr id="2050" name="Picture 2"/>
+          <p:cNvPicPr>
+            <a:picLocks noChangeAspect="1" noChangeArrowheads="1"/>
+          </p:cNvPicPr>
+          <p:nvPr/>
+        </p:nvPicPr>
+        <p:blipFill>
+          <a:blip r:embed="rId2">
+            <a:extLst>
+              <a:ext uri="{28A0092B-C50C-407E-A947-70E740481C1C}">
+                <a14:useLocalDpi xmlns:a14="http://schemas.microsoft.com/office/drawing/2010/main" val="0"/>
+              </a:ext>
+            </a:extLst>
+          </a:blip>
+          <a:srcRect/>
+          <a:stretch>
+            <a:fillRect/>
+          </a:stretch>
+        </p:blipFill>
+        <p:spPr bwMode="auto">
+          <a:xfrm>
+            <a:off x="2195736" y="1844824"/>
+            <a:ext cx="4772025" cy="3800475"/>
+          </a:xfrm>
+          <a:prstGeom prst="rect">
+            <a:avLst/>
+          </a:prstGeom>
+          <a:noFill/>
+          <a:ln>
+            <a:noFill/>
+          </a:ln>
+          <a:extLst>
+            <a:ext uri="{909E8E84-426E-40DD-AFC4-6F175D3DCCD1}">
+              <a14:hiddenFill xmlns:a14="http://schemas.microsoft.com/office/drawing/2010/main">
+                <a:solidFill>
+                  <a:schemeClr val="accent1"/>
+                </a:solidFill>
+              </a14:hiddenFill>
+            </a:ext>
+            <a:ext uri="{91240B29-F687-4F45-9708-019B960494DF}">
+              <a14:hiddenLine xmlns:a14="http://schemas.microsoft.com/office/drawing/2010/main" w="9525">
+                <a:solidFill>
+                  <a:schemeClr val="tx1"/>
+                </a:solidFill>
+                <a:miter lim="800000"/>
+                <a:headEnd/>
+                <a:tailEnd/>
+              </a14:hiddenLine>
+            </a:ext>
+          </a:extLst>
+        </p:spPr>
+      </p:pic>
+    </p:spTree>
+    <p:extLst>
+      <p:ext uri="{BB962C8B-B14F-4D97-AF65-F5344CB8AC3E}">
+        <p14:creationId xmlns:p14="http://schemas.microsoft.com/office/powerpoint/2010/main" val="1947202730"/>
+      </p:ext>
+    </p:extLst>
+  </p:cSld>
+  <p:clrMapOvr>
+    <a:masterClrMapping/>
+  </p:clrMapOvr>
+  <p:timing>
+    <p:tnLst>
+      <p:par>
+        <p:cTn id="1" dur="indefinite" restart="never" nodeType="tmRoot"/>
+      </p:par>
+    </p:tnLst>
+  </p:timing>
+</p:sld>
+</file>
+
+<file path=ppt/slides/slide13.xml><?xml version="1.0" encoding="utf-8"?>
+<p:sld xmlns:a="http://schemas.openxmlformats.org/drawingml/2006/main" xmlns:r="http://schemas.openxmlformats.org/officeDocument/2006/relationships" xmlns:p="http://schemas.openxmlformats.org/presentationml/2006/main">
+  <p:cSld>
+    <p:bg>
+      <p:bgPr>
+        <a:solidFill>
+          <a:srgbClr val="0070C0">
+            <a:alpha val="0"/>
+          </a:srgbClr>
+        </a:solidFill>
+        <a:effectLst/>
+      </p:bgPr>
+    </p:bg>
+    <p:spTree>
+      <p:nvGrpSpPr>
+        <p:cNvPr id="1" name=""/>
+        <p:cNvGrpSpPr/>
+        <p:nvPr/>
+      </p:nvGrpSpPr>
+      <p:grpSpPr>
+        <a:xfrm>
+          <a:off x="0" y="0"/>
+          <a:ext cx="0" cy="0"/>
+          <a:chOff x="0" y="0"/>
+          <a:chExt cx="0" cy="0"/>
+        </a:xfrm>
+      </p:grpSpPr>
+      <p:sp>
+        <p:nvSpPr>
+          <p:cNvPr id="2" name="Título 1"/>
+          <p:cNvSpPr>
+            <a:spLocks noGrp="1"/>
+          </p:cNvSpPr>
+          <p:nvPr>
+            <p:ph type="title"/>
+          </p:nvPr>
+        </p:nvSpPr>
+        <p:spPr/>
+        <p:txBody>
+          <a:bodyPr/>
+          <a:lstStyle/>
+          <a:p>
+            <a:r>
+              <a:rPr lang="pt-BR" dirty="0" smtClean="0">
+                <a:solidFill>
+                  <a:schemeClr val="bg1"/>
+                </a:solidFill>
+              </a:rPr>
+              <a:t>Estilos Arquiteturais</a:t>
+            </a:r>
+            <a:endParaRPr lang="pt-BR" dirty="0">
+              <a:solidFill>
+                <a:schemeClr val="bg1"/>
+              </a:solidFill>
+            </a:endParaRPr>
           </a:p>
         </p:txBody>
       </p:sp>
@@ -9317,20 +9828,16 @@
 </p:sld>
 </file>
 
-<file path=ppt/slides/slide11.xml><?xml version="1.0" encoding="utf-8"?>
+<file path=ppt/slides/slide14.xml><?xml version="1.0" encoding="utf-8"?>
 <p:sld xmlns:a="http://schemas.openxmlformats.org/drawingml/2006/main" xmlns:r="http://schemas.openxmlformats.org/officeDocument/2006/relationships" xmlns:p="http://schemas.openxmlformats.org/presentationml/2006/main">
   <p:cSld>
     <p:bg>
       <p:bgPr>
-        <a:blipFill dpi="0" rotWithShape="1">
-          <a:blip r:embed="rId2">
-            <a:lum/>
-          </a:blip>
-          <a:srcRect/>
-          <a:stretch>
-            <a:fillRect l="-10000" r="-10000"/>
-          </a:stretch>
-        </a:blipFill>
+        <a:solidFill>
+          <a:srgbClr val="0070C0">
+            <a:alpha val="0"/>
+          </a:srgbClr>
+        </a:solidFill>
         <a:effectLst/>
       </p:bgPr>
     </p:bg>
@@ -9364,10 +9871,18 @@
           <a:lstStyle/>
           <a:p>
             <a:r>
-              <a:rPr lang="pt-BR" dirty="0" smtClean="0"/>
+              <a:rPr lang="pt-BR" dirty="0" smtClean="0">
+                <a:solidFill>
+                  <a:schemeClr val="bg1"/>
+                </a:solidFill>
+              </a:rPr>
               <a:t>Estilos Arquiteturais</a:t>
             </a:r>
-            <a:endParaRPr lang="pt-BR" dirty="0"/>
+            <a:endParaRPr lang="pt-BR" dirty="0">
+              <a:solidFill>
+                <a:schemeClr val="bg1"/>
+              </a:solidFill>
+            </a:endParaRPr>
           </a:p>
         </p:txBody>
       </p:sp>
@@ -9392,14 +9907,14 @@
       </p:sp>
       <p:pic>
         <p:nvPicPr>
-          <p:cNvPr id="1029" name="Picture 5"/>
+          <p:cNvPr id="3074" name="Picture 2"/>
           <p:cNvPicPr>
             <a:picLocks noChangeAspect="1" noChangeArrowheads="1"/>
           </p:cNvPicPr>
           <p:nvPr/>
         </p:nvPicPr>
         <p:blipFill>
-          <a:blip r:embed="rId3">
+          <a:blip r:embed="rId2">
             <a:extLst>
               <a:ext uri="{28A0092B-C50C-407E-A947-70E740481C1C}">
                 <a14:useLocalDpi xmlns:a14="http://schemas.microsoft.com/office/drawing/2010/main" val="0"/>
@@ -9413,8 +9928,8 @@
         </p:blipFill>
         <p:spPr bwMode="auto">
           <a:xfrm>
-            <a:off x="1331640" y="1324648"/>
-            <a:ext cx="6305550" cy="5524500"/>
+            <a:off x="1187624" y="1484784"/>
+            <a:ext cx="6305550" cy="5162550"/>
           </a:xfrm>
           <a:prstGeom prst="rect">
             <a:avLst/>
@@ -9464,9 +9979,19 @@
 </p:sld>
 </file>
 
-<file path=ppt/slides/slide12.xml><?xml version="1.0" encoding="utf-8"?>
+<file path=ppt/slides/slide15.xml><?xml version="1.0" encoding="utf-8"?>
 <p:sld xmlns:a="http://schemas.openxmlformats.org/drawingml/2006/main" xmlns:r="http://schemas.openxmlformats.org/officeDocument/2006/relationships" xmlns:p="http://schemas.openxmlformats.org/presentationml/2006/main">
   <p:cSld>
+    <p:bg>
+      <p:bgPr>
+        <a:solidFill>
+          <a:srgbClr val="0070C0">
+            <a:alpha val="0"/>
+          </a:srgbClr>
+        </a:solidFill>
+        <a:effectLst/>
+      </p:bgPr>
+    </p:bg>
     <p:spTree>
       <p:nvGrpSpPr>
         <p:cNvPr id="1" name=""/>
@@ -9497,10 +10022,18 @@
           <a:lstStyle/>
           <a:p>
             <a:r>
-              <a:rPr lang="pt-BR" dirty="0" smtClean="0"/>
+              <a:rPr lang="pt-BR" dirty="0" smtClean="0">
+                <a:solidFill>
+                  <a:schemeClr val="bg1"/>
+                </a:solidFill>
+              </a:rPr>
               <a:t>Estilos Arquiteturais</a:t>
             </a:r>
-            <a:endParaRPr lang="pt-BR" dirty="0"/>
+            <a:endParaRPr lang="pt-BR" dirty="0">
+              <a:solidFill>
+                <a:schemeClr val="bg1"/>
+              </a:solidFill>
+            </a:endParaRPr>
           </a:p>
         </p:txBody>
       </p:sp>
@@ -9525,7 +10058,7 @@
       </p:sp>
       <p:pic>
         <p:nvPicPr>
-          <p:cNvPr id="1030" name="Picture 6"/>
+          <p:cNvPr id="4098" name="Picture 2"/>
           <p:cNvPicPr>
             <a:picLocks noChangeAspect="1" noChangeArrowheads="1"/>
           </p:cNvPicPr>
@@ -9546,8 +10079,8 @@
         </p:blipFill>
         <p:spPr bwMode="auto">
           <a:xfrm>
-            <a:off x="1403648" y="2577306"/>
-            <a:ext cx="6210300" cy="2847975"/>
+            <a:off x="1445766" y="2708920"/>
+            <a:ext cx="6210300" cy="2333625"/>
           </a:xfrm>
           <a:prstGeom prst="rect">
             <a:avLst/>
@@ -9597,7 +10130,7 @@
 </p:sld>
 </file>
 
-<file path=ppt/slides/slide13.xml><?xml version="1.0" encoding="utf-8"?>
+<file path=ppt/slides/slide16.xml><?xml version="1.0" encoding="utf-8"?>
 <p:sld xmlns:a="http://schemas.openxmlformats.org/drawingml/2006/main" xmlns:r="http://schemas.openxmlformats.org/officeDocument/2006/relationships" xmlns:p="http://schemas.openxmlformats.org/presentationml/2006/main">
   <p:cSld>
     <p:spTree>
@@ -9631,7 +10164,7 @@
           <a:p>
             <a:r>
               <a:rPr lang="pt-BR" dirty="0" err="1" smtClean="0"/>
-              <a:t>Bounded</a:t>
+              <a:t>Dependency</a:t>
             </a:r>
             <a:r>
               <a:rPr lang="pt-BR" dirty="0" smtClean="0"/>
@@ -9639,117 +10172,77 @@
             </a:r>
             <a:r>
               <a:rPr lang="pt-BR" dirty="0" err="1" smtClean="0"/>
-              <a:t>Context</a:t>
-            </a:r>
+              <a:t>Inversion</a:t>
+            </a:r>
+            <a:r>
+              <a:rPr lang="pt-BR" dirty="0" smtClean="0"/>
+              <a:t> </a:t>
+            </a:r>
+            <a:r>
+              <a:rPr lang="pt-BR" dirty="0" err="1" smtClean="0"/>
+              <a:t>Principle</a:t>
+            </a:r>
+            <a:endParaRPr lang="en-US" dirty="0"/>
+          </a:p>
+        </p:txBody>
+      </p:sp>
+      <p:sp>
+        <p:nvSpPr>
+          <p:cNvPr id="3" name="Espaço Reservado para Conteúdo 2"/>
+          <p:cNvSpPr>
+            <a:spLocks noGrp="1"/>
+          </p:cNvSpPr>
+          <p:nvPr>
+            <p:ph idx="1"/>
+          </p:nvPr>
+        </p:nvSpPr>
+        <p:spPr/>
+        <p:txBody>
+          <a:bodyPr/>
+          <a:lstStyle/>
+          <a:p>
+            <a:pPr marL="0" indent="0">
+              <a:buNone/>
+            </a:pPr>
+            <a:r>
+              <a:rPr lang="pt-BR" dirty="0" smtClean="0"/>
+              <a:t>“Módulos de mais alto nível não devem depender de módulos de mais baixo nível. Ambos devem depender de abstrações.</a:t>
+            </a:r>
+          </a:p>
+          <a:p>
+            <a:pPr marL="0" indent="0">
+              <a:buNone/>
+            </a:pPr>
+            <a:endParaRPr lang="pt-BR" dirty="0" smtClean="0"/>
+          </a:p>
+          <a:p>
+            <a:pPr marL="0" indent="0">
+              <a:buNone/>
+            </a:pPr>
+            <a:r>
+              <a:rPr lang="pt-BR" dirty="0" smtClean="0"/>
+              <a:t>Abstrações não devem depender de detalhes. Detalhes devem depender de abstrações.”</a:t>
+            </a:r>
+          </a:p>
+          <a:p>
             <a:endParaRPr lang="pt-BR" dirty="0"/>
           </a:p>
-        </p:txBody>
-      </p:sp>
-      <p:sp>
-        <p:nvSpPr>
-          <p:cNvPr id="3" name="Espaço Reservado para Conteúdo 2"/>
-          <p:cNvSpPr>
-            <a:spLocks noGrp="1"/>
-          </p:cNvSpPr>
-          <p:nvPr>
-            <p:ph idx="1"/>
-          </p:nvPr>
-        </p:nvSpPr>
-        <p:spPr/>
-        <p:txBody>
-          <a:bodyPr/>
-          <a:lstStyle/>
-          <a:p>
-            <a:endParaRPr lang="pt-BR"/>
-          </a:p>
-        </p:txBody>
-      </p:sp>
-      <p:sp>
-        <p:nvSpPr>
-          <p:cNvPr id="4" name="Retângulo 3"/>
-          <p:cNvSpPr/>
-          <p:nvPr/>
-        </p:nvSpPr>
-        <p:spPr>
-          <a:xfrm>
-            <a:off x="2282500" y="6093296"/>
-            <a:ext cx="4572000" cy="646331"/>
-          </a:xfrm>
-          <a:prstGeom prst="rect">
-            <a:avLst/>
-          </a:prstGeom>
-        </p:spPr>
-        <p:txBody>
-          <a:bodyPr>
-            <a:spAutoFit/>
-          </a:bodyPr>
-          <a:lstStyle/>
-          <a:p>
-            <a:r>
-              <a:rPr lang="pt-BR" dirty="0"/>
-              <a:t>https://martinfowler.com/bliki/BoundedContext.html</a:t>
-            </a:r>
-          </a:p>
-        </p:txBody>
-      </p:sp>
-      <p:pic>
-        <p:nvPicPr>
-          <p:cNvPr id="2051" name="Picture 3"/>
-          <p:cNvPicPr>
-            <a:picLocks noChangeAspect="1" noChangeArrowheads="1"/>
-          </p:cNvPicPr>
-          <p:nvPr/>
-        </p:nvPicPr>
-        <p:blipFill>
-          <a:blip r:embed="rId2">
-            <a:extLst>
-              <a:ext uri="{28A0092B-C50C-407E-A947-70E740481C1C}">
-                <a14:useLocalDpi xmlns:a14="http://schemas.microsoft.com/office/drawing/2010/main" val="0"/>
-              </a:ext>
-            </a:extLst>
-          </a:blip>
-          <a:srcRect/>
-          <a:stretch>
-            <a:fillRect/>
-          </a:stretch>
-        </p:blipFill>
-        <p:spPr bwMode="auto">
-          <a:xfrm>
-            <a:off x="1001818" y="1612164"/>
-            <a:ext cx="7351713" cy="4552950"/>
-          </a:xfrm>
-          <a:prstGeom prst="rect">
-            <a:avLst/>
-          </a:prstGeom>
-          <a:noFill/>
-          <a:ln>
-            <a:noFill/>
-          </a:ln>
-          <a:extLst>
-            <a:ext uri="{909E8E84-426E-40DD-AFC4-6F175D3DCCD1}">
-              <a14:hiddenFill xmlns:a14="http://schemas.microsoft.com/office/drawing/2010/main">
-                <a:solidFill>
-                  <a:schemeClr val="accent1"/>
-                </a:solidFill>
-              </a14:hiddenFill>
-            </a:ext>
-            <a:ext uri="{91240B29-F687-4F45-9708-019B960494DF}">
-              <a14:hiddenLine xmlns:a14="http://schemas.microsoft.com/office/drawing/2010/main" w="9525">
-                <a:solidFill>
-                  <a:schemeClr val="tx1"/>
-                </a:solidFill>
-                <a:miter lim="800000"/>
-                <a:headEnd/>
-                <a:tailEnd/>
-              </a14:hiddenLine>
-            </a:ext>
-          </a:extLst>
-        </p:spPr>
-      </p:pic>
+          <a:p>
+            <a:pPr marL="0" indent="0" algn="r">
+              <a:buNone/>
+            </a:pPr>
+            <a:r>
+              <a:rPr lang="pt-BR" dirty="0" smtClean="0"/>
+              <a:t>Robert C. Martin</a:t>
+            </a:r>
+            <a:endParaRPr lang="en-US" dirty="0"/>
+          </a:p>
+        </p:txBody>
+      </p:sp>
     </p:spTree>
     <p:extLst>
       <p:ext uri="{BB962C8B-B14F-4D97-AF65-F5344CB8AC3E}">
-        <p14:creationId xmlns:p14="http://schemas.microsoft.com/office/powerpoint/2010/main" val="4150398915"/>
+        <p14:creationId xmlns:p14="http://schemas.microsoft.com/office/powerpoint/2010/main" val="907276881"/>
       </p:ext>
     </p:extLst>
   </p:cSld>
@@ -9766,7 +10259,781 @@
 </p:sld>
 </file>
 
-<file path=ppt/slides/slide14.xml><?xml version="1.0" encoding="utf-8"?>
+<file path=ppt/slides/slide17.xml><?xml version="1.0" encoding="utf-8"?>
+<p:sld xmlns:a="http://schemas.openxmlformats.org/drawingml/2006/main" xmlns:r="http://schemas.openxmlformats.org/officeDocument/2006/relationships" xmlns:p="http://schemas.openxmlformats.org/presentationml/2006/main">
+  <p:cSld>
+    <p:bg>
+      <p:bgPr>
+        <a:blipFill dpi="0" rotWithShape="1">
+          <a:blip r:embed="rId2">
+            <a:lum/>
+          </a:blip>
+          <a:srcRect/>
+          <a:stretch>
+            <a:fillRect l="-10000" r="-10000"/>
+          </a:stretch>
+        </a:blipFill>
+        <a:effectLst/>
+      </p:bgPr>
+    </p:bg>
+    <p:spTree>
+      <p:nvGrpSpPr>
+        <p:cNvPr id="1" name=""/>
+        <p:cNvGrpSpPr/>
+        <p:nvPr/>
+      </p:nvGrpSpPr>
+      <p:grpSpPr>
+        <a:xfrm>
+          <a:off x="0" y="0"/>
+          <a:ext cx="0" cy="0"/>
+          <a:chOff x="0" y="0"/>
+          <a:chExt cx="0" cy="0"/>
+        </a:xfrm>
+      </p:grpSpPr>
+      <p:sp>
+        <p:nvSpPr>
+          <p:cNvPr id="5" name="Título 4"/>
+          <p:cNvSpPr>
+            <a:spLocks noGrp="1"/>
+          </p:cNvSpPr>
+          <p:nvPr>
+            <p:ph type="title"/>
+          </p:nvPr>
+        </p:nvSpPr>
+        <p:spPr/>
+        <p:txBody>
+          <a:bodyPr>
+            <a:normAutofit/>
+          </a:bodyPr>
+          <a:lstStyle/>
+          <a:p>
+            <a:pPr algn="ctr"/>
+            <a:r>
+              <a:rPr lang="pt-BR" sz="5400" b="1" dirty="0">
+                <a:ln w="9525" cmpd="sng">
+                  <a:solidFill>
+                    <a:schemeClr val="bg1"/>
+                  </a:solidFill>
+                  <a:prstDash val="solid"/>
+                  <a:miter lim="800000"/>
+                </a:ln>
+                <a:solidFill>
+                  <a:schemeClr val="tx1"/>
+                </a:solidFill>
+                <a:effectLst>
+                  <a:outerShdw blurRad="50800" algn="tl" rotWithShape="0">
+                    <a:srgbClr val="000000"/>
+                  </a:outerShdw>
+                </a:effectLst>
+                <a:latin typeface="+mn-lt"/>
+                <a:ea typeface="+mn-ea"/>
+                <a:cs typeface="+mn-cs"/>
+              </a:rPr>
+              <a:t>DDD </a:t>
+            </a:r>
+            <a:r>
+              <a:rPr lang="pt-BR" sz="5400" b="1" dirty="0" err="1">
+                <a:ln w="9525" cmpd="sng">
+                  <a:solidFill>
+                    <a:schemeClr val="bg1"/>
+                  </a:solidFill>
+                  <a:prstDash val="solid"/>
+                  <a:miter lim="800000"/>
+                </a:ln>
+                <a:solidFill>
+                  <a:schemeClr val="tx1"/>
+                </a:solidFill>
+                <a:effectLst>
+                  <a:outerShdw blurRad="50800" algn="tl" rotWithShape="0">
+                    <a:srgbClr val="000000"/>
+                  </a:outerShdw>
+                </a:effectLst>
+                <a:latin typeface="+mn-lt"/>
+                <a:ea typeface="+mn-ea"/>
+                <a:cs typeface="+mn-cs"/>
+              </a:rPr>
+              <a:t>Building</a:t>
+            </a:r>
+            <a:r>
+              <a:rPr lang="pt-BR" sz="5400" b="1" dirty="0">
+                <a:ln w="9525" cmpd="sng">
+                  <a:solidFill>
+                    <a:schemeClr val="bg1"/>
+                  </a:solidFill>
+                  <a:prstDash val="solid"/>
+                  <a:miter lim="800000"/>
+                </a:ln>
+                <a:solidFill>
+                  <a:schemeClr val="tx1"/>
+                </a:solidFill>
+                <a:effectLst>
+                  <a:outerShdw blurRad="50800" algn="tl" rotWithShape="0">
+                    <a:srgbClr val="000000"/>
+                  </a:outerShdw>
+                </a:effectLst>
+                <a:latin typeface="+mn-lt"/>
+                <a:ea typeface="+mn-ea"/>
+                <a:cs typeface="+mn-cs"/>
+              </a:rPr>
+              <a:t> </a:t>
+            </a:r>
+            <a:r>
+              <a:rPr lang="pt-BR" sz="5400" b="1" dirty="0" err="1">
+                <a:ln w="9525" cmpd="sng">
+                  <a:solidFill>
+                    <a:schemeClr val="bg1"/>
+                  </a:solidFill>
+                  <a:prstDash val="solid"/>
+                  <a:miter lim="800000"/>
+                </a:ln>
+                <a:solidFill>
+                  <a:schemeClr val="tx1"/>
+                </a:solidFill>
+                <a:effectLst>
+                  <a:outerShdw blurRad="50800" algn="tl" rotWithShape="0">
+                    <a:srgbClr val="000000"/>
+                  </a:outerShdw>
+                </a:effectLst>
+                <a:latin typeface="+mn-lt"/>
+                <a:ea typeface="+mn-ea"/>
+                <a:cs typeface="+mn-cs"/>
+              </a:rPr>
+              <a:t>Blocks</a:t>
+            </a:r>
+            <a:endParaRPr lang="pt-BR" sz="5400" b="1" dirty="0">
+              <a:ln w="9525" cmpd="sng">
+                <a:solidFill>
+                  <a:schemeClr val="bg1"/>
+                </a:solidFill>
+                <a:prstDash val="solid"/>
+                <a:miter lim="800000"/>
+              </a:ln>
+              <a:solidFill>
+                <a:schemeClr val="tx1"/>
+              </a:solidFill>
+              <a:effectLst>
+                <a:outerShdw blurRad="50800" algn="tl" rotWithShape="0">
+                  <a:srgbClr val="000000"/>
+                </a:outerShdw>
+              </a:effectLst>
+              <a:latin typeface="+mn-lt"/>
+              <a:ea typeface="+mn-ea"/>
+              <a:cs typeface="+mn-cs"/>
+            </a:endParaRPr>
+          </a:p>
+        </p:txBody>
+      </p:sp>
+      <p:sp>
+        <p:nvSpPr>
+          <p:cNvPr id="8" name="Espaço Reservado para Conteúdo 7"/>
+          <p:cNvSpPr>
+            <a:spLocks noGrp="1"/>
+          </p:cNvSpPr>
+          <p:nvPr>
+            <p:ph idx="1"/>
+          </p:nvPr>
+        </p:nvSpPr>
+        <p:spPr>
+          <a:ln w="3175">
+            <a:noFill/>
+          </a:ln>
+        </p:spPr>
+        <p:txBody>
+          <a:bodyPr numCol="2"/>
+          <a:lstStyle/>
+          <a:p>
+            <a:pPr marL="0" indent="0" algn="ctr">
+              <a:buNone/>
+            </a:pPr>
+            <a:r>
+              <a:rPr lang="pt-BR" sz="3600" b="1" dirty="0" smtClean="0">
+                <a:ln w="9525" cmpd="sng">
+                  <a:solidFill>
+                    <a:schemeClr val="bg1"/>
+                  </a:solidFill>
+                  <a:prstDash val="solid"/>
+                  <a:miter lim="800000"/>
+                </a:ln>
+                <a:solidFill>
+                  <a:schemeClr val="tx1"/>
+                </a:solidFill>
+                <a:effectLst>
+                  <a:outerShdw blurRad="50800" algn="tl" rotWithShape="0">
+                    <a:srgbClr val="000000"/>
+                  </a:outerShdw>
+                </a:effectLst>
+              </a:rPr>
+              <a:t>* </a:t>
+            </a:r>
+            <a:r>
+              <a:rPr lang="pt-BR" sz="3600" b="1" dirty="0" err="1" smtClean="0">
+                <a:ln w="9525" cmpd="sng">
+                  <a:solidFill>
+                    <a:schemeClr val="bg1"/>
+                  </a:solidFill>
+                  <a:prstDash val="solid"/>
+                  <a:miter lim="800000"/>
+                </a:ln>
+                <a:solidFill>
+                  <a:schemeClr val="tx1"/>
+                </a:solidFill>
+                <a:effectLst>
+                  <a:outerShdw blurRad="50800" algn="tl" rotWithShape="0">
+                    <a:srgbClr val="000000"/>
+                  </a:outerShdw>
+                </a:effectLst>
+              </a:rPr>
+              <a:t>Value</a:t>
+            </a:r>
+            <a:r>
+              <a:rPr lang="pt-BR" sz="3600" b="1" dirty="0" smtClean="0">
+                <a:ln w="9525" cmpd="sng">
+                  <a:solidFill>
+                    <a:schemeClr val="bg1"/>
+                  </a:solidFill>
+                  <a:prstDash val="solid"/>
+                  <a:miter lim="800000"/>
+                </a:ln>
+                <a:solidFill>
+                  <a:schemeClr val="tx1"/>
+                </a:solidFill>
+                <a:effectLst>
+                  <a:outerShdw blurRad="50800" algn="tl" rotWithShape="0">
+                    <a:srgbClr val="000000"/>
+                  </a:outerShdw>
+                </a:effectLst>
+              </a:rPr>
+              <a:t> </a:t>
+            </a:r>
+            <a:r>
+              <a:rPr lang="pt-BR" sz="3600" b="1" dirty="0" err="1" smtClean="0">
+                <a:ln w="9525" cmpd="sng">
+                  <a:solidFill>
+                    <a:schemeClr val="bg1"/>
+                  </a:solidFill>
+                  <a:prstDash val="solid"/>
+                  <a:miter lim="800000"/>
+                </a:ln>
+                <a:solidFill>
+                  <a:schemeClr val="tx1"/>
+                </a:solidFill>
+                <a:effectLst>
+                  <a:outerShdw blurRad="50800" algn="tl" rotWithShape="0">
+                    <a:srgbClr val="000000"/>
+                  </a:outerShdw>
+                </a:effectLst>
+              </a:rPr>
+              <a:t>Objects</a:t>
+            </a:r>
+            <a:endParaRPr lang="pt-BR" sz="3600" b="1" dirty="0" smtClean="0">
+              <a:ln w="9525" cmpd="sng">
+                <a:solidFill>
+                  <a:schemeClr val="bg1"/>
+                </a:solidFill>
+                <a:prstDash val="solid"/>
+                <a:miter lim="800000"/>
+              </a:ln>
+              <a:solidFill>
+                <a:schemeClr val="tx1"/>
+              </a:solidFill>
+              <a:effectLst>
+                <a:outerShdw blurRad="50800" algn="tl" rotWithShape="0">
+                  <a:srgbClr val="000000"/>
+                </a:outerShdw>
+              </a:effectLst>
+            </a:endParaRPr>
+          </a:p>
+          <a:p>
+            <a:pPr marL="0" indent="0" algn="ctr">
+              <a:buNone/>
+            </a:pPr>
+            <a:endParaRPr lang="pt-BR" sz="3600" b="1" dirty="0" smtClean="0">
+              <a:ln w="9525" cmpd="sng">
+                <a:solidFill>
+                  <a:schemeClr val="bg1"/>
+                </a:solidFill>
+                <a:prstDash val="solid"/>
+                <a:miter lim="800000"/>
+              </a:ln>
+              <a:solidFill>
+                <a:schemeClr val="tx1"/>
+              </a:solidFill>
+              <a:effectLst>
+                <a:outerShdw blurRad="50800" algn="tl" rotWithShape="0">
+                  <a:srgbClr val="000000"/>
+                </a:outerShdw>
+              </a:effectLst>
+            </a:endParaRPr>
+          </a:p>
+          <a:p>
+            <a:pPr marL="0" indent="0" algn="ctr">
+              <a:buNone/>
+            </a:pPr>
+            <a:r>
+              <a:rPr lang="pt-BR" sz="3600" b="1" dirty="0" smtClean="0">
+                <a:ln w="9525" cmpd="sng">
+                  <a:solidFill>
+                    <a:schemeClr val="bg1"/>
+                  </a:solidFill>
+                  <a:prstDash val="solid"/>
+                  <a:miter lim="800000"/>
+                </a:ln>
+                <a:solidFill>
+                  <a:schemeClr val="tx1"/>
+                </a:solidFill>
+                <a:effectLst>
+                  <a:outerShdw blurRad="50800" algn="tl" rotWithShape="0">
+                    <a:srgbClr val="000000"/>
+                  </a:outerShdw>
+                </a:effectLst>
+              </a:rPr>
+              <a:t>* </a:t>
+            </a:r>
+            <a:r>
+              <a:rPr lang="pt-BR" sz="3600" b="1" dirty="0" err="1" smtClean="0">
+                <a:ln w="9525" cmpd="sng">
+                  <a:solidFill>
+                    <a:schemeClr val="bg1"/>
+                  </a:solidFill>
+                  <a:prstDash val="solid"/>
+                  <a:miter lim="800000"/>
+                </a:ln>
+                <a:solidFill>
+                  <a:schemeClr val="tx1"/>
+                </a:solidFill>
+                <a:effectLst>
+                  <a:outerShdw blurRad="50800" algn="tl" rotWithShape="0">
+                    <a:srgbClr val="000000"/>
+                  </a:outerShdw>
+                </a:effectLst>
+              </a:rPr>
+              <a:t>Entities</a:t>
+            </a:r>
+            <a:endParaRPr lang="pt-BR" sz="3600" b="1" dirty="0" smtClean="0">
+              <a:ln w="9525" cmpd="sng">
+                <a:solidFill>
+                  <a:schemeClr val="bg1"/>
+                </a:solidFill>
+                <a:prstDash val="solid"/>
+                <a:miter lim="800000"/>
+              </a:ln>
+              <a:solidFill>
+                <a:schemeClr val="tx1"/>
+              </a:solidFill>
+              <a:effectLst>
+                <a:outerShdw blurRad="50800" algn="tl" rotWithShape="0">
+                  <a:srgbClr val="000000"/>
+                </a:outerShdw>
+              </a:effectLst>
+            </a:endParaRPr>
+          </a:p>
+          <a:p>
+            <a:pPr marL="0" indent="0" algn="ctr">
+              <a:buNone/>
+            </a:pPr>
+            <a:endParaRPr lang="pt-BR" sz="3600" b="1" dirty="0" smtClean="0">
+              <a:ln w="9525" cmpd="sng">
+                <a:solidFill>
+                  <a:schemeClr val="bg1"/>
+                </a:solidFill>
+                <a:prstDash val="solid"/>
+                <a:miter lim="800000"/>
+              </a:ln>
+              <a:solidFill>
+                <a:schemeClr val="tx1"/>
+              </a:solidFill>
+              <a:effectLst>
+                <a:outerShdw blurRad="50800" algn="tl" rotWithShape="0">
+                  <a:srgbClr val="000000"/>
+                </a:outerShdw>
+              </a:effectLst>
+            </a:endParaRPr>
+          </a:p>
+          <a:p>
+            <a:pPr marL="0" indent="0" algn="ctr">
+              <a:buNone/>
+            </a:pPr>
+            <a:r>
+              <a:rPr lang="pt-BR" sz="3600" b="1" dirty="0" smtClean="0">
+                <a:ln w="9525" cmpd="sng">
+                  <a:solidFill>
+                    <a:schemeClr val="bg1"/>
+                  </a:solidFill>
+                  <a:prstDash val="solid"/>
+                  <a:miter lim="800000"/>
+                </a:ln>
+                <a:solidFill>
+                  <a:schemeClr val="tx1"/>
+                </a:solidFill>
+                <a:effectLst>
+                  <a:outerShdw blurRad="50800" algn="tl" rotWithShape="0">
+                    <a:srgbClr val="000000"/>
+                  </a:outerShdw>
+                </a:effectLst>
+              </a:rPr>
+              <a:t>* </a:t>
+            </a:r>
+            <a:r>
+              <a:rPr lang="pt-BR" sz="3600" b="1" dirty="0" err="1" smtClean="0">
+                <a:ln w="9525" cmpd="sng">
+                  <a:solidFill>
+                    <a:schemeClr val="bg1"/>
+                  </a:solidFill>
+                  <a:prstDash val="solid"/>
+                  <a:miter lim="800000"/>
+                </a:ln>
+                <a:solidFill>
+                  <a:schemeClr val="tx1"/>
+                </a:solidFill>
+                <a:effectLst>
+                  <a:outerShdw blurRad="50800" algn="tl" rotWithShape="0">
+                    <a:srgbClr val="000000"/>
+                  </a:outerShdw>
+                </a:effectLst>
+              </a:rPr>
+              <a:t>Aggregates</a:t>
+            </a:r>
+            <a:endParaRPr lang="pt-BR" sz="3600" b="1" dirty="0" smtClean="0">
+              <a:ln w="9525" cmpd="sng">
+                <a:solidFill>
+                  <a:schemeClr val="bg1"/>
+                </a:solidFill>
+                <a:prstDash val="solid"/>
+                <a:miter lim="800000"/>
+              </a:ln>
+              <a:solidFill>
+                <a:schemeClr val="tx1"/>
+              </a:solidFill>
+              <a:effectLst>
+                <a:outerShdw blurRad="50800" algn="tl" rotWithShape="0">
+                  <a:srgbClr val="000000"/>
+                </a:outerShdw>
+              </a:effectLst>
+            </a:endParaRPr>
+          </a:p>
+          <a:p>
+            <a:pPr marL="0" indent="0" algn="ctr">
+              <a:buNone/>
+            </a:pPr>
+            <a:endParaRPr lang="pt-BR" sz="3600" b="1" dirty="0" smtClean="0">
+              <a:ln w="9525" cmpd="sng">
+                <a:solidFill>
+                  <a:schemeClr val="bg1"/>
+                </a:solidFill>
+                <a:prstDash val="solid"/>
+                <a:miter lim="800000"/>
+              </a:ln>
+              <a:solidFill>
+                <a:schemeClr val="tx1"/>
+              </a:solidFill>
+              <a:effectLst>
+                <a:outerShdw blurRad="50800" algn="tl" rotWithShape="0">
+                  <a:srgbClr val="000000"/>
+                </a:outerShdw>
+              </a:effectLst>
+            </a:endParaRPr>
+          </a:p>
+          <a:p>
+            <a:pPr marL="0" indent="0" algn="ctr">
+              <a:buNone/>
+            </a:pPr>
+            <a:r>
+              <a:rPr lang="pt-BR" sz="3600" b="1" dirty="0" smtClean="0">
+                <a:ln w="9525" cmpd="sng">
+                  <a:solidFill>
+                    <a:schemeClr val="bg1"/>
+                  </a:solidFill>
+                  <a:prstDash val="solid"/>
+                  <a:miter lim="800000"/>
+                </a:ln>
+                <a:solidFill>
+                  <a:schemeClr val="tx1"/>
+                </a:solidFill>
+                <a:effectLst>
+                  <a:outerShdw blurRad="50800" algn="tl" rotWithShape="0">
+                    <a:srgbClr val="000000"/>
+                  </a:outerShdw>
+                </a:effectLst>
+              </a:rPr>
+              <a:t>* </a:t>
+            </a:r>
+            <a:r>
+              <a:rPr lang="pt-BR" sz="3600" b="1" dirty="0" err="1" smtClean="0">
+                <a:ln w="9525" cmpd="sng">
+                  <a:solidFill>
+                    <a:schemeClr val="bg1"/>
+                  </a:solidFill>
+                  <a:prstDash val="solid"/>
+                  <a:miter lim="800000"/>
+                </a:ln>
+                <a:solidFill>
+                  <a:schemeClr val="tx1"/>
+                </a:solidFill>
+                <a:effectLst>
+                  <a:outerShdw blurRad="50800" algn="tl" rotWithShape="0">
+                    <a:srgbClr val="000000"/>
+                  </a:outerShdw>
+                </a:effectLst>
+              </a:rPr>
+              <a:t>Factories</a:t>
+            </a:r>
+            <a:endParaRPr lang="pt-BR" sz="3600" b="1" dirty="0" smtClean="0">
+              <a:ln w="9525" cmpd="sng">
+                <a:solidFill>
+                  <a:schemeClr val="bg1"/>
+                </a:solidFill>
+                <a:prstDash val="solid"/>
+                <a:miter lim="800000"/>
+              </a:ln>
+              <a:solidFill>
+                <a:schemeClr val="tx1"/>
+              </a:solidFill>
+              <a:effectLst>
+                <a:outerShdw blurRad="50800" algn="tl" rotWithShape="0">
+                  <a:srgbClr val="000000"/>
+                </a:outerShdw>
+              </a:effectLst>
+            </a:endParaRPr>
+          </a:p>
+          <a:p>
+            <a:pPr marL="0" indent="0" algn="ctr">
+              <a:buNone/>
+            </a:pPr>
+            <a:r>
+              <a:rPr lang="pt-BR" sz="3600" b="1" dirty="0" smtClean="0">
+                <a:ln w="9525" cmpd="sng">
+                  <a:solidFill>
+                    <a:schemeClr val="bg1"/>
+                  </a:solidFill>
+                  <a:prstDash val="solid"/>
+                  <a:miter lim="800000"/>
+                </a:ln>
+                <a:solidFill>
+                  <a:schemeClr val="tx1"/>
+                </a:solidFill>
+                <a:effectLst>
+                  <a:outerShdw blurRad="50800" algn="tl" rotWithShape="0">
+                    <a:srgbClr val="000000"/>
+                  </a:outerShdw>
+                </a:effectLst>
+              </a:rPr>
+              <a:t>* </a:t>
+            </a:r>
+            <a:r>
+              <a:rPr lang="pt-BR" sz="3600" b="1" dirty="0" err="1" smtClean="0">
+                <a:ln w="9525" cmpd="sng">
+                  <a:solidFill>
+                    <a:schemeClr val="bg1"/>
+                  </a:solidFill>
+                  <a:prstDash val="solid"/>
+                  <a:miter lim="800000"/>
+                </a:ln>
+                <a:solidFill>
+                  <a:schemeClr val="tx1"/>
+                </a:solidFill>
+                <a:effectLst>
+                  <a:outerShdw blurRad="50800" algn="tl" rotWithShape="0">
+                    <a:srgbClr val="000000"/>
+                  </a:outerShdw>
+                </a:effectLst>
+              </a:rPr>
+              <a:t>Repositories</a:t>
+            </a:r>
+            <a:endParaRPr lang="pt-BR" sz="3600" b="1" dirty="0" smtClean="0">
+              <a:ln w="9525" cmpd="sng">
+                <a:solidFill>
+                  <a:schemeClr val="bg1"/>
+                </a:solidFill>
+                <a:prstDash val="solid"/>
+                <a:miter lim="800000"/>
+              </a:ln>
+              <a:solidFill>
+                <a:schemeClr val="tx1"/>
+              </a:solidFill>
+              <a:effectLst>
+                <a:outerShdw blurRad="50800" algn="tl" rotWithShape="0">
+                  <a:srgbClr val="000000"/>
+                </a:outerShdw>
+              </a:effectLst>
+            </a:endParaRPr>
+          </a:p>
+          <a:p>
+            <a:pPr marL="0" indent="0" algn="ctr">
+              <a:buNone/>
+            </a:pPr>
+            <a:endParaRPr lang="pt-BR" sz="3600" b="1" dirty="0" smtClean="0">
+              <a:ln w="9525" cmpd="sng">
+                <a:solidFill>
+                  <a:schemeClr val="bg1"/>
+                </a:solidFill>
+                <a:prstDash val="solid"/>
+                <a:miter lim="800000"/>
+              </a:ln>
+              <a:solidFill>
+                <a:schemeClr val="tx1"/>
+              </a:solidFill>
+              <a:effectLst>
+                <a:outerShdw blurRad="50800" algn="tl" rotWithShape="0">
+                  <a:srgbClr val="000000"/>
+                </a:outerShdw>
+              </a:effectLst>
+            </a:endParaRPr>
+          </a:p>
+          <a:p>
+            <a:pPr marL="0" indent="0" algn="ctr">
+              <a:buNone/>
+            </a:pPr>
+            <a:r>
+              <a:rPr lang="pt-BR" sz="3600" b="1" dirty="0" smtClean="0">
+                <a:ln w="9525" cmpd="sng">
+                  <a:solidFill>
+                    <a:schemeClr val="bg1"/>
+                  </a:solidFill>
+                  <a:prstDash val="solid"/>
+                  <a:miter lim="800000"/>
+                </a:ln>
+                <a:solidFill>
+                  <a:schemeClr val="tx1"/>
+                </a:solidFill>
+                <a:effectLst>
+                  <a:outerShdw blurRad="50800" algn="tl" rotWithShape="0">
+                    <a:srgbClr val="000000"/>
+                  </a:outerShdw>
+                </a:effectLst>
+              </a:rPr>
+              <a:t>* Services</a:t>
+            </a:r>
+          </a:p>
+          <a:p>
+            <a:pPr marL="0" indent="0" algn="ctr">
+              <a:buNone/>
+            </a:pPr>
+            <a:endParaRPr lang="pt-BR" sz="3600" b="1" dirty="0" smtClean="0">
+              <a:ln w="9525" cmpd="sng">
+                <a:solidFill>
+                  <a:schemeClr val="bg1"/>
+                </a:solidFill>
+                <a:prstDash val="solid"/>
+                <a:miter lim="800000"/>
+              </a:ln>
+              <a:solidFill>
+                <a:schemeClr val="tx1"/>
+              </a:solidFill>
+              <a:effectLst>
+                <a:outerShdw blurRad="50800" algn="tl" rotWithShape="0">
+                  <a:srgbClr val="000000"/>
+                </a:outerShdw>
+              </a:effectLst>
+            </a:endParaRPr>
+          </a:p>
+          <a:p>
+            <a:pPr marL="0" indent="0" algn="ctr">
+              <a:buNone/>
+            </a:pPr>
+            <a:r>
+              <a:rPr lang="pt-BR" sz="3600" b="1" dirty="0" smtClean="0">
+                <a:ln w="9525" cmpd="sng">
+                  <a:solidFill>
+                    <a:schemeClr val="bg1"/>
+                  </a:solidFill>
+                  <a:prstDash val="solid"/>
+                  <a:miter lim="800000"/>
+                </a:ln>
+                <a:solidFill>
+                  <a:schemeClr val="tx1"/>
+                </a:solidFill>
+                <a:effectLst>
+                  <a:outerShdw blurRad="50800" algn="tl" rotWithShape="0">
+                    <a:srgbClr val="000000"/>
+                  </a:outerShdw>
+                </a:effectLst>
+              </a:rPr>
+              <a:t>* Domain </a:t>
+            </a:r>
+            <a:r>
+              <a:rPr lang="pt-BR" sz="3600" b="1" dirty="0" err="1" smtClean="0">
+                <a:ln w="9525" cmpd="sng">
+                  <a:solidFill>
+                    <a:schemeClr val="bg1"/>
+                  </a:solidFill>
+                  <a:prstDash val="solid"/>
+                  <a:miter lim="800000"/>
+                </a:ln>
+                <a:solidFill>
+                  <a:schemeClr val="tx1"/>
+                </a:solidFill>
+                <a:effectLst>
+                  <a:outerShdw blurRad="50800" algn="tl" rotWithShape="0">
+                    <a:srgbClr val="000000"/>
+                  </a:outerShdw>
+                </a:effectLst>
+              </a:rPr>
+              <a:t>Events</a:t>
+            </a:r>
+            <a:endParaRPr lang="pt-BR" sz="3600" b="1" dirty="0" smtClean="0">
+              <a:ln w="9525" cmpd="sng">
+                <a:solidFill>
+                  <a:schemeClr val="bg1"/>
+                </a:solidFill>
+                <a:prstDash val="solid"/>
+                <a:miter lim="800000"/>
+              </a:ln>
+              <a:solidFill>
+                <a:schemeClr val="tx1"/>
+              </a:solidFill>
+              <a:effectLst>
+                <a:outerShdw blurRad="50800" algn="tl" rotWithShape="0">
+                  <a:srgbClr val="000000"/>
+                </a:outerShdw>
+              </a:effectLst>
+            </a:endParaRPr>
+          </a:p>
+          <a:p>
+            <a:pPr marL="0" indent="0">
+              <a:buNone/>
+            </a:pPr>
+            <a:endParaRPr lang="pt-BR" dirty="0">
+              <a:ln w="10160">
+                <a:solidFill>
+                  <a:schemeClr val="bg1"/>
+                </a:solidFill>
+                <a:prstDash val="solid"/>
+              </a:ln>
+              <a:solidFill>
+                <a:srgbClr val="FFFFFF"/>
+              </a:solidFill>
+              <a:effectLst>
+                <a:outerShdw blurRad="38100" dist="32000" dir="5400000" algn="tl">
+                  <a:srgbClr val="000000">
+                    <a:alpha val="30000"/>
+                  </a:srgbClr>
+                </a:outerShdw>
+              </a:effectLst>
+            </a:endParaRPr>
+          </a:p>
+        </p:txBody>
+      </p:sp>
+    </p:spTree>
+    <p:extLst>
+      <p:ext uri="{BB962C8B-B14F-4D97-AF65-F5344CB8AC3E}">
+        <p14:creationId xmlns:p14="http://schemas.microsoft.com/office/powerpoint/2010/main" val="1943836900"/>
+      </p:ext>
+    </p:extLst>
+  </p:cSld>
+  <p:clrMapOvr>
+    <a:masterClrMapping/>
+  </p:clrMapOvr>
+  <p:timing>
+    <p:tnLst>
+      <p:par>
+        <p:cTn id="1" dur="indefinite" restart="never" nodeType="tmRoot"/>
+      </p:par>
+    </p:tnLst>
+  </p:timing>
+</p:sld>
+</file>
+
+<file path=ppt/slides/slide18.xml><?xml version="1.0" encoding="utf-8"?>
 <p:sld xmlns:a="http://schemas.openxmlformats.org/drawingml/2006/main" xmlns:r="http://schemas.openxmlformats.org/officeDocument/2006/relationships" xmlns:p="http://schemas.openxmlformats.org/presentationml/2006/main">
   <p:cSld>
     <p:spTree>
@@ -9800,7 +11067,7 @@
           <a:p>
             <a:r>
               <a:rPr lang="pt-BR" dirty="0" err="1" smtClean="0"/>
-              <a:t>Bounded</a:t>
+              <a:t>Value</a:t>
             </a:r>
             <a:r>
               <a:rPr lang="pt-BR" dirty="0" smtClean="0"/>
@@ -9808,7 +11075,7 @@
             </a:r>
             <a:r>
               <a:rPr lang="pt-BR" dirty="0" err="1" smtClean="0"/>
-              <a:t>Context</a:t>
+              <a:t>Objects</a:t>
             </a:r>
             <a:endParaRPr lang="pt-BR" dirty="0"/>
           </a:p>
@@ -9831,17 +11098,14 @@
           <a:p>
             <a:r>
               <a:rPr lang="pt-BR" dirty="0" smtClean="0"/>
-              <a:t>Define a aplicabilidade de um Modelo em particular</a:t>
+              <a:t>Não possuem identidade</a:t>
             </a:r>
           </a:p>
           <a:p>
             <a:r>
               <a:rPr lang="pt-BR" dirty="0" smtClean="0"/>
-              <a:t>Permite que cada Modelo seja explorado em isolamento</a:t>
-            </a:r>
-            <a:endParaRPr lang="pt-BR" dirty="0" smtClean="0"/>
-          </a:p>
-          <a:p>
+              <a:t>Imutável</a:t>
+            </a:r>
             <a:endParaRPr lang="pt-BR" dirty="0"/>
           </a:p>
         </p:txBody>
@@ -9849,7 +11113,7 @@
     </p:spTree>
     <p:extLst>
       <p:ext uri="{BB962C8B-B14F-4D97-AF65-F5344CB8AC3E}">
-        <p14:creationId xmlns:p14="http://schemas.microsoft.com/office/powerpoint/2010/main" val="4243026570"/>
+        <p14:creationId xmlns:p14="http://schemas.microsoft.com/office/powerpoint/2010/main" val="630793882"/>
       </p:ext>
     </p:extLst>
   </p:cSld>
@@ -9866,7 +11130,1090 @@
 </p:sld>
 </file>
 
-<file path=ppt/slides/slide15.xml><?xml version="1.0" encoding="utf-8"?>
+<file path=ppt/slides/slide19.xml><?xml version="1.0" encoding="utf-8"?>
+<p:sld xmlns:a="http://schemas.openxmlformats.org/drawingml/2006/main" xmlns:r="http://schemas.openxmlformats.org/officeDocument/2006/relationships" xmlns:p="http://schemas.openxmlformats.org/presentationml/2006/main">
+  <p:cSld>
+    <p:spTree>
+      <p:nvGrpSpPr>
+        <p:cNvPr id="1" name=""/>
+        <p:cNvGrpSpPr/>
+        <p:nvPr/>
+      </p:nvGrpSpPr>
+      <p:grpSpPr>
+        <a:xfrm>
+          <a:off x="0" y="0"/>
+          <a:ext cx="0" cy="0"/>
+          <a:chOff x="0" y="0"/>
+          <a:chExt cx="0" cy="0"/>
+        </a:xfrm>
+      </p:grpSpPr>
+      <p:sp>
+        <p:nvSpPr>
+          <p:cNvPr id="2" name="Título 1"/>
+          <p:cNvSpPr>
+            <a:spLocks noGrp="1"/>
+          </p:cNvSpPr>
+          <p:nvPr>
+            <p:ph type="title"/>
+          </p:nvPr>
+        </p:nvSpPr>
+        <p:spPr/>
+        <p:txBody>
+          <a:bodyPr/>
+          <a:lstStyle/>
+          <a:p>
+            <a:r>
+              <a:rPr lang="pt-BR" dirty="0" err="1" smtClean="0"/>
+              <a:t>Entities</a:t>
+            </a:r>
+            <a:endParaRPr lang="pt-BR" dirty="0"/>
+          </a:p>
+        </p:txBody>
+      </p:sp>
+      <p:sp>
+        <p:nvSpPr>
+          <p:cNvPr id="3" name="Espaço Reservado para Conteúdo 2"/>
+          <p:cNvSpPr>
+            <a:spLocks noGrp="1"/>
+          </p:cNvSpPr>
+          <p:nvPr>
+            <p:ph idx="1"/>
+          </p:nvPr>
+        </p:nvSpPr>
+        <p:spPr/>
+        <p:txBody>
+          <a:bodyPr/>
+          <a:lstStyle/>
+          <a:p>
+            <a:r>
+              <a:rPr lang="pt-BR" dirty="0" smtClean="0"/>
+              <a:t>Identidade e Estado</a:t>
+            </a:r>
+          </a:p>
+          <a:p>
+            <a:r>
+              <a:rPr lang="pt-BR" dirty="0" smtClean="0"/>
+              <a:t>Persistência</a:t>
+            </a:r>
+            <a:endParaRPr lang="pt-BR" dirty="0"/>
+          </a:p>
+        </p:txBody>
+      </p:sp>
+    </p:spTree>
+    <p:extLst>
+      <p:ext uri="{BB962C8B-B14F-4D97-AF65-F5344CB8AC3E}">
+        <p14:creationId xmlns:p14="http://schemas.microsoft.com/office/powerpoint/2010/main" val="1771237173"/>
+      </p:ext>
+    </p:extLst>
+  </p:cSld>
+  <p:clrMapOvr>
+    <a:masterClrMapping/>
+  </p:clrMapOvr>
+  <p:timing>
+    <p:tnLst>
+      <p:par>
+        <p:cTn id="1" dur="indefinite" restart="never" nodeType="tmRoot"/>
+      </p:par>
+    </p:tnLst>
+  </p:timing>
+</p:sld>
+</file>
+
+<file path=ppt/slides/slide2.xml><?xml version="1.0" encoding="utf-8"?>
+<p:sld xmlns:a="http://schemas.openxmlformats.org/drawingml/2006/main" xmlns:r="http://schemas.openxmlformats.org/officeDocument/2006/relationships" xmlns:p="http://schemas.openxmlformats.org/presentationml/2006/main">
+  <p:cSld>
+    <p:spTree>
+      <p:nvGrpSpPr>
+        <p:cNvPr id="1" name=""/>
+        <p:cNvGrpSpPr/>
+        <p:nvPr/>
+      </p:nvGrpSpPr>
+      <p:grpSpPr>
+        <a:xfrm>
+          <a:off x="0" y="0"/>
+          <a:ext cx="0" cy="0"/>
+          <a:chOff x="0" y="0"/>
+          <a:chExt cx="0" cy="0"/>
+        </a:xfrm>
+      </p:grpSpPr>
+      <p:sp>
+        <p:nvSpPr>
+          <p:cNvPr id="2" name="Título 1"/>
+          <p:cNvSpPr>
+            <a:spLocks noGrp="1"/>
+          </p:cNvSpPr>
+          <p:nvPr>
+            <p:ph type="title"/>
+          </p:nvPr>
+        </p:nvSpPr>
+        <p:spPr/>
+        <p:txBody>
+          <a:bodyPr/>
+          <a:lstStyle/>
+          <a:p>
+            <a:r>
+              <a:rPr lang="pt-BR" dirty="0" smtClean="0"/>
+              <a:t>Agenda</a:t>
+            </a:r>
+            <a:endParaRPr lang="pt-BR" dirty="0"/>
+          </a:p>
+        </p:txBody>
+      </p:sp>
+      <p:sp>
+        <p:nvSpPr>
+          <p:cNvPr id="3" name="Espaço Reservado para Conteúdo 2"/>
+          <p:cNvSpPr>
+            <a:spLocks noGrp="1"/>
+          </p:cNvSpPr>
+          <p:nvPr>
+            <p:ph idx="1"/>
+          </p:nvPr>
+        </p:nvSpPr>
+        <p:spPr/>
+        <p:txBody>
+          <a:bodyPr/>
+          <a:lstStyle/>
+          <a:p>
+            <a:r>
+              <a:rPr lang="pt-BR" dirty="0"/>
+              <a:t>Linguagem Ubíqua</a:t>
+            </a:r>
+          </a:p>
+          <a:p>
+            <a:r>
+              <a:rPr lang="pt-BR" dirty="0" err="1"/>
+              <a:t>Bounded</a:t>
+            </a:r>
+            <a:r>
+              <a:rPr lang="pt-BR" dirty="0"/>
+              <a:t> </a:t>
+            </a:r>
+            <a:r>
+              <a:rPr lang="pt-BR" dirty="0" err="1"/>
+              <a:t>Context</a:t>
+            </a:r>
+            <a:endParaRPr lang="pt-BR" dirty="0"/>
+          </a:p>
+          <a:p>
+            <a:r>
+              <a:rPr lang="pt-BR" dirty="0"/>
+              <a:t>Tipos de Domínio</a:t>
+            </a:r>
+          </a:p>
+          <a:p>
+            <a:r>
+              <a:rPr lang="pt-BR" dirty="0"/>
+              <a:t>Core Domain</a:t>
+            </a:r>
+          </a:p>
+          <a:p>
+            <a:r>
+              <a:rPr lang="pt-BR" dirty="0" smtClean="0"/>
+              <a:t>Livros </a:t>
+            </a:r>
+            <a:r>
+              <a:rPr lang="pt-BR" dirty="0" smtClean="0"/>
+              <a:t>sobre DDD</a:t>
+            </a:r>
+          </a:p>
+          <a:p>
+            <a:r>
+              <a:rPr lang="pt-BR" dirty="0" smtClean="0"/>
+              <a:t>Estilos </a:t>
+            </a:r>
+            <a:r>
+              <a:rPr lang="pt-BR" dirty="0" smtClean="0"/>
+              <a:t>Arquiteturais</a:t>
+            </a:r>
+          </a:p>
+          <a:p>
+            <a:r>
+              <a:rPr lang="pt-BR" dirty="0" err="1" smtClean="0"/>
+              <a:t>Building</a:t>
+            </a:r>
+            <a:r>
+              <a:rPr lang="pt-BR" dirty="0" smtClean="0"/>
+              <a:t> </a:t>
+            </a:r>
+            <a:r>
+              <a:rPr lang="pt-BR" dirty="0" err="1" smtClean="0"/>
+              <a:t>Blocks</a:t>
+            </a:r>
+            <a:endParaRPr lang="pt-BR" dirty="0" smtClean="0"/>
+          </a:p>
+          <a:p>
+            <a:r>
+              <a:rPr lang="pt-BR" dirty="0" smtClean="0"/>
+              <a:t>Perguntas</a:t>
+            </a:r>
+            <a:endParaRPr lang="pt-BR" dirty="0"/>
+          </a:p>
+        </p:txBody>
+      </p:sp>
+    </p:spTree>
+    <p:extLst>
+      <p:ext uri="{BB962C8B-B14F-4D97-AF65-F5344CB8AC3E}">
+        <p14:creationId xmlns:p14="http://schemas.microsoft.com/office/powerpoint/2010/main" val="3954246393"/>
+      </p:ext>
+    </p:extLst>
+  </p:cSld>
+  <p:clrMapOvr>
+    <a:masterClrMapping/>
+  </p:clrMapOvr>
+  <p:timing>
+    <p:tnLst>
+      <p:par>
+        <p:cTn id="1" dur="indefinite" restart="never" nodeType="tmRoot"/>
+      </p:par>
+    </p:tnLst>
+  </p:timing>
+</p:sld>
+</file>
+
+<file path=ppt/slides/slide20.xml><?xml version="1.0" encoding="utf-8"?>
+<p:sld xmlns:a="http://schemas.openxmlformats.org/drawingml/2006/main" xmlns:r="http://schemas.openxmlformats.org/officeDocument/2006/relationships" xmlns:p="http://schemas.openxmlformats.org/presentationml/2006/main">
+  <p:cSld>
+    <p:spTree>
+      <p:nvGrpSpPr>
+        <p:cNvPr id="1" name=""/>
+        <p:cNvGrpSpPr/>
+        <p:nvPr/>
+      </p:nvGrpSpPr>
+      <p:grpSpPr>
+        <a:xfrm>
+          <a:off x="0" y="0"/>
+          <a:ext cx="0" cy="0"/>
+          <a:chOff x="0" y="0"/>
+          <a:chExt cx="0" cy="0"/>
+        </a:xfrm>
+      </p:grpSpPr>
+      <p:sp>
+        <p:nvSpPr>
+          <p:cNvPr id="2" name="Título 1"/>
+          <p:cNvSpPr>
+            <a:spLocks noGrp="1"/>
+          </p:cNvSpPr>
+          <p:nvPr>
+            <p:ph type="title"/>
+          </p:nvPr>
+        </p:nvSpPr>
+        <p:spPr/>
+        <p:txBody>
+          <a:bodyPr/>
+          <a:lstStyle/>
+          <a:p>
+            <a:r>
+              <a:rPr lang="pt-BR" dirty="0" err="1" smtClean="0"/>
+              <a:t>Aggregates</a:t>
+            </a:r>
+            <a:endParaRPr lang="pt-BR" dirty="0"/>
+          </a:p>
+        </p:txBody>
+      </p:sp>
+      <p:sp>
+        <p:nvSpPr>
+          <p:cNvPr id="3" name="Espaço Reservado para Conteúdo 2"/>
+          <p:cNvSpPr>
+            <a:spLocks noGrp="1"/>
+          </p:cNvSpPr>
+          <p:nvPr>
+            <p:ph idx="1"/>
+          </p:nvPr>
+        </p:nvSpPr>
+        <p:spPr/>
+        <p:txBody>
+          <a:bodyPr/>
+          <a:lstStyle/>
+          <a:p>
+            <a:endParaRPr lang="pt-BR"/>
+          </a:p>
+        </p:txBody>
+      </p:sp>
+    </p:spTree>
+    <p:extLst>
+      <p:ext uri="{BB962C8B-B14F-4D97-AF65-F5344CB8AC3E}">
+        <p14:creationId xmlns:p14="http://schemas.microsoft.com/office/powerpoint/2010/main" val="738495361"/>
+      </p:ext>
+    </p:extLst>
+  </p:cSld>
+  <p:clrMapOvr>
+    <a:masterClrMapping/>
+  </p:clrMapOvr>
+  <p:timing>
+    <p:tnLst>
+      <p:par>
+        <p:cTn id="1" dur="indefinite" restart="never" nodeType="tmRoot"/>
+      </p:par>
+    </p:tnLst>
+  </p:timing>
+</p:sld>
+</file>
+
+<file path=ppt/slides/slide21.xml><?xml version="1.0" encoding="utf-8"?>
+<p:sld xmlns:a="http://schemas.openxmlformats.org/drawingml/2006/main" xmlns:r="http://schemas.openxmlformats.org/officeDocument/2006/relationships" xmlns:p="http://schemas.openxmlformats.org/presentationml/2006/main">
+  <p:cSld>
+    <p:spTree>
+      <p:nvGrpSpPr>
+        <p:cNvPr id="1" name=""/>
+        <p:cNvGrpSpPr/>
+        <p:nvPr/>
+      </p:nvGrpSpPr>
+      <p:grpSpPr>
+        <a:xfrm>
+          <a:off x="0" y="0"/>
+          <a:ext cx="0" cy="0"/>
+          <a:chOff x="0" y="0"/>
+          <a:chExt cx="0" cy="0"/>
+        </a:xfrm>
+      </p:grpSpPr>
+      <p:sp>
+        <p:nvSpPr>
+          <p:cNvPr id="2" name="Título 1"/>
+          <p:cNvSpPr>
+            <a:spLocks noGrp="1"/>
+          </p:cNvSpPr>
+          <p:nvPr>
+            <p:ph type="title"/>
+          </p:nvPr>
+        </p:nvSpPr>
+        <p:spPr/>
+        <p:txBody>
+          <a:bodyPr/>
+          <a:lstStyle/>
+          <a:p>
+            <a:r>
+              <a:rPr lang="pt-BR" dirty="0" err="1" smtClean="0"/>
+              <a:t>Factories</a:t>
+            </a:r>
+            <a:endParaRPr lang="pt-BR" dirty="0"/>
+          </a:p>
+        </p:txBody>
+      </p:sp>
+      <p:sp>
+        <p:nvSpPr>
+          <p:cNvPr id="3" name="Espaço Reservado para Conteúdo 2"/>
+          <p:cNvSpPr>
+            <a:spLocks noGrp="1"/>
+          </p:cNvSpPr>
+          <p:nvPr>
+            <p:ph idx="1"/>
+          </p:nvPr>
+        </p:nvSpPr>
+        <p:spPr/>
+        <p:txBody>
+          <a:bodyPr/>
+          <a:lstStyle/>
+          <a:p>
+            <a:r>
+              <a:rPr lang="pt-BR" dirty="0" smtClean="0"/>
+              <a:t>Criação de entidades complexas</a:t>
+            </a:r>
+            <a:endParaRPr lang="pt-BR" dirty="0"/>
+          </a:p>
+        </p:txBody>
+      </p:sp>
+    </p:spTree>
+    <p:extLst>
+      <p:ext uri="{BB962C8B-B14F-4D97-AF65-F5344CB8AC3E}">
+        <p14:creationId xmlns:p14="http://schemas.microsoft.com/office/powerpoint/2010/main" val="2987899367"/>
+      </p:ext>
+    </p:extLst>
+  </p:cSld>
+  <p:clrMapOvr>
+    <a:masterClrMapping/>
+  </p:clrMapOvr>
+  <p:timing>
+    <p:tnLst>
+      <p:par>
+        <p:cTn id="1" dur="indefinite" restart="never" nodeType="tmRoot"/>
+      </p:par>
+    </p:tnLst>
+  </p:timing>
+</p:sld>
+</file>
+
+<file path=ppt/slides/slide22.xml><?xml version="1.0" encoding="utf-8"?>
+<p:sld xmlns:a="http://schemas.openxmlformats.org/drawingml/2006/main" xmlns:r="http://schemas.openxmlformats.org/officeDocument/2006/relationships" xmlns:p="http://schemas.openxmlformats.org/presentationml/2006/main">
+  <p:cSld>
+    <p:spTree>
+      <p:nvGrpSpPr>
+        <p:cNvPr id="1" name=""/>
+        <p:cNvGrpSpPr/>
+        <p:nvPr/>
+      </p:nvGrpSpPr>
+      <p:grpSpPr>
+        <a:xfrm>
+          <a:off x="0" y="0"/>
+          <a:ext cx="0" cy="0"/>
+          <a:chOff x="0" y="0"/>
+          <a:chExt cx="0" cy="0"/>
+        </a:xfrm>
+      </p:grpSpPr>
+      <p:sp>
+        <p:nvSpPr>
+          <p:cNvPr id="2" name="Título 1"/>
+          <p:cNvSpPr>
+            <a:spLocks noGrp="1"/>
+          </p:cNvSpPr>
+          <p:nvPr>
+            <p:ph type="title"/>
+          </p:nvPr>
+        </p:nvSpPr>
+        <p:spPr/>
+        <p:txBody>
+          <a:bodyPr/>
+          <a:lstStyle/>
+          <a:p>
+            <a:r>
+              <a:rPr lang="pt-BR" dirty="0" err="1" smtClean="0"/>
+              <a:t>Repositories</a:t>
+            </a:r>
+            <a:endParaRPr lang="pt-BR" dirty="0"/>
+          </a:p>
+        </p:txBody>
+      </p:sp>
+      <p:sp>
+        <p:nvSpPr>
+          <p:cNvPr id="3" name="Espaço Reservado para Conteúdo 2"/>
+          <p:cNvSpPr>
+            <a:spLocks noGrp="1"/>
+          </p:cNvSpPr>
+          <p:nvPr>
+            <p:ph idx="1"/>
+          </p:nvPr>
+        </p:nvSpPr>
+        <p:spPr/>
+        <p:txBody>
+          <a:bodyPr/>
+          <a:lstStyle/>
+          <a:p>
+            <a:r>
+              <a:rPr lang="pt-BR" dirty="0" smtClean="0"/>
+              <a:t>Abstração da camada de persistência</a:t>
+            </a:r>
+          </a:p>
+          <a:p>
+            <a:r>
+              <a:rPr lang="pt-BR" dirty="0" smtClean="0"/>
+              <a:t>Busca de dados</a:t>
+            </a:r>
+            <a:endParaRPr lang="pt-BR" dirty="0"/>
+          </a:p>
+        </p:txBody>
+      </p:sp>
+    </p:spTree>
+    <p:extLst>
+      <p:ext uri="{BB962C8B-B14F-4D97-AF65-F5344CB8AC3E}">
+        <p14:creationId xmlns:p14="http://schemas.microsoft.com/office/powerpoint/2010/main" val="789462074"/>
+      </p:ext>
+    </p:extLst>
+  </p:cSld>
+  <p:clrMapOvr>
+    <a:masterClrMapping/>
+  </p:clrMapOvr>
+  <p:timing>
+    <p:tnLst>
+      <p:par>
+        <p:cTn id="1" dur="indefinite" restart="never" nodeType="tmRoot"/>
+      </p:par>
+    </p:tnLst>
+  </p:timing>
+</p:sld>
+</file>
+
+<file path=ppt/slides/slide23.xml><?xml version="1.0" encoding="utf-8"?>
+<p:sld xmlns:a="http://schemas.openxmlformats.org/drawingml/2006/main" xmlns:r="http://schemas.openxmlformats.org/officeDocument/2006/relationships" xmlns:p="http://schemas.openxmlformats.org/presentationml/2006/main">
+  <p:cSld>
+    <p:spTree>
+      <p:nvGrpSpPr>
+        <p:cNvPr id="1" name=""/>
+        <p:cNvGrpSpPr/>
+        <p:nvPr/>
+      </p:nvGrpSpPr>
+      <p:grpSpPr>
+        <a:xfrm>
+          <a:off x="0" y="0"/>
+          <a:ext cx="0" cy="0"/>
+          <a:chOff x="0" y="0"/>
+          <a:chExt cx="0" cy="0"/>
+        </a:xfrm>
+      </p:grpSpPr>
+      <p:sp>
+        <p:nvSpPr>
+          <p:cNvPr id="2" name="Título 1"/>
+          <p:cNvSpPr>
+            <a:spLocks noGrp="1"/>
+          </p:cNvSpPr>
+          <p:nvPr>
+            <p:ph type="title"/>
+          </p:nvPr>
+        </p:nvSpPr>
+        <p:spPr/>
+        <p:txBody>
+          <a:bodyPr/>
+          <a:lstStyle/>
+          <a:p>
+            <a:r>
+              <a:rPr lang="pt-BR" dirty="0" smtClean="0"/>
+              <a:t>Services</a:t>
+            </a:r>
+            <a:endParaRPr lang="pt-BR" dirty="0"/>
+          </a:p>
+        </p:txBody>
+      </p:sp>
+      <p:sp>
+        <p:nvSpPr>
+          <p:cNvPr id="3" name="Espaço Reservado para Conteúdo 2"/>
+          <p:cNvSpPr>
+            <a:spLocks noGrp="1"/>
+          </p:cNvSpPr>
+          <p:nvPr>
+            <p:ph idx="1"/>
+          </p:nvPr>
+        </p:nvSpPr>
+        <p:spPr/>
+        <p:txBody>
+          <a:bodyPr/>
+          <a:lstStyle/>
+          <a:p>
+            <a:r>
+              <a:rPr lang="pt-BR" dirty="0" smtClean="0"/>
+              <a:t>Serviços de domínio</a:t>
+            </a:r>
+          </a:p>
+          <a:p>
+            <a:r>
+              <a:rPr lang="pt-BR" dirty="0" smtClean="0"/>
+              <a:t>Não guardam estado</a:t>
+            </a:r>
+            <a:endParaRPr lang="pt-BR" dirty="0"/>
+          </a:p>
+        </p:txBody>
+      </p:sp>
+    </p:spTree>
+    <p:extLst>
+      <p:ext uri="{BB962C8B-B14F-4D97-AF65-F5344CB8AC3E}">
+        <p14:creationId xmlns:p14="http://schemas.microsoft.com/office/powerpoint/2010/main" val="3198269696"/>
+      </p:ext>
+    </p:extLst>
+  </p:cSld>
+  <p:clrMapOvr>
+    <a:masterClrMapping/>
+  </p:clrMapOvr>
+  <p:timing>
+    <p:tnLst>
+      <p:par>
+        <p:cTn id="1" dur="indefinite" restart="never" nodeType="tmRoot"/>
+      </p:par>
+    </p:tnLst>
+  </p:timing>
+</p:sld>
+</file>
+
+<file path=ppt/slides/slide24.xml><?xml version="1.0" encoding="utf-8"?>
+<p:sld xmlns:a="http://schemas.openxmlformats.org/drawingml/2006/main" xmlns:r="http://schemas.openxmlformats.org/officeDocument/2006/relationships" xmlns:p="http://schemas.openxmlformats.org/presentationml/2006/main">
+  <p:cSld>
+    <p:spTree>
+      <p:nvGrpSpPr>
+        <p:cNvPr id="1" name=""/>
+        <p:cNvGrpSpPr/>
+        <p:nvPr/>
+      </p:nvGrpSpPr>
+      <p:grpSpPr>
+        <a:xfrm>
+          <a:off x="0" y="0"/>
+          <a:ext cx="0" cy="0"/>
+          <a:chOff x="0" y="0"/>
+          <a:chExt cx="0" cy="0"/>
+        </a:xfrm>
+      </p:grpSpPr>
+      <p:sp>
+        <p:nvSpPr>
+          <p:cNvPr id="2" name="Título 1"/>
+          <p:cNvSpPr>
+            <a:spLocks noGrp="1"/>
+          </p:cNvSpPr>
+          <p:nvPr>
+            <p:ph type="title"/>
+          </p:nvPr>
+        </p:nvSpPr>
+        <p:spPr/>
+        <p:txBody>
+          <a:bodyPr/>
+          <a:lstStyle/>
+          <a:p>
+            <a:r>
+              <a:rPr lang="pt-BR" dirty="0" smtClean="0"/>
+              <a:t>Domain </a:t>
+            </a:r>
+            <a:r>
+              <a:rPr lang="pt-BR" dirty="0" err="1" smtClean="0"/>
+              <a:t>Events</a:t>
+            </a:r>
+            <a:endParaRPr lang="pt-BR" dirty="0"/>
+          </a:p>
+        </p:txBody>
+      </p:sp>
+      <p:sp>
+        <p:nvSpPr>
+          <p:cNvPr id="3" name="Espaço Reservado para Conteúdo 2"/>
+          <p:cNvSpPr>
+            <a:spLocks noGrp="1"/>
+          </p:cNvSpPr>
+          <p:nvPr>
+            <p:ph idx="1"/>
+          </p:nvPr>
+        </p:nvSpPr>
+        <p:spPr/>
+        <p:txBody>
+          <a:bodyPr/>
+          <a:lstStyle/>
+          <a:p>
+            <a:endParaRPr lang="pt-BR"/>
+          </a:p>
+        </p:txBody>
+      </p:sp>
+    </p:spTree>
+    <p:extLst>
+      <p:ext uri="{BB962C8B-B14F-4D97-AF65-F5344CB8AC3E}">
+        <p14:creationId xmlns:p14="http://schemas.microsoft.com/office/powerpoint/2010/main" val="1328286594"/>
+      </p:ext>
+    </p:extLst>
+  </p:cSld>
+  <p:clrMapOvr>
+    <a:masterClrMapping/>
+  </p:clrMapOvr>
+  <p:timing>
+    <p:tnLst>
+      <p:par>
+        <p:cTn id="1" dur="indefinite" restart="never" nodeType="tmRoot"/>
+      </p:par>
+    </p:tnLst>
+  </p:timing>
+</p:sld>
+</file>
+
+<file path=ppt/slides/slide25.xml><?xml version="1.0" encoding="utf-8"?>
+<p:sld xmlns:a="http://schemas.openxmlformats.org/drawingml/2006/main" xmlns:r="http://schemas.openxmlformats.org/officeDocument/2006/relationships" xmlns:p="http://schemas.openxmlformats.org/presentationml/2006/main">
+  <p:cSld>
+    <p:spTree>
+      <p:nvGrpSpPr>
+        <p:cNvPr id="1" name=""/>
+        <p:cNvGrpSpPr/>
+        <p:nvPr/>
+      </p:nvGrpSpPr>
+      <p:grpSpPr>
+        <a:xfrm>
+          <a:off x="0" y="0"/>
+          <a:ext cx="0" cy="0"/>
+          <a:chOff x="0" y="0"/>
+          <a:chExt cx="0" cy="0"/>
+        </a:xfrm>
+      </p:grpSpPr>
+      <p:sp>
+        <p:nvSpPr>
+          <p:cNvPr id="2" name="Título 1"/>
+          <p:cNvSpPr>
+            <a:spLocks noGrp="1"/>
+          </p:cNvSpPr>
+          <p:nvPr>
+            <p:ph type="title"/>
+          </p:nvPr>
+        </p:nvSpPr>
+        <p:spPr/>
+        <p:txBody>
+          <a:bodyPr/>
+          <a:lstStyle/>
+          <a:p>
+            <a:r>
+              <a:rPr lang="pt-BR" dirty="0" err="1" smtClean="0"/>
+              <a:t>Anticorruption</a:t>
+            </a:r>
+            <a:r>
+              <a:rPr lang="pt-BR" dirty="0" smtClean="0"/>
+              <a:t> </a:t>
+            </a:r>
+            <a:r>
+              <a:rPr lang="pt-BR" dirty="0" err="1" smtClean="0"/>
+              <a:t>Layer</a:t>
+            </a:r>
+            <a:endParaRPr lang="pt-BR" dirty="0"/>
+          </a:p>
+        </p:txBody>
+      </p:sp>
+      <p:sp>
+        <p:nvSpPr>
+          <p:cNvPr id="3" name="Espaço Reservado para Conteúdo 2"/>
+          <p:cNvSpPr>
+            <a:spLocks noGrp="1"/>
+          </p:cNvSpPr>
+          <p:nvPr>
+            <p:ph idx="1"/>
+          </p:nvPr>
+        </p:nvSpPr>
+        <p:spPr/>
+        <p:txBody>
+          <a:bodyPr/>
+          <a:lstStyle/>
+          <a:p>
+            <a:endParaRPr lang="pt-BR"/>
+          </a:p>
+        </p:txBody>
+      </p:sp>
+    </p:spTree>
+    <p:extLst>
+      <p:ext uri="{BB962C8B-B14F-4D97-AF65-F5344CB8AC3E}">
+        <p14:creationId xmlns:p14="http://schemas.microsoft.com/office/powerpoint/2010/main" val="2839947608"/>
+      </p:ext>
+    </p:extLst>
+  </p:cSld>
+  <p:clrMapOvr>
+    <a:masterClrMapping/>
+  </p:clrMapOvr>
+  <p:timing>
+    <p:tnLst>
+      <p:par>
+        <p:cTn id="1" dur="indefinite" restart="never" nodeType="tmRoot"/>
+      </p:par>
+    </p:tnLst>
+  </p:timing>
+</p:sld>
+</file>
+
+<file path=ppt/slides/slide26.xml><?xml version="1.0" encoding="utf-8"?>
+<p:sld xmlns:a="http://schemas.openxmlformats.org/drawingml/2006/main" xmlns:r="http://schemas.openxmlformats.org/officeDocument/2006/relationships" xmlns:p="http://schemas.openxmlformats.org/presentationml/2006/main">
+  <p:cSld>
+    <p:spTree>
+      <p:nvGrpSpPr>
+        <p:cNvPr id="1" name=""/>
+        <p:cNvGrpSpPr/>
+        <p:nvPr/>
+      </p:nvGrpSpPr>
+      <p:grpSpPr>
+        <a:xfrm>
+          <a:off x="0" y="0"/>
+          <a:ext cx="0" cy="0"/>
+          <a:chOff x="0" y="0"/>
+          <a:chExt cx="0" cy="0"/>
+        </a:xfrm>
+      </p:grpSpPr>
+      <p:sp>
+        <p:nvSpPr>
+          <p:cNvPr id="2" name="Título 1"/>
+          <p:cNvSpPr>
+            <a:spLocks noGrp="1"/>
+          </p:cNvSpPr>
+          <p:nvPr>
+            <p:ph type="ctrTitle"/>
+          </p:nvPr>
+        </p:nvSpPr>
+        <p:spPr/>
+        <p:txBody>
+          <a:bodyPr/>
+          <a:lstStyle/>
+          <a:p>
+            <a:r>
+              <a:rPr lang="pt-BR" dirty="0" smtClean="0"/>
+              <a:t>Perguntas</a:t>
+            </a:r>
+            <a:endParaRPr lang="en-US" dirty="0"/>
+          </a:p>
+        </p:txBody>
+      </p:sp>
+      <p:sp>
+        <p:nvSpPr>
+          <p:cNvPr id="4" name="Subtítulo 3"/>
+          <p:cNvSpPr>
+            <a:spLocks noGrp="1"/>
+          </p:cNvSpPr>
+          <p:nvPr>
+            <p:ph type="subTitle" idx="1"/>
+          </p:nvPr>
+        </p:nvSpPr>
+        <p:spPr/>
+        <p:txBody>
+          <a:bodyPr/>
+          <a:lstStyle/>
+          <a:p>
+            <a:endParaRPr lang="pt-BR"/>
+          </a:p>
+        </p:txBody>
+      </p:sp>
+    </p:spTree>
+    <p:extLst>
+      <p:ext uri="{BB962C8B-B14F-4D97-AF65-F5344CB8AC3E}">
+        <p14:creationId xmlns:p14="http://schemas.microsoft.com/office/powerpoint/2010/main" val="3621802611"/>
+      </p:ext>
+    </p:extLst>
+  </p:cSld>
+  <p:clrMapOvr>
+    <a:masterClrMapping/>
+  </p:clrMapOvr>
+  <p:timing>
+    <p:tnLst>
+      <p:par>
+        <p:cTn id="1" dur="indefinite" restart="never" nodeType="tmRoot"/>
+      </p:par>
+    </p:tnLst>
+  </p:timing>
+</p:sld>
+</file>
+
+<file path=ppt/slides/slide27.xml><?xml version="1.0" encoding="utf-8"?>
+<p:sld xmlns:a="http://schemas.openxmlformats.org/drawingml/2006/main" xmlns:r="http://schemas.openxmlformats.org/officeDocument/2006/relationships" xmlns:p="http://schemas.openxmlformats.org/presentationml/2006/main">
+  <p:cSld>
+    <p:spTree>
+      <p:nvGrpSpPr>
+        <p:cNvPr id="1" name=""/>
+        <p:cNvGrpSpPr/>
+        <p:nvPr/>
+      </p:nvGrpSpPr>
+      <p:grpSpPr>
+        <a:xfrm>
+          <a:off x="0" y="0"/>
+          <a:ext cx="0" cy="0"/>
+          <a:chOff x="0" y="0"/>
+          <a:chExt cx="0" cy="0"/>
+        </a:xfrm>
+      </p:grpSpPr>
+      <p:sp>
+        <p:nvSpPr>
+          <p:cNvPr id="2" name="Título 1"/>
+          <p:cNvSpPr>
+            <a:spLocks noGrp="1"/>
+          </p:cNvSpPr>
+          <p:nvPr>
+            <p:ph type="title"/>
+          </p:nvPr>
+        </p:nvSpPr>
+        <p:spPr/>
+        <p:txBody>
+          <a:bodyPr/>
+          <a:lstStyle/>
+          <a:p>
+            <a:r>
+              <a:rPr lang="pt-BR" dirty="0" smtClean="0"/>
+              <a:t>Referências</a:t>
+            </a:r>
+            <a:endParaRPr lang="pt-BR" dirty="0"/>
+          </a:p>
+        </p:txBody>
+      </p:sp>
+      <p:sp>
+        <p:nvSpPr>
+          <p:cNvPr id="3" name="Espaço Reservado para Conteúdo 2"/>
+          <p:cNvSpPr>
+            <a:spLocks noGrp="1"/>
+          </p:cNvSpPr>
+          <p:nvPr>
+            <p:ph idx="1"/>
+          </p:nvPr>
+        </p:nvSpPr>
+        <p:spPr/>
+        <p:txBody>
+          <a:bodyPr>
+            <a:normAutofit fontScale="85000" lnSpcReduction="10000"/>
+          </a:bodyPr>
+          <a:lstStyle/>
+          <a:p>
+            <a:r>
+              <a:rPr lang="pt-BR" dirty="0" smtClean="0"/>
+              <a:t>The </a:t>
+            </a:r>
+            <a:r>
+              <a:rPr lang="pt-BR" dirty="0" err="1" smtClean="0"/>
+              <a:t>Principles</a:t>
+            </a:r>
+            <a:r>
+              <a:rPr lang="pt-BR" dirty="0" smtClean="0"/>
+              <a:t> </a:t>
+            </a:r>
+            <a:r>
+              <a:rPr lang="pt-BR" dirty="0" err="1" smtClean="0"/>
+              <a:t>of</a:t>
+            </a:r>
+            <a:r>
+              <a:rPr lang="pt-BR" dirty="0" smtClean="0"/>
+              <a:t> OOD</a:t>
+            </a:r>
+            <a:br>
+              <a:rPr lang="pt-BR" dirty="0" smtClean="0"/>
+            </a:br>
+            <a:r>
+              <a:rPr lang="pt-BR" dirty="0">
+                <a:hlinkClick r:id="rId2"/>
+              </a:rPr>
+              <a:t>https://</a:t>
+            </a:r>
+            <a:r>
+              <a:rPr lang="pt-BR" dirty="0" smtClean="0">
+                <a:hlinkClick r:id="rId2"/>
+              </a:rPr>
+              <a:t>www.slideshare.net/WEBtlak/introduction-to-ddd-adam-tipk</a:t>
+            </a:r>
+            <a:endParaRPr lang="pt-BR" dirty="0" smtClean="0"/>
+          </a:p>
+          <a:p>
+            <a:r>
+              <a:rPr lang="en-US" dirty="0"/>
+              <a:t>Domain-Driven Design at </a:t>
+            </a:r>
+            <a:r>
+              <a:rPr lang="en-US" dirty="0" err="1"/>
+              <a:t>ZendCon</a:t>
+            </a:r>
+            <a:r>
+              <a:rPr lang="en-US" dirty="0"/>
+              <a:t> </a:t>
+            </a:r>
+            <a:r>
+              <a:rPr lang="en-US" dirty="0" smtClean="0"/>
+              <a:t>2012</a:t>
+            </a:r>
+            <a:br>
+              <a:rPr lang="en-US" dirty="0" smtClean="0"/>
+            </a:br>
+            <a:r>
+              <a:rPr lang="pt-BR" dirty="0" smtClean="0">
+                <a:hlinkClick r:id="rId3"/>
+              </a:rPr>
+              <a:t>http://bradley-holt.com/2012/11/domain-driven-design-at-zendcon-2012</a:t>
+            </a:r>
+            <a:r>
+              <a:rPr lang="pt-BR" dirty="0" smtClean="0">
+                <a:hlinkClick r:id="rId3"/>
+              </a:rPr>
+              <a:t>/</a:t>
+            </a:r>
+            <a:endParaRPr lang="pt-BR" dirty="0" smtClean="0"/>
+          </a:p>
+          <a:p>
+            <a:r>
+              <a:rPr lang="en-US" dirty="0"/>
+              <a:t>Architecting and Implementing Domain-Driven Design Patterns with Microsoft .</a:t>
+            </a:r>
+            <a:r>
+              <a:rPr lang="en-US" dirty="0" smtClean="0"/>
+              <a:t>NET</a:t>
+            </a:r>
+            <a:br>
+              <a:rPr lang="en-US" dirty="0" smtClean="0"/>
+            </a:br>
+            <a:r>
+              <a:rPr lang="pt-BR" dirty="0" smtClean="0">
+                <a:hlinkClick r:id="rId4"/>
+              </a:rPr>
+              <a:t>https</a:t>
+            </a:r>
+            <a:r>
+              <a:rPr lang="pt-BR" dirty="0">
+                <a:hlinkClick r:id="rId4"/>
+              </a:rPr>
+              <a:t>://</a:t>
+            </a:r>
+            <a:r>
+              <a:rPr lang="pt-BR" dirty="0" smtClean="0">
+                <a:hlinkClick r:id="rId4"/>
+              </a:rPr>
+              <a:t>channel9.msdn.com/Events/TechEd/Europe/2014/DEV-B211</a:t>
+            </a:r>
+            <a:endParaRPr lang="pt-BR" dirty="0" smtClean="0"/>
+          </a:p>
+          <a:p>
+            <a:r>
+              <a:rPr lang="en-US" dirty="0"/>
+              <a:t>Modern Software Architecture-Domain Models, CQRS, and Event Sourcing </a:t>
+            </a:r>
+            <a:r>
+              <a:rPr lang="en-US" dirty="0" smtClean="0"/>
+              <a:t>– Notes</a:t>
+            </a:r>
+            <a:br>
+              <a:rPr lang="en-US" dirty="0" smtClean="0"/>
+            </a:br>
+            <a:r>
+              <a:rPr lang="pt-BR" dirty="0" smtClean="0">
+                <a:hlinkClick r:id="rId5"/>
+              </a:rPr>
+              <a:t>https</a:t>
+            </a:r>
+            <a:r>
+              <a:rPr lang="pt-BR" dirty="0">
+                <a:hlinkClick r:id="rId5"/>
+              </a:rPr>
+              <a:t>://</a:t>
+            </a:r>
+            <a:r>
+              <a:rPr lang="pt-BR" dirty="0" smtClean="0">
+                <a:hlinkClick r:id="rId5"/>
+              </a:rPr>
+              <a:t>www.slideshare.net/ChinhNguyen49/modern-software-architecturedomain-models-cqrs-and-event-sourcing-notes</a:t>
+            </a:r>
+            <a:endParaRPr lang="pt-BR" dirty="0"/>
+          </a:p>
+          <a:p>
+            <a:r>
+              <a:rPr lang="pt-BR" dirty="0"/>
+              <a:t>Domain </a:t>
+            </a:r>
+            <a:r>
+              <a:rPr lang="pt-BR" dirty="0" err="1"/>
+              <a:t>Driven</a:t>
+            </a:r>
+            <a:r>
+              <a:rPr lang="pt-BR" dirty="0"/>
+              <a:t> </a:t>
+            </a:r>
+            <a:r>
+              <a:rPr lang="pt-BR" dirty="0" smtClean="0"/>
+              <a:t>Design</a:t>
+            </a:r>
+            <a:br>
+              <a:rPr lang="pt-BR" dirty="0" smtClean="0"/>
+            </a:br>
+            <a:r>
+              <a:rPr lang="pt-BR" dirty="0" smtClean="0">
+                <a:hlinkClick r:id="rId6"/>
+              </a:rPr>
+              <a:t>https</a:t>
+            </a:r>
+            <a:r>
+              <a:rPr lang="pt-BR" dirty="0">
+                <a:hlinkClick r:id="rId6"/>
+              </a:rPr>
+              <a:t>://</a:t>
+            </a:r>
+            <a:r>
+              <a:rPr lang="pt-BR" dirty="0" smtClean="0">
+                <a:hlinkClick r:id="rId6"/>
+              </a:rPr>
+              <a:t>pt.slideshare.net/shadrik/domain-driven-design-52410778</a:t>
+            </a:r>
+            <a:endParaRPr lang="pt-BR" dirty="0" smtClean="0"/>
+          </a:p>
+        </p:txBody>
+      </p:sp>
+    </p:spTree>
+    <p:extLst>
+      <p:ext uri="{BB962C8B-B14F-4D97-AF65-F5344CB8AC3E}">
+        <p14:creationId xmlns:p14="http://schemas.microsoft.com/office/powerpoint/2010/main" val="673801753"/>
+      </p:ext>
+    </p:extLst>
+  </p:cSld>
+  <p:clrMapOvr>
+    <a:masterClrMapping/>
+  </p:clrMapOvr>
+  <p:timing>
+    <p:tnLst>
+      <p:par>
+        <p:cTn id="1" dur="indefinite" restart="never" nodeType="tmRoot"/>
+      </p:par>
+    </p:tnLst>
+  </p:timing>
+</p:sld>
+</file>
+
+<file path=ppt/slides/slide3.xml><?xml version="1.0" encoding="utf-8"?>
 <p:sld xmlns:a="http://schemas.openxmlformats.org/drawingml/2006/main" xmlns:r="http://schemas.openxmlformats.org/officeDocument/2006/relationships" xmlns:p="http://schemas.openxmlformats.org/presentationml/2006/main">
   <p:cSld>
     <p:spTree>
@@ -10257,20 +12604,14 @@
 </p:sld>
 </file>
 
-<file path=ppt/slides/slide16.xml><?xml version="1.0" encoding="utf-8"?>
+<file path=ppt/slides/slide4.xml><?xml version="1.0" encoding="utf-8"?>
 <p:sld xmlns:a="http://schemas.openxmlformats.org/drawingml/2006/main" xmlns:r="http://schemas.openxmlformats.org/officeDocument/2006/relationships" xmlns:p="http://schemas.openxmlformats.org/presentationml/2006/main">
   <p:cSld>
     <p:bg>
       <p:bgPr>
-        <a:blipFill dpi="0" rotWithShape="1">
-          <a:blip r:embed="rId2">
-            <a:lum/>
-          </a:blip>
-          <a:srcRect/>
-          <a:stretch>
-            <a:fillRect l="-6000" r="-6000"/>
-          </a:stretch>
-        </a:blipFill>
+        <a:solidFill>
+          <a:srgbClr val="0070C0"/>
+        </a:solidFill>
         <a:effectLst/>
       </p:bgPr>
     </p:bg>
@@ -10290,243 +12631,466 @@
       </p:grpSpPr>
       <p:sp>
         <p:nvSpPr>
-          <p:cNvPr id="3" name="Espaço Reservado para Conteúdo 2"/>
-          <p:cNvSpPr>
-            <a:spLocks noGrp="1"/>
-          </p:cNvSpPr>
-          <p:nvPr>
-            <p:ph idx="1"/>
-          </p:nvPr>
+          <p:cNvPr id="2" name="Título 1"/>
+          <p:cNvSpPr>
+            <a:spLocks noGrp="1"/>
+          </p:cNvSpPr>
+          <p:nvPr>
+            <p:ph type="title"/>
+          </p:nvPr>
+        </p:nvSpPr>
+        <p:spPr/>
+        <p:txBody>
+          <a:bodyPr/>
+          <a:lstStyle/>
+          <a:p>
+            <a:r>
+              <a:rPr lang="pt-BR" dirty="0" smtClean="0">
+                <a:solidFill>
+                  <a:schemeClr val="tx1"/>
+                </a:solidFill>
+              </a:rPr>
+              <a:t>Linguagem Ubíqua</a:t>
+            </a:r>
+            <a:endParaRPr lang="en-US" dirty="0">
+              <a:solidFill>
+                <a:schemeClr val="tx1"/>
+              </a:solidFill>
+            </a:endParaRPr>
+          </a:p>
+        </p:txBody>
+      </p:sp>
+      <p:sp>
+        <p:nvSpPr>
+          <p:cNvPr id="9" name="Forma livre 8"/>
+          <p:cNvSpPr/>
+          <p:nvPr/>
         </p:nvSpPr>
         <p:spPr>
           <a:xfrm>
-            <a:off x="1367644" y="1223157"/>
-            <a:ext cx="6408712" cy="4411687"/>
+            <a:off x="1305496" y="1988840"/>
+            <a:ext cx="4179168" cy="2520280"/>
           </a:xfrm>
+          <a:custGeom>
+            <a:avLst/>
+            <a:gdLst>
+              <a:gd name="connsiteX0" fmla="*/ 0 w 3383280"/>
+              <a:gd name="connsiteY0" fmla="*/ 1691640 h 3383279"/>
+              <a:gd name="connsiteX1" fmla="*/ 1691640 w 3383280"/>
+              <a:gd name="connsiteY1" fmla="*/ 0 h 3383279"/>
+              <a:gd name="connsiteX2" fmla="*/ 3383280 w 3383280"/>
+              <a:gd name="connsiteY2" fmla="*/ 1691640 h 3383279"/>
+              <a:gd name="connsiteX3" fmla="*/ 1691640 w 3383280"/>
+              <a:gd name="connsiteY3" fmla="*/ 3383280 h 3383279"/>
+              <a:gd name="connsiteX4" fmla="*/ 0 w 3383280"/>
+              <a:gd name="connsiteY4" fmla="*/ 1691640 h 3383279"/>
+            </a:gdLst>
+            <a:ahLst/>
+            <a:cxnLst>
+              <a:cxn ang="0">
+                <a:pos x="connsiteX0" y="connsiteY0"/>
+              </a:cxn>
+              <a:cxn ang="0">
+                <a:pos x="connsiteX1" y="connsiteY1"/>
+              </a:cxn>
+              <a:cxn ang="0">
+                <a:pos x="connsiteX2" y="connsiteY2"/>
+              </a:cxn>
+              <a:cxn ang="0">
+                <a:pos x="connsiteX3" y="connsiteY3"/>
+              </a:cxn>
+              <a:cxn ang="0">
+                <a:pos x="connsiteX4" y="connsiteY4"/>
+              </a:cxn>
+            </a:cxnLst>
+            <a:rect l="l" t="t" r="r" b="b"/>
+            <a:pathLst>
+              <a:path w="3383280" h="3383279">
+                <a:moveTo>
+                  <a:pt x="0" y="1691640"/>
+                </a:moveTo>
+                <a:cubicBezTo>
+                  <a:pt x="0" y="757373"/>
+                  <a:pt x="757373" y="0"/>
+                  <a:pt x="1691640" y="0"/>
+                </a:cubicBezTo>
+                <a:cubicBezTo>
+                  <a:pt x="2625907" y="0"/>
+                  <a:pt x="3383280" y="757373"/>
+                  <a:pt x="3383280" y="1691640"/>
+                </a:cubicBezTo>
+                <a:cubicBezTo>
+                  <a:pt x="3383280" y="2625907"/>
+                  <a:pt x="2625907" y="3383280"/>
+                  <a:pt x="1691640" y="3383280"/>
+                </a:cubicBezTo>
+                <a:cubicBezTo>
+                  <a:pt x="757373" y="3383280"/>
+                  <a:pt x="0" y="2625907"/>
+                  <a:pt x="0" y="1691640"/>
+                </a:cubicBezTo>
+                <a:close/>
+              </a:path>
+            </a:pathLst>
+          </a:custGeom>
           <a:solidFill>
-            <a:schemeClr val="tx1">
-              <a:alpha val="53000"/>
+            <a:srgbClr val="7030A0"/>
+          </a:solidFill>
+          <a:ln w="19050">
+            <a:noFill/>
+          </a:ln>
+        </p:spPr>
+        <p:style>
+          <a:lnRef idx="2">
+            <a:schemeClr val="lt1">
+              <a:hueOff val="0"/>
+              <a:satOff val="0"/>
+              <a:lumOff val="0"/>
+              <a:alphaOff val="0"/>
             </a:schemeClr>
+          </a:lnRef>
+          <a:fillRef idx="1">
+            <a:schemeClr val="accent1">
+              <a:alpha val="50000"/>
+              <a:hueOff val="0"/>
+              <a:satOff val="0"/>
+              <a:lumOff val="0"/>
+              <a:alphaOff val="0"/>
+            </a:schemeClr>
+          </a:fillRef>
+          <a:effectRef idx="0">
+            <a:schemeClr val="accent1">
+              <a:alpha val="50000"/>
+              <a:hueOff val="0"/>
+              <a:satOff val="0"/>
+              <a:lumOff val="0"/>
+              <a:alphaOff val="0"/>
+            </a:schemeClr>
+          </a:effectRef>
+          <a:fontRef idx="minor">
+            <a:schemeClr val="tx1"/>
+          </a:fontRef>
+        </p:style>
+        <p:txBody>
+          <a:bodyPr spcFirstLastPara="0" vert="horz" wrap="square" lIns="472440" tIns="398961" rIns="960120" bIns="398961" numCol="1" spcCol="1270" anchor="ctr" anchorCtr="0">
+            <a:noAutofit/>
+          </a:bodyPr>
+          <a:lstStyle/>
+          <a:p>
+            <a:pPr lvl="0" defTabSz="1422400">
+              <a:lnSpc>
+                <a:spcPct val="90000"/>
+              </a:lnSpc>
+              <a:spcBef>
+                <a:spcPct val="0"/>
+              </a:spcBef>
+              <a:spcAft>
+                <a:spcPct val="35000"/>
+              </a:spcAft>
+            </a:pPr>
+            <a:r>
+              <a:rPr lang="pt-BR" sz="3200" b="1" kern="1200" dirty="0" smtClean="0"/>
+              <a:t>Domain </a:t>
+            </a:r>
+            <a:br>
+              <a:rPr lang="pt-BR" sz="3200" b="1" kern="1200" dirty="0" smtClean="0"/>
+            </a:br>
+            <a:r>
+              <a:rPr lang="pt-BR" sz="3200" b="1" kern="1200" dirty="0" smtClean="0"/>
+              <a:t>experts</a:t>
+            </a:r>
+            <a:endParaRPr lang="pt-BR" sz="3200" b="1" kern="1200" dirty="0"/>
+          </a:p>
+        </p:txBody>
+      </p:sp>
+      <p:sp>
+        <p:nvSpPr>
+          <p:cNvPr id="10" name="Forma livre 9"/>
+          <p:cNvSpPr/>
+          <p:nvPr/>
+        </p:nvSpPr>
+        <p:spPr>
+          <a:xfrm>
+            <a:off x="3609752" y="1988840"/>
+            <a:ext cx="4104456" cy="2546176"/>
+          </a:xfrm>
+          <a:custGeom>
+            <a:avLst/>
+            <a:gdLst>
+              <a:gd name="connsiteX0" fmla="*/ 0 w 3383280"/>
+              <a:gd name="connsiteY0" fmla="*/ 1691640 h 3383279"/>
+              <a:gd name="connsiteX1" fmla="*/ 1691640 w 3383280"/>
+              <a:gd name="connsiteY1" fmla="*/ 0 h 3383279"/>
+              <a:gd name="connsiteX2" fmla="*/ 3383280 w 3383280"/>
+              <a:gd name="connsiteY2" fmla="*/ 1691640 h 3383279"/>
+              <a:gd name="connsiteX3" fmla="*/ 1691640 w 3383280"/>
+              <a:gd name="connsiteY3" fmla="*/ 3383280 h 3383279"/>
+              <a:gd name="connsiteX4" fmla="*/ 0 w 3383280"/>
+              <a:gd name="connsiteY4" fmla="*/ 1691640 h 3383279"/>
+            </a:gdLst>
+            <a:ahLst/>
+            <a:cxnLst>
+              <a:cxn ang="0">
+                <a:pos x="connsiteX0" y="connsiteY0"/>
+              </a:cxn>
+              <a:cxn ang="0">
+                <a:pos x="connsiteX1" y="connsiteY1"/>
+              </a:cxn>
+              <a:cxn ang="0">
+                <a:pos x="connsiteX2" y="connsiteY2"/>
+              </a:cxn>
+              <a:cxn ang="0">
+                <a:pos x="connsiteX3" y="connsiteY3"/>
+              </a:cxn>
+              <a:cxn ang="0">
+                <a:pos x="connsiteX4" y="connsiteY4"/>
+              </a:cxn>
+            </a:cxnLst>
+            <a:rect l="l" t="t" r="r" b="b"/>
+            <a:pathLst>
+              <a:path w="3383280" h="3383279">
+                <a:moveTo>
+                  <a:pt x="0" y="1691640"/>
+                </a:moveTo>
+                <a:cubicBezTo>
+                  <a:pt x="0" y="757373"/>
+                  <a:pt x="757373" y="0"/>
+                  <a:pt x="1691640" y="0"/>
+                </a:cubicBezTo>
+                <a:cubicBezTo>
+                  <a:pt x="2625907" y="0"/>
+                  <a:pt x="3383280" y="757373"/>
+                  <a:pt x="3383280" y="1691640"/>
+                </a:cubicBezTo>
+                <a:cubicBezTo>
+                  <a:pt x="3383280" y="2625907"/>
+                  <a:pt x="2625907" y="3383280"/>
+                  <a:pt x="1691640" y="3383280"/>
+                </a:cubicBezTo>
+                <a:cubicBezTo>
+                  <a:pt x="757373" y="3383280"/>
+                  <a:pt x="0" y="2625907"/>
+                  <a:pt x="0" y="1691640"/>
+                </a:cubicBezTo>
+                <a:close/>
+              </a:path>
+            </a:pathLst>
+          </a:custGeom>
+          <a:solidFill>
+            <a:srgbClr val="FFFF00">
+              <a:alpha val="60000"/>
+            </a:srgbClr>
           </a:solidFill>
+          <a:ln w="28575">
+            <a:noFill/>
+          </a:ln>
         </p:spPr>
-        <p:txBody>
-          <a:bodyPr>
-            <a:normAutofit/>
+        <p:style>
+          <a:lnRef idx="2">
+            <a:schemeClr val="lt1">
+              <a:hueOff val="0"/>
+              <a:satOff val="0"/>
+              <a:lumOff val="0"/>
+              <a:alphaOff val="0"/>
+            </a:schemeClr>
+          </a:lnRef>
+          <a:fillRef idx="1">
+            <a:scrgbClr r="0" g="0" b="0"/>
+          </a:fillRef>
+          <a:effectRef idx="0">
+            <a:schemeClr val="accent1">
+              <a:alpha val="50000"/>
+              <a:hueOff val="0"/>
+              <a:satOff val="0"/>
+              <a:lumOff val="0"/>
+              <a:alphaOff val="0"/>
+            </a:schemeClr>
+          </a:effectRef>
+          <a:fontRef idx="minor">
+            <a:schemeClr val="tx1"/>
+          </a:fontRef>
+        </p:style>
+        <p:txBody>
+          <a:bodyPr spcFirstLastPara="0" vert="horz" wrap="square" lIns="960121" tIns="398961" rIns="472439" bIns="398961" numCol="1" spcCol="1270" anchor="ctr" anchorCtr="0">
+            <a:noAutofit/>
           </a:bodyPr>
           <a:lstStyle/>
           <a:p>
-            <a:endParaRPr lang="pt-BR" dirty="0" smtClean="0">
+            <a:pPr lvl="0" algn="r" defTabSz="1422400">
+              <a:lnSpc>
+                <a:spcPct val="90000"/>
+              </a:lnSpc>
+              <a:spcBef>
+                <a:spcPct val="0"/>
+              </a:spcBef>
+              <a:spcAft>
+                <a:spcPct val="35000"/>
+              </a:spcAft>
+            </a:pPr>
+            <a:r>
+              <a:rPr lang="pt-BR" sz="3200" b="1" kern="1200" dirty="0" err="1" smtClean="0">
+                <a:solidFill>
+                  <a:schemeClr val="bg1"/>
+                </a:solidFill>
+              </a:rPr>
+              <a:t>Devs</a:t>
+            </a:r>
+            <a:endParaRPr lang="pt-BR" sz="3200" b="1" kern="1200" dirty="0">
               <a:solidFill>
                 <a:schemeClr val="bg1"/>
               </a:solidFill>
             </a:endParaRPr>
           </a:p>
-          <a:p>
-            <a:pPr marL="0" indent="0" algn="ctr">
-              <a:buNone/>
-            </a:pPr>
-            <a:r>
-              <a:rPr lang="pt-BR" sz="3200" dirty="0">
-                <a:solidFill>
-                  <a:schemeClr val="bg1"/>
-                </a:solidFill>
+        </p:txBody>
+      </p:sp>
+      <p:sp>
+        <p:nvSpPr>
+          <p:cNvPr id="24" name="CaixaDeTexto 23"/>
+          <p:cNvSpPr txBox="1"/>
+          <p:nvPr/>
+        </p:nvSpPr>
+        <p:spPr>
+          <a:xfrm>
+            <a:off x="3897784" y="2925814"/>
+            <a:ext cx="1306768" cy="646331"/>
+          </a:xfrm>
+          <a:prstGeom prst="rect">
+            <a:avLst/>
+          </a:prstGeom>
+          <a:noFill/>
+        </p:spPr>
+        <p:txBody>
+          <a:bodyPr wrap="none" rtlCol="0">
+            <a:spAutoFit/>
+          </a:bodyPr>
+          <a:lstStyle/>
+          <a:p>
+            <a:pPr algn="ctr"/>
+            <a:r>
+              <a:rPr lang="pt-BR" b="1" dirty="0" smtClean="0">
+                <a:effectLst>
+                  <a:outerShdw blurRad="38100" dist="38100" dir="2700000" algn="tl">
+                    <a:srgbClr val="000000">
+                      <a:alpha val="43137"/>
+                    </a:srgbClr>
+                  </a:outerShdw>
+                </a:effectLst>
               </a:rPr>
-              <a:t>DDD </a:t>
-            </a:r>
-            <a:r>
-              <a:rPr lang="pt-BR" sz="3200" dirty="0" err="1">
-                <a:solidFill>
-                  <a:schemeClr val="bg1"/>
-                </a:solidFill>
+              <a:t>Linguagem</a:t>
+            </a:r>
+            <a:br>
+              <a:rPr lang="pt-BR" b="1" dirty="0" smtClean="0">
+                <a:effectLst>
+                  <a:outerShdw blurRad="38100" dist="38100" dir="2700000" algn="tl">
+                    <a:srgbClr val="000000">
+                      <a:alpha val="43137"/>
+                    </a:srgbClr>
+                  </a:outerShdw>
+                </a:effectLst>
               </a:rPr>
-              <a:t>Building</a:t>
-            </a:r>
-            <a:r>
-              <a:rPr lang="pt-BR" sz="3200" dirty="0">
-                <a:solidFill>
-                  <a:schemeClr val="bg1"/>
-                </a:solidFill>
+            </a:br>
+            <a:r>
+              <a:rPr lang="pt-BR" b="1" dirty="0" smtClean="0">
+                <a:effectLst>
+                  <a:outerShdw blurRad="38100" dist="38100" dir="2700000" algn="tl">
+                    <a:srgbClr val="000000">
+                      <a:alpha val="43137"/>
+                    </a:srgbClr>
+                  </a:outerShdw>
+                </a:effectLst>
               </a:rPr>
-              <a:t> </a:t>
-            </a:r>
-            <a:r>
-              <a:rPr lang="pt-BR" sz="3200" dirty="0" err="1">
-                <a:solidFill>
-                  <a:schemeClr val="bg1"/>
-                </a:solidFill>
+              <a:t>Ubíqua</a:t>
+            </a:r>
+            <a:endParaRPr lang="pt-BR" b="1" dirty="0">
+              <a:effectLst>
+                <a:outerShdw blurRad="38100" dist="38100" dir="2700000" algn="tl">
+                  <a:srgbClr val="000000">
+                    <a:alpha val="43137"/>
+                  </a:srgbClr>
+                </a:outerShdw>
+              </a:effectLst>
+            </a:endParaRPr>
+          </a:p>
+        </p:txBody>
+      </p:sp>
+      <p:sp>
+        <p:nvSpPr>
+          <p:cNvPr id="26" name="Retângulo 25"/>
+          <p:cNvSpPr/>
+          <p:nvPr/>
+        </p:nvSpPr>
+        <p:spPr>
+          <a:xfrm>
+            <a:off x="1305496" y="5085184"/>
+            <a:ext cx="6722888" cy="954107"/>
+          </a:xfrm>
+          <a:prstGeom prst="rect">
+            <a:avLst/>
+          </a:prstGeom>
+        </p:spPr>
+        <p:txBody>
+          <a:bodyPr wrap="square">
+            <a:spAutoFit/>
+          </a:bodyPr>
+          <a:lstStyle/>
+          <a:p>
+            <a:pPr algn="ctr"/>
+            <a:r>
+              <a:rPr lang="pt-BR" sz="2800" dirty="0" smtClean="0">
+                <a:effectLst>
+                  <a:outerShdw blurRad="38100" dist="38100" dir="2700000" algn="tl">
+                    <a:srgbClr val="000000">
+                      <a:alpha val="43137"/>
+                    </a:srgbClr>
+                  </a:outerShdw>
+                </a:effectLst>
               </a:rPr>
-              <a:t>Blocks</a:t>
-            </a:r>
-            <a:endParaRPr lang="pt-BR" sz="3200" dirty="0">
-              <a:solidFill>
-                <a:schemeClr val="bg1"/>
-              </a:solidFill>
-            </a:endParaRPr>
-          </a:p>
-          <a:p>
-            <a:endParaRPr lang="pt-BR" dirty="0" smtClean="0">
-              <a:solidFill>
-                <a:schemeClr val="bg1"/>
-              </a:solidFill>
-            </a:endParaRPr>
-          </a:p>
-          <a:p>
-            <a:pPr algn="ctr"/>
-            <a:r>
-              <a:rPr lang="pt-BR" dirty="0" err="1" smtClean="0">
-                <a:solidFill>
-                  <a:schemeClr val="bg1"/>
-                </a:solidFill>
+              <a:t>Palavras e verbos que refletem a </a:t>
+            </a:r>
+            <a:r>
+              <a:rPr lang="pt-BR" sz="2800" b="1" dirty="0" smtClean="0">
+                <a:effectLst>
+                  <a:outerShdw blurRad="38100" dist="38100" dir="2700000" algn="tl">
+                    <a:srgbClr val="000000">
+                      <a:alpha val="43137"/>
+                    </a:srgbClr>
+                  </a:outerShdw>
+                </a:effectLst>
               </a:rPr>
-              <a:t>Value</a:t>
-            </a:r>
-            <a:r>
-              <a:rPr lang="pt-BR" dirty="0" smtClean="0">
-                <a:solidFill>
-                  <a:schemeClr val="bg1"/>
-                </a:solidFill>
+              <a:t>semântica do negócio </a:t>
+            </a:r>
+            <a:r>
+              <a:rPr lang="pt-BR" sz="2800" dirty="0" smtClean="0">
+                <a:effectLst>
+                  <a:outerShdw blurRad="38100" dist="38100" dir="2700000" algn="tl">
+                    <a:srgbClr val="000000">
+                      <a:alpha val="43137"/>
+                    </a:srgbClr>
+                  </a:outerShdw>
+                </a:effectLst>
               </a:rPr>
-              <a:t> </a:t>
-            </a:r>
-            <a:r>
-              <a:rPr lang="pt-BR" dirty="0" err="1" smtClean="0">
-                <a:solidFill>
-                  <a:schemeClr val="bg1"/>
-                </a:solidFill>
+              <a:t>limitados a um </a:t>
+            </a:r>
+            <a:r>
+              <a:rPr lang="pt-BR" sz="2800" b="1" dirty="0" smtClean="0">
+                <a:effectLst>
+                  <a:outerShdw blurRad="38100" dist="38100" dir="2700000" algn="tl">
+                    <a:srgbClr val="000000">
+                      <a:alpha val="43137"/>
+                    </a:srgbClr>
+                  </a:outerShdw>
+                </a:effectLst>
               </a:rPr>
-              <a:t>Objects</a:t>
-            </a:r>
-            <a:endParaRPr lang="pt-BR" dirty="0" smtClean="0">
-              <a:solidFill>
-                <a:schemeClr val="bg1"/>
-              </a:solidFill>
-            </a:endParaRPr>
-          </a:p>
-          <a:p>
-            <a:pPr algn="ctr"/>
-            <a:r>
-              <a:rPr lang="pt-BR" dirty="0" err="1" smtClean="0">
-                <a:solidFill>
-                  <a:schemeClr val="bg1"/>
-                </a:solidFill>
-              </a:rPr>
-              <a:t>Entities</a:t>
-            </a:r>
-            <a:endParaRPr lang="pt-BR" dirty="0" smtClean="0">
-              <a:solidFill>
-                <a:schemeClr val="bg1"/>
-              </a:solidFill>
-            </a:endParaRPr>
-          </a:p>
-          <a:p>
-            <a:pPr algn="ctr"/>
-            <a:r>
-              <a:rPr lang="pt-BR" dirty="0" err="1" smtClean="0">
-                <a:solidFill>
-                  <a:schemeClr val="bg1"/>
-                </a:solidFill>
-              </a:rPr>
-              <a:t>Aggregates</a:t>
-            </a:r>
-            <a:endParaRPr lang="pt-BR" dirty="0" smtClean="0">
-              <a:solidFill>
-                <a:schemeClr val="bg1"/>
-              </a:solidFill>
-            </a:endParaRPr>
-          </a:p>
-          <a:p>
-            <a:pPr algn="ctr"/>
-            <a:r>
-              <a:rPr lang="pt-BR" dirty="0" err="1" smtClean="0">
-                <a:solidFill>
-                  <a:schemeClr val="bg1"/>
-                </a:solidFill>
-              </a:rPr>
-              <a:t>Factories</a:t>
-            </a:r>
-            <a:endParaRPr lang="pt-BR" dirty="0" smtClean="0">
-              <a:solidFill>
-                <a:schemeClr val="bg1"/>
-              </a:solidFill>
-            </a:endParaRPr>
-          </a:p>
-          <a:p>
-            <a:pPr algn="ctr"/>
-            <a:r>
-              <a:rPr lang="pt-BR" dirty="0" err="1" smtClean="0">
-                <a:solidFill>
-                  <a:schemeClr val="bg1"/>
-                </a:solidFill>
-              </a:rPr>
-              <a:t>Repositories</a:t>
-            </a:r>
-            <a:endParaRPr lang="pt-BR" dirty="0" smtClean="0">
-              <a:solidFill>
-                <a:schemeClr val="bg1"/>
-              </a:solidFill>
-            </a:endParaRPr>
-          </a:p>
-          <a:p>
-            <a:pPr algn="ctr"/>
-            <a:r>
-              <a:rPr lang="pt-BR" dirty="0" smtClean="0">
-                <a:solidFill>
-                  <a:schemeClr val="bg1"/>
-                </a:solidFill>
-              </a:rPr>
-              <a:t>Services</a:t>
-            </a:r>
-          </a:p>
-          <a:p>
-            <a:pPr algn="ctr"/>
-            <a:r>
-              <a:rPr lang="pt-BR" dirty="0" smtClean="0">
-                <a:solidFill>
-                  <a:schemeClr val="bg1"/>
-                </a:solidFill>
-              </a:rPr>
-              <a:t>Domain </a:t>
-            </a:r>
-            <a:r>
-              <a:rPr lang="pt-BR" dirty="0" err="1" smtClean="0">
-                <a:solidFill>
-                  <a:schemeClr val="bg1"/>
-                </a:solidFill>
-              </a:rPr>
-              <a:t>Events</a:t>
-            </a:r>
-            <a:endParaRPr lang="pt-BR" dirty="0" smtClean="0">
-              <a:solidFill>
-                <a:schemeClr val="bg1"/>
-              </a:solidFill>
-            </a:endParaRPr>
-          </a:p>
-          <a:p>
-            <a:endParaRPr lang="pt-BR" dirty="0" smtClean="0">
-              <a:solidFill>
-                <a:schemeClr val="bg1"/>
-              </a:solidFill>
-            </a:endParaRPr>
-          </a:p>
-          <a:p>
-            <a:endParaRPr lang="pt-BR" dirty="0" smtClean="0">
-              <a:solidFill>
-                <a:schemeClr val="bg1"/>
-              </a:solidFill>
-            </a:endParaRPr>
-          </a:p>
-          <a:p>
-            <a:endParaRPr lang="pt-BR" dirty="0" smtClean="0">
-              <a:solidFill>
-                <a:schemeClr val="bg1"/>
-              </a:solidFill>
-            </a:endParaRPr>
-          </a:p>
-          <a:p>
-            <a:endParaRPr lang="pt-BR" dirty="0">
-              <a:solidFill>
-                <a:schemeClr val="bg1"/>
-              </a:solidFill>
+              <a:t>contexto.</a:t>
+            </a:r>
+            <a:endParaRPr lang="pt-BR" sz="2800" b="1" dirty="0">
+              <a:effectLst>
+                <a:outerShdw blurRad="38100" dist="38100" dir="2700000" algn="tl">
+                  <a:srgbClr val="000000">
+                    <a:alpha val="43137"/>
+                  </a:srgbClr>
+                </a:outerShdw>
+              </a:effectLst>
             </a:endParaRPr>
           </a:p>
         </p:txBody>
@@ -10534,7 +13098,7 @@
     </p:spTree>
     <p:extLst>
       <p:ext uri="{BB962C8B-B14F-4D97-AF65-F5344CB8AC3E}">
-        <p14:creationId xmlns:p14="http://schemas.microsoft.com/office/powerpoint/2010/main" val="1943836900"/>
+        <p14:creationId xmlns:p14="http://schemas.microsoft.com/office/powerpoint/2010/main" val="3289832166"/>
       </p:ext>
     </p:extLst>
   </p:cSld>
@@ -10551,9 +13115,17 @@
 </p:sld>
 </file>
 
-<file path=ppt/slides/slide17.xml><?xml version="1.0" encoding="utf-8"?>
+<file path=ppt/slides/slide5.xml><?xml version="1.0" encoding="utf-8"?>
 <p:sld xmlns:a="http://schemas.openxmlformats.org/drawingml/2006/main" xmlns:r="http://schemas.openxmlformats.org/officeDocument/2006/relationships" xmlns:p="http://schemas.openxmlformats.org/presentationml/2006/main">
   <p:cSld>
+    <p:bg>
+      <p:bgPr>
+        <a:solidFill>
+          <a:srgbClr val="0070C0"/>
+        </a:solidFill>
+        <a:effectLst/>
+      </p:bgPr>
+    </p:bg>
     <p:spTree>
       <p:nvGrpSpPr>
         <p:cNvPr id="1" name=""/>
@@ -10584,1305 +13156,510 @@
           <a:lstStyle/>
           <a:p>
             <a:r>
-              <a:rPr lang="pt-BR" dirty="0" err="1" smtClean="0"/>
-              <a:t>Value</a:t>
-            </a:r>
-            <a:r>
-              <a:rPr lang="pt-BR" dirty="0" smtClean="0"/>
+              <a:rPr lang="pt-BR" dirty="0" smtClean="0">
+                <a:solidFill>
+                  <a:schemeClr val="tx1"/>
+                </a:solidFill>
+              </a:rPr>
+              <a:t>Linguagem Ubíqua</a:t>
+            </a:r>
+            <a:endParaRPr lang="en-US" dirty="0">
+              <a:solidFill>
+                <a:schemeClr val="tx1"/>
+              </a:solidFill>
+            </a:endParaRPr>
+          </a:p>
+        </p:txBody>
+      </p:sp>
+      <p:sp>
+        <p:nvSpPr>
+          <p:cNvPr id="7" name="Forma livre 6"/>
+          <p:cNvSpPr/>
+          <p:nvPr/>
+        </p:nvSpPr>
+        <p:spPr>
+          <a:xfrm>
+            <a:off x="1403648" y="2564904"/>
+            <a:ext cx="6048672" cy="3168352"/>
+          </a:xfrm>
+          <a:custGeom>
+            <a:avLst/>
+            <a:gdLst>
+              <a:gd name="connsiteX0" fmla="*/ 0 w 3383280"/>
+              <a:gd name="connsiteY0" fmla="*/ 1691640 h 3383279"/>
+              <a:gd name="connsiteX1" fmla="*/ 1691640 w 3383280"/>
+              <a:gd name="connsiteY1" fmla="*/ 0 h 3383279"/>
+              <a:gd name="connsiteX2" fmla="*/ 3383280 w 3383280"/>
+              <a:gd name="connsiteY2" fmla="*/ 1691640 h 3383279"/>
+              <a:gd name="connsiteX3" fmla="*/ 1691640 w 3383280"/>
+              <a:gd name="connsiteY3" fmla="*/ 3383280 h 3383279"/>
+              <a:gd name="connsiteX4" fmla="*/ 0 w 3383280"/>
+              <a:gd name="connsiteY4" fmla="*/ 1691640 h 3383279"/>
+            </a:gdLst>
+            <a:ahLst/>
+            <a:cxnLst>
+              <a:cxn ang="0">
+                <a:pos x="connsiteX0" y="connsiteY0"/>
+              </a:cxn>
+              <a:cxn ang="0">
+                <a:pos x="connsiteX1" y="connsiteY1"/>
+              </a:cxn>
+              <a:cxn ang="0">
+                <a:pos x="connsiteX2" y="connsiteY2"/>
+              </a:cxn>
+              <a:cxn ang="0">
+                <a:pos x="connsiteX3" y="connsiteY3"/>
+              </a:cxn>
+              <a:cxn ang="0">
+                <a:pos x="connsiteX4" y="connsiteY4"/>
+              </a:cxn>
+            </a:cxnLst>
+            <a:rect l="l" t="t" r="r" b="b"/>
+            <a:pathLst>
+              <a:path w="3383280" h="3383279">
+                <a:moveTo>
+                  <a:pt x="0" y="1691640"/>
+                </a:moveTo>
+                <a:cubicBezTo>
+                  <a:pt x="0" y="757373"/>
+                  <a:pt x="757373" y="0"/>
+                  <a:pt x="1691640" y="0"/>
+                </a:cubicBezTo>
+                <a:cubicBezTo>
+                  <a:pt x="2625907" y="0"/>
+                  <a:pt x="3383280" y="757373"/>
+                  <a:pt x="3383280" y="1691640"/>
+                </a:cubicBezTo>
+                <a:cubicBezTo>
+                  <a:pt x="3383280" y="2625907"/>
+                  <a:pt x="2625907" y="3383280"/>
+                  <a:pt x="1691640" y="3383280"/>
+                </a:cubicBezTo>
+                <a:cubicBezTo>
+                  <a:pt x="757373" y="3383280"/>
+                  <a:pt x="0" y="2625907"/>
+                  <a:pt x="0" y="1691640"/>
+                </a:cubicBezTo>
+                <a:close/>
+              </a:path>
+            </a:pathLst>
+          </a:custGeom>
+          <a:solidFill>
+            <a:srgbClr val="00B050"/>
+          </a:solidFill>
+          <a:ln w="28575">
+            <a:solidFill>
+              <a:schemeClr val="tx1"/>
+            </a:solidFill>
+          </a:ln>
+        </p:spPr>
+        <p:style>
+          <a:lnRef idx="2">
+            <a:schemeClr val="lt1">
+              <a:hueOff val="0"/>
+              <a:satOff val="0"/>
+              <a:lumOff val="0"/>
+              <a:alphaOff val="0"/>
+            </a:schemeClr>
+          </a:lnRef>
+          <a:fillRef idx="1">
+            <a:scrgbClr r="0" g="0" b="0"/>
+          </a:fillRef>
+          <a:effectRef idx="0">
+            <a:schemeClr val="accent1">
+              <a:alpha val="50000"/>
+              <a:hueOff val="0"/>
+              <a:satOff val="0"/>
+              <a:lumOff val="0"/>
+              <a:alphaOff val="0"/>
+            </a:schemeClr>
+          </a:effectRef>
+          <a:fontRef idx="minor">
+            <a:schemeClr val="tx1"/>
+          </a:fontRef>
+        </p:style>
+        <p:txBody>
+          <a:bodyPr spcFirstLastPara="0" vert="horz" wrap="square" lIns="960121" tIns="398961" rIns="472439" bIns="398961" numCol="1" spcCol="1270" anchor="ctr" anchorCtr="0">
+            <a:noAutofit/>
+          </a:bodyPr>
+          <a:lstStyle/>
+          <a:p>
+            <a:pPr lvl="0" algn="ctr" defTabSz="1422400">
+              <a:lnSpc>
+                <a:spcPct val="90000"/>
+              </a:lnSpc>
+              <a:spcBef>
+                <a:spcPct val="0"/>
+              </a:spcBef>
+              <a:spcAft>
+                <a:spcPct val="35000"/>
+              </a:spcAft>
+            </a:pPr>
+            <a:endParaRPr lang="pt-BR" sz="2400" b="1" kern="1200" dirty="0">
+              <a:solidFill>
+                <a:schemeClr val="bg1"/>
+              </a:solidFill>
+              <a:effectLst>
+                <a:outerShdw blurRad="38100" dist="38100" dir="2700000" algn="tl">
+                  <a:srgbClr val="000000">
+                    <a:alpha val="43137"/>
+                  </a:srgbClr>
+                </a:outerShdw>
+              </a:effectLst>
+            </a:endParaRPr>
+          </a:p>
+        </p:txBody>
+      </p:sp>
+      <p:sp>
+        <p:nvSpPr>
+          <p:cNvPr id="8" name="CaixaDeTexto 7"/>
+          <p:cNvSpPr txBox="1"/>
+          <p:nvPr/>
+        </p:nvSpPr>
+        <p:spPr>
+          <a:xfrm>
+            <a:off x="3475166" y="2990306"/>
+            <a:ext cx="1948052" cy="954107"/>
+          </a:xfrm>
+          <a:prstGeom prst="rect">
+            <a:avLst/>
+          </a:prstGeom>
+          <a:noFill/>
+        </p:spPr>
+        <p:txBody>
+          <a:bodyPr wrap="square" rtlCol="0">
+            <a:spAutoFit/>
+          </a:bodyPr>
+          <a:lstStyle/>
+          <a:p>
+            <a:pPr algn="ctr"/>
+            <a:r>
+              <a:rPr lang="pt-BR" sz="2800" b="1" dirty="0" smtClean="0">
+                <a:effectLst>
+                  <a:outerShdw blurRad="38100" dist="38100" dir="2700000" algn="tl">
+                    <a:srgbClr val="000000">
+                      <a:alpha val="43137"/>
+                    </a:srgbClr>
+                  </a:outerShdw>
+                </a:effectLst>
+              </a:rPr>
+              <a:t>Linguagem</a:t>
+            </a:r>
+            <a:br>
+              <a:rPr lang="pt-BR" sz="2800" b="1" dirty="0" smtClean="0">
+                <a:effectLst>
+                  <a:outerShdw blurRad="38100" dist="38100" dir="2700000" algn="tl">
+                    <a:srgbClr val="000000">
+                      <a:alpha val="43137"/>
+                    </a:srgbClr>
+                  </a:outerShdw>
+                </a:effectLst>
+              </a:rPr>
+            </a:br>
+            <a:r>
+              <a:rPr lang="pt-BR" sz="2800" b="1" dirty="0" smtClean="0">
+                <a:effectLst>
+                  <a:outerShdw blurRad="38100" dist="38100" dir="2700000" algn="tl">
+                    <a:srgbClr val="000000">
+                      <a:alpha val="43137"/>
+                    </a:srgbClr>
+                  </a:outerShdw>
+                </a:effectLst>
+              </a:rPr>
+              <a:t>Ubíqua</a:t>
+            </a:r>
+            <a:endParaRPr lang="pt-BR" sz="2800" b="1" dirty="0">
+              <a:effectLst>
+                <a:outerShdw blurRad="38100" dist="38100" dir="2700000" algn="tl">
+                  <a:srgbClr val="000000">
+                    <a:alpha val="43137"/>
+                  </a:srgbClr>
+                </a:outerShdw>
+              </a:effectLst>
+            </a:endParaRPr>
+          </a:p>
+        </p:txBody>
+      </p:sp>
+      <p:sp>
+        <p:nvSpPr>
+          <p:cNvPr id="11" name="CaixaDeTexto 10"/>
+          <p:cNvSpPr txBox="1"/>
+          <p:nvPr/>
+        </p:nvSpPr>
+        <p:spPr>
+          <a:xfrm>
+            <a:off x="3914543" y="4725144"/>
+            <a:ext cx="1797287" cy="646331"/>
+          </a:xfrm>
+          <a:prstGeom prst="rect">
+            <a:avLst/>
+          </a:prstGeom>
+          <a:noFill/>
+        </p:spPr>
+        <p:txBody>
+          <a:bodyPr wrap="none" rtlCol="0">
+            <a:spAutoFit/>
+          </a:bodyPr>
+          <a:lstStyle/>
+          <a:p>
+            <a:pPr algn="ctr"/>
+            <a:r>
+              <a:rPr lang="pt-BR" b="1" dirty="0" smtClean="0"/>
+              <a:t>Conceitos chave</a:t>
+            </a:r>
+            <a:br>
+              <a:rPr lang="pt-BR" b="1" dirty="0" smtClean="0"/>
+            </a:br>
+            <a:r>
+              <a:rPr lang="pt-BR" b="1" dirty="0" smtClean="0"/>
+              <a:t>de negócio</a:t>
+            </a:r>
+            <a:endParaRPr lang="pt-BR" b="1" dirty="0"/>
+          </a:p>
+        </p:txBody>
+      </p:sp>
+      <p:sp>
+        <p:nvSpPr>
+          <p:cNvPr id="12" name="CaixaDeTexto 11"/>
+          <p:cNvSpPr txBox="1"/>
+          <p:nvPr/>
+        </p:nvSpPr>
+        <p:spPr>
+          <a:xfrm>
+            <a:off x="1691680" y="3949923"/>
+            <a:ext cx="2028696" cy="646331"/>
+          </a:xfrm>
+          <a:prstGeom prst="rect">
+            <a:avLst/>
+          </a:prstGeom>
+          <a:noFill/>
+        </p:spPr>
+        <p:txBody>
+          <a:bodyPr wrap="none" rtlCol="0">
+            <a:spAutoFit/>
+          </a:bodyPr>
+          <a:lstStyle/>
+          <a:p>
+            <a:pPr algn="ctr"/>
+            <a:r>
+              <a:rPr lang="pt-BR" b="1" dirty="0" smtClean="0"/>
+              <a:t>Nomes dos </a:t>
+            </a:r>
+            <a:br>
+              <a:rPr lang="pt-BR" b="1" dirty="0" smtClean="0"/>
+            </a:br>
+            <a:r>
+              <a:rPr lang="pt-BR" b="1" dirty="0" err="1" smtClean="0"/>
+              <a:t>Bounded</a:t>
+            </a:r>
+            <a:r>
+              <a:rPr lang="pt-BR" b="1" dirty="0" smtClean="0"/>
               <a:t> </a:t>
             </a:r>
             <a:r>
-              <a:rPr lang="pt-BR" dirty="0" err="1" smtClean="0"/>
-              <a:t>Objects</a:t>
-            </a:r>
-            <a:endParaRPr lang="pt-BR" dirty="0"/>
-          </a:p>
-        </p:txBody>
-      </p:sp>
-      <p:sp>
-        <p:nvSpPr>
-          <p:cNvPr id="3" name="Espaço Reservado para Conteúdo 2"/>
-          <p:cNvSpPr>
-            <a:spLocks noGrp="1"/>
-          </p:cNvSpPr>
-          <p:nvPr>
-            <p:ph idx="1"/>
-          </p:nvPr>
-        </p:nvSpPr>
-        <p:spPr/>
-        <p:txBody>
-          <a:bodyPr/>
-          <a:lstStyle/>
-          <a:p>
-            <a:r>
-              <a:rPr lang="pt-BR" dirty="0" smtClean="0"/>
-              <a:t>Não possuem identidade</a:t>
-            </a:r>
-          </a:p>
-          <a:p>
-            <a:r>
-              <a:rPr lang="pt-BR" dirty="0" smtClean="0"/>
-              <a:t>Imutável</a:t>
-            </a:r>
-            <a:endParaRPr lang="pt-BR" dirty="0"/>
+              <a:rPr lang="pt-BR" b="1" dirty="0" err="1" smtClean="0"/>
+              <a:t>Contexts</a:t>
+            </a:r>
+            <a:endParaRPr lang="pt-BR" b="1" dirty="0"/>
+          </a:p>
+        </p:txBody>
+      </p:sp>
+      <p:sp>
+        <p:nvSpPr>
+          <p:cNvPr id="13" name="CaixaDeTexto 12"/>
+          <p:cNvSpPr txBox="1"/>
+          <p:nvPr/>
+        </p:nvSpPr>
+        <p:spPr>
+          <a:xfrm>
+            <a:off x="5423218" y="3944413"/>
+            <a:ext cx="1566454" cy="369332"/>
+          </a:xfrm>
+          <a:prstGeom prst="rect">
+            <a:avLst/>
+          </a:prstGeom>
+          <a:noFill/>
+        </p:spPr>
+        <p:txBody>
+          <a:bodyPr wrap="none" rtlCol="0">
+            <a:spAutoFit/>
+          </a:bodyPr>
+          <a:lstStyle/>
+          <a:p>
+            <a:pPr algn="ctr"/>
+            <a:r>
+              <a:rPr lang="pt-BR" b="1" dirty="0" smtClean="0"/>
+              <a:t>DDD </a:t>
+            </a:r>
+            <a:r>
+              <a:rPr lang="pt-BR" b="1" dirty="0" err="1" smtClean="0"/>
+              <a:t>Patterns</a:t>
+            </a:r>
+            <a:endParaRPr lang="pt-BR" b="1" dirty="0"/>
+          </a:p>
+        </p:txBody>
+      </p:sp>
+      <p:sp>
+        <p:nvSpPr>
+          <p:cNvPr id="14" name="CaixaDeTexto 13"/>
+          <p:cNvSpPr txBox="1"/>
+          <p:nvPr/>
+        </p:nvSpPr>
+        <p:spPr>
+          <a:xfrm>
+            <a:off x="5931291" y="2102328"/>
+            <a:ext cx="1792222" cy="369332"/>
+          </a:xfrm>
+          <a:prstGeom prst="rect">
+            <a:avLst/>
+          </a:prstGeom>
+          <a:noFill/>
+        </p:spPr>
+        <p:txBody>
+          <a:bodyPr wrap="none" rtlCol="0">
+            <a:spAutoFit/>
+          </a:bodyPr>
+          <a:lstStyle/>
+          <a:p>
+            <a:pPr algn="ctr"/>
+            <a:r>
+              <a:rPr lang="pt-BR" b="1" dirty="0" smtClean="0"/>
+              <a:t>Termos técnicos</a:t>
+            </a:r>
+            <a:endParaRPr lang="pt-BR" b="1" dirty="0"/>
+          </a:p>
+        </p:txBody>
+      </p:sp>
+      <p:sp>
+        <p:nvSpPr>
+          <p:cNvPr id="15" name="CaixaDeTexto 14"/>
+          <p:cNvSpPr txBox="1"/>
+          <p:nvPr/>
+        </p:nvSpPr>
+        <p:spPr>
+          <a:xfrm>
+            <a:off x="6714518" y="5275306"/>
+            <a:ext cx="1826141" cy="646331"/>
+          </a:xfrm>
+          <a:prstGeom prst="rect">
+            <a:avLst/>
+          </a:prstGeom>
+          <a:noFill/>
+        </p:spPr>
+        <p:txBody>
+          <a:bodyPr wrap="none" rtlCol="0">
+            <a:spAutoFit/>
+          </a:bodyPr>
+          <a:lstStyle/>
+          <a:p>
+            <a:pPr algn="ctr"/>
+            <a:r>
+              <a:rPr lang="pt-BR" b="1" dirty="0" smtClean="0"/>
+              <a:t>Design </a:t>
+            </a:r>
+            <a:r>
+              <a:rPr lang="pt-BR" b="1" dirty="0" err="1" smtClean="0"/>
+              <a:t>Patterns</a:t>
+            </a:r>
+            <a:r>
+              <a:rPr lang="pt-BR" b="1" dirty="0" smtClean="0"/>
+              <a:t> </a:t>
+            </a:r>
+            <a:br>
+              <a:rPr lang="pt-BR" b="1" dirty="0" smtClean="0"/>
+            </a:br>
+            <a:r>
+              <a:rPr lang="pt-BR" b="1" dirty="0" smtClean="0"/>
+              <a:t>Técnicos</a:t>
+            </a:r>
+            <a:endParaRPr lang="pt-BR" b="1" dirty="0"/>
+          </a:p>
+        </p:txBody>
+      </p:sp>
+      <p:sp>
+        <p:nvSpPr>
+          <p:cNvPr id="16" name="CaixaDeTexto 15"/>
+          <p:cNvSpPr txBox="1"/>
+          <p:nvPr/>
+        </p:nvSpPr>
+        <p:spPr>
+          <a:xfrm>
+            <a:off x="987208" y="1970197"/>
+            <a:ext cx="1963999" cy="646331"/>
+          </a:xfrm>
+          <a:prstGeom prst="rect">
+            <a:avLst/>
+          </a:prstGeom>
+          <a:noFill/>
+        </p:spPr>
+        <p:txBody>
+          <a:bodyPr wrap="none" rtlCol="0">
+            <a:spAutoFit/>
+          </a:bodyPr>
+          <a:lstStyle/>
+          <a:p>
+            <a:pPr algn="ctr"/>
+            <a:r>
+              <a:rPr lang="pt-BR" b="1" dirty="0" smtClean="0"/>
+              <a:t>Aspectos técnicos</a:t>
+            </a:r>
+            <a:br>
+              <a:rPr lang="pt-BR" b="1" dirty="0" smtClean="0"/>
+            </a:br>
+            <a:r>
+              <a:rPr lang="pt-BR" b="1" dirty="0" smtClean="0"/>
+              <a:t>da modelagem</a:t>
+            </a:r>
+            <a:endParaRPr lang="pt-BR" b="1" dirty="0"/>
+          </a:p>
+        </p:txBody>
+      </p:sp>
+      <p:sp>
+        <p:nvSpPr>
+          <p:cNvPr id="17" name="CaixaDeTexto 16"/>
+          <p:cNvSpPr txBox="1"/>
+          <p:nvPr/>
+        </p:nvSpPr>
+        <p:spPr>
+          <a:xfrm>
+            <a:off x="683568" y="5733256"/>
+            <a:ext cx="2571281" cy="646331"/>
+          </a:xfrm>
+          <a:prstGeom prst="rect">
+            <a:avLst/>
+          </a:prstGeom>
+          <a:noFill/>
+        </p:spPr>
+        <p:txBody>
+          <a:bodyPr wrap="none" rtlCol="0">
+            <a:spAutoFit/>
+          </a:bodyPr>
+          <a:lstStyle/>
+          <a:p>
+            <a:pPr algn="ctr"/>
+            <a:r>
+              <a:rPr lang="pt-BR" b="1" dirty="0" smtClean="0"/>
+              <a:t>Termos de negócio que</a:t>
+            </a:r>
+            <a:br>
+              <a:rPr lang="pt-BR" b="1" dirty="0" smtClean="0"/>
+            </a:br>
+            <a:r>
+              <a:rPr lang="pt-BR" b="1" dirty="0" err="1" smtClean="0"/>
+              <a:t>devs</a:t>
+            </a:r>
+            <a:r>
+              <a:rPr lang="pt-BR" b="1" dirty="0" smtClean="0"/>
+              <a:t> não entendem</a:t>
+            </a:r>
+            <a:endParaRPr lang="pt-BR" b="1" dirty="0"/>
           </a:p>
         </p:txBody>
       </p:sp>
     </p:spTree>
     <p:extLst>
       <p:ext uri="{BB962C8B-B14F-4D97-AF65-F5344CB8AC3E}">
-        <p14:creationId xmlns:p14="http://schemas.microsoft.com/office/powerpoint/2010/main" val="630793882"/>
-      </p:ext>
-    </p:extLst>
-  </p:cSld>
-  <p:clrMapOvr>
-    <a:masterClrMapping/>
-  </p:clrMapOvr>
-  <p:timing>
-    <p:tnLst>
-      <p:par>
-        <p:cTn id="1" dur="indefinite" restart="never" nodeType="tmRoot"/>
-      </p:par>
-    </p:tnLst>
-  </p:timing>
-</p:sld>
-</file>
-
-<file path=ppt/slides/slide18.xml><?xml version="1.0" encoding="utf-8"?>
-<p:sld xmlns:a="http://schemas.openxmlformats.org/drawingml/2006/main" xmlns:r="http://schemas.openxmlformats.org/officeDocument/2006/relationships" xmlns:p="http://schemas.openxmlformats.org/presentationml/2006/main">
-  <p:cSld>
-    <p:spTree>
-      <p:nvGrpSpPr>
-        <p:cNvPr id="1" name=""/>
-        <p:cNvGrpSpPr/>
-        <p:nvPr/>
-      </p:nvGrpSpPr>
-      <p:grpSpPr>
-        <a:xfrm>
-          <a:off x="0" y="0"/>
-          <a:ext cx="0" cy="0"/>
-          <a:chOff x="0" y="0"/>
-          <a:chExt cx="0" cy="0"/>
-        </a:xfrm>
-      </p:grpSpPr>
-      <p:sp>
-        <p:nvSpPr>
-          <p:cNvPr id="2" name="Título 1"/>
-          <p:cNvSpPr>
-            <a:spLocks noGrp="1"/>
-          </p:cNvSpPr>
-          <p:nvPr>
-            <p:ph type="title"/>
-          </p:nvPr>
-        </p:nvSpPr>
-        <p:spPr/>
-        <p:txBody>
-          <a:bodyPr/>
-          <a:lstStyle/>
-          <a:p>
-            <a:r>
-              <a:rPr lang="pt-BR" dirty="0" err="1" smtClean="0"/>
-              <a:t>Entities</a:t>
-            </a:r>
-            <a:endParaRPr lang="pt-BR" dirty="0"/>
-          </a:p>
-        </p:txBody>
-      </p:sp>
-      <p:sp>
-        <p:nvSpPr>
-          <p:cNvPr id="3" name="Espaço Reservado para Conteúdo 2"/>
-          <p:cNvSpPr>
-            <a:spLocks noGrp="1"/>
-          </p:cNvSpPr>
-          <p:nvPr>
-            <p:ph idx="1"/>
-          </p:nvPr>
-        </p:nvSpPr>
-        <p:spPr/>
-        <p:txBody>
-          <a:bodyPr/>
-          <a:lstStyle/>
-          <a:p>
-            <a:r>
-              <a:rPr lang="pt-BR" dirty="0" smtClean="0"/>
-              <a:t>Identidade e Estado</a:t>
-            </a:r>
-          </a:p>
-          <a:p>
-            <a:r>
-              <a:rPr lang="pt-BR" dirty="0" smtClean="0"/>
-              <a:t>Persistência</a:t>
-            </a:r>
-            <a:endParaRPr lang="pt-BR" dirty="0"/>
-          </a:p>
-        </p:txBody>
-      </p:sp>
-    </p:spTree>
-    <p:extLst>
-      <p:ext uri="{BB962C8B-B14F-4D97-AF65-F5344CB8AC3E}">
-        <p14:creationId xmlns:p14="http://schemas.microsoft.com/office/powerpoint/2010/main" val="1771237173"/>
-      </p:ext>
-    </p:extLst>
-  </p:cSld>
-  <p:clrMapOvr>
-    <a:masterClrMapping/>
-  </p:clrMapOvr>
-  <p:timing>
-    <p:tnLst>
-      <p:par>
-        <p:cTn id="1" dur="indefinite" restart="never" nodeType="tmRoot"/>
-      </p:par>
-    </p:tnLst>
-  </p:timing>
-</p:sld>
-</file>
-
-<file path=ppt/slides/slide19.xml><?xml version="1.0" encoding="utf-8"?>
-<p:sld xmlns:a="http://schemas.openxmlformats.org/drawingml/2006/main" xmlns:r="http://schemas.openxmlformats.org/officeDocument/2006/relationships" xmlns:p="http://schemas.openxmlformats.org/presentationml/2006/main">
-  <p:cSld>
-    <p:spTree>
-      <p:nvGrpSpPr>
-        <p:cNvPr id="1" name=""/>
-        <p:cNvGrpSpPr/>
-        <p:nvPr/>
-      </p:nvGrpSpPr>
-      <p:grpSpPr>
-        <a:xfrm>
-          <a:off x="0" y="0"/>
-          <a:ext cx="0" cy="0"/>
-          <a:chOff x="0" y="0"/>
-          <a:chExt cx="0" cy="0"/>
-        </a:xfrm>
-      </p:grpSpPr>
-      <p:sp>
-        <p:nvSpPr>
-          <p:cNvPr id="2" name="Título 1"/>
-          <p:cNvSpPr>
-            <a:spLocks noGrp="1"/>
-          </p:cNvSpPr>
-          <p:nvPr>
-            <p:ph type="title"/>
-          </p:nvPr>
-        </p:nvSpPr>
-        <p:spPr/>
-        <p:txBody>
-          <a:bodyPr/>
-          <a:lstStyle/>
-          <a:p>
-            <a:r>
-              <a:rPr lang="pt-BR" dirty="0" err="1" smtClean="0"/>
-              <a:t>Aggregates</a:t>
-            </a:r>
-            <a:endParaRPr lang="pt-BR" dirty="0"/>
-          </a:p>
-        </p:txBody>
-      </p:sp>
-      <p:sp>
-        <p:nvSpPr>
-          <p:cNvPr id="3" name="Espaço Reservado para Conteúdo 2"/>
-          <p:cNvSpPr>
-            <a:spLocks noGrp="1"/>
-          </p:cNvSpPr>
-          <p:nvPr>
-            <p:ph idx="1"/>
-          </p:nvPr>
-        </p:nvSpPr>
-        <p:spPr/>
-        <p:txBody>
-          <a:bodyPr/>
-          <a:lstStyle/>
-          <a:p>
-            <a:endParaRPr lang="pt-BR"/>
-          </a:p>
-        </p:txBody>
-      </p:sp>
-    </p:spTree>
-    <p:extLst>
-      <p:ext uri="{BB962C8B-B14F-4D97-AF65-F5344CB8AC3E}">
-        <p14:creationId xmlns:p14="http://schemas.microsoft.com/office/powerpoint/2010/main" val="738495361"/>
-      </p:ext>
-    </p:extLst>
-  </p:cSld>
-  <p:clrMapOvr>
-    <a:masterClrMapping/>
-  </p:clrMapOvr>
-  <p:timing>
-    <p:tnLst>
-      <p:par>
-        <p:cTn id="1" dur="indefinite" restart="never" nodeType="tmRoot"/>
-      </p:par>
-    </p:tnLst>
-  </p:timing>
-</p:sld>
-</file>
-
-<file path=ppt/slides/slide2.xml><?xml version="1.0" encoding="utf-8"?>
-<p:sld xmlns:a="http://schemas.openxmlformats.org/drawingml/2006/main" xmlns:r="http://schemas.openxmlformats.org/officeDocument/2006/relationships" xmlns:p="http://schemas.openxmlformats.org/presentationml/2006/main">
-  <p:cSld>
-    <p:spTree>
-      <p:nvGrpSpPr>
-        <p:cNvPr id="1" name=""/>
-        <p:cNvGrpSpPr/>
-        <p:nvPr/>
-      </p:nvGrpSpPr>
-      <p:grpSpPr>
-        <a:xfrm>
-          <a:off x="0" y="0"/>
-          <a:ext cx="0" cy="0"/>
-          <a:chOff x="0" y="0"/>
-          <a:chExt cx="0" cy="0"/>
-        </a:xfrm>
-      </p:grpSpPr>
-      <p:sp>
-        <p:nvSpPr>
-          <p:cNvPr id="2" name="Título 1"/>
-          <p:cNvSpPr>
-            <a:spLocks noGrp="1"/>
-          </p:cNvSpPr>
-          <p:nvPr>
-            <p:ph type="title"/>
-          </p:nvPr>
-        </p:nvSpPr>
-        <p:spPr/>
-        <p:txBody>
-          <a:bodyPr/>
-          <a:lstStyle/>
-          <a:p>
-            <a:r>
-              <a:rPr lang="pt-BR" dirty="0" smtClean="0"/>
-              <a:t>Agenda</a:t>
-            </a:r>
-            <a:endParaRPr lang="pt-BR" dirty="0"/>
-          </a:p>
-        </p:txBody>
-      </p:sp>
-      <p:sp>
-        <p:nvSpPr>
-          <p:cNvPr id="3" name="Espaço Reservado para Conteúdo 2"/>
-          <p:cNvSpPr>
-            <a:spLocks noGrp="1"/>
-          </p:cNvSpPr>
-          <p:nvPr>
-            <p:ph idx="1"/>
-          </p:nvPr>
-        </p:nvSpPr>
-        <p:spPr/>
-        <p:txBody>
-          <a:bodyPr/>
-          <a:lstStyle/>
-          <a:p>
-            <a:r>
-              <a:rPr lang="pt-BR" dirty="0" smtClean="0"/>
-              <a:t>O que é DDD?</a:t>
-            </a:r>
-          </a:p>
-          <a:p>
-            <a:r>
-              <a:rPr lang="pt-BR" dirty="0" smtClean="0"/>
-              <a:t>Livros sobre DDD</a:t>
-            </a:r>
-          </a:p>
-          <a:p>
-            <a:r>
-              <a:rPr lang="pt-BR" dirty="0" smtClean="0"/>
-              <a:t>Domínio</a:t>
-            </a:r>
-          </a:p>
-          <a:p>
-            <a:pPr lvl="1"/>
-            <a:r>
-              <a:rPr lang="pt-BR" dirty="0" err="1" smtClean="0"/>
-              <a:t>Code</a:t>
-            </a:r>
-            <a:r>
-              <a:rPr lang="pt-BR" dirty="0" smtClean="0"/>
-              <a:t> Domain</a:t>
-            </a:r>
-          </a:p>
-          <a:p>
-            <a:pPr lvl="1"/>
-            <a:r>
-              <a:rPr lang="pt-BR" dirty="0" smtClean="0"/>
-              <a:t>Tipos de Domínio</a:t>
-            </a:r>
-            <a:endParaRPr lang="pt-BR" dirty="0" smtClean="0"/>
-          </a:p>
-          <a:p>
-            <a:r>
-              <a:rPr lang="pt-BR" dirty="0" smtClean="0"/>
-              <a:t>Estilos </a:t>
-            </a:r>
-            <a:r>
-              <a:rPr lang="pt-BR" dirty="0" smtClean="0"/>
-              <a:t>Arquiteturais</a:t>
-            </a:r>
-          </a:p>
-          <a:p>
-            <a:r>
-              <a:rPr lang="pt-BR" dirty="0" err="1" smtClean="0"/>
-              <a:t>Bounded</a:t>
-            </a:r>
-            <a:r>
-              <a:rPr lang="pt-BR" dirty="0" smtClean="0"/>
-              <a:t> </a:t>
-            </a:r>
-            <a:r>
-              <a:rPr lang="pt-BR" dirty="0" err="1" smtClean="0"/>
-              <a:t>Context</a:t>
-            </a:r>
-            <a:endParaRPr lang="pt-BR" dirty="0" smtClean="0"/>
-          </a:p>
-          <a:p>
-            <a:r>
-              <a:rPr lang="pt-BR" dirty="0" smtClean="0"/>
-              <a:t>Linguagem Ubíqua</a:t>
-            </a:r>
-            <a:endParaRPr lang="pt-BR" dirty="0" smtClean="0"/>
-          </a:p>
-          <a:p>
-            <a:r>
-              <a:rPr lang="pt-BR" dirty="0" err="1" smtClean="0"/>
-              <a:t>Building</a:t>
-            </a:r>
-            <a:r>
-              <a:rPr lang="pt-BR" dirty="0" smtClean="0"/>
-              <a:t> </a:t>
-            </a:r>
-            <a:r>
-              <a:rPr lang="pt-BR" dirty="0" err="1" smtClean="0"/>
-              <a:t>Blocks</a:t>
-            </a:r>
-            <a:endParaRPr lang="pt-BR" dirty="0" smtClean="0"/>
-          </a:p>
-          <a:p>
-            <a:r>
-              <a:rPr lang="pt-BR" dirty="0" smtClean="0"/>
-              <a:t>Perguntas</a:t>
-            </a:r>
-            <a:endParaRPr lang="pt-BR" dirty="0"/>
-          </a:p>
-        </p:txBody>
-      </p:sp>
-    </p:spTree>
-    <p:extLst>
-      <p:ext uri="{BB962C8B-B14F-4D97-AF65-F5344CB8AC3E}">
-        <p14:creationId xmlns:p14="http://schemas.microsoft.com/office/powerpoint/2010/main" val="3954246393"/>
-      </p:ext>
-    </p:extLst>
-  </p:cSld>
-  <p:clrMapOvr>
-    <a:masterClrMapping/>
-  </p:clrMapOvr>
-  <p:timing>
-    <p:tnLst>
-      <p:par>
-        <p:cTn id="1" dur="indefinite" restart="never" nodeType="tmRoot"/>
-      </p:par>
-    </p:tnLst>
-  </p:timing>
-</p:sld>
-</file>
-
-<file path=ppt/slides/slide20.xml><?xml version="1.0" encoding="utf-8"?>
-<p:sld xmlns:a="http://schemas.openxmlformats.org/drawingml/2006/main" xmlns:r="http://schemas.openxmlformats.org/officeDocument/2006/relationships" xmlns:p="http://schemas.openxmlformats.org/presentationml/2006/main">
-  <p:cSld>
-    <p:spTree>
-      <p:nvGrpSpPr>
-        <p:cNvPr id="1" name=""/>
-        <p:cNvGrpSpPr/>
-        <p:nvPr/>
-      </p:nvGrpSpPr>
-      <p:grpSpPr>
-        <a:xfrm>
-          <a:off x="0" y="0"/>
-          <a:ext cx="0" cy="0"/>
-          <a:chOff x="0" y="0"/>
-          <a:chExt cx="0" cy="0"/>
-        </a:xfrm>
-      </p:grpSpPr>
-      <p:sp>
-        <p:nvSpPr>
-          <p:cNvPr id="2" name="Título 1"/>
-          <p:cNvSpPr>
-            <a:spLocks noGrp="1"/>
-          </p:cNvSpPr>
-          <p:nvPr>
-            <p:ph type="title"/>
-          </p:nvPr>
-        </p:nvSpPr>
-        <p:spPr/>
-        <p:txBody>
-          <a:bodyPr/>
-          <a:lstStyle/>
-          <a:p>
-            <a:r>
-              <a:rPr lang="pt-BR" dirty="0" err="1" smtClean="0"/>
-              <a:t>Factories</a:t>
-            </a:r>
-            <a:endParaRPr lang="pt-BR" dirty="0"/>
-          </a:p>
-        </p:txBody>
-      </p:sp>
-      <p:sp>
-        <p:nvSpPr>
-          <p:cNvPr id="3" name="Espaço Reservado para Conteúdo 2"/>
-          <p:cNvSpPr>
-            <a:spLocks noGrp="1"/>
-          </p:cNvSpPr>
-          <p:nvPr>
-            <p:ph idx="1"/>
-          </p:nvPr>
-        </p:nvSpPr>
-        <p:spPr/>
-        <p:txBody>
-          <a:bodyPr/>
-          <a:lstStyle/>
-          <a:p>
-            <a:r>
-              <a:rPr lang="pt-BR" dirty="0" smtClean="0"/>
-              <a:t>Criação de entidades complexas</a:t>
-            </a:r>
-            <a:endParaRPr lang="pt-BR" dirty="0"/>
-          </a:p>
-        </p:txBody>
-      </p:sp>
-    </p:spTree>
-    <p:extLst>
-      <p:ext uri="{BB962C8B-B14F-4D97-AF65-F5344CB8AC3E}">
-        <p14:creationId xmlns:p14="http://schemas.microsoft.com/office/powerpoint/2010/main" val="2987899367"/>
-      </p:ext>
-    </p:extLst>
-  </p:cSld>
-  <p:clrMapOvr>
-    <a:masterClrMapping/>
-  </p:clrMapOvr>
-  <p:timing>
-    <p:tnLst>
-      <p:par>
-        <p:cTn id="1" dur="indefinite" restart="never" nodeType="tmRoot"/>
-      </p:par>
-    </p:tnLst>
-  </p:timing>
-</p:sld>
-</file>
-
-<file path=ppt/slides/slide21.xml><?xml version="1.0" encoding="utf-8"?>
-<p:sld xmlns:a="http://schemas.openxmlformats.org/drawingml/2006/main" xmlns:r="http://schemas.openxmlformats.org/officeDocument/2006/relationships" xmlns:p="http://schemas.openxmlformats.org/presentationml/2006/main">
-  <p:cSld>
-    <p:spTree>
-      <p:nvGrpSpPr>
-        <p:cNvPr id="1" name=""/>
-        <p:cNvGrpSpPr/>
-        <p:nvPr/>
-      </p:nvGrpSpPr>
-      <p:grpSpPr>
-        <a:xfrm>
-          <a:off x="0" y="0"/>
-          <a:ext cx="0" cy="0"/>
-          <a:chOff x="0" y="0"/>
-          <a:chExt cx="0" cy="0"/>
-        </a:xfrm>
-      </p:grpSpPr>
-      <p:sp>
-        <p:nvSpPr>
-          <p:cNvPr id="2" name="Título 1"/>
-          <p:cNvSpPr>
-            <a:spLocks noGrp="1"/>
-          </p:cNvSpPr>
-          <p:nvPr>
-            <p:ph type="title"/>
-          </p:nvPr>
-        </p:nvSpPr>
-        <p:spPr/>
-        <p:txBody>
-          <a:bodyPr/>
-          <a:lstStyle/>
-          <a:p>
-            <a:r>
-              <a:rPr lang="pt-BR" dirty="0" err="1" smtClean="0"/>
-              <a:t>Repositories</a:t>
-            </a:r>
-            <a:endParaRPr lang="pt-BR" dirty="0"/>
-          </a:p>
-        </p:txBody>
-      </p:sp>
-      <p:sp>
-        <p:nvSpPr>
-          <p:cNvPr id="3" name="Espaço Reservado para Conteúdo 2"/>
-          <p:cNvSpPr>
-            <a:spLocks noGrp="1"/>
-          </p:cNvSpPr>
-          <p:nvPr>
-            <p:ph idx="1"/>
-          </p:nvPr>
-        </p:nvSpPr>
-        <p:spPr/>
-        <p:txBody>
-          <a:bodyPr/>
-          <a:lstStyle/>
-          <a:p>
-            <a:r>
-              <a:rPr lang="pt-BR" dirty="0" smtClean="0"/>
-              <a:t>Abstração da camada de persistência</a:t>
-            </a:r>
-          </a:p>
-          <a:p>
-            <a:r>
-              <a:rPr lang="pt-BR" dirty="0" smtClean="0"/>
-              <a:t>Busca de dados</a:t>
-            </a:r>
-            <a:endParaRPr lang="pt-BR" dirty="0"/>
-          </a:p>
-        </p:txBody>
-      </p:sp>
-    </p:spTree>
-    <p:extLst>
-      <p:ext uri="{BB962C8B-B14F-4D97-AF65-F5344CB8AC3E}">
-        <p14:creationId xmlns:p14="http://schemas.microsoft.com/office/powerpoint/2010/main" val="789462074"/>
-      </p:ext>
-    </p:extLst>
-  </p:cSld>
-  <p:clrMapOvr>
-    <a:masterClrMapping/>
-  </p:clrMapOvr>
-  <p:timing>
-    <p:tnLst>
-      <p:par>
-        <p:cTn id="1" dur="indefinite" restart="never" nodeType="tmRoot"/>
-      </p:par>
-    </p:tnLst>
-  </p:timing>
-</p:sld>
-</file>
-
-<file path=ppt/slides/slide22.xml><?xml version="1.0" encoding="utf-8"?>
-<p:sld xmlns:a="http://schemas.openxmlformats.org/drawingml/2006/main" xmlns:r="http://schemas.openxmlformats.org/officeDocument/2006/relationships" xmlns:p="http://schemas.openxmlformats.org/presentationml/2006/main">
-  <p:cSld>
-    <p:spTree>
-      <p:nvGrpSpPr>
-        <p:cNvPr id="1" name=""/>
-        <p:cNvGrpSpPr/>
-        <p:nvPr/>
-      </p:nvGrpSpPr>
-      <p:grpSpPr>
-        <a:xfrm>
-          <a:off x="0" y="0"/>
-          <a:ext cx="0" cy="0"/>
-          <a:chOff x="0" y="0"/>
-          <a:chExt cx="0" cy="0"/>
-        </a:xfrm>
-      </p:grpSpPr>
-      <p:sp>
-        <p:nvSpPr>
-          <p:cNvPr id="2" name="Título 1"/>
-          <p:cNvSpPr>
-            <a:spLocks noGrp="1"/>
-          </p:cNvSpPr>
-          <p:nvPr>
-            <p:ph type="title"/>
-          </p:nvPr>
-        </p:nvSpPr>
-        <p:spPr/>
-        <p:txBody>
-          <a:bodyPr/>
-          <a:lstStyle/>
-          <a:p>
-            <a:r>
-              <a:rPr lang="pt-BR" dirty="0" smtClean="0"/>
-              <a:t>Services</a:t>
-            </a:r>
-            <a:endParaRPr lang="pt-BR" dirty="0"/>
-          </a:p>
-        </p:txBody>
-      </p:sp>
-      <p:sp>
-        <p:nvSpPr>
-          <p:cNvPr id="3" name="Espaço Reservado para Conteúdo 2"/>
-          <p:cNvSpPr>
-            <a:spLocks noGrp="1"/>
-          </p:cNvSpPr>
-          <p:nvPr>
-            <p:ph idx="1"/>
-          </p:nvPr>
-        </p:nvSpPr>
-        <p:spPr/>
-        <p:txBody>
-          <a:bodyPr/>
-          <a:lstStyle/>
-          <a:p>
-            <a:r>
-              <a:rPr lang="pt-BR" dirty="0" smtClean="0"/>
-              <a:t>Serviços de domínio</a:t>
-            </a:r>
-          </a:p>
-          <a:p>
-            <a:r>
-              <a:rPr lang="pt-BR" dirty="0" smtClean="0"/>
-              <a:t>Não guardam estado</a:t>
-            </a:r>
-            <a:endParaRPr lang="pt-BR" dirty="0"/>
-          </a:p>
-        </p:txBody>
-      </p:sp>
-    </p:spTree>
-    <p:extLst>
-      <p:ext uri="{BB962C8B-B14F-4D97-AF65-F5344CB8AC3E}">
-        <p14:creationId xmlns:p14="http://schemas.microsoft.com/office/powerpoint/2010/main" val="3198269696"/>
-      </p:ext>
-    </p:extLst>
-  </p:cSld>
-  <p:clrMapOvr>
-    <a:masterClrMapping/>
-  </p:clrMapOvr>
-  <p:timing>
-    <p:tnLst>
-      <p:par>
-        <p:cTn id="1" dur="indefinite" restart="never" nodeType="tmRoot"/>
-      </p:par>
-    </p:tnLst>
-  </p:timing>
-</p:sld>
-</file>
-
-<file path=ppt/slides/slide23.xml><?xml version="1.0" encoding="utf-8"?>
-<p:sld xmlns:a="http://schemas.openxmlformats.org/drawingml/2006/main" xmlns:r="http://schemas.openxmlformats.org/officeDocument/2006/relationships" xmlns:p="http://schemas.openxmlformats.org/presentationml/2006/main">
-  <p:cSld>
-    <p:spTree>
-      <p:nvGrpSpPr>
-        <p:cNvPr id="1" name=""/>
-        <p:cNvGrpSpPr/>
-        <p:nvPr/>
-      </p:nvGrpSpPr>
-      <p:grpSpPr>
-        <a:xfrm>
-          <a:off x="0" y="0"/>
-          <a:ext cx="0" cy="0"/>
-          <a:chOff x="0" y="0"/>
-          <a:chExt cx="0" cy="0"/>
-        </a:xfrm>
-      </p:grpSpPr>
-      <p:sp>
-        <p:nvSpPr>
-          <p:cNvPr id="2" name="Título 1"/>
-          <p:cNvSpPr>
-            <a:spLocks noGrp="1"/>
-          </p:cNvSpPr>
-          <p:nvPr>
-            <p:ph type="title"/>
-          </p:nvPr>
-        </p:nvSpPr>
-        <p:spPr/>
-        <p:txBody>
-          <a:bodyPr/>
-          <a:lstStyle/>
-          <a:p>
-            <a:r>
-              <a:rPr lang="pt-BR" dirty="0" smtClean="0"/>
-              <a:t>Domain </a:t>
-            </a:r>
-            <a:r>
-              <a:rPr lang="pt-BR" dirty="0" err="1" smtClean="0"/>
-              <a:t>Events</a:t>
-            </a:r>
-            <a:endParaRPr lang="pt-BR" dirty="0"/>
-          </a:p>
-        </p:txBody>
-      </p:sp>
-      <p:sp>
-        <p:nvSpPr>
-          <p:cNvPr id="3" name="Espaço Reservado para Conteúdo 2"/>
-          <p:cNvSpPr>
-            <a:spLocks noGrp="1"/>
-          </p:cNvSpPr>
-          <p:nvPr>
-            <p:ph idx="1"/>
-          </p:nvPr>
-        </p:nvSpPr>
-        <p:spPr/>
-        <p:txBody>
-          <a:bodyPr/>
-          <a:lstStyle/>
-          <a:p>
-            <a:endParaRPr lang="pt-BR"/>
-          </a:p>
-        </p:txBody>
-      </p:sp>
-    </p:spTree>
-    <p:extLst>
-      <p:ext uri="{BB962C8B-B14F-4D97-AF65-F5344CB8AC3E}">
-        <p14:creationId xmlns:p14="http://schemas.microsoft.com/office/powerpoint/2010/main" val="1328286594"/>
-      </p:ext>
-    </p:extLst>
-  </p:cSld>
-  <p:clrMapOvr>
-    <a:masterClrMapping/>
-  </p:clrMapOvr>
-  <p:timing>
-    <p:tnLst>
-      <p:par>
-        <p:cTn id="1" dur="indefinite" restart="never" nodeType="tmRoot"/>
-      </p:par>
-    </p:tnLst>
-  </p:timing>
-</p:sld>
-</file>
-
-<file path=ppt/slides/slide24.xml><?xml version="1.0" encoding="utf-8"?>
-<p:sld xmlns:a="http://schemas.openxmlformats.org/drawingml/2006/main" xmlns:r="http://schemas.openxmlformats.org/officeDocument/2006/relationships" xmlns:p="http://schemas.openxmlformats.org/presentationml/2006/main">
-  <p:cSld>
-    <p:spTree>
-      <p:nvGrpSpPr>
-        <p:cNvPr id="1" name=""/>
-        <p:cNvGrpSpPr/>
-        <p:nvPr/>
-      </p:nvGrpSpPr>
-      <p:grpSpPr>
-        <a:xfrm>
-          <a:off x="0" y="0"/>
-          <a:ext cx="0" cy="0"/>
-          <a:chOff x="0" y="0"/>
-          <a:chExt cx="0" cy="0"/>
-        </a:xfrm>
-      </p:grpSpPr>
-      <p:sp>
-        <p:nvSpPr>
-          <p:cNvPr id="2" name="Título 1"/>
-          <p:cNvSpPr>
-            <a:spLocks noGrp="1"/>
-          </p:cNvSpPr>
-          <p:nvPr>
-            <p:ph type="title"/>
-          </p:nvPr>
-        </p:nvSpPr>
-        <p:spPr/>
-        <p:txBody>
-          <a:bodyPr/>
-          <a:lstStyle/>
-          <a:p>
-            <a:r>
-              <a:rPr lang="pt-BR" dirty="0" err="1" smtClean="0"/>
-              <a:t>Anticorruption</a:t>
-            </a:r>
-            <a:r>
-              <a:rPr lang="pt-BR" dirty="0" smtClean="0"/>
-              <a:t> </a:t>
-            </a:r>
-            <a:r>
-              <a:rPr lang="pt-BR" dirty="0" err="1" smtClean="0"/>
-              <a:t>Layer</a:t>
-            </a:r>
-            <a:endParaRPr lang="pt-BR" dirty="0"/>
-          </a:p>
-        </p:txBody>
-      </p:sp>
-      <p:sp>
-        <p:nvSpPr>
-          <p:cNvPr id="3" name="Espaço Reservado para Conteúdo 2"/>
-          <p:cNvSpPr>
-            <a:spLocks noGrp="1"/>
-          </p:cNvSpPr>
-          <p:nvPr>
-            <p:ph idx="1"/>
-          </p:nvPr>
-        </p:nvSpPr>
-        <p:spPr/>
-        <p:txBody>
-          <a:bodyPr/>
-          <a:lstStyle/>
-          <a:p>
-            <a:endParaRPr lang="pt-BR"/>
-          </a:p>
-        </p:txBody>
-      </p:sp>
-    </p:spTree>
-    <p:extLst>
-      <p:ext uri="{BB962C8B-B14F-4D97-AF65-F5344CB8AC3E}">
-        <p14:creationId xmlns:p14="http://schemas.microsoft.com/office/powerpoint/2010/main" val="2839947608"/>
-      </p:ext>
-    </p:extLst>
-  </p:cSld>
-  <p:clrMapOvr>
-    <a:masterClrMapping/>
-  </p:clrMapOvr>
-  <p:timing>
-    <p:tnLst>
-      <p:par>
-        <p:cTn id="1" dur="indefinite" restart="never" nodeType="tmRoot"/>
-      </p:par>
-    </p:tnLst>
-  </p:timing>
-</p:sld>
-</file>
-
-<file path=ppt/slides/slide25.xml><?xml version="1.0" encoding="utf-8"?>
-<p:sld xmlns:a="http://schemas.openxmlformats.org/drawingml/2006/main" xmlns:r="http://schemas.openxmlformats.org/officeDocument/2006/relationships" xmlns:p="http://schemas.openxmlformats.org/presentationml/2006/main">
-  <p:cSld>
-    <p:spTree>
-      <p:nvGrpSpPr>
-        <p:cNvPr id="1" name=""/>
-        <p:cNvGrpSpPr/>
-        <p:nvPr/>
-      </p:nvGrpSpPr>
-      <p:grpSpPr>
-        <a:xfrm>
-          <a:off x="0" y="0"/>
-          <a:ext cx="0" cy="0"/>
-          <a:chOff x="0" y="0"/>
-          <a:chExt cx="0" cy="0"/>
-        </a:xfrm>
-      </p:grpSpPr>
-      <p:sp>
-        <p:nvSpPr>
-          <p:cNvPr id="2" name="Título 1"/>
-          <p:cNvSpPr>
-            <a:spLocks noGrp="1"/>
-          </p:cNvSpPr>
-          <p:nvPr>
-            <p:ph type="title"/>
-          </p:nvPr>
-        </p:nvSpPr>
-        <p:spPr/>
-        <p:txBody>
-          <a:bodyPr/>
-          <a:lstStyle/>
-          <a:p>
-            <a:r>
-              <a:rPr lang="pt-BR" dirty="0" err="1" smtClean="0"/>
-              <a:t>Dependency</a:t>
-            </a:r>
-            <a:r>
-              <a:rPr lang="pt-BR" dirty="0" smtClean="0"/>
-              <a:t> </a:t>
-            </a:r>
-            <a:r>
-              <a:rPr lang="pt-BR" dirty="0" err="1" smtClean="0"/>
-              <a:t>Inversion</a:t>
-            </a:r>
-            <a:r>
-              <a:rPr lang="pt-BR" dirty="0" smtClean="0"/>
-              <a:t> </a:t>
-            </a:r>
-            <a:r>
-              <a:rPr lang="pt-BR" dirty="0" err="1" smtClean="0"/>
-              <a:t>Principle</a:t>
-            </a:r>
-            <a:endParaRPr lang="en-US" dirty="0"/>
-          </a:p>
-        </p:txBody>
-      </p:sp>
-      <p:sp>
-        <p:nvSpPr>
-          <p:cNvPr id="3" name="Espaço Reservado para Conteúdo 2"/>
-          <p:cNvSpPr>
-            <a:spLocks noGrp="1"/>
-          </p:cNvSpPr>
-          <p:nvPr>
-            <p:ph idx="1"/>
-          </p:nvPr>
-        </p:nvSpPr>
-        <p:spPr/>
-        <p:txBody>
-          <a:bodyPr/>
-          <a:lstStyle/>
-          <a:p>
-            <a:pPr marL="0" indent="0">
-              <a:buNone/>
-            </a:pPr>
-            <a:r>
-              <a:rPr lang="pt-BR" dirty="0" smtClean="0"/>
-              <a:t>“Módulos de mais alto nível não devem depender de módulos de mais baixo nível. Ambos devem depender de abstrações.</a:t>
-            </a:r>
-          </a:p>
-          <a:p>
-            <a:pPr marL="0" indent="0">
-              <a:buNone/>
-            </a:pPr>
-            <a:endParaRPr lang="pt-BR" dirty="0" smtClean="0"/>
-          </a:p>
-          <a:p>
-            <a:pPr marL="0" indent="0">
-              <a:buNone/>
-            </a:pPr>
-            <a:r>
-              <a:rPr lang="pt-BR" dirty="0" smtClean="0"/>
-              <a:t>Abstrações não devem depender de detalhes. Detalhes devem depender de abstrações.”</a:t>
-            </a:r>
-          </a:p>
-          <a:p>
-            <a:endParaRPr lang="pt-BR" dirty="0"/>
-          </a:p>
-          <a:p>
-            <a:pPr marL="0" indent="0" algn="r">
-              <a:buNone/>
-            </a:pPr>
-            <a:r>
-              <a:rPr lang="pt-BR" dirty="0" smtClean="0"/>
-              <a:t>Robert C. Martin</a:t>
-            </a:r>
-            <a:endParaRPr lang="en-US" dirty="0"/>
-          </a:p>
-        </p:txBody>
-      </p:sp>
-    </p:spTree>
-    <p:extLst>
-      <p:ext uri="{BB962C8B-B14F-4D97-AF65-F5344CB8AC3E}">
-        <p14:creationId xmlns:p14="http://schemas.microsoft.com/office/powerpoint/2010/main" val="907276881"/>
-      </p:ext>
-    </p:extLst>
-  </p:cSld>
-  <p:clrMapOvr>
-    <a:masterClrMapping/>
-  </p:clrMapOvr>
-  <p:timing>
-    <p:tnLst>
-      <p:par>
-        <p:cTn id="1" dur="indefinite" restart="never" nodeType="tmRoot"/>
-      </p:par>
-    </p:tnLst>
-  </p:timing>
-</p:sld>
-</file>
-
-<file path=ppt/slides/slide26.xml><?xml version="1.0" encoding="utf-8"?>
-<p:sld xmlns:a="http://schemas.openxmlformats.org/drawingml/2006/main" xmlns:r="http://schemas.openxmlformats.org/officeDocument/2006/relationships" xmlns:p="http://schemas.openxmlformats.org/presentationml/2006/main">
-  <p:cSld>
-    <p:spTree>
-      <p:nvGrpSpPr>
-        <p:cNvPr id="1" name=""/>
-        <p:cNvGrpSpPr/>
-        <p:nvPr/>
-      </p:nvGrpSpPr>
-      <p:grpSpPr>
-        <a:xfrm>
-          <a:off x="0" y="0"/>
-          <a:ext cx="0" cy="0"/>
-          <a:chOff x="0" y="0"/>
-          <a:chExt cx="0" cy="0"/>
-        </a:xfrm>
-      </p:grpSpPr>
-      <p:sp>
-        <p:nvSpPr>
-          <p:cNvPr id="2" name="Título 1"/>
-          <p:cNvSpPr>
-            <a:spLocks noGrp="1"/>
-          </p:cNvSpPr>
-          <p:nvPr>
-            <p:ph type="ctrTitle"/>
-          </p:nvPr>
-        </p:nvSpPr>
-        <p:spPr/>
-        <p:txBody>
-          <a:bodyPr/>
-          <a:lstStyle/>
-          <a:p>
-            <a:r>
-              <a:rPr lang="pt-BR" dirty="0" smtClean="0"/>
-              <a:t>Perguntas</a:t>
-            </a:r>
-            <a:endParaRPr lang="en-US" dirty="0"/>
-          </a:p>
-        </p:txBody>
-      </p:sp>
-      <p:sp>
-        <p:nvSpPr>
-          <p:cNvPr id="4" name="Subtítulo 3"/>
-          <p:cNvSpPr>
-            <a:spLocks noGrp="1"/>
-          </p:cNvSpPr>
-          <p:nvPr>
-            <p:ph type="subTitle" idx="1"/>
-          </p:nvPr>
-        </p:nvSpPr>
-        <p:spPr/>
-        <p:txBody>
-          <a:bodyPr/>
-          <a:lstStyle/>
-          <a:p>
-            <a:endParaRPr lang="pt-BR"/>
-          </a:p>
-        </p:txBody>
-      </p:sp>
-    </p:spTree>
-    <p:extLst>
-      <p:ext uri="{BB962C8B-B14F-4D97-AF65-F5344CB8AC3E}">
-        <p14:creationId xmlns:p14="http://schemas.microsoft.com/office/powerpoint/2010/main" val="3621802611"/>
-      </p:ext>
-    </p:extLst>
-  </p:cSld>
-  <p:clrMapOvr>
-    <a:masterClrMapping/>
-  </p:clrMapOvr>
-  <p:timing>
-    <p:tnLst>
-      <p:par>
-        <p:cTn id="1" dur="indefinite" restart="never" nodeType="tmRoot"/>
-      </p:par>
-    </p:tnLst>
-  </p:timing>
-</p:sld>
-</file>
-
-<file path=ppt/slides/slide27.xml><?xml version="1.0" encoding="utf-8"?>
-<p:sld xmlns:a="http://schemas.openxmlformats.org/drawingml/2006/main" xmlns:r="http://schemas.openxmlformats.org/officeDocument/2006/relationships" xmlns:p="http://schemas.openxmlformats.org/presentationml/2006/main">
-  <p:cSld>
-    <p:spTree>
-      <p:nvGrpSpPr>
-        <p:cNvPr id="1" name=""/>
-        <p:cNvGrpSpPr/>
-        <p:nvPr/>
-      </p:nvGrpSpPr>
-      <p:grpSpPr>
-        <a:xfrm>
-          <a:off x="0" y="0"/>
-          <a:ext cx="0" cy="0"/>
-          <a:chOff x="0" y="0"/>
-          <a:chExt cx="0" cy="0"/>
-        </a:xfrm>
-      </p:grpSpPr>
-      <p:sp>
-        <p:nvSpPr>
-          <p:cNvPr id="2" name="Título 1"/>
-          <p:cNvSpPr>
-            <a:spLocks noGrp="1"/>
-          </p:cNvSpPr>
-          <p:nvPr>
-            <p:ph type="title"/>
-          </p:nvPr>
-        </p:nvSpPr>
-        <p:spPr/>
-        <p:txBody>
-          <a:bodyPr/>
-          <a:lstStyle/>
-          <a:p>
-            <a:r>
-              <a:rPr lang="pt-BR" dirty="0" smtClean="0"/>
-              <a:t>Referências</a:t>
-            </a:r>
-            <a:endParaRPr lang="pt-BR" dirty="0"/>
-          </a:p>
-        </p:txBody>
-      </p:sp>
-      <p:sp>
-        <p:nvSpPr>
-          <p:cNvPr id="3" name="Espaço Reservado para Conteúdo 2"/>
-          <p:cNvSpPr>
-            <a:spLocks noGrp="1"/>
-          </p:cNvSpPr>
-          <p:nvPr>
-            <p:ph idx="1"/>
-          </p:nvPr>
-        </p:nvSpPr>
-        <p:spPr/>
-        <p:txBody>
-          <a:bodyPr>
-            <a:normAutofit/>
-          </a:bodyPr>
-          <a:lstStyle/>
-          <a:p>
-            <a:r>
-              <a:rPr lang="pt-BR" dirty="0" smtClean="0"/>
-              <a:t>The </a:t>
-            </a:r>
-            <a:r>
-              <a:rPr lang="pt-BR" dirty="0" err="1" smtClean="0"/>
-              <a:t>Principles</a:t>
-            </a:r>
-            <a:r>
-              <a:rPr lang="pt-BR" dirty="0" smtClean="0"/>
-              <a:t> </a:t>
-            </a:r>
-            <a:r>
-              <a:rPr lang="pt-BR" dirty="0" err="1" smtClean="0"/>
-              <a:t>of</a:t>
-            </a:r>
-            <a:r>
-              <a:rPr lang="pt-BR" dirty="0" smtClean="0"/>
-              <a:t> OOD</a:t>
-            </a:r>
-            <a:br>
-              <a:rPr lang="pt-BR" dirty="0" smtClean="0"/>
-            </a:br>
-            <a:r>
-              <a:rPr lang="pt-BR" dirty="0">
-                <a:hlinkClick r:id="rId2"/>
-              </a:rPr>
-              <a:t>https://</a:t>
-            </a:r>
-            <a:r>
-              <a:rPr lang="pt-BR" dirty="0" smtClean="0">
-                <a:hlinkClick r:id="rId2"/>
-              </a:rPr>
-              <a:t>www.slideshare.net/WEBtlak/introduction-to-ddd-adam-tipk</a:t>
-            </a:r>
-            <a:endParaRPr lang="pt-BR" dirty="0" smtClean="0"/>
-          </a:p>
-          <a:p>
-            <a:r>
-              <a:rPr lang="en-US" dirty="0"/>
-              <a:t>Domain-Driven Design at </a:t>
-            </a:r>
-            <a:r>
-              <a:rPr lang="en-US" dirty="0" err="1"/>
-              <a:t>ZendCon</a:t>
-            </a:r>
-            <a:r>
-              <a:rPr lang="en-US" dirty="0"/>
-              <a:t> </a:t>
-            </a:r>
-            <a:r>
-              <a:rPr lang="en-US" dirty="0" smtClean="0"/>
-              <a:t>2012</a:t>
-            </a:r>
-            <a:br>
-              <a:rPr lang="en-US" dirty="0" smtClean="0"/>
-            </a:br>
-            <a:r>
-              <a:rPr lang="pt-BR" dirty="0" smtClean="0">
-                <a:hlinkClick r:id="rId3"/>
-              </a:rPr>
-              <a:t>http://bradley-holt.com/2012/11/domain-driven-design-at-zendcon-2012/</a:t>
-            </a:r>
-            <a:endParaRPr lang="pt-BR" dirty="0" smtClean="0"/>
-          </a:p>
-        </p:txBody>
-      </p:sp>
-    </p:spTree>
-    <p:extLst>
-      <p:ext uri="{BB962C8B-B14F-4D97-AF65-F5344CB8AC3E}">
-        <p14:creationId xmlns:p14="http://schemas.microsoft.com/office/powerpoint/2010/main" val="673801753"/>
-      </p:ext>
-    </p:extLst>
-  </p:cSld>
-  <p:clrMapOvr>
-    <a:masterClrMapping/>
-  </p:clrMapOvr>
-  <p:timing>
-    <p:tnLst>
-      <p:par>
-        <p:cTn id="1" dur="indefinite" restart="never" nodeType="tmRoot"/>
-      </p:par>
-    </p:tnLst>
-  </p:timing>
-</p:sld>
-</file>
-
-<file path=ppt/slides/slide3.xml><?xml version="1.0" encoding="utf-8"?>
-<p:sld xmlns:a="http://schemas.openxmlformats.org/drawingml/2006/main" xmlns:r="http://schemas.openxmlformats.org/officeDocument/2006/relationships" xmlns:p="http://schemas.openxmlformats.org/presentationml/2006/main">
-  <p:cSld>
-    <p:spTree>
-      <p:nvGrpSpPr>
-        <p:cNvPr id="1" name=""/>
-        <p:cNvGrpSpPr/>
-        <p:nvPr/>
-      </p:nvGrpSpPr>
-      <p:grpSpPr>
-        <a:xfrm>
-          <a:off x="0" y="0"/>
-          <a:ext cx="0" cy="0"/>
-          <a:chOff x="0" y="0"/>
-          <a:chExt cx="0" cy="0"/>
-        </a:xfrm>
-      </p:grpSpPr>
-      <p:sp>
-        <p:nvSpPr>
-          <p:cNvPr id="2" name="Título 1"/>
-          <p:cNvSpPr>
-            <a:spLocks noGrp="1"/>
-          </p:cNvSpPr>
-          <p:nvPr>
-            <p:ph type="title"/>
-          </p:nvPr>
-        </p:nvSpPr>
-        <p:spPr/>
-        <p:txBody>
-          <a:bodyPr/>
-          <a:lstStyle/>
-          <a:p>
-            <a:r>
-              <a:rPr lang="pt-BR" dirty="0" smtClean="0"/>
-              <a:t>O que é DDD?</a:t>
-            </a:r>
-            <a:endParaRPr lang="pt-BR" dirty="0"/>
-          </a:p>
-        </p:txBody>
-      </p:sp>
-      <p:sp>
-        <p:nvSpPr>
-          <p:cNvPr id="3" name="Espaço Reservado para Conteúdo 2"/>
-          <p:cNvSpPr>
-            <a:spLocks noGrp="1"/>
-          </p:cNvSpPr>
-          <p:nvPr>
-            <p:ph idx="1"/>
-          </p:nvPr>
-        </p:nvSpPr>
-        <p:spPr/>
-        <p:txBody>
-          <a:bodyPr/>
-          <a:lstStyle/>
-          <a:p>
-            <a:r>
-              <a:rPr lang="pt-BR" dirty="0" smtClean="0"/>
-              <a:t>É sobre uma o desenvolvimento de linguagem ubíqua explicitamente em um </a:t>
-            </a:r>
-            <a:r>
-              <a:rPr lang="pt-BR" dirty="0" err="1" smtClean="0"/>
-              <a:t>Bounded</a:t>
-            </a:r>
-            <a:r>
-              <a:rPr lang="pt-BR" dirty="0" smtClean="0"/>
-              <a:t> </a:t>
-            </a:r>
-            <a:r>
-              <a:rPr lang="pt-BR" dirty="0" err="1" smtClean="0"/>
-              <a:t>Context</a:t>
-            </a:r>
-            <a:r>
-              <a:rPr lang="pt-BR" dirty="0" smtClean="0"/>
-              <a:t>.</a:t>
-            </a:r>
-          </a:p>
-          <a:p>
-            <a:r>
-              <a:rPr lang="pt-BR" dirty="0" smtClean="0"/>
-              <a:t>Uma esfera de conhecimento.</a:t>
-            </a:r>
-          </a:p>
-          <a:p>
-            <a:r>
-              <a:rPr lang="pt-BR" dirty="0" smtClean="0"/>
-              <a:t>Modelos evoluem </a:t>
-            </a:r>
-            <a:r>
-              <a:rPr lang="pt-BR" dirty="0" err="1" smtClean="0"/>
-              <a:t>colaborativamente</a:t>
-            </a:r>
-            <a:r>
-              <a:rPr lang="pt-BR" dirty="0" smtClean="0"/>
-              <a:t> entre especialistas de domínio e desenvolvedores.</a:t>
-            </a:r>
-          </a:p>
-          <a:p>
-            <a:r>
-              <a:rPr lang="pt-BR" dirty="0" smtClean="0"/>
-              <a:t>Foco no Domínio</a:t>
-            </a:r>
-          </a:p>
-          <a:p>
-            <a:r>
-              <a:rPr lang="pt-BR" dirty="0" smtClean="0"/>
-              <a:t>A complexidade está no Domínio e não na tecnologia</a:t>
-            </a:r>
-          </a:p>
-          <a:p>
-            <a:endParaRPr lang="pt-BR" dirty="0"/>
-          </a:p>
-        </p:txBody>
-      </p:sp>
-    </p:spTree>
-    <p:extLst>
-      <p:ext uri="{BB962C8B-B14F-4D97-AF65-F5344CB8AC3E}">
-        <p14:creationId xmlns:p14="http://schemas.microsoft.com/office/powerpoint/2010/main" val="3888737136"/>
+        <p14:creationId xmlns:p14="http://schemas.microsoft.com/office/powerpoint/2010/main" val="1843025178"/>
       </p:ext>
     </p:extLst>
   </p:cSld>
@@ -11910,7 +13687,7 @@
                             </p:stCondLst>
                             <p:childTnLst>
                               <p:par>
-                                <p:cTn id="5" presetID="1" presetClass="entr" presetSubtype="0" fill="hold" nodeType="clickEffect">
+                                <p:cTn id="5" presetID="1" presetClass="entr" presetSubtype="0" fill="hold" grpId="0" nodeType="clickEffect">
                                   <p:stCondLst>
                                     <p:cond delay="0"/>
                                   </p:stCondLst>
@@ -11923,11 +13700,7 @@
                                           </p:stCondLst>
                                         </p:cTn>
                                         <p:tgtEl>
-                                          <p:spTgt spid="3">
-                                            <p:txEl>
-                                              <p:pRg st="1" end="1"/>
-                                            </p:txEl>
-                                          </p:spTgt>
+                                          <p:spTgt spid="17"/>
                                         </p:tgtEl>
                                         <p:attrNameLst>
                                           <p:attrName>style.visibility</p:attrName>
@@ -11940,26 +13713,35 @@
                                   </p:childTnLst>
                                 </p:cTn>
                               </p:par>
-                            </p:childTnLst>
-                          </p:cTn>
-                        </p:par>
-                      </p:childTnLst>
-                    </p:cTn>
-                  </p:par>
-                  <p:par>
-                    <p:cTn id="7" fill="hold">
-                      <p:stCondLst>
-                        <p:cond delay="indefinite"/>
-                      </p:stCondLst>
-                      <p:childTnLst>
-                        <p:par>
-                          <p:cTn id="8" fill="hold">
-                            <p:stCondLst>
-                              <p:cond delay="0"/>
-                            </p:stCondLst>
-                            <p:childTnLst>
                               <p:par>
-                                <p:cTn id="9" presetID="1" presetClass="entr" presetSubtype="0" fill="hold" nodeType="clickEffect">
+                                <p:cTn id="7" presetID="1" presetClass="entr" presetSubtype="0" fill="hold" grpId="0" nodeType="withEffect">
+                                  <p:stCondLst>
+                                    <p:cond delay="0"/>
+                                  </p:stCondLst>
+                                  <p:childTnLst>
+                                    <p:set>
+                                      <p:cBhvr>
+                                        <p:cTn id="8" dur="1" fill="hold">
+                                          <p:stCondLst>
+                                            <p:cond delay="0"/>
+                                          </p:stCondLst>
+                                        </p:cTn>
+                                        <p:tgtEl>
+                                          <p:spTgt spid="16"/>
+                                        </p:tgtEl>
+                                        <p:attrNameLst>
+                                          <p:attrName>style.visibility</p:attrName>
+                                        </p:attrNameLst>
+                                      </p:cBhvr>
+                                      <p:to>
+                                        <p:strVal val="visible"/>
+                                      </p:to>
+                                    </p:set>
+                                  </p:childTnLst>
+                                </p:cTn>
+                              </p:par>
+                              <p:par>
+                                <p:cTn id="9" presetID="1" presetClass="entr" presetSubtype="0" fill="hold" grpId="0" nodeType="withEffect">
                                   <p:stCondLst>
                                     <p:cond delay="0"/>
                                   </p:stCondLst>
@@ -11972,11 +13754,7 @@
                                           </p:stCondLst>
                                         </p:cTn>
                                         <p:tgtEl>
-                                          <p:spTgt spid="3">
-                                            <p:txEl>
-                                              <p:pRg st="2" end="2"/>
-                                            </p:txEl>
-                                          </p:spTgt>
+                                          <p:spTgt spid="14"/>
                                         </p:tgtEl>
                                         <p:attrNameLst>
                                           <p:attrName>style.visibility</p:attrName>
@@ -11989,92 +13767,21 @@
                                   </p:childTnLst>
                                 </p:cTn>
                               </p:par>
-                            </p:childTnLst>
-                          </p:cTn>
-                        </p:par>
-                      </p:childTnLst>
-                    </p:cTn>
-                  </p:par>
-                  <p:par>
-                    <p:cTn id="11" fill="hold">
-                      <p:stCondLst>
-                        <p:cond delay="indefinite"/>
-                      </p:stCondLst>
-                      <p:childTnLst>
-                        <p:par>
-                          <p:cTn id="12" fill="hold">
-                            <p:stCondLst>
-                              <p:cond delay="0"/>
-                            </p:stCondLst>
-                            <p:childTnLst>
                               <p:par>
-                                <p:cTn id="13" presetID="1" presetClass="entr" presetSubtype="0" fill="hold" nodeType="clickEffect">
+                                <p:cTn id="11" presetID="1" presetClass="entr" presetSubtype="0" fill="hold" grpId="0" nodeType="withEffect">
                                   <p:stCondLst>
                                     <p:cond delay="0"/>
                                   </p:stCondLst>
                                   <p:childTnLst>
                                     <p:set>
                                       <p:cBhvr>
-                                        <p:cTn id="14" dur="1" fill="hold">
+                                        <p:cTn id="12" dur="1" fill="hold">
                                           <p:stCondLst>
                                             <p:cond delay="0"/>
                                           </p:stCondLst>
                                         </p:cTn>
                                         <p:tgtEl>
-                                          <p:spTgt spid="3">
-                                            <p:txEl>
-                                              <p:pRg st="3" end="3"/>
-                                            </p:txEl>
-                                          </p:spTgt>
-                                        </p:tgtEl>
-                                        <p:attrNameLst>
-                                          <p:attrName>style.visibility</p:attrName>
-                                        </p:attrNameLst>
-                                      </p:cBhvr>
-                                      <p:to>
-                                        <p:strVal val="visible"/>
-                                      </p:to>
-                                    </p:set>
-                                  </p:childTnLst>
-                                </p:cTn>
-                              </p:par>
-                            </p:childTnLst>
-                          </p:cTn>
-                        </p:par>
-                      </p:childTnLst>
-                    </p:cTn>
-                  </p:par>
-                  <p:par>
-                    <p:cTn id="15" fill="hold">
-                      <p:stCondLst>
-                        <p:cond delay="indefinite"/>
-                      </p:stCondLst>
-                      <p:childTnLst>
-                        <p:par>
-                          <p:cTn id="16" fill="hold">
-                            <p:stCondLst>
-                              <p:cond delay="0"/>
-                            </p:stCondLst>
-                            <p:childTnLst>
-                              <p:par>
-                                <p:cTn id="17" presetID="1" presetClass="entr" presetSubtype="0" fill="hold" nodeType="clickEffect">
-                                  <p:stCondLst>
-                                    <p:cond delay="0"/>
-                                  </p:stCondLst>
-                                  <p:childTnLst>
-                                    <p:set>
-                                      <p:cBhvr>
-                                        <p:cTn id="18" dur="1" fill="hold">
-                                          <p:stCondLst>
-                                            <p:cond delay="0"/>
-                                          </p:stCondLst>
-                                        </p:cTn>
-                                        <p:tgtEl>
-                                          <p:spTgt spid="3">
-                                            <p:txEl>
-                                              <p:pRg st="4" end="4"/>
-                                            </p:txEl>
-                                          </p:spTgt>
+                                          <p:spTgt spid="15"/>
                                         </p:tgtEl>
                                         <p:attrNameLst>
                                           <p:attrName>style.visibility</p:attrName>
@@ -12114,13 +13821,29 @@
         </p:cTn>
       </p:par>
     </p:tnLst>
+    <p:bldLst>
+      <p:bldP spid="14" grpId="0"/>
+      <p:bldP spid="15" grpId="0"/>
+      <p:bldP spid="16" grpId="0"/>
+      <p:bldP spid="17" grpId="0"/>
+    </p:bldLst>
   </p:timing>
 </p:sld>
 </file>
 
-<file path=ppt/slides/slide4.xml><?xml version="1.0" encoding="utf-8"?>
+<file path=ppt/slides/slide6.xml><?xml version="1.0" encoding="utf-8"?>
 <p:sld xmlns:a="http://schemas.openxmlformats.org/drawingml/2006/main" xmlns:r="http://schemas.openxmlformats.org/officeDocument/2006/relationships" xmlns:p="http://schemas.openxmlformats.org/presentationml/2006/main">
   <p:cSld>
+    <p:bg>
+      <p:bgPr>
+        <a:solidFill>
+          <a:srgbClr val="0070C0">
+            <a:alpha val="0"/>
+          </a:srgbClr>
+        </a:solidFill>
+        <a:effectLst/>
+      </p:bgPr>
+    </p:bg>
     <p:spTree>
       <p:nvGrpSpPr>
         <p:cNvPr id="1" name=""/>
@@ -12151,55 +13874,72 @@
           <a:lstStyle/>
           <a:p>
             <a:r>
-              <a:rPr lang="pt-BR" dirty="0" smtClean="0"/>
-              <a:t>Livros sobre DDD </a:t>
-            </a:r>
-            <a:endParaRPr lang="pt-BR" dirty="0"/>
-          </a:p>
-        </p:txBody>
-      </p:sp>
-      <p:sp>
-        <p:nvSpPr>
-          <p:cNvPr id="4" name="AutoShape 2" descr="https://images-na.ssl-images-amazon.com/images/I/5146azDZjmL._SX358_BO1,204,203,200_.jpg"/>
-          <p:cNvSpPr>
-            <a:spLocks noChangeAspect="1" noChangeArrowheads="1"/>
-          </p:cNvSpPr>
+              <a:rPr lang="pt-BR" dirty="0" err="1" smtClean="0">
+                <a:solidFill>
+                  <a:schemeClr val="bg1"/>
+                </a:solidFill>
+              </a:rPr>
+              <a:t>Bounded</a:t>
+            </a:r>
+            <a:r>
+              <a:rPr lang="pt-BR" dirty="0" smtClean="0">
+                <a:solidFill>
+                  <a:schemeClr val="bg1"/>
+                </a:solidFill>
+              </a:rPr>
+              <a:t> </a:t>
+            </a:r>
+            <a:r>
+              <a:rPr lang="pt-BR" dirty="0" err="1" smtClean="0">
+                <a:solidFill>
+                  <a:schemeClr val="bg1"/>
+                </a:solidFill>
+              </a:rPr>
+              <a:t>Context</a:t>
+            </a:r>
+            <a:endParaRPr lang="pt-BR" dirty="0">
+              <a:solidFill>
+                <a:schemeClr val="bg1"/>
+              </a:solidFill>
+            </a:endParaRPr>
+          </a:p>
+        </p:txBody>
+      </p:sp>
+      <p:sp>
+        <p:nvSpPr>
+          <p:cNvPr id="4" name="Retângulo 3"/>
+          <p:cNvSpPr/>
           <p:nvPr/>
         </p:nvSpPr>
-        <p:spPr bwMode="auto">
+        <p:spPr>
           <a:xfrm>
-            <a:off x="155575" y="-144463"/>
-            <a:ext cx="304800" cy="304801"/>
+            <a:off x="33755" y="6462628"/>
+            <a:ext cx="6854500" cy="369332"/>
           </a:xfrm>
           <a:prstGeom prst="rect">
             <a:avLst/>
           </a:prstGeom>
-          <a:noFill/>
-          <a:extLst>
-            <a:ext uri="{909E8E84-426E-40DD-AFC4-6F175D3DCCD1}">
-              <a14:hiddenFill xmlns:a14="http://schemas.microsoft.com/office/drawing/2010/main">
+        </p:spPr>
+        <p:txBody>
+          <a:bodyPr wrap="square">
+            <a:spAutoFit/>
+          </a:bodyPr>
+          <a:lstStyle/>
+          <a:p>
+            <a:r>
+              <a:rPr lang="pt-BR" u="sng" dirty="0">
                 <a:solidFill>
-                  <a:srgbClr val="FFFFFF"/>
+                  <a:schemeClr val="bg1"/>
                 </a:solidFill>
-              </a14:hiddenFill>
-            </a:ext>
-          </a:extLst>
-        </p:spPr>
-        <p:txBody>
-          <a:bodyPr vert="horz" wrap="square" lIns="91440" tIns="45720" rIns="91440" bIns="45720" numCol="1" anchor="t" anchorCtr="0" compatLnSpc="1">
-            <a:prstTxWarp prst="textNoShape">
-              <a:avLst/>
-            </a:prstTxWarp>
-          </a:bodyPr>
-          <a:lstStyle/>
-          <a:p>
-            <a:endParaRPr lang="pt-BR"/>
+              </a:rPr>
+              <a:t>https://martinfowler.com/bliki/BoundedContext.html</a:t>
+            </a:r>
           </a:p>
         </p:txBody>
       </p:sp>
       <p:pic>
         <p:nvPicPr>
-          <p:cNvPr id="3075" name="Picture 3" descr="C:\git\jambo\docs\DDD\51eO0EhGY3L._SX387_BO1,204,203,200_.jpg"/>
+          <p:cNvPr id="2051" name="Picture 3"/>
           <p:cNvPicPr>
             <a:picLocks noChangeAspect="1" noChangeArrowheads="1"/>
           </p:cNvPicPr>
@@ -12220,102 +13960,33 @@
         </p:blipFill>
         <p:spPr bwMode="auto">
           <a:xfrm>
-            <a:off x="5889951" y="2204864"/>
-            <a:ext cx="2357823" cy="3024560"/>
+            <a:off x="1001818" y="1612164"/>
+            <a:ext cx="7351713" cy="4552950"/>
           </a:xfrm>
           <a:prstGeom prst="rect">
             <a:avLst/>
           </a:prstGeom>
           <a:noFill/>
+          <a:ln>
+            <a:noFill/>
+          </a:ln>
           <a:extLst>
             <a:ext uri="{909E8E84-426E-40DD-AFC4-6F175D3DCCD1}">
               <a14:hiddenFill xmlns:a14="http://schemas.microsoft.com/office/drawing/2010/main">
                 <a:solidFill>
-                  <a:srgbClr val="FFFFFF"/>
+                  <a:schemeClr val="accent1"/>
                 </a:solidFill>
               </a14:hiddenFill>
             </a:ext>
-          </a:extLst>
-        </p:spPr>
-      </p:pic>
-      <p:pic>
-        <p:nvPicPr>
-          <p:cNvPr id="3076" name="Picture 4" descr="C:\git\jambo\docs\DDD\51sZW87slRL._SX375_BO1,204,203,200_.jpg"/>
-          <p:cNvPicPr>
-            <a:picLocks noChangeAspect="1" noChangeArrowheads="1"/>
-          </p:cNvPicPr>
-          <p:nvPr/>
-        </p:nvPicPr>
-        <p:blipFill>
-          <a:blip r:embed="rId3">
-            <a:extLst>
-              <a:ext uri="{28A0092B-C50C-407E-A947-70E740481C1C}">
-                <a14:useLocalDpi xmlns:a14="http://schemas.microsoft.com/office/drawing/2010/main" val="0"/>
-              </a:ext>
-            </a:extLst>
-          </a:blip>
-          <a:srcRect/>
-          <a:stretch>
-            <a:fillRect/>
-          </a:stretch>
-        </p:blipFill>
-        <p:spPr bwMode="auto">
-          <a:xfrm>
-            <a:off x="1039503" y="2204864"/>
-            <a:ext cx="2285088" cy="3024560"/>
-          </a:xfrm>
-          <a:prstGeom prst="rect">
-            <a:avLst/>
-          </a:prstGeom>
-          <a:noFill/>
-          <a:extLst>
-            <a:ext uri="{909E8E84-426E-40DD-AFC4-6F175D3DCCD1}">
-              <a14:hiddenFill xmlns:a14="http://schemas.microsoft.com/office/drawing/2010/main">
+            <a:ext uri="{91240B29-F687-4F45-9708-019B960494DF}">
+              <a14:hiddenLine xmlns:a14="http://schemas.microsoft.com/office/drawing/2010/main" w="9525">
                 <a:solidFill>
-                  <a:srgbClr val="FFFFFF"/>
+                  <a:schemeClr val="tx1"/>
                 </a:solidFill>
-              </a14:hiddenFill>
-            </a:ext>
-          </a:extLst>
-        </p:spPr>
-      </p:pic>
-      <p:pic>
-        <p:nvPicPr>
-          <p:cNvPr id="3077" name="Picture 5" descr="C:\git\jambo\docs\DDD\5146azDZjmL._SX358_BO1,204,203,200_.jpg"/>
-          <p:cNvPicPr>
-            <a:picLocks noChangeAspect="1" noChangeArrowheads="1"/>
-          </p:cNvPicPr>
-          <p:nvPr/>
-        </p:nvPicPr>
-        <p:blipFill>
-          <a:blip r:embed="rId4">
-            <a:extLst>
-              <a:ext uri="{28A0092B-C50C-407E-A947-70E740481C1C}">
-                <a14:useLocalDpi xmlns:a14="http://schemas.microsoft.com/office/drawing/2010/main" val="0"/>
-              </a:ext>
-            </a:extLst>
-          </a:blip>
-          <a:srcRect/>
-          <a:stretch>
-            <a:fillRect/>
-          </a:stretch>
-        </p:blipFill>
-        <p:spPr bwMode="auto">
-          <a:xfrm>
-            <a:off x="3516248" y="2204864"/>
-            <a:ext cx="2182047" cy="3024560"/>
-          </a:xfrm>
-          <a:prstGeom prst="rect">
-            <a:avLst/>
-          </a:prstGeom>
-          <a:noFill/>
-          <a:extLst>
-            <a:ext uri="{909E8E84-426E-40DD-AFC4-6F175D3DCCD1}">
-              <a14:hiddenFill xmlns:a14="http://schemas.microsoft.com/office/drawing/2010/main">
-                <a:solidFill>
-                  <a:srgbClr val="FFFFFF"/>
-                </a:solidFill>
-              </a14:hiddenFill>
+                <a:miter lim="800000"/>
+                <a:headEnd/>
+                <a:tailEnd/>
+              </a14:hiddenLine>
             </a:ext>
           </a:extLst>
         </p:spPr>
@@ -12323,181 +13994,7 @@
     </p:spTree>
     <p:extLst>
       <p:ext uri="{BB962C8B-B14F-4D97-AF65-F5344CB8AC3E}">
-        <p14:creationId xmlns:p14="http://schemas.microsoft.com/office/powerpoint/2010/main" val="477368123"/>
-      </p:ext>
-    </p:extLst>
-  </p:cSld>
-  <p:clrMapOvr>
-    <a:masterClrMapping/>
-  </p:clrMapOvr>
-  <p:timing>
-    <p:tnLst>
-      <p:par>
-        <p:cTn id="1" dur="indefinite" restart="never" nodeType="tmRoot"/>
-      </p:par>
-    </p:tnLst>
-  </p:timing>
-</p:sld>
-</file>
-
-<file path=ppt/slides/slide5.xml><?xml version="1.0" encoding="utf-8"?>
-<p:sld xmlns:a="http://schemas.openxmlformats.org/drawingml/2006/main" xmlns:r="http://schemas.openxmlformats.org/officeDocument/2006/relationships" xmlns:p="http://schemas.openxmlformats.org/presentationml/2006/main">
-  <p:cSld>
-    <p:spTree>
-      <p:nvGrpSpPr>
-        <p:cNvPr id="1" name=""/>
-        <p:cNvGrpSpPr/>
-        <p:nvPr/>
-      </p:nvGrpSpPr>
-      <p:grpSpPr>
-        <a:xfrm>
-          <a:off x="0" y="0"/>
-          <a:ext cx="0" cy="0"/>
-          <a:chOff x="0" y="0"/>
-          <a:chExt cx="0" cy="0"/>
-        </a:xfrm>
-      </p:grpSpPr>
-      <p:sp>
-        <p:nvSpPr>
-          <p:cNvPr id="2" name="Título 1"/>
-          <p:cNvSpPr>
-            <a:spLocks noGrp="1"/>
-          </p:cNvSpPr>
-          <p:nvPr>
-            <p:ph type="ctrTitle"/>
-          </p:nvPr>
-        </p:nvSpPr>
-        <p:spPr/>
-        <p:txBody>
-          <a:bodyPr/>
-          <a:lstStyle/>
-          <a:p>
-            <a:r>
-              <a:rPr lang="pt-BR" dirty="0" smtClean="0"/>
-              <a:t>Domínio</a:t>
-            </a:r>
-            <a:endParaRPr lang="en-US" dirty="0"/>
-          </a:p>
-        </p:txBody>
-      </p:sp>
-      <p:sp>
-        <p:nvSpPr>
-          <p:cNvPr id="4" name="Subtítulo 3"/>
-          <p:cNvSpPr>
-            <a:spLocks noGrp="1"/>
-          </p:cNvSpPr>
-          <p:nvPr>
-            <p:ph type="subTitle" idx="1"/>
-          </p:nvPr>
-        </p:nvSpPr>
-        <p:spPr/>
-        <p:txBody>
-          <a:bodyPr/>
-          <a:lstStyle/>
-          <a:p>
-            <a:endParaRPr lang="en-US"/>
-          </a:p>
-        </p:txBody>
-      </p:sp>
-    </p:spTree>
-    <p:extLst>
-      <p:ext uri="{BB962C8B-B14F-4D97-AF65-F5344CB8AC3E}">
-        <p14:creationId xmlns:p14="http://schemas.microsoft.com/office/powerpoint/2010/main" val="1460146300"/>
-      </p:ext>
-    </p:extLst>
-  </p:cSld>
-  <p:clrMapOvr>
-    <a:masterClrMapping/>
-  </p:clrMapOvr>
-  <p:timing>
-    <p:tnLst>
-      <p:par>
-        <p:cTn id="1" dur="indefinite" restart="never" nodeType="tmRoot"/>
-      </p:par>
-    </p:tnLst>
-  </p:timing>
-</p:sld>
-</file>
-
-<file path=ppt/slides/slide6.xml><?xml version="1.0" encoding="utf-8"?>
-<p:sld xmlns:a="http://schemas.openxmlformats.org/drawingml/2006/main" xmlns:r="http://schemas.openxmlformats.org/officeDocument/2006/relationships" xmlns:p="http://schemas.openxmlformats.org/presentationml/2006/main">
-  <p:cSld>
-    <p:spTree>
-      <p:nvGrpSpPr>
-        <p:cNvPr id="1" name=""/>
-        <p:cNvGrpSpPr/>
-        <p:nvPr/>
-      </p:nvGrpSpPr>
-      <p:grpSpPr>
-        <a:xfrm>
-          <a:off x="0" y="0"/>
-          <a:ext cx="0" cy="0"/>
-          <a:chOff x="0" y="0"/>
-          <a:chExt cx="0" cy="0"/>
-        </a:xfrm>
-      </p:grpSpPr>
-      <p:sp>
-        <p:nvSpPr>
-          <p:cNvPr id="4" name="Título 3"/>
-          <p:cNvSpPr>
-            <a:spLocks noGrp="1"/>
-          </p:cNvSpPr>
-          <p:nvPr>
-            <p:ph type="title"/>
-          </p:nvPr>
-        </p:nvSpPr>
-        <p:spPr/>
-        <p:txBody>
-          <a:bodyPr/>
-          <a:lstStyle/>
-          <a:p>
-            <a:r>
-              <a:rPr lang="pt-BR" dirty="0" smtClean="0"/>
-              <a:t>Core Domain</a:t>
-            </a:r>
-            <a:endParaRPr lang="en-US" dirty="0"/>
-          </a:p>
-        </p:txBody>
-      </p:sp>
-      <p:sp>
-        <p:nvSpPr>
-          <p:cNvPr id="5" name="Espaço Reservado para Conteúdo 4"/>
-          <p:cNvSpPr>
-            <a:spLocks noGrp="1"/>
-          </p:cNvSpPr>
-          <p:nvPr>
-            <p:ph idx="1"/>
-          </p:nvPr>
-        </p:nvSpPr>
-        <p:spPr/>
-        <p:txBody>
-          <a:bodyPr/>
-          <a:lstStyle/>
-          <a:p>
-            <a:r>
-              <a:rPr lang="pt-BR" dirty="0" smtClean="0"/>
-              <a:t>Identifique o seu Core Domain</a:t>
-            </a:r>
-          </a:p>
-          <a:p>
-            <a:r>
-              <a:rPr lang="pt-BR" dirty="0" smtClean="0"/>
-              <a:t>Analise o seu Core Domain</a:t>
-            </a:r>
-          </a:p>
-          <a:p>
-            <a:r>
-              <a:rPr lang="pt-BR" dirty="0" smtClean="0"/>
-              <a:t>Foque os recursos no Core Domain</a:t>
-            </a:r>
-            <a:endParaRPr lang="en-US" dirty="0"/>
-          </a:p>
-        </p:txBody>
-      </p:sp>
-    </p:spTree>
-    <p:extLst>
-      <p:ext uri="{BB962C8B-B14F-4D97-AF65-F5344CB8AC3E}">
-        <p14:creationId xmlns:p14="http://schemas.microsoft.com/office/powerpoint/2010/main" val="41055795"/>
+        <p14:creationId xmlns:p14="http://schemas.microsoft.com/office/powerpoint/2010/main" val="4150398915"/>
       </p:ext>
     </p:extLst>
   </p:cSld>
@@ -12547,10 +14044,18 @@
           <a:lstStyle/>
           <a:p>
             <a:r>
+              <a:rPr lang="pt-BR" dirty="0" err="1" smtClean="0"/>
+              <a:t>Bounded</a:t>
+            </a:r>
+            <a:r>
               <a:rPr lang="pt-BR" dirty="0" smtClean="0"/>
-              <a:t>Tipos de Domínio</a:t>
-            </a:r>
-            <a:endParaRPr lang="en-US" dirty="0"/>
+              <a:t> </a:t>
+            </a:r>
+            <a:r>
+              <a:rPr lang="pt-BR" dirty="0" err="1" smtClean="0"/>
+              <a:t>Context</a:t>
+            </a:r>
+            <a:endParaRPr lang="pt-BR" dirty="0"/>
           </a:p>
         </p:txBody>
       </p:sp>
@@ -12571,59 +14076,22 @@
           <a:p>
             <a:r>
               <a:rPr lang="pt-BR" dirty="0" smtClean="0"/>
-              <a:t>Um Modelo pode ser:</a:t>
-            </a:r>
-          </a:p>
-          <a:p>
-            <a:pPr lvl="1"/>
+              <a:t>Áreas de domínio exploradas isoladamente</a:t>
+            </a:r>
+          </a:p>
+          <a:p>
             <a:r>
               <a:rPr lang="pt-BR" dirty="0" smtClean="0"/>
-              <a:t>Seu Core Domain</a:t>
-            </a:r>
-          </a:p>
-          <a:p>
-            <a:pPr lvl="1"/>
-            <a:r>
-              <a:rPr lang="pt-BR" dirty="0" smtClean="0"/>
-              <a:t>Um Domínio de Suporte</a:t>
-            </a:r>
-          </a:p>
-          <a:p>
-            <a:pPr lvl="1"/>
-            <a:r>
-              <a:rPr lang="pt-BR" dirty="0" smtClean="0"/>
-              <a:t>Um Domínio Genérico</a:t>
-            </a:r>
-          </a:p>
-          <a:p>
-            <a:pPr lvl="1"/>
+              <a:t>Definido ao longo que os requisitos são avaliados e a linguagem construída</a:t>
+            </a:r>
             <a:endParaRPr lang="pt-BR" dirty="0"/>
-          </a:p>
-          <a:p>
-            <a:r>
-              <a:rPr lang="pt-BR" dirty="0" smtClean="0"/>
-              <a:t>Foque o esforço de modelagem no Core Domain</a:t>
-            </a:r>
-          </a:p>
-          <a:p>
-            <a:r>
-              <a:rPr lang="pt-BR" dirty="0" smtClean="0"/>
-              <a:t>Considere outsourcing pra o Domínio de Suporte</a:t>
-            </a:r>
-          </a:p>
-          <a:p>
-            <a:r>
-              <a:rPr lang="pt-BR" dirty="0" smtClean="0"/>
-              <a:t>Adquira Domínio Genérico</a:t>
-            </a:r>
-            <a:endParaRPr lang="en-US" dirty="0"/>
           </a:p>
         </p:txBody>
       </p:sp>
     </p:spTree>
     <p:extLst>
       <p:ext uri="{BB962C8B-B14F-4D97-AF65-F5344CB8AC3E}">
-        <p14:creationId xmlns:p14="http://schemas.microsoft.com/office/powerpoint/2010/main" val="2656094707"/>
+        <p14:creationId xmlns:p14="http://schemas.microsoft.com/office/powerpoint/2010/main" val="4243026570"/>
       </p:ext>
     </p:extLst>
   </p:cSld>
@@ -12674,89 +14142,97 @@
           <a:p>
             <a:r>
               <a:rPr lang="pt-BR" dirty="0" smtClean="0"/>
-              <a:t>Estilos Arquiteturais</a:t>
-            </a:r>
+              <a:t>Tipos de Domínio</a:t>
+            </a:r>
+            <a:endParaRPr lang="en-US" dirty="0"/>
+          </a:p>
+        </p:txBody>
+      </p:sp>
+      <p:sp>
+        <p:nvSpPr>
+          <p:cNvPr id="3" name="Espaço Reservado para Conteúdo 2"/>
+          <p:cNvSpPr>
+            <a:spLocks noGrp="1"/>
+          </p:cNvSpPr>
+          <p:nvPr>
+            <p:ph idx="1"/>
+          </p:nvPr>
+        </p:nvSpPr>
+        <p:spPr/>
+        <p:txBody>
+          <a:bodyPr/>
+          <a:lstStyle/>
+          <a:p>
+            <a:r>
+              <a:rPr lang="pt-BR" dirty="0" smtClean="0"/>
+              <a:t>Um Modelo pode ser</a:t>
+            </a:r>
+            <a:r>
+              <a:rPr lang="pt-BR" dirty="0" smtClean="0"/>
+              <a:t>:</a:t>
+            </a:r>
+          </a:p>
+          <a:p>
+            <a:endParaRPr lang="pt-BR" dirty="0" smtClean="0"/>
+          </a:p>
+          <a:p>
+            <a:pPr lvl="1"/>
+            <a:r>
+              <a:rPr lang="pt-BR" dirty="0" smtClean="0"/>
+              <a:t>O </a:t>
+            </a:r>
+            <a:r>
+              <a:rPr lang="pt-BR" dirty="0" smtClean="0"/>
+              <a:t>Core Domain</a:t>
+            </a:r>
+          </a:p>
+          <a:p>
+            <a:pPr lvl="1"/>
+            <a:r>
+              <a:rPr lang="pt-BR" dirty="0" smtClean="0"/>
+              <a:t>Um Domínio de Suporte</a:t>
+            </a:r>
+          </a:p>
+          <a:p>
+            <a:pPr lvl="1"/>
+            <a:r>
+              <a:rPr lang="pt-BR" dirty="0" smtClean="0"/>
+              <a:t>Um Domínio Genérico</a:t>
+            </a:r>
+          </a:p>
+          <a:p>
+            <a:pPr lvl="1"/>
             <a:endParaRPr lang="pt-BR" dirty="0"/>
           </a:p>
-        </p:txBody>
-      </p:sp>
-      <p:sp>
-        <p:nvSpPr>
-          <p:cNvPr id="3" name="Espaço Reservado para Conteúdo 2"/>
-          <p:cNvSpPr>
-            <a:spLocks noGrp="1"/>
-          </p:cNvSpPr>
-          <p:nvPr>
-            <p:ph idx="1"/>
-          </p:nvPr>
-        </p:nvSpPr>
-        <p:spPr/>
-        <p:txBody>
-          <a:bodyPr/>
-          <a:lstStyle/>
-          <a:p>
-            <a:endParaRPr lang="pt-BR"/>
-          </a:p>
-        </p:txBody>
-      </p:sp>
-      <p:pic>
-        <p:nvPicPr>
-          <p:cNvPr id="1027" name="Picture 3"/>
-          <p:cNvPicPr>
-            <a:picLocks noChangeAspect="1" noChangeArrowheads="1"/>
-          </p:cNvPicPr>
-          <p:nvPr/>
-        </p:nvPicPr>
-        <p:blipFill>
-          <a:blip r:embed="rId2">
-            <a:extLst>
-              <a:ext uri="{28A0092B-C50C-407E-A947-70E740481C1C}">
-                <a14:useLocalDpi xmlns:a14="http://schemas.microsoft.com/office/drawing/2010/main" val="0"/>
-              </a:ext>
-            </a:extLst>
-          </a:blip>
-          <a:srcRect/>
-          <a:stretch>
-            <a:fillRect/>
-          </a:stretch>
-        </p:blipFill>
-        <p:spPr bwMode="auto">
-          <a:xfrm>
-            <a:off x="2447925" y="2708920"/>
-            <a:ext cx="4248150" cy="2800350"/>
-          </a:xfrm>
-          <a:prstGeom prst="rect">
-            <a:avLst/>
-          </a:prstGeom>
-          <a:noFill/>
-          <a:ln>
-            <a:noFill/>
-          </a:ln>
-          <a:extLst>
-            <a:ext uri="{909E8E84-426E-40DD-AFC4-6F175D3DCCD1}">
-              <a14:hiddenFill xmlns:a14="http://schemas.microsoft.com/office/drawing/2010/main">
-                <a:solidFill>
-                  <a:schemeClr val="accent1"/>
-                </a:solidFill>
-              </a14:hiddenFill>
-            </a:ext>
-            <a:ext uri="{91240B29-F687-4F45-9708-019B960494DF}">
-              <a14:hiddenLine xmlns:a14="http://schemas.microsoft.com/office/drawing/2010/main" w="9525">
-                <a:solidFill>
-                  <a:schemeClr val="tx1"/>
-                </a:solidFill>
-                <a:miter lim="800000"/>
-                <a:headEnd/>
-                <a:tailEnd/>
-              </a14:hiddenLine>
-            </a:ext>
-          </a:extLst>
-        </p:spPr>
-      </p:pic>
+          <a:p>
+            <a:r>
+              <a:rPr lang="pt-BR" dirty="0" smtClean="0"/>
+              <a:t>Foque o esforço de modelagem no Core Domain</a:t>
+            </a:r>
+          </a:p>
+          <a:p>
+            <a:r>
+              <a:rPr lang="pt-BR" dirty="0" smtClean="0"/>
+              <a:t>Considere outsourcing pra o Domínio de Suporte</a:t>
+            </a:r>
+          </a:p>
+          <a:p>
+            <a:r>
+              <a:rPr lang="pt-BR" dirty="0" smtClean="0"/>
+              <a:t>Adquira </a:t>
+            </a:r>
+            <a:r>
+              <a:rPr lang="pt-BR" dirty="0" smtClean="0"/>
+              <a:t>Domínios Genéricos</a:t>
+            </a:r>
+            <a:endParaRPr lang="en-US" dirty="0"/>
+          </a:p>
+        </p:txBody>
+      </p:sp>
     </p:spTree>
     <p:extLst>
       <p:ext uri="{BB962C8B-B14F-4D97-AF65-F5344CB8AC3E}">
-        <p14:creationId xmlns:p14="http://schemas.microsoft.com/office/powerpoint/2010/main" val="3151499768"/>
+        <p14:creationId xmlns:p14="http://schemas.microsoft.com/office/powerpoint/2010/main" val="2656094707"/>
       </p:ext>
     </p:extLst>
   </p:cSld>
@@ -12792,7 +14268,7 @@
       </p:grpSpPr>
       <p:sp>
         <p:nvSpPr>
-          <p:cNvPr id="2" name="Título 1"/>
+          <p:cNvPr id="4" name="Título 3"/>
           <p:cNvSpPr>
             <a:spLocks noGrp="1"/>
           </p:cNvSpPr>
@@ -12807,15 +14283,15 @@
           <a:p>
             <a:r>
               <a:rPr lang="pt-BR" dirty="0" smtClean="0"/>
-              <a:t>Estilos Arquiteturais</a:t>
-            </a:r>
-            <a:endParaRPr lang="pt-BR" dirty="0"/>
-          </a:p>
-        </p:txBody>
-      </p:sp>
-      <p:sp>
-        <p:nvSpPr>
-          <p:cNvPr id="3" name="Espaço Reservado para Conteúdo 2"/>
+              <a:t>Core Domain</a:t>
+            </a:r>
+            <a:endParaRPr lang="en-US" dirty="0"/>
+          </a:p>
+        </p:txBody>
+      </p:sp>
+      <p:sp>
+        <p:nvSpPr>
+          <p:cNvPr id="5" name="Espaço Reservado para Conteúdo 4"/>
           <p:cNvSpPr>
             <a:spLocks noGrp="1"/>
           </p:cNvSpPr>
@@ -12828,68 +14304,30 @@
           <a:bodyPr/>
           <a:lstStyle/>
           <a:p>
-            <a:endParaRPr lang="pt-BR"/>
-          </a:p>
-        </p:txBody>
-      </p:sp>
-      <p:pic>
-        <p:nvPicPr>
-          <p:cNvPr id="1026" name="Picture 2"/>
-          <p:cNvPicPr>
-            <a:picLocks noChangeAspect="1" noChangeArrowheads="1"/>
-          </p:cNvPicPr>
-          <p:nvPr/>
-        </p:nvPicPr>
-        <p:blipFill>
-          <a:blip r:embed="rId2">
-            <a:extLst>
-              <a:ext uri="{28A0092B-C50C-407E-A947-70E740481C1C}">
-                <a14:useLocalDpi xmlns:a14="http://schemas.microsoft.com/office/drawing/2010/main" val="0"/>
-              </a:ext>
-            </a:extLst>
-          </a:blip>
-          <a:srcRect/>
-          <a:stretch>
-            <a:fillRect/>
-          </a:stretch>
-        </p:blipFill>
-        <p:spPr bwMode="auto">
-          <a:xfrm>
-            <a:off x="2185987" y="2141368"/>
-            <a:ext cx="4772025" cy="4000500"/>
-          </a:xfrm>
-          <a:prstGeom prst="rect">
-            <a:avLst/>
-          </a:prstGeom>
-          <a:noFill/>
-          <a:ln>
-            <a:noFill/>
-          </a:ln>
-          <a:extLst>
-            <a:ext uri="{909E8E84-426E-40DD-AFC4-6F175D3DCCD1}">
-              <a14:hiddenFill xmlns:a14="http://schemas.microsoft.com/office/drawing/2010/main">
-                <a:solidFill>
-                  <a:schemeClr val="accent1"/>
-                </a:solidFill>
-              </a14:hiddenFill>
-            </a:ext>
-            <a:ext uri="{91240B29-F687-4F45-9708-019B960494DF}">
-              <a14:hiddenLine xmlns:a14="http://schemas.microsoft.com/office/drawing/2010/main" w="9525">
-                <a:solidFill>
-                  <a:schemeClr val="tx1"/>
-                </a:solidFill>
-                <a:miter lim="800000"/>
-                <a:headEnd/>
-                <a:tailEnd/>
-              </a14:hiddenLine>
-            </a:ext>
-          </a:extLst>
-        </p:spPr>
-      </p:pic>
+            <a:r>
+              <a:rPr lang="pt-BR" dirty="0" smtClean="0"/>
+              <a:t>Identifique o seu Core Domain</a:t>
+            </a:r>
+          </a:p>
+          <a:p>
+            <a:r>
+              <a:rPr lang="pt-BR" dirty="0" smtClean="0"/>
+              <a:t>Analise o seu Core Domain</a:t>
+            </a:r>
+          </a:p>
+          <a:p>
+            <a:r>
+              <a:rPr lang="pt-BR" dirty="0" smtClean="0"/>
+              <a:t>Foque os recursos no Core Domain</a:t>
+            </a:r>
+            <a:endParaRPr lang="en-US" dirty="0"/>
+          </a:p>
+        </p:txBody>
+      </p:sp>
     </p:spTree>
     <p:extLst>
       <p:ext uri="{BB962C8B-B14F-4D97-AF65-F5344CB8AC3E}">
-        <p14:creationId xmlns:p14="http://schemas.microsoft.com/office/powerpoint/2010/main" val="1947202730"/>
+        <p14:creationId xmlns:p14="http://schemas.microsoft.com/office/powerpoint/2010/main" val="41055795"/>
       </p:ext>
     </p:extLst>
   </p:cSld>
@@ -13162,7 +14600,7 @@
 <file path=ppt/theme/theme2.xml><?xml version="1.0" encoding="utf-8"?>
 <a:theme xmlns:a="http://schemas.openxmlformats.org/drawingml/2006/main" name="Profundidade">
   <a:themeElements>
-    <a:clrScheme name="Escala de Cinza">
+    <a:clrScheme name="Capital Próprio">
       <a:dk1>
         <a:sysClr val="windowText" lastClr="000000"/>
       </a:dk1>
@@ -13170,34 +14608,34 @@
         <a:sysClr val="window" lastClr="FFFFFF"/>
       </a:lt1>
       <a:dk2>
-        <a:srgbClr val="000000"/>
+        <a:srgbClr val="696464"/>
       </a:dk2>
       <a:lt2>
-        <a:srgbClr val="F8F8F8"/>
+        <a:srgbClr val="E9E5DC"/>
       </a:lt2>
       <a:accent1>
-        <a:srgbClr val="DDDDDD"/>
+        <a:srgbClr val="D34817"/>
       </a:accent1>
       <a:accent2>
-        <a:srgbClr val="B2B2B2"/>
+        <a:srgbClr val="9B2D1F"/>
       </a:accent2>
       <a:accent3>
-        <a:srgbClr val="969696"/>
+        <a:srgbClr val="A28E6A"/>
       </a:accent3>
       <a:accent4>
-        <a:srgbClr val="808080"/>
+        <a:srgbClr val="956251"/>
       </a:accent4>
       <a:accent5>
-        <a:srgbClr val="5F5F5F"/>
+        <a:srgbClr val="918485"/>
       </a:accent5>
       <a:accent6>
-        <a:srgbClr val="4D4D4D"/>
+        <a:srgbClr val="855D5D"/>
       </a:accent6>
       <a:hlink>
-        <a:srgbClr val="5F5F5F"/>
+        <a:srgbClr val="CC9900"/>
       </a:hlink>
       <a:folHlink>
-        <a:srgbClr val="919191"/>
+        <a:srgbClr val="96A9A9"/>
       </a:folHlink>
     </a:clrScheme>
     <a:fontScheme name="Profundidade">
@@ -13414,7 +14852,7 @@
   <a:extraClrSchemeLst/>
   <a:extLst>
     <a:ext uri="{05A4C25C-085E-4340-85A3-A5531E510DB2}">
-      <thm15:themeFamily xmlns:thm15="http://schemas.microsoft.com/office/thememl/2012/main" name="Depth" id="{7BEAFC2A-325C-49C4-AC08-2B765DA903F9}" vid="{47428100-C732-4B2E-A30A-5273F581A0FA}"/>
+      <thm15:themeFamily xmlns:thm15="http://schemas.microsoft.com/office/thememl/2012/main" xmlns="" name="Depth" id="{7BEAFC2A-325C-49C4-AC08-2B765DA903F9}" vid="{47428100-C732-4B2E-A30A-5273F581A0FA}"/>
     </a:ext>
   </a:extLst>
 </a:theme>

--- a/docs/Introdução ao Domain-Driven-Design (DDD).pptx
+++ b/docs/Introdução ao Domain-Driven-Design (DDD).pptx
@@ -11,29 +11,29 @@
   <p:sldIdLst>
     <p:sldId id="256" r:id="rId3"/>
     <p:sldId id="264" r:id="rId4"/>
-    <p:sldId id="302" r:id="rId5"/>
-    <p:sldId id="304" r:id="rId6"/>
-    <p:sldId id="305" r:id="rId7"/>
+    <p:sldId id="304" r:id="rId5"/>
+    <p:sldId id="305" r:id="rId6"/>
+    <p:sldId id="302" r:id="rId7"/>
     <p:sldId id="281" r:id="rId8"/>
     <p:sldId id="301" r:id="rId9"/>
-    <p:sldId id="300" r:id="rId10"/>
-    <p:sldId id="299" r:id="rId11"/>
-    <p:sldId id="291" r:id="rId12"/>
-    <p:sldId id="293" r:id="rId13"/>
-    <p:sldId id="288" r:id="rId14"/>
-    <p:sldId id="294" r:id="rId15"/>
-    <p:sldId id="295" r:id="rId16"/>
-    <p:sldId id="296" r:id="rId17"/>
-    <p:sldId id="303" r:id="rId18"/>
-    <p:sldId id="290" r:id="rId19"/>
-    <p:sldId id="292" r:id="rId20"/>
+    <p:sldId id="306" r:id="rId10"/>
+    <p:sldId id="300" r:id="rId11"/>
+    <p:sldId id="299" r:id="rId12"/>
+    <p:sldId id="291" r:id="rId13"/>
+    <p:sldId id="293" r:id="rId14"/>
+    <p:sldId id="288" r:id="rId15"/>
+    <p:sldId id="294" r:id="rId16"/>
+    <p:sldId id="295" r:id="rId17"/>
+    <p:sldId id="296" r:id="rId18"/>
+    <p:sldId id="303" r:id="rId19"/>
+    <p:sldId id="290" r:id="rId20"/>
     <p:sldId id="282" r:id="rId21"/>
-    <p:sldId id="283" r:id="rId22"/>
-    <p:sldId id="284" r:id="rId23"/>
-    <p:sldId id="285" r:id="rId24"/>
-    <p:sldId id="286" r:id="rId25"/>
-    <p:sldId id="287" r:id="rId26"/>
-    <p:sldId id="289" r:id="rId27"/>
+    <p:sldId id="292" r:id="rId22"/>
+    <p:sldId id="283" r:id="rId23"/>
+    <p:sldId id="308" r:id="rId24"/>
+    <p:sldId id="285" r:id="rId25"/>
+    <p:sldId id="286" r:id="rId26"/>
+    <p:sldId id="287" r:id="rId27"/>
     <p:sldId id="280" r:id="rId28"/>
     <p:sldId id="258" r:id="rId29"/>
   </p:sldIdLst>
@@ -136,7 +136,7 @@
   </p:defaultTextStyle>
   <p:extLst>
     <p:ext uri="{EFAFB233-063F-42B5-8137-9DF3F51BA10A}">
-      <p15:sldGuideLst xmlns:p15="http://schemas.microsoft.com/office/powerpoint/2012/main" xmlns="">
+      <p15:sldGuideLst xmlns:p15="http://schemas.microsoft.com/office/powerpoint/2012/main">
         <p15:guide id="1" orient="horz" pos="2160">
           <p15:clr>
             <a:srgbClr val="A4A3A4"/>
@@ -9175,6 +9175,109 @@
 <file path=ppt/slides/slide10.xml><?xml version="1.0" encoding="utf-8"?>
 <p:sld xmlns:a="http://schemas.openxmlformats.org/drawingml/2006/main" xmlns:r="http://schemas.openxmlformats.org/officeDocument/2006/relationships" xmlns:p="http://schemas.openxmlformats.org/presentationml/2006/main">
   <p:cSld>
+    <p:bg>
+      <p:bgPr>
+        <a:solidFill>
+          <a:schemeClr val="accent1"/>
+        </a:solidFill>
+        <a:effectLst/>
+      </p:bgPr>
+    </p:bg>
+    <p:spTree>
+      <p:nvGrpSpPr>
+        <p:cNvPr id="1" name=""/>
+        <p:cNvGrpSpPr/>
+        <p:nvPr/>
+      </p:nvGrpSpPr>
+      <p:grpSpPr>
+        <a:xfrm>
+          <a:off x="0" y="0"/>
+          <a:ext cx="0" cy="0"/>
+          <a:chOff x="0" y="0"/>
+          <a:chExt cx="0" cy="0"/>
+        </a:xfrm>
+      </p:grpSpPr>
+      <p:sp>
+        <p:nvSpPr>
+          <p:cNvPr id="4" name="Título 3"/>
+          <p:cNvSpPr>
+            <a:spLocks noGrp="1"/>
+          </p:cNvSpPr>
+          <p:nvPr>
+            <p:ph type="title"/>
+          </p:nvPr>
+        </p:nvSpPr>
+        <p:spPr/>
+        <p:txBody>
+          <a:bodyPr/>
+          <a:lstStyle/>
+          <a:p>
+            <a:r>
+              <a:rPr lang="pt-BR" dirty="0" smtClean="0"/>
+              <a:t>Core Domain</a:t>
+            </a:r>
+            <a:endParaRPr lang="en-US" dirty="0"/>
+          </a:p>
+        </p:txBody>
+      </p:sp>
+      <p:sp>
+        <p:nvSpPr>
+          <p:cNvPr id="5" name="Espaço Reservado para Conteúdo 4"/>
+          <p:cNvSpPr>
+            <a:spLocks noGrp="1"/>
+          </p:cNvSpPr>
+          <p:nvPr>
+            <p:ph idx="1"/>
+          </p:nvPr>
+        </p:nvSpPr>
+        <p:spPr/>
+        <p:txBody>
+          <a:bodyPr/>
+          <a:lstStyle/>
+          <a:p>
+            <a:r>
+              <a:rPr lang="pt-BR" dirty="0" smtClean="0"/>
+              <a:t>Identifique o seu Core Domain</a:t>
+            </a:r>
+          </a:p>
+          <a:p>
+            <a:r>
+              <a:rPr lang="pt-BR" dirty="0" smtClean="0"/>
+              <a:t>Analise o seu Core Domain</a:t>
+            </a:r>
+          </a:p>
+          <a:p>
+            <a:r>
+              <a:rPr lang="pt-BR" dirty="0" smtClean="0"/>
+              <a:t>Foque os recursos no Core Domain</a:t>
+            </a:r>
+            <a:endParaRPr lang="en-US" dirty="0"/>
+          </a:p>
+        </p:txBody>
+      </p:sp>
+    </p:spTree>
+    <p:extLst>
+      <p:ext uri="{BB962C8B-B14F-4D97-AF65-F5344CB8AC3E}">
+        <p14:creationId xmlns:p14="http://schemas.microsoft.com/office/powerpoint/2010/main" val="41055795"/>
+      </p:ext>
+    </p:extLst>
+  </p:cSld>
+  <p:clrMapOvr>
+    <a:masterClrMapping/>
+  </p:clrMapOvr>
+  <p:timing>
+    <p:tnLst>
+      <p:par>
+        <p:cTn id="1" dur="indefinite" restart="never" nodeType="tmRoot"/>
+      </p:par>
+    </p:tnLst>
+  </p:timing>
+</p:sld>
+</file>
+
+<file path=ppt/slides/slide11.xml><?xml version="1.0" encoding="utf-8"?>
+<p:sld xmlns:a="http://schemas.openxmlformats.org/drawingml/2006/main" xmlns:r="http://schemas.openxmlformats.org/officeDocument/2006/relationships" xmlns:p="http://schemas.openxmlformats.org/presentationml/2006/main">
+  <p:cSld>
     <p:spTree>
       <p:nvGrpSpPr>
         <p:cNvPr id="1" name=""/>
@@ -9394,15 +9497,13 @@
 </p:sld>
 </file>
 
-<file path=ppt/slides/slide11.xml><?xml version="1.0" encoding="utf-8"?>
+<file path=ppt/slides/slide12.xml><?xml version="1.0" encoding="utf-8"?>
 <p:sld xmlns:a="http://schemas.openxmlformats.org/drawingml/2006/main" xmlns:r="http://schemas.openxmlformats.org/officeDocument/2006/relationships" xmlns:p="http://schemas.openxmlformats.org/presentationml/2006/main">
   <p:cSld>
     <p:bg>
       <p:bgPr>
         <a:solidFill>
-          <a:srgbClr val="0070C0">
-            <a:alpha val="0"/>
-          </a:srgbClr>
+          <a:schemeClr val="tx1"/>
         </a:solidFill>
         <a:effectLst/>
       </p:bgPr>
@@ -9526,15 +9627,13 @@
 </p:sld>
 </file>
 
-<file path=ppt/slides/slide12.xml><?xml version="1.0" encoding="utf-8"?>
+<file path=ppt/slides/slide13.xml><?xml version="1.0" encoding="utf-8"?>
 <p:sld xmlns:a="http://schemas.openxmlformats.org/drawingml/2006/main" xmlns:r="http://schemas.openxmlformats.org/officeDocument/2006/relationships" xmlns:p="http://schemas.openxmlformats.org/presentationml/2006/main">
   <p:cSld>
     <p:bg>
       <p:bgPr>
         <a:solidFill>
-          <a:srgbClr val="0070C0">
-            <a:alpha val="0"/>
-          </a:srgbClr>
+          <a:schemeClr val="tx1"/>
         </a:solidFill>
         <a:effectLst/>
       </p:bgPr>
@@ -9677,15 +9776,13 @@
 </p:sld>
 </file>
 
-<file path=ppt/slides/slide13.xml><?xml version="1.0" encoding="utf-8"?>
+<file path=ppt/slides/slide14.xml><?xml version="1.0" encoding="utf-8"?>
 <p:sld xmlns:a="http://schemas.openxmlformats.org/drawingml/2006/main" xmlns:r="http://schemas.openxmlformats.org/officeDocument/2006/relationships" xmlns:p="http://schemas.openxmlformats.org/presentationml/2006/main">
   <p:cSld>
     <p:bg>
       <p:bgPr>
         <a:solidFill>
-          <a:srgbClr val="0070C0">
-            <a:alpha val="0"/>
-          </a:srgbClr>
+          <a:schemeClr val="tx1"/>
         </a:solidFill>
         <a:effectLst/>
       </p:bgPr>
@@ -9828,15 +9925,13 @@
 </p:sld>
 </file>
 
-<file path=ppt/slides/slide14.xml><?xml version="1.0" encoding="utf-8"?>
+<file path=ppt/slides/slide15.xml><?xml version="1.0" encoding="utf-8"?>
 <p:sld xmlns:a="http://schemas.openxmlformats.org/drawingml/2006/main" xmlns:r="http://schemas.openxmlformats.org/officeDocument/2006/relationships" xmlns:p="http://schemas.openxmlformats.org/presentationml/2006/main">
   <p:cSld>
     <p:bg>
       <p:bgPr>
         <a:solidFill>
-          <a:srgbClr val="0070C0">
-            <a:alpha val="0"/>
-          </a:srgbClr>
+          <a:schemeClr val="tx1"/>
         </a:solidFill>
         <a:effectLst/>
       </p:bgPr>
@@ -9979,15 +10074,13 @@
 </p:sld>
 </file>
 
-<file path=ppt/slides/slide15.xml><?xml version="1.0" encoding="utf-8"?>
+<file path=ppt/slides/slide16.xml><?xml version="1.0" encoding="utf-8"?>
 <p:sld xmlns:a="http://schemas.openxmlformats.org/drawingml/2006/main" xmlns:r="http://schemas.openxmlformats.org/officeDocument/2006/relationships" xmlns:p="http://schemas.openxmlformats.org/presentationml/2006/main">
   <p:cSld>
     <p:bg>
       <p:bgPr>
         <a:solidFill>
-          <a:srgbClr val="0070C0">
-            <a:alpha val="0"/>
-          </a:srgbClr>
+          <a:schemeClr val="tx1"/>
         </a:solidFill>
         <a:effectLst/>
       </p:bgPr>
@@ -10130,7 +10223,7 @@
 </p:sld>
 </file>
 
-<file path=ppt/slides/slide16.xml><?xml version="1.0" encoding="utf-8"?>
+<file path=ppt/slides/slide17.xml><?xml version="1.0" encoding="utf-8"?>
 <p:sld xmlns:a="http://schemas.openxmlformats.org/drawingml/2006/main" xmlns:r="http://schemas.openxmlformats.org/officeDocument/2006/relationships" xmlns:p="http://schemas.openxmlformats.org/presentationml/2006/main">
   <p:cSld>
     <p:spTree>
@@ -10259,7 +10352,7 @@
 </p:sld>
 </file>
 
-<file path=ppt/slides/slide17.xml><?xml version="1.0" encoding="utf-8"?>
+<file path=ppt/slides/slide18.xml><?xml version="1.0" encoding="utf-8"?>
 <p:sld xmlns:a="http://schemas.openxmlformats.org/drawingml/2006/main" xmlns:r="http://schemas.openxmlformats.org/officeDocument/2006/relationships" xmlns:p="http://schemas.openxmlformats.org/presentationml/2006/main">
   <p:cSld>
     <p:bg>
@@ -10446,7 +10539,7 @@
               <a:buNone/>
             </a:pPr>
             <a:r>
-              <a:rPr lang="pt-BR" sz="3600" b="1" dirty="0" smtClean="0">
+              <a:rPr lang="pt-BR" sz="3600" b="1" dirty="0">
                 <a:ln w="9525" cmpd="sng">
                   <a:solidFill>
                     <a:schemeClr val="bg1"/>
@@ -10463,85 +10556,8 @@
                   </a:outerShdw>
                 </a:effectLst>
               </a:rPr>
-              <a:t>* </a:t>
-            </a:r>
-            <a:r>
-              <a:rPr lang="pt-BR" sz="3600" b="1" dirty="0" err="1" smtClean="0">
-                <a:ln w="9525" cmpd="sng">
-                  <a:solidFill>
-                    <a:schemeClr val="bg1"/>
-                  </a:solidFill>
-                  <a:prstDash val="solid"/>
-                  <a:miter lim="800000"/>
-                </a:ln>
-                <a:solidFill>
-                  <a:schemeClr val="tx1"/>
-                </a:solidFill>
-                <a:effectLst>
-                  <a:outerShdw blurRad="50800" algn="tl" rotWithShape="0">
-                    <a:srgbClr val="000000"/>
-                  </a:outerShdw>
-                </a:effectLst>
-              </a:rPr>
-              <a:t>Value</a:t>
-            </a:r>
-            <a:r>
-              <a:rPr lang="pt-BR" sz="3600" b="1" dirty="0" smtClean="0">
-                <a:ln w="9525" cmpd="sng">
-                  <a:solidFill>
-                    <a:schemeClr val="bg1"/>
-                  </a:solidFill>
-                  <a:prstDash val="solid"/>
-                  <a:miter lim="800000"/>
-                </a:ln>
-                <a:solidFill>
-                  <a:schemeClr val="tx1"/>
-                </a:solidFill>
-                <a:effectLst>
-                  <a:outerShdw blurRad="50800" algn="tl" rotWithShape="0">
-                    <a:srgbClr val="000000"/>
-                  </a:outerShdw>
-                </a:effectLst>
-              </a:rPr>
-              <a:t> </a:t>
-            </a:r>
-            <a:r>
-              <a:rPr lang="pt-BR" sz="3600" b="1" dirty="0" err="1" smtClean="0">
-                <a:ln w="9525" cmpd="sng">
-                  <a:solidFill>
-                    <a:schemeClr val="bg1"/>
-                  </a:solidFill>
-                  <a:prstDash val="solid"/>
-                  <a:miter lim="800000"/>
-                </a:ln>
-                <a:solidFill>
-                  <a:schemeClr val="tx1"/>
-                </a:solidFill>
-                <a:effectLst>
-                  <a:outerShdw blurRad="50800" algn="tl" rotWithShape="0">
-                    <a:srgbClr val="000000"/>
-                  </a:outerShdw>
-                </a:effectLst>
-              </a:rPr>
-              <a:t>Objects</a:t>
-            </a:r>
-            <a:endParaRPr lang="pt-BR" sz="3600" b="1" dirty="0" smtClean="0">
-              <a:ln w="9525" cmpd="sng">
-                <a:solidFill>
-                  <a:schemeClr val="bg1"/>
-                </a:solidFill>
-                <a:prstDash val="solid"/>
-                <a:miter lim="800000"/>
-              </a:ln>
-              <a:solidFill>
-                <a:schemeClr val="tx1"/>
-              </a:solidFill>
-              <a:effectLst>
-                <a:outerShdw blurRad="50800" algn="tl" rotWithShape="0">
-                  <a:srgbClr val="000000"/>
-                </a:outerShdw>
-              </a:effectLst>
-            </a:endParaRPr>
+              <a:t>* Entidades</a:t>
+            </a:r>
           </a:p>
           <a:p>
             <a:pPr marL="0" indent="0" algn="ctr">
@@ -10587,27 +10603,7 @@
                   </a:outerShdw>
                 </a:effectLst>
               </a:rPr>
-              <a:t>* </a:t>
-            </a:r>
-            <a:r>
-              <a:rPr lang="pt-BR" sz="3600" b="1" dirty="0" err="1" smtClean="0">
-                <a:ln w="9525" cmpd="sng">
-                  <a:solidFill>
-                    <a:schemeClr val="bg1"/>
-                  </a:solidFill>
-                  <a:prstDash val="solid"/>
-                  <a:miter lim="800000"/>
-                </a:ln>
-                <a:solidFill>
-                  <a:schemeClr val="tx1"/>
-                </a:solidFill>
-                <a:effectLst>
-                  <a:outerShdw blurRad="50800" algn="tl" rotWithShape="0">
-                    <a:srgbClr val="000000"/>
-                  </a:outerShdw>
-                </a:effectLst>
-              </a:rPr>
-              <a:t>Entities</a:t>
+              <a:t>* Tipos de Valor</a:t>
             </a:r>
             <a:endParaRPr lang="pt-BR" sz="3600" b="1" dirty="0" smtClean="0">
               <a:ln w="9525" cmpd="sng">
@@ -10671,28 +10667,11 @@
                   </a:outerShdw>
                 </a:effectLst>
               </a:rPr>
-              <a:t>* </a:t>
-            </a:r>
-            <a:r>
-              <a:rPr lang="pt-BR" sz="3600" b="1" dirty="0" err="1" smtClean="0">
-                <a:ln w="9525" cmpd="sng">
-                  <a:solidFill>
-                    <a:schemeClr val="bg1"/>
-                  </a:solidFill>
-                  <a:prstDash val="solid"/>
-                  <a:miter lim="800000"/>
-                </a:ln>
-                <a:solidFill>
-                  <a:schemeClr val="tx1"/>
-                </a:solidFill>
-                <a:effectLst>
-                  <a:outerShdw blurRad="50800" algn="tl" rotWithShape="0">
-                    <a:srgbClr val="000000"/>
-                  </a:outerShdw>
-                </a:effectLst>
-              </a:rPr>
-              <a:t>Aggregates</a:t>
-            </a:r>
+              <a:t>*Agregações</a:t>
+            </a:r>
+          </a:p>
+          <a:p>
+            <a:pPr algn="ctr"/>
             <a:endParaRPr lang="pt-BR" sz="3600" b="1" dirty="0" smtClean="0">
               <a:ln w="9525" cmpd="sng">
                 <a:solidFill>
@@ -10734,9 +10713,7 @@
             </a:endParaRPr>
           </a:p>
           <a:p>
-            <a:pPr marL="0" indent="0" algn="ctr">
-              <a:buNone/>
-            </a:pPr>
+            <a:pPr algn="ctr"/>
             <a:r>
               <a:rPr lang="pt-BR" sz="3600" b="1" dirty="0" smtClean="0">
                 <a:ln w="9525" cmpd="sng">
@@ -10755,107 +10732,8 @@
                   </a:outerShdw>
                 </a:effectLst>
               </a:rPr>
-              <a:t>* </a:t>
-            </a:r>
-            <a:r>
-              <a:rPr lang="pt-BR" sz="3600" b="1" dirty="0" err="1" smtClean="0">
-                <a:ln w="9525" cmpd="sng">
-                  <a:solidFill>
-                    <a:schemeClr val="bg1"/>
-                  </a:solidFill>
-                  <a:prstDash val="solid"/>
-                  <a:miter lim="800000"/>
-                </a:ln>
-                <a:solidFill>
-                  <a:schemeClr val="tx1"/>
-                </a:solidFill>
-                <a:effectLst>
-                  <a:outerShdw blurRad="50800" algn="tl" rotWithShape="0">
-                    <a:srgbClr val="000000"/>
-                  </a:outerShdw>
-                </a:effectLst>
-              </a:rPr>
-              <a:t>Factories</a:t>
-            </a:r>
-            <a:endParaRPr lang="pt-BR" sz="3600" b="1" dirty="0" smtClean="0">
-              <a:ln w="9525" cmpd="sng">
-                <a:solidFill>
-                  <a:schemeClr val="bg1"/>
-                </a:solidFill>
-                <a:prstDash val="solid"/>
-                <a:miter lim="800000"/>
-              </a:ln>
-              <a:solidFill>
-                <a:schemeClr val="tx1"/>
-              </a:solidFill>
-              <a:effectLst>
-                <a:outerShdw blurRad="50800" algn="tl" rotWithShape="0">
-                  <a:srgbClr val="000000"/>
-                </a:outerShdw>
-              </a:effectLst>
-            </a:endParaRPr>
-          </a:p>
-          <a:p>
-            <a:pPr marL="0" indent="0" algn="ctr">
-              <a:buNone/>
-            </a:pPr>
-            <a:r>
-              <a:rPr lang="pt-BR" sz="3600" b="1" dirty="0" smtClean="0">
-                <a:ln w="9525" cmpd="sng">
-                  <a:solidFill>
-                    <a:schemeClr val="bg1"/>
-                  </a:solidFill>
-                  <a:prstDash val="solid"/>
-                  <a:miter lim="800000"/>
-                </a:ln>
-                <a:solidFill>
-                  <a:schemeClr val="tx1"/>
-                </a:solidFill>
-                <a:effectLst>
-                  <a:outerShdw blurRad="50800" algn="tl" rotWithShape="0">
-                    <a:srgbClr val="000000"/>
-                  </a:outerShdw>
-                </a:effectLst>
-              </a:rPr>
-              <a:t>* </a:t>
-            </a:r>
-            <a:r>
-              <a:rPr lang="pt-BR" sz="3600" b="1" dirty="0" err="1" smtClean="0">
-                <a:ln w="9525" cmpd="sng">
-                  <a:solidFill>
-                    <a:schemeClr val="bg1"/>
-                  </a:solidFill>
-                  <a:prstDash val="solid"/>
-                  <a:miter lim="800000"/>
-                </a:ln>
-                <a:solidFill>
-                  <a:schemeClr val="tx1"/>
-                </a:solidFill>
-                <a:effectLst>
-                  <a:outerShdw blurRad="50800" algn="tl" rotWithShape="0">
-                    <a:srgbClr val="000000"/>
-                  </a:outerShdw>
-                </a:effectLst>
-              </a:rPr>
-              <a:t>Repositories</a:t>
-            </a:r>
-            <a:endParaRPr lang="pt-BR" sz="3600" b="1" dirty="0" smtClean="0">
-              <a:ln w="9525" cmpd="sng">
-                <a:solidFill>
-                  <a:schemeClr val="bg1"/>
-                </a:solidFill>
-                <a:prstDash val="solid"/>
-                <a:miter lim="800000"/>
-              </a:ln>
-              <a:solidFill>
-                <a:schemeClr val="tx1"/>
-              </a:solidFill>
-              <a:effectLst>
-                <a:outerShdw blurRad="50800" algn="tl" rotWithShape="0">
-                  <a:srgbClr val="000000"/>
-                </a:outerShdw>
-              </a:effectLst>
-            </a:endParaRPr>
+              <a:t>Repositórios</a:t>
+            </a:r>
           </a:p>
           <a:p>
             <a:pPr marL="0" indent="0" algn="ctr">
@@ -10901,13 +10779,8 @@
                   </a:outerShdw>
                 </a:effectLst>
               </a:rPr>
-              <a:t>* Services</a:t>
-            </a:r>
-          </a:p>
-          <a:p>
-            <a:pPr marL="0" indent="0" algn="ctr">
-              <a:buNone/>
-            </a:pPr>
+              <a:t>* Serviços</a:t>
+            </a:r>
             <a:endParaRPr lang="pt-BR" sz="3600" b="1" dirty="0" smtClean="0">
               <a:ln w="9525" cmpd="sng">
                 <a:solidFill>
@@ -10926,194 +10799,12 @@
               </a:effectLst>
             </a:endParaRPr>
           </a:p>
-          <a:p>
-            <a:pPr marL="0" indent="0" algn="ctr">
-              <a:buNone/>
-            </a:pPr>
-            <a:r>
-              <a:rPr lang="pt-BR" sz="3600" b="1" dirty="0" smtClean="0">
-                <a:ln w="9525" cmpd="sng">
-                  <a:solidFill>
-                    <a:schemeClr val="bg1"/>
-                  </a:solidFill>
-                  <a:prstDash val="solid"/>
-                  <a:miter lim="800000"/>
-                </a:ln>
-                <a:solidFill>
-                  <a:schemeClr val="tx1"/>
-                </a:solidFill>
-                <a:effectLst>
-                  <a:outerShdw blurRad="50800" algn="tl" rotWithShape="0">
-                    <a:srgbClr val="000000"/>
-                  </a:outerShdw>
-                </a:effectLst>
-              </a:rPr>
-              <a:t>* Domain </a:t>
-            </a:r>
-            <a:r>
-              <a:rPr lang="pt-BR" sz="3600" b="1" dirty="0" err="1" smtClean="0">
-                <a:ln w="9525" cmpd="sng">
-                  <a:solidFill>
-                    <a:schemeClr val="bg1"/>
-                  </a:solidFill>
-                  <a:prstDash val="solid"/>
-                  <a:miter lim="800000"/>
-                </a:ln>
-                <a:solidFill>
-                  <a:schemeClr val="tx1"/>
-                </a:solidFill>
-                <a:effectLst>
-                  <a:outerShdw blurRad="50800" algn="tl" rotWithShape="0">
-                    <a:srgbClr val="000000"/>
-                  </a:outerShdw>
-                </a:effectLst>
-              </a:rPr>
-              <a:t>Events</a:t>
-            </a:r>
-            <a:endParaRPr lang="pt-BR" sz="3600" b="1" dirty="0" smtClean="0">
-              <a:ln w="9525" cmpd="sng">
-                <a:solidFill>
-                  <a:schemeClr val="bg1"/>
-                </a:solidFill>
-                <a:prstDash val="solid"/>
-                <a:miter lim="800000"/>
-              </a:ln>
-              <a:solidFill>
-                <a:schemeClr val="tx1"/>
-              </a:solidFill>
-              <a:effectLst>
-                <a:outerShdw blurRad="50800" algn="tl" rotWithShape="0">
-                  <a:srgbClr val="000000"/>
-                </a:outerShdw>
-              </a:effectLst>
-            </a:endParaRPr>
-          </a:p>
-          <a:p>
-            <a:pPr marL="0" indent="0">
-              <a:buNone/>
-            </a:pPr>
-            <a:endParaRPr lang="pt-BR" dirty="0">
-              <a:ln w="10160">
-                <a:solidFill>
-                  <a:schemeClr val="bg1"/>
-                </a:solidFill>
-                <a:prstDash val="solid"/>
-              </a:ln>
-              <a:solidFill>
-                <a:srgbClr val="FFFFFF"/>
-              </a:solidFill>
-              <a:effectLst>
-                <a:outerShdw blurRad="38100" dist="32000" dir="5400000" algn="tl">
-                  <a:srgbClr val="000000">
-                    <a:alpha val="30000"/>
-                  </a:srgbClr>
-                </a:outerShdw>
-              </a:effectLst>
-            </a:endParaRPr>
-          </a:p>
         </p:txBody>
       </p:sp>
     </p:spTree>
     <p:extLst>
       <p:ext uri="{BB962C8B-B14F-4D97-AF65-F5344CB8AC3E}">
         <p14:creationId xmlns:p14="http://schemas.microsoft.com/office/powerpoint/2010/main" val="1943836900"/>
-      </p:ext>
-    </p:extLst>
-  </p:cSld>
-  <p:clrMapOvr>
-    <a:masterClrMapping/>
-  </p:clrMapOvr>
-  <p:timing>
-    <p:tnLst>
-      <p:par>
-        <p:cTn id="1" dur="indefinite" restart="never" nodeType="tmRoot"/>
-      </p:par>
-    </p:tnLst>
-  </p:timing>
-</p:sld>
-</file>
-
-<file path=ppt/slides/slide18.xml><?xml version="1.0" encoding="utf-8"?>
-<p:sld xmlns:a="http://schemas.openxmlformats.org/drawingml/2006/main" xmlns:r="http://schemas.openxmlformats.org/officeDocument/2006/relationships" xmlns:p="http://schemas.openxmlformats.org/presentationml/2006/main">
-  <p:cSld>
-    <p:spTree>
-      <p:nvGrpSpPr>
-        <p:cNvPr id="1" name=""/>
-        <p:cNvGrpSpPr/>
-        <p:nvPr/>
-      </p:nvGrpSpPr>
-      <p:grpSpPr>
-        <a:xfrm>
-          <a:off x="0" y="0"/>
-          <a:ext cx="0" cy="0"/>
-          <a:chOff x="0" y="0"/>
-          <a:chExt cx="0" cy="0"/>
-        </a:xfrm>
-      </p:grpSpPr>
-      <p:sp>
-        <p:nvSpPr>
-          <p:cNvPr id="2" name="Título 1"/>
-          <p:cNvSpPr>
-            <a:spLocks noGrp="1"/>
-          </p:cNvSpPr>
-          <p:nvPr>
-            <p:ph type="title"/>
-          </p:nvPr>
-        </p:nvSpPr>
-        <p:spPr/>
-        <p:txBody>
-          <a:bodyPr/>
-          <a:lstStyle/>
-          <a:p>
-            <a:r>
-              <a:rPr lang="pt-BR" dirty="0" err="1" smtClean="0"/>
-              <a:t>Value</a:t>
-            </a:r>
-            <a:r>
-              <a:rPr lang="pt-BR" dirty="0" smtClean="0"/>
-              <a:t> </a:t>
-            </a:r>
-            <a:r>
-              <a:rPr lang="pt-BR" dirty="0" err="1" smtClean="0"/>
-              <a:t>Objects</a:t>
-            </a:r>
-            <a:endParaRPr lang="pt-BR" dirty="0"/>
-          </a:p>
-        </p:txBody>
-      </p:sp>
-      <p:sp>
-        <p:nvSpPr>
-          <p:cNvPr id="3" name="Espaço Reservado para Conteúdo 2"/>
-          <p:cNvSpPr>
-            <a:spLocks noGrp="1"/>
-          </p:cNvSpPr>
-          <p:nvPr>
-            <p:ph idx="1"/>
-          </p:nvPr>
-        </p:nvSpPr>
-        <p:spPr/>
-        <p:txBody>
-          <a:bodyPr/>
-          <a:lstStyle/>
-          <a:p>
-            <a:r>
-              <a:rPr lang="pt-BR" dirty="0" smtClean="0"/>
-              <a:t>Não possuem identidade</a:t>
-            </a:r>
-          </a:p>
-          <a:p>
-            <a:r>
-              <a:rPr lang="pt-BR" dirty="0" smtClean="0"/>
-              <a:t>Imutável</a:t>
-            </a:r>
-            <a:endParaRPr lang="pt-BR" dirty="0"/>
-          </a:p>
-        </p:txBody>
-      </p:sp>
-    </p:spTree>
-    <p:extLst>
-      <p:ext uri="{BB962C8B-B14F-4D97-AF65-F5344CB8AC3E}">
-        <p14:creationId xmlns:p14="http://schemas.microsoft.com/office/powerpoint/2010/main" val="630793882"/>
       </p:ext>
     </p:extLst>
   </p:cSld>
@@ -11163,8 +10854,8 @@
           <a:lstStyle/>
           <a:p>
             <a:r>
-              <a:rPr lang="pt-BR" dirty="0" err="1" smtClean="0"/>
-              <a:t>Entities</a:t>
+              <a:rPr lang="pt-BR" dirty="0" smtClean="0"/>
+              <a:t>Entidades</a:t>
             </a:r>
             <a:endParaRPr lang="pt-BR" dirty="0"/>
           </a:p>
@@ -11187,13 +10878,29 @@
           <a:p>
             <a:r>
               <a:rPr lang="pt-BR" dirty="0" smtClean="0"/>
-              <a:t>Identidade e Estado</a:t>
+              <a:t>Possui uma Identidade </a:t>
+            </a:r>
+            <a:r>
+              <a:rPr lang="pt-BR" dirty="0" smtClean="0"/>
+              <a:t>e Estado</a:t>
             </a:r>
           </a:p>
           <a:p>
             <a:r>
               <a:rPr lang="pt-BR" dirty="0" smtClean="0"/>
               <a:t>Persistência</a:t>
+            </a:r>
+          </a:p>
+          <a:p>
+            <a:r>
+              <a:rPr lang="pt-BR" dirty="0" smtClean="0"/>
+              <a:t>Somente uma responsabilidade</a:t>
+            </a:r>
+          </a:p>
+          <a:p>
+            <a:r>
+              <a:rPr lang="pt-BR" dirty="0" smtClean="0"/>
+              <a:t>Pode ser constituída por outras entidades e tipos de valor</a:t>
             </a:r>
             <a:endParaRPr lang="pt-BR" dirty="0"/>
           </a:p>
@@ -11309,21 +11016,13 @@
           <a:p>
             <a:r>
               <a:rPr lang="pt-BR" dirty="0" smtClean="0"/>
-              <a:t>Livros </a:t>
-            </a:r>
+              <a:t>Livros sobre DDD</a:t>
+            </a:r>
+          </a:p>
+          <a:p>
             <a:r>
               <a:rPr lang="pt-BR" dirty="0" smtClean="0"/>
-              <a:t>sobre DDD</a:t>
-            </a:r>
-          </a:p>
-          <a:p>
-            <a:r>
-              <a:rPr lang="pt-BR" dirty="0" smtClean="0"/>
-              <a:t>Estilos </a:t>
-            </a:r>
-            <a:r>
-              <a:rPr lang="pt-BR" dirty="0" smtClean="0"/>
-              <a:t>Arquiteturais</a:t>
+              <a:t>Estilos Arquiteturais</a:t>
             </a:r>
           </a:p>
           <a:p>
@@ -11403,8 +11102,8 @@
           <a:lstStyle/>
           <a:p>
             <a:r>
-              <a:rPr lang="pt-BR" dirty="0" err="1" smtClean="0"/>
-              <a:t>Aggregates</a:t>
+              <a:rPr lang="pt-BR" dirty="0" smtClean="0"/>
+              <a:t>Tipos de Valor</a:t>
             </a:r>
             <a:endParaRPr lang="pt-BR" dirty="0"/>
           </a:p>
@@ -11425,14 +11124,36 @@
           <a:bodyPr/>
           <a:lstStyle/>
           <a:p>
-            <a:endParaRPr lang="pt-BR"/>
+            <a:r>
+              <a:rPr lang="pt-BR" dirty="0" smtClean="0"/>
+              <a:t>Não possuem identidade</a:t>
+            </a:r>
+          </a:p>
+          <a:p>
+            <a:r>
+              <a:rPr lang="pt-BR" dirty="0" smtClean="0"/>
+              <a:t>Imutável</a:t>
+            </a:r>
+          </a:p>
+          <a:p>
+            <a:r>
+              <a:rPr lang="pt-BR" dirty="0" smtClean="0"/>
+              <a:t>Definido pelos seus atributos</a:t>
+            </a:r>
+          </a:p>
+          <a:p>
+            <a:r>
+              <a:rPr lang="pt-BR" dirty="0" smtClean="0"/>
+              <a:t>Regras de negócio fazem parte dos tipos de valor</a:t>
+            </a:r>
+            <a:endParaRPr lang="pt-BR" dirty="0"/>
           </a:p>
         </p:txBody>
       </p:sp>
     </p:spTree>
     <p:extLst>
       <p:ext uri="{BB962C8B-B14F-4D97-AF65-F5344CB8AC3E}">
-        <p14:creationId xmlns:p14="http://schemas.microsoft.com/office/powerpoint/2010/main" val="738495361"/>
+        <p14:creationId xmlns:p14="http://schemas.microsoft.com/office/powerpoint/2010/main" val="630793882"/>
       </p:ext>
     </p:extLst>
   </p:cSld>
@@ -11452,6 +11173,14 @@
 <file path=ppt/slides/slide21.xml><?xml version="1.0" encoding="utf-8"?>
 <p:sld xmlns:a="http://schemas.openxmlformats.org/drawingml/2006/main" xmlns:r="http://schemas.openxmlformats.org/officeDocument/2006/relationships" xmlns:p="http://schemas.openxmlformats.org/presentationml/2006/main">
   <p:cSld>
+    <p:bg>
+      <p:bgPr>
+        <a:solidFill>
+          <a:schemeClr val="tx1"/>
+        </a:solidFill>
+        <a:effectLst/>
+      </p:bgPr>
+    </p:bg>
     <p:spTree>
       <p:nvGrpSpPr>
         <p:cNvPr id="1" name=""/>
@@ -11482,10 +11211,18 @@
           <a:lstStyle/>
           <a:p>
             <a:r>
-              <a:rPr lang="pt-BR" dirty="0" err="1" smtClean="0"/>
-              <a:t>Factories</a:t>
-            </a:r>
-            <a:endParaRPr lang="pt-BR" dirty="0"/>
+              <a:rPr lang="pt-BR" dirty="0" smtClean="0">
+                <a:solidFill>
+                  <a:schemeClr val="bg1"/>
+                </a:solidFill>
+              </a:rPr>
+              <a:t>Agregações</a:t>
+            </a:r>
+            <a:endParaRPr lang="pt-BR" dirty="0">
+              <a:solidFill>
+                <a:schemeClr val="bg1"/>
+              </a:solidFill>
+            </a:endParaRPr>
           </a:p>
         </p:txBody>
       </p:sp>
@@ -11505,17 +11242,118 @@
           <a:lstStyle/>
           <a:p>
             <a:r>
-              <a:rPr lang="pt-BR" dirty="0" smtClean="0"/>
-              <a:t>Criação de entidades complexas</a:t>
-            </a:r>
-            <a:endParaRPr lang="pt-BR" dirty="0"/>
-          </a:p>
-        </p:txBody>
-      </p:sp>
+              <a:rPr lang="pt-BR" dirty="0" smtClean="0">
+                <a:solidFill>
+                  <a:schemeClr val="bg1"/>
+                </a:solidFill>
+              </a:rPr>
+              <a:t>Um grupo de entidades e tipos de valor relacionados</a:t>
+            </a:r>
+          </a:p>
+          <a:p>
+            <a:r>
+              <a:rPr lang="pt-BR" dirty="0" smtClean="0">
+                <a:solidFill>
+                  <a:schemeClr val="bg1"/>
+                </a:solidFill>
+              </a:rPr>
+              <a:t>Define um escopo de transação e de tratamento de concorrência</a:t>
+            </a:r>
+          </a:p>
+          <a:p>
+            <a:r>
+              <a:rPr lang="pt-BR" dirty="0" smtClean="0">
+                <a:solidFill>
+                  <a:schemeClr val="bg1"/>
+                </a:solidFill>
+              </a:rPr>
+              <a:t>Um </a:t>
+            </a:r>
+            <a:r>
+              <a:rPr lang="pt-BR" dirty="0" err="1" smtClean="0">
+                <a:solidFill>
+                  <a:schemeClr val="bg1"/>
+                </a:solidFill>
+              </a:rPr>
+              <a:t>Bounded</a:t>
+            </a:r>
+            <a:r>
+              <a:rPr lang="pt-BR" dirty="0" smtClean="0">
+                <a:solidFill>
+                  <a:schemeClr val="bg1"/>
+                </a:solidFill>
+              </a:rPr>
+              <a:t> </a:t>
+            </a:r>
+            <a:r>
+              <a:rPr lang="pt-BR" dirty="0" err="1" smtClean="0">
+                <a:solidFill>
+                  <a:schemeClr val="bg1"/>
+                </a:solidFill>
+              </a:rPr>
+              <a:t>Context</a:t>
+            </a:r>
+            <a:r>
+              <a:rPr lang="pt-BR" dirty="0" smtClean="0">
+                <a:solidFill>
+                  <a:schemeClr val="bg1"/>
+                </a:solidFill>
+              </a:rPr>
+              <a:t> terá múltiplas agregações</a:t>
+            </a:r>
+            <a:endParaRPr lang="pt-BR" dirty="0">
+              <a:solidFill>
+                <a:schemeClr val="bg1"/>
+              </a:solidFill>
+            </a:endParaRPr>
+          </a:p>
+        </p:txBody>
+      </p:sp>
+      <p:pic>
+        <p:nvPicPr>
+          <p:cNvPr id="3074" name="Picture 2" descr="https://vaughnvernon.co/wordpress/wp-content/uploads/2014/10/Aggregates.png"/>
+          <p:cNvPicPr>
+            <a:picLocks noChangeAspect="1" noChangeArrowheads="1"/>
+          </p:cNvPicPr>
+          <p:nvPr/>
+        </p:nvPicPr>
+        <p:blipFill>
+          <a:blip r:embed="rId2">
+            <a:extLst>
+              <a:ext uri="{28A0092B-C50C-407E-A947-70E740481C1C}">
+                <a14:useLocalDpi xmlns:a14="http://schemas.microsoft.com/office/drawing/2010/main" val="0"/>
+              </a:ext>
+            </a:extLst>
+          </a:blip>
+          <a:srcRect/>
+          <a:stretch>
+            <a:fillRect/>
+          </a:stretch>
+        </p:blipFill>
+        <p:spPr bwMode="auto">
+          <a:xfrm>
+            <a:off x="840000" y="3717032"/>
+            <a:ext cx="7096125" cy="2790825"/>
+          </a:xfrm>
+          <a:prstGeom prst="rect">
+            <a:avLst/>
+          </a:prstGeom>
+          <a:noFill/>
+          <a:extLst>
+            <a:ext uri="{909E8E84-426E-40DD-AFC4-6F175D3DCCD1}">
+              <a14:hiddenFill xmlns:a14="http://schemas.microsoft.com/office/drawing/2010/main">
+                <a:solidFill>
+                  <a:srgbClr val="FFFFFF"/>
+                </a:solidFill>
+              </a14:hiddenFill>
+            </a:ext>
+          </a:extLst>
+        </p:spPr>
+      </p:pic>
     </p:spTree>
     <p:extLst>
       <p:ext uri="{BB962C8B-B14F-4D97-AF65-F5344CB8AC3E}">
-        <p14:creationId xmlns:p14="http://schemas.microsoft.com/office/powerpoint/2010/main" val="2987899367"/>
+        <p14:creationId xmlns:p14="http://schemas.microsoft.com/office/powerpoint/2010/main" val="738495361"/>
       </p:ext>
     </p:extLst>
   </p:cSld>
@@ -11565,8 +11403,8 @@
           <a:lstStyle/>
           <a:p>
             <a:r>
-              <a:rPr lang="pt-BR" dirty="0" err="1" smtClean="0"/>
-              <a:t>Repositories</a:t>
+              <a:rPr lang="pt-BR" dirty="0" smtClean="0"/>
+              <a:t>Agregação Raiz</a:t>
             </a:r>
             <a:endParaRPr lang="pt-BR" dirty="0"/>
           </a:p>
@@ -11589,13 +11427,19 @@
           <a:p>
             <a:r>
               <a:rPr lang="pt-BR" dirty="0" smtClean="0"/>
-              <a:t>Abstração da camada de persistência</a:t>
+              <a:t>Uma entidade pode ser uma agregação raiz</a:t>
             </a:r>
           </a:p>
           <a:p>
             <a:r>
               <a:rPr lang="pt-BR" dirty="0" smtClean="0"/>
-              <a:t>Busca de dados</a:t>
+              <a:t>Referências externas somente conhecem agregações raiz</a:t>
+            </a:r>
+          </a:p>
+          <a:p>
+            <a:r>
+              <a:rPr lang="pt-BR" dirty="0" smtClean="0"/>
+              <a:t>Persista a agregação raiz e o grafo de objetos relacionados</a:t>
             </a:r>
             <a:endParaRPr lang="pt-BR" dirty="0"/>
           </a:p>
@@ -11604,7 +11448,7 @@
     </p:spTree>
     <p:extLst>
       <p:ext uri="{BB962C8B-B14F-4D97-AF65-F5344CB8AC3E}">
-        <p14:creationId xmlns:p14="http://schemas.microsoft.com/office/powerpoint/2010/main" val="789462074"/>
+        <p14:creationId xmlns:p14="http://schemas.microsoft.com/office/powerpoint/2010/main" val="2704827869"/>
       </p:ext>
     </p:extLst>
   </p:cSld>
@@ -11655,7 +11499,7 @@
           <a:p>
             <a:r>
               <a:rPr lang="pt-BR" dirty="0" smtClean="0"/>
-              <a:t>Services</a:t>
+              <a:t>Repositórios</a:t>
             </a:r>
             <a:endParaRPr lang="pt-BR" dirty="0"/>
           </a:p>
@@ -11678,22 +11522,16 @@
           <a:p>
             <a:r>
               <a:rPr lang="pt-BR" dirty="0" smtClean="0"/>
-              <a:t>Serviços de domínio</a:t>
-            </a:r>
-          </a:p>
-          <a:p>
-            <a:r>
-              <a:rPr lang="pt-BR" dirty="0" smtClean="0"/>
-              <a:t>Não guardam estado</a:t>
-            </a:r>
-            <a:endParaRPr lang="pt-BR" dirty="0"/>
+              <a:t>Realiza a persistência de uma agregação</a:t>
+            </a:r>
+            <a:endParaRPr lang="pt-BR" dirty="0" smtClean="0"/>
           </a:p>
         </p:txBody>
       </p:sp>
     </p:spTree>
     <p:extLst>
       <p:ext uri="{BB962C8B-B14F-4D97-AF65-F5344CB8AC3E}">
-        <p14:creationId xmlns:p14="http://schemas.microsoft.com/office/powerpoint/2010/main" val="3198269696"/>
+        <p14:creationId xmlns:p14="http://schemas.microsoft.com/office/powerpoint/2010/main" val="789462074"/>
       </p:ext>
     </p:extLst>
   </p:cSld>
@@ -11744,35 +11582,204 @@
           <a:p>
             <a:r>
               <a:rPr lang="pt-BR" dirty="0" smtClean="0"/>
+              <a:t>Serviços</a:t>
+            </a:r>
+            <a:endParaRPr lang="pt-BR" dirty="0"/>
+          </a:p>
+        </p:txBody>
+      </p:sp>
+      <p:sp>
+        <p:nvSpPr>
+          <p:cNvPr id="3" name="Espaço Reservado para Conteúdo 2"/>
+          <p:cNvSpPr>
+            <a:spLocks noGrp="1"/>
+          </p:cNvSpPr>
+          <p:nvPr>
+            <p:ph idx="1"/>
+          </p:nvPr>
+        </p:nvSpPr>
+        <p:spPr/>
+        <p:txBody>
+          <a:bodyPr/>
+          <a:lstStyle/>
+          <a:p>
+            <a:r>
+              <a:rPr lang="pt-BR" dirty="0" smtClean="0"/>
+              <a:t>Regras e operações que não pertencem </a:t>
+            </a:r>
+            <a:r>
+              <a:rPr lang="pt-BR" dirty="0" err="1" smtClean="0"/>
+              <a:t>natualmente</a:t>
+            </a:r>
+            <a:r>
+              <a:rPr lang="pt-BR" dirty="0" smtClean="0"/>
+              <a:t> a um objeto de domínio</a:t>
+            </a:r>
+            <a:endParaRPr lang="pt-BR" dirty="0" smtClean="0"/>
+          </a:p>
+          <a:p>
+            <a:r>
+              <a:rPr lang="pt-BR" dirty="0" smtClean="0"/>
+              <a:t>Não guardam </a:t>
+            </a:r>
+            <a:r>
+              <a:rPr lang="pt-BR" dirty="0" smtClean="0"/>
+              <a:t>estado</a:t>
+            </a:r>
+          </a:p>
+          <a:p>
+            <a:r>
+              <a:rPr lang="pt-BR" dirty="0" smtClean="0"/>
+              <a:t>São imutáveis</a:t>
+            </a:r>
+            <a:endParaRPr lang="pt-BR" dirty="0"/>
+          </a:p>
+        </p:txBody>
+      </p:sp>
+    </p:spTree>
+    <p:extLst>
+      <p:ext uri="{BB962C8B-B14F-4D97-AF65-F5344CB8AC3E}">
+        <p14:creationId xmlns:p14="http://schemas.microsoft.com/office/powerpoint/2010/main" val="3198269696"/>
+      </p:ext>
+    </p:extLst>
+  </p:cSld>
+  <p:clrMapOvr>
+    <a:masterClrMapping/>
+  </p:clrMapOvr>
+  <p:timing>
+    <p:tnLst>
+      <p:par>
+        <p:cTn id="1" dur="indefinite" restart="never" nodeType="tmRoot"/>
+      </p:par>
+    </p:tnLst>
+  </p:timing>
+</p:sld>
+</file>
+
+<file path=ppt/slides/slide25.xml><?xml version="1.0" encoding="utf-8"?>
+<p:sld xmlns:a="http://schemas.openxmlformats.org/drawingml/2006/main" xmlns:r="http://schemas.openxmlformats.org/officeDocument/2006/relationships" xmlns:p="http://schemas.openxmlformats.org/presentationml/2006/main">
+  <p:cSld>
+    <p:bg>
+      <p:bgPr>
+        <a:solidFill>
+          <a:schemeClr val="tx1"/>
+        </a:solidFill>
+        <a:effectLst/>
+      </p:bgPr>
+    </p:bg>
+    <p:spTree>
+      <p:nvGrpSpPr>
+        <p:cNvPr id="1" name=""/>
+        <p:cNvGrpSpPr/>
+        <p:nvPr/>
+      </p:nvGrpSpPr>
+      <p:grpSpPr>
+        <a:xfrm>
+          <a:off x="0" y="0"/>
+          <a:ext cx="0" cy="0"/>
+          <a:chOff x="0" y="0"/>
+          <a:chExt cx="0" cy="0"/>
+        </a:xfrm>
+      </p:grpSpPr>
+      <p:sp>
+        <p:nvSpPr>
+          <p:cNvPr id="2" name="Título 1"/>
+          <p:cNvSpPr>
+            <a:spLocks noGrp="1"/>
+          </p:cNvSpPr>
+          <p:nvPr>
+            <p:ph type="title"/>
+          </p:nvPr>
+        </p:nvSpPr>
+        <p:spPr/>
+        <p:txBody>
+          <a:bodyPr/>
+          <a:lstStyle/>
+          <a:p>
+            <a:r>
+              <a:rPr lang="pt-BR" dirty="0" smtClean="0">
+                <a:solidFill>
+                  <a:schemeClr val="bg1"/>
+                </a:solidFill>
+              </a:rPr>
               <a:t>Domain </a:t>
             </a:r>
             <a:r>
-              <a:rPr lang="pt-BR" dirty="0" err="1" smtClean="0"/>
+              <a:rPr lang="pt-BR" dirty="0" err="1" smtClean="0">
+                <a:solidFill>
+                  <a:schemeClr val="bg1"/>
+                </a:solidFill>
+              </a:rPr>
               <a:t>Events</a:t>
             </a:r>
+            <a:endParaRPr lang="pt-BR" dirty="0">
+              <a:solidFill>
+                <a:schemeClr val="bg1"/>
+              </a:solidFill>
+            </a:endParaRPr>
+          </a:p>
+        </p:txBody>
+      </p:sp>
+      <p:sp>
+        <p:nvSpPr>
+          <p:cNvPr id="3" name="Espaço Reservado para Conteúdo 2"/>
+          <p:cNvSpPr>
+            <a:spLocks noGrp="1"/>
+          </p:cNvSpPr>
+          <p:nvPr>
+            <p:ph idx="1"/>
+          </p:nvPr>
+        </p:nvSpPr>
+        <p:spPr/>
+        <p:txBody>
+          <a:bodyPr/>
+          <a:lstStyle/>
+          <a:p>
             <a:endParaRPr lang="pt-BR" dirty="0"/>
           </a:p>
         </p:txBody>
       </p:sp>
-      <p:sp>
-        <p:nvSpPr>
-          <p:cNvPr id="3" name="Espaço Reservado para Conteúdo 2"/>
-          <p:cNvSpPr>
-            <a:spLocks noGrp="1"/>
-          </p:cNvSpPr>
-          <p:nvPr>
-            <p:ph idx="1"/>
-          </p:nvPr>
-        </p:nvSpPr>
-        <p:spPr/>
-        <p:txBody>
-          <a:bodyPr/>
-          <a:lstStyle/>
-          <a:p>
-            <a:endParaRPr lang="pt-BR"/>
-          </a:p>
-        </p:txBody>
-      </p:sp>
+      <p:pic>
+        <p:nvPicPr>
+          <p:cNvPr id="2050" name="Picture 2" descr="https://vaughnvernon.co/wordpress/wp-content/uploads/2014/10/EventualConsistency.png"/>
+          <p:cNvPicPr>
+            <a:picLocks noChangeAspect="1" noChangeArrowheads="1"/>
+          </p:cNvPicPr>
+          <p:nvPr/>
+        </p:nvPicPr>
+        <p:blipFill>
+          <a:blip r:embed="rId2">
+            <a:extLst>
+              <a:ext uri="{28A0092B-C50C-407E-A947-70E740481C1C}">
+                <a14:useLocalDpi xmlns:a14="http://schemas.microsoft.com/office/drawing/2010/main" val="0"/>
+              </a:ext>
+            </a:extLst>
+          </a:blip>
+          <a:srcRect/>
+          <a:stretch>
+            <a:fillRect/>
+          </a:stretch>
+        </p:blipFill>
+        <p:spPr bwMode="auto">
+          <a:xfrm>
+            <a:off x="971550" y="2420888"/>
+            <a:ext cx="7200900" cy="3038476"/>
+          </a:xfrm>
+          <a:prstGeom prst="rect">
+            <a:avLst/>
+          </a:prstGeom>
+          <a:noFill/>
+          <a:extLst>
+            <a:ext uri="{909E8E84-426E-40DD-AFC4-6F175D3DCCD1}">
+              <a14:hiddenFill xmlns:a14="http://schemas.microsoft.com/office/drawing/2010/main">
+                <a:solidFill>
+                  <a:srgbClr val="FFFFFF"/>
+                </a:solidFill>
+              </a14:hiddenFill>
+            </a:ext>
+          </a:extLst>
+        </p:spPr>
+      </p:pic>
     </p:spTree>
     <p:extLst>
       <p:ext uri="{BB962C8B-B14F-4D97-AF65-F5344CB8AC3E}">
@@ -11793,9 +11800,17 @@
 </p:sld>
 </file>
 
-<file path=ppt/slides/slide25.xml><?xml version="1.0" encoding="utf-8"?>
+<file path=ppt/slides/slide26.xml><?xml version="1.0" encoding="utf-8"?>
 <p:sld xmlns:a="http://schemas.openxmlformats.org/drawingml/2006/main" xmlns:r="http://schemas.openxmlformats.org/officeDocument/2006/relationships" xmlns:p="http://schemas.openxmlformats.org/presentationml/2006/main">
   <p:cSld>
+    <p:bg>
+      <p:bgPr>
+        <a:solidFill>
+          <a:srgbClr val="00B050"/>
+        </a:solidFill>
+        <a:effectLst/>
+      </p:bgPr>
+    </p:bg>
     <p:spTree>
       <p:nvGrpSpPr>
         <p:cNvPr id="1" name=""/>
@@ -11817,7 +11832,7 @@
             <a:spLocks noGrp="1"/>
           </p:cNvSpPr>
           <p:nvPr>
-            <p:ph type="title"/>
+            <p:ph type="ctrTitle"/>
           </p:nvPr>
         </p:nvSpPr>
         <p:spPr/>
@@ -11826,95 +11841,8 @@
           <a:lstStyle/>
           <a:p>
             <a:r>
-              <a:rPr lang="pt-BR" dirty="0" err="1" smtClean="0"/>
-              <a:t>Anticorruption</a:t>
-            </a:r>
-            <a:r>
               <a:rPr lang="pt-BR" dirty="0" smtClean="0"/>
-              <a:t> </a:t>
-            </a:r>
-            <a:r>
-              <a:rPr lang="pt-BR" dirty="0" err="1" smtClean="0"/>
-              <a:t>Layer</a:t>
-            </a:r>
-            <a:endParaRPr lang="pt-BR" dirty="0"/>
-          </a:p>
-        </p:txBody>
-      </p:sp>
-      <p:sp>
-        <p:nvSpPr>
-          <p:cNvPr id="3" name="Espaço Reservado para Conteúdo 2"/>
-          <p:cNvSpPr>
-            <a:spLocks noGrp="1"/>
-          </p:cNvSpPr>
-          <p:nvPr>
-            <p:ph idx="1"/>
-          </p:nvPr>
-        </p:nvSpPr>
-        <p:spPr/>
-        <p:txBody>
-          <a:bodyPr/>
-          <a:lstStyle/>
-          <a:p>
-            <a:endParaRPr lang="pt-BR"/>
-          </a:p>
-        </p:txBody>
-      </p:sp>
-    </p:spTree>
-    <p:extLst>
-      <p:ext uri="{BB962C8B-B14F-4D97-AF65-F5344CB8AC3E}">
-        <p14:creationId xmlns:p14="http://schemas.microsoft.com/office/powerpoint/2010/main" val="2839947608"/>
-      </p:ext>
-    </p:extLst>
-  </p:cSld>
-  <p:clrMapOvr>
-    <a:masterClrMapping/>
-  </p:clrMapOvr>
-  <p:timing>
-    <p:tnLst>
-      <p:par>
-        <p:cTn id="1" dur="indefinite" restart="never" nodeType="tmRoot"/>
-      </p:par>
-    </p:tnLst>
-  </p:timing>
-</p:sld>
-</file>
-
-<file path=ppt/slides/slide26.xml><?xml version="1.0" encoding="utf-8"?>
-<p:sld xmlns:a="http://schemas.openxmlformats.org/drawingml/2006/main" xmlns:r="http://schemas.openxmlformats.org/officeDocument/2006/relationships" xmlns:p="http://schemas.openxmlformats.org/presentationml/2006/main">
-  <p:cSld>
-    <p:spTree>
-      <p:nvGrpSpPr>
-        <p:cNvPr id="1" name=""/>
-        <p:cNvGrpSpPr/>
-        <p:nvPr/>
-      </p:nvGrpSpPr>
-      <p:grpSpPr>
-        <a:xfrm>
-          <a:off x="0" y="0"/>
-          <a:ext cx="0" cy="0"/>
-          <a:chOff x="0" y="0"/>
-          <a:chExt cx="0" cy="0"/>
-        </a:xfrm>
-      </p:grpSpPr>
-      <p:sp>
-        <p:nvSpPr>
-          <p:cNvPr id="2" name="Título 1"/>
-          <p:cNvSpPr>
-            <a:spLocks noGrp="1"/>
-          </p:cNvSpPr>
-          <p:nvPr>
-            <p:ph type="ctrTitle"/>
-          </p:nvPr>
-        </p:nvSpPr>
-        <p:spPr/>
-        <p:txBody>
-          <a:bodyPr/>
-          <a:lstStyle/>
-          <a:p>
-            <a:r>
-              <a:rPr lang="pt-BR" dirty="0" smtClean="0"/>
-              <a:t>Perguntas</a:t>
+              <a:t>Dúvidas?</a:t>
             </a:r>
             <a:endParaRPr lang="en-US" dirty="0"/>
           </a:p>
@@ -12012,38 +11940,36 @@
         <p:spPr/>
         <p:txBody>
           <a:bodyPr>
-            <a:normAutofit fontScale="85000" lnSpcReduction="10000"/>
+            <a:normAutofit fontScale="85000" lnSpcReduction="20000"/>
           </a:bodyPr>
           <a:lstStyle/>
           <a:p>
             <a:r>
-              <a:rPr lang="pt-BR" dirty="0" smtClean="0"/>
-              <a:t>The </a:t>
-            </a:r>
-            <a:r>
-              <a:rPr lang="pt-BR" dirty="0" err="1" smtClean="0"/>
-              <a:t>Principles</a:t>
-            </a:r>
-            <a:r>
-              <a:rPr lang="pt-BR" dirty="0" smtClean="0"/>
-              <a:t> </a:t>
-            </a:r>
-            <a:r>
-              <a:rPr lang="pt-BR" dirty="0" err="1" smtClean="0"/>
-              <a:t>of</a:t>
-            </a:r>
-            <a:r>
-              <a:rPr lang="pt-BR" dirty="0" smtClean="0"/>
-              <a:t> OOD</a:t>
+              <a:rPr lang="en-US" dirty="0"/>
+              <a:t>Introduction to DDD - Adam </a:t>
+            </a:r>
+            <a:r>
+              <a:rPr lang="en-US" dirty="0" err="1" smtClean="0"/>
+              <a:t>Štipák</a:t>
+            </a:r>
+            <a:r>
+              <a:rPr lang="en-US" dirty="0"/>
+              <a:t/>
             </a:r>
             <a:br>
-              <a:rPr lang="pt-BR" dirty="0" smtClean="0"/>
+              <a:rPr lang="en-US" dirty="0"/>
             </a:br>
+            <a:r>
+              <a:rPr lang="pt-BR" dirty="0" smtClean="0">
+                <a:hlinkClick r:id="rId2"/>
+              </a:rPr>
+              <a:t>https</a:t>
+            </a:r>
             <a:r>
               <a:rPr lang="pt-BR" dirty="0">
                 <a:hlinkClick r:id="rId2"/>
               </a:rPr>
-              <a:t>https://</a:t>
+              <a:t>://</a:t>
             </a:r>
             <a:r>
               <a:rPr lang="pt-BR" dirty="0" smtClean="0">
@@ -12077,13 +12003,7 @@
               <a:rPr lang="pt-BR" dirty="0" smtClean="0">
                 <a:hlinkClick r:id="rId3"/>
               </a:rPr>
-              <a:t>http://bradley-holt.com/2012/11/domain-driven-design-at-zendcon-2012</a:t>
-            </a:r>
-            <a:r>
-              <a:rPr lang="pt-BR" dirty="0" smtClean="0">
-                <a:hlinkClick r:id="rId3"/>
-              </a:rPr>
-              <a:t>/</a:t>
+              <a:t>http://bradley-holt.com/2012/11/domain-driven-design-at-zendcon-2012/</a:t>
             </a:r>
             <a:endParaRPr lang="pt-BR" dirty="0" smtClean="0"/>
           </a:p>
@@ -12189,6 +12109,41 @@
               </a:rPr>
               <a:t>pt.slideshare.net/shadrik/domain-driven-design-52410778</a:t>
             </a:r>
+            <a:endParaRPr lang="pt-BR" dirty="0" smtClean="0"/>
+          </a:p>
+          <a:p>
+            <a:r>
+              <a:rPr lang="en-US" b="1" dirty="0"/>
+              <a:t>Modeling Aggregates with DDD and Entity </a:t>
+            </a:r>
+            <a:r>
+              <a:rPr lang="en-US" b="1" dirty="0" smtClean="0"/>
+              <a:t>Framework</a:t>
+            </a:r>
+            <a:br>
+              <a:rPr lang="en-US" b="1" dirty="0" smtClean="0"/>
+            </a:br>
+            <a:r>
+              <a:rPr lang="pt-BR" dirty="0" smtClean="0">
+                <a:hlinkClick r:id="rId7"/>
+              </a:rPr>
+              <a:t>https</a:t>
+            </a:r>
+            <a:r>
+              <a:rPr lang="pt-BR" dirty="0">
+                <a:hlinkClick r:id="rId7"/>
+              </a:rPr>
+              <a:t>://vaughnvernon.co/?</a:t>
+            </a:r>
+            <a:r>
+              <a:rPr lang="pt-BR" dirty="0" smtClean="0">
+                <a:hlinkClick r:id="rId7"/>
+              </a:rPr>
+              <a:t>p=879</a:t>
+            </a:r>
+            <a:endParaRPr lang="pt-BR" dirty="0" smtClean="0"/>
+          </a:p>
+          <a:p>
             <a:endParaRPr lang="pt-BR" dirty="0" smtClean="0"/>
           </a:p>
         </p:txBody>
@@ -12216,6 +12171,17 @@
 <file path=ppt/slides/slide3.xml><?xml version="1.0" encoding="utf-8"?>
 <p:sld xmlns:a="http://schemas.openxmlformats.org/drawingml/2006/main" xmlns:r="http://schemas.openxmlformats.org/officeDocument/2006/relationships" xmlns:p="http://schemas.openxmlformats.org/presentationml/2006/main">
   <p:cSld>
+    <p:bg>
+      <p:bgPr>
+        <a:solidFill>
+          <a:schemeClr val="bg1">
+            <a:lumMod val="95000"/>
+            <a:lumOff val="5000"/>
+          </a:schemeClr>
+        </a:solidFill>
+        <a:effectLst/>
+      </p:bgPr>
+    </p:bg>
     <p:spTree>
       <p:nvGrpSpPr>
         <p:cNvPr id="1" name=""/>
@@ -12246,6 +12212,1702 @@
           <a:lstStyle/>
           <a:p>
             <a:r>
+              <a:rPr lang="pt-BR" dirty="0" smtClean="0">
+                <a:solidFill>
+                  <a:schemeClr val="tx1"/>
+                </a:solidFill>
+              </a:rPr>
+              <a:t>Linguagem Ubíqua</a:t>
+            </a:r>
+            <a:endParaRPr lang="en-US" dirty="0">
+              <a:solidFill>
+                <a:schemeClr val="tx1"/>
+              </a:solidFill>
+            </a:endParaRPr>
+          </a:p>
+        </p:txBody>
+      </p:sp>
+      <p:sp>
+        <p:nvSpPr>
+          <p:cNvPr id="21" name="Forma livre 20"/>
+          <p:cNvSpPr/>
+          <p:nvPr/>
+        </p:nvSpPr>
+        <p:spPr>
+          <a:xfrm>
+            <a:off x="3439844" y="2269197"/>
+            <a:ext cx="2070964" cy="1800933"/>
+          </a:xfrm>
+          <a:custGeom>
+            <a:avLst/>
+            <a:gdLst>
+              <a:gd name="connsiteX0" fmla="*/ 1035482 w 2070964"/>
+              <a:gd name="connsiteY0" fmla="*/ 0 h 1800933"/>
+              <a:gd name="connsiteX1" fmla="*/ 1149687 w 2070964"/>
+              <a:gd name="connsiteY1" fmla="*/ 34668 h 1800933"/>
+              <a:gd name="connsiteX2" fmla="*/ 2070964 w 2070964"/>
+              <a:gd name="connsiteY2" fmla="*/ 900466 h 1800933"/>
+              <a:gd name="connsiteX3" fmla="*/ 1149687 w 2070964"/>
+              <a:gd name="connsiteY3" fmla="*/ 1766264 h 1800933"/>
+              <a:gd name="connsiteX4" fmla="*/ 1035482 w 2070964"/>
+              <a:gd name="connsiteY4" fmla="*/ 1800933 h 1800933"/>
+              <a:gd name="connsiteX5" fmla="*/ 921278 w 2070964"/>
+              <a:gd name="connsiteY5" fmla="*/ 1766264 h 1800933"/>
+              <a:gd name="connsiteX6" fmla="*/ 0 w 2070964"/>
+              <a:gd name="connsiteY6" fmla="*/ 900466 h 1800933"/>
+              <a:gd name="connsiteX7" fmla="*/ 921278 w 2070964"/>
+              <a:gd name="connsiteY7" fmla="*/ 34668 h 1800933"/>
+              <a:gd name="connsiteX8" fmla="*/ 1035482 w 2070964"/>
+              <a:gd name="connsiteY8" fmla="*/ 0 h 1800933"/>
+            </a:gdLst>
+            <a:ahLst/>
+            <a:cxnLst>
+              <a:cxn ang="0">
+                <a:pos x="connsiteX0" y="connsiteY0"/>
+              </a:cxn>
+              <a:cxn ang="0">
+                <a:pos x="connsiteX1" y="connsiteY1"/>
+              </a:cxn>
+              <a:cxn ang="0">
+                <a:pos x="connsiteX2" y="connsiteY2"/>
+              </a:cxn>
+              <a:cxn ang="0">
+                <a:pos x="connsiteX3" y="connsiteY3"/>
+              </a:cxn>
+              <a:cxn ang="0">
+                <a:pos x="connsiteX4" y="connsiteY4"/>
+              </a:cxn>
+              <a:cxn ang="0">
+                <a:pos x="connsiteX5" y="connsiteY5"/>
+              </a:cxn>
+              <a:cxn ang="0">
+                <a:pos x="connsiteX6" y="connsiteY6"/>
+              </a:cxn>
+              <a:cxn ang="0">
+                <a:pos x="connsiteX7" y="connsiteY7"/>
+              </a:cxn>
+              <a:cxn ang="0">
+                <a:pos x="connsiteX8" y="connsiteY8"/>
+              </a:cxn>
+            </a:cxnLst>
+            <a:rect l="l" t="t" r="r" b="b"/>
+            <a:pathLst>
+              <a:path w="2070964" h="1800933">
+                <a:moveTo>
+                  <a:pt x="1035482" y="0"/>
+                </a:moveTo>
+                <a:lnTo>
+                  <a:pt x="1149687" y="34668"/>
+                </a:lnTo>
+                <a:cubicBezTo>
+                  <a:pt x="1705520" y="222303"/>
+                  <a:pt x="2070964" y="540060"/>
+                  <a:pt x="2070964" y="900466"/>
+                </a:cubicBezTo>
+                <a:cubicBezTo>
+                  <a:pt x="2070964" y="1260872"/>
+                  <a:pt x="1705520" y="1578629"/>
+                  <a:pt x="1149687" y="1766264"/>
+                </a:cubicBezTo>
+                <a:lnTo>
+                  <a:pt x="1035482" y="1800933"/>
+                </a:lnTo>
+                <a:lnTo>
+                  <a:pt x="921278" y="1766264"/>
+                </a:lnTo>
+                <a:cubicBezTo>
+                  <a:pt x="365445" y="1578629"/>
+                  <a:pt x="0" y="1260872"/>
+                  <a:pt x="0" y="900466"/>
+                </a:cubicBezTo>
+                <a:cubicBezTo>
+                  <a:pt x="0" y="540060"/>
+                  <a:pt x="365445" y="222303"/>
+                  <a:pt x="921278" y="34668"/>
+                </a:cubicBezTo>
+                <a:lnTo>
+                  <a:pt x="1035482" y="0"/>
+                </a:lnTo>
+                <a:close/>
+              </a:path>
+            </a:pathLst>
+          </a:custGeom>
+          <a:solidFill>
+            <a:srgbClr val="00B050"/>
+          </a:solidFill>
+          <a:ln w="38100">
+            <a:solidFill>
+              <a:srgbClr val="0070C0"/>
+            </a:solidFill>
+          </a:ln>
+        </p:spPr>
+        <p:style>
+          <a:lnRef idx="2">
+            <a:schemeClr val="lt1">
+              <a:hueOff val="0"/>
+              <a:satOff val="0"/>
+              <a:lumOff val="0"/>
+              <a:alphaOff val="0"/>
+            </a:schemeClr>
+          </a:lnRef>
+          <a:fillRef idx="1">
+            <a:schemeClr val="accent1">
+              <a:alpha val="50000"/>
+              <a:hueOff val="0"/>
+              <a:satOff val="0"/>
+              <a:lumOff val="0"/>
+              <a:alphaOff val="0"/>
+            </a:schemeClr>
+          </a:fillRef>
+          <a:effectRef idx="0">
+            <a:schemeClr val="accent1">
+              <a:alpha val="50000"/>
+              <a:hueOff val="0"/>
+              <a:satOff val="0"/>
+              <a:lumOff val="0"/>
+              <a:alphaOff val="0"/>
+            </a:schemeClr>
+          </a:effectRef>
+          <a:fontRef idx="minor">
+            <a:schemeClr val="tx1"/>
+          </a:fontRef>
+        </p:style>
+        <p:txBody>
+          <a:bodyPr spcFirstLastPara="0" vert="horz" wrap="square" lIns="472440" tIns="398961" rIns="960120" bIns="398961" numCol="1" spcCol="1270" anchor="ctr" anchorCtr="0">
+            <a:noAutofit/>
+          </a:bodyPr>
+          <a:lstStyle/>
+          <a:p>
+            <a:pPr lvl="0" defTabSz="1422400">
+              <a:lnSpc>
+                <a:spcPct val="90000"/>
+              </a:lnSpc>
+              <a:spcBef>
+                <a:spcPct val="0"/>
+              </a:spcBef>
+              <a:spcAft>
+                <a:spcPct val="35000"/>
+              </a:spcAft>
+            </a:pPr>
+            <a:endParaRPr lang="pt-BR" sz="2000" b="1" kern="1200" dirty="0"/>
+          </a:p>
+        </p:txBody>
+      </p:sp>
+      <p:sp>
+        <p:nvSpPr>
+          <p:cNvPr id="20" name="Forma livre 19"/>
+          <p:cNvSpPr/>
+          <p:nvPr/>
+        </p:nvSpPr>
+        <p:spPr>
+          <a:xfrm>
+            <a:off x="1331640" y="2125545"/>
+            <a:ext cx="3143686" cy="2088234"/>
+          </a:xfrm>
+          <a:custGeom>
+            <a:avLst/>
+            <a:gdLst>
+              <a:gd name="connsiteX0" fmla="*/ 2089584 w 3143686"/>
+              <a:gd name="connsiteY0" fmla="*/ 0 h 2088234"/>
+              <a:gd name="connsiteX1" fmla="*/ 3085604 w 3143686"/>
+              <a:gd name="connsiteY1" fmla="*/ 126019 h 2088234"/>
+              <a:gd name="connsiteX2" fmla="*/ 3143686 w 3143686"/>
+              <a:gd name="connsiteY2" fmla="*/ 143651 h 2088234"/>
+              <a:gd name="connsiteX3" fmla="*/ 3029482 w 3143686"/>
+              <a:gd name="connsiteY3" fmla="*/ 178319 h 2088234"/>
+              <a:gd name="connsiteX4" fmla="*/ 2108204 w 3143686"/>
+              <a:gd name="connsiteY4" fmla="*/ 1044117 h 2088234"/>
+              <a:gd name="connsiteX5" fmla="*/ 3029482 w 3143686"/>
+              <a:gd name="connsiteY5" fmla="*/ 1909915 h 2088234"/>
+              <a:gd name="connsiteX6" fmla="*/ 3143686 w 3143686"/>
+              <a:gd name="connsiteY6" fmla="*/ 1944584 h 2088234"/>
+              <a:gd name="connsiteX7" fmla="*/ 3085604 w 3143686"/>
+              <a:gd name="connsiteY7" fmla="*/ 1962215 h 2088234"/>
+              <a:gd name="connsiteX8" fmla="*/ 2089584 w 3143686"/>
+              <a:gd name="connsiteY8" fmla="*/ 2088234 h 2088234"/>
+              <a:gd name="connsiteX9" fmla="*/ 0 w 3143686"/>
+              <a:gd name="connsiteY9" fmla="*/ 1044117 h 2088234"/>
+              <a:gd name="connsiteX10" fmla="*/ 2089584 w 3143686"/>
+              <a:gd name="connsiteY10" fmla="*/ 0 h 2088234"/>
+            </a:gdLst>
+            <a:ahLst/>
+            <a:cxnLst>
+              <a:cxn ang="0">
+                <a:pos x="connsiteX0" y="connsiteY0"/>
+              </a:cxn>
+              <a:cxn ang="0">
+                <a:pos x="connsiteX1" y="connsiteY1"/>
+              </a:cxn>
+              <a:cxn ang="0">
+                <a:pos x="connsiteX2" y="connsiteY2"/>
+              </a:cxn>
+              <a:cxn ang="0">
+                <a:pos x="connsiteX3" y="connsiteY3"/>
+              </a:cxn>
+              <a:cxn ang="0">
+                <a:pos x="connsiteX4" y="connsiteY4"/>
+              </a:cxn>
+              <a:cxn ang="0">
+                <a:pos x="connsiteX5" y="connsiteY5"/>
+              </a:cxn>
+              <a:cxn ang="0">
+                <a:pos x="connsiteX6" y="connsiteY6"/>
+              </a:cxn>
+              <a:cxn ang="0">
+                <a:pos x="connsiteX7" y="connsiteY7"/>
+              </a:cxn>
+              <a:cxn ang="0">
+                <a:pos x="connsiteX8" y="connsiteY8"/>
+              </a:cxn>
+              <a:cxn ang="0">
+                <a:pos x="connsiteX9" y="connsiteY9"/>
+              </a:cxn>
+              <a:cxn ang="0">
+                <a:pos x="connsiteX10" y="connsiteY10"/>
+              </a:cxn>
+            </a:cxnLst>
+            <a:rect l="l" t="t" r="r" b="b"/>
+            <a:pathLst>
+              <a:path w="3143686" h="2088234">
+                <a:moveTo>
+                  <a:pt x="2089584" y="0"/>
+                </a:moveTo>
+                <a:cubicBezTo>
+                  <a:pt x="2450224" y="0"/>
+                  <a:pt x="2789524" y="45651"/>
+                  <a:pt x="3085604" y="126019"/>
+                </a:cubicBezTo>
+                <a:lnTo>
+                  <a:pt x="3143686" y="143651"/>
+                </a:lnTo>
+                <a:lnTo>
+                  <a:pt x="3029482" y="178319"/>
+                </a:lnTo>
+                <a:cubicBezTo>
+                  <a:pt x="2473649" y="365954"/>
+                  <a:pt x="2108204" y="683711"/>
+                  <a:pt x="2108204" y="1044117"/>
+                </a:cubicBezTo>
+                <a:cubicBezTo>
+                  <a:pt x="2108204" y="1404523"/>
+                  <a:pt x="2473649" y="1722280"/>
+                  <a:pt x="3029482" y="1909915"/>
+                </a:cubicBezTo>
+                <a:lnTo>
+                  <a:pt x="3143686" y="1944584"/>
+                </a:lnTo>
+                <a:lnTo>
+                  <a:pt x="3085604" y="1962215"/>
+                </a:lnTo>
+                <a:cubicBezTo>
+                  <a:pt x="2789524" y="2042583"/>
+                  <a:pt x="2450224" y="2088234"/>
+                  <a:pt x="2089584" y="2088234"/>
+                </a:cubicBezTo>
+                <a:cubicBezTo>
+                  <a:pt x="935539" y="2088234"/>
+                  <a:pt x="0" y="1620767"/>
+                  <a:pt x="0" y="1044117"/>
+                </a:cubicBezTo>
+                <a:cubicBezTo>
+                  <a:pt x="0" y="467467"/>
+                  <a:pt x="935539" y="0"/>
+                  <a:pt x="2089584" y="0"/>
+                </a:cubicBezTo>
+                <a:close/>
+              </a:path>
+            </a:pathLst>
+          </a:custGeom>
+          <a:solidFill>
+            <a:srgbClr val="0070C0"/>
+          </a:solidFill>
+          <a:ln w="38100">
+            <a:solidFill>
+              <a:schemeClr val="tx1"/>
+            </a:solidFill>
+          </a:ln>
+        </p:spPr>
+        <p:style>
+          <a:lnRef idx="2">
+            <a:schemeClr val="lt1">
+              <a:hueOff val="0"/>
+              <a:satOff val="0"/>
+              <a:lumOff val="0"/>
+              <a:alphaOff val="0"/>
+            </a:schemeClr>
+          </a:lnRef>
+          <a:fillRef idx="1">
+            <a:schemeClr val="accent1">
+              <a:alpha val="50000"/>
+              <a:hueOff val="0"/>
+              <a:satOff val="0"/>
+              <a:lumOff val="0"/>
+              <a:alphaOff val="0"/>
+            </a:schemeClr>
+          </a:fillRef>
+          <a:effectRef idx="0">
+            <a:schemeClr val="accent1">
+              <a:alpha val="50000"/>
+              <a:hueOff val="0"/>
+              <a:satOff val="0"/>
+              <a:lumOff val="0"/>
+              <a:alphaOff val="0"/>
+            </a:schemeClr>
+          </a:effectRef>
+          <a:fontRef idx="minor">
+            <a:schemeClr val="tx1"/>
+          </a:fontRef>
+        </p:style>
+        <p:txBody>
+          <a:bodyPr spcFirstLastPara="0" vert="horz" wrap="square" lIns="472440" tIns="398961" rIns="960120" bIns="398961" numCol="1" spcCol="1270" anchor="ctr" anchorCtr="0">
+            <a:noAutofit/>
+          </a:bodyPr>
+          <a:lstStyle/>
+          <a:p>
+            <a:pPr lvl="0" defTabSz="1422400">
+              <a:lnSpc>
+                <a:spcPct val="90000"/>
+              </a:lnSpc>
+              <a:spcBef>
+                <a:spcPct val="0"/>
+              </a:spcBef>
+              <a:spcAft>
+                <a:spcPct val="35000"/>
+              </a:spcAft>
+            </a:pPr>
+            <a:r>
+              <a:rPr lang="pt-BR" sz="2400" b="1" kern="1200" dirty="0" smtClean="0"/>
+              <a:t>Domain </a:t>
+            </a:r>
+            <a:br>
+              <a:rPr lang="pt-BR" sz="2400" b="1" kern="1200" dirty="0" smtClean="0"/>
+            </a:br>
+            <a:r>
+              <a:rPr lang="pt-BR" sz="2400" b="1" kern="1200" dirty="0" smtClean="0"/>
+              <a:t>experts</a:t>
+            </a:r>
+            <a:endParaRPr lang="pt-BR" sz="2400" b="1" kern="1200" dirty="0"/>
+          </a:p>
+        </p:txBody>
+      </p:sp>
+      <p:sp>
+        <p:nvSpPr>
+          <p:cNvPr id="19" name="Forma livre 18"/>
+          <p:cNvSpPr/>
+          <p:nvPr/>
+        </p:nvSpPr>
+        <p:spPr>
+          <a:xfrm>
+            <a:off x="4475326" y="2125545"/>
+            <a:ext cx="3143686" cy="2088234"/>
+          </a:xfrm>
+          <a:custGeom>
+            <a:avLst/>
+            <a:gdLst>
+              <a:gd name="connsiteX0" fmla="*/ 1054102 w 3143686"/>
+              <a:gd name="connsiteY0" fmla="*/ 0 h 2088234"/>
+              <a:gd name="connsiteX1" fmla="*/ 3143686 w 3143686"/>
+              <a:gd name="connsiteY1" fmla="*/ 1044117 h 2088234"/>
+              <a:gd name="connsiteX2" fmla="*/ 1054102 w 3143686"/>
+              <a:gd name="connsiteY2" fmla="*/ 2088234 h 2088234"/>
+              <a:gd name="connsiteX3" fmla="*/ 58082 w 3143686"/>
+              <a:gd name="connsiteY3" fmla="*/ 1962215 h 2088234"/>
+              <a:gd name="connsiteX4" fmla="*/ 0 w 3143686"/>
+              <a:gd name="connsiteY4" fmla="*/ 1944584 h 2088234"/>
+              <a:gd name="connsiteX5" fmla="*/ 114205 w 3143686"/>
+              <a:gd name="connsiteY5" fmla="*/ 1909915 h 2088234"/>
+              <a:gd name="connsiteX6" fmla="*/ 1035482 w 3143686"/>
+              <a:gd name="connsiteY6" fmla="*/ 1044117 h 2088234"/>
+              <a:gd name="connsiteX7" fmla="*/ 114205 w 3143686"/>
+              <a:gd name="connsiteY7" fmla="*/ 178319 h 2088234"/>
+              <a:gd name="connsiteX8" fmla="*/ 0 w 3143686"/>
+              <a:gd name="connsiteY8" fmla="*/ 143651 h 2088234"/>
+              <a:gd name="connsiteX9" fmla="*/ 58082 w 3143686"/>
+              <a:gd name="connsiteY9" fmla="*/ 126019 h 2088234"/>
+              <a:gd name="connsiteX10" fmla="*/ 1054102 w 3143686"/>
+              <a:gd name="connsiteY10" fmla="*/ 0 h 2088234"/>
+            </a:gdLst>
+            <a:ahLst/>
+            <a:cxnLst>
+              <a:cxn ang="0">
+                <a:pos x="connsiteX0" y="connsiteY0"/>
+              </a:cxn>
+              <a:cxn ang="0">
+                <a:pos x="connsiteX1" y="connsiteY1"/>
+              </a:cxn>
+              <a:cxn ang="0">
+                <a:pos x="connsiteX2" y="connsiteY2"/>
+              </a:cxn>
+              <a:cxn ang="0">
+                <a:pos x="connsiteX3" y="connsiteY3"/>
+              </a:cxn>
+              <a:cxn ang="0">
+                <a:pos x="connsiteX4" y="connsiteY4"/>
+              </a:cxn>
+              <a:cxn ang="0">
+                <a:pos x="connsiteX5" y="connsiteY5"/>
+              </a:cxn>
+              <a:cxn ang="0">
+                <a:pos x="connsiteX6" y="connsiteY6"/>
+              </a:cxn>
+              <a:cxn ang="0">
+                <a:pos x="connsiteX7" y="connsiteY7"/>
+              </a:cxn>
+              <a:cxn ang="0">
+                <a:pos x="connsiteX8" y="connsiteY8"/>
+              </a:cxn>
+              <a:cxn ang="0">
+                <a:pos x="connsiteX9" y="connsiteY9"/>
+              </a:cxn>
+              <a:cxn ang="0">
+                <a:pos x="connsiteX10" y="connsiteY10"/>
+              </a:cxn>
+            </a:cxnLst>
+            <a:rect l="l" t="t" r="r" b="b"/>
+            <a:pathLst>
+              <a:path w="3143686" h="2088234">
+                <a:moveTo>
+                  <a:pt x="1054102" y="0"/>
+                </a:moveTo>
+                <a:cubicBezTo>
+                  <a:pt x="2208148" y="0"/>
+                  <a:pt x="3143686" y="467467"/>
+                  <a:pt x="3143686" y="1044117"/>
+                </a:cubicBezTo>
+                <a:cubicBezTo>
+                  <a:pt x="3143686" y="1620767"/>
+                  <a:pt x="2208148" y="2088234"/>
+                  <a:pt x="1054102" y="2088234"/>
+                </a:cubicBezTo>
+                <a:cubicBezTo>
+                  <a:pt x="693463" y="2088234"/>
+                  <a:pt x="354163" y="2042583"/>
+                  <a:pt x="58082" y="1962215"/>
+                </a:cubicBezTo>
+                <a:lnTo>
+                  <a:pt x="0" y="1944584"/>
+                </a:lnTo>
+                <a:lnTo>
+                  <a:pt x="114205" y="1909915"/>
+                </a:lnTo>
+                <a:cubicBezTo>
+                  <a:pt x="670038" y="1722280"/>
+                  <a:pt x="1035482" y="1404523"/>
+                  <a:pt x="1035482" y="1044117"/>
+                </a:cubicBezTo>
+                <a:cubicBezTo>
+                  <a:pt x="1035482" y="683711"/>
+                  <a:pt x="670038" y="365954"/>
+                  <a:pt x="114205" y="178319"/>
+                </a:cubicBezTo>
+                <a:lnTo>
+                  <a:pt x="0" y="143651"/>
+                </a:lnTo>
+                <a:lnTo>
+                  <a:pt x="58082" y="126019"/>
+                </a:lnTo>
+                <a:cubicBezTo>
+                  <a:pt x="354163" y="45651"/>
+                  <a:pt x="693463" y="0"/>
+                  <a:pt x="1054102" y="0"/>
+                </a:cubicBezTo>
+                <a:close/>
+              </a:path>
+            </a:pathLst>
+          </a:custGeom>
+          <a:solidFill>
+            <a:srgbClr val="7030A0"/>
+          </a:solidFill>
+          <a:ln w="38100">
+            <a:solidFill>
+              <a:schemeClr val="tx1"/>
+            </a:solidFill>
+          </a:ln>
+        </p:spPr>
+        <p:style>
+          <a:lnRef idx="2">
+            <a:schemeClr val="lt1">
+              <a:hueOff val="0"/>
+              <a:satOff val="0"/>
+              <a:lumOff val="0"/>
+              <a:alphaOff val="0"/>
+            </a:schemeClr>
+          </a:lnRef>
+          <a:fillRef idx="1">
+            <a:schemeClr val="accent1">
+              <a:alpha val="50000"/>
+              <a:hueOff val="0"/>
+              <a:satOff val="0"/>
+              <a:lumOff val="0"/>
+              <a:alphaOff val="0"/>
+            </a:schemeClr>
+          </a:fillRef>
+          <a:effectRef idx="0">
+            <a:schemeClr val="accent1">
+              <a:alpha val="50000"/>
+              <a:hueOff val="0"/>
+              <a:satOff val="0"/>
+              <a:lumOff val="0"/>
+              <a:alphaOff val="0"/>
+            </a:schemeClr>
+          </a:effectRef>
+          <a:fontRef idx="minor">
+            <a:schemeClr val="tx1"/>
+          </a:fontRef>
+        </p:style>
+        <p:txBody>
+          <a:bodyPr spcFirstLastPara="0" vert="horz" wrap="square" lIns="472440" tIns="398961" rIns="960120" bIns="398961" numCol="1" spcCol="1270" anchor="ctr" anchorCtr="0">
+            <a:noAutofit/>
+          </a:bodyPr>
+          <a:lstStyle/>
+          <a:p>
+            <a:pPr lvl="0" algn="r" defTabSz="1422400">
+              <a:lnSpc>
+                <a:spcPct val="90000"/>
+              </a:lnSpc>
+              <a:spcBef>
+                <a:spcPct val="0"/>
+              </a:spcBef>
+              <a:spcAft>
+                <a:spcPct val="35000"/>
+              </a:spcAft>
+            </a:pPr>
+            <a:endParaRPr lang="pt-BR" sz="3200" b="1" kern="1200" dirty="0"/>
+          </a:p>
+        </p:txBody>
+      </p:sp>
+      <p:sp>
+        <p:nvSpPr>
+          <p:cNvPr id="26" name="Retângulo 25"/>
+          <p:cNvSpPr/>
+          <p:nvPr/>
+        </p:nvSpPr>
+        <p:spPr>
+          <a:xfrm>
+            <a:off x="1305496" y="5085184"/>
+            <a:ext cx="6722888" cy="954107"/>
+          </a:xfrm>
+          <a:prstGeom prst="rect">
+            <a:avLst/>
+          </a:prstGeom>
+        </p:spPr>
+        <p:txBody>
+          <a:bodyPr wrap="square">
+            <a:spAutoFit/>
+          </a:bodyPr>
+          <a:lstStyle/>
+          <a:p>
+            <a:pPr algn="ctr"/>
+            <a:r>
+              <a:rPr lang="pt-BR" sz="2800" dirty="0" smtClean="0">
+                <a:effectLst>
+                  <a:outerShdw blurRad="38100" dist="38100" dir="2700000" algn="tl">
+                    <a:srgbClr val="000000">
+                      <a:alpha val="43137"/>
+                    </a:srgbClr>
+                  </a:outerShdw>
+                </a:effectLst>
+              </a:rPr>
+              <a:t>Palavras e verbos que refletem a </a:t>
+            </a:r>
+            <a:r>
+              <a:rPr lang="pt-BR" sz="2800" b="1" dirty="0" smtClean="0">
+                <a:effectLst>
+                  <a:outerShdw blurRad="38100" dist="38100" dir="2700000" algn="tl">
+                    <a:srgbClr val="000000">
+                      <a:alpha val="43137"/>
+                    </a:srgbClr>
+                  </a:outerShdw>
+                </a:effectLst>
+              </a:rPr>
+              <a:t>semântica do negócio </a:t>
+            </a:r>
+            <a:r>
+              <a:rPr lang="pt-BR" sz="2800" dirty="0" smtClean="0">
+                <a:effectLst>
+                  <a:outerShdw blurRad="38100" dist="38100" dir="2700000" algn="tl">
+                    <a:srgbClr val="000000">
+                      <a:alpha val="43137"/>
+                    </a:srgbClr>
+                  </a:outerShdw>
+                </a:effectLst>
+              </a:rPr>
+              <a:t>limitados a um </a:t>
+            </a:r>
+            <a:r>
+              <a:rPr lang="pt-BR" sz="2800" b="1" dirty="0" smtClean="0">
+                <a:effectLst>
+                  <a:outerShdw blurRad="38100" dist="38100" dir="2700000" algn="tl">
+                    <a:srgbClr val="000000">
+                      <a:alpha val="43137"/>
+                    </a:srgbClr>
+                  </a:outerShdw>
+                </a:effectLst>
+              </a:rPr>
+              <a:t>contexto.</a:t>
+            </a:r>
+            <a:endParaRPr lang="pt-BR" sz="2800" b="1" dirty="0">
+              <a:effectLst>
+                <a:outerShdw blurRad="38100" dist="38100" dir="2700000" algn="tl">
+                  <a:srgbClr val="000000">
+                    <a:alpha val="43137"/>
+                  </a:srgbClr>
+                </a:outerShdw>
+              </a:effectLst>
+            </a:endParaRPr>
+          </a:p>
+        </p:txBody>
+      </p:sp>
+      <p:sp>
+        <p:nvSpPr>
+          <p:cNvPr id="3" name="Retângulo 2"/>
+          <p:cNvSpPr/>
+          <p:nvPr/>
+        </p:nvSpPr>
+        <p:spPr>
+          <a:xfrm>
+            <a:off x="6059949" y="2846496"/>
+            <a:ext cx="1556669" cy="646331"/>
+          </a:xfrm>
+          <a:prstGeom prst="rect">
+            <a:avLst/>
+          </a:prstGeom>
+        </p:spPr>
+        <p:txBody>
+          <a:bodyPr wrap="square">
+            <a:spAutoFit/>
+          </a:bodyPr>
+          <a:lstStyle/>
+          <a:p>
+            <a:pPr lvl="0" defTabSz="1422400">
+              <a:lnSpc>
+                <a:spcPct val="90000"/>
+              </a:lnSpc>
+              <a:spcBef>
+                <a:spcPct val="0"/>
+              </a:spcBef>
+              <a:spcAft>
+                <a:spcPct val="35000"/>
+              </a:spcAft>
+            </a:pPr>
+            <a:r>
+              <a:rPr lang="pt-BR" sz="2000" b="1" dirty="0" smtClean="0"/>
+              <a:t>Equipe de </a:t>
+            </a:r>
+            <a:br>
+              <a:rPr lang="pt-BR" sz="2000" b="1" dirty="0" smtClean="0"/>
+            </a:br>
+            <a:r>
+              <a:rPr lang="pt-BR" sz="2000" b="1" dirty="0" err="1" smtClean="0"/>
+              <a:t>Devs</a:t>
+            </a:r>
+            <a:endParaRPr lang="pt-BR" sz="2000" b="1" dirty="0"/>
+          </a:p>
+        </p:txBody>
+      </p:sp>
+      <p:sp>
+        <p:nvSpPr>
+          <p:cNvPr id="22" name="Retângulo 21"/>
+          <p:cNvSpPr/>
+          <p:nvPr/>
+        </p:nvSpPr>
+        <p:spPr>
+          <a:xfrm>
+            <a:off x="3779912" y="2797005"/>
+            <a:ext cx="1553100" cy="646331"/>
+          </a:xfrm>
+          <a:prstGeom prst="rect">
+            <a:avLst/>
+          </a:prstGeom>
+        </p:spPr>
+        <p:txBody>
+          <a:bodyPr wrap="square">
+            <a:spAutoFit/>
+          </a:bodyPr>
+          <a:lstStyle/>
+          <a:p>
+            <a:pPr lvl="0" defTabSz="1422400">
+              <a:lnSpc>
+                <a:spcPct val="90000"/>
+              </a:lnSpc>
+              <a:spcBef>
+                <a:spcPct val="0"/>
+              </a:spcBef>
+              <a:spcAft>
+                <a:spcPct val="35000"/>
+              </a:spcAft>
+            </a:pPr>
+            <a:r>
+              <a:rPr lang="pt-BR" sz="2000" b="1" dirty="0" smtClean="0">
+                <a:effectLst>
+                  <a:outerShdw blurRad="38100" dist="38100" dir="2700000" algn="tl">
+                    <a:srgbClr val="000000">
+                      <a:alpha val="43137"/>
+                    </a:srgbClr>
+                  </a:outerShdw>
+                </a:effectLst>
+              </a:rPr>
+              <a:t>Linguagem</a:t>
+            </a:r>
+            <a:br>
+              <a:rPr lang="pt-BR" sz="2000" b="1" dirty="0" smtClean="0">
+                <a:effectLst>
+                  <a:outerShdw blurRad="38100" dist="38100" dir="2700000" algn="tl">
+                    <a:srgbClr val="000000">
+                      <a:alpha val="43137"/>
+                    </a:srgbClr>
+                  </a:outerShdw>
+                </a:effectLst>
+              </a:rPr>
+            </a:br>
+            <a:r>
+              <a:rPr lang="pt-BR" sz="2000" b="1" dirty="0" smtClean="0">
+                <a:effectLst>
+                  <a:outerShdw blurRad="38100" dist="38100" dir="2700000" algn="tl">
+                    <a:srgbClr val="000000">
+                      <a:alpha val="43137"/>
+                    </a:srgbClr>
+                  </a:outerShdw>
+                </a:effectLst>
+              </a:rPr>
+              <a:t>Ubíqua</a:t>
+            </a:r>
+            <a:endParaRPr lang="pt-BR" sz="2000" b="1" dirty="0">
+              <a:effectLst>
+                <a:outerShdw blurRad="38100" dist="38100" dir="2700000" algn="tl">
+                  <a:srgbClr val="000000">
+                    <a:alpha val="43137"/>
+                  </a:srgbClr>
+                </a:outerShdw>
+              </a:effectLst>
+            </a:endParaRPr>
+          </a:p>
+        </p:txBody>
+      </p:sp>
+    </p:spTree>
+    <p:extLst>
+      <p:ext uri="{BB962C8B-B14F-4D97-AF65-F5344CB8AC3E}">
+        <p14:creationId xmlns:p14="http://schemas.microsoft.com/office/powerpoint/2010/main" val="3289832166"/>
+      </p:ext>
+    </p:extLst>
+  </p:cSld>
+  <p:clrMapOvr>
+    <a:masterClrMapping/>
+  </p:clrMapOvr>
+  <p:timing>
+    <p:tnLst>
+      <p:par>
+        <p:cTn id="1" dur="indefinite" restart="never" nodeType="tmRoot"/>
+      </p:par>
+    </p:tnLst>
+  </p:timing>
+</p:sld>
+</file>
+
+<file path=ppt/slides/slide4.xml><?xml version="1.0" encoding="utf-8"?>
+<p:sld xmlns:a="http://schemas.openxmlformats.org/drawingml/2006/main" xmlns:r="http://schemas.openxmlformats.org/officeDocument/2006/relationships" xmlns:p="http://schemas.openxmlformats.org/presentationml/2006/main">
+  <p:cSld>
+    <p:bg>
+      <p:bgPr>
+        <a:solidFill>
+          <a:srgbClr val="0070C0"/>
+        </a:solidFill>
+        <a:effectLst/>
+      </p:bgPr>
+    </p:bg>
+    <p:spTree>
+      <p:nvGrpSpPr>
+        <p:cNvPr id="1" name=""/>
+        <p:cNvGrpSpPr/>
+        <p:nvPr/>
+      </p:nvGrpSpPr>
+      <p:grpSpPr>
+        <a:xfrm>
+          <a:off x="0" y="0"/>
+          <a:ext cx="0" cy="0"/>
+          <a:chOff x="0" y="0"/>
+          <a:chExt cx="0" cy="0"/>
+        </a:xfrm>
+      </p:grpSpPr>
+      <p:sp>
+        <p:nvSpPr>
+          <p:cNvPr id="2" name="Título 1"/>
+          <p:cNvSpPr>
+            <a:spLocks noGrp="1"/>
+          </p:cNvSpPr>
+          <p:nvPr>
+            <p:ph type="title"/>
+          </p:nvPr>
+        </p:nvSpPr>
+        <p:spPr/>
+        <p:txBody>
+          <a:bodyPr/>
+          <a:lstStyle/>
+          <a:p>
+            <a:r>
+              <a:rPr lang="pt-BR" dirty="0" smtClean="0">
+                <a:solidFill>
+                  <a:schemeClr val="tx1"/>
+                </a:solidFill>
+              </a:rPr>
+              <a:t>Linguagem Ubíqua</a:t>
+            </a:r>
+            <a:endParaRPr lang="en-US" dirty="0">
+              <a:solidFill>
+                <a:schemeClr val="tx1"/>
+              </a:solidFill>
+            </a:endParaRPr>
+          </a:p>
+        </p:txBody>
+      </p:sp>
+      <p:sp>
+        <p:nvSpPr>
+          <p:cNvPr id="7" name="Forma livre 6"/>
+          <p:cNvSpPr/>
+          <p:nvPr/>
+        </p:nvSpPr>
+        <p:spPr>
+          <a:xfrm>
+            <a:off x="1403648" y="2564904"/>
+            <a:ext cx="6048672" cy="3168352"/>
+          </a:xfrm>
+          <a:custGeom>
+            <a:avLst/>
+            <a:gdLst>
+              <a:gd name="connsiteX0" fmla="*/ 0 w 3383280"/>
+              <a:gd name="connsiteY0" fmla="*/ 1691640 h 3383279"/>
+              <a:gd name="connsiteX1" fmla="*/ 1691640 w 3383280"/>
+              <a:gd name="connsiteY1" fmla="*/ 0 h 3383279"/>
+              <a:gd name="connsiteX2" fmla="*/ 3383280 w 3383280"/>
+              <a:gd name="connsiteY2" fmla="*/ 1691640 h 3383279"/>
+              <a:gd name="connsiteX3" fmla="*/ 1691640 w 3383280"/>
+              <a:gd name="connsiteY3" fmla="*/ 3383280 h 3383279"/>
+              <a:gd name="connsiteX4" fmla="*/ 0 w 3383280"/>
+              <a:gd name="connsiteY4" fmla="*/ 1691640 h 3383279"/>
+            </a:gdLst>
+            <a:ahLst/>
+            <a:cxnLst>
+              <a:cxn ang="0">
+                <a:pos x="connsiteX0" y="connsiteY0"/>
+              </a:cxn>
+              <a:cxn ang="0">
+                <a:pos x="connsiteX1" y="connsiteY1"/>
+              </a:cxn>
+              <a:cxn ang="0">
+                <a:pos x="connsiteX2" y="connsiteY2"/>
+              </a:cxn>
+              <a:cxn ang="0">
+                <a:pos x="connsiteX3" y="connsiteY3"/>
+              </a:cxn>
+              <a:cxn ang="0">
+                <a:pos x="connsiteX4" y="connsiteY4"/>
+              </a:cxn>
+            </a:cxnLst>
+            <a:rect l="l" t="t" r="r" b="b"/>
+            <a:pathLst>
+              <a:path w="3383280" h="3383279">
+                <a:moveTo>
+                  <a:pt x="0" y="1691640"/>
+                </a:moveTo>
+                <a:cubicBezTo>
+                  <a:pt x="0" y="757373"/>
+                  <a:pt x="757373" y="0"/>
+                  <a:pt x="1691640" y="0"/>
+                </a:cubicBezTo>
+                <a:cubicBezTo>
+                  <a:pt x="2625907" y="0"/>
+                  <a:pt x="3383280" y="757373"/>
+                  <a:pt x="3383280" y="1691640"/>
+                </a:cubicBezTo>
+                <a:cubicBezTo>
+                  <a:pt x="3383280" y="2625907"/>
+                  <a:pt x="2625907" y="3383280"/>
+                  <a:pt x="1691640" y="3383280"/>
+                </a:cubicBezTo>
+                <a:cubicBezTo>
+                  <a:pt x="757373" y="3383280"/>
+                  <a:pt x="0" y="2625907"/>
+                  <a:pt x="0" y="1691640"/>
+                </a:cubicBezTo>
+                <a:close/>
+              </a:path>
+            </a:pathLst>
+          </a:custGeom>
+          <a:solidFill>
+            <a:srgbClr val="00B050"/>
+          </a:solidFill>
+          <a:ln w="28575">
+            <a:solidFill>
+              <a:schemeClr val="tx1"/>
+            </a:solidFill>
+          </a:ln>
+        </p:spPr>
+        <p:style>
+          <a:lnRef idx="2">
+            <a:schemeClr val="lt1">
+              <a:hueOff val="0"/>
+              <a:satOff val="0"/>
+              <a:lumOff val="0"/>
+              <a:alphaOff val="0"/>
+            </a:schemeClr>
+          </a:lnRef>
+          <a:fillRef idx="1">
+            <a:scrgbClr r="0" g="0" b="0"/>
+          </a:fillRef>
+          <a:effectRef idx="0">
+            <a:schemeClr val="accent1">
+              <a:alpha val="50000"/>
+              <a:hueOff val="0"/>
+              <a:satOff val="0"/>
+              <a:lumOff val="0"/>
+              <a:alphaOff val="0"/>
+            </a:schemeClr>
+          </a:effectRef>
+          <a:fontRef idx="minor">
+            <a:schemeClr val="tx1"/>
+          </a:fontRef>
+        </p:style>
+        <p:txBody>
+          <a:bodyPr spcFirstLastPara="0" vert="horz" wrap="square" lIns="960121" tIns="398961" rIns="472439" bIns="398961" numCol="1" spcCol="1270" anchor="ctr" anchorCtr="0">
+            <a:noAutofit/>
+          </a:bodyPr>
+          <a:lstStyle/>
+          <a:p>
+            <a:pPr lvl="0" algn="ctr" defTabSz="1422400">
+              <a:lnSpc>
+                <a:spcPct val="90000"/>
+              </a:lnSpc>
+              <a:spcBef>
+                <a:spcPct val="0"/>
+              </a:spcBef>
+              <a:spcAft>
+                <a:spcPct val="35000"/>
+              </a:spcAft>
+            </a:pPr>
+            <a:endParaRPr lang="pt-BR" sz="2400" b="1" kern="1200" dirty="0">
+              <a:solidFill>
+                <a:schemeClr val="bg1"/>
+              </a:solidFill>
+              <a:effectLst>
+                <a:outerShdw blurRad="38100" dist="38100" dir="2700000" algn="tl">
+                  <a:srgbClr val="000000">
+                    <a:alpha val="43137"/>
+                  </a:srgbClr>
+                </a:outerShdw>
+              </a:effectLst>
+            </a:endParaRPr>
+          </a:p>
+        </p:txBody>
+      </p:sp>
+      <p:sp>
+        <p:nvSpPr>
+          <p:cNvPr id="8" name="CaixaDeTexto 7"/>
+          <p:cNvSpPr txBox="1"/>
+          <p:nvPr/>
+        </p:nvSpPr>
+        <p:spPr>
+          <a:xfrm>
+            <a:off x="3475166" y="2990306"/>
+            <a:ext cx="1948052" cy="954107"/>
+          </a:xfrm>
+          <a:prstGeom prst="rect">
+            <a:avLst/>
+          </a:prstGeom>
+          <a:noFill/>
+        </p:spPr>
+        <p:txBody>
+          <a:bodyPr wrap="square" rtlCol="0">
+            <a:spAutoFit/>
+          </a:bodyPr>
+          <a:lstStyle/>
+          <a:p>
+            <a:pPr algn="ctr"/>
+            <a:r>
+              <a:rPr lang="pt-BR" sz="2800" b="1" dirty="0" smtClean="0">
+                <a:effectLst>
+                  <a:outerShdw blurRad="38100" dist="38100" dir="2700000" algn="tl">
+                    <a:srgbClr val="000000">
+                      <a:alpha val="43137"/>
+                    </a:srgbClr>
+                  </a:outerShdw>
+                </a:effectLst>
+              </a:rPr>
+              <a:t>Linguagem</a:t>
+            </a:r>
+            <a:br>
+              <a:rPr lang="pt-BR" sz="2800" b="1" dirty="0" smtClean="0">
+                <a:effectLst>
+                  <a:outerShdw blurRad="38100" dist="38100" dir="2700000" algn="tl">
+                    <a:srgbClr val="000000">
+                      <a:alpha val="43137"/>
+                    </a:srgbClr>
+                  </a:outerShdw>
+                </a:effectLst>
+              </a:rPr>
+            </a:br>
+            <a:r>
+              <a:rPr lang="pt-BR" sz="2800" b="1" dirty="0" smtClean="0">
+                <a:effectLst>
+                  <a:outerShdw blurRad="38100" dist="38100" dir="2700000" algn="tl">
+                    <a:srgbClr val="000000">
+                      <a:alpha val="43137"/>
+                    </a:srgbClr>
+                  </a:outerShdw>
+                </a:effectLst>
+              </a:rPr>
+              <a:t>Ubíqua</a:t>
+            </a:r>
+            <a:endParaRPr lang="pt-BR" sz="2800" b="1" dirty="0">
+              <a:effectLst>
+                <a:outerShdw blurRad="38100" dist="38100" dir="2700000" algn="tl">
+                  <a:srgbClr val="000000">
+                    <a:alpha val="43137"/>
+                  </a:srgbClr>
+                </a:outerShdw>
+              </a:effectLst>
+            </a:endParaRPr>
+          </a:p>
+        </p:txBody>
+      </p:sp>
+      <p:sp>
+        <p:nvSpPr>
+          <p:cNvPr id="11" name="CaixaDeTexto 10"/>
+          <p:cNvSpPr txBox="1"/>
+          <p:nvPr/>
+        </p:nvSpPr>
+        <p:spPr>
+          <a:xfrm>
+            <a:off x="3914543" y="4725144"/>
+            <a:ext cx="1797287" cy="646331"/>
+          </a:xfrm>
+          <a:prstGeom prst="rect">
+            <a:avLst/>
+          </a:prstGeom>
+          <a:noFill/>
+        </p:spPr>
+        <p:txBody>
+          <a:bodyPr wrap="none" rtlCol="0">
+            <a:spAutoFit/>
+          </a:bodyPr>
+          <a:lstStyle/>
+          <a:p>
+            <a:pPr algn="ctr"/>
+            <a:r>
+              <a:rPr lang="pt-BR" b="1" dirty="0" smtClean="0">
+                <a:effectLst>
+                  <a:outerShdw blurRad="38100" dist="38100" dir="2700000" algn="tl">
+                    <a:srgbClr val="000000">
+                      <a:alpha val="43137"/>
+                    </a:srgbClr>
+                  </a:outerShdw>
+                </a:effectLst>
+              </a:rPr>
+              <a:t>Conceitos chave</a:t>
+            </a:r>
+            <a:br>
+              <a:rPr lang="pt-BR" b="1" dirty="0" smtClean="0">
+                <a:effectLst>
+                  <a:outerShdw blurRad="38100" dist="38100" dir="2700000" algn="tl">
+                    <a:srgbClr val="000000">
+                      <a:alpha val="43137"/>
+                    </a:srgbClr>
+                  </a:outerShdw>
+                </a:effectLst>
+              </a:rPr>
+            </a:br>
+            <a:r>
+              <a:rPr lang="pt-BR" b="1" dirty="0" smtClean="0">
+                <a:effectLst>
+                  <a:outerShdw blurRad="38100" dist="38100" dir="2700000" algn="tl">
+                    <a:srgbClr val="000000">
+                      <a:alpha val="43137"/>
+                    </a:srgbClr>
+                  </a:outerShdw>
+                </a:effectLst>
+              </a:rPr>
+              <a:t>de negócio</a:t>
+            </a:r>
+            <a:endParaRPr lang="pt-BR" b="1" dirty="0">
+              <a:effectLst>
+                <a:outerShdw blurRad="38100" dist="38100" dir="2700000" algn="tl">
+                  <a:srgbClr val="000000">
+                    <a:alpha val="43137"/>
+                  </a:srgbClr>
+                </a:outerShdw>
+              </a:effectLst>
+            </a:endParaRPr>
+          </a:p>
+        </p:txBody>
+      </p:sp>
+      <p:sp>
+        <p:nvSpPr>
+          <p:cNvPr id="12" name="CaixaDeTexto 11"/>
+          <p:cNvSpPr txBox="1"/>
+          <p:nvPr/>
+        </p:nvSpPr>
+        <p:spPr>
+          <a:xfrm>
+            <a:off x="1691680" y="3949923"/>
+            <a:ext cx="2028696" cy="369332"/>
+          </a:xfrm>
+          <a:prstGeom prst="rect">
+            <a:avLst/>
+          </a:prstGeom>
+          <a:noFill/>
+        </p:spPr>
+        <p:txBody>
+          <a:bodyPr wrap="none" rtlCol="0">
+            <a:spAutoFit/>
+          </a:bodyPr>
+          <a:lstStyle/>
+          <a:p>
+            <a:pPr algn="ctr"/>
+            <a:r>
+              <a:rPr lang="pt-BR" b="1" dirty="0" err="1" smtClean="0">
+                <a:effectLst>
+                  <a:outerShdw blurRad="38100" dist="38100" dir="2700000" algn="tl">
+                    <a:srgbClr val="000000">
+                      <a:alpha val="43137"/>
+                    </a:srgbClr>
+                  </a:outerShdw>
+                </a:effectLst>
+              </a:rPr>
+              <a:t>Bounded</a:t>
+            </a:r>
+            <a:r>
+              <a:rPr lang="pt-BR" b="1" dirty="0" smtClean="0">
+                <a:effectLst>
+                  <a:outerShdw blurRad="38100" dist="38100" dir="2700000" algn="tl">
+                    <a:srgbClr val="000000">
+                      <a:alpha val="43137"/>
+                    </a:srgbClr>
+                  </a:outerShdw>
+                </a:effectLst>
+              </a:rPr>
+              <a:t> </a:t>
+            </a:r>
+            <a:r>
+              <a:rPr lang="pt-BR" b="1" dirty="0" err="1" smtClean="0">
+                <a:effectLst>
+                  <a:outerShdw blurRad="38100" dist="38100" dir="2700000" algn="tl">
+                    <a:srgbClr val="000000">
+                      <a:alpha val="43137"/>
+                    </a:srgbClr>
+                  </a:outerShdw>
+                </a:effectLst>
+              </a:rPr>
+              <a:t>Contexts</a:t>
+            </a:r>
+            <a:endParaRPr lang="pt-BR" b="1" dirty="0">
+              <a:effectLst>
+                <a:outerShdw blurRad="38100" dist="38100" dir="2700000" algn="tl">
+                  <a:srgbClr val="000000">
+                    <a:alpha val="43137"/>
+                  </a:srgbClr>
+                </a:outerShdw>
+              </a:effectLst>
+            </a:endParaRPr>
+          </a:p>
+        </p:txBody>
+      </p:sp>
+      <p:sp>
+        <p:nvSpPr>
+          <p:cNvPr id="13" name="CaixaDeTexto 12"/>
+          <p:cNvSpPr txBox="1"/>
+          <p:nvPr/>
+        </p:nvSpPr>
+        <p:spPr>
+          <a:xfrm>
+            <a:off x="5423218" y="3944413"/>
+            <a:ext cx="1566454" cy="369332"/>
+          </a:xfrm>
+          <a:prstGeom prst="rect">
+            <a:avLst/>
+          </a:prstGeom>
+          <a:noFill/>
+        </p:spPr>
+        <p:txBody>
+          <a:bodyPr wrap="none" rtlCol="0">
+            <a:spAutoFit/>
+          </a:bodyPr>
+          <a:lstStyle/>
+          <a:p>
+            <a:pPr algn="ctr"/>
+            <a:r>
+              <a:rPr lang="pt-BR" b="1" dirty="0" smtClean="0">
+                <a:effectLst>
+                  <a:outerShdw blurRad="38100" dist="38100" dir="2700000" algn="tl">
+                    <a:srgbClr val="000000">
+                      <a:alpha val="43137"/>
+                    </a:srgbClr>
+                  </a:outerShdw>
+                </a:effectLst>
+              </a:rPr>
+              <a:t>DDD </a:t>
+            </a:r>
+            <a:r>
+              <a:rPr lang="pt-BR" b="1" dirty="0" err="1" smtClean="0">
+                <a:effectLst>
+                  <a:outerShdw blurRad="38100" dist="38100" dir="2700000" algn="tl">
+                    <a:srgbClr val="000000">
+                      <a:alpha val="43137"/>
+                    </a:srgbClr>
+                  </a:outerShdw>
+                </a:effectLst>
+              </a:rPr>
+              <a:t>Patterns</a:t>
+            </a:r>
+            <a:endParaRPr lang="pt-BR" b="1" dirty="0">
+              <a:effectLst>
+                <a:outerShdw blurRad="38100" dist="38100" dir="2700000" algn="tl">
+                  <a:srgbClr val="000000">
+                    <a:alpha val="43137"/>
+                  </a:srgbClr>
+                </a:outerShdw>
+              </a:effectLst>
+            </a:endParaRPr>
+          </a:p>
+        </p:txBody>
+      </p:sp>
+      <p:sp>
+        <p:nvSpPr>
+          <p:cNvPr id="14" name="CaixaDeTexto 13"/>
+          <p:cNvSpPr txBox="1"/>
+          <p:nvPr/>
+        </p:nvSpPr>
+        <p:spPr>
+          <a:xfrm>
+            <a:off x="6862253" y="5083186"/>
+            <a:ext cx="1792222" cy="369332"/>
+          </a:xfrm>
+          <a:prstGeom prst="rect">
+            <a:avLst/>
+          </a:prstGeom>
+          <a:noFill/>
+        </p:spPr>
+        <p:txBody>
+          <a:bodyPr wrap="none" rtlCol="0">
+            <a:spAutoFit/>
+          </a:bodyPr>
+          <a:lstStyle/>
+          <a:p>
+            <a:pPr algn="ctr"/>
+            <a:r>
+              <a:rPr lang="pt-BR" b="1" dirty="0" smtClean="0"/>
+              <a:t>Termos técnicos</a:t>
+            </a:r>
+            <a:endParaRPr lang="pt-BR" b="1" dirty="0"/>
+          </a:p>
+        </p:txBody>
+      </p:sp>
+      <p:sp>
+        <p:nvSpPr>
+          <p:cNvPr id="15" name="CaixaDeTexto 14"/>
+          <p:cNvSpPr txBox="1"/>
+          <p:nvPr/>
+        </p:nvSpPr>
+        <p:spPr>
+          <a:xfrm>
+            <a:off x="6300192" y="2241738"/>
+            <a:ext cx="1826141" cy="646331"/>
+          </a:xfrm>
+          <a:prstGeom prst="rect">
+            <a:avLst/>
+          </a:prstGeom>
+          <a:noFill/>
+        </p:spPr>
+        <p:txBody>
+          <a:bodyPr wrap="none" rtlCol="0">
+            <a:spAutoFit/>
+          </a:bodyPr>
+          <a:lstStyle/>
+          <a:p>
+            <a:pPr algn="ctr"/>
+            <a:r>
+              <a:rPr lang="pt-BR" b="1" dirty="0" smtClean="0"/>
+              <a:t>Design </a:t>
+            </a:r>
+            <a:r>
+              <a:rPr lang="pt-BR" b="1" dirty="0" err="1" smtClean="0"/>
+              <a:t>Patterns</a:t>
+            </a:r>
+            <a:r>
+              <a:rPr lang="pt-BR" b="1" dirty="0" smtClean="0"/>
+              <a:t> </a:t>
+            </a:r>
+            <a:br>
+              <a:rPr lang="pt-BR" b="1" dirty="0" smtClean="0"/>
+            </a:br>
+            <a:r>
+              <a:rPr lang="pt-BR" b="1" dirty="0" smtClean="0"/>
+              <a:t>Técnicos</a:t>
+            </a:r>
+            <a:endParaRPr lang="pt-BR" b="1" dirty="0"/>
+          </a:p>
+        </p:txBody>
+      </p:sp>
+      <p:sp>
+        <p:nvSpPr>
+          <p:cNvPr id="16" name="CaixaDeTexto 15"/>
+          <p:cNvSpPr txBox="1"/>
+          <p:nvPr/>
+        </p:nvSpPr>
+        <p:spPr>
+          <a:xfrm>
+            <a:off x="987209" y="1970197"/>
+            <a:ext cx="1963999" cy="646331"/>
+          </a:xfrm>
+          <a:prstGeom prst="rect">
+            <a:avLst/>
+          </a:prstGeom>
+          <a:noFill/>
+        </p:spPr>
+        <p:txBody>
+          <a:bodyPr wrap="none" rtlCol="0">
+            <a:spAutoFit/>
+          </a:bodyPr>
+          <a:lstStyle/>
+          <a:p>
+            <a:pPr algn="ctr"/>
+            <a:r>
+              <a:rPr lang="pt-BR" b="1" dirty="0" smtClean="0"/>
+              <a:t>Aspectos </a:t>
+            </a:r>
+            <a:r>
+              <a:rPr lang="pt-BR" b="1" dirty="0" smtClean="0"/>
+              <a:t>técnicos</a:t>
+            </a:r>
+            <a:r>
+              <a:rPr lang="pt-BR" b="1" dirty="0" smtClean="0"/>
+              <a:t/>
+            </a:r>
+            <a:br>
+              <a:rPr lang="pt-BR" b="1" dirty="0" smtClean="0"/>
+            </a:br>
+            <a:r>
+              <a:rPr lang="pt-BR" b="1" dirty="0" smtClean="0"/>
+              <a:t>da modelagem</a:t>
+            </a:r>
+            <a:endParaRPr lang="pt-BR" b="1" dirty="0"/>
+          </a:p>
+        </p:txBody>
+      </p:sp>
+      <p:sp>
+        <p:nvSpPr>
+          <p:cNvPr id="17" name="CaixaDeTexto 16"/>
+          <p:cNvSpPr txBox="1"/>
+          <p:nvPr/>
+        </p:nvSpPr>
+        <p:spPr>
+          <a:xfrm>
+            <a:off x="208753" y="5470760"/>
+            <a:ext cx="2571281" cy="646331"/>
+          </a:xfrm>
+          <a:prstGeom prst="rect">
+            <a:avLst/>
+          </a:prstGeom>
+          <a:noFill/>
+        </p:spPr>
+        <p:txBody>
+          <a:bodyPr wrap="none" rtlCol="0">
+            <a:spAutoFit/>
+          </a:bodyPr>
+          <a:lstStyle/>
+          <a:p>
+            <a:pPr algn="ctr"/>
+            <a:r>
+              <a:rPr lang="pt-BR" b="1" dirty="0" smtClean="0"/>
+              <a:t>Termos de negócio que</a:t>
+            </a:r>
+            <a:br>
+              <a:rPr lang="pt-BR" b="1" dirty="0" smtClean="0"/>
+            </a:br>
+            <a:r>
+              <a:rPr lang="pt-BR" b="1" dirty="0" err="1" smtClean="0"/>
+              <a:t>devs</a:t>
+            </a:r>
+            <a:r>
+              <a:rPr lang="pt-BR" b="1" dirty="0" smtClean="0"/>
+              <a:t> não entendem</a:t>
+            </a:r>
+            <a:endParaRPr lang="pt-BR" b="1" dirty="0"/>
+          </a:p>
+        </p:txBody>
+      </p:sp>
+      <p:sp>
+        <p:nvSpPr>
+          <p:cNvPr id="18" name="CaixaDeTexto 17"/>
+          <p:cNvSpPr txBox="1"/>
+          <p:nvPr/>
+        </p:nvSpPr>
+        <p:spPr>
+          <a:xfrm>
+            <a:off x="3848650" y="6004797"/>
+            <a:ext cx="2299026" cy="646331"/>
+          </a:xfrm>
+          <a:prstGeom prst="rect">
+            <a:avLst/>
+          </a:prstGeom>
+          <a:noFill/>
+        </p:spPr>
+        <p:txBody>
+          <a:bodyPr wrap="none" rtlCol="0">
+            <a:spAutoFit/>
+          </a:bodyPr>
+          <a:lstStyle/>
+          <a:p>
+            <a:pPr algn="ctr"/>
+            <a:r>
+              <a:rPr lang="pt-BR" b="1" dirty="0" smtClean="0"/>
+              <a:t>Conceitos de negócio</a:t>
+            </a:r>
+            <a:br>
+              <a:rPr lang="pt-BR" b="1" dirty="0" smtClean="0"/>
+            </a:br>
+            <a:r>
+              <a:rPr lang="pt-BR" b="1" dirty="0" smtClean="0"/>
+              <a:t>que não são o foco</a:t>
+            </a:r>
+            <a:endParaRPr lang="pt-BR" b="1" dirty="0"/>
+          </a:p>
+        </p:txBody>
+      </p:sp>
+    </p:spTree>
+    <p:extLst>
+      <p:ext uri="{BB962C8B-B14F-4D97-AF65-F5344CB8AC3E}">
+        <p14:creationId xmlns:p14="http://schemas.microsoft.com/office/powerpoint/2010/main" val="1843025178"/>
+      </p:ext>
+    </p:extLst>
+  </p:cSld>
+  <p:clrMapOvr>
+    <a:masterClrMapping/>
+  </p:clrMapOvr>
+  <p:timing>
+    <p:tnLst>
+      <p:par>
+        <p:cTn id="1" dur="indefinite" restart="never" nodeType="tmRoot">
+          <p:childTnLst>
+            <p:seq concurrent="1" nextAc="seek">
+              <p:cTn id="2" dur="indefinite" nodeType="mainSeq">
+                <p:childTnLst>
+                  <p:par>
+                    <p:cTn id="3" fill="hold">
+                      <p:stCondLst>
+                        <p:cond delay="indefinite"/>
+                      </p:stCondLst>
+                      <p:childTnLst>
+                        <p:par>
+                          <p:cTn id="4" fill="hold">
+                            <p:stCondLst>
+                              <p:cond delay="0"/>
+                            </p:stCondLst>
+                            <p:childTnLst>
+                              <p:par>
+                                <p:cTn id="5" presetID="1" presetClass="entr" presetSubtype="0" fill="hold" grpId="0" nodeType="clickEffect">
+                                  <p:stCondLst>
+                                    <p:cond delay="0"/>
+                                  </p:stCondLst>
+                                  <p:childTnLst>
+                                    <p:set>
+                                      <p:cBhvr>
+                                        <p:cTn id="6" dur="1" fill="hold">
+                                          <p:stCondLst>
+                                            <p:cond delay="0"/>
+                                          </p:stCondLst>
+                                        </p:cTn>
+                                        <p:tgtEl>
+                                          <p:spTgt spid="17"/>
+                                        </p:tgtEl>
+                                        <p:attrNameLst>
+                                          <p:attrName>style.visibility</p:attrName>
+                                        </p:attrNameLst>
+                                      </p:cBhvr>
+                                      <p:to>
+                                        <p:strVal val="visible"/>
+                                      </p:to>
+                                    </p:set>
+                                  </p:childTnLst>
+                                </p:cTn>
+                              </p:par>
+                              <p:par>
+                                <p:cTn id="7" presetID="1" presetClass="entr" presetSubtype="0" fill="hold" grpId="0" nodeType="withEffect">
+                                  <p:stCondLst>
+                                    <p:cond delay="0"/>
+                                  </p:stCondLst>
+                                  <p:childTnLst>
+                                    <p:set>
+                                      <p:cBhvr>
+                                        <p:cTn id="8" dur="1" fill="hold">
+                                          <p:stCondLst>
+                                            <p:cond delay="0"/>
+                                          </p:stCondLst>
+                                        </p:cTn>
+                                        <p:tgtEl>
+                                          <p:spTgt spid="16"/>
+                                        </p:tgtEl>
+                                        <p:attrNameLst>
+                                          <p:attrName>style.visibility</p:attrName>
+                                        </p:attrNameLst>
+                                      </p:cBhvr>
+                                      <p:to>
+                                        <p:strVal val="visible"/>
+                                      </p:to>
+                                    </p:set>
+                                  </p:childTnLst>
+                                </p:cTn>
+                              </p:par>
+                              <p:par>
+                                <p:cTn id="9" presetID="1" presetClass="entr" presetSubtype="0" fill="hold" grpId="0" nodeType="withEffect">
+                                  <p:stCondLst>
+                                    <p:cond delay="0"/>
+                                  </p:stCondLst>
+                                  <p:childTnLst>
+                                    <p:set>
+                                      <p:cBhvr>
+                                        <p:cTn id="10" dur="1" fill="hold">
+                                          <p:stCondLst>
+                                            <p:cond delay="0"/>
+                                          </p:stCondLst>
+                                        </p:cTn>
+                                        <p:tgtEl>
+                                          <p:spTgt spid="14"/>
+                                        </p:tgtEl>
+                                        <p:attrNameLst>
+                                          <p:attrName>style.visibility</p:attrName>
+                                        </p:attrNameLst>
+                                      </p:cBhvr>
+                                      <p:to>
+                                        <p:strVal val="visible"/>
+                                      </p:to>
+                                    </p:set>
+                                  </p:childTnLst>
+                                </p:cTn>
+                              </p:par>
+                              <p:par>
+                                <p:cTn id="11" presetID="1" presetClass="entr" presetSubtype="0" fill="hold" grpId="0" nodeType="withEffect">
+                                  <p:stCondLst>
+                                    <p:cond delay="0"/>
+                                  </p:stCondLst>
+                                  <p:childTnLst>
+                                    <p:set>
+                                      <p:cBhvr>
+                                        <p:cTn id="12" dur="1" fill="hold">
+                                          <p:stCondLst>
+                                            <p:cond delay="0"/>
+                                          </p:stCondLst>
+                                        </p:cTn>
+                                        <p:tgtEl>
+                                          <p:spTgt spid="15"/>
+                                        </p:tgtEl>
+                                        <p:attrNameLst>
+                                          <p:attrName>style.visibility</p:attrName>
+                                        </p:attrNameLst>
+                                      </p:cBhvr>
+                                      <p:to>
+                                        <p:strVal val="visible"/>
+                                      </p:to>
+                                    </p:set>
+                                  </p:childTnLst>
+                                </p:cTn>
+                              </p:par>
+                              <p:par>
+                                <p:cTn id="13" presetID="1" presetClass="entr" presetSubtype="0" fill="hold" grpId="0" nodeType="withEffect">
+                                  <p:stCondLst>
+                                    <p:cond delay="0"/>
+                                  </p:stCondLst>
+                                  <p:childTnLst>
+                                    <p:set>
+                                      <p:cBhvr>
+                                        <p:cTn id="14" dur="1" fill="hold">
+                                          <p:stCondLst>
+                                            <p:cond delay="0"/>
+                                          </p:stCondLst>
+                                        </p:cTn>
+                                        <p:tgtEl>
+                                          <p:spTgt spid="18"/>
+                                        </p:tgtEl>
+                                        <p:attrNameLst>
+                                          <p:attrName>style.visibility</p:attrName>
+                                        </p:attrNameLst>
+                                      </p:cBhvr>
+                                      <p:to>
+                                        <p:strVal val="visible"/>
+                                      </p:to>
+                                    </p:set>
+                                  </p:childTnLst>
+                                </p:cTn>
+                              </p:par>
+                            </p:childTnLst>
+                          </p:cTn>
+                        </p:par>
+                      </p:childTnLst>
+                    </p:cTn>
+                  </p:par>
+                </p:childTnLst>
+              </p:cTn>
+              <p:prevCondLst>
+                <p:cond evt="onPrev" delay="0">
+                  <p:tgtEl>
+                    <p:sldTgt/>
+                  </p:tgtEl>
+                </p:cond>
+              </p:prevCondLst>
+              <p:nextCondLst>
+                <p:cond evt="onNext" delay="0">
+                  <p:tgtEl>
+                    <p:sldTgt/>
+                  </p:tgtEl>
+                </p:cond>
+              </p:nextCondLst>
+            </p:seq>
+          </p:childTnLst>
+        </p:cTn>
+      </p:par>
+    </p:tnLst>
+    <p:bldLst>
+      <p:bldP spid="14" grpId="0"/>
+      <p:bldP spid="15" grpId="0"/>
+      <p:bldP spid="16" grpId="0"/>
+      <p:bldP spid="17" grpId="0"/>
+      <p:bldP spid="18" grpId="0"/>
+    </p:bldLst>
+  </p:timing>
+</p:sld>
+</file>
+
+<file path=ppt/slides/slide5.xml><?xml version="1.0" encoding="utf-8"?>
+<p:sld xmlns:a="http://schemas.openxmlformats.org/drawingml/2006/main" xmlns:r="http://schemas.openxmlformats.org/officeDocument/2006/relationships" xmlns:p="http://schemas.openxmlformats.org/presentationml/2006/main">
+  <p:cSld>
+    <p:spTree>
+      <p:nvGrpSpPr>
+        <p:cNvPr id="1" name=""/>
+        <p:cNvGrpSpPr/>
+        <p:nvPr/>
+      </p:nvGrpSpPr>
+      <p:grpSpPr>
+        <a:xfrm>
+          <a:off x="0" y="0"/>
+          <a:ext cx="0" cy="0"/>
+          <a:chOff x="0" y="0"/>
+          <a:chExt cx="0" cy="0"/>
+        </a:xfrm>
+      </p:grpSpPr>
+      <p:sp>
+        <p:nvSpPr>
+          <p:cNvPr id="2" name="Título 1"/>
+          <p:cNvSpPr>
+            <a:spLocks noGrp="1"/>
+          </p:cNvSpPr>
+          <p:nvPr>
+            <p:ph type="title"/>
+          </p:nvPr>
+        </p:nvSpPr>
+        <p:spPr/>
+        <p:txBody>
+          <a:bodyPr/>
+          <a:lstStyle/>
+          <a:p>
+            <a:r>
               <a:rPr lang="pt-BR" dirty="0" smtClean="0"/>
               <a:t>Linguagem Ubíqua</a:t>
             </a:r>
@@ -12310,7 +13972,15 @@
           <a:p>
             <a:r>
               <a:rPr lang="pt-BR" dirty="0" smtClean="0"/>
-              <a:t>Se a linguagem ubíqua não está claro então há trabalho a ser feito.</a:t>
+              <a:t>Se a linguagem ubíqua não está </a:t>
+            </a:r>
+            <a:r>
+              <a:rPr lang="pt-BR" dirty="0" smtClean="0"/>
+              <a:t>clara </a:t>
+            </a:r>
+            <a:r>
+              <a:rPr lang="pt-BR" dirty="0" smtClean="0"/>
+              <a:t>então há trabalho a ser feito.</a:t>
             </a:r>
             <a:endParaRPr lang="en-US" dirty="0"/>
           </a:p>
@@ -12604,1242 +14274,13 @@
 </p:sld>
 </file>
 
-<file path=ppt/slides/slide4.xml><?xml version="1.0" encoding="utf-8"?>
-<p:sld xmlns:a="http://schemas.openxmlformats.org/drawingml/2006/main" xmlns:r="http://schemas.openxmlformats.org/officeDocument/2006/relationships" xmlns:p="http://schemas.openxmlformats.org/presentationml/2006/main">
-  <p:cSld>
-    <p:bg>
-      <p:bgPr>
-        <a:solidFill>
-          <a:srgbClr val="0070C0"/>
-        </a:solidFill>
-        <a:effectLst/>
-      </p:bgPr>
-    </p:bg>
-    <p:spTree>
-      <p:nvGrpSpPr>
-        <p:cNvPr id="1" name=""/>
-        <p:cNvGrpSpPr/>
-        <p:nvPr/>
-      </p:nvGrpSpPr>
-      <p:grpSpPr>
-        <a:xfrm>
-          <a:off x="0" y="0"/>
-          <a:ext cx="0" cy="0"/>
-          <a:chOff x="0" y="0"/>
-          <a:chExt cx="0" cy="0"/>
-        </a:xfrm>
-      </p:grpSpPr>
-      <p:sp>
-        <p:nvSpPr>
-          <p:cNvPr id="2" name="Título 1"/>
-          <p:cNvSpPr>
-            <a:spLocks noGrp="1"/>
-          </p:cNvSpPr>
-          <p:nvPr>
-            <p:ph type="title"/>
-          </p:nvPr>
-        </p:nvSpPr>
-        <p:spPr/>
-        <p:txBody>
-          <a:bodyPr/>
-          <a:lstStyle/>
-          <a:p>
-            <a:r>
-              <a:rPr lang="pt-BR" dirty="0" smtClean="0">
-                <a:solidFill>
-                  <a:schemeClr val="tx1"/>
-                </a:solidFill>
-              </a:rPr>
-              <a:t>Linguagem Ubíqua</a:t>
-            </a:r>
-            <a:endParaRPr lang="en-US" dirty="0">
-              <a:solidFill>
-                <a:schemeClr val="tx1"/>
-              </a:solidFill>
-            </a:endParaRPr>
-          </a:p>
-        </p:txBody>
-      </p:sp>
-      <p:sp>
-        <p:nvSpPr>
-          <p:cNvPr id="9" name="Forma livre 8"/>
-          <p:cNvSpPr/>
-          <p:nvPr/>
-        </p:nvSpPr>
-        <p:spPr>
-          <a:xfrm>
-            <a:off x="1305496" y="1988840"/>
-            <a:ext cx="4179168" cy="2520280"/>
-          </a:xfrm>
-          <a:custGeom>
-            <a:avLst/>
-            <a:gdLst>
-              <a:gd name="connsiteX0" fmla="*/ 0 w 3383280"/>
-              <a:gd name="connsiteY0" fmla="*/ 1691640 h 3383279"/>
-              <a:gd name="connsiteX1" fmla="*/ 1691640 w 3383280"/>
-              <a:gd name="connsiteY1" fmla="*/ 0 h 3383279"/>
-              <a:gd name="connsiteX2" fmla="*/ 3383280 w 3383280"/>
-              <a:gd name="connsiteY2" fmla="*/ 1691640 h 3383279"/>
-              <a:gd name="connsiteX3" fmla="*/ 1691640 w 3383280"/>
-              <a:gd name="connsiteY3" fmla="*/ 3383280 h 3383279"/>
-              <a:gd name="connsiteX4" fmla="*/ 0 w 3383280"/>
-              <a:gd name="connsiteY4" fmla="*/ 1691640 h 3383279"/>
-            </a:gdLst>
-            <a:ahLst/>
-            <a:cxnLst>
-              <a:cxn ang="0">
-                <a:pos x="connsiteX0" y="connsiteY0"/>
-              </a:cxn>
-              <a:cxn ang="0">
-                <a:pos x="connsiteX1" y="connsiteY1"/>
-              </a:cxn>
-              <a:cxn ang="0">
-                <a:pos x="connsiteX2" y="connsiteY2"/>
-              </a:cxn>
-              <a:cxn ang="0">
-                <a:pos x="connsiteX3" y="connsiteY3"/>
-              </a:cxn>
-              <a:cxn ang="0">
-                <a:pos x="connsiteX4" y="connsiteY4"/>
-              </a:cxn>
-            </a:cxnLst>
-            <a:rect l="l" t="t" r="r" b="b"/>
-            <a:pathLst>
-              <a:path w="3383280" h="3383279">
-                <a:moveTo>
-                  <a:pt x="0" y="1691640"/>
-                </a:moveTo>
-                <a:cubicBezTo>
-                  <a:pt x="0" y="757373"/>
-                  <a:pt x="757373" y="0"/>
-                  <a:pt x="1691640" y="0"/>
-                </a:cubicBezTo>
-                <a:cubicBezTo>
-                  <a:pt x="2625907" y="0"/>
-                  <a:pt x="3383280" y="757373"/>
-                  <a:pt x="3383280" y="1691640"/>
-                </a:cubicBezTo>
-                <a:cubicBezTo>
-                  <a:pt x="3383280" y="2625907"/>
-                  <a:pt x="2625907" y="3383280"/>
-                  <a:pt x="1691640" y="3383280"/>
-                </a:cubicBezTo>
-                <a:cubicBezTo>
-                  <a:pt x="757373" y="3383280"/>
-                  <a:pt x="0" y="2625907"/>
-                  <a:pt x="0" y="1691640"/>
-                </a:cubicBezTo>
-                <a:close/>
-              </a:path>
-            </a:pathLst>
-          </a:custGeom>
-          <a:solidFill>
-            <a:srgbClr val="7030A0"/>
-          </a:solidFill>
-          <a:ln w="19050">
-            <a:noFill/>
-          </a:ln>
-        </p:spPr>
-        <p:style>
-          <a:lnRef idx="2">
-            <a:schemeClr val="lt1">
-              <a:hueOff val="0"/>
-              <a:satOff val="0"/>
-              <a:lumOff val="0"/>
-              <a:alphaOff val="0"/>
-            </a:schemeClr>
-          </a:lnRef>
-          <a:fillRef idx="1">
-            <a:schemeClr val="accent1">
-              <a:alpha val="50000"/>
-              <a:hueOff val="0"/>
-              <a:satOff val="0"/>
-              <a:lumOff val="0"/>
-              <a:alphaOff val="0"/>
-            </a:schemeClr>
-          </a:fillRef>
-          <a:effectRef idx="0">
-            <a:schemeClr val="accent1">
-              <a:alpha val="50000"/>
-              <a:hueOff val="0"/>
-              <a:satOff val="0"/>
-              <a:lumOff val="0"/>
-              <a:alphaOff val="0"/>
-            </a:schemeClr>
-          </a:effectRef>
-          <a:fontRef idx="minor">
-            <a:schemeClr val="tx1"/>
-          </a:fontRef>
-        </p:style>
-        <p:txBody>
-          <a:bodyPr spcFirstLastPara="0" vert="horz" wrap="square" lIns="472440" tIns="398961" rIns="960120" bIns="398961" numCol="1" spcCol="1270" anchor="ctr" anchorCtr="0">
-            <a:noAutofit/>
-          </a:bodyPr>
-          <a:lstStyle/>
-          <a:p>
-            <a:pPr lvl="0" defTabSz="1422400">
-              <a:lnSpc>
-                <a:spcPct val="90000"/>
-              </a:lnSpc>
-              <a:spcBef>
-                <a:spcPct val="0"/>
-              </a:spcBef>
-              <a:spcAft>
-                <a:spcPct val="35000"/>
-              </a:spcAft>
-            </a:pPr>
-            <a:r>
-              <a:rPr lang="pt-BR" sz="3200" b="1" kern="1200" dirty="0" smtClean="0"/>
-              <a:t>Domain </a:t>
-            </a:r>
-            <a:br>
-              <a:rPr lang="pt-BR" sz="3200" b="1" kern="1200" dirty="0" smtClean="0"/>
-            </a:br>
-            <a:r>
-              <a:rPr lang="pt-BR" sz="3200" b="1" kern="1200" dirty="0" smtClean="0"/>
-              <a:t>experts</a:t>
-            </a:r>
-            <a:endParaRPr lang="pt-BR" sz="3200" b="1" kern="1200" dirty="0"/>
-          </a:p>
-        </p:txBody>
-      </p:sp>
-      <p:sp>
-        <p:nvSpPr>
-          <p:cNvPr id="10" name="Forma livre 9"/>
-          <p:cNvSpPr/>
-          <p:nvPr/>
-        </p:nvSpPr>
-        <p:spPr>
-          <a:xfrm>
-            <a:off x="3609752" y="1988840"/>
-            <a:ext cx="4104456" cy="2546176"/>
-          </a:xfrm>
-          <a:custGeom>
-            <a:avLst/>
-            <a:gdLst>
-              <a:gd name="connsiteX0" fmla="*/ 0 w 3383280"/>
-              <a:gd name="connsiteY0" fmla="*/ 1691640 h 3383279"/>
-              <a:gd name="connsiteX1" fmla="*/ 1691640 w 3383280"/>
-              <a:gd name="connsiteY1" fmla="*/ 0 h 3383279"/>
-              <a:gd name="connsiteX2" fmla="*/ 3383280 w 3383280"/>
-              <a:gd name="connsiteY2" fmla="*/ 1691640 h 3383279"/>
-              <a:gd name="connsiteX3" fmla="*/ 1691640 w 3383280"/>
-              <a:gd name="connsiteY3" fmla="*/ 3383280 h 3383279"/>
-              <a:gd name="connsiteX4" fmla="*/ 0 w 3383280"/>
-              <a:gd name="connsiteY4" fmla="*/ 1691640 h 3383279"/>
-            </a:gdLst>
-            <a:ahLst/>
-            <a:cxnLst>
-              <a:cxn ang="0">
-                <a:pos x="connsiteX0" y="connsiteY0"/>
-              </a:cxn>
-              <a:cxn ang="0">
-                <a:pos x="connsiteX1" y="connsiteY1"/>
-              </a:cxn>
-              <a:cxn ang="0">
-                <a:pos x="connsiteX2" y="connsiteY2"/>
-              </a:cxn>
-              <a:cxn ang="0">
-                <a:pos x="connsiteX3" y="connsiteY3"/>
-              </a:cxn>
-              <a:cxn ang="0">
-                <a:pos x="connsiteX4" y="connsiteY4"/>
-              </a:cxn>
-            </a:cxnLst>
-            <a:rect l="l" t="t" r="r" b="b"/>
-            <a:pathLst>
-              <a:path w="3383280" h="3383279">
-                <a:moveTo>
-                  <a:pt x="0" y="1691640"/>
-                </a:moveTo>
-                <a:cubicBezTo>
-                  <a:pt x="0" y="757373"/>
-                  <a:pt x="757373" y="0"/>
-                  <a:pt x="1691640" y="0"/>
-                </a:cubicBezTo>
-                <a:cubicBezTo>
-                  <a:pt x="2625907" y="0"/>
-                  <a:pt x="3383280" y="757373"/>
-                  <a:pt x="3383280" y="1691640"/>
-                </a:cubicBezTo>
-                <a:cubicBezTo>
-                  <a:pt x="3383280" y="2625907"/>
-                  <a:pt x="2625907" y="3383280"/>
-                  <a:pt x="1691640" y="3383280"/>
-                </a:cubicBezTo>
-                <a:cubicBezTo>
-                  <a:pt x="757373" y="3383280"/>
-                  <a:pt x="0" y="2625907"/>
-                  <a:pt x="0" y="1691640"/>
-                </a:cubicBezTo>
-                <a:close/>
-              </a:path>
-            </a:pathLst>
-          </a:custGeom>
-          <a:solidFill>
-            <a:srgbClr val="FFFF00">
-              <a:alpha val="60000"/>
-            </a:srgbClr>
-          </a:solidFill>
-          <a:ln w="28575">
-            <a:noFill/>
-          </a:ln>
-        </p:spPr>
-        <p:style>
-          <a:lnRef idx="2">
-            <a:schemeClr val="lt1">
-              <a:hueOff val="0"/>
-              <a:satOff val="0"/>
-              <a:lumOff val="0"/>
-              <a:alphaOff val="0"/>
-            </a:schemeClr>
-          </a:lnRef>
-          <a:fillRef idx="1">
-            <a:scrgbClr r="0" g="0" b="0"/>
-          </a:fillRef>
-          <a:effectRef idx="0">
-            <a:schemeClr val="accent1">
-              <a:alpha val="50000"/>
-              <a:hueOff val="0"/>
-              <a:satOff val="0"/>
-              <a:lumOff val="0"/>
-              <a:alphaOff val="0"/>
-            </a:schemeClr>
-          </a:effectRef>
-          <a:fontRef idx="minor">
-            <a:schemeClr val="tx1"/>
-          </a:fontRef>
-        </p:style>
-        <p:txBody>
-          <a:bodyPr spcFirstLastPara="0" vert="horz" wrap="square" lIns="960121" tIns="398961" rIns="472439" bIns="398961" numCol="1" spcCol="1270" anchor="ctr" anchorCtr="0">
-            <a:noAutofit/>
-          </a:bodyPr>
-          <a:lstStyle/>
-          <a:p>
-            <a:pPr lvl="0" algn="r" defTabSz="1422400">
-              <a:lnSpc>
-                <a:spcPct val="90000"/>
-              </a:lnSpc>
-              <a:spcBef>
-                <a:spcPct val="0"/>
-              </a:spcBef>
-              <a:spcAft>
-                <a:spcPct val="35000"/>
-              </a:spcAft>
-            </a:pPr>
-            <a:r>
-              <a:rPr lang="pt-BR" sz="3200" b="1" kern="1200" dirty="0" err="1" smtClean="0">
-                <a:solidFill>
-                  <a:schemeClr val="bg1"/>
-                </a:solidFill>
-              </a:rPr>
-              <a:t>Devs</a:t>
-            </a:r>
-            <a:endParaRPr lang="pt-BR" sz="3200" b="1" kern="1200" dirty="0">
-              <a:solidFill>
-                <a:schemeClr val="bg1"/>
-              </a:solidFill>
-            </a:endParaRPr>
-          </a:p>
-        </p:txBody>
-      </p:sp>
-      <p:sp>
-        <p:nvSpPr>
-          <p:cNvPr id="24" name="CaixaDeTexto 23"/>
-          <p:cNvSpPr txBox="1"/>
-          <p:nvPr/>
-        </p:nvSpPr>
-        <p:spPr>
-          <a:xfrm>
-            <a:off x="3897784" y="2925814"/>
-            <a:ext cx="1306768" cy="646331"/>
-          </a:xfrm>
-          <a:prstGeom prst="rect">
-            <a:avLst/>
-          </a:prstGeom>
-          <a:noFill/>
-        </p:spPr>
-        <p:txBody>
-          <a:bodyPr wrap="none" rtlCol="0">
-            <a:spAutoFit/>
-          </a:bodyPr>
-          <a:lstStyle/>
-          <a:p>
-            <a:pPr algn="ctr"/>
-            <a:r>
-              <a:rPr lang="pt-BR" b="1" dirty="0" smtClean="0">
-                <a:effectLst>
-                  <a:outerShdw blurRad="38100" dist="38100" dir="2700000" algn="tl">
-                    <a:srgbClr val="000000">
-                      <a:alpha val="43137"/>
-                    </a:srgbClr>
-                  </a:outerShdw>
-                </a:effectLst>
-              </a:rPr>
-              <a:t>Linguagem</a:t>
-            </a:r>
-            <a:br>
-              <a:rPr lang="pt-BR" b="1" dirty="0" smtClean="0">
-                <a:effectLst>
-                  <a:outerShdw blurRad="38100" dist="38100" dir="2700000" algn="tl">
-                    <a:srgbClr val="000000">
-                      <a:alpha val="43137"/>
-                    </a:srgbClr>
-                  </a:outerShdw>
-                </a:effectLst>
-              </a:rPr>
-            </a:br>
-            <a:r>
-              <a:rPr lang="pt-BR" b="1" dirty="0" smtClean="0">
-                <a:effectLst>
-                  <a:outerShdw blurRad="38100" dist="38100" dir="2700000" algn="tl">
-                    <a:srgbClr val="000000">
-                      <a:alpha val="43137"/>
-                    </a:srgbClr>
-                  </a:outerShdw>
-                </a:effectLst>
-              </a:rPr>
-              <a:t>Ubíqua</a:t>
-            </a:r>
-            <a:endParaRPr lang="pt-BR" b="1" dirty="0">
-              <a:effectLst>
-                <a:outerShdw blurRad="38100" dist="38100" dir="2700000" algn="tl">
-                  <a:srgbClr val="000000">
-                    <a:alpha val="43137"/>
-                  </a:srgbClr>
-                </a:outerShdw>
-              </a:effectLst>
-            </a:endParaRPr>
-          </a:p>
-        </p:txBody>
-      </p:sp>
-      <p:sp>
-        <p:nvSpPr>
-          <p:cNvPr id="26" name="Retângulo 25"/>
-          <p:cNvSpPr/>
-          <p:nvPr/>
-        </p:nvSpPr>
-        <p:spPr>
-          <a:xfrm>
-            <a:off x="1305496" y="5085184"/>
-            <a:ext cx="6722888" cy="954107"/>
-          </a:xfrm>
-          <a:prstGeom prst="rect">
-            <a:avLst/>
-          </a:prstGeom>
-        </p:spPr>
-        <p:txBody>
-          <a:bodyPr wrap="square">
-            <a:spAutoFit/>
-          </a:bodyPr>
-          <a:lstStyle/>
-          <a:p>
-            <a:pPr algn="ctr"/>
-            <a:r>
-              <a:rPr lang="pt-BR" sz="2800" dirty="0" smtClean="0">
-                <a:effectLst>
-                  <a:outerShdw blurRad="38100" dist="38100" dir="2700000" algn="tl">
-                    <a:srgbClr val="000000">
-                      <a:alpha val="43137"/>
-                    </a:srgbClr>
-                  </a:outerShdw>
-                </a:effectLst>
-              </a:rPr>
-              <a:t>Palavras e verbos que refletem a </a:t>
-            </a:r>
-            <a:r>
-              <a:rPr lang="pt-BR" sz="2800" b="1" dirty="0" smtClean="0">
-                <a:effectLst>
-                  <a:outerShdw blurRad="38100" dist="38100" dir="2700000" algn="tl">
-                    <a:srgbClr val="000000">
-                      <a:alpha val="43137"/>
-                    </a:srgbClr>
-                  </a:outerShdw>
-                </a:effectLst>
-              </a:rPr>
-              <a:t>semântica do negócio </a:t>
-            </a:r>
-            <a:r>
-              <a:rPr lang="pt-BR" sz="2800" dirty="0" smtClean="0">
-                <a:effectLst>
-                  <a:outerShdw blurRad="38100" dist="38100" dir="2700000" algn="tl">
-                    <a:srgbClr val="000000">
-                      <a:alpha val="43137"/>
-                    </a:srgbClr>
-                  </a:outerShdw>
-                </a:effectLst>
-              </a:rPr>
-              <a:t>limitados a um </a:t>
-            </a:r>
-            <a:r>
-              <a:rPr lang="pt-BR" sz="2800" b="1" dirty="0" smtClean="0">
-                <a:effectLst>
-                  <a:outerShdw blurRad="38100" dist="38100" dir="2700000" algn="tl">
-                    <a:srgbClr val="000000">
-                      <a:alpha val="43137"/>
-                    </a:srgbClr>
-                  </a:outerShdw>
-                </a:effectLst>
-              </a:rPr>
-              <a:t>contexto.</a:t>
-            </a:r>
-            <a:endParaRPr lang="pt-BR" sz="2800" b="1" dirty="0">
-              <a:effectLst>
-                <a:outerShdw blurRad="38100" dist="38100" dir="2700000" algn="tl">
-                  <a:srgbClr val="000000">
-                    <a:alpha val="43137"/>
-                  </a:srgbClr>
-                </a:outerShdw>
-              </a:effectLst>
-            </a:endParaRPr>
-          </a:p>
-        </p:txBody>
-      </p:sp>
-    </p:spTree>
-    <p:extLst>
-      <p:ext uri="{BB962C8B-B14F-4D97-AF65-F5344CB8AC3E}">
-        <p14:creationId xmlns:p14="http://schemas.microsoft.com/office/powerpoint/2010/main" val="3289832166"/>
-      </p:ext>
-    </p:extLst>
-  </p:cSld>
-  <p:clrMapOvr>
-    <a:masterClrMapping/>
-  </p:clrMapOvr>
-  <p:timing>
-    <p:tnLst>
-      <p:par>
-        <p:cTn id="1" dur="indefinite" restart="never" nodeType="tmRoot"/>
-      </p:par>
-    </p:tnLst>
-  </p:timing>
-</p:sld>
-</file>
-
-<file path=ppt/slides/slide5.xml><?xml version="1.0" encoding="utf-8"?>
-<p:sld xmlns:a="http://schemas.openxmlformats.org/drawingml/2006/main" xmlns:r="http://schemas.openxmlformats.org/officeDocument/2006/relationships" xmlns:p="http://schemas.openxmlformats.org/presentationml/2006/main">
-  <p:cSld>
-    <p:bg>
-      <p:bgPr>
-        <a:solidFill>
-          <a:srgbClr val="0070C0"/>
-        </a:solidFill>
-        <a:effectLst/>
-      </p:bgPr>
-    </p:bg>
-    <p:spTree>
-      <p:nvGrpSpPr>
-        <p:cNvPr id="1" name=""/>
-        <p:cNvGrpSpPr/>
-        <p:nvPr/>
-      </p:nvGrpSpPr>
-      <p:grpSpPr>
-        <a:xfrm>
-          <a:off x="0" y="0"/>
-          <a:ext cx="0" cy="0"/>
-          <a:chOff x="0" y="0"/>
-          <a:chExt cx="0" cy="0"/>
-        </a:xfrm>
-      </p:grpSpPr>
-      <p:sp>
-        <p:nvSpPr>
-          <p:cNvPr id="2" name="Título 1"/>
-          <p:cNvSpPr>
-            <a:spLocks noGrp="1"/>
-          </p:cNvSpPr>
-          <p:nvPr>
-            <p:ph type="title"/>
-          </p:nvPr>
-        </p:nvSpPr>
-        <p:spPr/>
-        <p:txBody>
-          <a:bodyPr/>
-          <a:lstStyle/>
-          <a:p>
-            <a:r>
-              <a:rPr lang="pt-BR" dirty="0" smtClean="0">
-                <a:solidFill>
-                  <a:schemeClr val="tx1"/>
-                </a:solidFill>
-              </a:rPr>
-              <a:t>Linguagem Ubíqua</a:t>
-            </a:r>
-            <a:endParaRPr lang="en-US" dirty="0">
-              <a:solidFill>
-                <a:schemeClr val="tx1"/>
-              </a:solidFill>
-            </a:endParaRPr>
-          </a:p>
-        </p:txBody>
-      </p:sp>
-      <p:sp>
-        <p:nvSpPr>
-          <p:cNvPr id="7" name="Forma livre 6"/>
-          <p:cNvSpPr/>
-          <p:nvPr/>
-        </p:nvSpPr>
-        <p:spPr>
-          <a:xfrm>
-            <a:off x="1403648" y="2564904"/>
-            <a:ext cx="6048672" cy="3168352"/>
-          </a:xfrm>
-          <a:custGeom>
-            <a:avLst/>
-            <a:gdLst>
-              <a:gd name="connsiteX0" fmla="*/ 0 w 3383280"/>
-              <a:gd name="connsiteY0" fmla="*/ 1691640 h 3383279"/>
-              <a:gd name="connsiteX1" fmla="*/ 1691640 w 3383280"/>
-              <a:gd name="connsiteY1" fmla="*/ 0 h 3383279"/>
-              <a:gd name="connsiteX2" fmla="*/ 3383280 w 3383280"/>
-              <a:gd name="connsiteY2" fmla="*/ 1691640 h 3383279"/>
-              <a:gd name="connsiteX3" fmla="*/ 1691640 w 3383280"/>
-              <a:gd name="connsiteY3" fmla="*/ 3383280 h 3383279"/>
-              <a:gd name="connsiteX4" fmla="*/ 0 w 3383280"/>
-              <a:gd name="connsiteY4" fmla="*/ 1691640 h 3383279"/>
-            </a:gdLst>
-            <a:ahLst/>
-            <a:cxnLst>
-              <a:cxn ang="0">
-                <a:pos x="connsiteX0" y="connsiteY0"/>
-              </a:cxn>
-              <a:cxn ang="0">
-                <a:pos x="connsiteX1" y="connsiteY1"/>
-              </a:cxn>
-              <a:cxn ang="0">
-                <a:pos x="connsiteX2" y="connsiteY2"/>
-              </a:cxn>
-              <a:cxn ang="0">
-                <a:pos x="connsiteX3" y="connsiteY3"/>
-              </a:cxn>
-              <a:cxn ang="0">
-                <a:pos x="connsiteX4" y="connsiteY4"/>
-              </a:cxn>
-            </a:cxnLst>
-            <a:rect l="l" t="t" r="r" b="b"/>
-            <a:pathLst>
-              <a:path w="3383280" h="3383279">
-                <a:moveTo>
-                  <a:pt x="0" y="1691640"/>
-                </a:moveTo>
-                <a:cubicBezTo>
-                  <a:pt x="0" y="757373"/>
-                  <a:pt x="757373" y="0"/>
-                  <a:pt x="1691640" y="0"/>
-                </a:cubicBezTo>
-                <a:cubicBezTo>
-                  <a:pt x="2625907" y="0"/>
-                  <a:pt x="3383280" y="757373"/>
-                  <a:pt x="3383280" y="1691640"/>
-                </a:cubicBezTo>
-                <a:cubicBezTo>
-                  <a:pt x="3383280" y="2625907"/>
-                  <a:pt x="2625907" y="3383280"/>
-                  <a:pt x="1691640" y="3383280"/>
-                </a:cubicBezTo>
-                <a:cubicBezTo>
-                  <a:pt x="757373" y="3383280"/>
-                  <a:pt x="0" y="2625907"/>
-                  <a:pt x="0" y="1691640"/>
-                </a:cubicBezTo>
-                <a:close/>
-              </a:path>
-            </a:pathLst>
-          </a:custGeom>
-          <a:solidFill>
-            <a:srgbClr val="00B050"/>
-          </a:solidFill>
-          <a:ln w="28575">
-            <a:solidFill>
-              <a:schemeClr val="tx1"/>
-            </a:solidFill>
-          </a:ln>
-        </p:spPr>
-        <p:style>
-          <a:lnRef idx="2">
-            <a:schemeClr val="lt1">
-              <a:hueOff val="0"/>
-              <a:satOff val="0"/>
-              <a:lumOff val="0"/>
-              <a:alphaOff val="0"/>
-            </a:schemeClr>
-          </a:lnRef>
-          <a:fillRef idx="1">
-            <a:scrgbClr r="0" g="0" b="0"/>
-          </a:fillRef>
-          <a:effectRef idx="0">
-            <a:schemeClr val="accent1">
-              <a:alpha val="50000"/>
-              <a:hueOff val="0"/>
-              <a:satOff val="0"/>
-              <a:lumOff val="0"/>
-              <a:alphaOff val="0"/>
-            </a:schemeClr>
-          </a:effectRef>
-          <a:fontRef idx="minor">
-            <a:schemeClr val="tx1"/>
-          </a:fontRef>
-        </p:style>
-        <p:txBody>
-          <a:bodyPr spcFirstLastPara="0" vert="horz" wrap="square" lIns="960121" tIns="398961" rIns="472439" bIns="398961" numCol="1" spcCol="1270" anchor="ctr" anchorCtr="0">
-            <a:noAutofit/>
-          </a:bodyPr>
-          <a:lstStyle/>
-          <a:p>
-            <a:pPr lvl="0" algn="ctr" defTabSz="1422400">
-              <a:lnSpc>
-                <a:spcPct val="90000"/>
-              </a:lnSpc>
-              <a:spcBef>
-                <a:spcPct val="0"/>
-              </a:spcBef>
-              <a:spcAft>
-                <a:spcPct val="35000"/>
-              </a:spcAft>
-            </a:pPr>
-            <a:endParaRPr lang="pt-BR" sz="2400" b="1" kern="1200" dirty="0">
-              <a:solidFill>
-                <a:schemeClr val="bg1"/>
-              </a:solidFill>
-              <a:effectLst>
-                <a:outerShdw blurRad="38100" dist="38100" dir="2700000" algn="tl">
-                  <a:srgbClr val="000000">
-                    <a:alpha val="43137"/>
-                  </a:srgbClr>
-                </a:outerShdw>
-              </a:effectLst>
-            </a:endParaRPr>
-          </a:p>
-        </p:txBody>
-      </p:sp>
-      <p:sp>
-        <p:nvSpPr>
-          <p:cNvPr id="8" name="CaixaDeTexto 7"/>
-          <p:cNvSpPr txBox="1"/>
-          <p:nvPr/>
-        </p:nvSpPr>
-        <p:spPr>
-          <a:xfrm>
-            <a:off x="3475166" y="2990306"/>
-            <a:ext cx="1948052" cy="954107"/>
-          </a:xfrm>
-          <a:prstGeom prst="rect">
-            <a:avLst/>
-          </a:prstGeom>
-          <a:noFill/>
-        </p:spPr>
-        <p:txBody>
-          <a:bodyPr wrap="square" rtlCol="0">
-            <a:spAutoFit/>
-          </a:bodyPr>
-          <a:lstStyle/>
-          <a:p>
-            <a:pPr algn="ctr"/>
-            <a:r>
-              <a:rPr lang="pt-BR" sz="2800" b="1" dirty="0" smtClean="0">
-                <a:effectLst>
-                  <a:outerShdw blurRad="38100" dist="38100" dir="2700000" algn="tl">
-                    <a:srgbClr val="000000">
-                      <a:alpha val="43137"/>
-                    </a:srgbClr>
-                  </a:outerShdw>
-                </a:effectLst>
-              </a:rPr>
-              <a:t>Linguagem</a:t>
-            </a:r>
-            <a:br>
-              <a:rPr lang="pt-BR" sz="2800" b="1" dirty="0" smtClean="0">
-                <a:effectLst>
-                  <a:outerShdw blurRad="38100" dist="38100" dir="2700000" algn="tl">
-                    <a:srgbClr val="000000">
-                      <a:alpha val="43137"/>
-                    </a:srgbClr>
-                  </a:outerShdw>
-                </a:effectLst>
-              </a:rPr>
-            </a:br>
-            <a:r>
-              <a:rPr lang="pt-BR" sz="2800" b="1" dirty="0" smtClean="0">
-                <a:effectLst>
-                  <a:outerShdw blurRad="38100" dist="38100" dir="2700000" algn="tl">
-                    <a:srgbClr val="000000">
-                      <a:alpha val="43137"/>
-                    </a:srgbClr>
-                  </a:outerShdw>
-                </a:effectLst>
-              </a:rPr>
-              <a:t>Ubíqua</a:t>
-            </a:r>
-            <a:endParaRPr lang="pt-BR" sz="2800" b="1" dirty="0">
-              <a:effectLst>
-                <a:outerShdw blurRad="38100" dist="38100" dir="2700000" algn="tl">
-                  <a:srgbClr val="000000">
-                    <a:alpha val="43137"/>
-                  </a:srgbClr>
-                </a:outerShdw>
-              </a:effectLst>
-            </a:endParaRPr>
-          </a:p>
-        </p:txBody>
-      </p:sp>
-      <p:sp>
-        <p:nvSpPr>
-          <p:cNvPr id="11" name="CaixaDeTexto 10"/>
-          <p:cNvSpPr txBox="1"/>
-          <p:nvPr/>
-        </p:nvSpPr>
-        <p:spPr>
-          <a:xfrm>
-            <a:off x="3914543" y="4725144"/>
-            <a:ext cx="1797287" cy="646331"/>
-          </a:xfrm>
-          <a:prstGeom prst="rect">
-            <a:avLst/>
-          </a:prstGeom>
-          <a:noFill/>
-        </p:spPr>
-        <p:txBody>
-          <a:bodyPr wrap="none" rtlCol="0">
-            <a:spAutoFit/>
-          </a:bodyPr>
-          <a:lstStyle/>
-          <a:p>
-            <a:pPr algn="ctr"/>
-            <a:r>
-              <a:rPr lang="pt-BR" b="1" dirty="0" smtClean="0"/>
-              <a:t>Conceitos chave</a:t>
-            </a:r>
-            <a:br>
-              <a:rPr lang="pt-BR" b="1" dirty="0" smtClean="0"/>
-            </a:br>
-            <a:r>
-              <a:rPr lang="pt-BR" b="1" dirty="0" smtClean="0"/>
-              <a:t>de negócio</a:t>
-            </a:r>
-            <a:endParaRPr lang="pt-BR" b="1" dirty="0"/>
-          </a:p>
-        </p:txBody>
-      </p:sp>
-      <p:sp>
-        <p:nvSpPr>
-          <p:cNvPr id="12" name="CaixaDeTexto 11"/>
-          <p:cNvSpPr txBox="1"/>
-          <p:nvPr/>
-        </p:nvSpPr>
-        <p:spPr>
-          <a:xfrm>
-            <a:off x="1691680" y="3949923"/>
-            <a:ext cx="2028696" cy="646331"/>
-          </a:xfrm>
-          <a:prstGeom prst="rect">
-            <a:avLst/>
-          </a:prstGeom>
-          <a:noFill/>
-        </p:spPr>
-        <p:txBody>
-          <a:bodyPr wrap="none" rtlCol="0">
-            <a:spAutoFit/>
-          </a:bodyPr>
-          <a:lstStyle/>
-          <a:p>
-            <a:pPr algn="ctr"/>
-            <a:r>
-              <a:rPr lang="pt-BR" b="1" dirty="0" smtClean="0"/>
-              <a:t>Nomes dos </a:t>
-            </a:r>
-            <a:br>
-              <a:rPr lang="pt-BR" b="1" dirty="0" smtClean="0"/>
-            </a:br>
-            <a:r>
-              <a:rPr lang="pt-BR" b="1" dirty="0" err="1" smtClean="0"/>
-              <a:t>Bounded</a:t>
-            </a:r>
-            <a:r>
-              <a:rPr lang="pt-BR" b="1" dirty="0" smtClean="0"/>
-              <a:t> </a:t>
-            </a:r>
-            <a:r>
-              <a:rPr lang="pt-BR" b="1" dirty="0" err="1" smtClean="0"/>
-              <a:t>Contexts</a:t>
-            </a:r>
-            <a:endParaRPr lang="pt-BR" b="1" dirty="0"/>
-          </a:p>
-        </p:txBody>
-      </p:sp>
-      <p:sp>
-        <p:nvSpPr>
-          <p:cNvPr id="13" name="CaixaDeTexto 12"/>
-          <p:cNvSpPr txBox="1"/>
-          <p:nvPr/>
-        </p:nvSpPr>
-        <p:spPr>
-          <a:xfrm>
-            <a:off x="5423218" y="3944413"/>
-            <a:ext cx="1566454" cy="369332"/>
-          </a:xfrm>
-          <a:prstGeom prst="rect">
-            <a:avLst/>
-          </a:prstGeom>
-          <a:noFill/>
-        </p:spPr>
-        <p:txBody>
-          <a:bodyPr wrap="none" rtlCol="0">
-            <a:spAutoFit/>
-          </a:bodyPr>
-          <a:lstStyle/>
-          <a:p>
-            <a:pPr algn="ctr"/>
-            <a:r>
-              <a:rPr lang="pt-BR" b="1" dirty="0" smtClean="0"/>
-              <a:t>DDD </a:t>
-            </a:r>
-            <a:r>
-              <a:rPr lang="pt-BR" b="1" dirty="0" err="1" smtClean="0"/>
-              <a:t>Patterns</a:t>
-            </a:r>
-            <a:endParaRPr lang="pt-BR" b="1" dirty="0"/>
-          </a:p>
-        </p:txBody>
-      </p:sp>
-      <p:sp>
-        <p:nvSpPr>
-          <p:cNvPr id="14" name="CaixaDeTexto 13"/>
-          <p:cNvSpPr txBox="1"/>
-          <p:nvPr/>
-        </p:nvSpPr>
-        <p:spPr>
-          <a:xfrm>
-            <a:off x="5931291" y="2102328"/>
-            <a:ext cx="1792222" cy="369332"/>
-          </a:xfrm>
-          <a:prstGeom prst="rect">
-            <a:avLst/>
-          </a:prstGeom>
-          <a:noFill/>
-        </p:spPr>
-        <p:txBody>
-          <a:bodyPr wrap="none" rtlCol="0">
-            <a:spAutoFit/>
-          </a:bodyPr>
-          <a:lstStyle/>
-          <a:p>
-            <a:pPr algn="ctr"/>
-            <a:r>
-              <a:rPr lang="pt-BR" b="1" dirty="0" smtClean="0"/>
-              <a:t>Termos técnicos</a:t>
-            </a:r>
-            <a:endParaRPr lang="pt-BR" b="1" dirty="0"/>
-          </a:p>
-        </p:txBody>
-      </p:sp>
-      <p:sp>
-        <p:nvSpPr>
-          <p:cNvPr id="15" name="CaixaDeTexto 14"/>
-          <p:cNvSpPr txBox="1"/>
-          <p:nvPr/>
-        </p:nvSpPr>
-        <p:spPr>
-          <a:xfrm>
-            <a:off x="6714518" y="5275306"/>
-            <a:ext cx="1826141" cy="646331"/>
-          </a:xfrm>
-          <a:prstGeom prst="rect">
-            <a:avLst/>
-          </a:prstGeom>
-          <a:noFill/>
-        </p:spPr>
-        <p:txBody>
-          <a:bodyPr wrap="none" rtlCol="0">
-            <a:spAutoFit/>
-          </a:bodyPr>
-          <a:lstStyle/>
-          <a:p>
-            <a:pPr algn="ctr"/>
-            <a:r>
-              <a:rPr lang="pt-BR" b="1" dirty="0" smtClean="0"/>
-              <a:t>Design </a:t>
-            </a:r>
-            <a:r>
-              <a:rPr lang="pt-BR" b="1" dirty="0" err="1" smtClean="0"/>
-              <a:t>Patterns</a:t>
-            </a:r>
-            <a:r>
-              <a:rPr lang="pt-BR" b="1" dirty="0" smtClean="0"/>
-              <a:t> </a:t>
-            </a:r>
-            <a:br>
-              <a:rPr lang="pt-BR" b="1" dirty="0" smtClean="0"/>
-            </a:br>
-            <a:r>
-              <a:rPr lang="pt-BR" b="1" dirty="0" smtClean="0"/>
-              <a:t>Técnicos</a:t>
-            </a:r>
-            <a:endParaRPr lang="pt-BR" b="1" dirty="0"/>
-          </a:p>
-        </p:txBody>
-      </p:sp>
-      <p:sp>
-        <p:nvSpPr>
-          <p:cNvPr id="16" name="CaixaDeTexto 15"/>
-          <p:cNvSpPr txBox="1"/>
-          <p:nvPr/>
-        </p:nvSpPr>
-        <p:spPr>
-          <a:xfrm>
-            <a:off x="987208" y="1970197"/>
-            <a:ext cx="1963999" cy="646331"/>
-          </a:xfrm>
-          <a:prstGeom prst="rect">
-            <a:avLst/>
-          </a:prstGeom>
-          <a:noFill/>
-        </p:spPr>
-        <p:txBody>
-          <a:bodyPr wrap="none" rtlCol="0">
-            <a:spAutoFit/>
-          </a:bodyPr>
-          <a:lstStyle/>
-          <a:p>
-            <a:pPr algn="ctr"/>
-            <a:r>
-              <a:rPr lang="pt-BR" b="1" dirty="0" smtClean="0"/>
-              <a:t>Aspectos técnicos</a:t>
-            </a:r>
-            <a:br>
-              <a:rPr lang="pt-BR" b="1" dirty="0" smtClean="0"/>
-            </a:br>
-            <a:r>
-              <a:rPr lang="pt-BR" b="1" dirty="0" smtClean="0"/>
-              <a:t>da modelagem</a:t>
-            </a:r>
-            <a:endParaRPr lang="pt-BR" b="1" dirty="0"/>
-          </a:p>
-        </p:txBody>
-      </p:sp>
-      <p:sp>
-        <p:nvSpPr>
-          <p:cNvPr id="17" name="CaixaDeTexto 16"/>
-          <p:cNvSpPr txBox="1"/>
-          <p:nvPr/>
-        </p:nvSpPr>
-        <p:spPr>
-          <a:xfrm>
-            <a:off x="683568" y="5733256"/>
-            <a:ext cx="2571281" cy="646331"/>
-          </a:xfrm>
-          <a:prstGeom prst="rect">
-            <a:avLst/>
-          </a:prstGeom>
-          <a:noFill/>
-        </p:spPr>
-        <p:txBody>
-          <a:bodyPr wrap="none" rtlCol="0">
-            <a:spAutoFit/>
-          </a:bodyPr>
-          <a:lstStyle/>
-          <a:p>
-            <a:pPr algn="ctr"/>
-            <a:r>
-              <a:rPr lang="pt-BR" b="1" dirty="0" smtClean="0"/>
-              <a:t>Termos de negócio que</a:t>
-            </a:r>
-            <a:br>
-              <a:rPr lang="pt-BR" b="1" dirty="0" smtClean="0"/>
-            </a:br>
-            <a:r>
-              <a:rPr lang="pt-BR" b="1" dirty="0" err="1" smtClean="0"/>
-              <a:t>devs</a:t>
-            </a:r>
-            <a:r>
-              <a:rPr lang="pt-BR" b="1" dirty="0" smtClean="0"/>
-              <a:t> não entendem</a:t>
-            </a:r>
-            <a:endParaRPr lang="pt-BR" b="1" dirty="0"/>
-          </a:p>
-        </p:txBody>
-      </p:sp>
-    </p:spTree>
-    <p:extLst>
-      <p:ext uri="{BB962C8B-B14F-4D97-AF65-F5344CB8AC3E}">
-        <p14:creationId xmlns:p14="http://schemas.microsoft.com/office/powerpoint/2010/main" val="1843025178"/>
-      </p:ext>
-    </p:extLst>
-  </p:cSld>
-  <p:clrMapOvr>
-    <a:masterClrMapping/>
-  </p:clrMapOvr>
-  <p:timing>
-    <p:tnLst>
-      <p:par>
-        <p:cTn id="1" dur="indefinite" restart="never" nodeType="tmRoot">
-          <p:childTnLst>
-            <p:seq concurrent="1" nextAc="seek">
-              <p:cTn id="2" dur="indefinite" nodeType="mainSeq">
-                <p:childTnLst>
-                  <p:par>
-                    <p:cTn id="3" fill="hold">
-                      <p:stCondLst>
-                        <p:cond delay="indefinite"/>
-                      </p:stCondLst>
-                      <p:childTnLst>
-                        <p:par>
-                          <p:cTn id="4" fill="hold">
-                            <p:stCondLst>
-                              <p:cond delay="0"/>
-                            </p:stCondLst>
-                            <p:childTnLst>
-                              <p:par>
-                                <p:cTn id="5" presetID="1" presetClass="entr" presetSubtype="0" fill="hold" grpId="0" nodeType="clickEffect">
-                                  <p:stCondLst>
-                                    <p:cond delay="0"/>
-                                  </p:stCondLst>
-                                  <p:childTnLst>
-                                    <p:set>
-                                      <p:cBhvr>
-                                        <p:cTn id="6" dur="1" fill="hold">
-                                          <p:stCondLst>
-                                            <p:cond delay="0"/>
-                                          </p:stCondLst>
-                                        </p:cTn>
-                                        <p:tgtEl>
-                                          <p:spTgt spid="17"/>
-                                        </p:tgtEl>
-                                        <p:attrNameLst>
-                                          <p:attrName>style.visibility</p:attrName>
-                                        </p:attrNameLst>
-                                      </p:cBhvr>
-                                      <p:to>
-                                        <p:strVal val="visible"/>
-                                      </p:to>
-                                    </p:set>
-                                  </p:childTnLst>
-                                </p:cTn>
-                              </p:par>
-                              <p:par>
-                                <p:cTn id="7" presetID="1" presetClass="entr" presetSubtype="0" fill="hold" grpId="0" nodeType="withEffect">
-                                  <p:stCondLst>
-                                    <p:cond delay="0"/>
-                                  </p:stCondLst>
-                                  <p:childTnLst>
-                                    <p:set>
-                                      <p:cBhvr>
-                                        <p:cTn id="8" dur="1" fill="hold">
-                                          <p:stCondLst>
-                                            <p:cond delay="0"/>
-                                          </p:stCondLst>
-                                        </p:cTn>
-                                        <p:tgtEl>
-                                          <p:spTgt spid="16"/>
-                                        </p:tgtEl>
-                                        <p:attrNameLst>
-                                          <p:attrName>style.visibility</p:attrName>
-                                        </p:attrNameLst>
-                                      </p:cBhvr>
-                                      <p:to>
-                                        <p:strVal val="visible"/>
-                                      </p:to>
-                                    </p:set>
-                                  </p:childTnLst>
-                                </p:cTn>
-                              </p:par>
-                              <p:par>
-                                <p:cTn id="9" presetID="1" presetClass="entr" presetSubtype="0" fill="hold" grpId="0" nodeType="withEffect">
-                                  <p:stCondLst>
-                                    <p:cond delay="0"/>
-                                  </p:stCondLst>
-                                  <p:childTnLst>
-                                    <p:set>
-                                      <p:cBhvr>
-                                        <p:cTn id="10" dur="1" fill="hold">
-                                          <p:stCondLst>
-                                            <p:cond delay="0"/>
-                                          </p:stCondLst>
-                                        </p:cTn>
-                                        <p:tgtEl>
-                                          <p:spTgt spid="14"/>
-                                        </p:tgtEl>
-                                        <p:attrNameLst>
-                                          <p:attrName>style.visibility</p:attrName>
-                                        </p:attrNameLst>
-                                      </p:cBhvr>
-                                      <p:to>
-                                        <p:strVal val="visible"/>
-                                      </p:to>
-                                    </p:set>
-                                  </p:childTnLst>
-                                </p:cTn>
-                              </p:par>
-                              <p:par>
-                                <p:cTn id="11" presetID="1" presetClass="entr" presetSubtype="0" fill="hold" grpId="0" nodeType="withEffect">
-                                  <p:stCondLst>
-                                    <p:cond delay="0"/>
-                                  </p:stCondLst>
-                                  <p:childTnLst>
-                                    <p:set>
-                                      <p:cBhvr>
-                                        <p:cTn id="12" dur="1" fill="hold">
-                                          <p:stCondLst>
-                                            <p:cond delay="0"/>
-                                          </p:stCondLst>
-                                        </p:cTn>
-                                        <p:tgtEl>
-                                          <p:spTgt spid="15"/>
-                                        </p:tgtEl>
-                                        <p:attrNameLst>
-                                          <p:attrName>style.visibility</p:attrName>
-                                        </p:attrNameLst>
-                                      </p:cBhvr>
-                                      <p:to>
-                                        <p:strVal val="visible"/>
-                                      </p:to>
-                                    </p:set>
-                                  </p:childTnLst>
-                                </p:cTn>
-                              </p:par>
-                            </p:childTnLst>
-                          </p:cTn>
-                        </p:par>
-                      </p:childTnLst>
-                    </p:cTn>
-                  </p:par>
-                </p:childTnLst>
-              </p:cTn>
-              <p:prevCondLst>
-                <p:cond evt="onPrev" delay="0">
-                  <p:tgtEl>
-                    <p:sldTgt/>
-                  </p:tgtEl>
-                </p:cond>
-              </p:prevCondLst>
-              <p:nextCondLst>
-                <p:cond evt="onNext" delay="0">
-                  <p:tgtEl>
-                    <p:sldTgt/>
-                  </p:tgtEl>
-                </p:cond>
-              </p:nextCondLst>
-            </p:seq>
-          </p:childTnLst>
-        </p:cTn>
-      </p:par>
-    </p:tnLst>
-    <p:bldLst>
-      <p:bldP spid="14" grpId="0"/>
-      <p:bldP spid="15" grpId="0"/>
-      <p:bldP spid="16" grpId="0"/>
-      <p:bldP spid="17" grpId="0"/>
-    </p:bldLst>
-  </p:timing>
-</p:sld>
-</file>
-
 <file path=ppt/slides/slide6.xml><?xml version="1.0" encoding="utf-8"?>
 <p:sld xmlns:a="http://schemas.openxmlformats.org/drawingml/2006/main" xmlns:r="http://schemas.openxmlformats.org/officeDocument/2006/relationships" xmlns:p="http://schemas.openxmlformats.org/presentationml/2006/main">
   <p:cSld>
     <p:bg>
       <p:bgPr>
         <a:solidFill>
-          <a:srgbClr val="0070C0">
-            <a:alpha val="0"/>
-          </a:srgbClr>
+          <a:schemeClr val="tx1"/>
         </a:solidFill>
         <a:effectLst/>
       </p:bgPr>
@@ -14111,6 +14552,14 @@
 <file path=ppt/slides/slide8.xml><?xml version="1.0" encoding="utf-8"?>
 <p:sld xmlns:a="http://schemas.openxmlformats.org/drawingml/2006/main" xmlns:r="http://schemas.openxmlformats.org/officeDocument/2006/relationships" xmlns:p="http://schemas.openxmlformats.org/presentationml/2006/main">
   <p:cSld>
+    <p:bg>
+      <p:bgPr>
+        <a:solidFill>
+          <a:schemeClr val="tx1"/>
+        </a:solidFill>
+        <a:effectLst/>
+      </p:bgPr>
+    </p:bg>
     <p:spTree>
       <p:nvGrpSpPr>
         <p:cNvPr id="1" name=""/>
@@ -14141,16 +14590,81 @@
           <a:lstStyle/>
           <a:p>
             <a:r>
-              <a:rPr lang="pt-BR" dirty="0" smtClean="0"/>
-              <a:t>Tipos de Domínio</a:t>
-            </a:r>
-            <a:endParaRPr lang="en-US" dirty="0"/>
-          </a:p>
-        </p:txBody>
-      </p:sp>
-      <p:sp>
-        <p:nvSpPr>
-          <p:cNvPr id="3" name="Espaço Reservado para Conteúdo 2"/>
+              <a:rPr lang="pt-BR" dirty="0" err="1" smtClean="0">
+                <a:solidFill>
+                  <a:schemeClr val="bg1"/>
+                </a:solidFill>
+              </a:rPr>
+              <a:t>Context</a:t>
+            </a:r>
+            <a:r>
+              <a:rPr lang="pt-BR" dirty="0" smtClean="0">
+                <a:solidFill>
+                  <a:schemeClr val="bg1"/>
+                </a:solidFill>
+              </a:rPr>
+              <a:t> </a:t>
+            </a:r>
+            <a:r>
+              <a:rPr lang="pt-BR" dirty="0" err="1" smtClean="0">
+                <a:solidFill>
+                  <a:schemeClr val="bg1"/>
+                </a:solidFill>
+              </a:rPr>
+              <a:t>Map</a:t>
+            </a:r>
+            <a:endParaRPr lang="en-US" dirty="0">
+              <a:solidFill>
+                <a:schemeClr val="bg1"/>
+              </a:solidFill>
+            </a:endParaRPr>
+          </a:p>
+        </p:txBody>
+      </p:sp>
+      <p:pic>
+        <p:nvPicPr>
+          <p:cNvPr id="1026" name="Picture 2" descr="https://ptgmedia.pearsoncmg.com/images/chap5_9780735685352/elementLinks/05fig05.jpg"/>
+          <p:cNvPicPr>
+            <a:picLocks noChangeAspect="1" noChangeArrowheads="1"/>
+          </p:cNvPicPr>
+          <p:nvPr/>
+        </p:nvPicPr>
+        <p:blipFill>
+          <a:blip r:embed="rId2">
+            <a:extLst>
+              <a:ext uri="{28A0092B-C50C-407E-A947-70E740481C1C}">
+                <a14:useLocalDpi xmlns:a14="http://schemas.microsoft.com/office/drawing/2010/main" val="0"/>
+              </a:ext>
+            </a:extLst>
+          </a:blip>
+          <a:srcRect/>
+          <a:stretch>
+            <a:fillRect/>
+          </a:stretch>
+        </p:blipFill>
+        <p:spPr bwMode="auto">
+          <a:xfrm>
+            <a:off x="616024" y="2060848"/>
+            <a:ext cx="4305300" cy="3133726"/>
+          </a:xfrm>
+          <a:prstGeom prst="rect">
+            <a:avLst/>
+          </a:prstGeom>
+          <a:noFill/>
+          <a:extLst>
+            <a:ext uri="{909E8E84-426E-40DD-AFC4-6F175D3DCCD1}">
+              <a14:hiddenFill xmlns:a14="http://schemas.microsoft.com/office/drawing/2010/main">
+                <a:solidFill>
+                  <a:srgbClr val="FFFFFF"/>
+                </a:solidFill>
+              </a14:hiddenFill>
+            </a:ext>
+          </a:extLst>
+        </p:spPr>
+      </p:pic>
+      <p:sp>
+        <p:nvSpPr>
+          <p:cNvPr id="5" name="Espaço Reservado para Conteúdo 2"/>
           <p:cNvSpPr>
             <a:spLocks noGrp="1"/>
           </p:cNvSpPr>
@@ -14158,81 +14672,326 @@
             <p:ph idx="1"/>
           </p:nvPr>
         </p:nvSpPr>
-        <p:spPr/>
-        <p:txBody>
-          <a:bodyPr/>
-          <a:lstStyle/>
-          <a:p>
-            <a:r>
-              <a:rPr lang="pt-BR" dirty="0" smtClean="0"/>
-              <a:t>Um Modelo pode ser</a:t>
-            </a:r>
-            <a:r>
-              <a:rPr lang="pt-BR" dirty="0" smtClean="0"/>
-              <a:t>:</a:t>
-            </a:r>
-          </a:p>
-          <a:p>
-            <a:endParaRPr lang="pt-BR" dirty="0" smtClean="0"/>
+        <p:spPr>
+          <a:xfrm>
+            <a:off x="5220072" y="0"/>
+            <a:ext cx="3923928" cy="6858000"/>
+          </a:xfrm>
+          <a:solidFill>
+            <a:srgbClr val="0070C0"/>
+          </a:solidFill>
+        </p:spPr>
+        <p:txBody>
+          <a:bodyPr>
+            <a:normAutofit/>
+          </a:bodyPr>
+          <a:lstStyle/>
+          <a:p>
+            <a:pPr marL="0" indent="0">
+              <a:buNone/>
+            </a:pPr>
+            <a:endParaRPr lang="pt-BR" dirty="0" smtClean="0">
+              <a:solidFill>
+                <a:schemeClr val="bg1"/>
+              </a:solidFill>
+            </a:endParaRPr>
+          </a:p>
+          <a:p>
+            <a:pPr marL="0" indent="0">
+              <a:buNone/>
+            </a:pPr>
+            <a:endParaRPr lang="pt-BR" dirty="0">
+              <a:solidFill>
+                <a:schemeClr val="bg1"/>
+              </a:solidFill>
+            </a:endParaRPr>
+          </a:p>
+          <a:p>
+            <a:pPr marL="0" indent="0">
+              <a:buNone/>
+            </a:pPr>
+            <a:endParaRPr lang="pt-BR" dirty="0" smtClean="0">
+              <a:solidFill>
+                <a:schemeClr val="bg1"/>
+              </a:solidFill>
+            </a:endParaRPr>
+          </a:p>
+          <a:p>
+            <a:pPr marL="0" indent="0" algn="ctr">
+              <a:buNone/>
+            </a:pPr>
+            <a:r>
+              <a:rPr lang="pt-BR" sz="3200" b="1" dirty="0" smtClean="0">
+                <a:solidFill>
+                  <a:schemeClr val="tx1"/>
+                </a:solidFill>
+                <a:effectLst>
+                  <a:outerShdw blurRad="38100" dist="38100" dir="2700000" algn="tl">
+                    <a:srgbClr val="000000">
+                      <a:alpha val="43137"/>
+                    </a:srgbClr>
+                  </a:outerShdw>
+                </a:effectLst>
+              </a:rPr>
+              <a:t>Relacionamentos</a:t>
+            </a:r>
+          </a:p>
+          <a:p>
+            <a:endParaRPr lang="pt-BR" dirty="0" smtClean="0">
+              <a:solidFill>
+                <a:schemeClr val="tx1"/>
+              </a:solidFill>
+            </a:endParaRPr>
           </a:p>
           <a:p>
             <a:pPr lvl="1"/>
             <a:r>
-              <a:rPr lang="pt-BR" dirty="0" smtClean="0"/>
-              <a:t>O </a:t>
-            </a:r>
-            <a:r>
-              <a:rPr lang="pt-BR" dirty="0" smtClean="0"/>
-              <a:t>Core Domain</a:t>
-            </a:r>
+              <a:rPr lang="pt-BR" sz="2400" dirty="0" err="1" smtClean="0">
+                <a:solidFill>
+                  <a:schemeClr val="tx1"/>
+                </a:solidFill>
+              </a:rPr>
+              <a:t>Partnership</a:t>
+            </a:r>
+            <a:endParaRPr lang="pt-BR" sz="2400" dirty="0" smtClean="0">
+              <a:solidFill>
+                <a:schemeClr val="tx1"/>
+              </a:solidFill>
+            </a:endParaRPr>
           </a:p>
           <a:p>
             <a:pPr lvl="1"/>
             <a:r>
-              <a:rPr lang="pt-BR" dirty="0" smtClean="0"/>
-              <a:t>Um Domínio de Suporte</a:t>
-            </a:r>
+              <a:rPr lang="pt-BR" sz="2400" dirty="0" err="1" smtClean="0">
+                <a:solidFill>
+                  <a:schemeClr val="tx1"/>
+                </a:solidFill>
+              </a:rPr>
+              <a:t>Shared</a:t>
+            </a:r>
+            <a:r>
+              <a:rPr lang="pt-BR" sz="2400" dirty="0" smtClean="0">
+                <a:solidFill>
+                  <a:schemeClr val="tx1"/>
+                </a:solidFill>
+              </a:rPr>
+              <a:t> </a:t>
+            </a:r>
+            <a:r>
+              <a:rPr lang="pt-BR" sz="2400" dirty="0" err="1" smtClean="0">
+                <a:solidFill>
+                  <a:schemeClr val="tx1"/>
+                </a:solidFill>
+              </a:rPr>
+              <a:t>Kernel</a:t>
+            </a:r>
+            <a:endParaRPr lang="pt-BR" sz="2400" dirty="0" smtClean="0">
+              <a:solidFill>
+                <a:schemeClr val="tx1"/>
+              </a:solidFill>
+            </a:endParaRPr>
           </a:p>
           <a:p>
             <a:pPr lvl="1"/>
             <a:r>
-              <a:rPr lang="pt-BR" dirty="0" smtClean="0"/>
-              <a:t>Um Domínio Genérico</a:t>
+              <a:rPr lang="pt-BR" sz="2400" dirty="0" smtClean="0">
+                <a:solidFill>
+                  <a:schemeClr val="tx1"/>
+                </a:solidFill>
+              </a:rPr>
+              <a:t>Open Host Service</a:t>
             </a:r>
           </a:p>
           <a:p>
             <a:pPr lvl="1"/>
-            <a:endParaRPr lang="pt-BR" dirty="0"/>
-          </a:p>
-          <a:p>
-            <a:r>
-              <a:rPr lang="pt-BR" dirty="0" smtClean="0"/>
-              <a:t>Foque o esforço de modelagem no Core Domain</a:t>
-            </a:r>
-          </a:p>
-          <a:p>
-            <a:r>
-              <a:rPr lang="pt-BR" dirty="0" smtClean="0"/>
-              <a:t>Considere outsourcing pra o Domínio de Suporte</a:t>
-            </a:r>
-          </a:p>
-          <a:p>
-            <a:r>
-              <a:rPr lang="pt-BR" dirty="0" smtClean="0"/>
-              <a:t>Adquira </a:t>
-            </a:r>
-            <a:r>
-              <a:rPr lang="pt-BR" dirty="0" smtClean="0"/>
-              <a:t>Domínios Genéricos</a:t>
-            </a:r>
-            <a:endParaRPr lang="en-US" dirty="0"/>
+            <a:r>
+              <a:rPr lang="pt-BR" sz="2400" dirty="0" err="1" smtClean="0">
+                <a:solidFill>
+                  <a:schemeClr val="tx1"/>
+                </a:solidFill>
+              </a:rPr>
+              <a:t>Customer</a:t>
+            </a:r>
+            <a:r>
+              <a:rPr lang="pt-BR" sz="2400" dirty="0" smtClean="0">
+                <a:solidFill>
+                  <a:schemeClr val="tx1"/>
+                </a:solidFill>
+              </a:rPr>
+              <a:t>/</a:t>
+            </a:r>
+            <a:r>
+              <a:rPr lang="pt-BR" sz="2400" dirty="0" err="1" smtClean="0">
+                <a:solidFill>
+                  <a:schemeClr val="tx1"/>
+                </a:solidFill>
+              </a:rPr>
+              <a:t>Supplier</a:t>
+            </a:r>
+            <a:endParaRPr lang="pt-BR" sz="2400" dirty="0" smtClean="0">
+              <a:solidFill>
+                <a:schemeClr val="tx1"/>
+              </a:solidFill>
+            </a:endParaRPr>
+          </a:p>
+          <a:p>
+            <a:pPr lvl="1"/>
+            <a:r>
+              <a:rPr lang="pt-BR" sz="2400" dirty="0" smtClean="0">
+                <a:solidFill>
+                  <a:schemeClr val="tx1"/>
+                </a:solidFill>
+              </a:rPr>
+              <a:t>Big Ball </a:t>
+            </a:r>
+            <a:r>
+              <a:rPr lang="pt-BR" sz="2400" dirty="0" err="1" smtClean="0">
+                <a:solidFill>
+                  <a:schemeClr val="tx1"/>
+                </a:solidFill>
+              </a:rPr>
+              <a:t>Of</a:t>
+            </a:r>
+            <a:r>
+              <a:rPr lang="pt-BR" sz="2400" dirty="0" smtClean="0">
+                <a:solidFill>
+                  <a:schemeClr val="tx1"/>
+                </a:solidFill>
+              </a:rPr>
+              <a:t> </a:t>
+            </a:r>
+            <a:r>
+              <a:rPr lang="pt-BR" sz="2400" dirty="0" err="1" smtClean="0">
+                <a:solidFill>
+                  <a:schemeClr val="tx1"/>
+                </a:solidFill>
+              </a:rPr>
+              <a:t>Mud</a:t>
+            </a:r>
+            <a:endParaRPr lang="pt-BR" sz="2400" dirty="0" smtClean="0">
+              <a:solidFill>
+                <a:schemeClr val="tx1"/>
+              </a:solidFill>
+            </a:endParaRPr>
+          </a:p>
+          <a:p>
+            <a:pPr lvl="1"/>
+            <a:r>
+              <a:rPr lang="pt-BR" sz="2400" dirty="0" err="1" smtClean="0">
+                <a:solidFill>
+                  <a:schemeClr val="tx1"/>
+                </a:solidFill>
+              </a:rPr>
+              <a:t>Conformist</a:t>
+            </a:r>
+            <a:endParaRPr lang="pt-BR" sz="2400" dirty="0" smtClean="0">
+              <a:solidFill>
+                <a:schemeClr val="tx1"/>
+              </a:solidFill>
+            </a:endParaRPr>
+          </a:p>
+          <a:p>
+            <a:pPr lvl="1"/>
+            <a:r>
+              <a:rPr lang="pt-BR" sz="2400" dirty="0" err="1" smtClean="0">
+                <a:solidFill>
+                  <a:schemeClr val="tx1"/>
+                </a:solidFill>
+              </a:rPr>
+              <a:t>Anticorruption</a:t>
+            </a:r>
+            <a:r>
+              <a:rPr lang="pt-BR" sz="2400" dirty="0" smtClean="0">
+                <a:solidFill>
+                  <a:schemeClr val="tx1"/>
+                </a:solidFill>
+              </a:rPr>
+              <a:t> </a:t>
+            </a:r>
+            <a:r>
+              <a:rPr lang="pt-BR" sz="2400" dirty="0" err="1" smtClean="0">
+                <a:solidFill>
+                  <a:schemeClr val="tx1"/>
+                </a:solidFill>
+              </a:rPr>
+              <a:t>Layer</a:t>
+            </a:r>
+            <a:endParaRPr lang="pt-BR" sz="2400" dirty="0" smtClean="0">
+              <a:solidFill>
+                <a:schemeClr val="tx1"/>
+              </a:solidFill>
+            </a:endParaRPr>
+          </a:p>
+          <a:p>
+            <a:pPr lvl="1"/>
+            <a:r>
+              <a:rPr lang="pt-BR" sz="2400" dirty="0" err="1" smtClean="0">
+                <a:solidFill>
+                  <a:schemeClr val="tx1"/>
+                </a:solidFill>
+              </a:rPr>
+              <a:t>Separate</a:t>
+            </a:r>
+            <a:r>
+              <a:rPr lang="pt-BR" sz="2400" dirty="0" smtClean="0">
+                <a:solidFill>
+                  <a:schemeClr val="tx1"/>
+                </a:solidFill>
+              </a:rPr>
+              <a:t> </a:t>
+            </a:r>
+            <a:r>
+              <a:rPr lang="pt-BR" sz="2400" dirty="0" err="1" smtClean="0">
+                <a:solidFill>
+                  <a:schemeClr val="tx1"/>
+                </a:solidFill>
+              </a:rPr>
+              <a:t>Ways</a:t>
+            </a:r>
+            <a:endParaRPr lang="pt-BR" sz="2400" dirty="0" smtClean="0">
+              <a:solidFill>
+                <a:schemeClr val="tx1"/>
+              </a:solidFill>
+            </a:endParaRPr>
+          </a:p>
+          <a:p>
+            <a:pPr lvl="1"/>
+            <a:r>
+              <a:rPr lang="pt-BR" sz="2400" dirty="0" err="1" smtClean="0">
+                <a:solidFill>
+                  <a:schemeClr val="tx1"/>
+                </a:solidFill>
+              </a:rPr>
+              <a:t>Published</a:t>
+            </a:r>
+            <a:r>
+              <a:rPr lang="pt-BR" sz="2400" dirty="0" smtClean="0">
+                <a:solidFill>
+                  <a:schemeClr val="tx1"/>
+                </a:solidFill>
+              </a:rPr>
+              <a:t> </a:t>
+            </a:r>
+            <a:r>
+              <a:rPr lang="pt-BR" sz="2400" dirty="0" err="1" smtClean="0">
+                <a:solidFill>
+                  <a:schemeClr val="tx1"/>
+                </a:solidFill>
+              </a:rPr>
+              <a:t>Language</a:t>
+            </a:r>
+            <a:endParaRPr lang="en-US" sz="2400" dirty="0">
+              <a:solidFill>
+                <a:schemeClr val="tx1"/>
+              </a:solidFill>
+            </a:endParaRPr>
           </a:p>
         </p:txBody>
       </p:sp>
     </p:spTree>
     <p:extLst>
       <p:ext uri="{BB962C8B-B14F-4D97-AF65-F5344CB8AC3E}">
-        <p14:creationId xmlns:p14="http://schemas.microsoft.com/office/powerpoint/2010/main" val="2656094707"/>
+        <p14:creationId xmlns:p14="http://schemas.microsoft.com/office/powerpoint/2010/main" val="2485521253"/>
       </p:ext>
     </p:extLst>
   </p:cSld>
@@ -14242,9 +15001,392 @@
   <p:timing>
     <p:tnLst>
       <p:par>
-        <p:cTn id="1" dur="indefinite" restart="never" nodeType="tmRoot"/>
+        <p:cTn id="1" dur="indefinite" restart="never" nodeType="tmRoot">
+          <p:childTnLst>
+            <p:seq concurrent="1" nextAc="seek">
+              <p:cTn id="2" dur="indefinite" nodeType="mainSeq">
+                <p:childTnLst>
+                  <p:par>
+                    <p:cTn id="3" fill="hold">
+                      <p:stCondLst>
+                        <p:cond delay="indefinite"/>
+                      </p:stCondLst>
+                      <p:childTnLst>
+                        <p:par>
+                          <p:cTn id="4" fill="hold">
+                            <p:stCondLst>
+                              <p:cond delay="0"/>
+                            </p:stCondLst>
+                            <p:childTnLst>
+                              <p:par>
+                                <p:cTn id="5" presetID="1" presetClass="entr" presetSubtype="0" fill="hold" grpId="0" nodeType="clickEffect">
+                                  <p:stCondLst>
+                                    <p:cond delay="0"/>
+                                  </p:stCondLst>
+                                  <p:childTnLst>
+                                    <p:set>
+                                      <p:cBhvr>
+                                        <p:cTn id="6" dur="1" fill="hold">
+                                          <p:stCondLst>
+                                            <p:cond delay="0"/>
+                                          </p:stCondLst>
+                                        </p:cTn>
+                                        <p:tgtEl>
+                                          <p:spTgt spid="5">
+                                            <p:bg/>
+                                          </p:spTgt>
+                                        </p:tgtEl>
+                                        <p:attrNameLst>
+                                          <p:attrName>style.visibility</p:attrName>
+                                        </p:attrNameLst>
+                                      </p:cBhvr>
+                                      <p:to>
+                                        <p:strVal val="visible"/>
+                                      </p:to>
+                                    </p:set>
+                                  </p:childTnLst>
+                                </p:cTn>
+                              </p:par>
+                              <p:par>
+                                <p:cTn id="7" presetID="1" presetClass="entr" presetSubtype="0" fill="hold" grpId="0" nodeType="withEffect">
+                                  <p:stCondLst>
+                                    <p:cond delay="0"/>
+                                  </p:stCondLst>
+                                  <p:childTnLst>
+                                    <p:set>
+                                      <p:cBhvr>
+                                        <p:cTn id="8" dur="1" fill="hold">
+                                          <p:stCondLst>
+                                            <p:cond delay="0"/>
+                                          </p:stCondLst>
+                                        </p:cTn>
+                                        <p:tgtEl>
+                                          <p:spTgt spid="5">
+                                            <p:txEl>
+                                              <p:pRg st="3" end="3"/>
+                                            </p:txEl>
+                                          </p:spTgt>
+                                        </p:tgtEl>
+                                        <p:attrNameLst>
+                                          <p:attrName>style.visibility</p:attrName>
+                                        </p:attrNameLst>
+                                      </p:cBhvr>
+                                      <p:to>
+                                        <p:strVal val="visible"/>
+                                      </p:to>
+                                    </p:set>
+                                  </p:childTnLst>
+                                </p:cTn>
+                              </p:par>
+                              <p:par>
+                                <p:cTn id="9" presetID="1" presetClass="entr" presetSubtype="0" fill="hold" grpId="0" nodeType="withEffect">
+                                  <p:stCondLst>
+                                    <p:cond delay="0"/>
+                                  </p:stCondLst>
+                                  <p:childTnLst>
+                                    <p:set>
+                                      <p:cBhvr>
+                                        <p:cTn id="10" dur="1" fill="hold">
+                                          <p:stCondLst>
+                                            <p:cond delay="0"/>
+                                          </p:stCondLst>
+                                        </p:cTn>
+                                        <p:tgtEl>
+                                          <p:spTgt spid="5">
+                                            <p:txEl>
+                                              <p:pRg st="5" end="5"/>
+                                            </p:txEl>
+                                          </p:spTgt>
+                                        </p:tgtEl>
+                                        <p:attrNameLst>
+                                          <p:attrName>style.visibility</p:attrName>
+                                        </p:attrNameLst>
+                                      </p:cBhvr>
+                                      <p:to>
+                                        <p:strVal val="visible"/>
+                                      </p:to>
+                                    </p:set>
+                                  </p:childTnLst>
+                                </p:cTn>
+                              </p:par>
+                              <p:par>
+                                <p:cTn id="11" presetID="1" presetClass="entr" presetSubtype="0" fill="hold" grpId="0" nodeType="withEffect">
+                                  <p:stCondLst>
+                                    <p:cond delay="0"/>
+                                  </p:stCondLst>
+                                  <p:childTnLst>
+                                    <p:set>
+                                      <p:cBhvr>
+                                        <p:cTn id="12" dur="1" fill="hold">
+                                          <p:stCondLst>
+                                            <p:cond delay="0"/>
+                                          </p:stCondLst>
+                                        </p:cTn>
+                                        <p:tgtEl>
+                                          <p:spTgt spid="5">
+                                            <p:txEl>
+                                              <p:pRg st="6" end="6"/>
+                                            </p:txEl>
+                                          </p:spTgt>
+                                        </p:tgtEl>
+                                        <p:attrNameLst>
+                                          <p:attrName>style.visibility</p:attrName>
+                                        </p:attrNameLst>
+                                      </p:cBhvr>
+                                      <p:to>
+                                        <p:strVal val="visible"/>
+                                      </p:to>
+                                    </p:set>
+                                  </p:childTnLst>
+                                </p:cTn>
+                              </p:par>
+                              <p:par>
+                                <p:cTn id="13" presetID="1" presetClass="entr" presetSubtype="0" fill="hold" grpId="0" nodeType="withEffect">
+                                  <p:stCondLst>
+                                    <p:cond delay="0"/>
+                                  </p:stCondLst>
+                                  <p:childTnLst>
+                                    <p:set>
+                                      <p:cBhvr>
+                                        <p:cTn id="14" dur="1" fill="hold">
+                                          <p:stCondLst>
+                                            <p:cond delay="0"/>
+                                          </p:stCondLst>
+                                        </p:cTn>
+                                        <p:tgtEl>
+                                          <p:spTgt spid="5">
+                                            <p:txEl>
+                                              <p:pRg st="7" end="7"/>
+                                            </p:txEl>
+                                          </p:spTgt>
+                                        </p:tgtEl>
+                                        <p:attrNameLst>
+                                          <p:attrName>style.visibility</p:attrName>
+                                        </p:attrNameLst>
+                                      </p:cBhvr>
+                                      <p:to>
+                                        <p:strVal val="visible"/>
+                                      </p:to>
+                                    </p:set>
+                                  </p:childTnLst>
+                                </p:cTn>
+                              </p:par>
+                              <p:par>
+                                <p:cTn id="15" presetID="1" presetClass="entr" presetSubtype="0" fill="hold" grpId="0" nodeType="withEffect">
+                                  <p:stCondLst>
+                                    <p:cond delay="0"/>
+                                  </p:stCondLst>
+                                  <p:childTnLst>
+                                    <p:set>
+                                      <p:cBhvr>
+                                        <p:cTn id="16" dur="1" fill="hold">
+                                          <p:stCondLst>
+                                            <p:cond delay="0"/>
+                                          </p:stCondLst>
+                                        </p:cTn>
+                                        <p:tgtEl>
+                                          <p:spTgt spid="5">
+                                            <p:txEl>
+                                              <p:pRg st="8" end="8"/>
+                                            </p:txEl>
+                                          </p:spTgt>
+                                        </p:tgtEl>
+                                        <p:attrNameLst>
+                                          <p:attrName>style.visibility</p:attrName>
+                                        </p:attrNameLst>
+                                      </p:cBhvr>
+                                      <p:to>
+                                        <p:strVal val="visible"/>
+                                      </p:to>
+                                    </p:set>
+                                  </p:childTnLst>
+                                </p:cTn>
+                              </p:par>
+                              <p:par>
+                                <p:cTn id="17" presetID="1" presetClass="entr" presetSubtype="0" fill="hold" grpId="0" nodeType="withEffect">
+                                  <p:stCondLst>
+                                    <p:cond delay="0"/>
+                                  </p:stCondLst>
+                                  <p:childTnLst>
+                                    <p:set>
+                                      <p:cBhvr>
+                                        <p:cTn id="18" dur="1" fill="hold">
+                                          <p:stCondLst>
+                                            <p:cond delay="0"/>
+                                          </p:stCondLst>
+                                        </p:cTn>
+                                        <p:tgtEl>
+                                          <p:spTgt spid="5">
+                                            <p:txEl>
+                                              <p:pRg st="9" end="9"/>
+                                            </p:txEl>
+                                          </p:spTgt>
+                                        </p:tgtEl>
+                                        <p:attrNameLst>
+                                          <p:attrName>style.visibility</p:attrName>
+                                        </p:attrNameLst>
+                                      </p:cBhvr>
+                                      <p:to>
+                                        <p:strVal val="visible"/>
+                                      </p:to>
+                                    </p:set>
+                                  </p:childTnLst>
+                                </p:cTn>
+                              </p:par>
+                              <p:par>
+                                <p:cTn id="19" presetID="1" presetClass="entr" presetSubtype="0" fill="hold" grpId="0" nodeType="withEffect">
+                                  <p:stCondLst>
+                                    <p:cond delay="0"/>
+                                  </p:stCondLst>
+                                  <p:childTnLst>
+                                    <p:set>
+                                      <p:cBhvr>
+                                        <p:cTn id="20" dur="1" fill="hold">
+                                          <p:stCondLst>
+                                            <p:cond delay="0"/>
+                                          </p:stCondLst>
+                                        </p:cTn>
+                                        <p:tgtEl>
+                                          <p:spTgt spid="5">
+                                            <p:txEl>
+                                              <p:pRg st="10" end="10"/>
+                                            </p:txEl>
+                                          </p:spTgt>
+                                        </p:tgtEl>
+                                        <p:attrNameLst>
+                                          <p:attrName>style.visibility</p:attrName>
+                                        </p:attrNameLst>
+                                      </p:cBhvr>
+                                      <p:to>
+                                        <p:strVal val="visible"/>
+                                      </p:to>
+                                    </p:set>
+                                  </p:childTnLst>
+                                </p:cTn>
+                              </p:par>
+                              <p:par>
+                                <p:cTn id="21" presetID="1" presetClass="entr" presetSubtype="0" fill="hold" grpId="0" nodeType="withEffect">
+                                  <p:stCondLst>
+                                    <p:cond delay="0"/>
+                                  </p:stCondLst>
+                                  <p:childTnLst>
+                                    <p:set>
+                                      <p:cBhvr>
+                                        <p:cTn id="22" dur="1" fill="hold">
+                                          <p:stCondLst>
+                                            <p:cond delay="0"/>
+                                          </p:stCondLst>
+                                        </p:cTn>
+                                        <p:tgtEl>
+                                          <p:spTgt spid="5">
+                                            <p:txEl>
+                                              <p:pRg st="11" end="11"/>
+                                            </p:txEl>
+                                          </p:spTgt>
+                                        </p:tgtEl>
+                                        <p:attrNameLst>
+                                          <p:attrName>style.visibility</p:attrName>
+                                        </p:attrNameLst>
+                                      </p:cBhvr>
+                                      <p:to>
+                                        <p:strVal val="visible"/>
+                                      </p:to>
+                                    </p:set>
+                                  </p:childTnLst>
+                                </p:cTn>
+                              </p:par>
+                              <p:par>
+                                <p:cTn id="23" presetID="1" presetClass="entr" presetSubtype="0" fill="hold" grpId="0" nodeType="withEffect">
+                                  <p:stCondLst>
+                                    <p:cond delay="0"/>
+                                  </p:stCondLst>
+                                  <p:childTnLst>
+                                    <p:set>
+                                      <p:cBhvr>
+                                        <p:cTn id="24" dur="1" fill="hold">
+                                          <p:stCondLst>
+                                            <p:cond delay="0"/>
+                                          </p:stCondLst>
+                                        </p:cTn>
+                                        <p:tgtEl>
+                                          <p:spTgt spid="5">
+                                            <p:txEl>
+                                              <p:pRg st="12" end="12"/>
+                                            </p:txEl>
+                                          </p:spTgt>
+                                        </p:tgtEl>
+                                        <p:attrNameLst>
+                                          <p:attrName>style.visibility</p:attrName>
+                                        </p:attrNameLst>
+                                      </p:cBhvr>
+                                      <p:to>
+                                        <p:strVal val="visible"/>
+                                      </p:to>
+                                    </p:set>
+                                  </p:childTnLst>
+                                </p:cTn>
+                              </p:par>
+                              <p:par>
+                                <p:cTn id="25" presetID="1" presetClass="entr" presetSubtype="0" fill="hold" grpId="0" nodeType="withEffect">
+                                  <p:stCondLst>
+                                    <p:cond delay="0"/>
+                                  </p:stCondLst>
+                                  <p:childTnLst>
+                                    <p:set>
+                                      <p:cBhvr>
+                                        <p:cTn id="26" dur="1" fill="hold">
+                                          <p:stCondLst>
+                                            <p:cond delay="0"/>
+                                          </p:stCondLst>
+                                        </p:cTn>
+                                        <p:tgtEl>
+                                          <p:spTgt spid="5">
+                                            <p:txEl>
+                                              <p:pRg st="13" end="13"/>
+                                            </p:txEl>
+                                          </p:spTgt>
+                                        </p:tgtEl>
+                                        <p:attrNameLst>
+                                          <p:attrName>style.visibility</p:attrName>
+                                        </p:attrNameLst>
+                                      </p:cBhvr>
+                                      <p:to>
+                                        <p:strVal val="visible"/>
+                                      </p:to>
+                                    </p:set>
+                                  </p:childTnLst>
+                                </p:cTn>
+                              </p:par>
+                            </p:childTnLst>
+                          </p:cTn>
+                        </p:par>
+                      </p:childTnLst>
+                    </p:cTn>
+                  </p:par>
+                </p:childTnLst>
+              </p:cTn>
+              <p:prevCondLst>
+                <p:cond evt="onPrev" delay="0">
+                  <p:tgtEl>
+                    <p:sldTgt/>
+                  </p:tgtEl>
+                </p:cond>
+              </p:prevCondLst>
+              <p:nextCondLst>
+                <p:cond evt="onNext" delay="0">
+                  <p:tgtEl>
+                    <p:sldTgt/>
+                  </p:tgtEl>
+                </p:cond>
+              </p:nextCondLst>
+            </p:seq>
+          </p:childTnLst>
+        </p:cTn>
       </p:par>
     </p:tnLst>
+    <p:bldLst>
+      <p:bldP spid="5" grpId="0" uiExpand="1" build="p" animBg="1"/>
+    </p:bldLst>
   </p:timing>
 </p:sld>
 </file>
@@ -14252,6 +15394,14 @@
 <file path=ppt/slides/slide9.xml><?xml version="1.0" encoding="utf-8"?>
 <p:sld xmlns:a="http://schemas.openxmlformats.org/drawingml/2006/main" xmlns:r="http://schemas.openxmlformats.org/officeDocument/2006/relationships" xmlns:p="http://schemas.openxmlformats.org/presentationml/2006/main">
   <p:cSld>
+    <p:bg>
+      <p:bgPr>
+        <a:solidFill>
+          <a:schemeClr val="accent1"/>
+        </a:solidFill>
+        <a:effectLst/>
+      </p:bgPr>
+    </p:bg>
     <p:spTree>
       <p:nvGrpSpPr>
         <p:cNvPr id="1" name=""/>
@@ -14268,7 +15418,7 @@
       </p:grpSpPr>
       <p:sp>
         <p:nvSpPr>
-          <p:cNvPr id="4" name="Título 3"/>
+          <p:cNvPr id="2" name="Título 1"/>
           <p:cNvSpPr>
             <a:spLocks noGrp="1"/>
           </p:cNvSpPr>
@@ -14283,7 +15433,7 @@
           <a:p>
             <a:r>
               <a:rPr lang="pt-BR" dirty="0" smtClean="0"/>
-              <a:t>Core Domain</a:t>
+              <a:t>Tipos de Domínio</a:t>
             </a:r>
             <a:endParaRPr lang="en-US" dirty="0"/>
           </a:p>
@@ -14291,7 +15441,7 @@
       </p:sp>
       <p:sp>
         <p:nvSpPr>
-          <p:cNvPr id="5" name="Espaço Reservado para Conteúdo 4"/>
+          <p:cNvPr id="3" name="Espaço Reservado para Conteúdo 2"/>
           <p:cNvSpPr>
             <a:spLocks noGrp="1"/>
           </p:cNvSpPr>
@@ -14306,19 +15456,53 @@
           <a:p>
             <a:r>
               <a:rPr lang="pt-BR" dirty="0" smtClean="0"/>
-              <a:t>Identifique o seu Core Domain</a:t>
-            </a:r>
-          </a:p>
-          <a:p>
+              <a:t>Um Modelo pode ser:</a:t>
+            </a:r>
+          </a:p>
+          <a:p>
+            <a:endParaRPr lang="pt-BR" dirty="0" smtClean="0"/>
+          </a:p>
+          <a:p>
+            <a:pPr lvl="1"/>
             <a:r>
               <a:rPr lang="pt-BR" dirty="0" smtClean="0"/>
-              <a:t>Analise o seu Core Domain</a:t>
-            </a:r>
-          </a:p>
-          <a:p>
+              <a:t>O Core Domain</a:t>
+            </a:r>
+          </a:p>
+          <a:p>
+            <a:pPr lvl="1"/>
             <a:r>
               <a:rPr lang="pt-BR" dirty="0" smtClean="0"/>
-              <a:t>Foque os recursos no Core Domain</a:t>
+              <a:t>Um Domínio de Suporte</a:t>
+            </a:r>
+          </a:p>
+          <a:p>
+            <a:pPr lvl="1"/>
+            <a:r>
+              <a:rPr lang="pt-BR" dirty="0" smtClean="0"/>
+              <a:t>Um Domínio Genérico</a:t>
+            </a:r>
+          </a:p>
+          <a:p>
+            <a:pPr lvl="1"/>
+            <a:endParaRPr lang="pt-BR" dirty="0"/>
+          </a:p>
+          <a:p>
+            <a:r>
+              <a:rPr lang="pt-BR" dirty="0" smtClean="0"/>
+              <a:t>Foque o esforço de modelagem no Core Domain</a:t>
+            </a:r>
+          </a:p>
+          <a:p>
+            <a:r>
+              <a:rPr lang="pt-BR" dirty="0" smtClean="0"/>
+              <a:t>Considere outsourcing pra o Domínio de Suporte</a:t>
+            </a:r>
+          </a:p>
+          <a:p>
+            <a:r>
+              <a:rPr lang="pt-BR" dirty="0" smtClean="0"/>
+              <a:t>Adquira Domínios Genéricos</a:t>
             </a:r>
             <a:endParaRPr lang="en-US" dirty="0"/>
           </a:p>
@@ -14327,7 +15511,7 @@
     </p:spTree>
     <p:extLst>
       <p:ext uri="{BB962C8B-B14F-4D97-AF65-F5344CB8AC3E}">
-        <p14:creationId xmlns:p14="http://schemas.microsoft.com/office/powerpoint/2010/main" val="41055795"/>
+        <p14:creationId xmlns:p14="http://schemas.microsoft.com/office/powerpoint/2010/main" val="2656094707"/>
       </p:ext>
     </p:extLst>
   </p:cSld>
@@ -14852,7 +16036,7 @@
   <a:extraClrSchemeLst/>
   <a:extLst>
     <a:ext uri="{05A4C25C-085E-4340-85A3-A5531E510DB2}">
-      <thm15:themeFamily xmlns:thm15="http://schemas.microsoft.com/office/thememl/2012/main" xmlns="" name="Depth" id="{7BEAFC2A-325C-49C4-AC08-2B765DA903F9}" vid="{47428100-C732-4B2E-A30A-5273F581A0FA}"/>
+      <thm15:themeFamily xmlns:thm15="http://schemas.microsoft.com/office/thememl/2012/main" name="Depth" id="{7BEAFC2A-325C-49C4-AC08-2B765DA903F9}" vid="{47428100-C732-4B2E-A30A-5273F581A0FA}"/>
     </a:ext>
   </a:extLst>
 </a:theme>

--- a/docs/Introdução ao Domain-Driven-Design (DDD).pptx
+++ b/docs/Introdução ao Domain-Driven-Design (DDD).pptx
@@ -10550,11 +10550,6 @@
                 <a:solidFill>
                   <a:schemeClr val="tx1"/>
                 </a:solidFill>
-                <a:effectLst>
-                  <a:outerShdw blurRad="50800" algn="tl" rotWithShape="0">
-                    <a:srgbClr val="000000"/>
-                  </a:outerShdw>
-                </a:effectLst>
               </a:rPr>
               <a:t>* Entidades</a:t>
             </a:r>
@@ -10574,11 +10569,6 @@
               <a:solidFill>
                 <a:schemeClr val="tx1"/>
               </a:solidFill>
-              <a:effectLst>
-                <a:outerShdw blurRad="50800" algn="tl" rotWithShape="0">
-                  <a:srgbClr val="000000"/>
-                </a:outerShdw>
-              </a:effectLst>
             </a:endParaRPr>
           </a:p>
           <a:p>
@@ -10597,31 +10587,9 @@
                 <a:solidFill>
                   <a:schemeClr val="tx1"/>
                 </a:solidFill>
-                <a:effectLst>
-                  <a:outerShdw blurRad="50800" algn="tl" rotWithShape="0">
-                    <a:srgbClr val="000000"/>
-                  </a:outerShdw>
-                </a:effectLst>
               </a:rPr>
               <a:t>* Tipos de Valor</a:t>
             </a:r>
-            <a:endParaRPr lang="pt-BR" sz="3600" b="1" dirty="0" smtClean="0">
-              <a:ln w="9525" cmpd="sng">
-                <a:solidFill>
-                  <a:schemeClr val="bg1"/>
-                </a:solidFill>
-                <a:prstDash val="solid"/>
-                <a:miter lim="800000"/>
-              </a:ln>
-              <a:solidFill>
-                <a:schemeClr val="tx1"/>
-              </a:solidFill>
-              <a:effectLst>
-                <a:outerShdw blurRad="50800" algn="tl" rotWithShape="0">
-                  <a:srgbClr val="000000"/>
-                </a:outerShdw>
-              </a:effectLst>
-            </a:endParaRPr>
           </a:p>
           <a:p>
             <a:pPr marL="0" indent="0" algn="ctr">
@@ -10638,11 +10606,6 @@
               <a:solidFill>
                 <a:schemeClr val="tx1"/>
               </a:solidFill>
-              <a:effectLst>
-                <a:outerShdw blurRad="50800" algn="tl" rotWithShape="0">
-                  <a:srgbClr val="000000"/>
-                </a:outerShdw>
-              </a:effectLst>
             </a:endParaRPr>
           </a:p>
           <a:p>
@@ -10661,11 +10624,6 @@
                 <a:solidFill>
                   <a:schemeClr val="tx1"/>
                 </a:solidFill>
-                <a:effectLst>
-                  <a:outerShdw blurRad="50800" algn="tl" rotWithShape="0">
-                    <a:srgbClr val="000000"/>
-                  </a:outerShdw>
-                </a:effectLst>
               </a:rPr>
               <a:t>*Agregações</a:t>
             </a:r>
@@ -10683,11 +10641,6 @@
               <a:solidFill>
                 <a:schemeClr val="tx1"/>
               </a:solidFill>
-              <a:effectLst>
-                <a:outerShdw blurRad="50800" algn="tl" rotWithShape="0">
-                  <a:srgbClr val="000000"/>
-                </a:outerShdw>
-              </a:effectLst>
             </a:endParaRPr>
           </a:p>
           <a:p>
@@ -10705,15 +10658,12 @@
               <a:solidFill>
                 <a:schemeClr val="tx1"/>
               </a:solidFill>
-              <a:effectLst>
-                <a:outerShdw blurRad="50800" algn="tl" rotWithShape="0">
-                  <a:srgbClr val="000000"/>
-                </a:outerShdw>
-              </a:effectLst>
             </a:endParaRPr>
           </a:p>
           <a:p>
-            <a:pPr algn="ctr"/>
+            <a:pPr marL="0" indent="0" algn="ctr">
+              <a:buNone/>
+            </a:pPr>
             <a:r>
               <a:rPr lang="pt-BR" sz="3600" b="1" dirty="0" smtClean="0">
                 <a:ln w="9525" cmpd="sng">
@@ -10726,14 +10676,21 @@
                 <a:solidFill>
                   <a:schemeClr val="tx1"/>
                 </a:solidFill>
-                <a:effectLst>
-                  <a:outerShdw blurRad="50800" algn="tl" rotWithShape="0">
-                    <a:srgbClr val="000000"/>
-                  </a:outerShdw>
-                </a:effectLst>
               </a:rPr>
-              <a:t>Repositórios</a:t>
-            </a:r>
+              <a:t>* Repositórios</a:t>
+            </a:r>
+            <a:endParaRPr lang="pt-BR" sz="3600" b="1" dirty="0" smtClean="0">
+              <a:ln w="9525" cmpd="sng">
+                <a:solidFill>
+                  <a:schemeClr val="bg1"/>
+                </a:solidFill>
+                <a:prstDash val="solid"/>
+                <a:miter lim="800000"/>
+              </a:ln>
+              <a:solidFill>
+                <a:schemeClr val="tx1"/>
+              </a:solidFill>
+            </a:endParaRPr>
           </a:p>
           <a:p>
             <a:pPr marL="0" indent="0" algn="ctr">
@@ -10750,11 +10707,6 @@
               <a:solidFill>
                 <a:schemeClr val="tx1"/>
               </a:solidFill>
-              <a:effectLst>
-                <a:outerShdw blurRad="50800" algn="tl" rotWithShape="0">
-                  <a:srgbClr val="000000"/>
-                </a:outerShdw>
-              </a:effectLst>
             </a:endParaRPr>
           </a:p>
           <a:p>
@@ -10773,13 +10725,58 @@
                 <a:solidFill>
                   <a:schemeClr val="tx1"/>
                 </a:solidFill>
-                <a:effectLst>
-                  <a:outerShdw blurRad="50800" algn="tl" rotWithShape="0">
-                    <a:srgbClr val="000000"/>
-                  </a:outerShdw>
-                </a:effectLst>
               </a:rPr>
               <a:t>* Serviços</a:t>
+            </a:r>
+          </a:p>
+          <a:p>
+            <a:pPr algn="ctr"/>
+            <a:endParaRPr lang="pt-BR" sz="3600" b="1" dirty="0">
+              <a:ln w="9525" cmpd="sng">
+                <a:solidFill>
+                  <a:schemeClr val="bg1"/>
+                </a:solidFill>
+                <a:prstDash val="solid"/>
+                <a:miter lim="800000"/>
+              </a:ln>
+              <a:solidFill>
+                <a:schemeClr val="tx1"/>
+              </a:solidFill>
+            </a:endParaRPr>
+          </a:p>
+          <a:p>
+            <a:pPr marL="0" indent="0" algn="ctr">
+              <a:buNone/>
+            </a:pPr>
+            <a:r>
+              <a:rPr lang="pt-BR" sz="3600" b="1" dirty="0" smtClean="0">
+                <a:ln w="9525" cmpd="sng">
+                  <a:solidFill>
+                    <a:schemeClr val="bg1"/>
+                  </a:solidFill>
+                  <a:prstDash val="solid"/>
+                  <a:miter lim="800000"/>
+                </a:ln>
+                <a:solidFill>
+                  <a:schemeClr val="tx1"/>
+                </a:solidFill>
+              </a:rPr>
+              <a:t>* Domain </a:t>
+            </a:r>
+            <a:r>
+              <a:rPr lang="pt-BR" sz="3600" b="1" dirty="0" err="1" smtClean="0">
+                <a:ln w="9525" cmpd="sng">
+                  <a:solidFill>
+                    <a:schemeClr val="bg1"/>
+                  </a:solidFill>
+                  <a:prstDash val="solid"/>
+                  <a:miter lim="800000"/>
+                </a:ln>
+                <a:solidFill>
+                  <a:schemeClr val="tx1"/>
+                </a:solidFill>
+              </a:rPr>
+              <a:t>Events</a:t>
             </a:r>
             <a:endParaRPr lang="pt-BR" sz="3600" b="1" dirty="0" smtClean="0">
               <a:ln w="9525" cmpd="sng">
@@ -10792,11 +10789,6 @@
               <a:solidFill>
                 <a:schemeClr val="tx1"/>
               </a:solidFill>
-              <a:effectLst>
-                <a:outerShdw blurRad="50800" algn="tl" rotWithShape="0">
-                  <a:srgbClr val="000000"/>
-                </a:outerShdw>
-              </a:effectLst>
             </a:endParaRPr>
           </a:p>
         </p:txBody>
@@ -10878,11 +10870,7 @@
           <a:p>
             <a:r>
               <a:rPr lang="pt-BR" dirty="0" smtClean="0"/>
-              <a:t>Possui uma Identidade </a:t>
-            </a:r>
-            <a:r>
-              <a:rPr lang="pt-BR" dirty="0" smtClean="0"/>
-              <a:t>e Estado</a:t>
+              <a:t>Possui uma Identidade e Estado</a:t>
             </a:r>
           </a:p>
           <a:p>
@@ -11524,7 +11512,6 @@
               <a:rPr lang="pt-BR" dirty="0" smtClean="0"/>
               <a:t>Realiza a persistência de uma agregação</a:t>
             </a:r>
-            <a:endParaRPr lang="pt-BR" dirty="0" smtClean="0"/>
           </a:p>
         </p:txBody>
       </p:sp>
@@ -11615,16 +11602,11 @@
               <a:rPr lang="pt-BR" dirty="0" smtClean="0"/>
               <a:t> a um objeto de domínio</a:t>
             </a:r>
-            <a:endParaRPr lang="pt-BR" dirty="0" smtClean="0"/>
           </a:p>
           <a:p>
             <a:r>
               <a:rPr lang="pt-BR" dirty="0" smtClean="0"/>
-              <a:t>Não guardam </a:t>
-            </a:r>
-            <a:r>
-              <a:rPr lang="pt-BR" dirty="0" smtClean="0"/>
-              <a:t>estado</a:t>
+              <a:t>Não guardam estado</a:t>
             </a:r>
           </a:p>
           <a:p>
@@ -13571,15 +13553,7 @@
             <a:pPr algn="ctr"/>
             <a:r>
               <a:rPr lang="pt-BR" b="1" dirty="0" smtClean="0"/>
-              <a:t>Aspectos </a:t>
-            </a:r>
-            <a:r>
-              <a:rPr lang="pt-BR" b="1" dirty="0" smtClean="0"/>
-              <a:t>técnicos</a:t>
-            </a:r>
-            <a:r>
-              <a:rPr lang="pt-BR" b="1" dirty="0" smtClean="0"/>
-              <a:t/>
+              <a:t>Aspectos técnicos</a:t>
             </a:r>
             <a:br>
               <a:rPr lang="pt-BR" b="1" dirty="0" smtClean="0"/>
@@ -13972,15 +13946,7 @@
           <a:p>
             <a:r>
               <a:rPr lang="pt-BR" dirty="0" smtClean="0"/>
-              <a:t>Se a linguagem ubíqua não está </a:t>
-            </a:r>
-            <a:r>
-              <a:rPr lang="pt-BR" dirty="0" smtClean="0"/>
-              <a:t>clara </a:t>
-            </a:r>
-            <a:r>
-              <a:rPr lang="pt-BR" dirty="0" smtClean="0"/>
-              <a:t>então há trabalho a ser feito.</a:t>
+              <a:t>Se a linguagem ubíqua não está clara então há trabalho a ser feito.</a:t>
             </a:r>
             <a:endParaRPr lang="en-US" dirty="0"/>
           </a:p>

--- a/docs/Introdução ao Domain-Driven-Design (DDD).pptx
+++ b/docs/Introdução ao Domain-Driven-Design (DDD).pptx
@@ -235,7 +235,7 @@
           <a:p>
             <a:fld id="{835C4B7D-E860-4B95-8646-60DA78D972CD}" type="datetimeFigureOut">
               <a:rPr lang="pt-BR" smtClean="0"/>
-              <a:t>25/07/2017</a:t>
+              <a:t>26/07/2017</a:t>
             </a:fld>
             <a:endParaRPr lang="pt-BR"/>
           </a:p>
@@ -645,7 +645,7 @@
           <a:p>
             <a:fld id="{5E1F53C7-D938-4151-992E-AF84745267E3}" type="datetimeFigureOut">
               <a:rPr lang="pt-BR" smtClean="0"/>
-              <a:t>25/07/2017</a:t>
+              <a:t>26/07/2017</a:t>
             </a:fld>
             <a:endParaRPr lang="pt-BR"/>
           </a:p>
@@ -815,7 +815,7 @@
           <a:p>
             <a:fld id="{5E1F53C7-D938-4151-992E-AF84745267E3}" type="datetimeFigureOut">
               <a:rPr lang="pt-BR" smtClean="0"/>
-              <a:t>25/07/2017</a:t>
+              <a:t>26/07/2017</a:t>
             </a:fld>
             <a:endParaRPr lang="pt-BR"/>
           </a:p>
@@ -995,7 +995,7 @@
           <a:p>
             <a:fld id="{5E1F53C7-D938-4151-992E-AF84745267E3}" type="datetimeFigureOut">
               <a:rPr lang="pt-BR" smtClean="0"/>
-              <a:t>25/07/2017</a:t>
+              <a:t>26/07/2017</a:t>
             </a:fld>
             <a:endParaRPr lang="pt-BR"/>
           </a:p>
@@ -1218,7 +1218,7 @@
           <a:p>
             <a:fld id="{5E1F53C7-D938-4151-992E-AF84745267E3}" type="datetimeFigureOut">
               <a:rPr lang="pt-BR" smtClean="0"/>
-              <a:t>25/07/2017</a:t>
+              <a:t>26/07/2017</a:t>
             </a:fld>
             <a:endParaRPr lang="pt-BR"/>
           </a:p>
@@ -1388,7 +1388,7 @@
           <a:p>
             <a:fld id="{5E1F53C7-D938-4151-992E-AF84745267E3}" type="datetimeFigureOut">
               <a:rPr lang="pt-BR" smtClean="0"/>
-              <a:t>25/07/2017</a:t>
+              <a:t>26/07/2017</a:t>
             </a:fld>
             <a:endParaRPr lang="pt-BR"/>
           </a:p>
@@ -1645,7 +1645,7 @@
           <a:p>
             <a:fld id="{5E1F53C7-D938-4151-992E-AF84745267E3}" type="datetimeFigureOut">
               <a:rPr lang="pt-BR" smtClean="0"/>
-              <a:t>25/07/2017</a:t>
+              <a:t>26/07/2017</a:t>
             </a:fld>
             <a:endParaRPr lang="pt-BR"/>
           </a:p>
@@ -1877,7 +1877,7 @@
           <a:p>
             <a:fld id="{5E1F53C7-D938-4151-992E-AF84745267E3}" type="datetimeFigureOut">
               <a:rPr lang="pt-BR" smtClean="0"/>
-              <a:t>25/07/2017</a:t>
+              <a:t>26/07/2017</a:t>
             </a:fld>
             <a:endParaRPr lang="pt-BR"/>
           </a:p>
@@ -2272,7 +2272,7 @@
           <a:p>
             <a:fld id="{5E1F53C7-D938-4151-992E-AF84745267E3}" type="datetimeFigureOut">
               <a:rPr lang="pt-BR" smtClean="0"/>
-              <a:t>25/07/2017</a:t>
+              <a:t>26/07/2017</a:t>
             </a:fld>
             <a:endParaRPr lang="pt-BR"/>
           </a:p>
@@ -2390,7 +2390,7 @@
           <a:p>
             <a:fld id="{5E1F53C7-D938-4151-992E-AF84745267E3}" type="datetimeFigureOut">
               <a:rPr lang="pt-BR" smtClean="0"/>
-              <a:t>25/07/2017</a:t>
+              <a:t>26/07/2017</a:t>
             </a:fld>
             <a:endParaRPr lang="pt-BR"/>
           </a:p>
@@ -2485,7 +2485,7 @@
           <a:p>
             <a:fld id="{5E1F53C7-D938-4151-992E-AF84745267E3}" type="datetimeFigureOut">
               <a:rPr lang="pt-BR" smtClean="0"/>
-              <a:t>25/07/2017</a:t>
+              <a:t>26/07/2017</a:t>
             </a:fld>
             <a:endParaRPr lang="pt-BR"/>
           </a:p>
@@ -2760,7 +2760,7 @@
           <a:p>
             <a:fld id="{5E1F53C7-D938-4151-992E-AF84745267E3}" type="datetimeFigureOut">
               <a:rPr lang="pt-BR" smtClean="0"/>
-              <a:t>25/07/2017</a:t>
+              <a:t>26/07/2017</a:t>
             </a:fld>
             <a:endParaRPr lang="pt-BR"/>
           </a:p>
@@ -2930,7 +2930,7 @@
           <a:p>
             <a:fld id="{5E1F53C7-D938-4151-992E-AF84745267E3}" type="datetimeFigureOut">
               <a:rPr lang="pt-BR" smtClean="0"/>
-              <a:t>25/07/2017</a:t>
+              <a:t>26/07/2017</a:t>
             </a:fld>
             <a:endParaRPr lang="pt-BR"/>
           </a:p>
@@ -3213,7 +3213,7 @@
           <a:p>
             <a:fld id="{5E1F53C7-D938-4151-992E-AF84745267E3}" type="datetimeFigureOut">
               <a:rPr lang="pt-BR" smtClean="0"/>
-              <a:t>25/07/2017</a:t>
+              <a:t>26/07/2017</a:t>
             </a:fld>
             <a:endParaRPr lang="pt-BR"/>
           </a:p>
@@ -3494,7 +3494,7 @@
           <a:p>
             <a:fld id="{5E1F53C7-D938-4151-992E-AF84745267E3}" type="datetimeFigureOut">
               <a:rPr lang="pt-BR" smtClean="0"/>
-              <a:t>25/07/2017</a:t>
+              <a:t>26/07/2017</a:t>
             </a:fld>
             <a:endParaRPr lang="pt-BR"/>
           </a:p>
@@ -3686,7 +3686,7 @@
           <a:p>
             <a:fld id="{5E1F53C7-D938-4151-992E-AF84745267E3}" type="datetimeFigureOut">
               <a:rPr lang="pt-BR" smtClean="0"/>
-              <a:t>25/07/2017</a:t>
+              <a:t>26/07/2017</a:t>
             </a:fld>
             <a:endParaRPr lang="pt-BR"/>
           </a:p>
@@ -3947,7 +3947,7 @@
           <a:p>
             <a:fld id="{5E1F53C7-D938-4151-992E-AF84745267E3}" type="datetimeFigureOut">
               <a:rPr lang="pt-BR" smtClean="0"/>
-              <a:t>25/07/2017</a:t>
+              <a:t>26/07/2017</a:t>
             </a:fld>
             <a:endParaRPr lang="pt-BR"/>
           </a:p>
@@ -4373,7 +4373,7 @@
           <a:p>
             <a:fld id="{5E1F53C7-D938-4151-992E-AF84745267E3}" type="datetimeFigureOut">
               <a:rPr lang="pt-BR" smtClean="0"/>
-              <a:t>25/07/2017</a:t>
+              <a:t>26/07/2017</a:t>
             </a:fld>
             <a:endParaRPr lang="pt-BR"/>
           </a:p>
@@ -4919,7 +4919,7 @@
           <a:p>
             <a:fld id="{5E1F53C7-D938-4151-992E-AF84745267E3}" type="datetimeFigureOut">
               <a:rPr lang="pt-BR" smtClean="0"/>
-              <a:t>25/07/2017</a:t>
+              <a:t>26/07/2017</a:t>
             </a:fld>
             <a:endParaRPr lang="pt-BR"/>
           </a:p>
@@ -5750,7 +5750,7 @@
           <a:p>
             <a:fld id="{5E1F53C7-D938-4151-992E-AF84745267E3}" type="datetimeFigureOut">
               <a:rPr lang="pt-BR" smtClean="0"/>
-              <a:t>25/07/2017</a:t>
+              <a:t>26/07/2017</a:t>
             </a:fld>
             <a:endParaRPr lang="pt-BR"/>
           </a:p>
@@ -5920,7 +5920,7 @@
           <a:p>
             <a:fld id="{5E1F53C7-D938-4151-992E-AF84745267E3}" type="datetimeFigureOut">
               <a:rPr lang="pt-BR" smtClean="0"/>
-              <a:t>25/07/2017</a:t>
+              <a:t>26/07/2017</a:t>
             </a:fld>
             <a:endParaRPr lang="pt-BR"/>
           </a:p>
@@ -6100,7 +6100,7 @@
           <a:p>
             <a:fld id="{5E1F53C7-D938-4151-992E-AF84745267E3}" type="datetimeFigureOut">
               <a:rPr lang="pt-BR" smtClean="0"/>
-              <a:t>25/07/2017</a:t>
+              <a:t>26/07/2017</a:t>
             </a:fld>
             <a:endParaRPr lang="pt-BR"/>
           </a:p>
@@ -6351,7 +6351,7 @@
           <a:p>
             <a:fld id="{5E1F53C7-D938-4151-992E-AF84745267E3}" type="datetimeFigureOut">
               <a:rPr lang="pt-BR" smtClean="0"/>
-              <a:t>25/07/2017</a:t>
+              <a:t>26/07/2017</a:t>
             </a:fld>
             <a:endParaRPr lang="pt-BR"/>
           </a:p>
@@ -6583,7 +6583,7 @@
           <a:p>
             <a:fld id="{5E1F53C7-D938-4151-992E-AF84745267E3}" type="datetimeFigureOut">
               <a:rPr lang="pt-BR" smtClean="0"/>
-              <a:t>25/07/2017</a:t>
+              <a:t>26/07/2017</a:t>
             </a:fld>
             <a:endParaRPr lang="pt-BR"/>
           </a:p>
@@ -6930,7 +6930,7 @@
           <a:p>
             <a:fld id="{5E1F53C7-D938-4151-992E-AF84745267E3}" type="datetimeFigureOut">
               <a:rPr lang="pt-BR" smtClean="0"/>
-              <a:t>25/07/2017</a:t>
+              <a:t>26/07/2017</a:t>
             </a:fld>
             <a:endParaRPr lang="pt-BR"/>
           </a:p>
@@ -7048,7 +7048,7 @@
           <a:p>
             <a:fld id="{5E1F53C7-D938-4151-992E-AF84745267E3}" type="datetimeFigureOut">
               <a:rPr lang="pt-BR" smtClean="0"/>
-              <a:t>25/07/2017</a:t>
+              <a:t>26/07/2017</a:t>
             </a:fld>
             <a:endParaRPr lang="pt-BR"/>
           </a:p>
@@ -7166,7 +7166,7 @@
           <a:p>
             <a:fld id="{5E1F53C7-D938-4151-992E-AF84745267E3}" type="datetimeFigureOut">
               <a:rPr lang="pt-BR" smtClean="0"/>
-              <a:t>25/07/2017</a:t>
+              <a:t>26/07/2017</a:t>
             </a:fld>
             <a:endParaRPr lang="pt-BR"/>
           </a:p>
@@ -7450,7 +7450,7 @@
           <a:p>
             <a:fld id="{5E1F53C7-D938-4151-992E-AF84745267E3}" type="datetimeFigureOut">
               <a:rPr lang="pt-BR" smtClean="0"/>
-              <a:t>25/07/2017</a:t>
+              <a:t>26/07/2017</a:t>
             </a:fld>
             <a:endParaRPr lang="pt-BR"/>
           </a:p>
@@ -7714,7 +7714,7 @@
           <a:p>
             <a:fld id="{5E1F53C7-D938-4151-992E-AF84745267E3}" type="datetimeFigureOut">
               <a:rPr lang="pt-BR" smtClean="0"/>
-              <a:t>25/07/2017</a:t>
+              <a:t>26/07/2017</a:t>
             </a:fld>
             <a:endParaRPr lang="pt-BR"/>
           </a:p>
@@ -7931,7 +7931,7 @@
           <a:p>
             <a:fld id="{5E1F53C7-D938-4151-992E-AF84745267E3}" type="datetimeFigureOut">
               <a:rPr lang="pt-BR" smtClean="0"/>
-              <a:t>25/07/2017</a:t>
+              <a:t>26/07/2017</a:t>
             </a:fld>
             <a:endParaRPr lang="pt-BR"/>
           </a:p>
@@ -8481,7 +8481,7 @@
           <a:p>
             <a:fld id="{5E1F53C7-D938-4151-992E-AF84745267E3}" type="datetimeFigureOut">
               <a:rPr lang="pt-BR" smtClean="0"/>
-              <a:t>25/07/2017</a:t>
+              <a:t>26/07/2017</a:t>
             </a:fld>
             <a:endParaRPr lang="pt-BR"/>
           </a:p>
@@ -10679,18 +10679,6 @@
               </a:rPr>
               <a:t>* Repositórios</a:t>
             </a:r>
-            <a:endParaRPr lang="pt-BR" sz="3600" b="1" dirty="0" smtClean="0">
-              <a:ln w="9525" cmpd="sng">
-                <a:solidFill>
-                  <a:schemeClr val="bg1"/>
-                </a:solidFill>
-                <a:prstDash val="solid"/>
-                <a:miter lim="800000"/>
-              </a:ln>
-              <a:solidFill>
-                <a:schemeClr val="tx1"/>
-              </a:solidFill>
-            </a:endParaRPr>
           </a:p>
           <a:p>
             <a:pPr marL="0" indent="0" algn="ctr">
@@ -11031,7 +11019,7 @@
           <a:p>
             <a:r>
               <a:rPr lang="pt-BR" dirty="0" smtClean="0"/>
-              <a:t>Perguntas</a:t>
+              <a:t>Dúvidas?</a:t>
             </a:r>
             <a:endParaRPr lang="pt-BR" dirty="0"/>
           </a:p>

--- a/docs/Introdução ao Domain-Driven-Design (DDD).pptx
+++ b/docs/Introdução ao Domain-Driven-Design (DDD).pptx
@@ -6,36 +6,37 @@
     <p:sldMasterId id="2147483738" r:id="rId2"/>
   </p:sldMasterIdLst>
   <p:notesMasterIdLst>
-    <p:notesMasterId r:id="rId30"/>
+    <p:notesMasterId r:id="rId31"/>
   </p:notesMasterIdLst>
   <p:sldIdLst>
     <p:sldId id="256" r:id="rId3"/>
-    <p:sldId id="264" r:id="rId4"/>
-    <p:sldId id="304" r:id="rId5"/>
-    <p:sldId id="305" r:id="rId6"/>
-    <p:sldId id="302" r:id="rId7"/>
-    <p:sldId id="281" r:id="rId8"/>
-    <p:sldId id="301" r:id="rId9"/>
-    <p:sldId id="306" r:id="rId10"/>
-    <p:sldId id="300" r:id="rId11"/>
-    <p:sldId id="299" r:id="rId12"/>
-    <p:sldId id="291" r:id="rId13"/>
-    <p:sldId id="293" r:id="rId14"/>
-    <p:sldId id="288" r:id="rId15"/>
-    <p:sldId id="294" r:id="rId16"/>
-    <p:sldId id="295" r:id="rId17"/>
-    <p:sldId id="296" r:id="rId18"/>
-    <p:sldId id="303" r:id="rId19"/>
-    <p:sldId id="290" r:id="rId20"/>
-    <p:sldId id="282" r:id="rId21"/>
-    <p:sldId id="292" r:id="rId22"/>
-    <p:sldId id="283" r:id="rId23"/>
-    <p:sldId id="308" r:id="rId24"/>
-    <p:sldId id="285" r:id="rId25"/>
-    <p:sldId id="286" r:id="rId26"/>
-    <p:sldId id="287" r:id="rId27"/>
-    <p:sldId id="280" r:id="rId28"/>
-    <p:sldId id="258" r:id="rId29"/>
+    <p:sldId id="309" r:id="rId4"/>
+    <p:sldId id="264" r:id="rId5"/>
+    <p:sldId id="304" r:id="rId6"/>
+    <p:sldId id="305" r:id="rId7"/>
+    <p:sldId id="302" r:id="rId8"/>
+    <p:sldId id="281" r:id="rId9"/>
+    <p:sldId id="301" r:id="rId10"/>
+    <p:sldId id="306" r:id="rId11"/>
+    <p:sldId id="300" r:id="rId12"/>
+    <p:sldId id="299" r:id="rId13"/>
+    <p:sldId id="291" r:id="rId14"/>
+    <p:sldId id="293" r:id="rId15"/>
+    <p:sldId id="288" r:id="rId16"/>
+    <p:sldId id="294" r:id="rId17"/>
+    <p:sldId id="295" r:id="rId18"/>
+    <p:sldId id="296" r:id="rId19"/>
+    <p:sldId id="303" r:id="rId20"/>
+    <p:sldId id="290" r:id="rId21"/>
+    <p:sldId id="282" r:id="rId22"/>
+    <p:sldId id="292" r:id="rId23"/>
+    <p:sldId id="283" r:id="rId24"/>
+    <p:sldId id="308" r:id="rId25"/>
+    <p:sldId id="285" r:id="rId26"/>
+    <p:sldId id="286" r:id="rId27"/>
+    <p:sldId id="287" r:id="rId28"/>
+    <p:sldId id="280" r:id="rId29"/>
+    <p:sldId id="258" r:id="rId30"/>
   </p:sldIdLst>
   <p:sldSz cx="9144000" cy="6858000" type="screen4x3"/>
   <p:notesSz cx="6858000" cy="9144000"/>
@@ -235,7 +236,7 @@
           <a:p>
             <a:fld id="{835C4B7D-E860-4B95-8646-60DA78D972CD}" type="datetimeFigureOut">
               <a:rPr lang="pt-BR" smtClean="0"/>
-              <a:t>26/07/2017</a:t>
+              <a:t>27/07/2017</a:t>
             </a:fld>
             <a:endParaRPr lang="pt-BR"/>
           </a:p>
@@ -645,7 +646,7 @@
           <a:p>
             <a:fld id="{5E1F53C7-D938-4151-992E-AF84745267E3}" type="datetimeFigureOut">
               <a:rPr lang="pt-BR" smtClean="0"/>
-              <a:t>26/07/2017</a:t>
+              <a:t>27/07/2017</a:t>
             </a:fld>
             <a:endParaRPr lang="pt-BR"/>
           </a:p>
@@ -815,7 +816,7 @@
           <a:p>
             <a:fld id="{5E1F53C7-D938-4151-992E-AF84745267E3}" type="datetimeFigureOut">
               <a:rPr lang="pt-BR" smtClean="0"/>
-              <a:t>26/07/2017</a:t>
+              <a:t>27/07/2017</a:t>
             </a:fld>
             <a:endParaRPr lang="pt-BR"/>
           </a:p>
@@ -995,7 +996,7 @@
           <a:p>
             <a:fld id="{5E1F53C7-D938-4151-992E-AF84745267E3}" type="datetimeFigureOut">
               <a:rPr lang="pt-BR" smtClean="0"/>
-              <a:t>26/07/2017</a:t>
+              <a:t>27/07/2017</a:t>
             </a:fld>
             <a:endParaRPr lang="pt-BR"/>
           </a:p>
@@ -1218,7 +1219,7 @@
           <a:p>
             <a:fld id="{5E1F53C7-D938-4151-992E-AF84745267E3}" type="datetimeFigureOut">
               <a:rPr lang="pt-BR" smtClean="0"/>
-              <a:t>26/07/2017</a:t>
+              <a:t>27/07/2017</a:t>
             </a:fld>
             <a:endParaRPr lang="pt-BR"/>
           </a:p>
@@ -1388,7 +1389,7 @@
           <a:p>
             <a:fld id="{5E1F53C7-D938-4151-992E-AF84745267E3}" type="datetimeFigureOut">
               <a:rPr lang="pt-BR" smtClean="0"/>
-              <a:t>26/07/2017</a:t>
+              <a:t>27/07/2017</a:t>
             </a:fld>
             <a:endParaRPr lang="pt-BR"/>
           </a:p>
@@ -1645,7 +1646,7 @@
           <a:p>
             <a:fld id="{5E1F53C7-D938-4151-992E-AF84745267E3}" type="datetimeFigureOut">
               <a:rPr lang="pt-BR" smtClean="0"/>
-              <a:t>26/07/2017</a:t>
+              <a:t>27/07/2017</a:t>
             </a:fld>
             <a:endParaRPr lang="pt-BR"/>
           </a:p>
@@ -1877,7 +1878,7 @@
           <a:p>
             <a:fld id="{5E1F53C7-D938-4151-992E-AF84745267E3}" type="datetimeFigureOut">
               <a:rPr lang="pt-BR" smtClean="0"/>
-              <a:t>26/07/2017</a:t>
+              <a:t>27/07/2017</a:t>
             </a:fld>
             <a:endParaRPr lang="pt-BR"/>
           </a:p>
@@ -2272,7 +2273,7 @@
           <a:p>
             <a:fld id="{5E1F53C7-D938-4151-992E-AF84745267E3}" type="datetimeFigureOut">
               <a:rPr lang="pt-BR" smtClean="0"/>
-              <a:t>26/07/2017</a:t>
+              <a:t>27/07/2017</a:t>
             </a:fld>
             <a:endParaRPr lang="pt-BR"/>
           </a:p>
@@ -2390,7 +2391,7 @@
           <a:p>
             <a:fld id="{5E1F53C7-D938-4151-992E-AF84745267E3}" type="datetimeFigureOut">
               <a:rPr lang="pt-BR" smtClean="0"/>
-              <a:t>26/07/2017</a:t>
+              <a:t>27/07/2017</a:t>
             </a:fld>
             <a:endParaRPr lang="pt-BR"/>
           </a:p>
@@ -2485,7 +2486,7 @@
           <a:p>
             <a:fld id="{5E1F53C7-D938-4151-992E-AF84745267E3}" type="datetimeFigureOut">
               <a:rPr lang="pt-BR" smtClean="0"/>
-              <a:t>26/07/2017</a:t>
+              <a:t>27/07/2017</a:t>
             </a:fld>
             <a:endParaRPr lang="pt-BR"/>
           </a:p>
@@ -2760,7 +2761,7 @@
           <a:p>
             <a:fld id="{5E1F53C7-D938-4151-992E-AF84745267E3}" type="datetimeFigureOut">
               <a:rPr lang="pt-BR" smtClean="0"/>
-              <a:t>26/07/2017</a:t>
+              <a:t>27/07/2017</a:t>
             </a:fld>
             <a:endParaRPr lang="pt-BR"/>
           </a:p>
@@ -2930,7 +2931,7 @@
           <a:p>
             <a:fld id="{5E1F53C7-D938-4151-992E-AF84745267E3}" type="datetimeFigureOut">
               <a:rPr lang="pt-BR" smtClean="0"/>
-              <a:t>26/07/2017</a:t>
+              <a:t>27/07/2017</a:t>
             </a:fld>
             <a:endParaRPr lang="pt-BR"/>
           </a:p>
@@ -3213,7 +3214,7 @@
           <a:p>
             <a:fld id="{5E1F53C7-D938-4151-992E-AF84745267E3}" type="datetimeFigureOut">
               <a:rPr lang="pt-BR" smtClean="0"/>
-              <a:t>26/07/2017</a:t>
+              <a:t>27/07/2017</a:t>
             </a:fld>
             <a:endParaRPr lang="pt-BR"/>
           </a:p>
@@ -3494,7 +3495,7 @@
           <a:p>
             <a:fld id="{5E1F53C7-D938-4151-992E-AF84745267E3}" type="datetimeFigureOut">
               <a:rPr lang="pt-BR" smtClean="0"/>
-              <a:t>26/07/2017</a:t>
+              <a:t>27/07/2017</a:t>
             </a:fld>
             <a:endParaRPr lang="pt-BR"/>
           </a:p>
@@ -3686,7 +3687,7 @@
           <a:p>
             <a:fld id="{5E1F53C7-D938-4151-992E-AF84745267E3}" type="datetimeFigureOut">
               <a:rPr lang="pt-BR" smtClean="0"/>
-              <a:t>26/07/2017</a:t>
+              <a:t>27/07/2017</a:t>
             </a:fld>
             <a:endParaRPr lang="pt-BR"/>
           </a:p>
@@ -3947,7 +3948,7 @@
           <a:p>
             <a:fld id="{5E1F53C7-D938-4151-992E-AF84745267E3}" type="datetimeFigureOut">
               <a:rPr lang="pt-BR" smtClean="0"/>
-              <a:t>26/07/2017</a:t>
+              <a:t>27/07/2017</a:t>
             </a:fld>
             <a:endParaRPr lang="pt-BR"/>
           </a:p>
@@ -4373,7 +4374,7 @@
           <a:p>
             <a:fld id="{5E1F53C7-D938-4151-992E-AF84745267E3}" type="datetimeFigureOut">
               <a:rPr lang="pt-BR" smtClean="0"/>
-              <a:t>26/07/2017</a:t>
+              <a:t>27/07/2017</a:t>
             </a:fld>
             <a:endParaRPr lang="pt-BR"/>
           </a:p>
@@ -4919,7 +4920,7 @@
           <a:p>
             <a:fld id="{5E1F53C7-D938-4151-992E-AF84745267E3}" type="datetimeFigureOut">
               <a:rPr lang="pt-BR" smtClean="0"/>
-              <a:t>26/07/2017</a:t>
+              <a:t>27/07/2017</a:t>
             </a:fld>
             <a:endParaRPr lang="pt-BR"/>
           </a:p>
@@ -5750,7 +5751,7 @@
           <a:p>
             <a:fld id="{5E1F53C7-D938-4151-992E-AF84745267E3}" type="datetimeFigureOut">
               <a:rPr lang="pt-BR" smtClean="0"/>
-              <a:t>26/07/2017</a:t>
+              <a:t>27/07/2017</a:t>
             </a:fld>
             <a:endParaRPr lang="pt-BR"/>
           </a:p>
@@ -5920,7 +5921,7 @@
           <a:p>
             <a:fld id="{5E1F53C7-D938-4151-992E-AF84745267E3}" type="datetimeFigureOut">
               <a:rPr lang="pt-BR" smtClean="0"/>
-              <a:t>26/07/2017</a:t>
+              <a:t>27/07/2017</a:t>
             </a:fld>
             <a:endParaRPr lang="pt-BR"/>
           </a:p>
@@ -6100,7 +6101,7 @@
           <a:p>
             <a:fld id="{5E1F53C7-D938-4151-992E-AF84745267E3}" type="datetimeFigureOut">
               <a:rPr lang="pt-BR" smtClean="0"/>
-              <a:t>26/07/2017</a:t>
+              <a:t>27/07/2017</a:t>
             </a:fld>
             <a:endParaRPr lang="pt-BR"/>
           </a:p>
@@ -6158,6 +6159,544 @@
   <p:clrMapOvr>
     <a:masterClrMapping/>
   </p:clrMapOvr>
+</p:sldLayout>
+</file>
+
+<file path=ppt/slideLayouts/slideLayout29.xml><?xml version="1.0" encoding="utf-8"?>
+<p:sldLayout xmlns:a="http://schemas.openxmlformats.org/drawingml/2006/main" xmlns:r="http://schemas.openxmlformats.org/officeDocument/2006/relationships" xmlns:p="http://schemas.openxmlformats.org/presentationml/2006/main" userDrawn="1">
+  <p:cSld name="Graph Layout 3">
+    <p:spTree>
+      <p:nvGrpSpPr>
+        <p:cNvPr id="1" name=""/>
+        <p:cNvGrpSpPr/>
+        <p:nvPr/>
+      </p:nvGrpSpPr>
+      <p:grpSpPr>
+        <a:xfrm>
+          <a:off x="0" y="0"/>
+          <a:ext cx="0" cy="0"/>
+          <a:chOff x="0" y="0"/>
+          <a:chExt cx="0" cy="0"/>
+        </a:xfrm>
+      </p:grpSpPr>
+      <p:sp>
+        <p:nvSpPr>
+          <p:cNvPr id="2" name="Title 1"/>
+          <p:cNvSpPr>
+            <a:spLocks noGrp="1"/>
+          </p:cNvSpPr>
+          <p:nvPr>
+            <p:ph type="title"/>
+          </p:nvPr>
+        </p:nvSpPr>
+        <p:spPr/>
+        <p:txBody>
+          <a:bodyPr/>
+          <a:lstStyle/>
+          <a:p>
+            <a:r>
+              <a:rPr lang="en-US" dirty="0" smtClean="0"/>
+              <a:t>Click to edit Master title style</a:t>
+            </a:r>
+            <a:endParaRPr lang="en-JM" dirty="0"/>
+          </a:p>
+        </p:txBody>
+      </p:sp>
+      <p:sp>
+        <p:nvSpPr>
+          <p:cNvPr id="4" name="Footer Placeholder 3"/>
+          <p:cNvSpPr>
+            <a:spLocks noGrp="1"/>
+          </p:cNvSpPr>
+          <p:nvPr>
+            <p:ph type="ftr" sz="quarter" idx="11"/>
+          </p:nvPr>
+        </p:nvSpPr>
+        <p:spPr/>
+        <p:txBody>
+          <a:bodyPr/>
+          <a:lstStyle/>
+          <a:p>
+            <a:r>
+              <a:rPr lang="en-JM" smtClean="0"/>
+              <a:t>PUT THE NAME OF YOUR COMPANY HERE</a:t>
+            </a:r>
+            <a:endParaRPr lang="en-JM"/>
+          </a:p>
+        </p:txBody>
+      </p:sp>
+      <p:sp>
+        <p:nvSpPr>
+          <p:cNvPr id="5" name="Slide Number Placeholder 4"/>
+          <p:cNvSpPr>
+            <a:spLocks noGrp="1"/>
+          </p:cNvSpPr>
+          <p:nvPr>
+            <p:ph type="sldNum" sz="quarter" idx="12"/>
+          </p:nvPr>
+        </p:nvSpPr>
+        <p:spPr/>
+        <p:txBody>
+          <a:bodyPr/>
+          <a:lstStyle/>
+          <a:p>
+            <a:fld id="{8DF5134D-7C6B-4A7B-B28B-A8C75F870448}" type="slidenum">
+              <a:rPr lang="en-JM" smtClean="0"/>
+              <a:pPr/>
+              <a:t>‹nº›</a:t>
+            </a:fld>
+            <a:endParaRPr lang="en-JM"/>
+          </a:p>
+        </p:txBody>
+      </p:sp>
+      <p:sp>
+        <p:nvSpPr>
+          <p:cNvPr id="26" name="Chart Placeholder 25"/>
+          <p:cNvSpPr>
+            <a:spLocks noGrp="1"/>
+          </p:cNvSpPr>
+          <p:nvPr>
+            <p:ph type="chart" sz="quarter" idx="14"/>
+          </p:nvPr>
+        </p:nvSpPr>
+        <p:spPr>
+          <a:xfrm>
+            <a:off x="4343400" y="1498600"/>
+            <a:ext cx="4343400" cy="4140200"/>
+          </a:xfrm>
+        </p:spPr>
+        <p:txBody>
+          <a:bodyPr>
+            <a:normAutofit/>
+          </a:bodyPr>
+          <a:lstStyle>
+            <a:lvl1pPr>
+              <a:defRPr sz="1400"/>
+            </a:lvl1pPr>
+          </a:lstStyle>
+          <a:p>
+            <a:endParaRPr lang="en-JM" dirty="0"/>
+          </a:p>
+        </p:txBody>
+      </p:sp>
+      <p:sp>
+        <p:nvSpPr>
+          <p:cNvPr id="10" name="Text Placeholder 18"/>
+          <p:cNvSpPr>
+            <a:spLocks noGrp="1"/>
+          </p:cNvSpPr>
+          <p:nvPr>
+            <p:ph type="body" sz="quarter" idx="15"/>
+          </p:nvPr>
+        </p:nvSpPr>
+        <p:spPr>
+          <a:xfrm>
+            <a:off x="533400" y="1803401"/>
+            <a:ext cx="2217906" cy="378884"/>
+          </a:xfrm>
+        </p:spPr>
+        <p:txBody>
+          <a:bodyPr>
+            <a:noAutofit/>
+          </a:bodyPr>
+          <a:lstStyle>
+            <a:lvl1pPr marL="0" indent="0">
+              <a:buFontTx/>
+              <a:buNone/>
+              <a:defRPr sz="1600" b="0">
+                <a:solidFill>
+                  <a:srgbClr val="0070C0"/>
+                </a:solidFill>
+                <a:latin typeface="Bebas Neue" pitchFamily="34" charset="0"/>
+              </a:defRPr>
+            </a:lvl1pPr>
+            <a:lvl2pPr marL="457200" indent="0">
+              <a:buFontTx/>
+              <a:buNone/>
+              <a:defRPr sz="1600">
+                <a:latin typeface="Bebas Neue" pitchFamily="34" charset="0"/>
+              </a:defRPr>
+            </a:lvl2pPr>
+            <a:lvl3pPr marL="914400" indent="0">
+              <a:buFontTx/>
+              <a:buNone/>
+              <a:defRPr sz="1600">
+                <a:latin typeface="Bebas Neue" pitchFamily="34" charset="0"/>
+              </a:defRPr>
+            </a:lvl3pPr>
+            <a:lvl4pPr marL="1371600" indent="0">
+              <a:buFontTx/>
+              <a:buNone/>
+              <a:defRPr sz="1600">
+                <a:latin typeface="Bebas Neue" pitchFamily="34" charset="0"/>
+              </a:defRPr>
+            </a:lvl4pPr>
+            <a:lvl5pPr marL="1828800" indent="0">
+              <a:buFontTx/>
+              <a:buNone/>
+              <a:defRPr sz="1600">
+                <a:latin typeface="Bebas Neue" pitchFamily="34" charset="0"/>
+              </a:defRPr>
+            </a:lvl5pPr>
+          </a:lstStyle>
+          <a:p>
+            <a:pPr lvl="0"/>
+            <a:endParaRPr lang="en-JM" dirty="0"/>
+          </a:p>
+        </p:txBody>
+      </p:sp>
+      <p:sp>
+        <p:nvSpPr>
+          <p:cNvPr id="11" name="Text Placeholder 20"/>
+          <p:cNvSpPr>
+            <a:spLocks noGrp="1"/>
+          </p:cNvSpPr>
+          <p:nvPr>
+            <p:ph type="body" sz="quarter" idx="16"/>
+          </p:nvPr>
+        </p:nvSpPr>
+        <p:spPr>
+          <a:xfrm>
+            <a:off x="533400" y="2108200"/>
+            <a:ext cx="2743200" cy="812800"/>
+          </a:xfrm>
+        </p:spPr>
+        <p:txBody>
+          <a:bodyPr>
+            <a:normAutofit/>
+          </a:bodyPr>
+          <a:lstStyle>
+            <a:lvl1pPr marL="0" indent="0">
+              <a:spcBef>
+                <a:spcPts val="0"/>
+              </a:spcBef>
+              <a:buFontTx/>
+              <a:buNone/>
+              <a:defRPr sz="1100">
+                <a:solidFill>
+                  <a:schemeClr val="tx1">
+                    <a:lumMod val="85000"/>
+                    <a:lumOff val="15000"/>
+                  </a:schemeClr>
+                </a:solidFill>
+                <a:latin typeface="Arial" pitchFamily="34" charset="0"/>
+                <a:cs typeface="Arial" pitchFamily="34" charset="0"/>
+              </a:defRPr>
+            </a:lvl1pPr>
+            <a:lvl2pPr marL="457200" indent="0">
+              <a:buFontTx/>
+              <a:buNone/>
+              <a:defRPr/>
+            </a:lvl2pPr>
+            <a:lvl3pPr marL="914400" indent="0">
+              <a:buFontTx/>
+              <a:buNone/>
+              <a:defRPr/>
+            </a:lvl3pPr>
+            <a:lvl4pPr marL="1371600" indent="0">
+              <a:buFontTx/>
+              <a:buNone/>
+              <a:defRPr/>
+            </a:lvl4pPr>
+            <a:lvl5pPr marL="1828800" indent="0">
+              <a:buFontTx/>
+              <a:buNone/>
+              <a:defRPr/>
+            </a:lvl5pPr>
+          </a:lstStyle>
+          <a:p>
+            <a:pPr lvl="0"/>
+            <a:endParaRPr lang="en-JM" dirty="0"/>
+          </a:p>
+        </p:txBody>
+      </p:sp>
+      <p:sp>
+        <p:nvSpPr>
+          <p:cNvPr id="12" name="Text Placeholder 18"/>
+          <p:cNvSpPr>
+            <a:spLocks noGrp="1"/>
+          </p:cNvSpPr>
+          <p:nvPr>
+            <p:ph type="body" sz="quarter" idx="17"/>
+          </p:nvPr>
+        </p:nvSpPr>
+        <p:spPr>
+          <a:xfrm>
+            <a:off x="533400" y="3225801"/>
+            <a:ext cx="2217906" cy="378884"/>
+          </a:xfrm>
+        </p:spPr>
+        <p:txBody>
+          <a:bodyPr>
+            <a:noAutofit/>
+          </a:bodyPr>
+          <a:lstStyle>
+            <a:lvl1pPr marL="0" indent="0">
+              <a:buFontTx/>
+              <a:buNone/>
+              <a:defRPr sz="1600" b="0">
+                <a:solidFill>
+                  <a:srgbClr val="0070C0"/>
+                </a:solidFill>
+                <a:latin typeface="Bebas Neue" pitchFamily="34" charset="0"/>
+              </a:defRPr>
+            </a:lvl1pPr>
+            <a:lvl2pPr marL="457200" indent="0">
+              <a:buFontTx/>
+              <a:buNone/>
+              <a:defRPr sz="1600">
+                <a:latin typeface="Bebas Neue" pitchFamily="34" charset="0"/>
+              </a:defRPr>
+            </a:lvl2pPr>
+            <a:lvl3pPr marL="914400" indent="0">
+              <a:buFontTx/>
+              <a:buNone/>
+              <a:defRPr sz="1600">
+                <a:latin typeface="Bebas Neue" pitchFamily="34" charset="0"/>
+              </a:defRPr>
+            </a:lvl3pPr>
+            <a:lvl4pPr marL="1371600" indent="0">
+              <a:buFontTx/>
+              <a:buNone/>
+              <a:defRPr sz="1600">
+                <a:latin typeface="Bebas Neue" pitchFamily="34" charset="0"/>
+              </a:defRPr>
+            </a:lvl4pPr>
+            <a:lvl5pPr marL="1828800" indent="0">
+              <a:buFontTx/>
+              <a:buNone/>
+              <a:defRPr sz="1600">
+                <a:latin typeface="Bebas Neue" pitchFamily="34" charset="0"/>
+              </a:defRPr>
+            </a:lvl5pPr>
+          </a:lstStyle>
+          <a:p>
+            <a:pPr lvl="0"/>
+            <a:endParaRPr lang="en-JM" dirty="0"/>
+          </a:p>
+        </p:txBody>
+      </p:sp>
+      <p:sp>
+        <p:nvSpPr>
+          <p:cNvPr id="13" name="Text Placeholder 20"/>
+          <p:cNvSpPr>
+            <a:spLocks noGrp="1"/>
+          </p:cNvSpPr>
+          <p:nvPr>
+            <p:ph type="body" sz="quarter" idx="18"/>
+          </p:nvPr>
+        </p:nvSpPr>
+        <p:spPr>
+          <a:xfrm>
+            <a:off x="533400" y="3530600"/>
+            <a:ext cx="2743200" cy="812800"/>
+          </a:xfrm>
+        </p:spPr>
+        <p:txBody>
+          <a:bodyPr>
+            <a:normAutofit/>
+          </a:bodyPr>
+          <a:lstStyle>
+            <a:lvl1pPr marL="0" indent="0">
+              <a:spcBef>
+                <a:spcPts val="0"/>
+              </a:spcBef>
+              <a:buFontTx/>
+              <a:buNone/>
+              <a:defRPr sz="1100">
+                <a:solidFill>
+                  <a:schemeClr val="tx1">
+                    <a:lumMod val="85000"/>
+                    <a:lumOff val="15000"/>
+                  </a:schemeClr>
+                </a:solidFill>
+                <a:latin typeface="Arial" pitchFamily="34" charset="0"/>
+                <a:cs typeface="Arial" pitchFamily="34" charset="0"/>
+              </a:defRPr>
+            </a:lvl1pPr>
+            <a:lvl2pPr marL="457200" indent="0">
+              <a:buFontTx/>
+              <a:buNone/>
+              <a:defRPr/>
+            </a:lvl2pPr>
+            <a:lvl3pPr marL="914400" indent="0">
+              <a:buFontTx/>
+              <a:buNone/>
+              <a:defRPr/>
+            </a:lvl3pPr>
+            <a:lvl4pPr marL="1371600" indent="0">
+              <a:buFontTx/>
+              <a:buNone/>
+              <a:defRPr/>
+            </a:lvl4pPr>
+            <a:lvl5pPr marL="1828800" indent="0">
+              <a:buFontTx/>
+              <a:buNone/>
+              <a:defRPr/>
+            </a:lvl5pPr>
+          </a:lstStyle>
+          <a:p>
+            <a:pPr lvl="0"/>
+            <a:endParaRPr lang="en-JM" dirty="0"/>
+          </a:p>
+        </p:txBody>
+      </p:sp>
+      <p:sp>
+        <p:nvSpPr>
+          <p:cNvPr id="14" name="Text Placeholder 18"/>
+          <p:cNvSpPr>
+            <a:spLocks noGrp="1"/>
+          </p:cNvSpPr>
+          <p:nvPr>
+            <p:ph type="body" sz="quarter" idx="19"/>
+          </p:nvPr>
+        </p:nvSpPr>
+        <p:spPr>
+          <a:xfrm>
+            <a:off x="533400" y="4648201"/>
+            <a:ext cx="2217906" cy="378884"/>
+          </a:xfrm>
+        </p:spPr>
+        <p:txBody>
+          <a:bodyPr>
+            <a:noAutofit/>
+          </a:bodyPr>
+          <a:lstStyle>
+            <a:lvl1pPr marL="0" indent="0">
+              <a:buFontTx/>
+              <a:buNone/>
+              <a:defRPr sz="1600" b="0">
+                <a:solidFill>
+                  <a:srgbClr val="0070C0"/>
+                </a:solidFill>
+                <a:latin typeface="Bebas Neue" pitchFamily="34" charset="0"/>
+              </a:defRPr>
+            </a:lvl1pPr>
+            <a:lvl2pPr marL="457200" indent="0">
+              <a:buFontTx/>
+              <a:buNone/>
+              <a:defRPr sz="1600">
+                <a:latin typeface="Bebas Neue" pitchFamily="34" charset="0"/>
+              </a:defRPr>
+            </a:lvl2pPr>
+            <a:lvl3pPr marL="914400" indent="0">
+              <a:buFontTx/>
+              <a:buNone/>
+              <a:defRPr sz="1600">
+                <a:latin typeface="Bebas Neue" pitchFamily="34" charset="0"/>
+              </a:defRPr>
+            </a:lvl3pPr>
+            <a:lvl4pPr marL="1371600" indent="0">
+              <a:buFontTx/>
+              <a:buNone/>
+              <a:defRPr sz="1600">
+                <a:latin typeface="Bebas Neue" pitchFamily="34" charset="0"/>
+              </a:defRPr>
+            </a:lvl4pPr>
+            <a:lvl5pPr marL="1828800" indent="0">
+              <a:buFontTx/>
+              <a:buNone/>
+              <a:defRPr sz="1600">
+                <a:latin typeface="Bebas Neue" pitchFamily="34" charset="0"/>
+              </a:defRPr>
+            </a:lvl5pPr>
+          </a:lstStyle>
+          <a:p>
+            <a:pPr lvl="0"/>
+            <a:endParaRPr lang="en-JM" dirty="0"/>
+          </a:p>
+        </p:txBody>
+      </p:sp>
+      <p:sp>
+        <p:nvSpPr>
+          <p:cNvPr id="15" name="Text Placeholder 20"/>
+          <p:cNvSpPr>
+            <a:spLocks noGrp="1"/>
+          </p:cNvSpPr>
+          <p:nvPr>
+            <p:ph type="body" sz="quarter" idx="20"/>
+          </p:nvPr>
+        </p:nvSpPr>
+        <p:spPr>
+          <a:xfrm>
+            <a:off x="533400" y="4953000"/>
+            <a:ext cx="2743200" cy="812800"/>
+          </a:xfrm>
+        </p:spPr>
+        <p:txBody>
+          <a:bodyPr>
+            <a:normAutofit/>
+          </a:bodyPr>
+          <a:lstStyle>
+            <a:lvl1pPr marL="0" indent="0">
+              <a:spcBef>
+                <a:spcPts val="0"/>
+              </a:spcBef>
+              <a:buFontTx/>
+              <a:buNone/>
+              <a:defRPr sz="1100">
+                <a:solidFill>
+                  <a:schemeClr val="tx1">
+                    <a:lumMod val="85000"/>
+                    <a:lumOff val="15000"/>
+                  </a:schemeClr>
+                </a:solidFill>
+                <a:latin typeface="Arial" pitchFamily="34" charset="0"/>
+                <a:cs typeface="Arial" pitchFamily="34" charset="0"/>
+              </a:defRPr>
+            </a:lvl1pPr>
+            <a:lvl2pPr marL="457200" indent="0">
+              <a:buFontTx/>
+              <a:buNone/>
+              <a:defRPr/>
+            </a:lvl2pPr>
+            <a:lvl3pPr marL="914400" indent="0">
+              <a:buFontTx/>
+              <a:buNone/>
+              <a:defRPr/>
+            </a:lvl3pPr>
+            <a:lvl4pPr marL="1371600" indent="0">
+              <a:buFontTx/>
+              <a:buNone/>
+              <a:defRPr/>
+            </a:lvl4pPr>
+            <a:lvl5pPr marL="1828800" indent="0">
+              <a:buFontTx/>
+              <a:buNone/>
+              <a:defRPr/>
+            </a:lvl5pPr>
+          </a:lstStyle>
+          <a:p>
+            <a:pPr lvl="0"/>
+            <a:endParaRPr lang="en-JM" dirty="0"/>
+          </a:p>
+        </p:txBody>
+      </p:sp>
+    </p:spTree>
+    <p:extLst>
+      <p:ext uri="{BB962C8B-B14F-4D97-AF65-F5344CB8AC3E}">
+        <p14:creationId xmlns:p14="http://schemas.microsoft.com/office/powerpoint/2010/main" val="3358545588"/>
+      </p:ext>
+    </p:extLst>
+  </p:cSld>
+  <p:clrMapOvr>
+    <a:masterClrMapping/>
+  </p:clrMapOvr>
+  <mc:AlternateContent xmlns:mc="http://schemas.openxmlformats.org/markup-compatibility/2006" xmlns:p14="http://schemas.microsoft.com/office/powerpoint/2010/main">
+    <mc:Choice Requires="p14">
+      <p:transition spd="slow" p14:dur="2000"/>
+    </mc:Choice>
+    <mc:Fallback xmlns="">
+      <p:transition spd="slow"/>
+    </mc:Fallback>
+  </mc:AlternateContent>
+  <p:timing>
+    <p:tnLst>
+      <p:par>
+        <p:cTn id="1" dur="indefinite" restart="never" nodeType="tmRoot"/>
+      </p:par>
+    </p:tnLst>
+  </p:timing>
 </p:sldLayout>
 </file>
 
@@ -6351,7 +6890,7 @@
           <a:p>
             <a:fld id="{5E1F53C7-D938-4151-992E-AF84745267E3}" type="datetimeFigureOut">
               <a:rPr lang="pt-BR" smtClean="0"/>
-              <a:t>26/07/2017</a:t>
+              <a:t>27/07/2017</a:t>
             </a:fld>
             <a:endParaRPr lang="pt-BR"/>
           </a:p>
@@ -6583,7 +7122,7 @@
           <a:p>
             <a:fld id="{5E1F53C7-D938-4151-992E-AF84745267E3}" type="datetimeFigureOut">
               <a:rPr lang="pt-BR" smtClean="0"/>
-              <a:t>26/07/2017</a:t>
+              <a:t>27/07/2017</a:t>
             </a:fld>
             <a:endParaRPr lang="pt-BR"/>
           </a:p>
@@ -6930,7 +7469,7 @@
           <a:p>
             <a:fld id="{5E1F53C7-D938-4151-992E-AF84745267E3}" type="datetimeFigureOut">
               <a:rPr lang="pt-BR" smtClean="0"/>
-              <a:t>26/07/2017</a:t>
+              <a:t>27/07/2017</a:t>
             </a:fld>
             <a:endParaRPr lang="pt-BR"/>
           </a:p>
@@ -7048,7 +7587,7 @@
           <a:p>
             <a:fld id="{5E1F53C7-D938-4151-992E-AF84745267E3}" type="datetimeFigureOut">
               <a:rPr lang="pt-BR" smtClean="0"/>
-              <a:t>26/07/2017</a:t>
+              <a:t>27/07/2017</a:t>
             </a:fld>
             <a:endParaRPr lang="pt-BR"/>
           </a:p>
@@ -7166,7 +7705,7 @@
           <a:p>
             <a:fld id="{5E1F53C7-D938-4151-992E-AF84745267E3}" type="datetimeFigureOut">
               <a:rPr lang="pt-BR" smtClean="0"/>
-              <a:t>26/07/2017</a:t>
+              <a:t>27/07/2017</a:t>
             </a:fld>
             <a:endParaRPr lang="pt-BR"/>
           </a:p>
@@ -7450,7 +7989,7 @@
           <a:p>
             <a:fld id="{5E1F53C7-D938-4151-992E-AF84745267E3}" type="datetimeFigureOut">
               <a:rPr lang="pt-BR" smtClean="0"/>
-              <a:t>26/07/2017</a:t>
+              <a:t>27/07/2017</a:t>
             </a:fld>
             <a:endParaRPr lang="pt-BR"/>
           </a:p>
@@ -7714,7 +8253,7 @@
           <a:p>
             <a:fld id="{5E1F53C7-D938-4151-992E-AF84745267E3}" type="datetimeFigureOut">
               <a:rPr lang="pt-BR" smtClean="0"/>
-              <a:t>26/07/2017</a:t>
+              <a:t>27/07/2017</a:t>
             </a:fld>
             <a:endParaRPr lang="pt-BR"/>
           </a:p>
@@ -7931,7 +8470,7 @@
           <a:p>
             <a:fld id="{5E1F53C7-D938-4151-992E-AF84745267E3}" type="datetimeFigureOut">
               <a:rPr lang="pt-BR" smtClean="0"/>
-              <a:t>26/07/2017</a:t>
+              <a:t>27/07/2017</a:t>
             </a:fld>
             <a:endParaRPr lang="pt-BR"/>
           </a:p>
@@ -8481,7 +9020,7 @@
           <a:p>
             <a:fld id="{5E1F53C7-D938-4151-992E-AF84745267E3}" type="datetimeFigureOut">
               <a:rPr lang="pt-BR" smtClean="0"/>
-              <a:t>26/07/2017</a:t>
+              <a:t>27/07/2017</a:t>
             </a:fld>
             <a:endParaRPr lang="pt-BR"/>
           </a:p>
@@ -8627,6 +9166,7 @@
     <p:sldLayoutId id="2147483753" r:id="rId15"/>
     <p:sldLayoutId id="2147483754" r:id="rId16"/>
     <p:sldLayoutId id="2147483755" r:id="rId17"/>
+    <p:sldLayoutId id="2147483756" r:id="rId18"/>
   </p:sldLayoutIdLst>
   <p:txStyles>
     <p:titleStyle>
@@ -9199,6 +9739,143 @@
       </p:grpSpPr>
       <p:sp>
         <p:nvSpPr>
+          <p:cNvPr id="2" name="Título 1"/>
+          <p:cNvSpPr>
+            <a:spLocks noGrp="1"/>
+          </p:cNvSpPr>
+          <p:nvPr>
+            <p:ph type="title"/>
+          </p:nvPr>
+        </p:nvSpPr>
+        <p:spPr/>
+        <p:txBody>
+          <a:bodyPr/>
+          <a:lstStyle/>
+          <a:p>
+            <a:r>
+              <a:rPr lang="pt-BR" dirty="0" smtClean="0"/>
+              <a:t>Tipos de Domínio</a:t>
+            </a:r>
+            <a:endParaRPr lang="en-US" dirty="0"/>
+          </a:p>
+        </p:txBody>
+      </p:sp>
+      <p:sp>
+        <p:nvSpPr>
+          <p:cNvPr id="3" name="Espaço Reservado para Conteúdo 2"/>
+          <p:cNvSpPr>
+            <a:spLocks noGrp="1"/>
+          </p:cNvSpPr>
+          <p:nvPr>
+            <p:ph idx="1"/>
+          </p:nvPr>
+        </p:nvSpPr>
+        <p:spPr/>
+        <p:txBody>
+          <a:bodyPr/>
+          <a:lstStyle/>
+          <a:p>
+            <a:r>
+              <a:rPr lang="pt-BR" dirty="0" smtClean="0"/>
+              <a:t>Um Modelo pode ser:</a:t>
+            </a:r>
+          </a:p>
+          <a:p>
+            <a:endParaRPr lang="pt-BR" dirty="0" smtClean="0"/>
+          </a:p>
+          <a:p>
+            <a:pPr lvl="1"/>
+            <a:r>
+              <a:rPr lang="pt-BR" dirty="0" smtClean="0"/>
+              <a:t>O Core Domain</a:t>
+            </a:r>
+          </a:p>
+          <a:p>
+            <a:pPr lvl="1"/>
+            <a:r>
+              <a:rPr lang="pt-BR" dirty="0" smtClean="0"/>
+              <a:t>Um Domínio de Suporte</a:t>
+            </a:r>
+          </a:p>
+          <a:p>
+            <a:pPr lvl="1"/>
+            <a:r>
+              <a:rPr lang="pt-BR" dirty="0" smtClean="0"/>
+              <a:t>Um Domínio Genérico</a:t>
+            </a:r>
+          </a:p>
+          <a:p>
+            <a:pPr lvl="1"/>
+            <a:endParaRPr lang="pt-BR" dirty="0"/>
+          </a:p>
+          <a:p>
+            <a:r>
+              <a:rPr lang="pt-BR" dirty="0" smtClean="0"/>
+              <a:t>Foque o esforço de modelagem no Core Domain</a:t>
+            </a:r>
+          </a:p>
+          <a:p>
+            <a:r>
+              <a:rPr lang="pt-BR" dirty="0" smtClean="0"/>
+              <a:t>Considere outsourcing pra o Domínio de Suporte</a:t>
+            </a:r>
+          </a:p>
+          <a:p>
+            <a:r>
+              <a:rPr lang="pt-BR" dirty="0" smtClean="0"/>
+              <a:t>Adquira Domínios Genéricos</a:t>
+            </a:r>
+            <a:endParaRPr lang="en-US" dirty="0"/>
+          </a:p>
+        </p:txBody>
+      </p:sp>
+    </p:spTree>
+    <p:extLst>
+      <p:ext uri="{BB962C8B-B14F-4D97-AF65-F5344CB8AC3E}">
+        <p14:creationId xmlns:p14="http://schemas.microsoft.com/office/powerpoint/2010/main" val="2656094707"/>
+      </p:ext>
+    </p:extLst>
+  </p:cSld>
+  <p:clrMapOvr>
+    <a:masterClrMapping/>
+  </p:clrMapOvr>
+  <p:timing>
+    <p:tnLst>
+      <p:par>
+        <p:cTn id="1" dur="indefinite" restart="never" nodeType="tmRoot"/>
+      </p:par>
+    </p:tnLst>
+  </p:timing>
+</p:sld>
+</file>
+
+<file path=ppt/slides/slide11.xml><?xml version="1.0" encoding="utf-8"?>
+<p:sld xmlns:a="http://schemas.openxmlformats.org/drawingml/2006/main" xmlns:r="http://schemas.openxmlformats.org/officeDocument/2006/relationships" xmlns:p="http://schemas.openxmlformats.org/presentationml/2006/main">
+  <p:cSld>
+    <p:bg>
+      <p:bgPr>
+        <a:solidFill>
+          <a:schemeClr val="accent1"/>
+        </a:solidFill>
+        <a:effectLst/>
+      </p:bgPr>
+    </p:bg>
+    <p:spTree>
+      <p:nvGrpSpPr>
+        <p:cNvPr id="1" name=""/>
+        <p:cNvGrpSpPr/>
+        <p:nvPr/>
+      </p:nvGrpSpPr>
+      <p:grpSpPr>
+        <a:xfrm>
+          <a:off x="0" y="0"/>
+          <a:ext cx="0" cy="0"/>
+          <a:chOff x="0" y="0"/>
+          <a:chExt cx="0" cy="0"/>
+        </a:xfrm>
+      </p:grpSpPr>
+      <p:sp>
+        <p:nvSpPr>
           <p:cNvPr id="4" name="Título 3"/>
           <p:cNvSpPr>
             <a:spLocks noGrp="1"/>
@@ -9275,7 +9952,7 @@
 </p:sld>
 </file>
 
-<file path=ppt/slides/slide11.xml><?xml version="1.0" encoding="utf-8"?>
+<file path=ppt/slides/slide12.xml><?xml version="1.0" encoding="utf-8"?>
 <p:sld xmlns:a="http://schemas.openxmlformats.org/drawingml/2006/main" xmlns:r="http://schemas.openxmlformats.org/officeDocument/2006/relationships" xmlns:p="http://schemas.openxmlformats.org/presentationml/2006/main">
   <p:cSld>
     <p:spTree>
@@ -9497,7 +10174,7 @@
 </p:sld>
 </file>
 
-<file path=ppt/slides/slide12.xml><?xml version="1.0" encoding="utf-8"?>
+<file path=ppt/slides/slide13.xml><?xml version="1.0" encoding="utf-8"?>
 <p:sld xmlns:a="http://schemas.openxmlformats.org/drawingml/2006/main" xmlns:r="http://schemas.openxmlformats.org/officeDocument/2006/relationships" xmlns:p="http://schemas.openxmlformats.org/presentationml/2006/main">
   <p:cSld>
     <p:bg>
@@ -9627,7 +10304,7 @@
 </p:sld>
 </file>
 
-<file path=ppt/slides/slide13.xml><?xml version="1.0" encoding="utf-8"?>
+<file path=ppt/slides/slide14.xml><?xml version="1.0" encoding="utf-8"?>
 <p:sld xmlns:a="http://schemas.openxmlformats.org/drawingml/2006/main" xmlns:r="http://schemas.openxmlformats.org/officeDocument/2006/relationships" xmlns:p="http://schemas.openxmlformats.org/presentationml/2006/main">
   <p:cSld>
     <p:bg>
@@ -9776,7 +10453,7 @@
 </p:sld>
 </file>
 
-<file path=ppt/slides/slide14.xml><?xml version="1.0" encoding="utf-8"?>
+<file path=ppt/slides/slide15.xml><?xml version="1.0" encoding="utf-8"?>
 <p:sld xmlns:a="http://schemas.openxmlformats.org/drawingml/2006/main" xmlns:r="http://schemas.openxmlformats.org/officeDocument/2006/relationships" xmlns:p="http://schemas.openxmlformats.org/presentationml/2006/main">
   <p:cSld>
     <p:bg>
@@ -9925,7 +10602,7 @@
 </p:sld>
 </file>
 
-<file path=ppt/slides/slide15.xml><?xml version="1.0" encoding="utf-8"?>
+<file path=ppt/slides/slide16.xml><?xml version="1.0" encoding="utf-8"?>
 <p:sld xmlns:a="http://schemas.openxmlformats.org/drawingml/2006/main" xmlns:r="http://schemas.openxmlformats.org/officeDocument/2006/relationships" xmlns:p="http://schemas.openxmlformats.org/presentationml/2006/main">
   <p:cSld>
     <p:bg>
@@ -10074,7 +10751,7 @@
 </p:sld>
 </file>
 
-<file path=ppt/slides/slide16.xml><?xml version="1.0" encoding="utf-8"?>
+<file path=ppt/slides/slide17.xml><?xml version="1.0" encoding="utf-8"?>
 <p:sld xmlns:a="http://schemas.openxmlformats.org/drawingml/2006/main" xmlns:r="http://schemas.openxmlformats.org/officeDocument/2006/relationships" xmlns:p="http://schemas.openxmlformats.org/presentationml/2006/main">
   <p:cSld>
     <p:bg>
@@ -10223,7 +10900,7 @@
 </p:sld>
 </file>
 
-<file path=ppt/slides/slide17.xml><?xml version="1.0" encoding="utf-8"?>
+<file path=ppt/slides/slide18.xml><?xml version="1.0" encoding="utf-8"?>
 <p:sld xmlns:a="http://schemas.openxmlformats.org/drawingml/2006/main" xmlns:r="http://schemas.openxmlformats.org/officeDocument/2006/relationships" xmlns:p="http://schemas.openxmlformats.org/presentationml/2006/main">
   <p:cSld>
     <p:spTree>
@@ -10352,7 +11029,7 @@
 </p:sld>
 </file>
 
-<file path=ppt/slides/slide18.xml><?xml version="1.0" encoding="utf-8"?>
+<file path=ppt/slides/slide19.xml><?xml version="1.0" encoding="utf-8"?>
 <p:sld xmlns:a="http://schemas.openxmlformats.org/drawingml/2006/main" xmlns:r="http://schemas.openxmlformats.org/officeDocument/2006/relationships" xmlns:p="http://schemas.openxmlformats.org/presentationml/2006/main">
   <p:cSld>
     <p:bg>
@@ -10801,9 +11478,17 @@
 </p:sld>
 </file>
 
-<file path=ppt/slides/slide19.xml><?xml version="1.0" encoding="utf-8"?>
+<file path=ppt/slides/slide2.xml><?xml version="1.0" encoding="utf-8"?>
 <p:sld xmlns:a="http://schemas.openxmlformats.org/drawingml/2006/main" xmlns:r="http://schemas.openxmlformats.org/officeDocument/2006/relationships" xmlns:p="http://schemas.openxmlformats.org/presentationml/2006/main">
   <p:cSld>
+    <p:bg>
+      <p:bgPr>
+        <a:solidFill>
+          <a:srgbClr val="002060"/>
+        </a:solidFill>
+        <a:effectLst/>
+      </p:bgPr>
+    </p:bg>
     <p:spTree>
       <p:nvGrpSpPr>
         <p:cNvPr id="1" name=""/>
@@ -10820,7 +11505,313 @@
       </p:grpSpPr>
       <p:sp>
         <p:nvSpPr>
-          <p:cNvPr id="2" name="Título 1"/>
+          <p:cNvPr id="27" name="Retângulo 26"/>
+          <p:cNvSpPr/>
+          <p:nvPr/>
+        </p:nvSpPr>
+        <p:spPr>
+          <a:xfrm>
+            <a:off x="3059832" y="2053006"/>
+            <a:ext cx="5688632" cy="3127174"/>
+          </a:xfrm>
+          <a:prstGeom prst="rect">
+            <a:avLst/>
+          </a:prstGeom>
+          <a:solidFill>
+            <a:schemeClr val="tx1"/>
+          </a:solidFill>
+          <a:ln w="38100">
+            <a:solidFill>
+              <a:srgbClr val="0070C0"/>
+            </a:solidFill>
+          </a:ln>
+        </p:spPr>
+        <p:style>
+          <a:lnRef idx="2">
+            <a:schemeClr val="accent1">
+              <a:shade val="50000"/>
+            </a:schemeClr>
+          </a:lnRef>
+          <a:fillRef idx="1">
+            <a:schemeClr val="accent1"/>
+          </a:fillRef>
+          <a:effectRef idx="0">
+            <a:schemeClr val="accent1"/>
+          </a:effectRef>
+          <a:fontRef idx="minor">
+            <a:schemeClr val="lt1"/>
+          </a:fontRef>
+        </p:style>
+        <p:txBody>
+          <a:bodyPr rtlCol="0" anchor="ctr"/>
+          <a:lstStyle/>
+          <a:p>
+            <a:pPr algn="ctr"/>
+            <a:endParaRPr lang="pt-BR"/>
+          </a:p>
+        </p:txBody>
+      </p:sp>
+      <p:pic>
+        <p:nvPicPr>
+          <p:cNvPr id="19" name="Picture 2" descr="https://msdnshared.blob.core.windows.net/media/2016/11/MVPReconnect_Logo.png"/>
+          <p:cNvPicPr>
+            <a:picLocks noChangeAspect="1" noChangeArrowheads="1"/>
+          </p:cNvPicPr>
+          <p:nvPr/>
+        </p:nvPicPr>
+        <p:blipFill>
+          <a:blip r:embed="rId2" cstate="print">
+            <a:extLst>
+              <a:ext uri="{28A0092B-C50C-407E-A947-70E740481C1C}">
+                <a14:useLocalDpi xmlns:a14="http://schemas.microsoft.com/office/drawing/2010/main" val="0"/>
+              </a:ext>
+            </a:extLst>
+          </a:blip>
+          <a:srcRect/>
+          <a:stretch>
+            <a:fillRect/>
+          </a:stretch>
+        </p:blipFill>
+        <p:spPr bwMode="auto">
+          <a:xfrm>
+            <a:off x="4999983" y="3501010"/>
+            <a:ext cx="2112697" cy="702973"/>
+          </a:xfrm>
+          <a:prstGeom prst="rect">
+            <a:avLst/>
+          </a:prstGeom>
+          <a:noFill/>
+          <a:extLst>
+            <a:ext uri="{909E8E84-426E-40DD-AFC4-6F175D3DCCD1}">
+              <a14:hiddenFill xmlns:a14="http://schemas.microsoft.com/office/drawing/2010/main">
+                <a:solidFill>
+                  <a:srgbClr val="FFFFFF"/>
+                </a:solidFill>
+              </a14:hiddenFill>
+            </a:ext>
+          </a:extLst>
+        </p:spPr>
+      </p:pic>
+      <p:grpSp>
+        <p:nvGrpSpPr>
+          <p:cNvPr id="20" name="Grupo 19"/>
+          <p:cNvGrpSpPr/>
+          <p:nvPr/>
+        </p:nvGrpSpPr>
+        <p:grpSpPr>
+          <a:xfrm>
+            <a:off x="3352800" y="2194242"/>
+            <a:ext cx="2002514" cy="1108028"/>
+            <a:chOff x="6818842" y="885163"/>
+            <a:chExt cx="3570826" cy="1975801"/>
+          </a:xfrm>
+        </p:grpSpPr>
+        <p:pic>
+          <p:nvPicPr>
+            <p:cNvPr id="21" name="Picture 4" descr="https://alexandrebrisebois.files.wordpress.com/2014/07/microsoft-mvp.gif"/>
+            <p:cNvPicPr>
+              <a:picLocks noChangeAspect="1" noChangeArrowheads="1"/>
+            </p:cNvPicPr>
+            <p:nvPr/>
+          </p:nvPicPr>
+          <p:blipFill>
+            <a:blip r:embed="rId3" cstate="print">
+              <a:extLst>
+                <a:ext uri="{28A0092B-C50C-407E-A947-70E740481C1C}">
+                  <a14:useLocalDpi xmlns:a14="http://schemas.microsoft.com/office/drawing/2010/main" val="0"/>
+                </a:ext>
+              </a:extLst>
+            </a:blip>
+            <a:srcRect/>
+            <a:stretch>
+              <a:fillRect/>
+            </a:stretch>
+          </p:blipFill>
+          <p:spPr bwMode="auto">
+            <a:xfrm>
+              <a:off x="6818842" y="885163"/>
+              <a:ext cx="3570826" cy="1471613"/>
+            </a:xfrm>
+            <a:prstGeom prst="rect">
+              <a:avLst/>
+            </a:prstGeom>
+            <a:noFill/>
+            <a:extLst>
+              <a:ext uri="{909E8E84-426E-40DD-AFC4-6F175D3DCCD1}">
+                <a14:hiddenFill xmlns:a14="http://schemas.microsoft.com/office/drawing/2010/main">
+                  <a:solidFill>
+                    <a:srgbClr val="FFFFFF"/>
+                  </a:solidFill>
+                </a14:hiddenFill>
+              </a:ext>
+            </a:extLst>
+          </p:spPr>
+        </p:pic>
+        <p:sp>
+          <p:nvSpPr>
+            <p:cNvPr id="22" name="CaixaDeTexto 21"/>
+            <p:cNvSpPr txBox="1"/>
+            <p:nvPr/>
+          </p:nvSpPr>
+          <p:spPr>
+            <a:xfrm>
+              <a:off x="7090597" y="2202383"/>
+              <a:ext cx="2954774" cy="658581"/>
+            </a:xfrm>
+            <a:prstGeom prst="rect">
+              <a:avLst/>
+            </a:prstGeom>
+            <a:noFill/>
+          </p:spPr>
+          <p:txBody>
+            <a:bodyPr wrap="square" rtlCol="0">
+              <a:spAutoFit/>
+            </a:bodyPr>
+            <a:lstStyle>
+              <a:defPPr>
+                <a:defRPr lang="en-US"/>
+              </a:defPPr>
+              <a:lvl1pPr algn="ctr">
+                <a:defRPr sz="1200" b="1" u="sng">
+                  <a:solidFill>
+                    <a:schemeClr val="bg1">
+                      <a:lumMod val="50000"/>
+                    </a:schemeClr>
+                  </a:solidFill>
+                </a:defRPr>
+              </a:lvl1pPr>
+            </a:lstStyle>
+            <a:p>
+              <a:r>
+                <a:rPr lang="pt-BR" sz="1800" u="none" dirty="0">
+                  <a:latin typeface="Corbel" panose="020B0503020204020204" pitchFamily="34" charset="0"/>
+                </a:rPr>
+                <a:t>De 2012 à 2014</a:t>
+              </a:r>
+            </a:p>
+          </p:txBody>
+        </p:sp>
+      </p:grpSp>
+      <p:pic>
+        <p:nvPicPr>
+          <p:cNvPr id="23" name="Picture 6" descr="http://bhs.com.br/wp-content/themes/bhs/images/marca-bhs.png"/>
+          <p:cNvPicPr>
+            <a:picLocks noChangeAspect="1" noChangeArrowheads="1"/>
+          </p:cNvPicPr>
+          <p:nvPr/>
+        </p:nvPicPr>
+        <p:blipFill>
+          <a:blip r:embed="rId4">
+            <a:extLst>
+              <a:ext uri="{28A0092B-C50C-407E-A947-70E740481C1C}">
+                <a14:useLocalDpi xmlns:a14="http://schemas.microsoft.com/office/drawing/2010/main" val="0"/>
+              </a:ext>
+            </a:extLst>
+          </a:blip>
+          <a:srcRect/>
+          <a:stretch>
+            <a:fillRect/>
+          </a:stretch>
+        </p:blipFill>
+        <p:spPr bwMode="auto">
+          <a:xfrm>
+            <a:off x="3535940" y="4374562"/>
+            <a:ext cx="1676400" cy="501916"/>
+          </a:xfrm>
+          <a:prstGeom prst="rect">
+            <a:avLst/>
+          </a:prstGeom>
+          <a:noFill/>
+          <a:extLst>
+            <a:ext uri="{909E8E84-426E-40DD-AFC4-6F175D3DCCD1}">
+              <a14:hiddenFill xmlns:a14="http://schemas.microsoft.com/office/drawing/2010/main">
+                <a:solidFill>
+                  <a:srgbClr val="FFFFFF"/>
+                </a:solidFill>
+              </a14:hiddenFill>
+            </a:ext>
+          </a:extLst>
+        </p:spPr>
+      </p:pic>
+      <p:pic>
+        <p:nvPicPr>
+          <p:cNvPr id="24" name="Imagem 23"/>
+          <p:cNvPicPr>
+            <a:picLocks noChangeAspect="1"/>
+          </p:cNvPicPr>
+          <p:nvPr/>
+        </p:nvPicPr>
+        <p:blipFill>
+          <a:blip r:embed="rId5" cstate="print">
+            <a:extLst>
+              <a:ext uri="{28A0092B-C50C-407E-A947-70E740481C1C}">
+                <a14:useLocalDpi xmlns:a14="http://schemas.microsoft.com/office/drawing/2010/main" val="0"/>
+              </a:ext>
+            </a:extLst>
+          </a:blip>
+          <a:stretch>
+            <a:fillRect/>
+          </a:stretch>
+        </p:blipFill>
+        <p:spPr>
+          <a:xfrm>
+            <a:off x="549846" y="2053006"/>
+            <a:ext cx="2345757" cy="3127174"/>
+          </a:xfrm>
+          <a:prstGeom prst="rect">
+            <a:avLst/>
+          </a:prstGeom>
+          <a:ln w="38100">
+            <a:solidFill>
+              <a:srgbClr val="0070C0"/>
+            </a:solidFill>
+          </a:ln>
+        </p:spPr>
+      </p:pic>
+      <p:pic>
+        <p:nvPicPr>
+          <p:cNvPr id="25" name="Picture 8" descr="https://dotnetraptors.files.wordpress.com/2010/03/logo_raptors.jpg?w=139&amp;h=87"/>
+          <p:cNvPicPr>
+            <a:picLocks noChangeAspect="1" noChangeArrowheads="1"/>
+          </p:cNvPicPr>
+          <p:nvPr/>
+        </p:nvPicPr>
+        <p:blipFill>
+          <a:blip r:embed="rId6">
+            <a:extLst>
+              <a:ext uri="{28A0092B-C50C-407E-A947-70E740481C1C}">
+                <a14:useLocalDpi xmlns:a14="http://schemas.microsoft.com/office/drawing/2010/main" val="0"/>
+              </a:ext>
+            </a:extLst>
+          </a:blip>
+          <a:srcRect/>
+          <a:stretch>
+            <a:fillRect/>
+          </a:stretch>
+        </p:blipFill>
+        <p:spPr bwMode="auto">
+          <a:xfrm>
+            <a:off x="7062237" y="4149082"/>
+            <a:ext cx="1339551" cy="838425"/>
+          </a:xfrm>
+          <a:prstGeom prst="rect">
+            <a:avLst/>
+          </a:prstGeom>
+          <a:noFill/>
+          <a:extLst>
+            <a:ext uri="{909E8E84-426E-40DD-AFC4-6F175D3DCCD1}">
+              <a14:hiddenFill xmlns:a14="http://schemas.microsoft.com/office/drawing/2010/main">
+                <a:solidFill>
+                  <a:srgbClr val="FFFFFF"/>
+                </a:solidFill>
+              </a14:hiddenFill>
+            </a:ext>
+          </a:extLst>
+        </p:spPr>
+      </p:pic>
+      <p:sp>
+        <p:nvSpPr>
+          <p:cNvPr id="14" name="Título 1"/>
           <p:cNvSpPr>
             <a:spLocks noGrp="1"/>
           </p:cNvSpPr>
@@ -10828,213 +11819,141 @@
             <p:ph type="title"/>
           </p:nvPr>
         </p:nvSpPr>
-        <p:spPr/>
+        <p:spPr>
+          <a:xfrm>
+            <a:off x="457200" y="274638"/>
+            <a:ext cx="8229600" cy="1143000"/>
+          </a:xfrm>
+        </p:spPr>
         <p:txBody>
           <a:bodyPr/>
           <a:lstStyle/>
           <a:p>
-            <a:r>
-              <a:rPr lang="pt-BR" dirty="0" smtClean="0"/>
-              <a:t>Entidades</a:t>
-            </a:r>
-            <a:endParaRPr lang="pt-BR" dirty="0"/>
-          </a:p>
-        </p:txBody>
-      </p:sp>
-      <p:sp>
-        <p:nvSpPr>
-          <p:cNvPr id="3" name="Espaço Reservado para Conteúdo 2"/>
-          <p:cNvSpPr>
-            <a:spLocks noGrp="1"/>
-          </p:cNvSpPr>
-          <p:nvPr>
-            <p:ph idx="1"/>
-          </p:nvPr>
-        </p:nvSpPr>
-        <p:spPr/>
-        <p:txBody>
-          <a:bodyPr/>
-          <a:lstStyle/>
-          <a:p>
-            <a:r>
-              <a:rPr lang="pt-BR" dirty="0" smtClean="0"/>
-              <a:t>Possui uma Identidade e Estado</a:t>
-            </a:r>
-          </a:p>
-          <a:p>
-            <a:r>
-              <a:rPr lang="pt-BR" dirty="0" smtClean="0"/>
-              <a:t>Persistência</a:t>
-            </a:r>
-          </a:p>
-          <a:p>
-            <a:r>
-              <a:rPr lang="pt-BR" dirty="0" smtClean="0"/>
-              <a:t>Somente uma responsabilidade</a:t>
-            </a:r>
-          </a:p>
-          <a:p>
-            <a:r>
-              <a:rPr lang="pt-BR" dirty="0" smtClean="0"/>
-              <a:t>Pode ser constituída por outras entidades e tipos de valor</a:t>
-            </a:r>
-            <a:endParaRPr lang="pt-BR" dirty="0"/>
+            <a:pPr algn="l"/>
+            <a:r>
+              <a:rPr lang="pt-BR" dirty="0" smtClean="0">
+                <a:solidFill>
+                  <a:schemeClr val="tx1"/>
+                </a:solidFill>
+                <a:effectLst>
+                  <a:outerShdw blurRad="38100" dist="38100" dir="2700000" algn="tl">
+                    <a:srgbClr val="000000">
+                      <a:alpha val="43137"/>
+                    </a:srgbClr>
+                  </a:outerShdw>
+                </a:effectLst>
+                <a:latin typeface="Corbel" panose="020B0503020204020204" pitchFamily="34" charset="0"/>
+              </a:rPr>
+              <a:t>Ivan Paulovich</a:t>
+            </a:r>
+            <a:endParaRPr lang="pt-BR" dirty="0">
+              <a:solidFill>
+                <a:schemeClr val="tx1"/>
+              </a:solidFill>
+              <a:effectLst>
+                <a:outerShdw blurRad="38100" dist="38100" dir="2700000" algn="tl">
+                  <a:srgbClr val="000000">
+                    <a:alpha val="43137"/>
+                  </a:srgbClr>
+                </a:outerShdw>
+              </a:effectLst>
+              <a:latin typeface="Corbel" panose="020B0503020204020204" pitchFamily="34" charset="0"/>
+            </a:endParaRPr>
+          </a:p>
+        </p:txBody>
+      </p:sp>
+      <p:pic>
+        <p:nvPicPr>
+          <p:cNvPr id="1026" name="Picture 2" descr="http://www.100loop.com/wp-content/uploads/2016/12/logo-grande-90x400.png"/>
+          <p:cNvPicPr>
+            <a:picLocks noChangeAspect="1" noChangeArrowheads="1"/>
+          </p:cNvPicPr>
+          <p:nvPr/>
+        </p:nvPicPr>
+        <p:blipFill>
+          <a:blip r:embed="rId7">
+            <a:extLst>
+              <a:ext uri="{28A0092B-C50C-407E-A947-70E740481C1C}">
+                <a14:useLocalDpi xmlns:a14="http://schemas.microsoft.com/office/drawing/2010/main" val="0"/>
+              </a:ext>
+            </a:extLst>
+          </a:blip>
+          <a:srcRect/>
+          <a:stretch>
+            <a:fillRect/>
+          </a:stretch>
+        </p:blipFill>
+        <p:spPr bwMode="auto">
+          <a:xfrm>
+            <a:off x="5720406" y="2305219"/>
+            <a:ext cx="2740026" cy="595659"/>
+          </a:xfrm>
+          <a:prstGeom prst="rect">
+            <a:avLst/>
+          </a:prstGeom>
+          <a:noFill/>
+          <a:extLst>
+            <a:ext uri="{909E8E84-426E-40DD-AFC4-6F175D3DCCD1}">
+              <a14:hiddenFill xmlns:a14="http://schemas.microsoft.com/office/drawing/2010/main">
+                <a:solidFill>
+                  <a:srgbClr val="FFFFFF"/>
+                </a:solidFill>
+              </a14:hiddenFill>
+            </a:ext>
+          </a:extLst>
+        </p:spPr>
+      </p:pic>
+      <p:sp>
+        <p:nvSpPr>
+          <p:cNvPr id="5" name="Retângulo 4"/>
+          <p:cNvSpPr/>
+          <p:nvPr/>
+        </p:nvSpPr>
+        <p:spPr>
+          <a:xfrm>
+            <a:off x="6075589" y="2927218"/>
+            <a:ext cx="1973297" cy="369332"/>
+          </a:xfrm>
+          <a:prstGeom prst="rect">
+            <a:avLst/>
+          </a:prstGeom>
+        </p:spPr>
+        <p:txBody>
+          <a:bodyPr wrap="none">
+            <a:spAutoFit/>
+          </a:bodyPr>
+          <a:lstStyle/>
+          <a:p>
+            <a:r>
+              <a:rPr lang="pt-BR" u="sng" dirty="0">
+                <a:latin typeface="Corbel" panose="020B0503020204020204" pitchFamily="34" charset="0"/>
+              </a:rPr>
+              <a:t>www.100loop.com</a:t>
+            </a:r>
+            <a:endParaRPr lang="en-US" u="sng" dirty="0">
+              <a:latin typeface="Corbel" panose="020B0503020204020204" pitchFamily="34" charset="0"/>
+            </a:endParaRPr>
           </a:p>
         </p:txBody>
       </p:sp>
     </p:spTree>
     <p:extLst>
       <p:ext uri="{BB962C8B-B14F-4D97-AF65-F5344CB8AC3E}">
-        <p14:creationId xmlns:p14="http://schemas.microsoft.com/office/powerpoint/2010/main" val="1771237173"/>
+        <p14:creationId xmlns:p14="http://schemas.microsoft.com/office/powerpoint/2010/main" val="2917460104"/>
       </p:ext>
     </p:extLst>
   </p:cSld>
   <p:clrMapOvr>
     <a:masterClrMapping/>
   </p:clrMapOvr>
-  <p:timing>
-    <p:tnLst>
-      <p:par>
-        <p:cTn id="1" dur="indefinite" restart="never" nodeType="tmRoot"/>
-      </p:par>
-    </p:tnLst>
-  </p:timing>
-</p:sld>
-</file>
-
-<file path=ppt/slides/slide2.xml><?xml version="1.0" encoding="utf-8"?>
-<p:sld xmlns:a="http://schemas.openxmlformats.org/drawingml/2006/main" xmlns:r="http://schemas.openxmlformats.org/officeDocument/2006/relationships" xmlns:p="http://schemas.openxmlformats.org/presentationml/2006/main">
-  <p:cSld>
-    <p:spTree>
-      <p:nvGrpSpPr>
-        <p:cNvPr id="1" name=""/>
-        <p:cNvGrpSpPr/>
-        <p:nvPr/>
-      </p:nvGrpSpPr>
-      <p:grpSpPr>
-        <a:xfrm>
-          <a:off x="0" y="0"/>
-          <a:ext cx="0" cy="0"/>
-          <a:chOff x="0" y="0"/>
-          <a:chExt cx="0" cy="0"/>
-        </a:xfrm>
-      </p:grpSpPr>
-      <p:sp>
-        <p:nvSpPr>
-          <p:cNvPr id="2" name="Título 1"/>
-          <p:cNvSpPr>
-            <a:spLocks noGrp="1"/>
-          </p:cNvSpPr>
-          <p:nvPr>
-            <p:ph type="title"/>
-          </p:nvPr>
-        </p:nvSpPr>
-        <p:spPr/>
-        <p:txBody>
-          <a:bodyPr/>
-          <a:lstStyle/>
-          <a:p>
-            <a:r>
-              <a:rPr lang="pt-BR" dirty="0" smtClean="0"/>
-              <a:t>Agenda</a:t>
-            </a:r>
-            <a:endParaRPr lang="pt-BR" dirty="0"/>
-          </a:p>
-        </p:txBody>
-      </p:sp>
-      <p:sp>
-        <p:nvSpPr>
-          <p:cNvPr id="3" name="Espaço Reservado para Conteúdo 2"/>
-          <p:cNvSpPr>
-            <a:spLocks noGrp="1"/>
-          </p:cNvSpPr>
-          <p:nvPr>
-            <p:ph idx="1"/>
-          </p:nvPr>
-        </p:nvSpPr>
-        <p:spPr/>
-        <p:txBody>
-          <a:bodyPr/>
-          <a:lstStyle/>
-          <a:p>
-            <a:r>
-              <a:rPr lang="pt-BR" dirty="0"/>
-              <a:t>Linguagem Ubíqua</a:t>
-            </a:r>
-          </a:p>
-          <a:p>
-            <a:r>
-              <a:rPr lang="pt-BR" dirty="0" err="1"/>
-              <a:t>Bounded</a:t>
-            </a:r>
-            <a:r>
-              <a:rPr lang="pt-BR" dirty="0"/>
-              <a:t> </a:t>
-            </a:r>
-            <a:r>
-              <a:rPr lang="pt-BR" dirty="0" err="1"/>
-              <a:t>Context</a:t>
-            </a:r>
-            <a:endParaRPr lang="pt-BR" dirty="0"/>
-          </a:p>
-          <a:p>
-            <a:r>
-              <a:rPr lang="pt-BR" dirty="0"/>
-              <a:t>Tipos de Domínio</a:t>
-            </a:r>
-          </a:p>
-          <a:p>
-            <a:r>
-              <a:rPr lang="pt-BR" dirty="0"/>
-              <a:t>Core Domain</a:t>
-            </a:r>
-          </a:p>
-          <a:p>
-            <a:r>
-              <a:rPr lang="pt-BR" dirty="0" smtClean="0"/>
-              <a:t>Livros sobre DDD</a:t>
-            </a:r>
-          </a:p>
-          <a:p>
-            <a:r>
-              <a:rPr lang="pt-BR" dirty="0" smtClean="0"/>
-              <a:t>Estilos Arquiteturais</a:t>
-            </a:r>
-          </a:p>
-          <a:p>
-            <a:r>
-              <a:rPr lang="pt-BR" dirty="0" err="1" smtClean="0"/>
-              <a:t>Building</a:t>
-            </a:r>
-            <a:r>
-              <a:rPr lang="pt-BR" dirty="0" smtClean="0"/>
-              <a:t> </a:t>
-            </a:r>
-            <a:r>
-              <a:rPr lang="pt-BR" dirty="0" err="1" smtClean="0"/>
-              <a:t>Blocks</a:t>
-            </a:r>
-            <a:endParaRPr lang="pt-BR" dirty="0" smtClean="0"/>
-          </a:p>
-          <a:p>
-            <a:r>
-              <a:rPr lang="pt-BR" dirty="0" smtClean="0"/>
-              <a:t>Dúvidas?</a:t>
-            </a:r>
-            <a:endParaRPr lang="pt-BR" dirty="0"/>
-          </a:p>
-        </p:txBody>
-      </p:sp>
-    </p:spTree>
-    <p:extLst>
-      <p:ext uri="{BB962C8B-B14F-4D97-AF65-F5344CB8AC3E}">
-        <p14:creationId xmlns:p14="http://schemas.microsoft.com/office/powerpoint/2010/main" val="3954246393"/>
-      </p:ext>
-    </p:extLst>
-  </p:cSld>
-  <p:clrMapOvr>
-    <a:masterClrMapping/>
-  </p:clrMapOvr>
+  <mc:AlternateContent xmlns:mc="http://schemas.openxmlformats.org/markup-compatibility/2006">
+    <mc:Choice xmlns:p14="http://schemas.microsoft.com/office/powerpoint/2010/main" Requires="p14">
+      <p:transition p14:dur="0"/>
+    </mc:Choice>
+    <mc:Fallback>
+      <p:transition/>
+    </mc:Fallback>
+  </mc:AlternateContent>
   <p:timing>
     <p:tnLst>
       <p:par>
@@ -11079,6 +11998,107 @@
           <a:p>
             <a:r>
               <a:rPr lang="pt-BR" dirty="0" smtClean="0"/>
+              <a:t>Entidades</a:t>
+            </a:r>
+            <a:endParaRPr lang="pt-BR" dirty="0"/>
+          </a:p>
+        </p:txBody>
+      </p:sp>
+      <p:sp>
+        <p:nvSpPr>
+          <p:cNvPr id="3" name="Espaço Reservado para Conteúdo 2"/>
+          <p:cNvSpPr>
+            <a:spLocks noGrp="1"/>
+          </p:cNvSpPr>
+          <p:nvPr>
+            <p:ph idx="1"/>
+          </p:nvPr>
+        </p:nvSpPr>
+        <p:spPr/>
+        <p:txBody>
+          <a:bodyPr/>
+          <a:lstStyle/>
+          <a:p>
+            <a:r>
+              <a:rPr lang="pt-BR" dirty="0" smtClean="0"/>
+              <a:t>Possui uma Identidade e Estado</a:t>
+            </a:r>
+          </a:p>
+          <a:p>
+            <a:r>
+              <a:rPr lang="pt-BR" dirty="0" smtClean="0"/>
+              <a:t>Persistência</a:t>
+            </a:r>
+          </a:p>
+          <a:p>
+            <a:r>
+              <a:rPr lang="pt-BR" dirty="0" smtClean="0"/>
+              <a:t>Somente uma responsabilidade</a:t>
+            </a:r>
+          </a:p>
+          <a:p>
+            <a:r>
+              <a:rPr lang="pt-BR" dirty="0" smtClean="0"/>
+              <a:t>Pode ser constituída por outras entidades e tipos de valor</a:t>
+            </a:r>
+            <a:endParaRPr lang="pt-BR" dirty="0"/>
+          </a:p>
+        </p:txBody>
+      </p:sp>
+    </p:spTree>
+    <p:extLst>
+      <p:ext uri="{BB962C8B-B14F-4D97-AF65-F5344CB8AC3E}">
+        <p14:creationId xmlns:p14="http://schemas.microsoft.com/office/powerpoint/2010/main" val="1771237173"/>
+      </p:ext>
+    </p:extLst>
+  </p:cSld>
+  <p:clrMapOvr>
+    <a:masterClrMapping/>
+  </p:clrMapOvr>
+  <p:timing>
+    <p:tnLst>
+      <p:par>
+        <p:cTn id="1" dur="indefinite" restart="never" nodeType="tmRoot"/>
+      </p:par>
+    </p:tnLst>
+  </p:timing>
+</p:sld>
+</file>
+
+<file path=ppt/slides/slide21.xml><?xml version="1.0" encoding="utf-8"?>
+<p:sld xmlns:a="http://schemas.openxmlformats.org/drawingml/2006/main" xmlns:r="http://schemas.openxmlformats.org/officeDocument/2006/relationships" xmlns:p="http://schemas.openxmlformats.org/presentationml/2006/main">
+  <p:cSld>
+    <p:spTree>
+      <p:nvGrpSpPr>
+        <p:cNvPr id="1" name=""/>
+        <p:cNvGrpSpPr/>
+        <p:nvPr/>
+      </p:nvGrpSpPr>
+      <p:grpSpPr>
+        <a:xfrm>
+          <a:off x="0" y="0"/>
+          <a:ext cx="0" cy="0"/>
+          <a:chOff x="0" y="0"/>
+          <a:chExt cx="0" cy="0"/>
+        </a:xfrm>
+      </p:grpSpPr>
+      <p:sp>
+        <p:nvSpPr>
+          <p:cNvPr id="2" name="Título 1"/>
+          <p:cNvSpPr>
+            <a:spLocks noGrp="1"/>
+          </p:cNvSpPr>
+          <p:nvPr>
+            <p:ph type="title"/>
+          </p:nvPr>
+        </p:nvSpPr>
+        <p:spPr/>
+        <p:txBody>
+          <a:bodyPr/>
+          <a:lstStyle/>
+          <a:p>
+            <a:r>
+              <a:rPr lang="pt-BR" dirty="0" smtClean="0"/>
               <a:t>Tipos de Valor</a:t>
             </a:r>
             <a:endParaRPr lang="pt-BR" dirty="0"/>
@@ -11146,7 +12166,7 @@
 </p:sld>
 </file>
 
-<file path=ppt/slides/slide21.xml><?xml version="1.0" encoding="utf-8"?>
+<file path=ppt/slides/slide22.xml><?xml version="1.0" encoding="utf-8"?>
 <p:sld xmlns:a="http://schemas.openxmlformats.org/drawingml/2006/main" xmlns:r="http://schemas.openxmlformats.org/officeDocument/2006/relationships" xmlns:p="http://schemas.openxmlformats.org/presentationml/2006/main">
   <p:cSld>
     <p:bg>
@@ -11346,101 +12366,6 @@
 </p:sld>
 </file>
 
-<file path=ppt/slides/slide22.xml><?xml version="1.0" encoding="utf-8"?>
-<p:sld xmlns:a="http://schemas.openxmlformats.org/drawingml/2006/main" xmlns:r="http://schemas.openxmlformats.org/officeDocument/2006/relationships" xmlns:p="http://schemas.openxmlformats.org/presentationml/2006/main">
-  <p:cSld>
-    <p:spTree>
-      <p:nvGrpSpPr>
-        <p:cNvPr id="1" name=""/>
-        <p:cNvGrpSpPr/>
-        <p:nvPr/>
-      </p:nvGrpSpPr>
-      <p:grpSpPr>
-        <a:xfrm>
-          <a:off x="0" y="0"/>
-          <a:ext cx="0" cy="0"/>
-          <a:chOff x="0" y="0"/>
-          <a:chExt cx="0" cy="0"/>
-        </a:xfrm>
-      </p:grpSpPr>
-      <p:sp>
-        <p:nvSpPr>
-          <p:cNvPr id="2" name="Título 1"/>
-          <p:cNvSpPr>
-            <a:spLocks noGrp="1"/>
-          </p:cNvSpPr>
-          <p:nvPr>
-            <p:ph type="title"/>
-          </p:nvPr>
-        </p:nvSpPr>
-        <p:spPr/>
-        <p:txBody>
-          <a:bodyPr/>
-          <a:lstStyle/>
-          <a:p>
-            <a:r>
-              <a:rPr lang="pt-BR" dirty="0" smtClean="0"/>
-              <a:t>Agregação Raiz</a:t>
-            </a:r>
-            <a:endParaRPr lang="pt-BR" dirty="0"/>
-          </a:p>
-        </p:txBody>
-      </p:sp>
-      <p:sp>
-        <p:nvSpPr>
-          <p:cNvPr id="3" name="Espaço Reservado para Conteúdo 2"/>
-          <p:cNvSpPr>
-            <a:spLocks noGrp="1"/>
-          </p:cNvSpPr>
-          <p:nvPr>
-            <p:ph idx="1"/>
-          </p:nvPr>
-        </p:nvSpPr>
-        <p:spPr/>
-        <p:txBody>
-          <a:bodyPr/>
-          <a:lstStyle/>
-          <a:p>
-            <a:r>
-              <a:rPr lang="pt-BR" dirty="0" smtClean="0"/>
-              <a:t>Uma entidade pode ser uma agregação raiz</a:t>
-            </a:r>
-          </a:p>
-          <a:p>
-            <a:r>
-              <a:rPr lang="pt-BR" dirty="0" smtClean="0"/>
-              <a:t>Referências externas somente conhecem agregações raiz</a:t>
-            </a:r>
-          </a:p>
-          <a:p>
-            <a:r>
-              <a:rPr lang="pt-BR" dirty="0" smtClean="0"/>
-              <a:t>Persista a agregação raiz e o grafo de objetos relacionados</a:t>
-            </a:r>
-            <a:endParaRPr lang="pt-BR" dirty="0"/>
-          </a:p>
-        </p:txBody>
-      </p:sp>
-    </p:spTree>
-    <p:extLst>
-      <p:ext uri="{BB962C8B-B14F-4D97-AF65-F5344CB8AC3E}">
-        <p14:creationId xmlns:p14="http://schemas.microsoft.com/office/powerpoint/2010/main" val="2704827869"/>
-      </p:ext>
-    </p:extLst>
-  </p:cSld>
-  <p:clrMapOvr>
-    <a:masterClrMapping/>
-  </p:clrMapOvr>
-  <p:timing>
-    <p:tnLst>
-      <p:par>
-        <p:cTn id="1" dur="indefinite" restart="never" nodeType="tmRoot"/>
-      </p:par>
-    </p:tnLst>
-  </p:timing>
-</p:sld>
-</file>
-
 <file path=ppt/slides/slide23.xml><?xml version="1.0" encoding="utf-8"?>
 <p:sld xmlns:a="http://schemas.openxmlformats.org/drawingml/2006/main" xmlns:r="http://schemas.openxmlformats.org/officeDocument/2006/relationships" xmlns:p="http://schemas.openxmlformats.org/presentationml/2006/main">
   <p:cSld>
@@ -11475,7 +12400,7 @@
           <a:p>
             <a:r>
               <a:rPr lang="pt-BR" dirty="0" smtClean="0"/>
-              <a:t>Repositórios</a:t>
+              <a:t>Agregação Raiz</a:t>
             </a:r>
             <a:endParaRPr lang="pt-BR" dirty="0"/>
           </a:p>
@@ -11498,15 +12423,28 @@
           <a:p>
             <a:r>
               <a:rPr lang="pt-BR" dirty="0" smtClean="0"/>
-              <a:t>Realiza a persistência de uma agregação</a:t>
-            </a:r>
+              <a:t>Uma entidade pode ser uma agregação raiz</a:t>
+            </a:r>
+          </a:p>
+          <a:p>
+            <a:r>
+              <a:rPr lang="pt-BR" dirty="0" smtClean="0"/>
+              <a:t>Referências externas somente conhecem agregações raiz</a:t>
+            </a:r>
+          </a:p>
+          <a:p>
+            <a:r>
+              <a:rPr lang="pt-BR" dirty="0" smtClean="0"/>
+              <a:t>Persista a agregação raiz e o grafo de objetos relacionados</a:t>
+            </a:r>
+            <a:endParaRPr lang="pt-BR" dirty="0"/>
           </a:p>
         </p:txBody>
       </p:sp>
     </p:spTree>
     <p:extLst>
       <p:ext uri="{BB962C8B-B14F-4D97-AF65-F5344CB8AC3E}">
-        <p14:creationId xmlns:p14="http://schemas.microsoft.com/office/powerpoint/2010/main" val="789462074"/>
+        <p14:creationId xmlns:p14="http://schemas.microsoft.com/office/powerpoint/2010/main" val="2704827869"/>
       </p:ext>
     </p:extLst>
   </p:cSld>
@@ -11557,6 +12495,88 @@
           <a:p>
             <a:r>
               <a:rPr lang="pt-BR" dirty="0" smtClean="0"/>
+              <a:t>Repositórios</a:t>
+            </a:r>
+            <a:endParaRPr lang="pt-BR" dirty="0"/>
+          </a:p>
+        </p:txBody>
+      </p:sp>
+      <p:sp>
+        <p:nvSpPr>
+          <p:cNvPr id="3" name="Espaço Reservado para Conteúdo 2"/>
+          <p:cNvSpPr>
+            <a:spLocks noGrp="1"/>
+          </p:cNvSpPr>
+          <p:nvPr>
+            <p:ph idx="1"/>
+          </p:nvPr>
+        </p:nvSpPr>
+        <p:spPr/>
+        <p:txBody>
+          <a:bodyPr/>
+          <a:lstStyle/>
+          <a:p>
+            <a:r>
+              <a:rPr lang="pt-BR" dirty="0" smtClean="0"/>
+              <a:t>Realiza a persistência de uma agregação</a:t>
+            </a:r>
+          </a:p>
+        </p:txBody>
+      </p:sp>
+    </p:spTree>
+    <p:extLst>
+      <p:ext uri="{BB962C8B-B14F-4D97-AF65-F5344CB8AC3E}">
+        <p14:creationId xmlns:p14="http://schemas.microsoft.com/office/powerpoint/2010/main" val="789462074"/>
+      </p:ext>
+    </p:extLst>
+  </p:cSld>
+  <p:clrMapOvr>
+    <a:masterClrMapping/>
+  </p:clrMapOvr>
+  <p:timing>
+    <p:tnLst>
+      <p:par>
+        <p:cTn id="1" dur="indefinite" restart="never" nodeType="tmRoot"/>
+      </p:par>
+    </p:tnLst>
+  </p:timing>
+</p:sld>
+</file>
+
+<file path=ppt/slides/slide25.xml><?xml version="1.0" encoding="utf-8"?>
+<p:sld xmlns:a="http://schemas.openxmlformats.org/drawingml/2006/main" xmlns:r="http://schemas.openxmlformats.org/officeDocument/2006/relationships" xmlns:p="http://schemas.openxmlformats.org/presentationml/2006/main">
+  <p:cSld>
+    <p:spTree>
+      <p:nvGrpSpPr>
+        <p:cNvPr id="1" name=""/>
+        <p:cNvGrpSpPr/>
+        <p:nvPr/>
+      </p:nvGrpSpPr>
+      <p:grpSpPr>
+        <a:xfrm>
+          <a:off x="0" y="0"/>
+          <a:ext cx="0" cy="0"/>
+          <a:chOff x="0" y="0"/>
+          <a:chExt cx="0" cy="0"/>
+        </a:xfrm>
+      </p:grpSpPr>
+      <p:sp>
+        <p:nvSpPr>
+          <p:cNvPr id="2" name="Título 1"/>
+          <p:cNvSpPr>
+            <a:spLocks noGrp="1"/>
+          </p:cNvSpPr>
+          <p:nvPr>
+            <p:ph type="title"/>
+          </p:nvPr>
+        </p:nvSpPr>
+        <p:spPr/>
+        <p:txBody>
+          <a:bodyPr/>
+          <a:lstStyle/>
+          <a:p>
+            <a:r>
+              <a:rPr lang="pt-BR" dirty="0" smtClean="0"/>
               <a:t>Serviços</a:t>
             </a:r>
             <a:endParaRPr lang="pt-BR" dirty="0"/>
@@ -11626,7 +12646,7 @@
 </p:sld>
 </file>
 
-<file path=ppt/slides/slide25.xml><?xml version="1.0" encoding="utf-8"?>
+<file path=ppt/slides/slide26.xml><?xml version="1.0" encoding="utf-8"?>
 <p:sld xmlns:a="http://schemas.openxmlformats.org/drawingml/2006/main" xmlns:r="http://schemas.openxmlformats.org/officeDocument/2006/relationships" xmlns:p="http://schemas.openxmlformats.org/presentationml/2006/main">
   <p:cSld>
     <p:bg>
@@ -11770,7 +12790,7 @@
 </p:sld>
 </file>
 
-<file path=ppt/slides/slide26.xml><?xml version="1.0" encoding="utf-8"?>
+<file path=ppt/slides/slide27.xml><?xml version="1.0" encoding="utf-8"?>
 <p:sld xmlns:a="http://schemas.openxmlformats.org/drawingml/2006/main" xmlns:r="http://schemas.openxmlformats.org/officeDocument/2006/relationships" xmlns:p="http://schemas.openxmlformats.org/presentationml/2006/main">
   <p:cSld>
     <p:bg>
@@ -11857,7 +12877,7 @@
 </p:sld>
 </file>
 
-<file path=ppt/slides/slide27.xml><?xml version="1.0" encoding="utf-8"?>
+<file path=ppt/slides/slide28.xml><?xml version="1.0" encoding="utf-8"?>
 <p:sld xmlns:a="http://schemas.openxmlformats.org/drawingml/2006/main" xmlns:r="http://schemas.openxmlformats.org/officeDocument/2006/relationships" xmlns:p="http://schemas.openxmlformats.org/presentationml/2006/main">
   <p:cSld>
     <p:spTree>
@@ -12139,6 +13159,149 @@
 </file>
 
 <file path=ppt/slides/slide3.xml><?xml version="1.0" encoding="utf-8"?>
+<p:sld xmlns:a="http://schemas.openxmlformats.org/drawingml/2006/main" xmlns:r="http://schemas.openxmlformats.org/officeDocument/2006/relationships" xmlns:p="http://schemas.openxmlformats.org/presentationml/2006/main">
+  <p:cSld>
+    <p:spTree>
+      <p:nvGrpSpPr>
+        <p:cNvPr id="1" name=""/>
+        <p:cNvGrpSpPr/>
+        <p:nvPr/>
+      </p:nvGrpSpPr>
+      <p:grpSpPr>
+        <a:xfrm>
+          <a:off x="0" y="0"/>
+          <a:ext cx="0" cy="0"/>
+          <a:chOff x="0" y="0"/>
+          <a:chExt cx="0" cy="0"/>
+        </a:xfrm>
+      </p:grpSpPr>
+      <p:sp>
+        <p:nvSpPr>
+          <p:cNvPr id="2" name="Título 1"/>
+          <p:cNvSpPr>
+            <a:spLocks noGrp="1"/>
+          </p:cNvSpPr>
+          <p:nvPr>
+            <p:ph type="title"/>
+          </p:nvPr>
+        </p:nvSpPr>
+        <p:spPr/>
+        <p:txBody>
+          <a:bodyPr/>
+          <a:lstStyle/>
+          <a:p>
+            <a:r>
+              <a:rPr lang="pt-BR" dirty="0" smtClean="0"/>
+              <a:t>Agenda</a:t>
+            </a:r>
+            <a:endParaRPr lang="pt-BR" dirty="0"/>
+          </a:p>
+        </p:txBody>
+      </p:sp>
+      <p:sp>
+        <p:nvSpPr>
+          <p:cNvPr id="3" name="Espaço Reservado para Conteúdo 2"/>
+          <p:cNvSpPr>
+            <a:spLocks noGrp="1"/>
+          </p:cNvSpPr>
+          <p:nvPr>
+            <p:ph idx="1"/>
+          </p:nvPr>
+        </p:nvSpPr>
+        <p:spPr/>
+        <p:txBody>
+          <a:bodyPr/>
+          <a:lstStyle/>
+          <a:p>
+            <a:r>
+              <a:rPr lang="pt-BR" dirty="0"/>
+              <a:t>Linguagem Ubíqua</a:t>
+            </a:r>
+          </a:p>
+          <a:p>
+            <a:r>
+              <a:rPr lang="pt-BR" dirty="0" err="1"/>
+              <a:t>Bounded</a:t>
+            </a:r>
+            <a:r>
+              <a:rPr lang="pt-BR" dirty="0"/>
+              <a:t> </a:t>
+            </a:r>
+            <a:r>
+              <a:rPr lang="pt-BR" dirty="0" err="1"/>
+              <a:t>Context</a:t>
+            </a:r>
+            <a:endParaRPr lang="pt-BR" dirty="0"/>
+          </a:p>
+          <a:p>
+            <a:r>
+              <a:rPr lang="pt-BR" dirty="0"/>
+              <a:t>Tipos de Domínio</a:t>
+            </a:r>
+          </a:p>
+          <a:p>
+            <a:r>
+              <a:rPr lang="pt-BR" dirty="0"/>
+              <a:t>Core Domain</a:t>
+            </a:r>
+          </a:p>
+          <a:p>
+            <a:r>
+              <a:rPr lang="pt-BR" dirty="0" smtClean="0"/>
+              <a:t>Livros sobre DDD</a:t>
+            </a:r>
+          </a:p>
+          <a:p>
+            <a:r>
+              <a:rPr lang="pt-BR" dirty="0" smtClean="0"/>
+              <a:t>Estilos Arquiteturais</a:t>
+            </a:r>
+          </a:p>
+          <a:p>
+            <a:r>
+              <a:rPr lang="pt-BR" dirty="0" err="1" smtClean="0"/>
+              <a:t>Building</a:t>
+            </a:r>
+            <a:r>
+              <a:rPr lang="pt-BR" dirty="0" smtClean="0"/>
+              <a:t> </a:t>
+            </a:r>
+            <a:r>
+              <a:rPr lang="pt-BR" dirty="0" err="1" smtClean="0"/>
+              <a:t>Blocks</a:t>
+            </a:r>
+            <a:endParaRPr lang="pt-BR" dirty="0" smtClean="0"/>
+          </a:p>
+          <a:p>
+            <a:r>
+              <a:rPr lang="pt-BR" dirty="0" smtClean="0"/>
+              <a:t>Dúvidas?</a:t>
+            </a:r>
+            <a:endParaRPr lang="pt-BR" dirty="0"/>
+          </a:p>
+        </p:txBody>
+      </p:sp>
+    </p:spTree>
+    <p:extLst>
+      <p:ext uri="{BB962C8B-B14F-4D97-AF65-F5344CB8AC3E}">
+        <p14:creationId xmlns:p14="http://schemas.microsoft.com/office/powerpoint/2010/main" val="3954246393"/>
+      </p:ext>
+    </p:extLst>
+  </p:cSld>
+  <p:clrMapOvr>
+    <a:masterClrMapping/>
+  </p:clrMapOvr>
+  <p:timing>
+    <p:tnLst>
+      <p:par>
+        <p:cTn id="1" dur="indefinite" restart="never" nodeType="tmRoot"/>
+      </p:par>
+    </p:tnLst>
+  </p:timing>
+</p:sld>
+</file>
+
+<file path=ppt/slides/slide4.xml><?xml version="1.0" encoding="utf-8"?>
 <p:sld xmlns:a="http://schemas.openxmlformats.org/drawingml/2006/main" xmlns:r="http://schemas.openxmlformats.org/officeDocument/2006/relationships" xmlns:p="http://schemas.openxmlformats.org/presentationml/2006/main">
   <p:cSld>
     <p:bg>
@@ -12974,7 +14137,7 @@
 </p:sld>
 </file>
 
-<file path=ppt/slides/slide4.xml><?xml version="1.0" encoding="utf-8"?>
+<file path=ppt/slides/slide5.xml><?xml version="1.0" encoding="utf-8"?>
 <p:sld xmlns:a="http://schemas.openxmlformats.org/drawingml/2006/main" xmlns:r="http://schemas.openxmlformats.org/officeDocument/2006/relationships" xmlns:p="http://schemas.openxmlformats.org/presentationml/2006/main">
   <p:cSld>
     <p:bg>
@@ -13837,7 +15000,7 @@
 </p:sld>
 </file>
 
-<file path=ppt/slides/slide5.xml><?xml version="1.0" encoding="utf-8"?>
+<file path=ppt/slides/slide6.xml><?xml version="1.0" encoding="utf-8"?>
 <p:sld xmlns:a="http://schemas.openxmlformats.org/drawingml/2006/main" xmlns:r="http://schemas.openxmlformats.org/officeDocument/2006/relationships" xmlns:p="http://schemas.openxmlformats.org/presentationml/2006/main">
   <p:cSld>
     <p:spTree>
@@ -14228,7 +15391,7 @@
 </p:sld>
 </file>
 
-<file path=ppt/slides/slide6.xml><?xml version="1.0" encoding="utf-8"?>
+<file path=ppt/slides/slide7.xml><?xml version="1.0" encoding="utf-8"?>
 <p:sld xmlns:a="http://schemas.openxmlformats.org/drawingml/2006/main" xmlns:r="http://schemas.openxmlformats.org/officeDocument/2006/relationships" xmlns:p="http://schemas.openxmlformats.org/presentationml/2006/main">
   <p:cSld>
     <p:bg>
@@ -14406,7 +15569,7 @@
 </p:sld>
 </file>
 
-<file path=ppt/slides/slide7.xml><?xml version="1.0" encoding="utf-8"?>
+<file path=ppt/slides/slide8.xml><?xml version="1.0" encoding="utf-8"?>
 <p:sld xmlns:a="http://schemas.openxmlformats.org/drawingml/2006/main" xmlns:r="http://schemas.openxmlformats.org/officeDocument/2006/relationships" xmlns:p="http://schemas.openxmlformats.org/presentationml/2006/main">
   <p:cSld>
     <p:spTree>
@@ -14503,7 +15666,7 @@
 </p:sld>
 </file>
 
-<file path=ppt/slides/slide8.xml><?xml version="1.0" encoding="utf-8"?>
+<file path=ppt/slides/slide9.xml><?xml version="1.0" encoding="utf-8"?>
 <p:sld xmlns:a="http://schemas.openxmlformats.org/drawingml/2006/main" xmlns:r="http://schemas.openxmlformats.org/officeDocument/2006/relationships" xmlns:p="http://schemas.openxmlformats.org/presentationml/2006/main">
   <p:cSld>
     <p:bg>
@@ -15341,143 +16504,6 @@
     <p:bldLst>
       <p:bldP spid="5" grpId="0" uiExpand="1" build="p" animBg="1"/>
     </p:bldLst>
-  </p:timing>
-</p:sld>
-</file>
-
-<file path=ppt/slides/slide9.xml><?xml version="1.0" encoding="utf-8"?>
-<p:sld xmlns:a="http://schemas.openxmlformats.org/drawingml/2006/main" xmlns:r="http://schemas.openxmlformats.org/officeDocument/2006/relationships" xmlns:p="http://schemas.openxmlformats.org/presentationml/2006/main">
-  <p:cSld>
-    <p:bg>
-      <p:bgPr>
-        <a:solidFill>
-          <a:schemeClr val="accent1"/>
-        </a:solidFill>
-        <a:effectLst/>
-      </p:bgPr>
-    </p:bg>
-    <p:spTree>
-      <p:nvGrpSpPr>
-        <p:cNvPr id="1" name=""/>
-        <p:cNvGrpSpPr/>
-        <p:nvPr/>
-      </p:nvGrpSpPr>
-      <p:grpSpPr>
-        <a:xfrm>
-          <a:off x="0" y="0"/>
-          <a:ext cx="0" cy="0"/>
-          <a:chOff x="0" y="0"/>
-          <a:chExt cx="0" cy="0"/>
-        </a:xfrm>
-      </p:grpSpPr>
-      <p:sp>
-        <p:nvSpPr>
-          <p:cNvPr id="2" name="Título 1"/>
-          <p:cNvSpPr>
-            <a:spLocks noGrp="1"/>
-          </p:cNvSpPr>
-          <p:nvPr>
-            <p:ph type="title"/>
-          </p:nvPr>
-        </p:nvSpPr>
-        <p:spPr/>
-        <p:txBody>
-          <a:bodyPr/>
-          <a:lstStyle/>
-          <a:p>
-            <a:r>
-              <a:rPr lang="pt-BR" dirty="0" smtClean="0"/>
-              <a:t>Tipos de Domínio</a:t>
-            </a:r>
-            <a:endParaRPr lang="en-US" dirty="0"/>
-          </a:p>
-        </p:txBody>
-      </p:sp>
-      <p:sp>
-        <p:nvSpPr>
-          <p:cNvPr id="3" name="Espaço Reservado para Conteúdo 2"/>
-          <p:cNvSpPr>
-            <a:spLocks noGrp="1"/>
-          </p:cNvSpPr>
-          <p:nvPr>
-            <p:ph idx="1"/>
-          </p:nvPr>
-        </p:nvSpPr>
-        <p:spPr/>
-        <p:txBody>
-          <a:bodyPr/>
-          <a:lstStyle/>
-          <a:p>
-            <a:r>
-              <a:rPr lang="pt-BR" dirty="0" smtClean="0"/>
-              <a:t>Um Modelo pode ser:</a:t>
-            </a:r>
-          </a:p>
-          <a:p>
-            <a:endParaRPr lang="pt-BR" dirty="0" smtClean="0"/>
-          </a:p>
-          <a:p>
-            <a:pPr lvl="1"/>
-            <a:r>
-              <a:rPr lang="pt-BR" dirty="0" smtClean="0"/>
-              <a:t>O Core Domain</a:t>
-            </a:r>
-          </a:p>
-          <a:p>
-            <a:pPr lvl="1"/>
-            <a:r>
-              <a:rPr lang="pt-BR" dirty="0" smtClean="0"/>
-              <a:t>Um Domínio de Suporte</a:t>
-            </a:r>
-          </a:p>
-          <a:p>
-            <a:pPr lvl="1"/>
-            <a:r>
-              <a:rPr lang="pt-BR" dirty="0" smtClean="0"/>
-              <a:t>Um Domínio Genérico</a:t>
-            </a:r>
-          </a:p>
-          <a:p>
-            <a:pPr lvl="1"/>
-            <a:endParaRPr lang="pt-BR" dirty="0"/>
-          </a:p>
-          <a:p>
-            <a:r>
-              <a:rPr lang="pt-BR" dirty="0" smtClean="0"/>
-              <a:t>Foque o esforço de modelagem no Core Domain</a:t>
-            </a:r>
-          </a:p>
-          <a:p>
-            <a:r>
-              <a:rPr lang="pt-BR" dirty="0" smtClean="0"/>
-              <a:t>Considere outsourcing pra o Domínio de Suporte</a:t>
-            </a:r>
-          </a:p>
-          <a:p>
-            <a:r>
-              <a:rPr lang="pt-BR" dirty="0" smtClean="0"/>
-              <a:t>Adquira Domínios Genéricos</a:t>
-            </a:r>
-            <a:endParaRPr lang="en-US" dirty="0"/>
-          </a:p>
-        </p:txBody>
-      </p:sp>
-    </p:spTree>
-    <p:extLst>
-      <p:ext uri="{BB962C8B-B14F-4D97-AF65-F5344CB8AC3E}">
-        <p14:creationId xmlns:p14="http://schemas.microsoft.com/office/powerpoint/2010/main" val="2656094707"/>
-      </p:ext>
-    </p:extLst>
-  </p:cSld>
-  <p:clrMapOvr>
-    <a:masterClrMapping/>
-  </p:clrMapOvr>
-  <p:timing>
-    <p:tnLst>
-      <p:par>
-        <p:cTn id="1" dur="indefinite" restart="never" nodeType="tmRoot"/>
-      </p:par>
-    </p:tnLst>
   </p:timing>
 </p:sld>
 </file>

--- a/docs/Introdução ao Domain-Driven-Design (DDD).pptx
+++ b/docs/Introdução ao Domain-Driven-Design (DDD).pptx
@@ -137,7 +137,7 @@
   </p:defaultTextStyle>
   <p:extLst>
     <p:ext uri="{EFAFB233-063F-42B5-8137-9DF3F51BA10A}">
-      <p15:sldGuideLst xmlns:p15="http://schemas.microsoft.com/office/powerpoint/2012/main">
+      <p15:sldGuideLst xmlns:p15="http://schemas.microsoft.com/office/powerpoint/2012/main" xmlns="">
         <p15:guide id="1" orient="horz" pos="2160">
           <p15:clr>
             <a:srgbClr val="A4A3A4"/>
@@ -236,7 +236,7 @@
           <a:p>
             <a:fld id="{835C4B7D-E860-4B95-8646-60DA78D972CD}" type="datetimeFigureOut">
               <a:rPr lang="pt-BR" smtClean="0"/>
-              <a:t>27/07/2017</a:t>
+              <a:t>28/07/2017</a:t>
             </a:fld>
             <a:endParaRPr lang="pt-BR"/>
           </a:p>
@@ -646,7 +646,7 @@
           <a:p>
             <a:fld id="{5E1F53C7-D938-4151-992E-AF84745267E3}" type="datetimeFigureOut">
               <a:rPr lang="pt-BR" smtClean="0"/>
-              <a:t>27/07/2017</a:t>
+              <a:t>28/07/2017</a:t>
             </a:fld>
             <a:endParaRPr lang="pt-BR"/>
           </a:p>
@@ -816,7 +816,7 @@
           <a:p>
             <a:fld id="{5E1F53C7-D938-4151-992E-AF84745267E3}" type="datetimeFigureOut">
               <a:rPr lang="pt-BR" smtClean="0"/>
-              <a:t>27/07/2017</a:t>
+              <a:t>28/07/2017</a:t>
             </a:fld>
             <a:endParaRPr lang="pt-BR"/>
           </a:p>
@@ -996,7 +996,7 @@
           <a:p>
             <a:fld id="{5E1F53C7-D938-4151-992E-AF84745267E3}" type="datetimeFigureOut">
               <a:rPr lang="pt-BR" smtClean="0"/>
-              <a:t>27/07/2017</a:t>
+              <a:t>28/07/2017</a:t>
             </a:fld>
             <a:endParaRPr lang="pt-BR"/>
           </a:p>
@@ -1219,7 +1219,7 @@
           <a:p>
             <a:fld id="{5E1F53C7-D938-4151-992E-AF84745267E3}" type="datetimeFigureOut">
               <a:rPr lang="pt-BR" smtClean="0"/>
-              <a:t>27/07/2017</a:t>
+              <a:t>28/07/2017</a:t>
             </a:fld>
             <a:endParaRPr lang="pt-BR"/>
           </a:p>
@@ -1389,7 +1389,7 @@
           <a:p>
             <a:fld id="{5E1F53C7-D938-4151-992E-AF84745267E3}" type="datetimeFigureOut">
               <a:rPr lang="pt-BR" smtClean="0"/>
-              <a:t>27/07/2017</a:t>
+              <a:t>28/07/2017</a:t>
             </a:fld>
             <a:endParaRPr lang="pt-BR"/>
           </a:p>
@@ -1646,7 +1646,7 @@
           <a:p>
             <a:fld id="{5E1F53C7-D938-4151-992E-AF84745267E3}" type="datetimeFigureOut">
               <a:rPr lang="pt-BR" smtClean="0"/>
-              <a:t>27/07/2017</a:t>
+              <a:t>28/07/2017</a:t>
             </a:fld>
             <a:endParaRPr lang="pt-BR"/>
           </a:p>
@@ -1878,7 +1878,7 @@
           <a:p>
             <a:fld id="{5E1F53C7-D938-4151-992E-AF84745267E3}" type="datetimeFigureOut">
               <a:rPr lang="pt-BR" smtClean="0"/>
-              <a:t>27/07/2017</a:t>
+              <a:t>28/07/2017</a:t>
             </a:fld>
             <a:endParaRPr lang="pt-BR"/>
           </a:p>
@@ -2273,7 +2273,7 @@
           <a:p>
             <a:fld id="{5E1F53C7-D938-4151-992E-AF84745267E3}" type="datetimeFigureOut">
               <a:rPr lang="pt-BR" smtClean="0"/>
-              <a:t>27/07/2017</a:t>
+              <a:t>28/07/2017</a:t>
             </a:fld>
             <a:endParaRPr lang="pt-BR"/>
           </a:p>
@@ -2391,7 +2391,7 @@
           <a:p>
             <a:fld id="{5E1F53C7-D938-4151-992E-AF84745267E3}" type="datetimeFigureOut">
               <a:rPr lang="pt-BR" smtClean="0"/>
-              <a:t>27/07/2017</a:t>
+              <a:t>28/07/2017</a:t>
             </a:fld>
             <a:endParaRPr lang="pt-BR"/>
           </a:p>
@@ -2486,7 +2486,7 @@
           <a:p>
             <a:fld id="{5E1F53C7-D938-4151-992E-AF84745267E3}" type="datetimeFigureOut">
               <a:rPr lang="pt-BR" smtClean="0"/>
-              <a:t>27/07/2017</a:t>
+              <a:t>28/07/2017</a:t>
             </a:fld>
             <a:endParaRPr lang="pt-BR"/>
           </a:p>
@@ -2761,7 +2761,7 @@
           <a:p>
             <a:fld id="{5E1F53C7-D938-4151-992E-AF84745267E3}" type="datetimeFigureOut">
               <a:rPr lang="pt-BR" smtClean="0"/>
-              <a:t>27/07/2017</a:t>
+              <a:t>28/07/2017</a:t>
             </a:fld>
             <a:endParaRPr lang="pt-BR"/>
           </a:p>
@@ -2931,7 +2931,7 @@
           <a:p>
             <a:fld id="{5E1F53C7-D938-4151-992E-AF84745267E3}" type="datetimeFigureOut">
               <a:rPr lang="pt-BR" smtClean="0"/>
-              <a:t>27/07/2017</a:t>
+              <a:t>28/07/2017</a:t>
             </a:fld>
             <a:endParaRPr lang="pt-BR"/>
           </a:p>
@@ -3214,7 +3214,7 @@
           <a:p>
             <a:fld id="{5E1F53C7-D938-4151-992E-AF84745267E3}" type="datetimeFigureOut">
               <a:rPr lang="pt-BR" smtClean="0"/>
-              <a:t>27/07/2017</a:t>
+              <a:t>28/07/2017</a:t>
             </a:fld>
             <a:endParaRPr lang="pt-BR"/>
           </a:p>
@@ -3495,7 +3495,7 @@
           <a:p>
             <a:fld id="{5E1F53C7-D938-4151-992E-AF84745267E3}" type="datetimeFigureOut">
               <a:rPr lang="pt-BR" smtClean="0"/>
-              <a:t>27/07/2017</a:t>
+              <a:t>28/07/2017</a:t>
             </a:fld>
             <a:endParaRPr lang="pt-BR"/>
           </a:p>
@@ -3687,7 +3687,7 @@
           <a:p>
             <a:fld id="{5E1F53C7-D938-4151-992E-AF84745267E3}" type="datetimeFigureOut">
               <a:rPr lang="pt-BR" smtClean="0"/>
-              <a:t>27/07/2017</a:t>
+              <a:t>28/07/2017</a:t>
             </a:fld>
             <a:endParaRPr lang="pt-BR"/>
           </a:p>
@@ -3948,7 +3948,7 @@
           <a:p>
             <a:fld id="{5E1F53C7-D938-4151-992E-AF84745267E3}" type="datetimeFigureOut">
               <a:rPr lang="pt-BR" smtClean="0"/>
-              <a:t>27/07/2017</a:t>
+              <a:t>28/07/2017</a:t>
             </a:fld>
             <a:endParaRPr lang="pt-BR"/>
           </a:p>
@@ -4374,7 +4374,7 @@
           <a:p>
             <a:fld id="{5E1F53C7-D938-4151-992E-AF84745267E3}" type="datetimeFigureOut">
               <a:rPr lang="pt-BR" smtClean="0"/>
-              <a:t>27/07/2017</a:t>
+              <a:t>28/07/2017</a:t>
             </a:fld>
             <a:endParaRPr lang="pt-BR"/>
           </a:p>
@@ -4920,7 +4920,7 @@
           <a:p>
             <a:fld id="{5E1F53C7-D938-4151-992E-AF84745267E3}" type="datetimeFigureOut">
               <a:rPr lang="pt-BR" smtClean="0"/>
-              <a:t>27/07/2017</a:t>
+              <a:t>28/07/2017</a:t>
             </a:fld>
             <a:endParaRPr lang="pt-BR"/>
           </a:p>
@@ -5751,7 +5751,7 @@
           <a:p>
             <a:fld id="{5E1F53C7-D938-4151-992E-AF84745267E3}" type="datetimeFigureOut">
               <a:rPr lang="pt-BR" smtClean="0"/>
-              <a:t>27/07/2017</a:t>
+              <a:t>28/07/2017</a:t>
             </a:fld>
             <a:endParaRPr lang="pt-BR"/>
           </a:p>
@@ -5921,7 +5921,7 @@
           <a:p>
             <a:fld id="{5E1F53C7-D938-4151-992E-AF84745267E3}" type="datetimeFigureOut">
               <a:rPr lang="pt-BR" smtClean="0"/>
-              <a:t>27/07/2017</a:t>
+              <a:t>28/07/2017</a:t>
             </a:fld>
             <a:endParaRPr lang="pt-BR"/>
           </a:p>
@@ -6101,7 +6101,7 @@
           <a:p>
             <a:fld id="{5E1F53C7-D938-4151-992E-AF84745267E3}" type="datetimeFigureOut">
               <a:rPr lang="pt-BR" smtClean="0"/>
-              <a:t>27/07/2017</a:t>
+              <a:t>28/07/2017</a:t>
             </a:fld>
             <a:endParaRPr lang="pt-BR"/>
           </a:p>
@@ -6890,7 +6890,7 @@
           <a:p>
             <a:fld id="{5E1F53C7-D938-4151-992E-AF84745267E3}" type="datetimeFigureOut">
               <a:rPr lang="pt-BR" smtClean="0"/>
-              <a:t>27/07/2017</a:t>
+              <a:t>28/07/2017</a:t>
             </a:fld>
             <a:endParaRPr lang="pt-BR"/>
           </a:p>
@@ -7122,7 +7122,7 @@
           <a:p>
             <a:fld id="{5E1F53C7-D938-4151-992E-AF84745267E3}" type="datetimeFigureOut">
               <a:rPr lang="pt-BR" smtClean="0"/>
-              <a:t>27/07/2017</a:t>
+              <a:t>28/07/2017</a:t>
             </a:fld>
             <a:endParaRPr lang="pt-BR"/>
           </a:p>
@@ -7469,7 +7469,7 @@
           <a:p>
             <a:fld id="{5E1F53C7-D938-4151-992E-AF84745267E3}" type="datetimeFigureOut">
               <a:rPr lang="pt-BR" smtClean="0"/>
-              <a:t>27/07/2017</a:t>
+              <a:t>28/07/2017</a:t>
             </a:fld>
             <a:endParaRPr lang="pt-BR"/>
           </a:p>
@@ -7587,7 +7587,7 @@
           <a:p>
             <a:fld id="{5E1F53C7-D938-4151-992E-AF84745267E3}" type="datetimeFigureOut">
               <a:rPr lang="pt-BR" smtClean="0"/>
-              <a:t>27/07/2017</a:t>
+              <a:t>28/07/2017</a:t>
             </a:fld>
             <a:endParaRPr lang="pt-BR"/>
           </a:p>
@@ -7705,7 +7705,7 @@
           <a:p>
             <a:fld id="{5E1F53C7-D938-4151-992E-AF84745267E3}" type="datetimeFigureOut">
               <a:rPr lang="pt-BR" smtClean="0"/>
-              <a:t>27/07/2017</a:t>
+              <a:t>28/07/2017</a:t>
             </a:fld>
             <a:endParaRPr lang="pt-BR"/>
           </a:p>
@@ -7989,7 +7989,7 @@
           <a:p>
             <a:fld id="{5E1F53C7-D938-4151-992E-AF84745267E3}" type="datetimeFigureOut">
               <a:rPr lang="pt-BR" smtClean="0"/>
-              <a:t>27/07/2017</a:t>
+              <a:t>28/07/2017</a:t>
             </a:fld>
             <a:endParaRPr lang="pt-BR"/>
           </a:p>
@@ -8253,7 +8253,7 @@
           <a:p>
             <a:fld id="{5E1F53C7-D938-4151-992E-AF84745267E3}" type="datetimeFigureOut">
               <a:rPr lang="pt-BR" smtClean="0"/>
-              <a:t>27/07/2017</a:t>
+              <a:t>28/07/2017</a:t>
             </a:fld>
             <a:endParaRPr lang="pt-BR"/>
           </a:p>
@@ -8470,7 +8470,7 @@
           <a:p>
             <a:fld id="{5E1F53C7-D938-4151-992E-AF84745267E3}" type="datetimeFigureOut">
               <a:rPr lang="pt-BR" smtClean="0"/>
-              <a:t>27/07/2017</a:t>
+              <a:t>28/07/2017</a:t>
             </a:fld>
             <a:endParaRPr lang="pt-BR"/>
           </a:p>
@@ -9020,7 +9020,7 @@
           <a:p>
             <a:fld id="{5E1F53C7-D938-4151-992E-AF84745267E3}" type="datetimeFigureOut">
               <a:rPr lang="pt-BR" smtClean="0"/>
-              <a:t>27/07/2017</a:t>
+              <a:t>28/07/2017</a:t>
             </a:fld>
             <a:endParaRPr lang="pt-BR"/>
           </a:p>
@@ -11946,11 +11946,11 @@
   <p:clrMapOvr>
     <a:masterClrMapping/>
   </p:clrMapOvr>
-  <mc:AlternateContent xmlns:mc="http://schemas.openxmlformats.org/markup-compatibility/2006">
-    <mc:Choice xmlns:p14="http://schemas.microsoft.com/office/powerpoint/2010/main" Requires="p14">
+  <mc:AlternateContent xmlns:mc="http://schemas.openxmlformats.org/markup-compatibility/2006" xmlns:p14="http://schemas.microsoft.com/office/powerpoint/2010/main">
+    <mc:Choice Requires="p14">
       <p:transition p14:dur="0"/>
     </mc:Choice>
-    <mc:Fallback>
+    <mc:Fallback xmlns="">
       <p:transition/>
     </mc:Fallback>
   </mc:AlternateContent>
@@ -13965,7 +13965,19 @@
                   </a:outerShdw>
                 </a:effectLst>
               </a:rPr>
-              <a:t>limitados a um </a:t>
+              <a:t>restritos a </a:t>
+            </a:r>
+            <a:r>
+              <a:rPr lang="pt-BR" sz="2800" dirty="0" smtClean="0">
+                <a:effectLst>
+                  <a:outerShdw blurRad="38100" dist="38100" dir="2700000" algn="tl">
+                    <a:srgbClr val="000000">
+                      <a:alpha val="43137"/>
+                    </a:srgbClr>
+                  </a:outerShdw>
+                </a:effectLst>
+              </a:rPr>
+              <a:t>um </a:t>
             </a:r>
             <a:r>
               <a:rPr lang="pt-BR" sz="2800" b="1" dirty="0" smtClean="0">
@@ -17016,7 +17028,7 @@
   <a:extraClrSchemeLst/>
   <a:extLst>
     <a:ext uri="{05A4C25C-085E-4340-85A3-A5531E510DB2}">
-      <thm15:themeFamily xmlns:thm15="http://schemas.microsoft.com/office/thememl/2012/main" name="Depth" id="{7BEAFC2A-325C-49C4-AC08-2B765DA903F9}" vid="{47428100-C732-4B2E-A30A-5273F581A0FA}"/>
+      <thm15:themeFamily xmlns:thm15="http://schemas.microsoft.com/office/thememl/2012/main" xmlns="" name="Depth" id="{7BEAFC2A-325C-49C4-AC08-2B765DA903F9}" vid="{47428100-C732-4B2E-A30A-5273F581A0FA}"/>
     </a:ext>
   </a:extLst>
 </a:theme>

--- a/docs/Introdução ao Domain-Driven-Design (DDD).pptx
+++ b/docs/Introdução ao Domain-Driven-Design (DDD).pptx
@@ -137,7 +137,7 @@
   </p:defaultTextStyle>
   <p:extLst>
     <p:ext uri="{EFAFB233-063F-42B5-8137-9DF3F51BA10A}">
-      <p15:sldGuideLst xmlns:p15="http://schemas.microsoft.com/office/powerpoint/2012/main" xmlns="">
+      <p15:sldGuideLst xmlns="" xmlns:p15="http://schemas.microsoft.com/office/powerpoint/2012/main">
         <p15:guide id="1" orient="horz" pos="2160">
           <p15:clr>
             <a:srgbClr val="A4A3A4"/>
@@ -9787,21 +9787,57 @@
             <a:pPr lvl="1"/>
             <a:r>
               <a:rPr lang="pt-BR" dirty="0" smtClean="0"/>
-              <a:t>O Core Domain</a:t>
+              <a:t>O </a:t>
+            </a:r>
+            <a:r>
+              <a:rPr lang="pt-BR" dirty="0" smtClean="0">
+                <a:effectLst>
+                  <a:outerShdw blurRad="38100" dist="38100" dir="2700000" algn="tl">
+                    <a:srgbClr val="000000">
+                      <a:alpha val="43137"/>
+                    </a:srgbClr>
+                  </a:outerShdw>
+                </a:effectLst>
+              </a:rPr>
+              <a:t>Core Domain</a:t>
             </a:r>
           </a:p>
           <a:p>
             <a:pPr lvl="1"/>
             <a:r>
               <a:rPr lang="pt-BR" dirty="0" smtClean="0"/>
-              <a:t>Um Domínio de Suporte</a:t>
+              <a:t>Um </a:t>
+            </a:r>
+            <a:r>
+              <a:rPr lang="pt-BR" dirty="0" smtClean="0">
+                <a:effectLst>
+                  <a:outerShdw blurRad="38100" dist="38100" dir="2700000" algn="tl">
+                    <a:srgbClr val="000000">
+                      <a:alpha val="43137"/>
+                    </a:srgbClr>
+                  </a:outerShdw>
+                </a:effectLst>
+              </a:rPr>
+              <a:t>Domínio de Suporte</a:t>
             </a:r>
           </a:p>
           <a:p>
             <a:pPr lvl="1"/>
             <a:r>
               <a:rPr lang="pt-BR" dirty="0" smtClean="0"/>
-              <a:t>Um Domínio Genérico</a:t>
+              <a:t>Um </a:t>
+            </a:r>
+            <a:r>
+              <a:rPr lang="pt-BR" dirty="0" smtClean="0">
+                <a:effectLst>
+                  <a:outerShdw blurRad="38100" dist="38100" dir="2700000" algn="tl">
+                    <a:srgbClr val="000000">
+                      <a:alpha val="43137"/>
+                    </a:srgbClr>
+                  </a:outerShdw>
+                </a:effectLst>
+              </a:rPr>
+              <a:t>Domínio Genérico</a:t>
             </a:r>
           </a:p>
           <a:p>
@@ -9810,7 +9846,7 @@
           </a:p>
           <a:p>
             <a:r>
-              <a:rPr lang="pt-BR" dirty="0" smtClean="0"/>
+              <a:rPr lang="pt-BR" b="1" dirty="0" smtClean="0"/>
               <a:t>Foque o esforço de modelagem no Core Domain</a:t>
             </a:r>
           </a:p>
@@ -11227,6 +11263,13 @@
                 <a:solidFill>
                   <a:schemeClr val="tx1"/>
                 </a:solidFill>
+                <a:effectLst>
+                  <a:outerShdw blurRad="38100" dist="38100" dir="2700000" algn="tl">
+                    <a:srgbClr val="000000">
+                      <a:alpha val="43137"/>
+                    </a:srgbClr>
+                  </a:outerShdw>
+                </a:effectLst>
               </a:rPr>
               <a:t>* Entidades</a:t>
             </a:r>
@@ -11246,6 +11289,13 @@
               <a:solidFill>
                 <a:schemeClr val="tx1"/>
               </a:solidFill>
+              <a:effectLst>
+                <a:outerShdw blurRad="38100" dist="38100" dir="2700000" algn="tl">
+                  <a:srgbClr val="000000">
+                    <a:alpha val="43137"/>
+                  </a:srgbClr>
+                </a:outerShdw>
+              </a:effectLst>
             </a:endParaRPr>
           </a:p>
           <a:p>
@@ -11264,6 +11314,13 @@
                 <a:solidFill>
                   <a:schemeClr val="tx1"/>
                 </a:solidFill>
+                <a:effectLst>
+                  <a:outerShdw blurRad="38100" dist="38100" dir="2700000" algn="tl">
+                    <a:srgbClr val="000000">
+                      <a:alpha val="43137"/>
+                    </a:srgbClr>
+                  </a:outerShdw>
+                </a:effectLst>
               </a:rPr>
               <a:t>* Tipos de Valor</a:t>
             </a:r>
@@ -11283,6 +11340,13 @@
               <a:solidFill>
                 <a:schemeClr val="tx1"/>
               </a:solidFill>
+              <a:effectLst>
+                <a:outerShdw blurRad="38100" dist="38100" dir="2700000" algn="tl">
+                  <a:srgbClr val="000000">
+                    <a:alpha val="43137"/>
+                  </a:srgbClr>
+                </a:outerShdw>
+              </a:effectLst>
             </a:endParaRPr>
           </a:p>
           <a:p>
@@ -11301,6 +11365,13 @@
                 <a:solidFill>
                   <a:schemeClr val="tx1"/>
                 </a:solidFill>
+                <a:effectLst>
+                  <a:outerShdw blurRad="38100" dist="38100" dir="2700000" algn="tl">
+                    <a:srgbClr val="000000">
+                      <a:alpha val="43137"/>
+                    </a:srgbClr>
+                  </a:outerShdw>
+                </a:effectLst>
               </a:rPr>
               <a:t>*Agregações</a:t>
             </a:r>
@@ -11318,6 +11389,13 @@
               <a:solidFill>
                 <a:schemeClr val="tx1"/>
               </a:solidFill>
+              <a:effectLst>
+                <a:outerShdw blurRad="38100" dist="38100" dir="2700000" algn="tl">
+                  <a:srgbClr val="000000">
+                    <a:alpha val="43137"/>
+                  </a:srgbClr>
+                </a:outerShdw>
+              </a:effectLst>
             </a:endParaRPr>
           </a:p>
           <a:p>
@@ -11335,6 +11413,13 @@
               <a:solidFill>
                 <a:schemeClr val="tx1"/>
               </a:solidFill>
+              <a:effectLst>
+                <a:outerShdw blurRad="38100" dist="38100" dir="2700000" algn="tl">
+                  <a:srgbClr val="000000">
+                    <a:alpha val="43137"/>
+                  </a:srgbClr>
+                </a:outerShdw>
+              </a:effectLst>
             </a:endParaRPr>
           </a:p>
           <a:p>
@@ -11353,6 +11438,13 @@
                 <a:solidFill>
                   <a:schemeClr val="tx1"/>
                 </a:solidFill>
+                <a:effectLst>
+                  <a:outerShdw blurRad="38100" dist="38100" dir="2700000" algn="tl">
+                    <a:srgbClr val="000000">
+                      <a:alpha val="43137"/>
+                    </a:srgbClr>
+                  </a:outerShdw>
+                </a:effectLst>
               </a:rPr>
               <a:t>* Repositórios</a:t>
             </a:r>
@@ -11372,6 +11464,13 @@
               <a:solidFill>
                 <a:schemeClr val="tx1"/>
               </a:solidFill>
+              <a:effectLst>
+                <a:outerShdw blurRad="38100" dist="38100" dir="2700000" algn="tl">
+                  <a:srgbClr val="000000">
+                    <a:alpha val="43137"/>
+                  </a:srgbClr>
+                </a:outerShdw>
+              </a:effectLst>
             </a:endParaRPr>
           </a:p>
           <a:p>
@@ -11390,6 +11489,13 @@
                 <a:solidFill>
                   <a:schemeClr val="tx1"/>
                 </a:solidFill>
+                <a:effectLst>
+                  <a:outerShdw blurRad="38100" dist="38100" dir="2700000" algn="tl">
+                    <a:srgbClr val="000000">
+                      <a:alpha val="43137"/>
+                    </a:srgbClr>
+                  </a:outerShdw>
+                </a:effectLst>
               </a:rPr>
               <a:t>* Serviços</a:t>
             </a:r>
@@ -11407,6 +11513,13 @@
               <a:solidFill>
                 <a:schemeClr val="tx1"/>
               </a:solidFill>
+              <a:effectLst>
+                <a:outerShdw blurRad="38100" dist="38100" dir="2700000" algn="tl">
+                  <a:srgbClr val="000000">
+                    <a:alpha val="43137"/>
+                  </a:srgbClr>
+                </a:outerShdw>
+              </a:effectLst>
             </a:endParaRPr>
           </a:p>
           <a:p>
@@ -11425,6 +11538,13 @@
                 <a:solidFill>
                   <a:schemeClr val="tx1"/>
                 </a:solidFill>
+                <a:effectLst>
+                  <a:outerShdw blurRad="38100" dist="38100" dir="2700000" algn="tl">
+                    <a:srgbClr val="000000">
+                      <a:alpha val="43137"/>
+                    </a:srgbClr>
+                  </a:outerShdw>
+                </a:effectLst>
               </a:rPr>
               <a:t>* Domain </a:t>
             </a:r>
@@ -11440,6 +11560,13 @@
                 <a:solidFill>
                   <a:schemeClr val="tx1"/>
                 </a:solidFill>
+                <a:effectLst>
+                  <a:outerShdw blurRad="38100" dist="38100" dir="2700000" algn="tl">
+                    <a:srgbClr val="000000">
+                      <a:alpha val="43137"/>
+                    </a:srgbClr>
+                  </a:outerShdw>
+                </a:effectLst>
               </a:rPr>
               <a:t>Events</a:t>
             </a:r>
@@ -11454,6 +11581,13 @@
               <a:solidFill>
                 <a:schemeClr val="tx1"/>
               </a:solidFill>
+              <a:effectLst>
+                <a:outerShdw blurRad="38100" dist="38100" dir="2700000" algn="tl">
+                  <a:srgbClr val="000000">
+                    <a:alpha val="43137"/>
+                  </a:srgbClr>
+                </a:outerShdw>
+              </a:effectLst>
             </a:endParaRPr>
           </a:p>
         </p:txBody>
@@ -12021,7 +12155,11 @@
           <a:p>
             <a:r>
               <a:rPr lang="pt-BR" dirty="0" smtClean="0"/>
-              <a:t>Possui uma Identidade e Estado</a:t>
+              <a:t>Possuem </a:t>
+            </a:r>
+            <a:r>
+              <a:rPr lang="pt-BR" dirty="0" smtClean="0"/>
+              <a:t>uma Identidade e Estado</a:t>
             </a:r>
           </a:p>
           <a:p>
@@ -12253,7 +12391,15 @@
                   <a:schemeClr val="bg1"/>
                 </a:solidFill>
               </a:rPr>
-              <a:t>Define um escopo de transação e de tratamento de concorrência</a:t>
+              <a:t>Definem </a:t>
+            </a:r>
+            <a:r>
+              <a:rPr lang="pt-BR" dirty="0" smtClean="0">
+                <a:solidFill>
+                  <a:schemeClr val="bg1"/>
+                </a:solidFill>
+              </a:rPr>
+              <a:t>um escopo de transação e de tratamento de concorrência</a:t>
             </a:r>
           </a:p>
           <a:p>
@@ -12518,7 +12664,11 @@
           <a:p>
             <a:r>
               <a:rPr lang="pt-BR" dirty="0" smtClean="0"/>
-              <a:t>Realiza a persistência de uma agregação</a:t>
+              <a:t>Realizam </a:t>
+            </a:r>
+            <a:r>
+              <a:rPr lang="pt-BR" dirty="0" smtClean="0"/>
+              <a:t>a persistência de uma agregação</a:t>
             </a:r>
           </a:p>
         </p:txBody>
@@ -12603,12 +12753,12 @@
               <a:t>Regras e operações que não pertencem </a:t>
             </a:r>
             <a:r>
-              <a:rPr lang="pt-BR" dirty="0" err="1" smtClean="0"/>
-              <a:t>natualmente</a:t>
-            </a:r>
-            <a:r>
               <a:rPr lang="pt-BR" dirty="0" smtClean="0"/>
-              <a:t> a um objeto de domínio</a:t>
+              <a:t>naturalmente </a:t>
+            </a:r>
+            <a:r>
+              <a:rPr lang="pt-BR" dirty="0" smtClean="0"/>
+              <a:t>a um objeto de domínio</a:t>
             </a:r>
           </a:p>
           <a:p>
@@ -13965,19 +14115,7 @@
                   </a:outerShdw>
                 </a:effectLst>
               </a:rPr>
-              <a:t>restritos a </a:t>
-            </a:r>
-            <a:r>
-              <a:rPr lang="pt-BR" sz="2800" dirty="0" smtClean="0">
-                <a:effectLst>
-                  <a:outerShdw blurRad="38100" dist="38100" dir="2700000" algn="tl">
-                    <a:srgbClr val="000000">
-                      <a:alpha val="43137"/>
-                    </a:srgbClr>
-                  </a:outerShdw>
-                </a:effectLst>
-              </a:rPr>
-              <a:t>um </a:t>
+              <a:t>restritos a um </a:t>
             </a:r>
             <a:r>
               <a:rPr lang="pt-BR" sz="2800" b="1" dirty="0" smtClean="0">
@@ -17028,7 +17166,7 @@
   <a:extraClrSchemeLst/>
   <a:extLst>
     <a:ext uri="{05A4C25C-085E-4340-85A3-A5531E510DB2}">
-      <thm15:themeFamily xmlns:thm15="http://schemas.microsoft.com/office/thememl/2012/main" xmlns="" name="Depth" id="{7BEAFC2A-325C-49C4-AC08-2B765DA903F9}" vid="{47428100-C732-4B2E-A30A-5273F581A0FA}"/>
+      <thm15:themeFamily xmlns="" xmlns:thm15="http://schemas.microsoft.com/office/thememl/2012/main" name="Depth" id="{7BEAFC2A-325C-49C4-AC08-2B765DA903F9}" vid="{47428100-C732-4B2E-A30A-5273F581A0FA}"/>
     </a:ext>
   </a:extLst>
 </a:theme>

--- a/docs/Introdução ao Domain-Driven-Design (DDD).pptx
+++ b/docs/Introdução ao Domain-Driven-Design (DDD).pptx
@@ -3,7 +3,7 @@
 <p:presentation xmlns:a="http://schemas.openxmlformats.org/drawingml/2006/main" xmlns:r="http://schemas.openxmlformats.org/officeDocument/2006/relationships" xmlns:p="http://schemas.openxmlformats.org/presentationml/2006/main" saveSubsetFonts="1">
   <p:sldMasterIdLst>
     <p:sldMasterId id="2147483708" r:id="rId1"/>
-    <p:sldMasterId id="2147483738" r:id="rId2"/>
+    <p:sldMasterId id="2147483757" r:id="rId2"/>
   </p:sldMasterIdLst>
   <p:notesMasterIdLst>
     <p:notesMasterId r:id="rId31"/>
@@ -38,7 +38,7 @@
     <p:sldId id="280" r:id="rId29"/>
     <p:sldId id="258" r:id="rId30"/>
   </p:sldIdLst>
-  <p:sldSz cx="9144000" cy="6858000" type="screen4x3"/>
+  <p:sldSz cx="12192000" cy="6858000"/>
   <p:notesSz cx="6858000" cy="9144000"/>
   <p:defaultTextStyle>
     <a:defPPr>
@@ -137,13 +137,13 @@
   </p:defaultTextStyle>
   <p:extLst>
     <p:ext uri="{EFAFB233-063F-42B5-8137-9DF3F51BA10A}">
-      <p15:sldGuideLst xmlns="" xmlns:p15="http://schemas.microsoft.com/office/powerpoint/2012/main">
-        <p15:guide id="1" orient="horz" pos="2160">
+      <p15:sldGuideLst xmlns:p15="http://schemas.microsoft.com/office/powerpoint/2012/main">
+        <p15:guide id="1" orient="horz" pos="2160" userDrawn="1">
           <p15:clr>
             <a:srgbClr val="A4A3A4"/>
           </p15:clr>
         </p15:guide>
-        <p15:guide id="2" pos="2880">
+        <p15:guide id="2" pos="3840" userDrawn="1">
           <p15:clr>
             <a:srgbClr val="A4A3A4"/>
           </p15:clr>
@@ -254,8 +254,8 @@
         </p:nvSpPr>
         <p:spPr>
           <a:xfrm>
-            <a:off x="1143000" y="685800"/>
-            <a:ext cx="4572000" cy="3429000"/>
+            <a:off x="381000" y="685800"/>
+            <a:ext cx="6096000" cy="3429000"/>
           </a:xfrm>
           <a:prstGeom prst="rect">
             <a:avLst/>
@@ -533,8 +533,8 @@
         </p:nvSpPr>
         <p:spPr>
           <a:xfrm>
-            <a:off x="1143000" y="1124530"/>
-            <a:ext cx="6858000" cy="2387600"/>
+            <a:off x="1524000" y="1124530"/>
+            <a:ext cx="9144000" cy="2387600"/>
           </a:xfrm>
         </p:spPr>
         <p:txBody>
@@ -567,8 +567,8 @@
         </p:nvSpPr>
         <p:spPr>
           <a:xfrm>
-            <a:off x="1143000" y="3602038"/>
-            <a:ext cx="6858000" cy="1655762"/>
+            <a:off x="1524000" y="3602038"/>
+            <a:ext cx="9144000" cy="1655762"/>
           </a:xfrm>
         </p:spPr>
         <p:txBody>
@@ -906,8 +906,8 @@
         </p:nvSpPr>
         <p:spPr>
           <a:xfrm>
-            <a:off x="6543675" y="360362"/>
-            <a:ext cx="1971675" cy="5811838"/>
+            <a:off x="8724901" y="360362"/>
+            <a:ext cx="2628900" cy="5811838"/>
           </a:xfrm>
         </p:spPr>
         <p:txBody>
@@ -934,8 +934,8 @@
         </p:nvSpPr>
         <p:spPr>
           <a:xfrm>
-            <a:off x="628650" y="360363"/>
-            <a:ext cx="5800725" cy="5811837"/>
+            <a:off x="838201" y="360364"/>
+            <a:ext cx="7734300" cy="5811837"/>
           </a:xfrm>
         </p:spPr>
         <p:txBody>
@@ -1086,8 +1086,8 @@
         </p:nvSpPr>
         <p:spPr>
           <a:xfrm>
-            <a:off x="1657350" y="4464028"/>
-            <a:ext cx="6858000" cy="1194650"/>
+            <a:off x="2209800" y="4464028"/>
+            <a:ext cx="9144000" cy="1641490"/>
           </a:xfrm>
         </p:spPr>
         <p:txBody>
@@ -1096,7 +1096,7 @@
           </a:bodyPr>
           <a:lstStyle>
             <a:lvl1pPr algn="r">
-              <a:defRPr sz="7200" b="0" spc="-225">
+              <a:defRPr sz="9600" b="0" spc="-300">
                 <a:gradFill flip="none" rotWithShape="1">
                   <a:gsLst>
                     <a:gs pos="0">
@@ -1147,8 +1147,8 @@
         </p:nvSpPr>
         <p:spPr>
           <a:xfrm>
-            <a:off x="1657349" y="3829878"/>
-            <a:ext cx="6858000" cy="618523"/>
+            <a:off x="2209799" y="3694375"/>
+            <a:ext cx="9144000" cy="754025"/>
           </a:xfrm>
         </p:spPr>
         <p:txBody>
@@ -1158,7 +1158,7 @@
           <a:lstStyle>
             <a:lvl1pPr marL="0" indent="0" algn="r">
               <a:buNone/>
-              <a:defRPr sz="2400" b="0">
+              <a:defRPr sz="3200" b="0">
                 <a:gradFill flip="none" rotWithShape="1">
                   <a:gsLst>
                     <a:gs pos="15000">
@@ -1270,7 +1270,7 @@
     </p:spTree>
     <p:extLst>
       <p:ext uri="{BB962C8B-B14F-4D97-AF65-F5344CB8AC3E}">
-        <p14:creationId xmlns:p14="http://schemas.microsoft.com/office/powerpoint/2010/main" val="408583893"/>
+        <p14:creationId xmlns:p14="http://schemas.microsoft.com/office/powerpoint/2010/main" val="1103209372"/>
       </p:ext>
     </p:extLst>
   </p:cSld>
@@ -1440,7 +1440,7 @@
     </p:spTree>
     <p:extLst>
       <p:ext uri="{BB962C8B-B14F-4D97-AF65-F5344CB8AC3E}">
-        <p14:creationId xmlns:p14="http://schemas.microsoft.com/office/powerpoint/2010/main" val="4211949384"/>
+        <p14:creationId xmlns:p14="http://schemas.microsoft.com/office/powerpoint/2010/main" val="2124562954"/>
       </p:ext>
     </p:extLst>
   </p:cSld>
@@ -1479,8 +1479,8 @@
         </p:nvSpPr>
         <p:spPr>
           <a:xfrm>
-            <a:off x="640899" y="4464028"/>
-            <a:ext cx="6858000" cy="1194650"/>
+            <a:off x="854532" y="4464028"/>
+            <a:ext cx="9144000" cy="1641490"/>
           </a:xfrm>
         </p:spPr>
         <p:txBody>
@@ -1489,7 +1489,7 @@
           </a:bodyPr>
           <a:lstStyle>
             <a:lvl1pPr algn="l">
-              <a:defRPr sz="7200" b="0" spc="-225">
+              <a:defRPr sz="9600" b="0" spc="-300">
                 <a:gradFill flip="none" rotWithShape="1">
                   <a:gsLst>
                     <a:gs pos="32000">
@@ -1545,8 +1545,8 @@
         </p:nvSpPr>
         <p:spPr>
           <a:xfrm>
-            <a:off x="640899" y="3829878"/>
-            <a:ext cx="6858000" cy="617822"/>
+            <a:off x="854532" y="3693674"/>
+            <a:ext cx="9144000" cy="754025"/>
           </a:xfrm>
         </p:spPr>
         <p:txBody>
@@ -1556,7 +1556,7 @@
           <a:lstStyle>
             <a:lvl1pPr marL="0" indent="0" algn="l">
               <a:buNone/>
-              <a:defRPr sz="2400" b="0">
+              <a:defRPr sz="3200" b="0">
                 <a:gradFill flip="none" rotWithShape="1">
                   <a:gsLst>
                     <a:gs pos="15000">
@@ -1587,37 +1587,37 @@
                 <a:latin typeface="+mj-lt"/>
               </a:defRPr>
             </a:lvl1pPr>
-            <a:lvl2pPr marL="342900" indent="0" algn="ctr">
-              <a:buNone/>
-              <a:defRPr sz="1500"/>
+            <a:lvl2pPr marL="457200" indent="0" algn="ctr">
+              <a:buNone/>
+              <a:defRPr sz="2000"/>
             </a:lvl2pPr>
-            <a:lvl3pPr marL="685800" indent="0" algn="ctr">
-              <a:buNone/>
-              <a:defRPr sz="1350"/>
+            <a:lvl3pPr marL="914400" indent="0" algn="ctr">
+              <a:buNone/>
+              <a:defRPr sz="1800"/>
             </a:lvl3pPr>
-            <a:lvl4pPr marL="1028700" indent="0" algn="ctr">
-              <a:buNone/>
-              <a:defRPr sz="1200"/>
+            <a:lvl4pPr marL="1371600" indent="0" algn="ctr">
+              <a:buNone/>
+              <a:defRPr sz="1600"/>
             </a:lvl4pPr>
-            <a:lvl5pPr marL="1371600" indent="0" algn="ctr">
-              <a:buNone/>
-              <a:defRPr sz="1200"/>
+            <a:lvl5pPr marL="1828800" indent="0" algn="ctr">
+              <a:buNone/>
+              <a:defRPr sz="1600"/>
             </a:lvl5pPr>
-            <a:lvl6pPr marL="1714500" indent="0" algn="ctr">
-              <a:buNone/>
-              <a:defRPr sz="1200"/>
+            <a:lvl6pPr marL="2286000" indent="0" algn="ctr">
+              <a:buNone/>
+              <a:defRPr sz="1600"/>
             </a:lvl6pPr>
-            <a:lvl7pPr marL="2057400" indent="0" algn="ctr">
-              <a:buNone/>
-              <a:defRPr sz="1200"/>
+            <a:lvl7pPr marL="2743200" indent="0" algn="ctr">
+              <a:buNone/>
+              <a:defRPr sz="1600"/>
             </a:lvl7pPr>
-            <a:lvl8pPr marL="2400300" indent="0" algn="ctr">
-              <a:buNone/>
-              <a:defRPr sz="1200"/>
+            <a:lvl8pPr marL="3200400" indent="0" algn="ctr">
+              <a:buNone/>
+              <a:defRPr sz="1600"/>
             </a:lvl8pPr>
-            <a:lvl9pPr marL="2743200" indent="0" algn="ctr">
-              <a:buNone/>
-              <a:defRPr sz="1200"/>
+            <a:lvl9pPr marL="3657600" indent="0" algn="ctr">
+              <a:buNone/>
+              <a:defRPr sz="1600"/>
             </a:lvl9pPr>
           </a:lstStyle>
           <a:p>
@@ -1697,7 +1697,7 @@
     </p:spTree>
     <p:extLst>
       <p:ext uri="{BB962C8B-B14F-4D97-AF65-F5344CB8AC3E}">
-        <p14:creationId xmlns:p14="http://schemas.microsoft.com/office/powerpoint/2010/main" val="3330435200"/>
+        <p14:creationId xmlns:p14="http://schemas.microsoft.com/office/powerpoint/2010/main" val="458657591"/>
       </p:ext>
     </p:extLst>
   </p:cSld>
@@ -1759,8 +1759,8 @@
         </p:nvSpPr>
         <p:spPr>
           <a:xfrm>
-            <a:off x="840000" y="1825625"/>
-            <a:ext cx="3768912" cy="4351338"/>
+            <a:off x="1120000" y="1825625"/>
+            <a:ext cx="5025216" cy="4351338"/>
           </a:xfrm>
         </p:spPr>
         <p:txBody>
@@ -1816,8 +1816,8 @@
         </p:nvSpPr>
         <p:spPr>
           <a:xfrm>
-            <a:off x="4739880" y="1825625"/>
-            <a:ext cx="3775470" cy="4351338"/>
+            <a:off x="6319840" y="1825625"/>
+            <a:ext cx="5033960" cy="4351338"/>
           </a:xfrm>
         </p:spPr>
         <p:txBody>
@@ -1929,7 +1929,7 @@
     </p:spTree>
     <p:extLst>
       <p:ext uri="{BB962C8B-B14F-4D97-AF65-F5344CB8AC3E}">
-        <p14:creationId xmlns:p14="http://schemas.microsoft.com/office/powerpoint/2010/main" val="2568599226"/>
+        <p14:creationId xmlns:p14="http://schemas.microsoft.com/office/powerpoint/2010/main" val="232808129"/>
       </p:ext>
     </p:extLst>
   </p:cSld>
@@ -1968,8 +1968,8 @@
         </p:nvSpPr>
         <p:spPr>
           <a:xfrm>
-            <a:off x="629841" y="365126"/>
-            <a:ext cx="7886700" cy="1325563"/>
+            <a:off x="839788" y="365125"/>
+            <a:ext cx="10515600" cy="1325563"/>
           </a:xfrm>
         </p:spPr>
         <p:txBody>
@@ -1996,18 +1996,16 @@
         </p:nvSpPr>
         <p:spPr>
           <a:xfrm>
-            <a:off x="840000" y="1681163"/>
-            <a:ext cx="3768912" cy="823912"/>
+            <a:off x="1120000" y="1681163"/>
+            <a:ext cx="5025216" cy="823912"/>
           </a:xfrm>
         </p:spPr>
         <p:txBody>
-          <a:bodyPr anchor="b">
-            <a:normAutofit/>
-          </a:bodyPr>
+          <a:bodyPr anchor="b"/>
           <a:lstStyle>
             <a:lvl1pPr marL="0" indent="0">
               <a:buNone/>
-              <a:defRPr sz="2000" b="0">
+              <a:defRPr sz="2400" b="0">
                 <a:gradFill>
                   <a:gsLst>
                     <a:gs pos="15000">
@@ -2036,37 +2034,37 @@
                 </a:gradFill>
               </a:defRPr>
             </a:lvl1pPr>
-            <a:lvl2pPr marL="342900" indent="0">
-              <a:buNone/>
-              <a:defRPr sz="1500" b="1"/>
+            <a:lvl2pPr marL="457200" indent="0">
+              <a:buNone/>
+              <a:defRPr sz="2000" b="1"/>
             </a:lvl2pPr>
-            <a:lvl3pPr marL="685800" indent="0">
-              <a:buNone/>
-              <a:defRPr sz="1350" b="1"/>
+            <a:lvl3pPr marL="914400" indent="0">
+              <a:buNone/>
+              <a:defRPr sz="1800" b="1"/>
             </a:lvl3pPr>
-            <a:lvl4pPr marL="1028700" indent="0">
-              <a:buNone/>
-              <a:defRPr sz="1200" b="1"/>
+            <a:lvl4pPr marL="1371600" indent="0">
+              <a:buNone/>
+              <a:defRPr sz="1600" b="1"/>
             </a:lvl4pPr>
-            <a:lvl5pPr marL="1371600" indent="0">
-              <a:buNone/>
-              <a:defRPr sz="1200" b="1"/>
+            <a:lvl5pPr marL="1828800" indent="0">
+              <a:buNone/>
+              <a:defRPr sz="1600" b="1"/>
             </a:lvl5pPr>
-            <a:lvl6pPr marL="1714500" indent="0">
-              <a:buNone/>
-              <a:defRPr sz="1200" b="1"/>
+            <a:lvl6pPr marL="2286000" indent="0">
+              <a:buNone/>
+              <a:defRPr sz="1600" b="1"/>
             </a:lvl6pPr>
-            <a:lvl7pPr marL="2057400" indent="0">
-              <a:buNone/>
-              <a:defRPr sz="1200" b="1"/>
+            <a:lvl7pPr marL="2743200" indent="0">
+              <a:buNone/>
+              <a:defRPr sz="1600" b="1"/>
             </a:lvl7pPr>
-            <a:lvl8pPr marL="2400300" indent="0">
-              <a:buNone/>
-              <a:defRPr sz="1200" b="1"/>
+            <a:lvl8pPr marL="3200400" indent="0">
+              <a:buNone/>
+              <a:defRPr sz="1600" b="1"/>
             </a:lvl8pPr>
-            <a:lvl9pPr marL="2743200" indent="0">
-              <a:buNone/>
-              <a:defRPr sz="1200" b="1"/>
+            <a:lvl9pPr marL="3657600" indent="0">
+              <a:buNone/>
+              <a:defRPr sz="1600" b="1"/>
             </a:lvl9pPr>
           </a:lstStyle>
           <a:p>
@@ -2090,8 +2088,8 @@
         </p:nvSpPr>
         <p:spPr>
           <a:xfrm>
-            <a:off x="840000" y="2505075"/>
-            <a:ext cx="3768912" cy="3684588"/>
+            <a:off x="1120000" y="2505075"/>
+            <a:ext cx="5025216" cy="3684588"/>
           </a:xfrm>
         </p:spPr>
         <p:txBody>
@@ -2147,8 +2145,8 @@
         </p:nvSpPr>
         <p:spPr>
           <a:xfrm>
-            <a:off x="4739880" y="1681163"/>
-            <a:ext cx="3776661" cy="823912"/>
+            <a:off x="6319840" y="1681163"/>
+            <a:ext cx="5035548" cy="823912"/>
           </a:xfrm>
         </p:spPr>
         <p:txBody>
@@ -2158,7 +2156,7 @@
           <a:lstStyle>
             <a:lvl1pPr>
               <a:buNone/>
-              <a:defRPr lang="en-US" sz="2000" b="0">
+              <a:defRPr lang="en-US" sz="2400" b="0">
                 <a:gradFill>
                   <a:gsLst>
                     <a:gs pos="15000">
@@ -2211,8 +2209,8 @@
         </p:nvSpPr>
         <p:spPr>
           <a:xfrm>
-            <a:off x="4739880" y="2505075"/>
-            <a:ext cx="3776661" cy="3684588"/>
+            <a:off x="6319840" y="2505075"/>
+            <a:ext cx="5035548" cy="3684588"/>
           </a:xfrm>
         </p:spPr>
         <p:txBody>
@@ -2324,7 +2322,7 @@
     </p:spTree>
     <p:extLst>
       <p:ext uri="{BB962C8B-B14F-4D97-AF65-F5344CB8AC3E}">
-        <p14:creationId xmlns:p14="http://schemas.microsoft.com/office/powerpoint/2010/main" val="579384497"/>
+        <p14:creationId xmlns:p14="http://schemas.microsoft.com/office/powerpoint/2010/main" val="3580871292"/>
       </p:ext>
     </p:extLst>
   </p:cSld>
@@ -2442,7 +2440,7 @@
     </p:spTree>
     <p:extLst>
       <p:ext uri="{BB962C8B-B14F-4D97-AF65-F5344CB8AC3E}">
-        <p14:creationId xmlns:p14="http://schemas.microsoft.com/office/powerpoint/2010/main" val="9381309"/>
+        <p14:creationId xmlns:p14="http://schemas.microsoft.com/office/powerpoint/2010/main" val="1445232874"/>
       </p:ext>
     </p:extLst>
   </p:cSld>
@@ -2537,7 +2535,7 @@
     </p:spTree>
     <p:extLst>
       <p:ext uri="{BB962C8B-B14F-4D97-AF65-F5344CB8AC3E}">
-        <p14:creationId xmlns:p14="http://schemas.microsoft.com/office/powerpoint/2010/main" val="812340951"/>
+        <p14:creationId xmlns:p14="http://schemas.microsoft.com/office/powerpoint/2010/main" val="253436814"/>
       </p:ext>
     </p:extLst>
   </p:cSld>
@@ -2576,15 +2574,15 @@
         </p:nvSpPr>
         <p:spPr>
           <a:xfrm>
-            <a:off x="629841" y="457200"/>
-            <a:ext cx="2949178" cy="1600200"/>
+            <a:off x="839788" y="457200"/>
+            <a:ext cx="3932237" cy="1600200"/>
           </a:xfrm>
         </p:spPr>
         <p:txBody>
           <a:bodyPr anchor="b"/>
           <a:lstStyle>
             <a:lvl1pPr>
-              <a:defRPr sz="2400"/>
+              <a:defRPr sz="3200"/>
             </a:lvl1pPr>
           </a:lstStyle>
           <a:p>
@@ -2608,8 +2606,8 @@
         </p:nvSpPr>
         <p:spPr>
           <a:xfrm>
-            <a:off x="3887391" y="987426"/>
-            <a:ext cx="4629150" cy="4873625"/>
+            <a:off x="5183188" y="987425"/>
+            <a:ext cx="6172200" cy="4873625"/>
           </a:xfrm>
         </p:spPr>
         <p:txBody>
@@ -2665,18 +2663,16 @@
         </p:nvSpPr>
         <p:spPr>
           <a:xfrm>
-            <a:off x="840000" y="2057400"/>
-            <a:ext cx="2739019" cy="3811588"/>
+            <a:off x="1120000" y="2057400"/>
+            <a:ext cx="3652025" cy="3811588"/>
           </a:xfrm>
         </p:spPr>
         <p:txBody>
-          <a:bodyPr>
-            <a:normAutofit/>
-          </a:bodyPr>
+          <a:bodyPr/>
           <a:lstStyle>
             <a:lvl1pPr marL="0" indent="0">
               <a:buNone/>
-              <a:defRPr sz="1400">
+              <a:defRPr sz="1600">
                 <a:gradFill>
                   <a:gsLst>
                     <a:gs pos="15000">
@@ -2702,37 +2698,37 @@
                 </a:gradFill>
               </a:defRPr>
             </a:lvl1pPr>
-            <a:lvl2pPr marL="342900" indent="0">
-              <a:buNone/>
-              <a:defRPr sz="1050"/>
+            <a:lvl2pPr marL="457200" indent="0">
+              <a:buNone/>
+              <a:defRPr sz="1400"/>
             </a:lvl2pPr>
-            <a:lvl3pPr marL="685800" indent="0">
-              <a:buNone/>
-              <a:defRPr sz="900"/>
+            <a:lvl3pPr marL="914400" indent="0">
+              <a:buNone/>
+              <a:defRPr sz="1200"/>
             </a:lvl3pPr>
-            <a:lvl4pPr marL="1028700" indent="0">
-              <a:buNone/>
-              <a:defRPr sz="750"/>
+            <a:lvl4pPr marL="1371600" indent="0">
+              <a:buNone/>
+              <a:defRPr sz="1000"/>
             </a:lvl4pPr>
-            <a:lvl5pPr marL="1371600" indent="0">
-              <a:buNone/>
-              <a:defRPr sz="750"/>
+            <a:lvl5pPr marL="1828800" indent="0">
+              <a:buNone/>
+              <a:defRPr sz="1000"/>
             </a:lvl5pPr>
-            <a:lvl6pPr marL="1714500" indent="0">
-              <a:buNone/>
-              <a:defRPr sz="750"/>
+            <a:lvl6pPr marL="2286000" indent="0">
+              <a:buNone/>
+              <a:defRPr sz="1000"/>
             </a:lvl6pPr>
-            <a:lvl7pPr marL="2057400" indent="0">
-              <a:buNone/>
-              <a:defRPr sz="750"/>
+            <a:lvl7pPr marL="2743200" indent="0">
+              <a:buNone/>
+              <a:defRPr sz="1000"/>
             </a:lvl7pPr>
-            <a:lvl8pPr marL="2400300" indent="0">
-              <a:buNone/>
-              <a:defRPr sz="750"/>
+            <a:lvl8pPr marL="3200400" indent="0">
+              <a:buNone/>
+              <a:defRPr sz="1000"/>
             </a:lvl8pPr>
-            <a:lvl9pPr marL="2743200" indent="0">
-              <a:buNone/>
-              <a:defRPr sz="750"/>
+            <a:lvl9pPr marL="3657600" indent="0">
+              <a:buNone/>
+              <a:defRPr sz="1000"/>
             </a:lvl9pPr>
           </a:lstStyle>
           <a:p>
@@ -2812,7 +2808,7 @@
     </p:spTree>
     <p:extLst>
       <p:ext uri="{BB962C8B-B14F-4D97-AF65-F5344CB8AC3E}">
-        <p14:creationId xmlns:p14="http://schemas.microsoft.com/office/powerpoint/2010/main" val="1247661519"/>
+        <p14:creationId xmlns:p14="http://schemas.microsoft.com/office/powerpoint/2010/main" val="1445189585"/>
       </p:ext>
     </p:extLst>
   </p:cSld>
@@ -3021,15 +3017,15 @@
         </p:nvSpPr>
         <p:spPr>
           <a:xfrm>
-            <a:off x="629841" y="457200"/>
-            <a:ext cx="2949178" cy="1600200"/>
+            <a:off x="839788" y="457200"/>
+            <a:ext cx="3932237" cy="1600200"/>
           </a:xfrm>
         </p:spPr>
         <p:txBody>
           <a:bodyPr anchor="b"/>
           <a:lstStyle>
             <a:lvl1pPr>
-              <a:defRPr sz="2400"/>
+              <a:defRPr sz="3200"/>
             </a:lvl1pPr>
           </a:lstStyle>
           <a:p>
@@ -3053,8 +3049,8 @@
         </p:nvSpPr>
         <p:spPr>
           <a:xfrm>
-            <a:off x="3887391" y="987426"/>
-            <a:ext cx="4629150" cy="4873625"/>
+            <a:off x="5183188" y="987425"/>
+            <a:ext cx="6172200" cy="4873625"/>
           </a:xfrm>
         </p:spPr>
         <p:txBody>
@@ -3062,39 +3058,39 @@
           <a:lstStyle>
             <a:lvl1pPr marL="0" indent="0">
               <a:buNone/>
+              <a:defRPr sz="3200"/>
+            </a:lvl1pPr>
+            <a:lvl2pPr marL="457200" indent="0">
+              <a:buNone/>
+              <a:defRPr sz="2800"/>
+            </a:lvl2pPr>
+            <a:lvl3pPr marL="914400" indent="0">
+              <a:buNone/>
               <a:defRPr sz="2400"/>
-            </a:lvl1pPr>
-            <a:lvl2pPr marL="342900" indent="0">
-              <a:buNone/>
-              <a:defRPr sz="2100"/>
-            </a:lvl2pPr>
-            <a:lvl3pPr marL="685800" indent="0">
-              <a:buNone/>
-              <a:defRPr sz="1800"/>
             </a:lvl3pPr>
-            <a:lvl4pPr marL="1028700" indent="0">
-              <a:buNone/>
-              <a:defRPr sz="1500"/>
+            <a:lvl4pPr marL="1371600" indent="0">
+              <a:buNone/>
+              <a:defRPr sz="2000"/>
             </a:lvl4pPr>
-            <a:lvl5pPr marL="1371600" indent="0">
-              <a:buNone/>
-              <a:defRPr sz="1500"/>
+            <a:lvl5pPr marL="1828800" indent="0">
+              <a:buNone/>
+              <a:defRPr sz="2000"/>
             </a:lvl5pPr>
-            <a:lvl6pPr marL="1714500" indent="0">
-              <a:buNone/>
-              <a:defRPr sz="1500"/>
+            <a:lvl6pPr marL="2286000" indent="0">
+              <a:buNone/>
+              <a:defRPr sz="2000"/>
             </a:lvl6pPr>
-            <a:lvl7pPr marL="2057400" indent="0">
-              <a:buNone/>
-              <a:defRPr sz="1500"/>
+            <a:lvl7pPr marL="2743200" indent="0">
+              <a:buNone/>
+              <a:defRPr sz="2000"/>
             </a:lvl7pPr>
-            <a:lvl8pPr marL="2400300" indent="0">
-              <a:buNone/>
-              <a:defRPr sz="1500"/>
+            <a:lvl8pPr marL="3200400" indent="0">
+              <a:buNone/>
+              <a:defRPr sz="2000"/>
             </a:lvl8pPr>
-            <a:lvl9pPr marL="2743200" indent="0">
-              <a:buNone/>
-              <a:defRPr sz="1500"/>
+            <a:lvl9pPr marL="3657600" indent="0">
+              <a:buNone/>
+              <a:defRPr sz="2000"/>
             </a:lvl9pPr>
           </a:lstStyle>
           <a:p>
@@ -3118,18 +3114,16 @@
         </p:nvSpPr>
         <p:spPr>
           <a:xfrm>
-            <a:off x="840000" y="2057400"/>
-            <a:ext cx="2739019" cy="3811588"/>
+            <a:off x="1120000" y="2057400"/>
+            <a:ext cx="3652025" cy="3811588"/>
           </a:xfrm>
         </p:spPr>
         <p:txBody>
-          <a:bodyPr>
-            <a:normAutofit/>
-          </a:bodyPr>
+          <a:bodyPr/>
           <a:lstStyle>
             <a:lvl1pPr marL="0" indent="0">
               <a:buNone/>
-              <a:defRPr sz="1400">
+              <a:defRPr sz="1600">
                 <a:gradFill>
                   <a:gsLst>
                     <a:gs pos="15000">
@@ -3155,37 +3149,37 @@
                 </a:gradFill>
               </a:defRPr>
             </a:lvl1pPr>
-            <a:lvl2pPr marL="342900" indent="0">
-              <a:buNone/>
-              <a:defRPr sz="1050"/>
+            <a:lvl2pPr marL="457200" indent="0">
+              <a:buNone/>
+              <a:defRPr sz="1400"/>
             </a:lvl2pPr>
-            <a:lvl3pPr marL="685800" indent="0">
-              <a:buNone/>
-              <a:defRPr sz="900"/>
+            <a:lvl3pPr marL="914400" indent="0">
+              <a:buNone/>
+              <a:defRPr sz="1200"/>
             </a:lvl3pPr>
-            <a:lvl4pPr marL="1028700" indent="0">
-              <a:buNone/>
-              <a:defRPr sz="750"/>
+            <a:lvl4pPr marL="1371600" indent="0">
+              <a:buNone/>
+              <a:defRPr sz="1000"/>
             </a:lvl4pPr>
-            <a:lvl5pPr marL="1371600" indent="0">
-              <a:buNone/>
-              <a:defRPr sz="750"/>
+            <a:lvl5pPr marL="1828800" indent="0">
+              <a:buNone/>
+              <a:defRPr sz="1000"/>
             </a:lvl5pPr>
-            <a:lvl6pPr marL="1714500" indent="0">
-              <a:buNone/>
-              <a:defRPr sz="750"/>
+            <a:lvl6pPr marL="2286000" indent="0">
+              <a:buNone/>
+              <a:defRPr sz="1000"/>
             </a:lvl6pPr>
-            <a:lvl7pPr marL="2057400" indent="0">
-              <a:buNone/>
-              <a:defRPr sz="750"/>
+            <a:lvl7pPr marL="2743200" indent="0">
+              <a:buNone/>
+              <a:defRPr sz="1000"/>
             </a:lvl7pPr>
-            <a:lvl8pPr marL="2400300" indent="0">
-              <a:buNone/>
-              <a:defRPr sz="750"/>
+            <a:lvl8pPr marL="3200400" indent="0">
+              <a:buNone/>
+              <a:defRPr sz="1000"/>
             </a:lvl8pPr>
-            <a:lvl9pPr marL="2743200" indent="0">
-              <a:buNone/>
-              <a:defRPr sz="750"/>
+            <a:lvl9pPr marL="3657600" indent="0">
+              <a:buNone/>
+              <a:defRPr sz="1000"/>
             </a:lvl9pPr>
           </a:lstStyle>
           <a:p>
@@ -3265,7 +3259,7 @@
     </p:spTree>
     <p:extLst>
       <p:ext uri="{BB962C8B-B14F-4D97-AF65-F5344CB8AC3E}">
-        <p14:creationId xmlns:p14="http://schemas.microsoft.com/office/powerpoint/2010/main" val="3735652314"/>
+        <p14:creationId xmlns:p14="http://schemas.microsoft.com/office/powerpoint/2010/main" val="2468926526"/>
       </p:ext>
     </p:extLst>
   </p:cSld>
@@ -3304,15 +3298,15 @@
         </p:nvSpPr>
         <p:spPr>
           <a:xfrm>
-            <a:off x="629841" y="4367161"/>
-            <a:ext cx="7886700" cy="819355"/>
+            <a:off x="839788" y="4367160"/>
+            <a:ext cx="10515600" cy="819355"/>
           </a:xfrm>
         </p:spPr>
         <p:txBody>
           <a:bodyPr anchor="b"/>
           <a:lstStyle>
             <a:lvl1pPr>
-              <a:defRPr sz="2400"/>
+              <a:defRPr sz="3200"/>
             </a:lvl1pPr>
           </a:lstStyle>
           <a:p>
@@ -3336,8 +3330,8 @@
         </p:nvSpPr>
         <p:spPr>
           <a:xfrm>
-            <a:off x="629841" y="987426"/>
-            <a:ext cx="7886700" cy="3379735"/>
+            <a:off x="839788" y="987425"/>
+            <a:ext cx="10515600" cy="3379735"/>
           </a:xfrm>
         </p:spPr>
         <p:txBody>
@@ -3345,39 +3339,39 @@
           <a:lstStyle>
             <a:lvl1pPr marL="0" indent="0">
               <a:buNone/>
+              <a:defRPr sz="3200"/>
+            </a:lvl1pPr>
+            <a:lvl2pPr marL="457200" indent="0">
+              <a:buNone/>
+              <a:defRPr sz="2800"/>
+            </a:lvl2pPr>
+            <a:lvl3pPr marL="914400" indent="0">
+              <a:buNone/>
               <a:defRPr sz="2400"/>
-            </a:lvl1pPr>
-            <a:lvl2pPr marL="342900" indent="0">
-              <a:buNone/>
-              <a:defRPr sz="2100"/>
-            </a:lvl2pPr>
-            <a:lvl3pPr marL="685800" indent="0">
-              <a:buNone/>
-              <a:defRPr sz="1800"/>
             </a:lvl3pPr>
-            <a:lvl4pPr marL="1028700" indent="0">
-              <a:buNone/>
-              <a:defRPr sz="1500"/>
+            <a:lvl4pPr marL="1371600" indent="0">
+              <a:buNone/>
+              <a:defRPr sz="2000"/>
             </a:lvl4pPr>
-            <a:lvl5pPr marL="1371600" indent="0">
-              <a:buNone/>
-              <a:defRPr sz="1500"/>
+            <a:lvl5pPr marL="1828800" indent="0">
+              <a:buNone/>
+              <a:defRPr sz="2000"/>
             </a:lvl5pPr>
-            <a:lvl6pPr marL="1714500" indent="0">
-              <a:buNone/>
-              <a:defRPr sz="1500"/>
+            <a:lvl6pPr marL="2286000" indent="0">
+              <a:buNone/>
+              <a:defRPr sz="2000"/>
             </a:lvl6pPr>
-            <a:lvl7pPr marL="2057400" indent="0">
-              <a:buNone/>
-              <a:defRPr sz="1500"/>
+            <a:lvl7pPr marL="2743200" indent="0">
+              <a:buNone/>
+              <a:defRPr sz="2000"/>
             </a:lvl7pPr>
-            <a:lvl8pPr marL="2400300" indent="0">
-              <a:buNone/>
-              <a:defRPr sz="1500"/>
+            <a:lvl8pPr marL="3200400" indent="0">
+              <a:buNone/>
+              <a:defRPr sz="2000"/>
             </a:lvl8pPr>
-            <a:lvl9pPr marL="2743200" indent="0">
-              <a:buNone/>
-              <a:defRPr sz="1500"/>
+            <a:lvl9pPr marL="3657600" indent="0">
+              <a:buNone/>
+              <a:defRPr sz="2000"/>
             </a:lvl9pPr>
           </a:lstStyle>
           <a:p>
@@ -3401,8 +3395,8 @@
         </p:nvSpPr>
         <p:spPr>
           <a:xfrm>
-            <a:off x="629841" y="5186516"/>
-            <a:ext cx="7885509" cy="682472"/>
+            <a:off x="839788" y="5186516"/>
+            <a:ext cx="10514012" cy="682472"/>
           </a:xfrm>
         </p:spPr>
         <p:txBody>
@@ -3410,7 +3404,7 @@
           <a:lstStyle>
             <a:lvl1pPr marL="0" indent="0">
               <a:buNone/>
-              <a:defRPr sz="1200">
+              <a:defRPr sz="1600">
                 <a:gradFill>
                   <a:gsLst>
                     <a:gs pos="15000">
@@ -3436,37 +3430,37 @@
                 </a:gradFill>
               </a:defRPr>
             </a:lvl1pPr>
-            <a:lvl2pPr marL="342900" indent="0">
-              <a:buNone/>
-              <a:defRPr sz="1050"/>
+            <a:lvl2pPr marL="457200" indent="0">
+              <a:buNone/>
+              <a:defRPr sz="1400"/>
             </a:lvl2pPr>
-            <a:lvl3pPr marL="685800" indent="0">
-              <a:buNone/>
-              <a:defRPr sz="900"/>
+            <a:lvl3pPr marL="914400" indent="0">
+              <a:buNone/>
+              <a:defRPr sz="1200"/>
             </a:lvl3pPr>
-            <a:lvl4pPr marL="1028700" indent="0">
-              <a:buNone/>
-              <a:defRPr sz="750"/>
+            <a:lvl4pPr marL="1371600" indent="0">
+              <a:buNone/>
+              <a:defRPr sz="1000"/>
             </a:lvl4pPr>
-            <a:lvl5pPr marL="1371600" indent="0">
-              <a:buNone/>
-              <a:defRPr sz="750"/>
+            <a:lvl5pPr marL="1828800" indent="0">
+              <a:buNone/>
+              <a:defRPr sz="1000"/>
             </a:lvl5pPr>
-            <a:lvl6pPr marL="1714500" indent="0">
-              <a:buNone/>
-              <a:defRPr sz="750"/>
+            <a:lvl6pPr marL="2286000" indent="0">
+              <a:buNone/>
+              <a:defRPr sz="1000"/>
             </a:lvl6pPr>
-            <a:lvl7pPr marL="2057400" indent="0">
-              <a:buNone/>
-              <a:defRPr sz="750"/>
+            <a:lvl7pPr marL="2743200" indent="0">
+              <a:buNone/>
+              <a:defRPr sz="1000"/>
             </a:lvl7pPr>
-            <a:lvl8pPr marL="2400300" indent="0">
-              <a:buNone/>
-              <a:defRPr sz="750"/>
+            <a:lvl8pPr marL="3200400" indent="0">
+              <a:buNone/>
+              <a:defRPr sz="1000"/>
             </a:lvl8pPr>
-            <a:lvl9pPr marL="2743200" indent="0">
-              <a:buNone/>
-              <a:defRPr sz="750"/>
+            <a:lvl9pPr marL="3657600" indent="0">
+              <a:buNone/>
+              <a:defRPr sz="1000"/>
             </a:lvl9pPr>
           </a:lstStyle>
           <a:p>
@@ -3546,7 +3540,7 @@
     </p:spTree>
     <p:extLst>
       <p:ext uri="{BB962C8B-B14F-4D97-AF65-F5344CB8AC3E}">
-        <p14:creationId xmlns:p14="http://schemas.microsoft.com/office/powerpoint/2010/main" val="506619550"/>
+        <p14:creationId xmlns:p14="http://schemas.microsoft.com/office/powerpoint/2010/main" val="1960344727"/>
       </p:ext>
     </p:extLst>
   </p:cSld>
@@ -3585,15 +3579,15 @@
         </p:nvSpPr>
         <p:spPr>
           <a:xfrm>
-            <a:off x="629841" y="365125"/>
-            <a:ext cx="7886700" cy="3534344"/>
+            <a:off x="839788" y="365125"/>
+            <a:ext cx="10515600" cy="3534344"/>
           </a:xfrm>
         </p:spPr>
         <p:txBody>
           <a:bodyPr anchor="ctr"/>
           <a:lstStyle>
             <a:lvl1pPr>
-              <a:defRPr sz="2400"/>
+              <a:defRPr sz="3200"/>
             </a:lvl1pPr>
           </a:lstStyle>
           <a:p>
@@ -3617,8 +3611,8 @@
         </p:nvSpPr>
         <p:spPr>
           <a:xfrm>
-            <a:off x="629841" y="4489399"/>
-            <a:ext cx="7885509" cy="1501826"/>
+            <a:off x="839788" y="4489399"/>
+            <a:ext cx="10514012" cy="1501826"/>
           </a:xfrm>
         </p:spPr>
         <p:txBody>
@@ -3626,39 +3620,39 @@
           <a:lstStyle>
             <a:lvl1pPr marL="0" indent="0">
               <a:buNone/>
+              <a:defRPr sz="1600"/>
+            </a:lvl1pPr>
+            <a:lvl2pPr marL="457200" indent="0">
+              <a:buNone/>
+              <a:defRPr sz="1400"/>
+            </a:lvl2pPr>
+            <a:lvl3pPr marL="914400" indent="0">
+              <a:buNone/>
               <a:defRPr sz="1200"/>
-            </a:lvl1pPr>
-            <a:lvl2pPr marL="342900" indent="0">
-              <a:buNone/>
-              <a:defRPr sz="1050"/>
-            </a:lvl2pPr>
-            <a:lvl3pPr marL="685800" indent="0">
-              <a:buNone/>
-              <a:defRPr sz="900"/>
             </a:lvl3pPr>
-            <a:lvl4pPr marL="1028700" indent="0">
-              <a:buNone/>
-              <a:defRPr sz="750"/>
+            <a:lvl4pPr marL="1371600" indent="0">
+              <a:buNone/>
+              <a:defRPr sz="1000"/>
             </a:lvl4pPr>
-            <a:lvl5pPr marL="1371600" indent="0">
-              <a:buNone/>
-              <a:defRPr sz="750"/>
+            <a:lvl5pPr marL="1828800" indent="0">
+              <a:buNone/>
+              <a:defRPr sz="1000"/>
             </a:lvl5pPr>
-            <a:lvl6pPr marL="1714500" indent="0">
-              <a:buNone/>
-              <a:defRPr sz="750"/>
+            <a:lvl6pPr marL="2286000" indent="0">
+              <a:buNone/>
+              <a:defRPr sz="1000"/>
             </a:lvl6pPr>
-            <a:lvl7pPr marL="2057400" indent="0">
-              <a:buNone/>
-              <a:defRPr sz="750"/>
+            <a:lvl7pPr marL="2743200" indent="0">
+              <a:buNone/>
+              <a:defRPr sz="1000"/>
             </a:lvl7pPr>
-            <a:lvl8pPr marL="2400300" indent="0">
-              <a:buNone/>
-              <a:defRPr sz="750"/>
+            <a:lvl8pPr marL="3200400" indent="0">
+              <a:buNone/>
+              <a:defRPr sz="1000"/>
             </a:lvl8pPr>
-            <a:lvl9pPr marL="2743200" indent="0">
-              <a:buNone/>
-              <a:defRPr sz="750"/>
+            <a:lvl9pPr marL="3657600" indent="0">
+              <a:buNone/>
+              <a:defRPr sz="1000"/>
             </a:lvl9pPr>
           </a:lstStyle>
           <a:p>
@@ -3738,7 +3732,7 @@
     </p:spTree>
     <p:extLst>
       <p:ext uri="{BB962C8B-B14F-4D97-AF65-F5344CB8AC3E}">
-        <p14:creationId xmlns:p14="http://schemas.microsoft.com/office/powerpoint/2010/main" val="2446127559"/>
+        <p14:creationId xmlns:p14="http://schemas.microsoft.com/office/powerpoint/2010/main" val="2237532379"/>
       </p:ext>
     </p:extLst>
   </p:cSld>
@@ -3777,15 +3771,15 @@
         </p:nvSpPr>
         <p:spPr>
           <a:xfrm>
-            <a:off x="1084659" y="365125"/>
-            <a:ext cx="6977064" cy="2992904"/>
+            <a:off x="1446212" y="365125"/>
+            <a:ext cx="9302752" cy="2992904"/>
           </a:xfrm>
         </p:spPr>
         <p:txBody>
           <a:bodyPr anchor="ctr"/>
           <a:lstStyle>
             <a:lvl1pPr>
-              <a:defRPr sz="3300"/>
+              <a:defRPr sz="4400"/>
             </a:lvl1pPr>
           </a:lstStyle>
           <a:p>
@@ -3809,8 +3803,8 @@
         </p:nvSpPr>
         <p:spPr>
           <a:xfrm>
-            <a:off x="1290484" y="3365557"/>
-            <a:ext cx="6564224" cy="548968"/>
+            <a:off x="1720644" y="3365557"/>
+            <a:ext cx="8752299" cy="548968"/>
           </a:xfrm>
         </p:spPr>
         <p:txBody>
@@ -3820,39 +3814,39 @@
           <a:lstStyle>
             <a:lvl1pPr marL="0" indent="0">
               <a:buNone/>
-              <a:defRPr sz="1050"/>
+              <a:defRPr sz="1400"/>
             </a:lvl1pPr>
-            <a:lvl2pPr marL="342900" indent="0">
-              <a:buNone/>
-              <a:defRPr sz="1050"/>
+            <a:lvl2pPr marL="457200" indent="0">
+              <a:buNone/>
+              <a:defRPr sz="1400"/>
             </a:lvl2pPr>
-            <a:lvl3pPr marL="685800" indent="0">
-              <a:buNone/>
-              <a:defRPr sz="900"/>
+            <a:lvl3pPr marL="914400" indent="0">
+              <a:buNone/>
+              <a:defRPr sz="1200"/>
             </a:lvl3pPr>
-            <a:lvl4pPr marL="1028700" indent="0">
-              <a:buNone/>
-              <a:defRPr sz="750"/>
+            <a:lvl4pPr marL="1371600" indent="0">
+              <a:buNone/>
+              <a:defRPr sz="1000"/>
             </a:lvl4pPr>
-            <a:lvl5pPr marL="1371600" indent="0">
-              <a:buNone/>
-              <a:defRPr sz="750"/>
+            <a:lvl5pPr marL="1828800" indent="0">
+              <a:buNone/>
+              <a:defRPr sz="1000"/>
             </a:lvl5pPr>
-            <a:lvl6pPr marL="1714500" indent="0">
-              <a:buNone/>
-              <a:defRPr sz="750"/>
+            <a:lvl6pPr marL="2286000" indent="0">
+              <a:buNone/>
+              <a:defRPr sz="1000"/>
             </a:lvl6pPr>
-            <a:lvl7pPr marL="2057400" indent="0">
-              <a:buNone/>
-              <a:defRPr sz="750"/>
+            <a:lvl7pPr marL="2743200" indent="0">
+              <a:buNone/>
+              <a:defRPr sz="1000"/>
             </a:lvl7pPr>
-            <a:lvl8pPr marL="2400300" indent="0">
-              <a:buNone/>
-              <a:defRPr sz="750"/>
+            <a:lvl8pPr marL="3200400" indent="0">
+              <a:buNone/>
+              <a:defRPr sz="1000"/>
             </a:lvl8pPr>
-            <a:lvl9pPr marL="2743200" indent="0">
-              <a:buNone/>
-              <a:defRPr sz="750"/>
+            <a:lvl9pPr marL="3657600" indent="0">
+              <a:buNone/>
+              <a:defRPr sz="1000"/>
             </a:lvl9pPr>
           </a:lstStyle>
           <a:p>
@@ -3876,8 +3870,8 @@
         </p:nvSpPr>
         <p:spPr>
           <a:xfrm>
-            <a:off x="628650" y="4501729"/>
-            <a:ext cx="7884318" cy="1489496"/>
+            <a:off x="838200" y="4501729"/>
+            <a:ext cx="10512424" cy="1489496"/>
           </a:xfrm>
         </p:spPr>
         <p:txBody>
@@ -3887,39 +3881,39 @@
           <a:lstStyle>
             <a:lvl1pPr marL="0" indent="0">
               <a:buNone/>
+              <a:defRPr sz="1600"/>
+            </a:lvl1pPr>
+            <a:lvl2pPr marL="457200" indent="0">
+              <a:buNone/>
+              <a:defRPr sz="1400"/>
+            </a:lvl2pPr>
+            <a:lvl3pPr marL="914400" indent="0">
+              <a:buNone/>
               <a:defRPr sz="1200"/>
-            </a:lvl1pPr>
-            <a:lvl2pPr marL="342900" indent="0">
-              <a:buNone/>
-              <a:defRPr sz="1050"/>
-            </a:lvl2pPr>
-            <a:lvl3pPr marL="685800" indent="0">
-              <a:buNone/>
-              <a:defRPr sz="900"/>
             </a:lvl3pPr>
-            <a:lvl4pPr marL="1028700" indent="0">
-              <a:buNone/>
-              <a:defRPr sz="750"/>
+            <a:lvl4pPr marL="1371600" indent="0">
+              <a:buNone/>
+              <a:defRPr sz="1000"/>
             </a:lvl4pPr>
-            <a:lvl5pPr marL="1371600" indent="0">
-              <a:buNone/>
-              <a:defRPr sz="750"/>
+            <a:lvl5pPr marL="1828800" indent="0">
+              <a:buNone/>
+              <a:defRPr sz="1000"/>
             </a:lvl5pPr>
-            <a:lvl6pPr marL="1714500" indent="0">
-              <a:buNone/>
-              <a:defRPr sz="750"/>
+            <a:lvl6pPr marL="2286000" indent="0">
+              <a:buNone/>
+              <a:defRPr sz="1000"/>
             </a:lvl6pPr>
-            <a:lvl7pPr marL="2057400" indent="0">
-              <a:buNone/>
-              <a:defRPr sz="750"/>
+            <a:lvl7pPr marL="2743200" indent="0">
+              <a:buNone/>
+              <a:defRPr sz="1000"/>
             </a:lvl7pPr>
-            <a:lvl8pPr marL="2400300" indent="0">
-              <a:buNone/>
-              <a:defRPr sz="750"/>
+            <a:lvl8pPr marL="3200400" indent="0">
+              <a:buNone/>
+              <a:defRPr sz="1000"/>
             </a:lvl8pPr>
-            <a:lvl9pPr marL="2743200" indent="0">
-              <a:buNone/>
-              <a:defRPr sz="750"/>
+            <a:lvl9pPr marL="3657600" indent="0">
+              <a:buNone/>
+              <a:defRPr sz="1000"/>
             </a:lvl9pPr>
           </a:lstStyle>
           <a:p>
@@ -4004,15 +3998,15 @@
         </p:nvSpPr>
         <p:spPr>
           <a:xfrm>
-            <a:off x="833283" y="786824"/>
-            <a:ext cx="457200" cy="584776"/>
+            <a:off x="1111044" y="786824"/>
+            <a:ext cx="609600" cy="584776"/>
           </a:xfrm>
           <a:prstGeom prst="rect">
             <a:avLst/>
           </a:prstGeom>
         </p:spPr>
         <p:txBody>
-          <a:bodyPr vert="horz" lIns="68580" tIns="34290" rIns="68580" bIns="34290" rtlCol="0" anchor="ctr">
+          <a:bodyPr vert="horz" lIns="91440" tIns="45720" rIns="91440" bIns="45720" rtlCol="0" anchor="ctr">
             <a:noAutofit/>
           </a:bodyPr>
           <a:lstStyle>
@@ -4101,7 +4095,7 @@
           <a:p>
             <a:pPr lvl="0"/>
             <a:r>
-              <a:rPr lang="en-US" sz="6000" dirty="0">
+              <a:rPr lang="en-US" sz="8000" dirty="0">
                 <a:solidFill>
                   <a:schemeClr val="tx1"/>
                 </a:solidFill>
@@ -4120,15 +4114,15 @@
         </p:nvSpPr>
         <p:spPr>
           <a:xfrm>
-            <a:off x="7828359" y="2743200"/>
-            <a:ext cx="457200" cy="584776"/>
+            <a:off x="10437812" y="2743200"/>
+            <a:ext cx="609600" cy="584776"/>
           </a:xfrm>
           <a:prstGeom prst="rect">
             <a:avLst/>
           </a:prstGeom>
         </p:spPr>
         <p:txBody>
-          <a:bodyPr vert="horz" lIns="68580" tIns="34290" rIns="68580" bIns="34290" rtlCol="0" anchor="ctr">
+          <a:bodyPr vert="horz" lIns="91440" tIns="45720" rIns="91440" bIns="45720" rtlCol="0" anchor="ctr">
             <a:noAutofit/>
           </a:bodyPr>
           <a:lstStyle>
@@ -4217,7 +4211,7 @@
           <a:p>
             <a:pPr lvl="0" algn="r"/>
             <a:r>
-              <a:rPr lang="en-US" sz="6000" dirty="0">
+              <a:rPr lang="en-US" sz="8000" dirty="0">
                 <a:solidFill>
                   <a:schemeClr val="tx1"/>
                 </a:solidFill>
@@ -4231,7 +4225,7 @@
     </p:spTree>
     <p:extLst>
       <p:ext uri="{BB962C8B-B14F-4D97-AF65-F5344CB8AC3E}">
-        <p14:creationId xmlns:p14="http://schemas.microsoft.com/office/powerpoint/2010/main" val="872300574"/>
+        <p14:creationId xmlns:p14="http://schemas.microsoft.com/office/powerpoint/2010/main" val="2223794190"/>
       </p:ext>
     </p:extLst>
   </p:cSld>
@@ -4270,8 +4264,8 @@
         </p:nvSpPr>
         <p:spPr>
           <a:xfrm>
-            <a:off x="629841" y="2326968"/>
-            <a:ext cx="7886700" cy="2511835"/>
+            <a:off x="839788" y="2326967"/>
+            <a:ext cx="10515600" cy="2511835"/>
           </a:xfrm>
         </p:spPr>
         <p:txBody>
@@ -4280,7 +4274,7 @@
           </a:bodyPr>
           <a:lstStyle>
             <a:lvl1pPr>
-              <a:defRPr sz="4050"/>
+              <a:defRPr sz="5400"/>
             </a:lvl1pPr>
           </a:lstStyle>
           <a:p>
@@ -4304,8 +4298,8 @@
         </p:nvSpPr>
         <p:spPr>
           <a:xfrm>
-            <a:off x="629841" y="4850581"/>
-            <a:ext cx="7885509" cy="1140644"/>
+            <a:off x="839788" y="4850581"/>
+            <a:ext cx="10514012" cy="1140644"/>
           </a:xfrm>
         </p:spPr>
         <p:txBody>
@@ -4313,39 +4307,39 @@
           <a:lstStyle>
             <a:lvl1pPr marL="0" indent="0">
               <a:buNone/>
+              <a:defRPr sz="1600"/>
+            </a:lvl1pPr>
+            <a:lvl2pPr marL="457200" indent="0">
+              <a:buNone/>
+              <a:defRPr sz="1400"/>
+            </a:lvl2pPr>
+            <a:lvl3pPr marL="914400" indent="0">
+              <a:buNone/>
               <a:defRPr sz="1200"/>
-            </a:lvl1pPr>
-            <a:lvl2pPr marL="342900" indent="0">
-              <a:buNone/>
-              <a:defRPr sz="1050"/>
-            </a:lvl2pPr>
-            <a:lvl3pPr marL="685800" indent="0">
-              <a:buNone/>
-              <a:defRPr sz="900"/>
             </a:lvl3pPr>
-            <a:lvl4pPr marL="1028700" indent="0">
-              <a:buNone/>
-              <a:defRPr sz="750"/>
+            <a:lvl4pPr marL="1371600" indent="0">
+              <a:buNone/>
+              <a:defRPr sz="1000"/>
             </a:lvl4pPr>
-            <a:lvl5pPr marL="1371600" indent="0">
-              <a:buNone/>
-              <a:defRPr sz="750"/>
+            <a:lvl5pPr marL="1828800" indent="0">
+              <a:buNone/>
+              <a:defRPr sz="1000"/>
             </a:lvl5pPr>
-            <a:lvl6pPr marL="1714500" indent="0">
-              <a:buNone/>
-              <a:defRPr sz="750"/>
+            <a:lvl6pPr marL="2286000" indent="0">
+              <a:buNone/>
+              <a:defRPr sz="1000"/>
             </a:lvl6pPr>
-            <a:lvl7pPr marL="2057400" indent="0">
-              <a:buNone/>
-              <a:defRPr sz="750"/>
+            <a:lvl7pPr marL="2743200" indent="0">
+              <a:buNone/>
+              <a:defRPr sz="1000"/>
             </a:lvl7pPr>
-            <a:lvl8pPr marL="2400300" indent="0">
-              <a:buNone/>
-              <a:defRPr sz="750"/>
+            <a:lvl8pPr marL="3200400" indent="0">
+              <a:buNone/>
+              <a:defRPr sz="1000"/>
             </a:lvl8pPr>
-            <a:lvl9pPr marL="2743200" indent="0">
-              <a:buNone/>
-              <a:defRPr sz="750"/>
+            <a:lvl9pPr marL="3657600" indent="0">
+              <a:buNone/>
+              <a:defRPr sz="1000"/>
             </a:lvl9pPr>
           </a:lstStyle>
           <a:p>
@@ -4425,7 +4419,7 @@
     </p:spTree>
     <p:extLst>
       <p:ext uri="{BB962C8B-B14F-4D97-AF65-F5344CB8AC3E}">
-        <p14:creationId xmlns:p14="http://schemas.microsoft.com/office/powerpoint/2010/main" val="1207883955"/>
+        <p14:creationId xmlns:p14="http://schemas.microsoft.com/office/powerpoint/2010/main" val="2229039862"/>
       </p:ext>
     </p:extLst>
   </p:cSld>
@@ -4464,8 +4458,8 @@
         </p:nvSpPr>
         <p:spPr>
           <a:xfrm>
-            <a:off x="628650" y="365126"/>
-            <a:ext cx="7886700" cy="1325563"/>
+            <a:off x="838200" y="365125"/>
+            <a:ext cx="10515600" cy="1325563"/>
           </a:xfrm>
         </p:spPr>
         <p:txBody>
@@ -4492,8 +4486,8 @@
         </p:nvSpPr>
         <p:spPr>
           <a:xfrm>
-            <a:off x="1002961" y="1885950"/>
-            <a:ext cx="2210150" cy="576262"/>
+            <a:off x="1337282" y="1885950"/>
+            <a:ext cx="2946866" cy="576262"/>
           </a:xfrm>
         </p:spPr>
         <p:txBody>
@@ -4503,7 +4497,7 @@
           <a:lstStyle>
             <a:lvl1pPr marL="0" indent="0">
               <a:buNone/>
-              <a:defRPr sz="1800" b="0">
+              <a:defRPr sz="2400" b="0">
                 <a:gradFill>
                   <a:gsLst>
                     <a:gs pos="15000">
@@ -4532,37 +4526,37 @@
                 </a:gradFill>
               </a:defRPr>
             </a:lvl1pPr>
-            <a:lvl2pPr marL="342900" indent="0">
-              <a:buNone/>
-              <a:defRPr sz="1500" b="1"/>
+            <a:lvl2pPr marL="457200" indent="0">
+              <a:buNone/>
+              <a:defRPr sz="2000" b="1"/>
             </a:lvl2pPr>
-            <a:lvl3pPr marL="685800" indent="0">
-              <a:buNone/>
-              <a:defRPr sz="1350" b="1"/>
+            <a:lvl3pPr marL="914400" indent="0">
+              <a:buNone/>
+              <a:defRPr sz="1800" b="1"/>
             </a:lvl3pPr>
-            <a:lvl4pPr marL="1028700" indent="0">
-              <a:buNone/>
-              <a:defRPr sz="1200" b="1"/>
+            <a:lvl4pPr marL="1371600" indent="0">
+              <a:buNone/>
+              <a:defRPr sz="1600" b="1"/>
             </a:lvl4pPr>
-            <a:lvl5pPr marL="1371600" indent="0">
-              <a:buNone/>
-              <a:defRPr sz="1200" b="1"/>
+            <a:lvl5pPr marL="1828800" indent="0">
+              <a:buNone/>
+              <a:defRPr sz="1600" b="1"/>
             </a:lvl5pPr>
-            <a:lvl6pPr marL="1714500" indent="0">
-              <a:buNone/>
-              <a:defRPr sz="1200" b="1"/>
+            <a:lvl6pPr marL="2286000" indent="0">
+              <a:buNone/>
+              <a:defRPr sz="1600" b="1"/>
             </a:lvl6pPr>
-            <a:lvl7pPr marL="2057400" indent="0">
-              <a:buNone/>
-              <a:defRPr sz="1200" b="1"/>
+            <a:lvl7pPr marL="2743200" indent="0">
+              <a:buNone/>
+              <a:defRPr sz="1600" b="1"/>
             </a:lvl7pPr>
-            <a:lvl8pPr marL="2400300" indent="0">
-              <a:buNone/>
-              <a:defRPr sz="1200" b="1"/>
+            <a:lvl8pPr marL="3200400" indent="0">
+              <a:buNone/>
+              <a:defRPr sz="1600" b="1"/>
             </a:lvl8pPr>
-            <a:lvl9pPr marL="2743200" indent="0">
-              <a:buNone/>
-              <a:defRPr sz="1200" b="1"/>
+            <a:lvl9pPr marL="3657600" indent="0">
+              <a:buNone/>
+              <a:defRPr sz="1600" b="1"/>
             </a:lvl9pPr>
           </a:lstStyle>
           <a:p>
@@ -4586,8 +4580,8 @@
         </p:nvSpPr>
         <p:spPr>
           <a:xfrm>
-            <a:off x="1017598" y="2571750"/>
-            <a:ext cx="2195513" cy="3589338"/>
+            <a:off x="1356798" y="2571750"/>
+            <a:ext cx="2927350" cy="3589338"/>
           </a:xfrm>
         </p:spPr>
         <p:txBody>
@@ -4597,39 +4591,39 @@
           <a:lstStyle>
             <a:lvl1pPr marL="0" indent="0">
               <a:buNone/>
-              <a:defRPr sz="1050"/>
+              <a:defRPr sz="1400"/>
             </a:lvl1pPr>
-            <a:lvl2pPr marL="342900" indent="0">
+            <a:lvl2pPr marL="457200" indent="0">
+              <a:buNone/>
+              <a:defRPr sz="1200"/>
+            </a:lvl2pPr>
+            <a:lvl3pPr marL="914400" indent="0">
+              <a:buNone/>
+              <a:defRPr sz="1000"/>
+            </a:lvl3pPr>
+            <a:lvl4pPr marL="1371600" indent="0">
               <a:buNone/>
               <a:defRPr sz="900"/>
-            </a:lvl2pPr>
-            <a:lvl3pPr marL="685800" indent="0">
-              <a:buNone/>
-              <a:defRPr sz="750"/>
-            </a:lvl3pPr>
-            <a:lvl4pPr marL="1028700" indent="0">
-              <a:buNone/>
-              <a:defRPr sz="675"/>
             </a:lvl4pPr>
-            <a:lvl5pPr marL="1371600" indent="0">
-              <a:buNone/>
-              <a:defRPr sz="675"/>
+            <a:lvl5pPr marL="1828800" indent="0">
+              <a:buNone/>
+              <a:defRPr sz="900"/>
             </a:lvl5pPr>
-            <a:lvl6pPr marL="1714500" indent="0">
-              <a:buNone/>
-              <a:defRPr sz="675"/>
+            <a:lvl6pPr marL="2286000" indent="0">
+              <a:buNone/>
+              <a:defRPr sz="900"/>
             </a:lvl6pPr>
-            <a:lvl7pPr marL="2057400" indent="0">
-              <a:buNone/>
-              <a:defRPr sz="675"/>
+            <a:lvl7pPr marL="2743200" indent="0">
+              <a:buNone/>
+              <a:defRPr sz="900"/>
             </a:lvl7pPr>
-            <a:lvl8pPr marL="2400300" indent="0">
-              <a:buNone/>
-              <a:defRPr sz="675"/>
+            <a:lvl8pPr marL="3200400" indent="0">
+              <a:buNone/>
+              <a:defRPr sz="900"/>
             </a:lvl8pPr>
-            <a:lvl9pPr marL="2743200" indent="0">
-              <a:buNone/>
-              <a:defRPr sz="675"/>
+            <a:lvl9pPr marL="3657600" indent="0">
+              <a:buNone/>
+              <a:defRPr sz="900"/>
             </a:lvl9pPr>
           </a:lstStyle>
           <a:p>
@@ -4653,8 +4647,8 @@
         </p:nvSpPr>
         <p:spPr>
           <a:xfrm>
-            <a:off x="3440996" y="1885950"/>
-            <a:ext cx="2202181" cy="576262"/>
+            <a:off x="4587994" y="1885950"/>
+            <a:ext cx="2936241" cy="576262"/>
           </a:xfrm>
         </p:spPr>
         <p:txBody>
@@ -4664,7 +4658,7 @@
           <a:lstStyle>
             <a:lvl1pPr>
               <a:buNone/>
-              <a:defRPr lang="en-US" sz="1800" b="0">
+              <a:defRPr lang="en-US" sz="2400" b="0">
                 <a:gradFill>
                   <a:gsLst>
                     <a:gs pos="15000">
@@ -4717,8 +4711,8 @@
         </p:nvSpPr>
         <p:spPr>
           <a:xfrm>
-            <a:off x="3433081" y="2571750"/>
-            <a:ext cx="2210096" cy="3589338"/>
+            <a:off x="4577441" y="2571750"/>
+            <a:ext cx="2946794" cy="3589338"/>
           </a:xfrm>
         </p:spPr>
         <p:txBody>
@@ -4728,39 +4722,39 @@
           <a:lstStyle>
             <a:lvl1pPr marL="0" indent="0">
               <a:buNone/>
-              <a:defRPr sz="1050"/>
+              <a:defRPr sz="1400"/>
             </a:lvl1pPr>
-            <a:lvl2pPr marL="342900" indent="0">
+            <a:lvl2pPr marL="457200" indent="0">
+              <a:buNone/>
+              <a:defRPr sz="1200"/>
+            </a:lvl2pPr>
+            <a:lvl3pPr marL="914400" indent="0">
+              <a:buNone/>
+              <a:defRPr sz="1000"/>
+            </a:lvl3pPr>
+            <a:lvl4pPr marL="1371600" indent="0">
               <a:buNone/>
               <a:defRPr sz="900"/>
-            </a:lvl2pPr>
-            <a:lvl3pPr marL="685800" indent="0">
-              <a:buNone/>
-              <a:defRPr sz="750"/>
-            </a:lvl3pPr>
-            <a:lvl4pPr marL="1028700" indent="0">
-              <a:buNone/>
-              <a:defRPr sz="675"/>
             </a:lvl4pPr>
-            <a:lvl5pPr marL="1371600" indent="0">
-              <a:buNone/>
-              <a:defRPr sz="675"/>
+            <a:lvl5pPr marL="1828800" indent="0">
+              <a:buNone/>
+              <a:defRPr sz="900"/>
             </a:lvl5pPr>
-            <a:lvl6pPr marL="1714500" indent="0">
-              <a:buNone/>
-              <a:defRPr sz="675"/>
+            <a:lvl6pPr marL="2286000" indent="0">
+              <a:buNone/>
+              <a:defRPr sz="900"/>
             </a:lvl6pPr>
-            <a:lvl7pPr marL="2057400" indent="0">
-              <a:buNone/>
-              <a:defRPr sz="675"/>
+            <a:lvl7pPr marL="2743200" indent="0">
+              <a:buNone/>
+              <a:defRPr sz="900"/>
             </a:lvl7pPr>
-            <a:lvl8pPr marL="2400300" indent="0">
-              <a:buNone/>
-              <a:defRPr sz="675"/>
+            <a:lvl8pPr marL="3200400" indent="0">
+              <a:buNone/>
+              <a:defRPr sz="900"/>
             </a:lvl8pPr>
-            <a:lvl9pPr marL="2743200" indent="0">
-              <a:buNone/>
-              <a:defRPr sz="675"/>
+            <a:lvl9pPr marL="3657600" indent="0">
+              <a:buNone/>
+              <a:defRPr sz="900"/>
             </a:lvl9pPr>
           </a:lstStyle>
           <a:p>
@@ -4784,8 +4778,8 @@
         </p:nvSpPr>
         <p:spPr>
           <a:xfrm>
-            <a:off x="5871777" y="1885950"/>
-            <a:ext cx="2199085" cy="576262"/>
+            <a:off x="7829035" y="1885950"/>
+            <a:ext cx="2932113" cy="576262"/>
           </a:xfrm>
         </p:spPr>
         <p:txBody>
@@ -4795,7 +4789,7 @@
           <a:lstStyle>
             <a:lvl1pPr>
               <a:buNone/>
-              <a:defRPr lang="en-US" sz="1800" b="0" dirty="0">
+              <a:defRPr lang="en-US" sz="2400" b="0" dirty="0">
                 <a:gradFill>
                   <a:gsLst>
                     <a:gs pos="15000">
@@ -4848,8 +4842,8 @@
         </p:nvSpPr>
         <p:spPr>
           <a:xfrm>
-            <a:off x="5871777" y="2571750"/>
-            <a:ext cx="2199085" cy="3589338"/>
+            <a:off x="7829035" y="2571750"/>
+            <a:ext cx="2932113" cy="3589338"/>
           </a:xfrm>
         </p:spPr>
         <p:txBody>
@@ -4859,39 +4853,39 @@
           <a:lstStyle>
             <a:lvl1pPr marL="0" indent="0">
               <a:buNone/>
-              <a:defRPr sz="1050"/>
+              <a:defRPr sz="1400"/>
             </a:lvl1pPr>
-            <a:lvl2pPr marL="342900" indent="0">
+            <a:lvl2pPr marL="457200" indent="0">
+              <a:buNone/>
+              <a:defRPr sz="1200"/>
+            </a:lvl2pPr>
+            <a:lvl3pPr marL="914400" indent="0">
+              <a:buNone/>
+              <a:defRPr sz="1000"/>
+            </a:lvl3pPr>
+            <a:lvl4pPr marL="1371600" indent="0">
               <a:buNone/>
               <a:defRPr sz="900"/>
-            </a:lvl2pPr>
-            <a:lvl3pPr marL="685800" indent="0">
-              <a:buNone/>
-              <a:defRPr sz="750"/>
-            </a:lvl3pPr>
-            <a:lvl4pPr marL="1028700" indent="0">
-              <a:buNone/>
-              <a:defRPr sz="675"/>
             </a:lvl4pPr>
-            <a:lvl5pPr marL="1371600" indent="0">
-              <a:buNone/>
-              <a:defRPr sz="675"/>
+            <a:lvl5pPr marL="1828800" indent="0">
+              <a:buNone/>
+              <a:defRPr sz="900"/>
             </a:lvl5pPr>
-            <a:lvl6pPr marL="1714500" indent="0">
-              <a:buNone/>
-              <a:defRPr sz="675"/>
+            <a:lvl6pPr marL="2286000" indent="0">
+              <a:buNone/>
+              <a:defRPr sz="900"/>
             </a:lvl6pPr>
-            <a:lvl7pPr marL="2057400" indent="0">
-              <a:buNone/>
-              <a:defRPr sz="675"/>
+            <a:lvl7pPr marL="2743200" indent="0">
+              <a:buNone/>
+              <a:defRPr sz="900"/>
             </a:lvl7pPr>
-            <a:lvl8pPr marL="2400300" indent="0">
-              <a:buNone/>
-              <a:defRPr sz="675"/>
+            <a:lvl8pPr marL="3200400" indent="0">
+              <a:buNone/>
+              <a:defRPr sz="900"/>
             </a:lvl8pPr>
-            <a:lvl9pPr marL="2743200" indent="0">
-              <a:buNone/>
-              <a:defRPr sz="675"/>
+            <a:lvl9pPr marL="3657600" indent="0">
+              <a:buNone/>
+              <a:defRPr sz="900"/>
             </a:lvl9pPr>
           </a:lstStyle>
           <a:p>
@@ -4971,7 +4965,7 @@
     </p:spTree>
     <p:extLst>
       <p:ext uri="{BB962C8B-B14F-4D97-AF65-F5344CB8AC3E}">
-        <p14:creationId xmlns:p14="http://schemas.microsoft.com/office/powerpoint/2010/main" val="2586848184"/>
+        <p14:creationId xmlns:p14="http://schemas.microsoft.com/office/powerpoint/2010/main" val="1700045597"/>
       </p:ext>
     </p:extLst>
   </p:cSld>
@@ -5010,8 +5004,8 @@
         </p:nvSpPr>
         <p:spPr>
           <a:xfrm>
-            <a:off x="628650" y="365126"/>
-            <a:ext cx="7886700" cy="1325563"/>
+            <a:off x="838200" y="365125"/>
+            <a:ext cx="10515600" cy="1325563"/>
           </a:xfrm>
         </p:spPr>
         <p:txBody>
@@ -5038,8 +5032,8 @@
         </p:nvSpPr>
         <p:spPr>
           <a:xfrm>
-            <a:off x="999064" y="4297503"/>
-            <a:ext cx="2205038" cy="576262"/>
+            <a:off x="1332085" y="4297503"/>
+            <a:ext cx="2940050" cy="576262"/>
           </a:xfrm>
         </p:spPr>
         <p:txBody>
@@ -5049,7 +5043,7 @@
           <a:lstStyle>
             <a:lvl1pPr marL="0" indent="0">
               <a:buNone/>
-              <a:defRPr sz="1800" b="0">
+              <a:defRPr sz="2400" b="0">
                 <a:gradFill>
                   <a:gsLst>
                     <a:gs pos="34000">
@@ -5074,37 +5068,37 @@
                 </a:gradFill>
               </a:defRPr>
             </a:lvl1pPr>
-            <a:lvl2pPr marL="342900" indent="0">
-              <a:buNone/>
-              <a:defRPr sz="1500" b="1"/>
+            <a:lvl2pPr marL="457200" indent="0">
+              <a:buNone/>
+              <a:defRPr sz="2000" b="1"/>
             </a:lvl2pPr>
-            <a:lvl3pPr marL="685800" indent="0">
-              <a:buNone/>
-              <a:defRPr sz="1350" b="1"/>
+            <a:lvl3pPr marL="914400" indent="0">
+              <a:buNone/>
+              <a:defRPr sz="1800" b="1"/>
             </a:lvl3pPr>
-            <a:lvl4pPr marL="1028700" indent="0">
-              <a:buNone/>
-              <a:defRPr sz="1200" b="1"/>
+            <a:lvl4pPr marL="1371600" indent="0">
+              <a:buNone/>
+              <a:defRPr sz="1600" b="1"/>
             </a:lvl4pPr>
-            <a:lvl5pPr marL="1371600" indent="0">
-              <a:buNone/>
-              <a:defRPr sz="1200" b="1"/>
+            <a:lvl5pPr marL="1828800" indent="0">
+              <a:buNone/>
+              <a:defRPr sz="1600" b="1"/>
             </a:lvl5pPr>
-            <a:lvl6pPr marL="1714500" indent="0">
-              <a:buNone/>
-              <a:defRPr sz="1200" b="1"/>
+            <a:lvl6pPr marL="2286000" indent="0">
+              <a:buNone/>
+              <a:defRPr sz="1600" b="1"/>
             </a:lvl6pPr>
-            <a:lvl7pPr marL="2057400" indent="0">
-              <a:buNone/>
-              <a:defRPr sz="1200" b="1"/>
+            <a:lvl7pPr marL="2743200" indent="0">
+              <a:buNone/>
+              <a:defRPr sz="1600" b="1"/>
             </a:lvl7pPr>
-            <a:lvl8pPr marL="2400300" indent="0">
-              <a:buNone/>
-              <a:defRPr sz="1200" b="1"/>
+            <a:lvl8pPr marL="3200400" indent="0">
+              <a:buNone/>
+              <a:defRPr sz="1600" b="1"/>
             </a:lvl8pPr>
-            <a:lvl9pPr marL="2743200" indent="0">
-              <a:buNone/>
-              <a:defRPr sz="1200" b="1"/>
+            <a:lvl9pPr marL="3657600" indent="0">
+              <a:buNone/>
+              <a:defRPr sz="1600" b="1"/>
             </a:lvl9pPr>
           </a:lstStyle>
           <a:p>
@@ -5128,8 +5122,8 @@
         </p:nvSpPr>
         <p:spPr>
           <a:xfrm>
-            <a:off x="999064" y="2256354"/>
-            <a:ext cx="2205038" cy="1524000"/>
+            <a:off x="1332085" y="2256354"/>
+            <a:ext cx="2940050" cy="1524000"/>
           </a:xfrm>
           <a:prstGeom prst="roundRect">
             <a:avLst>
@@ -5151,39 +5145,39 @@
           <a:lstStyle>
             <a:lvl1pPr marL="0" indent="0" algn="ctr">
               <a:buNone/>
-              <a:defRPr sz="1200"/>
+              <a:defRPr sz="1600"/>
             </a:lvl1pPr>
-            <a:lvl2pPr marL="342900" indent="0">
-              <a:buNone/>
-              <a:defRPr sz="1200"/>
+            <a:lvl2pPr marL="457200" indent="0">
+              <a:buNone/>
+              <a:defRPr sz="1600"/>
             </a:lvl2pPr>
-            <a:lvl3pPr marL="685800" indent="0">
-              <a:buNone/>
-              <a:defRPr sz="1200"/>
+            <a:lvl3pPr marL="914400" indent="0">
+              <a:buNone/>
+              <a:defRPr sz="1600"/>
             </a:lvl3pPr>
-            <a:lvl4pPr marL="1028700" indent="0">
-              <a:buNone/>
-              <a:defRPr sz="1200"/>
+            <a:lvl4pPr marL="1371600" indent="0">
+              <a:buNone/>
+              <a:defRPr sz="1600"/>
             </a:lvl4pPr>
-            <a:lvl5pPr marL="1371600" indent="0">
-              <a:buNone/>
-              <a:defRPr sz="1200"/>
+            <a:lvl5pPr marL="1828800" indent="0">
+              <a:buNone/>
+              <a:defRPr sz="1600"/>
             </a:lvl5pPr>
-            <a:lvl6pPr marL="1714500" indent="0">
-              <a:buNone/>
-              <a:defRPr sz="1200"/>
+            <a:lvl6pPr marL="2286000" indent="0">
+              <a:buNone/>
+              <a:defRPr sz="1600"/>
             </a:lvl6pPr>
-            <a:lvl7pPr marL="2057400" indent="0">
-              <a:buNone/>
-              <a:defRPr sz="1200"/>
+            <a:lvl7pPr marL="2743200" indent="0">
+              <a:buNone/>
+              <a:defRPr sz="1600"/>
             </a:lvl7pPr>
-            <a:lvl8pPr marL="2400300" indent="0">
-              <a:buNone/>
-              <a:defRPr sz="1200"/>
+            <a:lvl8pPr marL="3200400" indent="0">
+              <a:buNone/>
+              <a:defRPr sz="1600"/>
             </a:lvl8pPr>
-            <a:lvl9pPr marL="2743200" indent="0">
-              <a:buNone/>
-              <a:defRPr sz="1200"/>
+            <a:lvl9pPr marL="3657600" indent="0">
+              <a:buNone/>
+              <a:defRPr sz="1600"/>
             </a:lvl9pPr>
           </a:lstStyle>
           <a:p>
@@ -5207,8 +5201,8 @@
         </p:nvSpPr>
         <p:spPr>
           <a:xfrm>
-            <a:off x="999064" y="4873766"/>
-            <a:ext cx="2205038" cy="659189"/>
+            <a:off x="1332085" y="4873765"/>
+            <a:ext cx="2940050" cy="659189"/>
           </a:xfrm>
         </p:spPr>
         <p:txBody>
@@ -5218,39 +5212,39 @@
           <a:lstStyle>
             <a:lvl1pPr marL="0" indent="0">
               <a:buNone/>
-              <a:defRPr sz="1050"/>
+              <a:defRPr sz="1400"/>
             </a:lvl1pPr>
-            <a:lvl2pPr marL="342900" indent="0">
+            <a:lvl2pPr marL="457200" indent="0">
+              <a:buNone/>
+              <a:defRPr sz="1200"/>
+            </a:lvl2pPr>
+            <a:lvl3pPr marL="914400" indent="0">
+              <a:buNone/>
+              <a:defRPr sz="1000"/>
+            </a:lvl3pPr>
+            <a:lvl4pPr marL="1371600" indent="0">
               <a:buNone/>
               <a:defRPr sz="900"/>
-            </a:lvl2pPr>
-            <a:lvl3pPr marL="685800" indent="0">
-              <a:buNone/>
-              <a:defRPr sz="750"/>
-            </a:lvl3pPr>
-            <a:lvl4pPr marL="1028700" indent="0">
-              <a:buNone/>
-              <a:defRPr sz="675"/>
             </a:lvl4pPr>
-            <a:lvl5pPr marL="1371600" indent="0">
-              <a:buNone/>
-              <a:defRPr sz="675"/>
+            <a:lvl5pPr marL="1828800" indent="0">
+              <a:buNone/>
+              <a:defRPr sz="900"/>
             </a:lvl5pPr>
-            <a:lvl6pPr marL="1714500" indent="0">
-              <a:buNone/>
-              <a:defRPr sz="675"/>
+            <a:lvl6pPr marL="2286000" indent="0">
+              <a:buNone/>
+              <a:defRPr sz="900"/>
             </a:lvl6pPr>
-            <a:lvl7pPr marL="2057400" indent="0">
-              <a:buNone/>
-              <a:defRPr sz="675"/>
+            <a:lvl7pPr marL="2743200" indent="0">
+              <a:buNone/>
+              <a:defRPr sz="900"/>
             </a:lvl7pPr>
-            <a:lvl8pPr marL="2400300" indent="0">
-              <a:buNone/>
-              <a:defRPr sz="675"/>
+            <a:lvl8pPr marL="3200400" indent="0">
+              <a:buNone/>
+              <a:defRPr sz="900"/>
             </a:lvl8pPr>
-            <a:lvl9pPr marL="2743200" indent="0">
-              <a:buNone/>
-              <a:defRPr sz="675"/>
+            <a:lvl9pPr marL="3657600" indent="0">
+              <a:buNone/>
+              <a:defRPr sz="900"/>
             </a:lvl9pPr>
           </a:lstStyle>
           <a:p>
@@ -5274,8 +5268,8 @@
         </p:nvSpPr>
         <p:spPr>
           <a:xfrm>
-            <a:off x="3426748" y="4297503"/>
-            <a:ext cx="2197894" cy="576262"/>
+            <a:off x="4568997" y="4297503"/>
+            <a:ext cx="2930525" cy="576262"/>
           </a:xfrm>
         </p:spPr>
         <p:txBody>
@@ -5285,7 +5279,7 @@
           <a:lstStyle>
             <a:lvl1pPr marL="0" indent="0">
               <a:buNone/>
-              <a:defRPr sz="1800" b="0">
+              <a:defRPr sz="2400" b="0">
                 <a:gradFill>
                   <a:gsLst>
                     <a:gs pos="34000">
@@ -5310,37 +5304,37 @@
                 </a:gradFill>
               </a:defRPr>
             </a:lvl1pPr>
-            <a:lvl2pPr marL="342900" indent="0">
-              <a:buNone/>
-              <a:defRPr sz="1500" b="1"/>
+            <a:lvl2pPr marL="457200" indent="0">
+              <a:buNone/>
+              <a:defRPr sz="2000" b="1"/>
             </a:lvl2pPr>
-            <a:lvl3pPr marL="685800" indent="0">
-              <a:buNone/>
-              <a:defRPr sz="1350" b="1"/>
+            <a:lvl3pPr marL="914400" indent="0">
+              <a:buNone/>
+              <a:defRPr sz="1800" b="1"/>
             </a:lvl3pPr>
-            <a:lvl4pPr marL="1028700" indent="0">
-              <a:buNone/>
-              <a:defRPr sz="1200" b="1"/>
+            <a:lvl4pPr marL="1371600" indent="0">
+              <a:buNone/>
+              <a:defRPr sz="1600" b="1"/>
             </a:lvl4pPr>
-            <a:lvl5pPr marL="1371600" indent="0">
-              <a:buNone/>
-              <a:defRPr sz="1200" b="1"/>
+            <a:lvl5pPr marL="1828800" indent="0">
+              <a:buNone/>
+              <a:defRPr sz="1600" b="1"/>
             </a:lvl5pPr>
-            <a:lvl6pPr marL="1714500" indent="0">
-              <a:buNone/>
-              <a:defRPr sz="1200" b="1"/>
+            <a:lvl6pPr marL="2286000" indent="0">
+              <a:buNone/>
+              <a:defRPr sz="1600" b="1"/>
             </a:lvl6pPr>
-            <a:lvl7pPr marL="2057400" indent="0">
-              <a:buNone/>
-              <a:defRPr sz="1200" b="1"/>
+            <a:lvl7pPr marL="2743200" indent="0">
+              <a:buNone/>
+              <a:defRPr sz="1600" b="1"/>
             </a:lvl7pPr>
-            <a:lvl8pPr marL="2400300" indent="0">
-              <a:buNone/>
-              <a:defRPr sz="1200" b="1"/>
+            <a:lvl8pPr marL="3200400" indent="0">
+              <a:buNone/>
+              <a:defRPr sz="1600" b="1"/>
             </a:lvl8pPr>
-            <a:lvl9pPr marL="2743200" indent="0">
-              <a:buNone/>
-              <a:defRPr sz="1200" b="1"/>
+            <a:lvl9pPr marL="3657600" indent="0">
+              <a:buNone/>
+              <a:defRPr sz="1600" b="1"/>
             </a:lvl9pPr>
           </a:lstStyle>
           <a:p>
@@ -5364,8 +5358,8 @@
         </p:nvSpPr>
         <p:spPr>
           <a:xfrm>
-            <a:off x="3426747" y="2256354"/>
-            <a:ext cx="2197894" cy="1524000"/>
+            <a:off x="4568996" y="2256354"/>
+            <a:ext cx="2930525" cy="1524000"/>
           </a:xfrm>
           <a:prstGeom prst="roundRect">
             <a:avLst>
@@ -5387,39 +5381,39 @@
           <a:lstStyle>
             <a:lvl1pPr marL="0" indent="0" algn="ctr">
               <a:buNone/>
-              <a:defRPr sz="1200"/>
+              <a:defRPr sz="1600"/>
             </a:lvl1pPr>
-            <a:lvl2pPr marL="342900" indent="0">
-              <a:buNone/>
-              <a:defRPr sz="1200"/>
+            <a:lvl2pPr marL="457200" indent="0">
+              <a:buNone/>
+              <a:defRPr sz="1600"/>
             </a:lvl2pPr>
-            <a:lvl3pPr marL="685800" indent="0">
-              <a:buNone/>
-              <a:defRPr sz="1200"/>
+            <a:lvl3pPr marL="914400" indent="0">
+              <a:buNone/>
+              <a:defRPr sz="1600"/>
             </a:lvl3pPr>
-            <a:lvl4pPr marL="1028700" indent="0">
-              <a:buNone/>
-              <a:defRPr sz="1200"/>
+            <a:lvl4pPr marL="1371600" indent="0">
+              <a:buNone/>
+              <a:defRPr sz="1600"/>
             </a:lvl4pPr>
-            <a:lvl5pPr marL="1371600" indent="0">
-              <a:buNone/>
-              <a:defRPr sz="1200"/>
+            <a:lvl5pPr marL="1828800" indent="0">
+              <a:buNone/>
+              <a:defRPr sz="1600"/>
             </a:lvl5pPr>
-            <a:lvl6pPr marL="1714500" indent="0">
-              <a:buNone/>
-              <a:defRPr sz="1200"/>
+            <a:lvl6pPr marL="2286000" indent="0">
+              <a:buNone/>
+              <a:defRPr sz="1600"/>
             </a:lvl6pPr>
-            <a:lvl7pPr marL="2057400" indent="0">
-              <a:buNone/>
-              <a:defRPr sz="1200"/>
+            <a:lvl7pPr marL="2743200" indent="0">
+              <a:buNone/>
+              <a:defRPr sz="1600"/>
             </a:lvl7pPr>
-            <a:lvl8pPr marL="2400300" indent="0">
-              <a:buNone/>
-              <a:defRPr sz="1200"/>
+            <a:lvl8pPr marL="3200400" indent="0">
+              <a:buNone/>
+              <a:defRPr sz="1600"/>
             </a:lvl8pPr>
-            <a:lvl9pPr marL="2743200" indent="0">
-              <a:buNone/>
-              <a:defRPr sz="1200"/>
+            <a:lvl9pPr marL="3657600" indent="0">
+              <a:buNone/>
+              <a:defRPr sz="1600"/>
             </a:lvl9pPr>
           </a:lstStyle>
           <a:p>
@@ -5443,8 +5437,8 @@
         </p:nvSpPr>
         <p:spPr>
           <a:xfrm>
-            <a:off x="3425733" y="4873765"/>
-            <a:ext cx="2200805" cy="659189"/>
+            <a:off x="4567644" y="4873764"/>
+            <a:ext cx="2934406" cy="659189"/>
           </a:xfrm>
         </p:spPr>
         <p:txBody>
@@ -5454,39 +5448,39 @@
           <a:lstStyle>
             <a:lvl1pPr marL="0" indent="0">
               <a:buNone/>
-              <a:defRPr sz="1050"/>
+              <a:defRPr sz="1400"/>
             </a:lvl1pPr>
-            <a:lvl2pPr marL="342900" indent="0">
+            <a:lvl2pPr marL="457200" indent="0">
+              <a:buNone/>
+              <a:defRPr sz="1200"/>
+            </a:lvl2pPr>
+            <a:lvl3pPr marL="914400" indent="0">
+              <a:buNone/>
+              <a:defRPr sz="1000"/>
+            </a:lvl3pPr>
+            <a:lvl4pPr marL="1371600" indent="0">
               <a:buNone/>
               <a:defRPr sz="900"/>
-            </a:lvl2pPr>
-            <a:lvl3pPr marL="685800" indent="0">
-              <a:buNone/>
-              <a:defRPr sz="750"/>
-            </a:lvl3pPr>
-            <a:lvl4pPr marL="1028700" indent="0">
-              <a:buNone/>
-              <a:defRPr sz="675"/>
             </a:lvl4pPr>
-            <a:lvl5pPr marL="1371600" indent="0">
-              <a:buNone/>
-              <a:defRPr sz="675"/>
+            <a:lvl5pPr marL="1828800" indent="0">
+              <a:buNone/>
+              <a:defRPr sz="900"/>
             </a:lvl5pPr>
-            <a:lvl6pPr marL="1714500" indent="0">
-              <a:buNone/>
-              <a:defRPr sz="675"/>
+            <a:lvl6pPr marL="2286000" indent="0">
+              <a:buNone/>
+              <a:defRPr sz="900"/>
             </a:lvl6pPr>
-            <a:lvl7pPr marL="2057400" indent="0">
-              <a:buNone/>
-              <a:defRPr sz="675"/>
+            <a:lvl7pPr marL="2743200" indent="0">
+              <a:buNone/>
+              <a:defRPr sz="900"/>
             </a:lvl7pPr>
-            <a:lvl8pPr marL="2400300" indent="0">
-              <a:buNone/>
-              <a:defRPr sz="675"/>
+            <a:lvl8pPr marL="3200400" indent="0">
+              <a:buNone/>
+              <a:defRPr sz="900"/>
             </a:lvl8pPr>
-            <a:lvl9pPr marL="2743200" indent="0">
-              <a:buNone/>
-              <a:defRPr sz="675"/>
+            <a:lvl9pPr marL="3657600" indent="0">
+              <a:buNone/>
+              <a:defRPr sz="900"/>
             </a:lvl9pPr>
           </a:lstStyle>
           <a:p>
@@ -5510,8 +5504,8 @@
         </p:nvSpPr>
         <p:spPr>
           <a:xfrm>
-            <a:off x="5853242" y="4297503"/>
-            <a:ext cx="2199085" cy="576262"/>
+            <a:off x="7804322" y="4297503"/>
+            <a:ext cx="2932113" cy="576262"/>
           </a:xfrm>
         </p:spPr>
         <p:txBody>
@@ -5521,7 +5515,7 @@
           <a:lstStyle>
             <a:lvl1pPr marL="0" indent="0">
               <a:buNone/>
-              <a:defRPr sz="1800" b="0">
+              <a:defRPr sz="2400" b="0">
                 <a:gradFill>
                   <a:gsLst>
                     <a:gs pos="34000">
@@ -5546,37 +5540,37 @@
                 </a:gradFill>
               </a:defRPr>
             </a:lvl1pPr>
-            <a:lvl2pPr marL="342900" indent="0">
-              <a:buNone/>
-              <a:defRPr sz="1500" b="1"/>
+            <a:lvl2pPr marL="457200" indent="0">
+              <a:buNone/>
+              <a:defRPr sz="2000" b="1"/>
             </a:lvl2pPr>
-            <a:lvl3pPr marL="685800" indent="0">
-              <a:buNone/>
-              <a:defRPr sz="1350" b="1"/>
+            <a:lvl3pPr marL="914400" indent="0">
+              <a:buNone/>
+              <a:defRPr sz="1800" b="1"/>
             </a:lvl3pPr>
-            <a:lvl4pPr marL="1028700" indent="0">
-              <a:buNone/>
-              <a:defRPr sz="1200" b="1"/>
+            <a:lvl4pPr marL="1371600" indent="0">
+              <a:buNone/>
+              <a:defRPr sz="1600" b="1"/>
             </a:lvl4pPr>
-            <a:lvl5pPr marL="1371600" indent="0">
-              <a:buNone/>
-              <a:defRPr sz="1200" b="1"/>
+            <a:lvl5pPr marL="1828800" indent="0">
+              <a:buNone/>
+              <a:defRPr sz="1600" b="1"/>
             </a:lvl5pPr>
-            <a:lvl6pPr marL="1714500" indent="0">
-              <a:buNone/>
-              <a:defRPr sz="1200" b="1"/>
+            <a:lvl6pPr marL="2286000" indent="0">
+              <a:buNone/>
+              <a:defRPr sz="1600" b="1"/>
             </a:lvl6pPr>
-            <a:lvl7pPr marL="2057400" indent="0">
-              <a:buNone/>
-              <a:defRPr sz="1200" b="1"/>
+            <a:lvl7pPr marL="2743200" indent="0">
+              <a:buNone/>
+              <a:defRPr sz="1600" b="1"/>
             </a:lvl7pPr>
-            <a:lvl8pPr marL="2400300" indent="0">
-              <a:buNone/>
-              <a:defRPr sz="1200" b="1"/>
+            <a:lvl8pPr marL="3200400" indent="0">
+              <a:buNone/>
+              <a:defRPr sz="1600" b="1"/>
             </a:lvl8pPr>
-            <a:lvl9pPr marL="2743200" indent="0">
-              <a:buNone/>
-              <a:defRPr sz="1200" b="1"/>
+            <a:lvl9pPr marL="3657600" indent="0">
+              <a:buNone/>
+              <a:defRPr sz="1600" b="1"/>
             </a:lvl9pPr>
           </a:lstStyle>
           <a:p>
@@ -5600,8 +5594,8 @@
         </p:nvSpPr>
         <p:spPr>
           <a:xfrm>
-            <a:off x="5853241" y="2256354"/>
-            <a:ext cx="2199085" cy="1524000"/>
+            <a:off x="7804321" y="2256354"/>
+            <a:ext cx="2932113" cy="1524000"/>
           </a:xfrm>
           <a:prstGeom prst="roundRect">
             <a:avLst>
@@ -5623,39 +5617,39 @@
           <a:lstStyle>
             <a:lvl1pPr marL="0" indent="0" algn="ctr">
               <a:buNone/>
-              <a:defRPr sz="1200"/>
+              <a:defRPr sz="1600"/>
             </a:lvl1pPr>
-            <a:lvl2pPr marL="342900" indent="0">
-              <a:buNone/>
-              <a:defRPr sz="1200"/>
+            <a:lvl2pPr marL="457200" indent="0">
+              <a:buNone/>
+              <a:defRPr sz="1600"/>
             </a:lvl2pPr>
-            <a:lvl3pPr marL="685800" indent="0">
-              <a:buNone/>
-              <a:defRPr sz="1200"/>
+            <a:lvl3pPr marL="914400" indent="0">
+              <a:buNone/>
+              <a:defRPr sz="1600"/>
             </a:lvl3pPr>
-            <a:lvl4pPr marL="1028700" indent="0">
-              <a:buNone/>
-              <a:defRPr sz="1200"/>
+            <a:lvl4pPr marL="1371600" indent="0">
+              <a:buNone/>
+              <a:defRPr sz="1600"/>
             </a:lvl4pPr>
-            <a:lvl5pPr marL="1371600" indent="0">
-              <a:buNone/>
-              <a:defRPr sz="1200"/>
+            <a:lvl5pPr marL="1828800" indent="0">
+              <a:buNone/>
+              <a:defRPr sz="1600"/>
             </a:lvl5pPr>
-            <a:lvl6pPr marL="1714500" indent="0">
-              <a:buNone/>
-              <a:defRPr sz="1200"/>
+            <a:lvl6pPr marL="2286000" indent="0">
+              <a:buNone/>
+              <a:defRPr sz="1600"/>
             </a:lvl6pPr>
-            <a:lvl7pPr marL="2057400" indent="0">
-              <a:buNone/>
-              <a:defRPr sz="1200"/>
+            <a:lvl7pPr marL="2743200" indent="0">
+              <a:buNone/>
+              <a:defRPr sz="1600"/>
             </a:lvl7pPr>
-            <a:lvl8pPr marL="2400300" indent="0">
-              <a:buNone/>
-              <a:defRPr sz="1200"/>
+            <a:lvl8pPr marL="3200400" indent="0">
+              <a:buNone/>
+              <a:defRPr sz="1600"/>
             </a:lvl8pPr>
-            <a:lvl9pPr marL="2743200" indent="0">
-              <a:buNone/>
-              <a:defRPr sz="1200"/>
+            <a:lvl9pPr marL="3657600" indent="0">
+              <a:buNone/>
+              <a:defRPr sz="1600"/>
             </a:lvl9pPr>
           </a:lstStyle>
           <a:p>
@@ -5679,8 +5673,8 @@
         </p:nvSpPr>
         <p:spPr>
           <a:xfrm>
-            <a:off x="5853148" y="4873763"/>
-            <a:ext cx="2201998" cy="659189"/>
+            <a:off x="7804197" y="4873762"/>
+            <a:ext cx="2935997" cy="659189"/>
           </a:xfrm>
         </p:spPr>
         <p:txBody>
@@ -5690,39 +5684,39 @@
           <a:lstStyle>
             <a:lvl1pPr marL="0" indent="0">
               <a:buNone/>
-              <a:defRPr sz="1050"/>
+              <a:defRPr sz="1400"/>
             </a:lvl1pPr>
-            <a:lvl2pPr marL="342900" indent="0">
+            <a:lvl2pPr marL="457200" indent="0">
+              <a:buNone/>
+              <a:defRPr sz="1200"/>
+            </a:lvl2pPr>
+            <a:lvl3pPr marL="914400" indent="0">
+              <a:buNone/>
+              <a:defRPr sz="1000"/>
+            </a:lvl3pPr>
+            <a:lvl4pPr marL="1371600" indent="0">
               <a:buNone/>
               <a:defRPr sz="900"/>
-            </a:lvl2pPr>
-            <a:lvl3pPr marL="685800" indent="0">
-              <a:buNone/>
-              <a:defRPr sz="750"/>
-            </a:lvl3pPr>
-            <a:lvl4pPr marL="1028700" indent="0">
-              <a:buNone/>
-              <a:defRPr sz="675"/>
             </a:lvl4pPr>
-            <a:lvl5pPr marL="1371600" indent="0">
-              <a:buNone/>
-              <a:defRPr sz="675"/>
+            <a:lvl5pPr marL="1828800" indent="0">
+              <a:buNone/>
+              <a:defRPr sz="900"/>
             </a:lvl5pPr>
-            <a:lvl6pPr marL="1714500" indent="0">
-              <a:buNone/>
-              <a:defRPr sz="675"/>
+            <a:lvl6pPr marL="2286000" indent="0">
+              <a:buNone/>
+              <a:defRPr sz="900"/>
             </a:lvl6pPr>
-            <a:lvl7pPr marL="2057400" indent="0">
-              <a:buNone/>
-              <a:defRPr sz="675"/>
+            <a:lvl7pPr marL="2743200" indent="0">
+              <a:buNone/>
+              <a:defRPr sz="900"/>
             </a:lvl7pPr>
-            <a:lvl8pPr marL="2400300" indent="0">
-              <a:buNone/>
-              <a:defRPr sz="675"/>
+            <a:lvl8pPr marL="3200400" indent="0">
+              <a:buNone/>
+              <a:defRPr sz="900"/>
             </a:lvl8pPr>
-            <a:lvl9pPr marL="2743200" indent="0">
-              <a:buNone/>
-              <a:defRPr sz="675"/>
+            <a:lvl9pPr marL="3657600" indent="0">
+              <a:buNone/>
+              <a:defRPr sz="900"/>
             </a:lvl9pPr>
           </a:lstStyle>
           <a:p>
@@ -5802,7 +5796,7 @@
     </p:spTree>
     <p:extLst>
       <p:ext uri="{BB962C8B-B14F-4D97-AF65-F5344CB8AC3E}">
-        <p14:creationId xmlns:p14="http://schemas.microsoft.com/office/powerpoint/2010/main" val="1186517753"/>
+        <p14:creationId xmlns:p14="http://schemas.microsoft.com/office/powerpoint/2010/main" val="1276616277"/>
       </p:ext>
     </p:extLst>
   </p:cSld>
@@ -5972,7 +5966,7 @@
     </p:spTree>
     <p:extLst>
       <p:ext uri="{BB962C8B-B14F-4D97-AF65-F5344CB8AC3E}">
-        <p14:creationId xmlns:p14="http://schemas.microsoft.com/office/powerpoint/2010/main" val="4176119453"/>
+        <p14:creationId xmlns:p14="http://schemas.microsoft.com/office/powerpoint/2010/main" val="2178128772"/>
       </p:ext>
     </p:extLst>
   </p:cSld>
@@ -6011,8 +6005,8 @@
         </p:nvSpPr>
         <p:spPr>
           <a:xfrm>
-            <a:off x="6543675" y="365125"/>
-            <a:ext cx="1971675" cy="5811838"/>
+            <a:off x="8724900" y="365125"/>
+            <a:ext cx="2628900" cy="5811838"/>
           </a:xfrm>
         </p:spPr>
         <p:txBody>
@@ -6039,8 +6033,8 @@
         </p:nvSpPr>
         <p:spPr>
           <a:xfrm>
-            <a:off x="628650" y="365125"/>
-            <a:ext cx="5800725" cy="5811838"/>
+            <a:off x="838200" y="365125"/>
+            <a:ext cx="7734300" cy="5811838"/>
           </a:xfrm>
         </p:spPr>
         <p:txBody>
@@ -6152,7 +6146,7 @@
     </p:spTree>
     <p:extLst>
       <p:ext uri="{BB962C8B-B14F-4D97-AF65-F5344CB8AC3E}">
-        <p14:creationId xmlns:p14="http://schemas.microsoft.com/office/powerpoint/2010/main" val="2797192279"/>
+        <p14:creationId xmlns:p14="http://schemas.microsoft.com/office/powerpoint/2010/main" val="947720928"/>
       </p:ext>
     </p:extLst>
   </p:cSld>
@@ -6261,8 +6255,8 @@
         </p:nvSpPr>
         <p:spPr>
           <a:xfrm>
-            <a:off x="4343400" y="1498600"/>
-            <a:ext cx="4343400" cy="4140200"/>
+            <a:off x="5791200" y="1498600"/>
+            <a:ext cx="5791200" cy="4140200"/>
           </a:xfrm>
         </p:spPr>
         <p:txBody>
@@ -6291,8 +6285,8 @@
         </p:nvSpPr>
         <p:spPr>
           <a:xfrm>
-            <a:off x="533400" y="1803401"/>
-            <a:ext cx="2217906" cy="378884"/>
+            <a:off x="711200" y="1803401"/>
+            <a:ext cx="2957208" cy="378884"/>
           </a:xfrm>
         </p:spPr>
         <p:txBody>
@@ -6357,8 +6351,8 @@
         </p:nvSpPr>
         <p:spPr>
           <a:xfrm>
-            <a:off x="533400" y="2108200"/>
-            <a:ext cx="2743200" cy="812800"/>
+            <a:off x="711200" y="2108200"/>
+            <a:ext cx="3657600" cy="812800"/>
           </a:xfrm>
         </p:spPr>
         <p:txBody>
@@ -6422,8 +6416,8 @@
         </p:nvSpPr>
         <p:spPr>
           <a:xfrm>
-            <a:off x="533400" y="3225801"/>
-            <a:ext cx="2217906" cy="378884"/>
+            <a:off x="711200" y="3225801"/>
+            <a:ext cx="2957208" cy="378884"/>
           </a:xfrm>
         </p:spPr>
         <p:txBody>
@@ -6488,8 +6482,8 @@
         </p:nvSpPr>
         <p:spPr>
           <a:xfrm>
-            <a:off x="533400" y="3530600"/>
-            <a:ext cx="2743200" cy="812800"/>
+            <a:off x="711200" y="3530600"/>
+            <a:ext cx="3657600" cy="812800"/>
           </a:xfrm>
         </p:spPr>
         <p:txBody>
@@ -6553,8 +6547,8 @@
         </p:nvSpPr>
         <p:spPr>
           <a:xfrm>
-            <a:off x="533400" y="4648201"/>
-            <a:ext cx="2217906" cy="378884"/>
+            <a:off x="711200" y="4648201"/>
+            <a:ext cx="2957208" cy="378884"/>
           </a:xfrm>
         </p:spPr>
         <p:txBody>
@@ -6619,8 +6613,8 @@
         </p:nvSpPr>
         <p:spPr>
           <a:xfrm>
-            <a:off x="533400" y="4953000"/>
-            <a:ext cx="2743200" cy="812800"/>
+            <a:off x="711200" y="4953000"/>
+            <a:ext cx="3657600" cy="812800"/>
           </a:xfrm>
         </p:spPr>
         <p:txBody>
@@ -6675,7 +6669,7 @@
     </p:spTree>
     <p:extLst>
       <p:ext uri="{BB962C8B-B14F-4D97-AF65-F5344CB8AC3E}">
-        <p14:creationId xmlns:p14="http://schemas.microsoft.com/office/powerpoint/2010/main" val="3358545588"/>
+        <p14:creationId xmlns:p14="http://schemas.microsoft.com/office/powerpoint/2010/main" val="2290400280"/>
       </p:ext>
     </p:extLst>
   </p:cSld>
@@ -6729,8 +6723,8 @@
         </p:nvSpPr>
         <p:spPr>
           <a:xfrm>
-            <a:off x="623888" y="1712423"/>
-            <a:ext cx="7886700" cy="2851208"/>
+            <a:off x="831851" y="1712423"/>
+            <a:ext cx="10515600" cy="2851208"/>
           </a:xfrm>
         </p:spPr>
         <p:txBody>
@@ -6763,8 +6757,8 @@
         </p:nvSpPr>
         <p:spPr>
           <a:xfrm>
-            <a:off x="623888" y="4552634"/>
-            <a:ext cx="7886700" cy="1500187"/>
+            <a:off x="831851" y="4552635"/>
+            <a:ext cx="10515600" cy="1500187"/>
           </a:xfrm>
         </p:spPr>
         <p:txBody>
@@ -7003,8 +6997,8 @@
         </p:nvSpPr>
         <p:spPr>
           <a:xfrm>
-            <a:off x="633845" y="1828801"/>
-            <a:ext cx="3886200" cy="4351337"/>
+            <a:off x="845127" y="1828802"/>
+            <a:ext cx="5181600" cy="4351337"/>
           </a:xfrm>
         </p:spPr>
         <p:txBody>
@@ -7060,8 +7054,8 @@
         </p:nvSpPr>
         <p:spPr>
           <a:xfrm>
-            <a:off x="4629150" y="1828801"/>
-            <a:ext cx="3886200" cy="4351337"/>
+            <a:off x="6172200" y="1828802"/>
+            <a:ext cx="5181600" cy="4351337"/>
           </a:xfrm>
         </p:spPr>
         <p:txBody>
@@ -7212,8 +7206,8 @@
         </p:nvSpPr>
         <p:spPr>
           <a:xfrm>
-            <a:off x="633845" y="1681851"/>
-            <a:ext cx="3867150" cy="825699"/>
+            <a:off x="845127" y="1681852"/>
+            <a:ext cx="5156200" cy="825699"/>
           </a:xfrm>
         </p:spPr>
         <p:txBody>
@@ -7282,8 +7276,8 @@
         </p:nvSpPr>
         <p:spPr>
           <a:xfrm>
-            <a:off x="633845" y="2507551"/>
-            <a:ext cx="3867150" cy="3680525"/>
+            <a:off x="845127" y="2507552"/>
+            <a:ext cx="5156200" cy="3680525"/>
           </a:xfrm>
         </p:spPr>
         <p:txBody>
@@ -7339,8 +7333,8 @@
         </p:nvSpPr>
         <p:spPr>
           <a:xfrm>
-            <a:off x="4629150" y="1681851"/>
-            <a:ext cx="3886201" cy="825698"/>
+            <a:off x="6172201" y="1681851"/>
+            <a:ext cx="5181601" cy="825698"/>
           </a:xfrm>
         </p:spPr>
         <p:txBody>
@@ -7407,8 +7401,8 @@
         </p:nvSpPr>
         <p:spPr>
           <a:xfrm>
-            <a:off x="4629150" y="2507551"/>
-            <a:ext cx="3886201" cy="3680525"/>
+            <a:off x="6172201" y="2507552"/>
+            <a:ext cx="5181601" cy="3680525"/>
           </a:xfrm>
         </p:spPr>
         <p:txBody>
@@ -7795,8 +7789,8 @@
         </p:nvSpPr>
         <p:spPr>
           <a:xfrm>
-            <a:off x="630936" y="457201"/>
-            <a:ext cx="2948940" cy="1600197"/>
+            <a:off x="841248" y="457202"/>
+            <a:ext cx="3931920" cy="1600197"/>
           </a:xfrm>
         </p:spPr>
         <p:txBody>
@@ -7829,8 +7823,8 @@
         </p:nvSpPr>
         <p:spPr>
           <a:xfrm>
-            <a:off x="3886200" y="990600"/>
-            <a:ext cx="4629150" cy="4876800"/>
+            <a:off x="5181600" y="990600"/>
+            <a:ext cx="6172200" cy="4876800"/>
           </a:xfrm>
         </p:spPr>
         <p:txBody>
@@ -7914,8 +7908,8 @@
         </p:nvSpPr>
         <p:spPr>
           <a:xfrm>
-            <a:off x="630936" y="2057399"/>
-            <a:ext cx="2948940" cy="3810001"/>
+            <a:off x="841248" y="2057399"/>
+            <a:ext cx="3931920" cy="3810001"/>
           </a:xfrm>
         </p:spPr>
         <p:txBody>
@@ -8079,8 +8073,8 @@
         </p:nvSpPr>
         <p:spPr>
           <a:xfrm>
-            <a:off x="630936" y="457200"/>
-            <a:ext cx="2948940" cy="1600200"/>
+            <a:off x="841248" y="457200"/>
+            <a:ext cx="3931920" cy="1600200"/>
           </a:xfrm>
         </p:spPr>
         <p:txBody>
@@ -8113,8 +8107,8 @@
         </p:nvSpPr>
         <p:spPr>
           <a:xfrm>
-            <a:off x="3886200" y="990600"/>
-            <a:ext cx="4629150" cy="4876800"/>
+            <a:off x="5181600" y="990600"/>
+            <a:ext cx="6172200" cy="4876800"/>
           </a:xfrm>
         </p:spPr>
         <p:txBody>
@@ -8178,8 +8172,8 @@
         </p:nvSpPr>
         <p:spPr>
           <a:xfrm>
-            <a:off x="630936" y="2057400"/>
-            <a:ext cx="2948940" cy="3810000"/>
+            <a:off x="841248" y="2057400"/>
+            <a:ext cx="3931920" cy="3810000"/>
           </a:xfrm>
         </p:spPr>
         <p:txBody>
@@ -8351,8 +8345,8 @@
         </p:nvSpPr>
         <p:spPr>
           <a:xfrm>
-            <a:off x="633845" y="365760"/>
-            <a:ext cx="7886700" cy="1325562"/>
+            <a:off x="845127" y="365760"/>
+            <a:ext cx="10515600" cy="1325562"/>
           </a:xfrm>
           <a:prstGeom prst="rect">
             <a:avLst/>
@@ -8384,8 +8378,8 @@
         </p:nvSpPr>
         <p:spPr>
           <a:xfrm>
-            <a:off x="633845" y="1828801"/>
-            <a:ext cx="7886700" cy="4351337"/>
+            <a:off x="845127" y="1828802"/>
+            <a:ext cx="10515600" cy="4351337"/>
           </a:xfrm>
           <a:prstGeom prst="rect">
             <a:avLst/>
@@ -8446,8 +8440,8 @@
         </p:nvSpPr>
         <p:spPr>
           <a:xfrm>
-            <a:off x="628650" y="6356351"/>
-            <a:ext cx="2057400" cy="365125"/>
+            <a:off x="838200" y="6356352"/>
+            <a:ext cx="2743200" cy="365125"/>
           </a:xfrm>
           <a:prstGeom prst="rect">
             <a:avLst/>
@@ -8488,8 +8482,8 @@
         </p:nvSpPr>
         <p:spPr>
           <a:xfrm>
-            <a:off x="3028950" y="6356351"/>
-            <a:ext cx="3086100" cy="365125"/>
+            <a:off x="4038600" y="6356352"/>
+            <a:ext cx="4114800" cy="365125"/>
           </a:xfrm>
           <a:prstGeom prst="rect">
             <a:avLst/>
@@ -8526,8 +8520,8 @@
         </p:nvSpPr>
         <p:spPr>
           <a:xfrm>
-            <a:off x="6463145" y="6356351"/>
-            <a:ext cx="2057400" cy="365125"/>
+            <a:off x="8617527" y="6356352"/>
+            <a:ext cx="2743200" cy="365125"/>
           </a:xfrm>
           <a:prstGeom prst="rect">
             <a:avLst/>
@@ -8852,9 +8846,15 @@
   <p:cSld>
     <p:bg>
       <p:bgPr>
-        <a:solidFill>
-          <a:srgbClr val="0070C0"/>
-        </a:solidFill>
+        <a:blipFill dpi="0" rotWithShape="1">
+          <a:blip r:embed="rId20">
+            <a:lum/>
+          </a:blip>
+          <a:srcRect/>
+          <a:stretch>
+            <a:fillRect/>
+          </a:stretch>
+        </a:blipFill>
         <a:effectLst/>
       </p:bgPr>
     </p:bg>
@@ -8884,8 +8884,8 @@
         </p:nvSpPr>
         <p:spPr>
           <a:xfrm>
-            <a:off x="628650" y="365126"/>
-            <a:ext cx="7886700" cy="1325563"/>
+            <a:off x="838200" y="365125"/>
+            <a:ext cx="10515600" cy="1325563"/>
           </a:xfrm>
           <a:prstGeom prst="rect">
             <a:avLst/>
@@ -8917,8 +8917,8 @@
         </p:nvSpPr>
         <p:spPr>
           <a:xfrm>
-            <a:off x="840000" y="1825625"/>
-            <a:ext cx="7675350" cy="4351338"/>
+            <a:off x="1120000" y="1825625"/>
+            <a:ext cx="10233800" cy="4351338"/>
           </a:xfrm>
           <a:prstGeom prst="rect">
             <a:avLst/>
@@ -8979,8 +8979,8 @@
         </p:nvSpPr>
         <p:spPr>
           <a:xfrm>
-            <a:off x="628650" y="6356351"/>
-            <a:ext cx="2057400" cy="365125"/>
+            <a:off x="838200" y="6356350"/>
+            <a:ext cx="2743200" cy="365125"/>
           </a:xfrm>
           <a:prstGeom prst="rect">
             <a:avLst/>
@@ -8990,7 +8990,7 @@
           <a:bodyPr vert="horz" lIns="91440" tIns="45720" rIns="91440" bIns="45720" rtlCol="0" anchor="ctr"/>
           <a:lstStyle>
             <a:lvl1pPr algn="l">
-              <a:defRPr sz="900">
+              <a:defRPr sz="1200">
                 <a:gradFill flip="none" rotWithShape="1">
                   <a:gsLst>
                     <a:gs pos="28000">
@@ -9038,8 +9038,8 @@
         </p:nvSpPr>
         <p:spPr>
           <a:xfrm>
-            <a:off x="3028950" y="6356351"/>
-            <a:ext cx="3086100" cy="365125"/>
+            <a:off x="4038600" y="6356350"/>
+            <a:ext cx="4114800" cy="365125"/>
           </a:xfrm>
           <a:prstGeom prst="rect">
             <a:avLst/>
@@ -9049,7 +9049,7 @@
           <a:bodyPr vert="horz" lIns="91440" tIns="45720" rIns="91440" bIns="45720" rtlCol="0" anchor="ctr"/>
           <a:lstStyle>
             <a:lvl1pPr algn="ctr">
-              <a:defRPr sz="900">
+              <a:defRPr sz="1200">
                 <a:gradFill flip="none" rotWithShape="1">
                   <a:gsLst>
                     <a:gs pos="28000">
@@ -9093,8 +9093,8 @@
         </p:nvSpPr>
         <p:spPr>
           <a:xfrm>
-            <a:off x="6457950" y="6356351"/>
-            <a:ext cx="2057400" cy="365125"/>
+            <a:off x="8610600" y="6356350"/>
+            <a:ext cx="2743200" cy="365125"/>
           </a:xfrm>
           <a:prstGeom prst="rect">
             <a:avLst/>
@@ -9104,7 +9104,7 @@
           <a:bodyPr vert="horz" lIns="91440" tIns="45720" rIns="91440" bIns="45720" rtlCol="0" anchor="ctr"/>
           <a:lstStyle>
             <a:lvl1pPr algn="r">
-              <a:defRPr sz="900">
+              <a:defRPr sz="1200">
                 <a:gradFill flip="none" rotWithShape="1">
                   <a:gsLst>
                     <a:gs pos="28000">
@@ -9143,34 +9143,34 @@
     </p:spTree>
     <p:extLst>
       <p:ext uri="{BB962C8B-B14F-4D97-AF65-F5344CB8AC3E}">
-        <p14:creationId xmlns:p14="http://schemas.microsoft.com/office/powerpoint/2010/main" val="1851571555"/>
+        <p14:creationId xmlns:p14="http://schemas.microsoft.com/office/powerpoint/2010/main" val="1661069202"/>
       </p:ext>
     </p:extLst>
   </p:cSld>
   <p:clrMap bg1="dk1" tx1="lt1" bg2="dk2" tx2="lt2" accent1="accent1" accent2="accent2" accent3="accent3" accent4="accent4" accent5="accent5" accent6="accent6" hlink="hlink" folHlink="folHlink"/>
   <p:sldLayoutIdLst>
-    <p:sldLayoutId id="2147483739" r:id="rId1"/>
-    <p:sldLayoutId id="2147483740" r:id="rId2"/>
-    <p:sldLayoutId id="2147483741" r:id="rId3"/>
-    <p:sldLayoutId id="2147483742" r:id="rId4"/>
-    <p:sldLayoutId id="2147483743" r:id="rId5"/>
-    <p:sldLayoutId id="2147483744" r:id="rId6"/>
-    <p:sldLayoutId id="2147483745" r:id="rId7"/>
-    <p:sldLayoutId id="2147483746" r:id="rId8"/>
-    <p:sldLayoutId id="2147483747" r:id="rId9"/>
-    <p:sldLayoutId id="2147483748" r:id="rId10"/>
-    <p:sldLayoutId id="2147483749" r:id="rId11"/>
-    <p:sldLayoutId id="2147483750" r:id="rId12"/>
-    <p:sldLayoutId id="2147483751" r:id="rId13"/>
-    <p:sldLayoutId id="2147483752" r:id="rId14"/>
-    <p:sldLayoutId id="2147483753" r:id="rId15"/>
-    <p:sldLayoutId id="2147483754" r:id="rId16"/>
-    <p:sldLayoutId id="2147483755" r:id="rId17"/>
-    <p:sldLayoutId id="2147483756" r:id="rId18"/>
+    <p:sldLayoutId id="2147483758" r:id="rId1"/>
+    <p:sldLayoutId id="2147483759" r:id="rId2"/>
+    <p:sldLayoutId id="2147483760" r:id="rId3"/>
+    <p:sldLayoutId id="2147483761" r:id="rId4"/>
+    <p:sldLayoutId id="2147483762" r:id="rId5"/>
+    <p:sldLayoutId id="2147483763" r:id="rId6"/>
+    <p:sldLayoutId id="2147483764" r:id="rId7"/>
+    <p:sldLayoutId id="2147483765" r:id="rId8"/>
+    <p:sldLayoutId id="2147483766" r:id="rId9"/>
+    <p:sldLayoutId id="2147483767" r:id="rId10"/>
+    <p:sldLayoutId id="2147483768" r:id="rId11"/>
+    <p:sldLayoutId id="2147483769" r:id="rId12"/>
+    <p:sldLayoutId id="2147483770" r:id="rId13"/>
+    <p:sldLayoutId id="2147483771" r:id="rId14"/>
+    <p:sldLayoutId id="2147483772" r:id="rId15"/>
+    <p:sldLayoutId id="2147483773" r:id="rId16"/>
+    <p:sldLayoutId id="2147483774" r:id="rId17"/>
+    <p:sldLayoutId id="2147483775" r:id="rId18"/>
   </p:sldLayoutIdLst>
   <p:txStyles>
     <p:titleStyle>
-      <a:lvl1pPr algn="l" defTabSz="685800" rtl="0" eaLnBrk="1" latinLnBrk="0" hangingPunct="1">
+      <a:lvl1pPr algn="l" defTabSz="914400" rtl="0" eaLnBrk="1" latinLnBrk="0" hangingPunct="1">
         <a:lnSpc>
           <a:spcPct val="90000"/>
         </a:lnSpc>
@@ -9178,7 +9178,7 @@
           <a:spcPct val="0"/>
         </a:spcBef>
         <a:buNone/>
-        <a:defRPr sz="4400" b="0" kern="1200">
+        <a:defRPr sz="5400" b="0" kern="1200">
           <a:gradFill flip="none" rotWithShape="1">
             <a:gsLst>
               <a:gs pos="28000">
@@ -9209,12 +9209,49 @@
       </a:lvl1pPr>
     </p:titleStyle>
     <p:bodyStyle>
-      <a:lvl1pPr marL="171450" indent="-171450" algn="l" defTabSz="685800" rtl="0" eaLnBrk="1" latinLnBrk="0" hangingPunct="1">
+      <a:lvl1pPr marL="228600" indent="-228600" algn="l" defTabSz="914400" rtl="0" eaLnBrk="1" latinLnBrk="0" hangingPunct="1">
         <a:lnSpc>
           <a:spcPct val="90000"/>
         </a:lnSpc>
         <a:spcBef>
-          <a:spcPts val="750"/>
+          <a:spcPts val="1000"/>
+        </a:spcBef>
+        <a:buFont typeface="Arial" panose="020B0604020202020204" pitchFamily="34" charset="0"/>
+        <a:buChar char="•"/>
+        <a:defRPr sz="2800" kern="1200">
+          <a:gradFill>
+            <a:gsLst>
+              <a:gs pos="34000">
+                <a:schemeClr val="tx1">
+                  <a:lumMod val="93000"/>
+                </a:schemeClr>
+              </a:gs>
+              <a:gs pos="0">
+                <a:schemeClr val="bg1">
+                  <a:lumMod val="13000"/>
+                  <a:lumOff val="87000"/>
+                </a:schemeClr>
+              </a:gs>
+              <a:gs pos="100000">
+                <a:schemeClr val="tx2">
+                  <a:lumMod val="0"/>
+                  <a:lumOff val="100000"/>
+                </a:schemeClr>
+              </a:gs>
+            </a:gsLst>
+            <a:lin ang="4800000" scaled="0"/>
+          </a:gradFill>
+          <a:latin typeface="+mn-lt"/>
+          <a:ea typeface="+mn-ea"/>
+          <a:cs typeface="+mn-cs"/>
+        </a:defRPr>
+      </a:lvl1pPr>
+      <a:lvl2pPr marL="685800" indent="-228600" algn="l" defTabSz="914400" rtl="0" eaLnBrk="1" latinLnBrk="0" hangingPunct="1">
+        <a:lnSpc>
+          <a:spcPct val="90000"/>
+        </a:lnSpc>
+        <a:spcBef>
+          <a:spcPts val="500"/>
         </a:spcBef>
         <a:buFont typeface="Arial" panose="020B0604020202020204" pitchFamily="34" charset="0"/>
         <a:buChar char="•"/>
@@ -9245,13 +9282,13 @@
           <a:ea typeface="+mn-ea"/>
           <a:cs typeface="+mn-cs"/>
         </a:defRPr>
-      </a:lvl1pPr>
-      <a:lvl2pPr marL="514350" indent="-171450" algn="l" defTabSz="685800" rtl="0" eaLnBrk="1" latinLnBrk="0" hangingPunct="1">
+      </a:lvl2pPr>
+      <a:lvl3pPr marL="1143000" indent="-228600" algn="l" defTabSz="914400" rtl="0" eaLnBrk="1" latinLnBrk="0" hangingPunct="1">
         <a:lnSpc>
           <a:spcPct val="90000"/>
         </a:lnSpc>
         <a:spcBef>
-          <a:spcPts val="375"/>
+          <a:spcPts val="500"/>
         </a:spcBef>
         <a:buFont typeface="Arial" panose="020B0604020202020204" pitchFamily="34" charset="0"/>
         <a:buChar char="•"/>
@@ -9282,54 +9319,17 @@
           <a:ea typeface="+mn-ea"/>
           <a:cs typeface="+mn-cs"/>
         </a:defRPr>
-      </a:lvl2pPr>
-      <a:lvl3pPr marL="857250" indent="-171450" algn="l" defTabSz="685800" rtl="0" eaLnBrk="1" latinLnBrk="0" hangingPunct="1">
+      </a:lvl3pPr>
+      <a:lvl4pPr marL="1600200" indent="-228600" algn="l" defTabSz="914400" rtl="0" eaLnBrk="1" latinLnBrk="0" hangingPunct="1">
         <a:lnSpc>
           <a:spcPct val="90000"/>
         </a:lnSpc>
         <a:spcBef>
-          <a:spcPts val="375"/>
+          <a:spcPts val="500"/>
         </a:spcBef>
         <a:buFont typeface="Arial" panose="020B0604020202020204" pitchFamily="34" charset="0"/>
         <a:buChar char="•"/>
-        <a:defRPr sz="1600" kern="1200">
-          <a:gradFill>
-            <a:gsLst>
-              <a:gs pos="34000">
-                <a:schemeClr val="tx1">
-                  <a:lumMod val="93000"/>
-                </a:schemeClr>
-              </a:gs>
-              <a:gs pos="0">
-                <a:schemeClr val="bg1">
-                  <a:lumMod val="13000"/>
-                  <a:lumOff val="87000"/>
-                </a:schemeClr>
-              </a:gs>
-              <a:gs pos="100000">
-                <a:schemeClr val="tx2">
-                  <a:lumMod val="0"/>
-                  <a:lumOff val="100000"/>
-                </a:schemeClr>
-              </a:gs>
-            </a:gsLst>
-            <a:lin ang="4800000" scaled="0"/>
-          </a:gradFill>
-          <a:latin typeface="+mn-lt"/>
-          <a:ea typeface="+mn-ea"/>
-          <a:cs typeface="+mn-cs"/>
-        </a:defRPr>
-      </a:lvl3pPr>
-      <a:lvl4pPr marL="1200150" indent="-171450" algn="l" defTabSz="685800" rtl="0" eaLnBrk="1" latinLnBrk="0" hangingPunct="1">
-        <a:lnSpc>
-          <a:spcPct val="90000"/>
-        </a:lnSpc>
-        <a:spcBef>
-          <a:spcPts val="375"/>
-        </a:spcBef>
-        <a:buFont typeface="Arial" panose="020B0604020202020204" pitchFamily="34" charset="0"/>
-        <a:buChar char="•"/>
-        <a:defRPr sz="1400" kern="1200">
+        <a:defRPr sz="1800" kern="1200">
           <a:gradFill>
             <a:gsLst>
               <a:gs pos="34000">
@@ -9357,16 +9357,16 @@
           <a:cs typeface="+mn-cs"/>
         </a:defRPr>
       </a:lvl4pPr>
-      <a:lvl5pPr marL="1543050" indent="-171450" algn="l" defTabSz="685800" rtl="0" eaLnBrk="1" latinLnBrk="0" hangingPunct="1">
+      <a:lvl5pPr marL="2057400" indent="-228600" algn="l" defTabSz="914400" rtl="0" eaLnBrk="1" latinLnBrk="0" hangingPunct="1">
         <a:lnSpc>
           <a:spcPct val="90000"/>
         </a:lnSpc>
         <a:spcBef>
-          <a:spcPts val="375"/>
+          <a:spcPts val="500"/>
         </a:spcBef>
         <a:buFont typeface="Arial" panose="020B0604020202020204" pitchFamily="34" charset="0"/>
         <a:buChar char="•"/>
-        <a:defRPr sz="1400" kern="1200">
+        <a:defRPr sz="1800" kern="1200">
           <a:gradFill>
             <a:gsLst>
               <a:gs pos="34000">
@@ -9394,16 +9394,16 @@
           <a:cs typeface="+mn-cs"/>
         </a:defRPr>
       </a:lvl5pPr>
-      <a:lvl6pPr marL="1885950" indent="-171450" algn="l" defTabSz="685800" rtl="0" eaLnBrk="1" latinLnBrk="0" hangingPunct="1">
+      <a:lvl6pPr marL="2514600" indent="-228600" algn="l" defTabSz="914400" rtl="0" eaLnBrk="1" latinLnBrk="0" hangingPunct="1">
         <a:lnSpc>
           <a:spcPct val="90000"/>
         </a:lnSpc>
         <a:spcBef>
-          <a:spcPts val="375"/>
+          <a:spcPts val="500"/>
         </a:spcBef>
         <a:buFont typeface="Arial" panose="020B0604020202020204" pitchFamily="34" charset="0"/>
         <a:buChar char="•"/>
-        <a:defRPr sz="1350" kern="1200">
+        <a:defRPr sz="1800" kern="1200">
           <a:solidFill>
             <a:schemeClr val="tx1"/>
           </a:solidFill>
@@ -9412,16 +9412,16 @@
           <a:cs typeface="+mn-cs"/>
         </a:defRPr>
       </a:lvl6pPr>
-      <a:lvl7pPr marL="2228850" indent="-171450" algn="l" defTabSz="685800" rtl="0" eaLnBrk="1" latinLnBrk="0" hangingPunct="1">
+      <a:lvl7pPr marL="2971800" indent="-228600" algn="l" defTabSz="914400" rtl="0" eaLnBrk="1" latinLnBrk="0" hangingPunct="1">
         <a:lnSpc>
           <a:spcPct val="90000"/>
         </a:lnSpc>
         <a:spcBef>
-          <a:spcPts val="375"/>
+          <a:spcPts val="500"/>
         </a:spcBef>
         <a:buFont typeface="Arial" panose="020B0604020202020204" pitchFamily="34" charset="0"/>
         <a:buChar char="•"/>
-        <a:defRPr sz="1350" kern="1200">
+        <a:defRPr sz="1800" kern="1200">
           <a:solidFill>
             <a:schemeClr val="tx1"/>
           </a:solidFill>
@@ -9430,16 +9430,16 @@
           <a:cs typeface="+mn-cs"/>
         </a:defRPr>
       </a:lvl7pPr>
-      <a:lvl8pPr marL="2571750" indent="-171450" algn="l" defTabSz="685800" rtl="0" eaLnBrk="1" latinLnBrk="0" hangingPunct="1">
+      <a:lvl8pPr marL="3429000" indent="-228600" algn="l" defTabSz="914400" rtl="0" eaLnBrk="1" latinLnBrk="0" hangingPunct="1">
         <a:lnSpc>
           <a:spcPct val="90000"/>
         </a:lnSpc>
         <a:spcBef>
-          <a:spcPts val="375"/>
+          <a:spcPts val="500"/>
         </a:spcBef>
         <a:buFont typeface="Arial" panose="020B0604020202020204" pitchFamily="34" charset="0"/>
         <a:buChar char="•"/>
-        <a:defRPr sz="1350" kern="1200">
+        <a:defRPr sz="1800" kern="1200">
           <a:solidFill>
             <a:schemeClr val="tx1"/>
           </a:solidFill>
@@ -9448,16 +9448,16 @@
           <a:cs typeface="+mn-cs"/>
         </a:defRPr>
       </a:lvl8pPr>
-      <a:lvl9pPr marL="2914650" indent="-171450" algn="l" defTabSz="685800" rtl="0" eaLnBrk="1" latinLnBrk="0" hangingPunct="1">
+      <a:lvl9pPr marL="3886200" indent="-228600" algn="l" defTabSz="914400" rtl="0" eaLnBrk="1" latinLnBrk="0" hangingPunct="1">
         <a:lnSpc>
           <a:spcPct val="90000"/>
         </a:lnSpc>
         <a:spcBef>
-          <a:spcPts val="375"/>
+          <a:spcPts val="500"/>
         </a:spcBef>
         <a:buFont typeface="Arial" panose="020B0604020202020204" pitchFamily="34" charset="0"/>
         <a:buChar char="•"/>
-        <a:defRPr sz="1350" kern="1200">
+        <a:defRPr sz="1800" kern="1200">
           <a:solidFill>
             <a:schemeClr val="tx1"/>
           </a:solidFill>
@@ -9471,8 +9471,8 @@
       <a:defPPr>
         <a:defRPr lang="en-US"/>
       </a:defPPr>
-      <a:lvl1pPr marL="0" algn="l" defTabSz="685800" rtl="0" eaLnBrk="1" latinLnBrk="0" hangingPunct="1">
-        <a:defRPr sz="1350" kern="1200">
+      <a:lvl1pPr marL="0" algn="l" defTabSz="914400" rtl="0" eaLnBrk="1" latinLnBrk="0" hangingPunct="1">
+        <a:defRPr sz="1800" kern="1200">
           <a:solidFill>
             <a:schemeClr val="tx1"/>
           </a:solidFill>
@@ -9481,8 +9481,8 @@
           <a:cs typeface="+mn-cs"/>
         </a:defRPr>
       </a:lvl1pPr>
-      <a:lvl2pPr marL="342900" algn="l" defTabSz="685800" rtl="0" eaLnBrk="1" latinLnBrk="0" hangingPunct="1">
-        <a:defRPr sz="1350" kern="1200">
+      <a:lvl2pPr marL="457200" algn="l" defTabSz="914400" rtl="0" eaLnBrk="1" latinLnBrk="0" hangingPunct="1">
+        <a:defRPr sz="1800" kern="1200">
           <a:solidFill>
             <a:schemeClr val="tx1"/>
           </a:solidFill>
@@ -9491,8 +9491,8 @@
           <a:cs typeface="+mn-cs"/>
         </a:defRPr>
       </a:lvl2pPr>
-      <a:lvl3pPr marL="685800" algn="l" defTabSz="685800" rtl="0" eaLnBrk="1" latinLnBrk="0" hangingPunct="1">
-        <a:defRPr sz="1350" kern="1200">
+      <a:lvl3pPr marL="914400" algn="l" defTabSz="914400" rtl="0" eaLnBrk="1" latinLnBrk="0" hangingPunct="1">
+        <a:defRPr sz="1800" kern="1200">
           <a:solidFill>
             <a:schemeClr val="tx1"/>
           </a:solidFill>
@@ -9501,8 +9501,8 @@
           <a:cs typeface="+mn-cs"/>
         </a:defRPr>
       </a:lvl3pPr>
-      <a:lvl4pPr marL="1028700" algn="l" defTabSz="685800" rtl="0" eaLnBrk="1" latinLnBrk="0" hangingPunct="1">
-        <a:defRPr sz="1350" kern="1200">
+      <a:lvl4pPr marL="1371600" algn="l" defTabSz="914400" rtl="0" eaLnBrk="1" latinLnBrk="0" hangingPunct="1">
+        <a:defRPr sz="1800" kern="1200">
           <a:solidFill>
             <a:schemeClr val="tx1"/>
           </a:solidFill>
@@ -9511,8 +9511,8 @@
           <a:cs typeface="+mn-cs"/>
         </a:defRPr>
       </a:lvl4pPr>
-      <a:lvl5pPr marL="1371600" algn="l" defTabSz="685800" rtl="0" eaLnBrk="1" latinLnBrk="0" hangingPunct="1">
-        <a:defRPr sz="1350" kern="1200">
+      <a:lvl5pPr marL="1828800" algn="l" defTabSz="914400" rtl="0" eaLnBrk="1" latinLnBrk="0" hangingPunct="1">
+        <a:defRPr sz="1800" kern="1200">
           <a:solidFill>
             <a:schemeClr val="tx1"/>
           </a:solidFill>
@@ -9521,8 +9521,8 @@
           <a:cs typeface="+mn-cs"/>
         </a:defRPr>
       </a:lvl5pPr>
-      <a:lvl6pPr marL="1714500" algn="l" defTabSz="685800" rtl="0" eaLnBrk="1" latinLnBrk="0" hangingPunct="1">
-        <a:defRPr sz="1350" kern="1200">
+      <a:lvl6pPr marL="2286000" algn="l" defTabSz="914400" rtl="0" eaLnBrk="1" latinLnBrk="0" hangingPunct="1">
+        <a:defRPr sz="1800" kern="1200">
           <a:solidFill>
             <a:schemeClr val="tx1"/>
           </a:solidFill>
@@ -9531,8 +9531,8 @@
           <a:cs typeface="+mn-cs"/>
         </a:defRPr>
       </a:lvl6pPr>
-      <a:lvl7pPr marL="2057400" algn="l" defTabSz="685800" rtl="0" eaLnBrk="1" latinLnBrk="0" hangingPunct="1">
-        <a:defRPr sz="1350" kern="1200">
+      <a:lvl7pPr marL="2743200" algn="l" defTabSz="914400" rtl="0" eaLnBrk="1" latinLnBrk="0" hangingPunct="1">
+        <a:defRPr sz="1800" kern="1200">
           <a:solidFill>
             <a:schemeClr val="tx1"/>
           </a:solidFill>
@@ -9541,8 +9541,8 @@
           <a:cs typeface="+mn-cs"/>
         </a:defRPr>
       </a:lvl7pPr>
-      <a:lvl8pPr marL="2400300" algn="l" defTabSz="685800" rtl="0" eaLnBrk="1" latinLnBrk="0" hangingPunct="1">
-        <a:defRPr sz="1350" kern="1200">
+      <a:lvl8pPr marL="3200400" algn="l" defTabSz="914400" rtl="0" eaLnBrk="1" latinLnBrk="0" hangingPunct="1">
+        <a:defRPr sz="1800" kern="1200">
           <a:solidFill>
             <a:schemeClr val="tx1"/>
           </a:solidFill>
@@ -9551,8 +9551,8 @@
           <a:cs typeface="+mn-cs"/>
         </a:defRPr>
       </a:lvl8pPr>
-      <a:lvl9pPr marL="2743200" algn="l" defTabSz="685800" rtl="0" eaLnBrk="1" latinLnBrk="0" hangingPunct="1">
-        <a:defRPr sz="1350" kern="1200">
+      <a:lvl9pPr marL="3657600" algn="l" defTabSz="914400" rtl="0" eaLnBrk="1" latinLnBrk="0" hangingPunct="1">
+        <a:defRPr sz="1800" kern="1200">
           <a:solidFill>
             <a:schemeClr val="tx1"/>
           </a:solidFill>
@@ -9569,6 +9569,14 @@
 <file path=ppt/slides/slide1.xml><?xml version="1.0" encoding="utf-8"?>
 <p:sld xmlns:a="http://schemas.openxmlformats.org/drawingml/2006/main" xmlns:r="http://schemas.openxmlformats.org/officeDocument/2006/relationships" xmlns:p="http://schemas.openxmlformats.org/presentationml/2006/main">
   <p:cSld>
+    <p:bg>
+      <p:bgPr>
+        <a:solidFill>
+          <a:srgbClr val="0070C0"/>
+        </a:solidFill>
+        <a:effectLst/>
+      </p:bgPr>
+    </p:bg>
     <p:spTree>
       <p:nvGrpSpPr>
         <p:cNvPr id="1" name=""/>
@@ -9595,7 +9603,7 @@
         </p:nvSpPr>
         <p:spPr>
           <a:xfrm>
-            <a:off x="1115616" y="908720"/>
+            <a:off x="2639616" y="908720"/>
             <a:ext cx="6858000" cy="1872208"/>
           </a:xfrm>
         </p:spPr>
@@ -9648,13 +9656,13 @@
         </p:nvSpPr>
         <p:spPr>
           <a:xfrm>
-            <a:off x="1143000" y="3429000"/>
+            <a:off x="2711624" y="4077072"/>
             <a:ext cx="6858000" cy="2232248"/>
           </a:xfrm>
         </p:spPr>
         <p:txBody>
           <a:bodyPr>
-            <a:normAutofit/>
+            <a:normAutofit lnSpcReduction="10000"/>
           </a:bodyPr>
           <a:lstStyle/>
           <a:p>
@@ -9718,7 +9726,7 @@
     <p:bg>
       <p:bgPr>
         <a:solidFill>
-          <a:schemeClr val="accent1"/>
+          <a:schemeClr val="accent6"/>
         </a:solidFill>
         <a:effectLst/>
       </p:bgPr>
@@ -9891,7 +9899,7 @@
     <p:bg>
       <p:bgPr>
         <a:solidFill>
-          <a:schemeClr val="accent1"/>
+          <a:schemeClr val="accent6"/>
         </a:solidFill>
         <a:effectLst/>
       </p:bgPr>
@@ -9991,6 +9999,14 @@
 <file path=ppt/slides/slide12.xml><?xml version="1.0" encoding="utf-8"?>
 <p:sld xmlns:a="http://schemas.openxmlformats.org/drawingml/2006/main" xmlns:r="http://schemas.openxmlformats.org/officeDocument/2006/relationships" xmlns:p="http://schemas.openxmlformats.org/presentationml/2006/main">
   <p:cSld>
+    <p:bg>
+      <p:bgPr>
+        <a:solidFill>
+          <a:srgbClr val="0070C0"/>
+        </a:solidFill>
+        <a:effectLst/>
+      </p:bgPr>
+    </p:bg>
     <p:spTree>
       <p:nvGrpSpPr>
         <p:cNvPr id="1" name=""/>
@@ -10038,7 +10054,7 @@
         </p:nvSpPr>
         <p:spPr bwMode="auto">
           <a:xfrm>
-            <a:off x="155575" y="-144463"/>
+            <a:off x="1679575" y="-144463"/>
             <a:ext cx="304800" cy="304801"/>
           </a:xfrm>
           <a:prstGeom prst="rect">
@@ -10090,7 +10106,7 @@
         </p:blipFill>
         <p:spPr bwMode="auto">
           <a:xfrm>
-            <a:off x="5889951" y="2204864"/>
+            <a:off x="7413952" y="2204864"/>
             <a:ext cx="2357823" cy="3024560"/>
           </a:xfrm>
           <a:prstGeom prst="rect">
@@ -10131,7 +10147,7 @@
         </p:blipFill>
         <p:spPr bwMode="auto">
           <a:xfrm>
-            <a:off x="1039503" y="2204864"/>
+            <a:off x="2563503" y="2204864"/>
             <a:ext cx="2285088" cy="3024560"/>
           </a:xfrm>
           <a:prstGeom prst="rect">
@@ -10172,7 +10188,7 @@
         </p:blipFill>
         <p:spPr bwMode="auto">
           <a:xfrm>
-            <a:off x="3516248" y="2204864"/>
+            <a:off x="5040249" y="2204864"/>
             <a:ext cx="2182047" cy="3024560"/>
           </a:xfrm>
           <a:prstGeom prst="rect">
@@ -10289,7 +10305,7 @@
         </p:blipFill>
         <p:spPr bwMode="auto">
           <a:xfrm>
-            <a:off x="2447925" y="2043113"/>
+            <a:off x="3971925" y="2043114"/>
             <a:ext cx="4248150" cy="2771775"/>
           </a:xfrm>
           <a:prstGeom prst="rect">
@@ -10438,7 +10454,7 @@
         </p:blipFill>
         <p:spPr bwMode="auto">
           <a:xfrm>
-            <a:off x="2195736" y="1844824"/>
+            <a:off x="3719737" y="1844825"/>
             <a:ext cx="4772025" cy="3800475"/>
           </a:xfrm>
           <a:prstGeom prst="rect">
@@ -10587,7 +10603,7 @@
         </p:blipFill>
         <p:spPr bwMode="auto">
           <a:xfrm>
-            <a:off x="2987824" y="1988840"/>
+            <a:off x="4511825" y="1988841"/>
             <a:ext cx="2924175" cy="3781425"/>
           </a:xfrm>
           <a:prstGeom prst="rect">
@@ -10736,7 +10752,7 @@
         </p:blipFill>
         <p:spPr bwMode="auto">
           <a:xfrm>
-            <a:off x="1187624" y="1484784"/>
+            <a:off x="2711624" y="1484784"/>
             <a:ext cx="6305550" cy="5162550"/>
           </a:xfrm>
           <a:prstGeom prst="rect">
@@ -10885,7 +10901,7 @@
         </p:blipFill>
         <p:spPr bwMode="auto">
           <a:xfrm>
-            <a:off x="1445766" y="2708920"/>
+            <a:off x="2969766" y="2708921"/>
             <a:ext cx="6210300" cy="2333625"/>
           </a:xfrm>
           <a:prstGeom prst="rect">
@@ -10939,6 +10955,14 @@
 <file path=ppt/slides/slide18.xml><?xml version="1.0" encoding="utf-8"?>
 <p:sld xmlns:a="http://schemas.openxmlformats.org/drawingml/2006/main" xmlns:r="http://schemas.openxmlformats.org/officeDocument/2006/relationships" xmlns:p="http://schemas.openxmlformats.org/presentationml/2006/main">
   <p:cSld>
+    <p:bg>
+      <p:bgPr>
+        <a:solidFill>
+          <a:srgbClr val="0070C0"/>
+        </a:solidFill>
+        <a:effectLst/>
+      </p:bgPr>
+    </p:bg>
     <p:spTree>
       <p:nvGrpSpPr>
         <p:cNvPr id="1" name=""/>
@@ -11245,14 +11269,16 @@
           </a:ln>
         </p:spPr>
         <p:txBody>
-          <a:bodyPr numCol="2"/>
+          <a:bodyPr numCol="2">
+            <a:normAutofit/>
+          </a:bodyPr>
           <a:lstStyle/>
           <a:p>
             <a:pPr marL="0" indent="0" algn="ctr">
               <a:buNone/>
             </a:pPr>
             <a:r>
-              <a:rPr lang="pt-BR" sz="3600" b="1" dirty="0">
+              <a:rPr lang="pt-BR" sz="4400" b="1" dirty="0">
                 <a:ln w="9525" cmpd="sng">
                   <a:solidFill>
                     <a:schemeClr val="bg1"/>
@@ -11278,7 +11304,7 @@
             <a:pPr marL="0" indent="0" algn="ctr">
               <a:buNone/>
             </a:pPr>
-            <a:endParaRPr lang="pt-BR" sz="3600" b="1" dirty="0" smtClean="0">
+            <a:endParaRPr lang="pt-BR" sz="4400" b="1" dirty="0">
               <a:ln w="9525" cmpd="sng">
                 <a:solidFill>
                   <a:schemeClr val="bg1"/>
@@ -11303,7 +11329,7 @@
               <a:buNone/>
             </a:pPr>
             <a:r>
-              <a:rPr lang="pt-BR" sz="3600" b="1" dirty="0" smtClean="0">
+              <a:rPr lang="pt-BR" sz="4400" b="1" dirty="0">
                 <a:ln w="9525" cmpd="sng">
                   <a:solidFill>
                     <a:schemeClr val="bg1"/>
@@ -11329,7 +11355,7 @@
             <a:pPr marL="0" indent="0" algn="ctr">
               <a:buNone/>
             </a:pPr>
-            <a:endParaRPr lang="pt-BR" sz="3600" b="1" dirty="0" smtClean="0">
+            <a:endParaRPr lang="pt-BR" sz="4400" b="1" dirty="0">
               <a:ln w="9525" cmpd="sng">
                 <a:solidFill>
                   <a:schemeClr val="bg1"/>
@@ -11354,7 +11380,7 @@
               <a:buNone/>
             </a:pPr>
             <a:r>
-              <a:rPr lang="pt-BR" sz="3600" b="1" dirty="0" smtClean="0">
+              <a:rPr lang="pt-BR" sz="4400" b="1" dirty="0">
                 <a:ln w="9525" cmpd="sng">
                   <a:solidFill>
                     <a:schemeClr val="bg1"/>
@@ -11378,7 +11404,7 @@
           </a:p>
           <a:p>
             <a:pPr algn="ctr"/>
-            <a:endParaRPr lang="pt-BR" sz="3600" b="1" dirty="0" smtClean="0">
+            <a:endParaRPr lang="pt-BR" sz="4400" b="1" dirty="0">
               <a:ln w="9525" cmpd="sng">
                 <a:solidFill>
                   <a:schemeClr val="bg1"/>
@@ -11402,7 +11428,56 @@
             <a:pPr marL="0" indent="0" algn="ctr">
               <a:buNone/>
             </a:pPr>
-            <a:endParaRPr lang="pt-BR" sz="3600" b="1" dirty="0" smtClean="0">
+            <a:r>
+              <a:rPr lang="pt-BR" sz="4400" b="1" smtClean="0">
+                <a:ln w="9525" cmpd="sng">
+                  <a:solidFill>
+                    <a:schemeClr val="bg1"/>
+                  </a:solidFill>
+                  <a:prstDash val="solid"/>
+                  <a:miter lim="800000"/>
+                </a:ln>
+                <a:solidFill>
+                  <a:schemeClr val="tx1"/>
+                </a:solidFill>
+                <a:effectLst>
+                  <a:outerShdw blurRad="38100" dist="38100" dir="2700000" algn="tl">
+                    <a:srgbClr val="000000">
+                      <a:alpha val="43137"/>
+                    </a:srgbClr>
+                  </a:outerShdw>
+                </a:effectLst>
+              </a:rPr>
+              <a:t>* </a:t>
+            </a:r>
+            <a:r>
+              <a:rPr lang="pt-BR" sz="4400" b="1" dirty="0">
+                <a:ln w="9525" cmpd="sng">
+                  <a:solidFill>
+                    <a:schemeClr val="bg1"/>
+                  </a:solidFill>
+                  <a:prstDash val="solid"/>
+                  <a:miter lim="800000"/>
+                </a:ln>
+                <a:solidFill>
+                  <a:schemeClr val="tx1"/>
+                </a:solidFill>
+                <a:effectLst>
+                  <a:outerShdw blurRad="38100" dist="38100" dir="2700000" algn="tl">
+                    <a:srgbClr val="000000">
+                      <a:alpha val="43137"/>
+                    </a:srgbClr>
+                  </a:outerShdw>
+                </a:effectLst>
+              </a:rPr>
+              <a:t>Repositórios</a:t>
+            </a:r>
+          </a:p>
+          <a:p>
+            <a:pPr marL="0" indent="0" algn="ctr">
+              <a:buNone/>
+            </a:pPr>
+            <a:endParaRPr lang="pt-BR" sz="4400" b="1" dirty="0">
               <a:ln w="9525" cmpd="sng">
                 <a:solidFill>
                   <a:schemeClr val="bg1"/>
@@ -11427,58 +11502,7 @@
               <a:buNone/>
             </a:pPr>
             <a:r>
-              <a:rPr lang="pt-BR" sz="3600" b="1" dirty="0" smtClean="0">
-                <a:ln w="9525" cmpd="sng">
-                  <a:solidFill>
-                    <a:schemeClr val="bg1"/>
-                  </a:solidFill>
-                  <a:prstDash val="solid"/>
-                  <a:miter lim="800000"/>
-                </a:ln>
-                <a:solidFill>
-                  <a:schemeClr val="tx1"/>
-                </a:solidFill>
-                <a:effectLst>
-                  <a:outerShdw blurRad="38100" dist="38100" dir="2700000" algn="tl">
-                    <a:srgbClr val="000000">
-                      <a:alpha val="43137"/>
-                    </a:srgbClr>
-                  </a:outerShdw>
-                </a:effectLst>
-              </a:rPr>
-              <a:t>* Repositórios</a:t>
-            </a:r>
-          </a:p>
-          <a:p>
-            <a:pPr marL="0" indent="0" algn="ctr">
-              <a:buNone/>
-            </a:pPr>
-            <a:endParaRPr lang="pt-BR" sz="3600" b="1" dirty="0" smtClean="0">
-              <a:ln w="9525" cmpd="sng">
-                <a:solidFill>
-                  <a:schemeClr val="bg1"/>
-                </a:solidFill>
-                <a:prstDash val="solid"/>
-                <a:miter lim="800000"/>
-              </a:ln>
-              <a:solidFill>
-                <a:schemeClr val="tx1"/>
-              </a:solidFill>
-              <a:effectLst>
-                <a:outerShdw blurRad="38100" dist="38100" dir="2700000" algn="tl">
-                  <a:srgbClr val="000000">
-                    <a:alpha val="43137"/>
-                  </a:srgbClr>
-                </a:outerShdw>
-              </a:effectLst>
-            </a:endParaRPr>
-          </a:p>
-          <a:p>
-            <a:pPr marL="0" indent="0" algn="ctr">
-              <a:buNone/>
-            </a:pPr>
-            <a:r>
-              <a:rPr lang="pt-BR" sz="3600" b="1" dirty="0" smtClean="0">
+              <a:rPr lang="pt-BR" sz="4400" b="1" dirty="0">
                 <a:ln w="9525" cmpd="sng">
                   <a:solidFill>
                     <a:schemeClr val="bg1"/>
@@ -11502,7 +11526,7 @@
           </a:p>
           <a:p>
             <a:pPr algn="ctr"/>
-            <a:endParaRPr lang="pt-BR" sz="3600" b="1" dirty="0">
+            <a:endParaRPr lang="pt-BR" sz="4400" b="1" dirty="0">
               <a:ln w="9525" cmpd="sng">
                 <a:solidFill>
                   <a:schemeClr val="bg1"/>
@@ -11527,7 +11551,7 @@
               <a:buNone/>
             </a:pPr>
             <a:r>
-              <a:rPr lang="pt-BR" sz="3600" b="1" dirty="0" smtClean="0">
+              <a:rPr lang="pt-BR" sz="4400" b="1" dirty="0">
                 <a:ln w="9525" cmpd="sng">
                   <a:solidFill>
                     <a:schemeClr val="bg1"/>
@@ -11549,7 +11573,7 @@
               <a:t>* Domain </a:t>
             </a:r>
             <a:r>
-              <a:rPr lang="pt-BR" sz="3600" b="1" dirty="0" err="1" smtClean="0">
+              <a:rPr lang="pt-BR" sz="4400" b="1" dirty="0" err="1">
                 <a:ln w="9525" cmpd="sng">
                   <a:solidFill>
                     <a:schemeClr val="bg1"/>
@@ -11570,7 +11594,7 @@
               </a:rPr>
               <a:t>Events</a:t>
             </a:r>
-            <a:endParaRPr lang="pt-BR" sz="3600" b="1" dirty="0" smtClean="0">
+            <a:endParaRPr lang="pt-BR" sz="4400" b="1" dirty="0">
               <a:ln w="9525" cmpd="sng">
                 <a:solidFill>
                   <a:schemeClr val="bg1"/>
@@ -11645,7 +11669,7 @@
         </p:nvSpPr>
         <p:spPr>
           <a:xfrm>
-            <a:off x="3059832" y="2053006"/>
+            <a:off x="4583832" y="2053006"/>
             <a:ext cx="5688632" cy="3127174"/>
           </a:xfrm>
           <a:prstGeom prst="rect">
@@ -11708,7 +11732,7 @@
         </p:blipFill>
         <p:spPr bwMode="auto">
           <a:xfrm>
-            <a:off x="4999983" y="3501010"/>
+            <a:off x="6523984" y="3501011"/>
             <a:ext cx="2112697" cy="702973"/>
           </a:xfrm>
           <a:prstGeom prst="rect">
@@ -11734,7 +11758,7 @@
         </p:nvGrpSpPr>
         <p:grpSpPr>
           <a:xfrm>
-            <a:off x="3352800" y="2194242"/>
+            <a:off x="4876800" y="2194242"/>
             <a:ext cx="2002514" cy="1108028"/>
             <a:chOff x="6818842" y="885163"/>
             <a:chExt cx="3570826" cy="1975801"/>
@@ -11849,7 +11873,7 @@
         </p:blipFill>
         <p:spPr bwMode="auto">
           <a:xfrm>
-            <a:off x="3535940" y="4374562"/>
+            <a:off x="5059940" y="4374562"/>
             <a:ext cx="1676400" cy="501916"/>
           </a:xfrm>
           <a:prstGeom prst="rect">
@@ -11889,7 +11913,7 @@
         </p:blipFill>
         <p:spPr>
           <a:xfrm>
-            <a:off x="549846" y="2053006"/>
+            <a:off x="2073847" y="2053006"/>
             <a:ext cx="2345757" cy="3127174"/>
           </a:xfrm>
           <a:prstGeom prst="rect">
@@ -11925,7 +11949,7 @@
         </p:blipFill>
         <p:spPr bwMode="auto">
           <a:xfrm>
-            <a:off x="7062237" y="4149082"/>
+            <a:off x="8586238" y="4149083"/>
             <a:ext cx="1339551" cy="838425"/>
           </a:xfrm>
           <a:prstGeom prst="rect">
@@ -11955,7 +11979,7 @@
         </p:nvSpPr>
         <p:spPr>
           <a:xfrm>
-            <a:off x="457200" y="274638"/>
+            <a:off x="1981200" y="274638"/>
             <a:ext cx="8229600" cy="1143000"/>
           </a:xfrm>
         </p:spPr>
@@ -12019,7 +12043,7 @@
         </p:blipFill>
         <p:spPr bwMode="auto">
           <a:xfrm>
-            <a:off x="5720406" y="2305219"/>
+            <a:off x="7244406" y="2305220"/>
             <a:ext cx="2740026" cy="595659"/>
           </a:xfrm>
           <a:prstGeom prst="rect">
@@ -12045,7 +12069,7 @@
         </p:nvSpPr>
         <p:spPr>
           <a:xfrm>
-            <a:off x="6075589" y="2927218"/>
+            <a:off x="7599590" y="2927218"/>
             <a:ext cx="1973297" cy="369332"/>
           </a:xfrm>
           <a:prstGeom prst="rect">
@@ -12101,6 +12125,14 @@
 <file path=ppt/slides/slide20.xml><?xml version="1.0" encoding="utf-8"?>
 <p:sld xmlns:a="http://schemas.openxmlformats.org/drawingml/2006/main" xmlns:r="http://schemas.openxmlformats.org/officeDocument/2006/relationships" xmlns:p="http://schemas.openxmlformats.org/presentationml/2006/main">
   <p:cSld>
+    <p:bg>
+      <p:bgPr>
+        <a:solidFill>
+          <a:srgbClr val="0070C0"/>
+        </a:solidFill>
+        <a:effectLst/>
+      </p:bgPr>
+    </p:bg>
     <p:spTree>
       <p:nvGrpSpPr>
         <p:cNvPr id="1" name=""/>
@@ -12155,11 +12187,7 @@
           <a:p>
             <a:r>
               <a:rPr lang="pt-BR" dirty="0" smtClean="0"/>
-              <a:t>Possuem </a:t>
-            </a:r>
-            <a:r>
-              <a:rPr lang="pt-BR" dirty="0" smtClean="0"/>
-              <a:t>uma Identidade e Estado</a:t>
+              <a:t>Possuem uma Identidade e Estado</a:t>
             </a:r>
           </a:p>
           <a:p>
@@ -12206,6 +12234,14 @@
 <file path=ppt/slides/slide21.xml><?xml version="1.0" encoding="utf-8"?>
 <p:sld xmlns:a="http://schemas.openxmlformats.org/drawingml/2006/main" xmlns:r="http://schemas.openxmlformats.org/officeDocument/2006/relationships" xmlns:p="http://schemas.openxmlformats.org/presentationml/2006/main">
   <p:cSld>
+    <p:bg>
+      <p:bgPr>
+        <a:solidFill>
+          <a:srgbClr val="0070C0"/>
+        </a:solidFill>
+        <a:effectLst/>
+      </p:bgPr>
+    </p:bg>
     <p:spTree>
       <p:nvGrpSpPr>
         <p:cNvPr id="1" name=""/>
@@ -12391,15 +12427,7 @@
                   <a:schemeClr val="bg1"/>
                 </a:solidFill>
               </a:rPr>
-              <a:t>Definem </a:t>
-            </a:r>
-            <a:r>
-              <a:rPr lang="pt-BR" dirty="0" smtClean="0">
-                <a:solidFill>
-                  <a:schemeClr val="bg1"/>
-                </a:solidFill>
-              </a:rPr>
-              <a:t>um escopo de transação e de tratamento de concorrência</a:t>
+              <a:t>Definem um escopo de transação e de tratamento de concorrência</a:t>
             </a:r>
           </a:p>
           <a:p>
@@ -12474,7 +12502,7 @@
         </p:blipFill>
         <p:spPr bwMode="auto">
           <a:xfrm>
-            <a:off x="840000" y="3717032"/>
+            <a:off x="2364001" y="3717033"/>
             <a:ext cx="7096125" cy="2790825"/>
           </a:xfrm>
           <a:prstGeom prst="rect">
@@ -12515,6 +12543,14 @@
 <file path=ppt/slides/slide23.xml><?xml version="1.0" encoding="utf-8"?>
 <p:sld xmlns:a="http://schemas.openxmlformats.org/drawingml/2006/main" xmlns:r="http://schemas.openxmlformats.org/officeDocument/2006/relationships" xmlns:p="http://schemas.openxmlformats.org/presentationml/2006/main">
   <p:cSld>
+    <p:bg>
+      <p:bgPr>
+        <a:solidFill>
+          <a:srgbClr val="0070C0"/>
+        </a:solidFill>
+        <a:effectLst/>
+      </p:bgPr>
+    </p:bg>
     <p:spTree>
       <p:nvGrpSpPr>
         <p:cNvPr id="1" name=""/>
@@ -12610,6 +12646,14 @@
 <file path=ppt/slides/slide24.xml><?xml version="1.0" encoding="utf-8"?>
 <p:sld xmlns:a="http://schemas.openxmlformats.org/drawingml/2006/main" xmlns:r="http://schemas.openxmlformats.org/officeDocument/2006/relationships" xmlns:p="http://schemas.openxmlformats.org/presentationml/2006/main">
   <p:cSld>
+    <p:bg>
+      <p:bgPr>
+        <a:solidFill>
+          <a:srgbClr val="0070C0"/>
+        </a:solidFill>
+        <a:effectLst/>
+      </p:bgPr>
+    </p:bg>
     <p:spTree>
       <p:nvGrpSpPr>
         <p:cNvPr id="1" name=""/>
@@ -12664,11 +12708,7 @@
           <a:p>
             <a:r>
               <a:rPr lang="pt-BR" dirty="0" smtClean="0"/>
-              <a:t>Realizam </a:t>
-            </a:r>
-            <a:r>
-              <a:rPr lang="pt-BR" dirty="0" smtClean="0"/>
-              <a:t>a persistência de uma agregação</a:t>
+              <a:t>Realizam a persistência de uma agregação</a:t>
             </a:r>
           </a:p>
         </p:txBody>
@@ -12696,6 +12736,14 @@
 <file path=ppt/slides/slide25.xml><?xml version="1.0" encoding="utf-8"?>
 <p:sld xmlns:a="http://schemas.openxmlformats.org/drawingml/2006/main" xmlns:r="http://schemas.openxmlformats.org/officeDocument/2006/relationships" xmlns:p="http://schemas.openxmlformats.org/presentationml/2006/main">
   <p:cSld>
+    <p:bg>
+      <p:bgPr>
+        <a:solidFill>
+          <a:srgbClr val="0070C0"/>
+        </a:solidFill>
+        <a:effectLst/>
+      </p:bgPr>
+    </p:bg>
     <p:spTree>
       <p:nvGrpSpPr>
         <p:cNvPr id="1" name=""/>
@@ -12750,15 +12798,7 @@
           <a:p>
             <a:r>
               <a:rPr lang="pt-BR" dirty="0" smtClean="0"/>
-              <a:t>Regras e operações que não pertencem </a:t>
-            </a:r>
-            <a:r>
-              <a:rPr lang="pt-BR" dirty="0" smtClean="0"/>
-              <a:t>naturalmente </a:t>
-            </a:r>
-            <a:r>
-              <a:rPr lang="pt-BR" dirty="0" smtClean="0"/>
-              <a:t>a um objeto de domínio</a:t>
+              <a:t>Regras e operações que não pertencem naturalmente a um objeto de domínio</a:t>
             </a:r>
           </a:p>
           <a:p>
@@ -12902,7 +12942,7 @@
         </p:blipFill>
         <p:spPr bwMode="auto">
           <a:xfrm>
-            <a:off x="971550" y="2420888"/>
+            <a:off x="2495550" y="2420888"/>
             <a:ext cx="7200900" cy="3038476"/>
           </a:xfrm>
           <a:prstGeom prst="rect">
@@ -13030,6 +13070,14 @@
 <file path=ppt/slides/slide28.xml><?xml version="1.0" encoding="utf-8"?>
 <p:sld xmlns:a="http://schemas.openxmlformats.org/drawingml/2006/main" xmlns:r="http://schemas.openxmlformats.org/officeDocument/2006/relationships" xmlns:p="http://schemas.openxmlformats.org/presentationml/2006/main">
   <p:cSld>
+    <p:bg>
+      <p:bgPr>
+        <a:solidFill>
+          <a:srgbClr val="0070C0"/>
+        </a:solidFill>
+        <a:effectLst/>
+      </p:bgPr>
+    </p:bg>
     <p:spTree>
       <p:nvGrpSpPr>
         <p:cNvPr id="1" name=""/>
@@ -13080,7 +13128,7 @@
         <p:spPr/>
         <p:txBody>
           <a:bodyPr>
-            <a:normAutofit fontScale="85000" lnSpcReduction="20000"/>
+            <a:normAutofit fontScale="77500" lnSpcReduction="20000"/>
           </a:bodyPr>
           <a:lstStyle/>
           <a:p>
@@ -13311,6 +13359,14 @@
 <file path=ppt/slides/slide3.xml><?xml version="1.0" encoding="utf-8"?>
 <p:sld xmlns:a="http://schemas.openxmlformats.org/drawingml/2006/main" xmlns:r="http://schemas.openxmlformats.org/officeDocument/2006/relationships" xmlns:p="http://schemas.openxmlformats.org/presentationml/2006/main">
   <p:cSld>
+    <p:bg>
+      <p:bgPr>
+        <a:solidFill>
+          <a:srgbClr val="0070C0"/>
+        </a:solidFill>
+        <a:effectLst/>
+      </p:bgPr>
+    </p:bg>
     <p:spTree>
       <p:nvGrpSpPr>
         <p:cNvPr id="1" name=""/>
@@ -13518,7 +13574,7 @@
         </p:nvSpPr>
         <p:spPr>
           <a:xfrm>
-            <a:off x="3439844" y="2269197"/>
+            <a:off x="4963844" y="2269198"/>
             <a:ext cx="2070964" cy="1800933"/>
           </a:xfrm>
           <a:custGeom>
@@ -13661,7 +13717,7 @@
           </a:bodyPr>
           <a:lstStyle/>
           <a:p>
-            <a:pPr lvl="0" defTabSz="1422400">
+            <a:pPr defTabSz="1422400">
               <a:lnSpc>
                 <a:spcPct val="90000"/>
               </a:lnSpc>
@@ -13672,7 +13728,7 @@
                 <a:spcPct val="35000"/>
               </a:spcAft>
             </a:pPr>
-            <a:endParaRPr lang="pt-BR" sz="2000" b="1" kern="1200" dirty="0"/>
+            <a:endParaRPr lang="pt-BR" sz="2000" b="1" dirty="0"/>
           </a:p>
         </p:txBody>
       </p:sp>
@@ -13684,7 +13740,7 @@
         </p:nvSpPr>
         <p:spPr>
           <a:xfrm>
-            <a:off x="1331640" y="2125545"/>
+            <a:off x="2855640" y="2125545"/>
             <a:ext cx="3143686" cy="2088234"/>
           </a:xfrm>
           <a:custGeom>
@@ -13847,7 +13903,7 @@
           </a:bodyPr>
           <a:lstStyle/>
           <a:p>
-            <a:pPr lvl="0" defTabSz="1422400">
+            <a:pPr defTabSz="1422400">
               <a:lnSpc>
                 <a:spcPct val="90000"/>
               </a:lnSpc>
@@ -13859,17 +13915,16 @@
               </a:spcAft>
             </a:pPr>
             <a:r>
-              <a:rPr lang="pt-BR" sz="2400" b="1" kern="1200" dirty="0" smtClean="0"/>
+              <a:rPr lang="pt-BR" sz="2400" b="1" dirty="0"/>
               <a:t>Domain </a:t>
             </a:r>
             <a:br>
-              <a:rPr lang="pt-BR" sz="2400" b="1" kern="1200" dirty="0" smtClean="0"/>
+              <a:rPr lang="pt-BR" sz="2400" b="1" dirty="0"/>
             </a:br>
             <a:r>
-              <a:rPr lang="pt-BR" sz="2400" b="1" kern="1200" dirty="0" smtClean="0"/>
+              <a:rPr lang="pt-BR" sz="2400" b="1" dirty="0"/>
               <a:t>experts</a:t>
             </a:r>
-            <a:endParaRPr lang="pt-BR" sz="2400" b="1" kern="1200" dirty="0"/>
           </a:p>
         </p:txBody>
       </p:sp>
@@ -13881,7 +13936,7 @@
         </p:nvSpPr>
         <p:spPr>
           <a:xfrm>
-            <a:off x="4475326" y="2125545"/>
+            <a:off x="5999326" y="2125545"/>
             <a:ext cx="3143686" cy="2088234"/>
           </a:xfrm>
           <a:custGeom>
@@ -14044,7 +14099,7 @@
           </a:bodyPr>
           <a:lstStyle/>
           <a:p>
-            <a:pPr lvl="0" algn="r" defTabSz="1422400">
+            <a:pPr algn="r" defTabSz="1422400">
               <a:lnSpc>
                 <a:spcPct val="90000"/>
               </a:lnSpc>
@@ -14055,7 +14110,7 @@
                 <a:spcPct val="35000"/>
               </a:spcAft>
             </a:pPr>
-            <a:endParaRPr lang="pt-BR" sz="3200" b="1" kern="1200" dirty="0"/>
+            <a:endParaRPr lang="pt-BR" sz="3200" b="1" dirty="0"/>
           </a:p>
         </p:txBody>
       </p:sp>
@@ -14067,7 +14122,7 @@
         </p:nvSpPr>
         <p:spPr>
           <a:xfrm>
-            <a:off x="1305496" y="5085184"/>
+            <a:off x="2829496" y="5085185"/>
             <a:ext cx="6722888" cy="954107"/>
           </a:xfrm>
           <a:prstGeom prst="rect">
@@ -14082,7 +14137,7 @@
           <a:p>
             <a:pPr algn="ctr"/>
             <a:r>
-              <a:rPr lang="pt-BR" sz="2800" dirty="0" smtClean="0">
+              <a:rPr lang="pt-BR" sz="2800" dirty="0">
                 <a:effectLst>
                   <a:outerShdw blurRad="38100" dist="38100" dir="2700000" algn="tl">
                     <a:srgbClr val="000000">
@@ -14094,7 +14149,7 @@
               <a:t>Palavras e verbos que refletem a </a:t>
             </a:r>
             <a:r>
-              <a:rPr lang="pt-BR" sz="2800" b="1" dirty="0" smtClean="0">
+              <a:rPr lang="pt-BR" sz="2800" b="1" dirty="0">
                 <a:effectLst>
                   <a:outerShdw blurRad="38100" dist="38100" dir="2700000" algn="tl">
                     <a:srgbClr val="000000">
@@ -14106,7 +14161,7 @@
               <a:t>semântica do negócio </a:t>
             </a:r>
             <a:r>
-              <a:rPr lang="pt-BR" sz="2800" dirty="0" smtClean="0">
+              <a:rPr lang="pt-BR" sz="2800" dirty="0">
                 <a:effectLst>
                   <a:outerShdw blurRad="38100" dist="38100" dir="2700000" algn="tl">
                     <a:srgbClr val="000000">
@@ -14118,7 +14173,7 @@
               <a:t>restritos a um </a:t>
             </a:r>
             <a:r>
-              <a:rPr lang="pt-BR" sz="2800" b="1" dirty="0" smtClean="0">
+              <a:rPr lang="pt-BR" sz="2800" b="1" dirty="0">
                 <a:effectLst>
                   <a:outerShdw blurRad="38100" dist="38100" dir="2700000" algn="tl">
                     <a:srgbClr val="000000">
@@ -14129,15 +14184,6 @@
               </a:rPr>
               <a:t>contexto.</a:t>
             </a:r>
-            <a:endParaRPr lang="pt-BR" sz="2800" b="1" dirty="0">
-              <a:effectLst>
-                <a:outerShdw blurRad="38100" dist="38100" dir="2700000" algn="tl">
-                  <a:srgbClr val="000000">
-                    <a:alpha val="43137"/>
-                  </a:srgbClr>
-                </a:outerShdw>
-              </a:effectLst>
-            </a:endParaRPr>
           </a:p>
         </p:txBody>
       </p:sp>
@@ -14149,7 +14195,7 @@
         </p:nvSpPr>
         <p:spPr>
           <a:xfrm>
-            <a:off x="6059949" y="2846496"/>
+            <a:off x="7583950" y="2846497"/>
             <a:ext cx="1556669" cy="646331"/>
           </a:xfrm>
           <a:prstGeom prst="rect">
@@ -14162,7 +14208,7 @@
           </a:bodyPr>
           <a:lstStyle/>
           <a:p>
-            <a:pPr lvl="0" defTabSz="1422400">
+            <a:pPr defTabSz="1422400">
               <a:lnSpc>
                 <a:spcPct val="90000"/>
               </a:lnSpc>
@@ -14174,14 +14220,14 @@
               </a:spcAft>
             </a:pPr>
             <a:r>
-              <a:rPr lang="pt-BR" sz="2000" b="1" dirty="0" smtClean="0"/>
+              <a:rPr lang="pt-BR" sz="2000" b="1" dirty="0"/>
               <a:t>Equipe de </a:t>
             </a:r>
             <a:br>
-              <a:rPr lang="pt-BR" sz="2000" b="1" dirty="0" smtClean="0"/>
+              <a:rPr lang="pt-BR" sz="2000" b="1" dirty="0"/>
             </a:br>
             <a:r>
-              <a:rPr lang="pt-BR" sz="2000" b="1" dirty="0" err="1" smtClean="0"/>
+              <a:rPr lang="pt-BR" sz="2000" b="1" dirty="0" err="1"/>
               <a:t>Devs</a:t>
             </a:r>
             <a:endParaRPr lang="pt-BR" sz="2000" b="1" dirty="0"/>
@@ -14196,7 +14242,7 @@
         </p:nvSpPr>
         <p:spPr>
           <a:xfrm>
-            <a:off x="3779912" y="2797005"/>
+            <a:off x="5303912" y="2797006"/>
             <a:ext cx="1553100" cy="646331"/>
           </a:xfrm>
           <a:prstGeom prst="rect">
@@ -14209,7 +14255,7 @@
           </a:bodyPr>
           <a:lstStyle/>
           <a:p>
-            <a:pPr lvl="0" defTabSz="1422400">
+            <a:pPr defTabSz="1422400">
               <a:lnSpc>
                 <a:spcPct val="90000"/>
               </a:lnSpc>
@@ -14221,7 +14267,7 @@
               </a:spcAft>
             </a:pPr>
             <a:r>
-              <a:rPr lang="pt-BR" sz="2000" b="1" dirty="0" smtClean="0">
+              <a:rPr lang="pt-BR" sz="2000" b="1" dirty="0">
                 <a:effectLst>
                   <a:outerShdw blurRad="38100" dist="38100" dir="2700000" algn="tl">
                     <a:srgbClr val="000000">
@@ -14233,7 +14279,7 @@
               <a:t>Linguagem</a:t>
             </a:r>
             <a:br>
-              <a:rPr lang="pt-BR" sz="2000" b="1" dirty="0" smtClean="0">
+              <a:rPr lang="pt-BR" sz="2000" b="1" dirty="0">
                 <a:effectLst>
                   <a:outerShdw blurRad="38100" dist="38100" dir="2700000" algn="tl">
                     <a:srgbClr val="000000">
@@ -14244,7 +14290,7 @@
               </a:rPr>
             </a:br>
             <a:r>
-              <a:rPr lang="pt-BR" sz="2000" b="1" dirty="0" smtClean="0">
+              <a:rPr lang="pt-BR" sz="2000" b="1" dirty="0">
                 <a:effectLst>
                   <a:outerShdw blurRad="38100" dist="38100" dir="2700000" algn="tl">
                     <a:srgbClr val="000000">
@@ -14255,15 +14301,6 @@
               </a:rPr>
               <a:t>Ubíqua</a:t>
             </a:r>
-            <a:endParaRPr lang="pt-BR" sz="2000" b="1" dirty="0">
-              <a:effectLst>
-                <a:outerShdw blurRad="38100" dist="38100" dir="2700000" algn="tl">
-                  <a:srgbClr val="000000">
-                    <a:alpha val="43137"/>
-                  </a:srgbClr>
-                </a:outerShdw>
-              </a:effectLst>
-            </a:endParaRPr>
           </a:p>
         </p:txBody>
       </p:sp>
@@ -14351,7 +14388,7 @@
         </p:nvSpPr>
         <p:spPr>
           <a:xfrm>
-            <a:off x="1403648" y="2564904"/>
+            <a:off x="2927648" y="2564904"/>
             <a:ext cx="6048672" cy="3168352"/>
           </a:xfrm>
           <a:custGeom>
@@ -14456,7 +14493,7 @@
           </a:bodyPr>
           <a:lstStyle/>
           <a:p>
-            <a:pPr lvl="0" algn="ctr" defTabSz="1422400">
+            <a:pPr algn="ctr" defTabSz="1422400">
               <a:lnSpc>
                 <a:spcPct val="90000"/>
               </a:lnSpc>
@@ -14467,7 +14504,7 @@
                 <a:spcPct val="35000"/>
               </a:spcAft>
             </a:pPr>
-            <a:endParaRPr lang="pt-BR" sz="2400" b="1" kern="1200" dirty="0">
+            <a:endParaRPr lang="pt-BR" sz="2400" b="1" dirty="0">
               <a:solidFill>
                 <a:schemeClr val="bg1"/>
               </a:solidFill>
@@ -14490,7 +14527,7 @@
         </p:nvSpPr>
         <p:spPr>
           <a:xfrm>
-            <a:off x="3475166" y="2990306"/>
+            <a:off x="4999166" y="2990307"/>
             <a:ext cx="1948052" cy="954107"/>
           </a:xfrm>
           <a:prstGeom prst="rect">
@@ -14506,7 +14543,7 @@
           <a:p>
             <a:pPr algn="ctr"/>
             <a:r>
-              <a:rPr lang="pt-BR" sz="2800" b="1" dirty="0" smtClean="0">
+              <a:rPr lang="pt-BR" sz="2800" b="1" dirty="0">
                 <a:effectLst>
                   <a:outerShdw blurRad="38100" dist="38100" dir="2700000" algn="tl">
                     <a:srgbClr val="000000">
@@ -14518,7 +14555,7 @@
               <a:t>Linguagem</a:t>
             </a:r>
             <a:br>
-              <a:rPr lang="pt-BR" sz="2800" b="1" dirty="0" smtClean="0">
+              <a:rPr lang="pt-BR" sz="2800" b="1" dirty="0">
                 <a:effectLst>
                   <a:outerShdw blurRad="38100" dist="38100" dir="2700000" algn="tl">
                     <a:srgbClr val="000000">
@@ -14529,7 +14566,7 @@
               </a:rPr>
             </a:br>
             <a:r>
-              <a:rPr lang="pt-BR" sz="2800" b="1" dirty="0" smtClean="0">
+              <a:rPr lang="pt-BR" sz="2800" b="1" dirty="0">
                 <a:effectLst>
                   <a:outerShdw blurRad="38100" dist="38100" dir="2700000" algn="tl">
                     <a:srgbClr val="000000">
@@ -14540,15 +14577,6 @@
               </a:rPr>
               <a:t>Ubíqua</a:t>
             </a:r>
-            <a:endParaRPr lang="pt-BR" sz="2800" b="1" dirty="0">
-              <a:effectLst>
-                <a:outerShdw blurRad="38100" dist="38100" dir="2700000" algn="tl">
-                  <a:srgbClr val="000000">
-                    <a:alpha val="43137"/>
-                  </a:srgbClr>
-                </a:outerShdw>
-              </a:effectLst>
-            </a:endParaRPr>
           </a:p>
         </p:txBody>
       </p:sp>
@@ -14560,7 +14588,7 @@
         </p:nvSpPr>
         <p:spPr>
           <a:xfrm>
-            <a:off x="3914543" y="4725144"/>
+            <a:off x="5438544" y="4725145"/>
             <a:ext cx="1797287" cy="646331"/>
           </a:xfrm>
           <a:prstGeom prst="rect">
@@ -14576,7 +14604,7 @@
           <a:p>
             <a:pPr algn="ctr"/>
             <a:r>
-              <a:rPr lang="pt-BR" b="1" dirty="0" smtClean="0">
+              <a:rPr lang="pt-BR" b="1" dirty="0">
                 <a:effectLst>
                   <a:outerShdw blurRad="38100" dist="38100" dir="2700000" algn="tl">
                     <a:srgbClr val="000000">
@@ -14588,7 +14616,7 @@
               <a:t>Conceitos chave</a:t>
             </a:r>
             <a:br>
-              <a:rPr lang="pt-BR" b="1" dirty="0" smtClean="0">
+              <a:rPr lang="pt-BR" b="1" dirty="0">
                 <a:effectLst>
                   <a:outerShdw blurRad="38100" dist="38100" dir="2700000" algn="tl">
                     <a:srgbClr val="000000">
@@ -14599,7 +14627,7 @@
               </a:rPr>
             </a:br>
             <a:r>
-              <a:rPr lang="pt-BR" b="1" dirty="0" smtClean="0">
+              <a:rPr lang="pt-BR" b="1" dirty="0">
                 <a:effectLst>
                   <a:outerShdw blurRad="38100" dist="38100" dir="2700000" algn="tl">
                     <a:srgbClr val="000000">
@@ -14610,6 +14638,68 @@
               </a:rPr>
               <a:t>de negócio</a:t>
             </a:r>
+          </a:p>
+        </p:txBody>
+      </p:sp>
+      <p:sp>
+        <p:nvSpPr>
+          <p:cNvPr id="12" name="CaixaDeTexto 11"/>
+          <p:cNvSpPr txBox="1"/>
+          <p:nvPr/>
+        </p:nvSpPr>
+        <p:spPr>
+          <a:xfrm>
+            <a:off x="3215680" y="3949923"/>
+            <a:ext cx="2028696" cy="369332"/>
+          </a:xfrm>
+          <a:prstGeom prst="rect">
+            <a:avLst/>
+          </a:prstGeom>
+          <a:noFill/>
+        </p:spPr>
+        <p:txBody>
+          <a:bodyPr wrap="none" rtlCol="0">
+            <a:spAutoFit/>
+          </a:bodyPr>
+          <a:lstStyle/>
+          <a:p>
+            <a:pPr algn="ctr"/>
+            <a:r>
+              <a:rPr lang="pt-BR" b="1" dirty="0" err="1">
+                <a:effectLst>
+                  <a:outerShdw blurRad="38100" dist="38100" dir="2700000" algn="tl">
+                    <a:srgbClr val="000000">
+                      <a:alpha val="43137"/>
+                    </a:srgbClr>
+                  </a:outerShdw>
+                </a:effectLst>
+              </a:rPr>
+              <a:t>Bounded</a:t>
+            </a:r>
+            <a:r>
+              <a:rPr lang="pt-BR" b="1" dirty="0">
+                <a:effectLst>
+                  <a:outerShdw blurRad="38100" dist="38100" dir="2700000" algn="tl">
+                    <a:srgbClr val="000000">
+                      <a:alpha val="43137"/>
+                    </a:srgbClr>
+                  </a:outerShdw>
+                </a:effectLst>
+              </a:rPr>
+              <a:t> </a:t>
+            </a:r>
+            <a:r>
+              <a:rPr lang="pt-BR" b="1" dirty="0" err="1">
+                <a:effectLst>
+                  <a:outerShdw blurRad="38100" dist="38100" dir="2700000" algn="tl">
+                    <a:srgbClr val="000000">
+                      <a:alpha val="43137"/>
+                    </a:srgbClr>
+                  </a:outerShdw>
+                </a:effectLst>
+              </a:rPr>
+              <a:t>Contexts</a:t>
+            </a:r>
             <a:endParaRPr lang="pt-BR" b="1" dirty="0">
               <a:effectLst>
                 <a:outerShdw blurRad="38100" dist="38100" dir="2700000" algn="tl">
@@ -14624,14 +14714,14 @@
       </p:sp>
       <p:sp>
         <p:nvSpPr>
-          <p:cNvPr id="12" name="CaixaDeTexto 11"/>
+          <p:cNvPr id="13" name="CaixaDeTexto 12"/>
           <p:cNvSpPr txBox="1"/>
           <p:nvPr/>
         </p:nvSpPr>
         <p:spPr>
           <a:xfrm>
-            <a:off x="1691680" y="3949923"/>
-            <a:ext cx="2028696" cy="369332"/>
+            <a:off x="6947218" y="3944413"/>
+            <a:ext cx="1566454" cy="369332"/>
           </a:xfrm>
           <a:prstGeom prst="rect">
             <a:avLst/>
@@ -14646,7 +14736,7 @@
           <a:p>
             <a:pPr algn="ctr"/>
             <a:r>
-              <a:rPr lang="pt-BR" b="1" dirty="0" err="1" smtClean="0">
+              <a:rPr lang="pt-BR" b="1" dirty="0">
                 <a:effectLst>
                   <a:outerShdw blurRad="38100" dist="38100" dir="2700000" algn="tl">
                     <a:srgbClr val="000000">
@@ -14655,10 +14745,10 @@
                   </a:outerShdw>
                 </a:effectLst>
               </a:rPr>
-              <a:t>Bounded</a:t>
-            </a:r>
-            <a:r>
-              <a:rPr lang="pt-BR" b="1" dirty="0" smtClean="0">
+              <a:t>DDD </a:t>
+            </a:r>
+            <a:r>
+              <a:rPr lang="pt-BR" b="1" dirty="0" err="1">
                 <a:effectLst>
                   <a:outerShdw blurRad="38100" dist="38100" dir="2700000" algn="tl">
                     <a:srgbClr val="000000">
@@ -14667,19 +14757,7 @@
                   </a:outerShdw>
                 </a:effectLst>
               </a:rPr>
-              <a:t> </a:t>
-            </a:r>
-            <a:r>
-              <a:rPr lang="pt-BR" b="1" dirty="0" err="1" smtClean="0">
-                <a:effectLst>
-                  <a:outerShdw blurRad="38100" dist="38100" dir="2700000" algn="tl">
-                    <a:srgbClr val="000000">
-                      <a:alpha val="43137"/>
-                    </a:srgbClr>
-                  </a:outerShdw>
-                </a:effectLst>
-              </a:rPr>
-              <a:t>Contexts</a:t>
+              <a:t>Patterns</a:t>
             </a:r>
             <a:endParaRPr lang="pt-BR" b="1" dirty="0">
               <a:effectLst>
@@ -14695,72 +14773,13 @@
       </p:sp>
       <p:sp>
         <p:nvSpPr>
-          <p:cNvPr id="13" name="CaixaDeTexto 12"/>
-          <p:cNvSpPr txBox="1"/>
-          <p:nvPr/>
-        </p:nvSpPr>
-        <p:spPr>
-          <a:xfrm>
-            <a:off x="5423218" y="3944413"/>
-            <a:ext cx="1566454" cy="369332"/>
-          </a:xfrm>
-          <a:prstGeom prst="rect">
-            <a:avLst/>
-          </a:prstGeom>
-          <a:noFill/>
-        </p:spPr>
-        <p:txBody>
-          <a:bodyPr wrap="none" rtlCol="0">
-            <a:spAutoFit/>
-          </a:bodyPr>
-          <a:lstStyle/>
-          <a:p>
-            <a:pPr algn="ctr"/>
-            <a:r>
-              <a:rPr lang="pt-BR" b="1" dirty="0" smtClean="0">
-                <a:effectLst>
-                  <a:outerShdw blurRad="38100" dist="38100" dir="2700000" algn="tl">
-                    <a:srgbClr val="000000">
-                      <a:alpha val="43137"/>
-                    </a:srgbClr>
-                  </a:outerShdw>
-                </a:effectLst>
-              </a:rPr>
-              <a:t>DDD </a:t>
-            </a:r>
-            <a:r>
-              <a:rPr lang="pt-BR" b="1" dirty="0" err="1" smtClean="0">
-                <a:effectLst>
-                  <a:outerShdw blurRad="38100" dist="38100" dir="2700000" algn="tl">
-                    <a:srgbClr val="000000">
-                      <a:alpha val="43137"/>
-                    </a:srgbClr>
-                  </a:outerShdw>
-                </a:effectLst>
-              </a:rPr>
-              <a:t>Patterns</a:t>
-            </a:r>
-            <a:endParaRPr lang="pt-BR" b="1" dirty="0">
-              <a:effectLst>
-                <a:outerShdw blurRad="38100" dist="38100" dir="2700000" algn="tl">
-                  <a:srgbClr val="000000">
-                    <a:alpha val="43137"/>
-                  </a:srgbClr>
-                </a:outerShdw>
-              </a:effectLst>
-            </a:endParaRPr>
-          </a:p>
-        </p:txBody>
-      </p:sp>
-      <p:sp>
-        <p:nvSpPr>
           <p:cNvPr id="14" name="CaixaDeTexto 13"/>
           <p:cNvSpPr txBox="1"/>
           <p:nvPr/>
         </p:nvSpPr>
         <p:spPr>
           <a:xfrm>
-            <a:off x="6862253" y="5083186"/>
+            <a:off x="8386253" y="5083186"/>
             <a:ext cx="1792222" cy="369332"/>
           </a:xfrm>
           <a:prstGeom prst="rect">
@@ -14776,10 +14795,9 @@
           <a:p>
             <a:pPr algn="ctr"/>
             <a:r>
-              <a:rPr lang="pt-BR" b="1" dirty="0" smtClean="0"/>
+              <a:rPr lang="pt-BR" b="1" dirty="0"/>
               <a:t>Termos técnicos</a:t>
             </a:r>
-            <a:endParaRPr lang="pt-BR" b="1" dirty="0"/>
           </a:p>
         </p:txBody>
       </p:sp>
@@ -14791,7 +14809,7 @@
         </p:nvSpPr>
         <p:spPr>
           <a:xfrm>
-            <a:off x="6300192" y="2241738"/>
+            <a:off x="7824193" y="2241739"/>
             <a:ext cx="1826141" cy="646331"/>
           </a:xfrm>
           <a:prstGeom prst="rect">
@@ -14807,25 +14825,24 @@
           <a:p>
             <a:pPr algn="ctr"/>
             <a:r>
-              <a:rPr lang="pt-BR" b="1" dirty="0" smtClean="0"/>
+              <a:rPr lang="pt-BR" b="1" dirty="0"/>
               <a:t>Design </a:t>
             </a:r>
             <a:r>
-              <a:rPr lang="pt-BR" b="1" dirty="0" err="1" smtClean="0"/>
+              <a:rPr lang="pt-BR" b="1" dirty="0" err="1"/>
               <a:t>Patterns</a:t>
             </a:r>
             <a:r>
-              <a:rPr lang="pt-BR" b="1" dirty="0" smtClean="0"/>
+              <a:rPr lang="pt-BR" b="1" dirty="0"/>
               <a:t> </a:t>
             </a:r>
             <a:br>
-              <a:rPr lang="pt-BR" b="1" dirty="0" smtClean="0"/>
+              <a:rPr lang="pt-BR" b="1" dirty="0"/>
             </a:br>
             <a:r>
-              <a:rPr lang="pt-BR" b="1" dirty="0" smtClean="0"/>
+              <a:rPr lang="pt-BR" b="1" dirty="0"/>
               <a:t>Técnicos</a:t>
             </a:r>
-            <a:endParaRPr lang="pt-BR" b="1" dirty="0"/>
           </a:p>
         </p:txBody>
       </p:sp>
@@ -14837,7 +14854,7 @@
         </p:nvSpPr>
         <p:spPr>
           <a:xfrm>
-            <a:off x="987209" y="1970197"/>
+            <a:off x="2511210" y="1970198"/>
             <a:ext cx="1963999" cy="646331"/>
           </a:xfrm>
           <a:prstGeom prst="rect">
@@ -14853,17 +14870,16 @@
           <a:p>
             <a:pPr algn="ctr"/>
             <a:r>
-              <a:rPr lang="pt-BR" b="1" dirty="0" smtClean="0"/>
+              <a:rPr lang="pt-BR" b="1" dirty="0"/>
               <a:t>Aspectos técnicos</a:t>
             </a:r>
             <a:br>
-              <a:rPr lang="pt-BR" b="1" dirty="0" smtClean="0"/>
+              <a:rPr lang="pt-BR" b="1" dirty="0"/>
             </a:br>
             <a:r>
-              <a:rPr lang="pt-BR" b="1" dirty="0" smtClean="0"/>
+              <a:rPr lang="pt-BR" b="1" dirty="0"/>
               <a:t>da modelagem</a:t>
             </a:r>
-            <a:endParaRPr lang="pt-BR" b="1" dirty="0"/>
           </a:p>
         </p:txBody>
       </p:sp>
@@ -14875,7 +14891,7 @@
         </p:nvSpPr>
         <p:spPr>
           <a:xfrm>
-            <a:off x="208753" y="5470760"/>
+            <a:off x="1732754" y="5470761"/>
             <a:ext cx="2571281" cy="646331"/>
           </a:xfrm>
           <a:prstGeom prst="rect">
@@ -14891,21 +14907,20 @@
           <a:p>
             <a:pPr algn="ctr"/>
             <a:r>
-              <a:rPr lang="pt-BR" b="1" dirty="0" smtClean="0"/>
+              <a:rPr lang="pt-BR" b="1" dirty="0"/>
               <a:t>Termos de negócio que</a:t>
             </a:r>
             <a:br>
-              <a:rPr lang="pt-BR" b="1" dirty="0" smtClean="0"/>
+              <a:rPr lang="pt-BR" b="1" dirty="0"/>
             </a:br>
             <a:r>
-              <a:rPr lang="pt-BR" b="1" dirty="0" err="1" smtClean="0"/>
+              <a:rPr lang="pt-BR" b="1" dirty="0" err="1"/>
               <a:t>devs</a:t>
             </a:r>
             <a:r>
-              <a:rPr lang="pt-BR" b="1" dirty="0" smtClean="0"/>
+              <a:rPr lang="pt-BR" b="1" dirty="0"/>
               <a:t> não entendem</a:t>
             </a:r>
-            <a:endParaRPr lang="pt-BR" b="1" dirty="0"/>
           </a:p>
         </p:txBody>
       </p:sp>
@@ -14917,7 +14932,7 @@
         </p:nvSpPr>
         <p:spPr>
           <a:xfrm>
-            <a:off x="3848650" y="6004797"/>
+            <a:off x="5372650" y="6004798"/>
             <a:ext cx="2299026" cy="646331"/>
           </a:xfrm>
           <a:prstGeom prst="rect">
@@ -14933,17 +14948,16 @@
           <a:p>
             <a:pPr algn="ctr"/>
             <a:r>
-              <a:rPr lang="pt-BR" b="1" dirty="0" smtClean="0"/>
+              <a:rPr lang="pt-BR" b="1" dirty="0"/>
               <a:t>Conceitos de negócio</a:t>
             </a:r>
             <a:br>
-              <a:rPr lang="pt-BR" b="1" dirty="0" smtClean="0"/>
+              <a:rPr lang="pt-BR" b="1" dirty="0"/>
             </a:br>
             <a:r>
-              <a:rPr lang="pt-BR" b="1" dirty="0" smtClean="0"/>
+              <a:rPr lang="pt-BR" b="1" dirty="0"/>
               <a:t>que não são o foco</a:t>
             </a:r>
-            <a:endParaRPr lang="pt-BR" b="1" dirty="0"/>
           </a:p>
         </p:txBody>
       </p:sp>
@@ -15153,6 +15167,14 @@
 <file path=ppt/slides/slide6.xml><?xml version="1.0" encoding="utf-8"?>
 <p:sld xmlns:a="http://schemas.openxmlformats.org/drawingml/2006/main" xmlns:r="http://schemas.openxmlformats.org/officeDocument/2006/relationships" xmlns:p="http://schemas.openxmlformats.org/presentationml/2006/main">
   <p:cSld>
+    <p:bg>
+      <p:bgPr>
+        <a:solidFill>
+          <a:srgbClr val="0070C0"/>
+        </a:solidFill>
+        <a:effectLst/>
+      </p:bgPr>
+    </p:bg>
     <p:spTree>
       <p:nvGrpSpPr>
         <p:cNvPr id="1" name=""/>
@@ -15621,7 +15643,7 @@
         </p:nvSpPr>
         <p:spPr>
           <a:xfrm>
-            <a:off x="33755" y="6462628"/>
+            <a:off x="1557755" y="6462628"/>
             <a:ext cx="6854500" cy="369332"/>
           </a:xfrm>
           <a:prstGeom prst="rect">
@@ -15668,7 +15690,7 @@
         </p:blipFill>
         <p:spPr bwMode="auto">
           <a:xfrm>
-            <a:off x="1001818" y="1612164"/>
+            <a:off x="2525819" y="1612164"/>
             <a:ext cx="7351713" cy="4552950"/>
           </a:xfrm>
           <a:prstGeom prst="rect">
@@ -15722,6 +15744,14 @@
 <file path=ppt/slides/slide8.xml><?xml version="1.0" encoding="utf-8"?>
 <p:sld xmlns:a="http://schemas.openxmlformats.org/drawingml/2006/main" xmlns:r="http://schemas.openxmlformats.org/officeDocument/2006/relationships" xmlns:p="http://schemas.openxmlformats.org/presentationml/2006/main">
   <p:cSld>
+    <p:bg>
+      <p:bgPr>
+        <a:solidFill>
+          <a:srgbClr val="0070C0"/>
+        </a:solidFill>
+        <a:effectLst/>
+      </p:bgPr>
+    </p:bg>
     <p:spTree>
       <p:nvGrpSpPr>
         <p:cNvPr id="1" name=""/>
@@ -15888,6 +15918,332 @@
           </a:p>
         </p:txBody>
       </p:sp>
+      <p:sp>
+        <p:nvSpPr>
+          <p:cNvPr id="5" name="Espaço Reservado para Conteúdo 2"/>
+          <p:cNvSpPr>
+            <a:spLocks noGrp="1"/>
+          </p:cNvSpPr>
+          <p:nvPr>
+            <p:ph idx="1"/>
+          </p:nvPr>
+        </p:nvSpPr>
+        <p:spPr>
+          <a:xfrm>
+            <a:off x="6744072" y="0"/>
+            <a:ext cx="7488832" cy="6858000"/>
+          </a:xfrm>
+          <a:solidFill>
+            <a:srgbClr val="0070C0"/>
+          </a:solidFill>
+        </p:spPr>
+        <p:txBody>
+          <a:bodyPr>
+            <a:normAutofit/>
+          </a:bodyPr>
+          <a:lstStyle/>
+          <a:p>
+            <a:pPr marL="0" indent="0">
+              <a:buNone/>
+            </a:pPr>
+            <a:endParaRPr lang="pt-BR" dirty="0" smtClean="0">
+              <a:solidFill>
+                <a:schemeClr val="bg1"/>
+              </a:solidFill>
+            </a:endParaRPr>
+          </a:p>
+          <a:p>
+            <a:pPr marL="0" indent="0">
+              <a:buNone/>
+            </a:pPr>
+            <a:endParaRPr lang="pt-BR" dirty="0">
+              <a:solidFill>
+                <a:schemeClr val="bg1"/>
+              </a:solidFill>
+            </a:endParaRPr>
+          </a:p>
+          <a:p>
+            <a:pPr marL="0" indent="0">
+              <a:buNone/>
+            </a:pPr>
+            <a:endParaRPr lang="pt-BR" dirty="0" smtClean="0">
+              <a:solidFill>
+                <a:schemeClr val="bg1"/>
+              </a:solidFill>
+            </a:endParaRPr>
+          </a:p>
+          <a:p>
+            <a:pPr marL="0" indent="0" algn="ctr">
+              <a:buNone/>
+            </a:pPr>
+            <a:r>
+              <a:rPr lang="pt-BR" sz="3200" b="1" dirty="0">
+                <a:solidFill>
+                  <a:schemeClr val="tx1"/>
+                </a:solidFill>
+                <a:effectLst>
+                  <a:outerShdw blurRad="38100" dist="38100" dir="2700000" algn="tl">
+                    <a:srgbClr val="000000">
+                      <a:alpha val="43137"/>
+                    </a:srgbClr>
+                  </a:outerShdw>
+                </a:effectLst>
+              </a:rPr>
+              <a:t>Relacionamentos</a:t>
+            </a:r>
+          </a:p>
+          <a:p>
+            <a:endParaRPr lang="pt-BR" dirty="0" smtClean="0">
+              <a:solidFill>
+                <a:schemeClr val="tx1"/>
+              </a:solidFill>
+            </a:endParaRPr>
+          </a:p>
+          <a:p>
+            <a:pPr lvl="1"/>
+            <a:r>
+              <a:rPr lang="pt-BR" sz="2400" dirty="0" err="1">
+                <a:solidFill>
+                  <a:schemeClr val="tx1"/>
+                </a:solidFill>
+              </a:rPr>
+              <a:t>Partnership</a:t>
+            </a:r>
+            <a:endParaRPr lang="pt-BR" sz="2400" dirty="0">
+              <a:solidFill>
+                <a:schemeClr val="tx1"/>
+              </a:solidFill>
+            </a:endParaRPr>
+          </a:p>
+          <a:p>
+            <a:pPr lvl="1"/>
+            <a:r>
+              <a:rPr lang="pt-BR" sz="2400" dirty="0" err="1">
+                <a:solidFill>
+                  <a:schemeClr val="tx1"/>
+                </a:solidFill>
+              </a:rPr>
+              <a:t>Shared</a:t>
+            </a:r>
+            <a:r>
+              <a:rPr lang="pt-BR" sz="2400" dirty="0">
+                <a:solidFill>
+                  <a:schemeClr val="tx1"/>
+                </a:solidFill>
+              </a:rPr>
+              <a:t> </a:t>
+            </a:r>
+            <a:r>
+              <a:rPr lang="pt-BR" sz="2400" dirty="0" err="1">
+                <a:solidFill>
+                  <a:schemeClr val="tx1"/>
+                </a:solidFill>
+              </a:rPr>
+              <a:t>Kernel</a:t>
+            </a:r>
+            <a:endParaRPr lang="pt-BR" sz="2400" dirty="0">
+              <a:solidFill>
+                <a:schemeClr val="tx1"/>
+              </a:solidFill>
+            </a:endParaRPr>
+          </a:p>
+          <a:p>
+            <a:pPr lvl="1"/>
+            <a:r>
+              <a:rPr lang="pt-BR" sz="2400" dirty="0">
+                <a:solidFill>
+                  <a:schemeClr val="tx1"/>
+                </a:solidFill>
+              </a:rPr>
+              <a:t>Open Host Service</a:t>
+            </a:r>
+          </a:p>
+          <a:p>
+            <a:pPr lvl="1"/>
+            <a:r>
+              <a:rPr lang="pt-BR" sz="2400" dirty="0" err="1">
+                <a:solidFill>
+                  <a:schemeClr val="tx1"/>
+                </a:solidFill>
+              </a:rPr>
+              <a:t>Customer</a:t>
+            </a:r>
+            <a:r>
+              <a:rPr lang="pt-BR" sz="2400" dirty="0">
+                <a:solidFill>
+                  <a:schemeClr val="tx1"/>
+                </a:solidFill>
+              </a:rPr>
+              <a:t>/</a:t>
+            </a:r>
+            <a:r>
+              <a:rPr lang="pt-BR" sz="2400" dirty="0" err="1">
+                <a:solidFill>
+                  <a:schemeClr val="tx1"/>
+                </a:solidFill>
+              </a:rPr>
+              <a:t>Supplier</a:t>
+            </a:r>
+            <a:endParaRPr lang="pt-BR" sz="2400" dirty="0">
+              <a:solidFill>
+                <a:schemeClr val="tx1"/>
+              </a:solidFill>
+            </a:endParaRPr>
+          </a:p>
+          <a:p>
+            <a:pPr lvl="1"/>
+            <a:r>
+              <a:rPr lang="pt-BR" sz="2400" dirty="0">
+                <a:solidFill>
+                  <a:schemeClr val="tx1"/>
+                </a:solidFill>
+              </a:rPr>
+              <a:t>Big Ball </a:t>
+            </a:r>
+            <a:r>
+              <a:rPr lang="pt-BR" sz="2400" dirty="0" err="1">
+                <a:solidFill>
+                  <a:schemeClr val="tx1"/>
+                </a:solidFill>
+              </a:rPr>
+              <a:t>Of</a:t>
+            </a:r>
+            <a:r>
+              <a:rPr lang="pt-BR" sz="2400" dirty="0">
+                <a:solidFill>
+                  <a:schemeClr val="tx1"/>
+                </a:solidFill>
+              </a:rPr>
+              <a:t> </a:t>
+            </a:r>
+            <a:r>
+              <a:rPr lang="pt-BR" sz="2400" dirty="0" err="1">
+                <a:solidFill>
+                  <a:schemeClr val="tx1"/>
+                </a:solidFill>
+              </a:rPr>
+              <a:t>Mud</a:t>
+            </a:r>
+            <a:endParaRPr lang="pt-BR" sz="2400" dirty="0">
+              <a:solidFill>
+                <a:schemeClr val="tx1"/>
+              </a:solidFill>
+            </a:endParaRPr>
+          </a:p>
+          <a:p>
+            <a:pPr lvl="1"/>
+            <a:r>
+              <a:rPr lang="pt-BR" sz="2400" dirty="0" err="1">
+                <a:solidFill>
+                  <a:schemeClr val="tx1"/>
+                </a:solidFill>
+              </a:rPr>
+              <a:t>Conformist</a:t>
+            </a:r>
+            <a:endParaRPr lang="pt-BR" sz="2400" dirty="0">
+              <a:solidFill>
+                <a:schemeClr val="tx1"/>
+              </a:solidFill>
+            </a:endParaRPr>
+          </a:p>
+          <a:p>
+            <a:pPr lvl="1"/>
+            <a:r>
+              <a:rPr lang="pt-BR" sz="2400" dirty="0" err="1">
+                <a:solidFill>
+                  <a:schemeClr val="tx1"/>
+                </a:solidFill>
+              </a:rPr>
+              <a:t>Anticorruption</a:t>
+            </a:r>
+            <a:r>
+              <a:rPr lang="pt-BR" sz="2400" dirty="0">
+                <a:solidFill>
+                  <a:schemeClr val="tx1"/>
+                </a:solidFill>
+              </a:rPr>
+              <a:t> </a:t>
+            </a:r>
+            <a:r>
+              <a:rPr lang="pt-BR" sz="2400" dirty="0" err="1">
+                <a:solidFill>
+                  <a:schemeClr val="tx1"/>
+                </a:solidFill>
+              </a:rPr>
+              <a:t>Layer</a:t>
+            </a:r>
+            <a:endParaRPr lang="pt-BR" sz="2400" dirty="0">
+              <a:solidFill>
+                <a:schemeClr val="tx1"/>
+              </a:solidFill>
+            </a:endParaRPr>
+          </a:p>
+          <a:p>
+            <a:pPr lvl="1"/>
+            <a:r>
+              <a:rPr lang="pt-BR" sz="2400" dirty="0" err="1">
+                <a:solidFill>
+                  <a:schemeClr val="tx1"/>
+                </a:solidFill>
+              </a:rPr>
+              <a:t>Separate</a:t>
+            </a:r>
+            <a:r>
+              <a:rPr lang="pt-BR" sz="2400" dirty="0">
+                <a:solidFill>
+                  <a:schemeClr val="tx1"/>
+                </a:solidFill>
+              </a:rPr>
+              <a:t> </a:t>
+            </a:r>
+            <a:r>
+              <a:rPr lang="pt-BR" sz="2400" dirty="0" err="1">
+                <a:solidFill>
+                  <a:schemeClr val="tx1"/>
+                </a:solidFill>
+              </a:rPr>
+              <a:t>Ways</a:t>
+            </a:r>
+            <a:endParaRPr lang="pt-BR" sz="2400" dirty="0">
+              <a:solidFill>
+                <a:schemeClr val="tx1"/>
+              </a:solidFill>
+            </a:endParaRPr>
+          </a:p>
+          <a:p>
+            <a:pPr lvl="1"/>
+            <a:r>
+              <a:rPr lang="pt-BR" sz="2400" dirty="0" err="1">
+                <a:solidFill>
+                  <a:schemeClr val="tx1"/>
+                </a:solidFill>
+              </a:rPr>
+              <a:t>Published</a:t>
+            </a:r>
+            <a:r>
+              <a:rPr lang="pt-BR" sz="2400" dirty="0">
+                <a:solidFill>
+                  <a:schemeClr val="tx1"/>
+                </a:solidFill>
+              </a:rPr>
+              <a:t> </a:t>
+            </a:r>
+            <a:r>
+              <a:rPr lang="pt-BR" sz="2400" dirty="0" err="1">
+                <a:solidFill>
+                  <a:schemeClr val="tx1"/>
+                </a:solidFill>
+              </a:rPr>
+              <a:t>Language</a:t>
+            </a:r>
+            <a:endParaRPr lang="en-US" sz="2400" dirty="0">
+              <a:solidFill>
+                <a:schemeClr val="tx1"/>
+              </a:solidFill>
+            </a:endParaRPr>
+          </a:p>
+        </p:txBody>
+      </p:sp>
       <p:pic>
         <p:nvPicPr>
           <p:cNvPr id="1026" name="Picture 2" descr="https://ptgmedia.pearsoncmg.com/images/chap5_9780735685352/elementLinks/05fig05.jpg"/>
@@ -15911,7 +16267,7 @@
         </p:blipFill>
         <p:spPr bwMode="auto">
           <a:xfrm>
-            <a:off x="616024" y="2060848"/>
+            <a:off x="2140024" y="2060848"/>
             <a:ext cx="4305300" cy="3133726"/>
           </a:xfrm>
           <a:prstGeom prst="rect">
@@ -15929,332 +16285,6 @@
           </a:extLst>
         </p:spPr>
       </p:pic>
-      <p:sp>
-        <p:nvSpPr>
-          <p:cNvPr id="5" name="Espaço Reservado para Conteúdo 2"/>
-          <p:cNvSpPr>
-            <a:spLocks noGrp="1"/>
-          </p:cNvSpPr>
-          <p:nvPr>
-            <p:ph idx="1"/>
-          </p:nvPr>
-        </p:nvSpPr>
-        <p:spPr>
-          <a:xfrm>
-            <a:off x="5220072" y="0"/>
-            <a:ext cx="3923928" cy="6858000"/>
-          </a:xfrm>
-          <a:solidFill>
-            <a:srgbClr val="0070C0"/>
-          </a:solidFill>
-        </p:spPr>
-        <p:txBody>
-          <a:bodyPr>
-            <a:normAutofit/>
-          </a:bodyPr>
-          <a:lstStyle/>
-          <a:p>
-            <a:pPr marL="0" indent="0">
-              <a:buNone/>
-            </a:pPr>
-            <a:endParaRPr lang="pt-BR" dirty="0" smtClean="0">
-              <a:solidFill>
-                <a:schemeClr val="bg1"/>
-              </a:solidFill>
-            </a:endParaRPr>
-          </a:p>
-          <a:p>
-            <a:pPr marL="0" indent="0">
-              <a:buNone/>
-            </a:pPr>
-            <a:endParaRPr lang="pt-BR" dirty="0">
-              <a:solidFill>
-                <a:schemeClr val="bg1"/>
-              </a:solidFill>
-            </a:endParaRPr>
-          </a:p>
-          <a:p>
-            <a:pPr marL="0" indent="0">
-              <a:buNone/>
-            </a:pPr>
-            <a:endParaRPr lang="pt-BR" dirty="0" smtClean="0">
-              <a:solidFill>
-                <a:schemeClr val="bg1"/>
-              </a:solidFill>
-            </a:endParaRPr>
-          </a:p>
-          <a:p>
-            <a:pPr marL="0" indent="0" algn="ctr">
-              <a:buNone/>
-            </a:pPr>
-            <a:r>
-              <a:rPr lang="pt-BR" sz="3200" b="1" dirty="0" smtClean="0">
-                <a:solidFill>
-                  <a:schemeClr val="tx1"/>
-                </a:solidFill>
-                <a:effectLst>
-                  <a:outerShdw blurRad="38100" dist="38100" dir="2700000" algn="tl">
-                    <a:srgbClr val="000000">
-                      <a:alpha val="43137"/>
-                    </a:srgbClr>
-                  </a:outerShdw>
-                </a:effectLst>
-              </a:rPr>
-              <a:t>Relacionamentos</a:t>
-            </a:r>
-          </a:p>
-          <a:p>
-            <a:endParaRPr lang="pt-BR" dirty="0" smtClean="0">
-              <a:solidFill>
-                <a:schemeClr val="tx1"/>
-              </a:solidFill>
-            </a:endParaRPr>
-          </a:p>
-          <a:p>
-            <a:pPr lvl="1"/>
-            <a:r>
-              <a:rPr lang="pt-BR" sz="2400" dirty="0" err="1" smtClean="0">
-                <a:solidFill>
-                  <a:schemeClr val="tx1"/>
-                </a:solidFill>
-              </a:rPr>
-              <a:t>Partnership</a:t>
-            </a:r>
-            <a:endParaRPr lang="pt-BR" sz="2400" dirty="0" smtClean="0">
-              <a:solidFill>
-                <a:schemeClr val="tx1"/>
-              </a:solidFill>
-            </a:endParaRPr>
-          </a:p>
-          <a:p>
-            <a:pPr lvl="1"/>
-            <a:r>
-              <a:rPr lang="pt-BR" sz="2400" dirty="0" err="1" smtClean="0">
-                <a:solidFill>
-                  <a:schemeClr val="tx1"/>
-                </a:solidFill>
-              </a:rPr>
-              <a:t>Shared</a:t>
-            </a:r>
-            <a:r>
-              <a:rPr lang="pt-BR" sz="2400" dirty="0" smtClean="0">
-                <a:solidFill>
-                  <a:schemeClr val="tx1"/>
-                </a:solidFill>
-              </a:rPr>
-              <a:t> </a:t>
-            </a:r>
-            <a:r>
-              <a:rPr lang="pt-BR" sz="2400" dirty="0" err="1" smtClean="0">
-                <a:solidFill>
-                  <a:schemeClr val="tx1"/>
-                </a:solidFill>
-              </a:rPr>
-              <a:t>Kernel</a:t>
-            </a:r>
-            <a:endParaRPr lang="pt-BR" sz="2400" dirty="0" smtClean="0">
-              <a:solidFill>
-                <a:schemeClr val="tx1"/>
-              </a:solidFill>
-            </a:endParaRPr>
-          </a:p>
-          <a:p>
-            <a:pPr lvl="1"/>
-            <a:r>
-              <a:rPr lang="pt-BR" sz="2400" dirty="0" smtClean="0">
-                <a:solidFill>
-                  <a:schemeClr val="tx1"/>
-                </a:solidFill>
-              </a:rPr>
-              <a:t>Open Host Service</a:t>
-            </a:r>
-          </a:p>
-          <a:p>
-            <a:pPr lvl="1"/>
-            <a:r>
-              <a:rPr lang="pt-BR" sz="2400" dirty="0" err="1" smtClean="0">
-                <a:solidFill>
-                  <a:schemeClr val="tx1"/>
-                </a:solidFill>
-              </a:rPr>
-              <a:t>Customer</a:t>
-            </a:r>
-            <a:r>
-              <a:rPr lang="pt-BR" sz="2400" dirty="0" smtClean="0">
-                <a:solidFill>
-                  <a:schemeClr val="tx1"/>
-                </a:solidFill>
-              </a:rPr>
-              <a:t>/</a:t>
-            </a:r>
-            <a:r>
-              <a:rPr lang="pt-BR" sz="2400" dirty="0" err="1" smtClean="0">
-                <a:solidFill>
-                  <a:schemeClr val="tx1"/>
-                </a:solidFill>
-              </a:rPr>
-              <a:t>Supplier</a:t>
-            </a:r>
-            <a:endParaRPr lang="pt-BR" sz="2400" dirty="0" smtClean="0">
-              <a:solidFill>
-                <a:schemeClr val="tx1"/>
-              </a:solidFill>
-            </a:endParaRPr>
-          </a:p>
-          <a:p>
-            <a:pPr lvl="1"/>
-            <a:r>
-              <a:rPr lang="pt-BR" sz="2400" dirty="0" smtClean="0">
-                <a:solidFill>
-                  <a:schemeClr val="tx1"/>
-                </a:solidFill>
-              </a:rPr>
-              <a:t>Big Ball </a:t>
-            </a:r>
-            <a:r>
-              <a:rPr lang="pt-BR" sz="2400" dirty="0" err="1" smtClean="0">
-                <a:solidFill>
-                  <a:schemeClr val="tx1"/>
-                </a:solidFill>
-              </a:rPr>
-              <a:t>Of</a:t>
-            </a:r>
-            <a:r>
-              <a:rPr lang="pt-BR" sz="2400" dirty="0" smtClean="0">
-                <a:solidFill>
-                  <a:schemeClr val="tx1"/>
-                </a:solidFill>
-              </a:rPr>
-              <a:t> </a:t>
-            </a:r>
-            <a:r>
-              <a:rPr lang="pt-BR" sz="2400" dirty="0" err="1" smtClean="0">
-                <a:solidFill>
-                  <a:schemeClr val="tx1"/>
-                </a:solidFill>
-              </a:rPr>
-              <a:t>Mud</a:t>
-            </a:r>
-            <a:endParaRPr lang="pt-BR" sz="2400" dirty="0" smtClean="0">
-              <a:solidFill>
-                <a:schemeClr val="tx1"/>
-              </a:solidFill>
-            </a:endParaRPr>
-          </a:p>
-          <a:p>
-            <a:pPr lvl="1"/>
-            <a:r>
-              <a:rPr lang="pt-BR" sz="2400" dirty="0" err="1" smtClean="0">
-                <a:solidFill>
-                  <a:schemeClr val="tx1"/>
-                </a:solidFill>
-              </a:rPr>
-              <a:t>Conformist</a:t>
-            </a:r>
-            <a:endParaRPr lang="pt-BR" sz="2400" dirty="0" smtClean="0">
-              <a:solidFill>
-                <a:schemeClr val="tx1"/>
-              </a:solidFill>
-            </a:endParaRPr>
-          </a:p>
-          <a:p>
-            <a:pPr lvl="1"/>
-            <a:r>
-              <a:rPr lang="pt-BR" sz="2400" dirty="0" err="1" smtClean="0">
-                <a:solidFill>
-                  <a:schemeClr val="tx1"/>
-                </a:solidFill>
-              </a:rPr>
-              <a:t>Anticorruption</a:t>
-            </a:r>
-            <a:r>
-              <a:rPr lang="pt-BR" sz="2400" dirty="0" smtClean="0">
-                <a:solidFill>
-                  <a:schemeClr val="tx1"/>
-                </a:solidFill>
-              </a:rPr>
-              <a:t> </a:t>
-            </a:r>
-            <a:r>
-              <a:rPr lang="pt-BR" sz="2400" dirty="0" err="1" smtClean="0">
-                <a:solidFill>
-                  <a:schemeClr val="tx1"/>
-                </a:solidFill>
-              </a:rPr>
-              <a:t>Layer</a:t>
-            </a:r>
-            <a:endParaRPr lang="pt-BR" sz="2400" dirty="0" smtClean="0">
-              <a:solidFill>
-                <a:schemeClr val="tx1"/>
-              </a:solidFill>
-            </a:endParaRPr>
-          </a:p>
-          <a:p>
-            <a:pPr lvl="1"/>
-            <a:r>
-              <a:rPr lang="pt-BR" sz="2400" dirty="0" err="1" smtClean="0">
-                <a:solidFill>
-                  <a:schemeClr val="tx1"/>
-                </a:solidFill>
-              </a:rPr>
-              <a:t>Separate</a:t>
-            </a:r>
-            <a:r>
-              <a:rPr lang="pt-BR" sz="2400" dirty="0" smtClean="0">
-                <a:solidFill>
-                  <a:schemeClr val="tx1"/>
-                </a:solidFill>
-              </a:rPr>
-              <a:t> </a:t>
-            </a:r>
-            <a:r>
-              <a:rPr lang="pt-BR" sz="2400" dirty="0" err="1" smtClean="0">
-                <a:solidFill>
-                  <a:schemeClr val="tx1"/>
-                </a:solidFill>
-              </a:rPr>
-              <a:t>Ways</a:t>
-            </a:r>
-            <a:endParaRPr lang="pt-BR" sz="2400" dirty="0" smtClean="0">
-              <a:solidFill>
-                <a:schemeClr val="tx1"/>
-              </a:solidFill>
-            </a:endParaRPr>
-          </a:p>
-          <a:p>
-            <a:pPr lvl="1"/>
-            <a:r>
-              <a:rPr lang="pt-BR" sz="2400" dirty="0" err="1" smtClean="0">
-                <a:solidFill>
-                  <a:schemeClr val="tx1"/>
-                </a:solidFill>
-              </a:rPr>
-              <a:t>Published</a:t>
-            </a:r>
-            <a:r>
-              <a:rPr lang="pt-BR" sz="2400" dirty="0" smtClean="0">
-                <a:solidFill>
-                  <a:schemeClr val="tx1"/>
-                </a:solidFill>
-              </a:rPr>
-              <a:t> </a:t>
-            </a:r>
-            <a:r>
-              <a:rPr lang="pt-BR" sz="2400" dirty="0" err="1" smtClean="0">
-                <a:solidFill>
-                  <a:schemeClr val="tx1"/>
-                </a:solidFill>
-              </a:rPr>
-              <a:t>Language</a:t>
-            </a:r>
-            <a:endParaRPr lang="en-US" sz="2400" dirty="0">
-              <a:solidFill>
-                <a:schemeClr val="tx1"/>
-              </a:solidFill>
-            </a:endParaRPr>
-          </a:p>
-        </p:txBody>
-      </p:sp>
     </p:spTree>
     <p:extLst>
       <p:ext uri="{BB962C8B-B14F-4D97-AF65-F5344CB8AC3E}">
@@ -16914,7 +16944,7 @@
 <file path=ppt/theme/theme2.xml><?xml version="1.0" encoding="utf-8"?>
 <a:theme xmlns:a="http://schemas.openxmlformats.org/drawingml/2006/main" name="Profundidade">
   <a:themeElements>
-    <a:clrScheme name="Capital Próprio">
+    <a:clrScheme name="Profundidade">
       <a:dk1>
         <a:sysClr val="windowText" lastClr="000000"/>
       </a:dk1>
@@ -16922,34 +16952,34 @@
         <a:sysClr val="window" lastClr="FFFFFF"/>
       </a:lt1>
       <a:dk2>
-        <a:srgbClr val="696464"/>
+        <a:srgbClr val="4B4B4B"/>
       </a:dk2>
       <a:lt2>
-        <a:srgbClr val="E9E5DC"/>
+        <a:srgbClr val="8ED5C1"/>
       </a:lt2>
       <a:accent1>
-        <a:srgbClr val="D34817"/>
+        <a:srgbClr val="73CBB2"/>
       </a:accent1>
       <a:accent2>
-        <a:srgbClr val="9B2D1F"/>
+        <a:srgbClr val="AACD5B"/>
       </a:accent2>
       <a:accent3>
-        <a:srgbClr val="A28E6A"/>
+        <a:srgbClr val="65A9E1"/>
       </a:accent3>
       <a:accent4>
-        <a:srgbClr val="956251"/>
+        <a:srgbClr val="6274D8"/>
       </a:accent4>
       <a:accent5>
-        <a:srgbClr val="918485"/>
+        <a:srgbClr val="AB54D7"/>
       </a:accent5>
       <a:accent6>
-        <a:srgbClr val="855D5D"/>
+        <a:srgbClr val="D15B37"/>
       </a:accent6>
       <a:hlink>
-        <a:srgbClr val="CC9900"/>
+        <a:srgbClr val="BFE962"/>
       </a:hlink>
       <a:folHlink>
-        <a:srgbClr val="96A9A9"/>
+        <a:srgbClr val="C0D591"/>
       </a:folHlink>
     </a:clrScheme>
     <a:fontScheme name="Profundidade">
@@ -17166,7 +17196,7 @@
   <a:extraClrSchemeLst/>
   <a:extLst>
     <a:ext uri="{05A4C25C-085E-4340-85A3-A5531E510DB2}">
-      <thm15:themeFamily xmlns="" xmlns:thm15="http://schemas.microsoft.com/office/thememl/2012/main" name="Depth" id="{7BEAFC2A-325C-49C4-AC08-2B765DA903F9}" vid="{47428100-C732-4B2E-A30A-5273F581A0FA}"/>
+      <thm15:themeFamily xmlns:thm15="http://schemas.microsoft.com/office/thememl/2012/main" name="Depth" id="{7BEAFC2A-325C-49C4-AC08-2B765DA903F9}" vid="{47428100-C732-4B2E-A30A-5273F581A0FA}"/>
     </a:ext>
   </a:extLst>
 </a:theme>
